--- a/git발표.pptx
+++ b/git발표.pptx
@@ -10,6 +10,7 @@
     <p:sldId id="258" r:id="rId4"/>
     <p:sldId id="259" r:id="rId5"/>
     <p:sldId id="260" r:id="rId6"/>
+    <p:sldId id="261" r:id="rId7"/>
   </p:sldIdLst>
   <p:sldSz cx="9144000" cy="5143500" type="screen16x9"/>
   <p:notesSz cx="6858000" cy="9144000"/>
@@ -5670,6 +5671,697 @@
       <p:cxnSp>
         <p:nvCxnSpPr>
           <p:cNvPr id="12" name="직선 연결선 11"/>
+          <p:cNvCxnSpPr/>
+          <p:nvPr/>
+        </p:nvCxnSpPr>
+        <p:spPr>
+          <a:xfrm>
+            <a:off x="467544" y="4299942"/>
+            <a:ext cx="8208912" cy="0"/>
+          </a:xfrm>
+          <a:prstGeom prst="line">
+            <a:avLst/>
+          </a:prstGeom>
+          <a:ln w="12700">
+            <a:solidFill>
+              <a:schemeClr val="bg1"/>
+            </a:solidFill>
+          </a:ln>
+        </p:spPr>
+        <p:style>
+          <a:lnRef idx="1">
+            <a:schemeClr val="accent1"/>
+          </a:lnRef>
+          <a:fillRef idx="0">
+            <a:schemeClr val="accent1"/>
+          </a:fillRef>
+          <a:effectRef idx="0">
+            <a:schemeClr val="accent1"/>
+          </a:effectRef>
+          <a:fontRef idx="minor">
+            <a:schemeClr val="tx1"/>
+          </a:fontRef>
+        </p:style>
+      </p:cxnSp>
+      <p:sp>
+        <p:nvSpPr>
+          <p:cNvPr id="29" name="TextBox 28"/>
+          <p:cNvSpPr txBox="1"/>
+          <p:nvPr/>
+        </p:nvSpPr>
+        <p:spPr>
+          <a:xfrm>
+            <a:off x="1907704" y="1851670"/>
+            <a:ext cx="5328592" cy="1938992"/>
+          </a:xfrm>
+          <a:prstGeom prst="rect">
+            <a:avLst/>
+          </a:prstGeom>
+          <a:noFill/>
+        </p:spPr>
+        <p:txBody>
+          <a:bodyPr wrap="square" rtlCol="0">
+            <a:spAutoFit/>
+          </a:bodyPr>
+          <a:lstStyle/>
+          <a:p>
+            <a:pPr algn="ctr">
+              <a:buFontTx/>
+              <a:buChar char="-"/>
+            </a:pPr>
+            <a:r>
+              <a:rPr lang="en-US" altLang="ko-KR" sz="2400" dirty="0" smtClean="0">
+                <a:solidFill>
+                  <a:schemeClr val="bg1">
+                    <a:lumMod val="95000"/>
+                  </a:schemeClr>
+                </a:solidFill>
+                <a:latin typeface="나눔바른고딕" pitchFamily="50" charset="-127"/>
+                <a:ea typeface="나눔바른고딕" pitchFamily="50" charset="-127"/>
+              </a:rPr>
+              <a:t> </a:t>
+            </a:r>
+            <a:r>
+              <a:rPr lang="en-US" altLang="ko-KR" sz="2400" dirty="0" err="1" smtClean="0">
+                <a:solidFill>
+                  <a:schemeClr val="bg1">
+                    <a:lumMod val="95000"/>
+                  </a:schemeClr>
+                </a:solidFill>
+                <a:latin typeface="나눔바른고딕" pitchFamily="50" charset="-127"/>
+                <a:ea typeface="나눔바른고딕" pitchFamily="50" charset="-127"/>
+              </a:rPr>
+              <a:t>git</a:t>
+            </a:r>
+            <a:r>
+              <a:rPr lang="en-US" altLang="ko-KR" sz="2400" dirty="0" smtClean="0">
+                <a:solidFill>
+                  <a:schemeClr val="bg1">
+                    <a:lumMod val="95000"/>
+                  </a:schemeClr>
+                </a:solidFill>
+                <a:latin typeface="나눔바른고딕" pitchFamily="50" charset="-127"/>
+                <a:ea typeface="나눔바른고딕" pitchFamily="50" charset="-127"/>
+              </a:rPr>
+              <a:t>, </a:t>
+            </a:r>
+            <a:r>
+              <a:rPr lang="en-US" altLang="ko-KR" sz="2400" dirty="0" err="1" smtClean="0">
+                <a:solidFill>
+                  <a:schemeClr val="bg1">
+                    <a:lumMod val="95000"/>
+                  </a:schemeClr>
+                </a:solidFill>
+                <a:latin typeface="나눔바른고딕" pitchFamily="50" charset="-127"/>
+                <a:ea typeface="나눔바른고딕" pitchFamily="50" charset="-127"/>
+              </a:rPr>
+              <a:t>svn</a:t>
+            </a:r>
+            <a:r>
+              <a:rPr lang="en-US" altLang="ko-KR" sz="2400" dirty="0" smtClean="0">
+                <a:solidFill>
+                  <a:schemeClr val="bg1">
+                    <a:lumMod val="95000"/>
+                  </a:schemeClr>
+                </a:solidFill>
+                <a:latin typeface="나눔바른고딕" pitchFamily="50" charset="-127"/>
+                <a:ea typeface="나눔바른고딕" pitchFamily="50" charset="-127"/>
+              </a:rPr>
+              <a:t> </a:t>
+            </a:r>
+            <a:r>
+              <a:rPr lang="ko-KR" altLang="en-US" sz="2400" dirty="0" smtClean="0">
+                <a:solidFill>
+                  <a:schemeClr val="bg1">
+                    <a:lumMod val="95000"/>
+                  </a:schemeClr>
+                </a:solidFill>
+                <a:latin typeface="나눔바른고딕" pitchFamily="50" charset="-127"/>
+                <a:ea typeface="나눔바른고딕" pitchFamily="50" charset="-127"/>
+              </a:rPr>
+              <a:t>사용목적 </a:t>
+            </a:r>
+            <a:r>
+              <a:rPr lang="en-US" altLang="ko-KR" sz="2400" dirty="0" smtClean="0">
+                <a:solidFill>
+                  <a:schemeClr val="bg1">
+                    <a:lumMod val="95000"/>
+                  </a:schemeClr>
+                </a:solidFill>
+                <a:latin typeface="나눔바른고딕" pitchFamily="50" charset="-127"/>
+                <a:ea typeface="나눔바른고딕" pitchFamily="50" charset="-127"/>
+              </a:rPr>
+              <a:t>(</a:t>
+            </a:r>
+            <a:r>
+              <a:rPr lang="ko-KR" altLang="en-US" sz="2400" dirty="0" smtClean="0">
+                <a:solidFill>
+                  <a:schemeClr val="bg1">
+                    <a:lumMod val="95000"/>
+                  </a:schemeClr>
+                </a:solidFill>
+                <a:latin typeface="나눔바른고딕" pitchFamily="50" charset="-127"/>
+                <a:ea typeface="나눔바른고딕" pitchFamily="50" charset="-127"/>
+              </a:rPr>
+              <a:t>사용패턴</a:t>
+            </a:r>
+            <a:r>
+              <a:rPr lang="en-US" altLang="ko-KR" sz="2400" dirty="0" smtClean="0">
+                <a:solidFill>
+                  <a:schemeClr val="bg1">
+                    <a:lumMod val="95000"/>
+                  </a:schemeClr>
+                </a:solidFill>
+                <a:latin typeface="나눔바른고딕" pitchFamily="50" charset="-127"/>
+                <a:ea typeface="나눔바른고딕" pitchFamily="50" charset="-127"/>
+              </a:rPr>
+              <a:t>)</a:t>
+            </a:r>
+            <a:r>
+              <a:rPr lang="ko-KR" altLang="en-US" sz="2400" dirty="0" smtClean="0">
+                <a:solidFill>
+                  <a:schemeClr val="bg1">
+                    <a:lumMod val="95000"/>
+                  </a:schemeClr>
+                </a:solidFill>
+                <a:latin typeface="나눔바른고딕" pitchFamily="50" charset="-127"/>
+                <a:ea typeface="나눔바른고딕" pitchFamily="50" charset="-127"/>
+              </a:rPr>
+              <a:t>이 같았음</a:t>
+            </a:r>
+            <a:r>
+              <a:rPr lang="en-US" altLang="ko-KR" sz="2400" dirty="0" smtClean="0">
+                <a:solidFill>
+                  <a:schemeClr val="bg1">
+                    <a:lumMod val="95000"/>
+                  </a:schemeClr>
+                </a:solidFill>
+                <a:latin typeface="나눔바른고딕" pitchFamily="50" charset="-127"/>
+                <a:ea typeface="나눔바른고딕" pitchFamily="50" charset="-127"/>
+              </a:rPr>
+              <a:t>.</a:t>
+            </a:r>
+            <a:br>
+              <a:rPr lang="en-US" altLang="ko-KR" sz="2400" dirty="0" smtClean="0">
+                <a:solidFill>
+                  <a:schemeClr val="bg1">
+                    <a:lumMod val="95000"/>
+                  </a:schemeClr>
+                </a:solidFill>
+                <a:latin typeface="나눔바른고딕" pitchFamily="50" charset="-127"/>
+                <a:ea typeface="나눔바른고딕" pitchFamily="50" charset="-127"/>
+              </a:rPr>
+            </a:br>
+            <a:r>
+              <a:rPr lang="en-US" altLang="ko-KR" sz="2400" dirty="0" smtClean="0">
+                <a:solidFill>
+                  <a:schemeClr val="bg1">
+                    <a:lumMod val="95000"/>
+                  </a:schemeClr>
+                </a:solidFill>
+                <a:latin typeface="나눔바른고딕" pitchFamily="50" charset="-127"/>
+                <a:ea typeface="나눔바른고딕" pitchFamily="50" charset="-127"/>
+              </a:rPr>
+              <a:t>- </a:t>
+            </a:r>
+            <a:r>
+              <a:rPr lang="ko-KR" altLang="en-US" sz="2400" dirty="0" smtClean="0">
+                <a:solidFill>
+                  <a:schemeClr val="bg1">
+                    <a:lumMod val="95000"/>
+                  </a:schemeClr>
+                </a:solidFill>
+                <a:latin typeface="나눔바른고딕" pitchFamily="50" charset="-127"/>
+                <a:ea typeface="나눔바른고딕" pitchFamily="50" charset="-127"/>
+              </a:rPr>
+              <a:t>같은 행위에 대한 명령어 단계가 감축</a:t>
+            </a:r>
+            <a:r>
+              <a:rPr lang="en-US" altLang="ko-KR" sz="2400" dirty="0" smtClean="0">
+                <a:solidFill>
+                  <a:schemeClr val="bg1">
+                    <a:lumMod val="95000"/>
+                  </a:schemeClr>
+                </a:solidFill>
+                <a:latin typeface="나눔바른고딕" pitchFamily="50" charset="-127"/>
+                <a:ea typeface="나눔바른고딕" pitchFamily="50" charset="-127"/>
+              </a:rPr>
+              <a:t>.</a:t>
+            </a:r>
+            <a:br>
+              <a:rPr lang="en-US" altLang="ko-KR" sz="2400" dirty="0" smtClean="0">
+                <a:solidFill>
+                  <a:schemeClr val="bg1">
+                    <a:lumMod val="95000"/>
+                  </a:schemeClr>
+                </a:solidFill>
+                <a:latin typeface="나눔바른고딕" pitchFamily="50" charset="-127"/>
+                <a:ea typeface="나눔바른고딕" pitchFamily="50" charset="-127"/>
+              </a:rPr>
+            </a:br>
+            <a:r>
+              <a:rPr lang="en-US" altLang="ko-KR" sz="2400" dirty="0" smtClean="0">
+                <a:solidFill>
+                  <a:schemeClr val="bg1">
+                    <a:lumMod val="95000"/>
+                  </a:schemeClr>
+                </a:solidFill>
+                <a:latin typeface="나눔바른고딕" pitchFamily="50" charset="-127"/>
+                <a:ea typeface="나눔바른고딕" pitchFamily="50" charset="-127"/>
+              </a:rPr>
+              <a:t/>
+            </a:r>
+            <a:br>
+              <a:rPr lang="en-US" altLang="ko-KR" sz="2400" dirty="0" smtClean="0">
+                <a:solidFill>
+                  <a:schemeClr val="bg1">
+                    <a:lumMod val="95000"/>
+                  </a:schemeClr>
+                </a:solidFill>
+                <a:latin typeface="나눔바른고딕" pitchFamily="50" charset="-127"/>
+                <a:ea typeface="나눔바른고딕" pitchFamily="50" charset="-127"/>
+              </a:rPr>
+            </a:br>
+            <a:r>
+              <a:rPr lang="en-US" altLang="ko-KR" sz="2400" dirty="0" smtClean="0">
+                <a:solidFill>
+                  <a:schemeClr val="bg1">
+                    <a:lumMod val="95000"/>
+                  </a:schemeClr>
+                </a:solidFill>
+                <a:latin typeface="나눔바른고딕" pitchFamily="50" charset="-127"/>
+                <a:ea typeface="나눔바른고딕" pitchFamily="50" charset="-127"/>
+              </a:rPr>
+              <a:t>=&gt; “</a:t>
+            </a:r>
+            <a:r>
+              <a:rPr lang="ko-KR" altLang="en-US" sz="2400" dirty="0" smtClean="0">
+                <a:solidFill>
+                  <a:schemeClr val="bg1">
+                    <a:lumMod val="95000"/>
+                  </a:schemeClr>
+                </a:solidFill>
+                <a:latin typeface="나눔바른고딕" pitchFamily="50" charset="-127"/>
+                <a:ea typeface="나눔바른고딕" pitchFamily="50" charset="-127"/>
+              </a:rPr>
+              <a:t>편하네</a:t>
+            </a:r>
+            <a:r>
+              <a:rPr lang="en-US" altLang="ko-KR" sz="2400" dirty="0" smtClean="0">
+                <a:solidFill>
+                  <a:schemeClr val="bg1">
+                    <a:lumMod val="95000"/>
+                  </a:schemeClr>
+                </a:solidFill>
+                <a:latin typeface="나눔바른고딕" pitchFamily="50" charset="-127"/>
+                <a:ea typeface="나눔바른고딕" pitchFamily="50" charset="-127"/>
+              </a:rPr>
+              <a:t>”</a:t>
+            </a:r>
+          </a:p>
+          <a:p>
+            <a:pPr algn="ctr">
+              <a:buFontTx/>
+              <a:buChar char="-"/>
+            </a:pPr>
+            <a:endParaRPr lang="ko-KR" altLang="en-US" sz="2400" dirty="0">
+              <a:solidFill>
+                <a:schemeClr val="bg1">
+                  <a:lumMod val="95000"/>
+                </a:schemeClr>
+              </a:solidFill>
+              <a:latin typeface="나눔바른고딕" pitchFamily="50" charset="-127"/>
+              <a:ea typeface="나눔바른고딕" pitchFamily="50" charset="-127"/>
+            </a:endParaRPr>
+          </a:p>
+        </p:txBody>
+      </p:sp>
+    </p:spTree>
+  </p:cSld>
+  <p:clrMapOvr>
+    <a:masterClrMapping/>
+  </p:clrMapOvr>
+  <p:timing>
+    <p:tnLst>
+      <p:par>
+        <p:cTn id="1" dur="indefinite" restart="never" nodeType="tmRoot"/>
+      </p:par>
+    </p:tnLst>
+  </p:timing>
+</p:sld>
+</file>
+
+<file path=ppt/slides/slide6.xml><?xml version="1.0" encoding="utf-8"?>
+<p:sld xmlns:a="http://schemas.openxmlformats.org/drawingml/2006/main" xmlns:r="http://schemas.openxmlformats.org/officeDocument/2006/relationships" xmlns:p="http://schemas.openxmlformats.org/presentationml/2006/main">
+  <p:cSld>
+    <p:spTree>
+      <p:nvGrpSpPr>
+        <p:cNvPr id="1" name=""/>
+        <p:cNvGrpSpPr/>
+        <p:nvPr/>
+      </p:nvGrpSpPr>
+      <p:grpSpPr>
+        <a:xfrm>
+          <a:off x="0" y="0"/>
+          <a:ext cx="0" cy="0"/>
+          <a:chOff x="0" y="0"/>
+          <a:chExt cx="0" cy="0"/>
+        </a:xfrm>
+      </p:grpSpPr>
+      <p:sp>
+        <p:nvSpPr>
+          <p:cNvPr id="16" name="평행 사변형 15"/>
+          <p:cNvSpPr/>
+          <p:nvPr/>
+        </p:nvSpPr>
+        <p:spPr>
+          <a:xfrm rot="16200000">
+            <a:off x="2000250" y="-2000252"/>
+            <a:ext cx="5143500" cy="9144001"/>
+          </a:xfrm>
+          <a:prstGeom prst="parallelogram">
+            <a:avLst>
+              <a:gd name="adj" fmla="val 7753"/>
+            </a:avLst>
+          </a:prstGeom>
+          <a:solidFill>
+            <a:srgbClr val="473F3D"/>
+          </a:solidFill>
+          <a:ln>
+            <a:noFill/>
+          </a:ln>
+        </p:spPr>
+        <p:style>
+          <a:lnRef idx="2">
+            <a:schemeClr val="accent1">
+              <a:shade val="50000"/>
+            </a:schemeClr>
+          </a:lnRef>
+          <a:fillRef idx="1">
+            <a:schemeClr val="accent1"/>
+          </a:fillRef>
+          <a:effectRef idx="0">
+            <a:schemeClr val="accent1"/>
+          </a:effectRef>
+          <a:fontRef idx="minor">
+            <a:schemeClr val="lt1"/>
+          </a:fontRef>
+        </p:style>
+        <p:txBody>
+          <a:bodyPr rtlCol="0" anchor="ctr"/>
+          <a:lstStyle/>
+          <a:p>
+            <a:pPr algn="ctr"/>
+            <a:endParaRPr lang="ko-KR" altLang="en-US" sz="1600"/>
+          </a:p>
+        </p:txBody>
+      </p:sp>
+      <p:sp>
+        <p:nvSpPr>
+          <p:cNvPr id="10" name="TextBox 9"/>
+          <p:cNvSpPr txBox="1"/>
+          <p:nvPr/>
+        </p:nvSpPr>
+        <p:spPr>
+          <a:xfrm>
+            <a:off x="611560" y="483518"/>
+            <a:ext cx="4248472" cy="461665"/>
+          </a:xfrm>
+          <a:prstGeom prst="rect">
+            <a:avLst/>
+          </a:prstGeom>
+          <a:noFill/>
+        </p:spPr>
+        <p:txBody>
+          <a:bodyPr wrap="square" rtlCol="0">
+            <a:spAutoFit/>
+          </a:bodyPr>
+          <a:lstStyle/>
+          <a:p>
+            <a:pPr algn="ctr"/>
+            <a:r>
+              <a:rPr lang="en-US" altLang="ko-KR" sz="2400" dirty="0" smtClean="0">
+                <a:solidFill>
+                  <a:schemeClr val="bg1">
+                    <a:lumMod val="95000"/>
+                  </a:schemeClr>
+                </a:solidFill>
+                <a:latin typeface="나눔바른고딕" pitchFamily="50" charset="-127"/>
+                <a:ea typeface="나눔바른고딕" pitchFamily="50" charset="-127"/>
+              </a:rPr>
+              <a:t>1-2. GIT</a:t>
+            </a:r>
+            <a:r>
+              <a:rPr lang="ko-KR" altLang="en-US" sz="2400" dirty="0" smtClean="0">
+                <a:solidFill>
+                  <a:schemeClr val="bg1">
+                    <a:lumMod val="95000"/>
+                  </a:schemeClr>
+                </a:solidFill>
+                <a:latin typeface="나눔바른고딕" pitchFamily="50" charset="-127"/>
+                <a:ea typeface="나눔바른고딕" pitchFamily="50" charset="-127"/>
+              </a:rPr>
+              <a:t>의 소중함 느낀 계기</a:t>
+            </a:r>
+            <a:endParaRPr lang="ko-KR" altLang="en-US" sz="2400" dirty="0">
+              <a:solidFill>
+                <a:schemeClr val="bg1">
+                  <a:lumMod val="95000"/>
+                </a:schemeClr>
+              </a:solidFill>
+              <a:latin typeface="나눔바른고딕" pitchFamily="50" charset="-127"/>
+              <a:ea typeface="나눔바른고딕" pitchFamily="50" charset="-127"/>
+            </a:endParaRPr>
+          </a:p>
+        </p:txBody>
+      </p:sp>
+      <p:cxnSp>
+        <p:nvCxnSpPr>
+          <p:cNvPr id="11" name="직선 연결선 10"/>
+          <p:cNvCxnSpPr/>
+          <p:nvPr/>
+        </p:nvCxnSpPr>
+        <p:spPr>
+          <a:xfrm>
+            <a:off x="539552" y="915566"/>
+            <a:ext cx="8136904" cy="0"/>
+          </a:xfrm>
+          <a:prstGeom prst="line">
+            <a:avLst/>
+          </a:prstGeom>
+          <a:ln w="12700">
+            <a:solidFill>
+              <a:schemeClr val="bg1"/>
+            </a:solidFill>
+          </a:ln>
+        </p:spPr>
+        <p:style>
+          <a:lnRef idx="1">
+            <a:schemeClr val="accent1"/>
+          </a:lnRef>
+          <a:fillRef idx="0">
+            <a:schemeClr val="accent1"/>
+          </a:fillRef>
+          <a:effectRef idx="0">
+            <a:schemeClr val="accent1"/>
+          </a:effectRef>
+          <a:fontRef idx="minor">
+            <a:schemeClr val="tx1"/>
+          </a:fontRef>
+        </p:style>
+      </p:cxnSp>
+      <p:cxnSp>
+        <p:nvCxnSpPr>
+          <p:cNvPr id="12" name="직선 연결선 11"/>
+          <p:cNvCxnSpPr/>
+          <p:nvPr/>
+        </p:nvCxnSpPr>
+        <p:spPr>
+          <a:xfrm>
+            <a:off x="467544" y="4299942"/>
+            <a:ext cx="8136904" cy="0"/>
+          </a:xfrm>
+          <a:prstGeom prst="line">
+            <a:avLst/>
+          </a:prstGeom>
+          <a:ln w="12700">
+            <a:solidFill>
+              <a:schemeClr val="bg1"/>
+            </a:solidFill>
+          </a:ln>
+        </p:spPr>
+        <p:style>
+          <a:lnRef idx="1">
+            <a:schemeClr val="accent1"/>
+          </a:lnRef>
+          <a:fillRef idx="0">
+            <a:schemeClr val="accent1"/>
+          </a:fillRef>
+          <a:effectRef idx="0">
+            <a:schemeClr val="accent1"/>
+          </a:effectRef>
+          <a:fontRef idx="minor">
+            <a:schemeClr val="tx1"/>
+          </a:fontRef>
+        </p:style>
+      </p:cxnSp>
+      <p:sp>
+        <p:nvSpPr>
+          <p:cNvPr id="13" name="TextBox 12"/>
+          <p:cNvSpPr txBox="1"/>
+          <p:nvPr/>
+        </p:nvSpPr>
+        <p:spPr>
+          <a:xfrm>
+            <a:off x="2771800" y="2355726"/>
+            <a:ext cx="3456384" cy="461665"/>
+          </a:xfrm>
+          <a:prstGeom prst="rect">
+            <a:avLst/>
+          </a:prstGeom>
+          <a:noFill/>
+        </p:spPr>
+        <p:txBody>
+          <a:bodyPr wrap="square" rtlCol="0">
+            <a:spAutoFit/>
+          </a:bodyPr>
+          <a:lstStyle/>
+          <a:p>
+            <a:pPr algn="ctr"/>
+            <a:r>
+              <a:rPr lang="en-US" altLang="ko-KR" sz="2400" dirty="0" smtClean="0">
+                <a:solidFill>
+                  <a:schemeClr val="bg1">
+                    <a:lumMod val="95000"/>
+                  </a:schemeClr>
+                </a:solidFill>
+                <a:latin typeface="나눔바른고딕" pitchFamily="50" charset="-127"/>
+                <a:ea typeface="나눔바른고딕" pitchFamily="50" charset="-127"/>
+              </a:rPr>
+              <a:t>“</a:t>
+            </a:r>
+            <a:r>
+              <a:rPr lang="ko-KR" altLang="en-US" sz="2400" dirty="0" smtClean="0">
+                <a:solidFill>
+                  <a:schemeClr val="bg1">
+                    <a:lumMod val="95000"/>
+                  </a:schemeClr>
+                </a:solidFill>
+                <a:latin typeface="나눔바른고딕" pitchFamily="50" charset="-127"/>
+                <a:ea typeface="나눔바른고딕" pitchFamily="50" charset="-127"/>
+              </a:rPr>
+              <a:t>단순</a:t>
+            </a:r>
+            <a:r>
+              <a:rPr lang="en-US" altLang="ko-KR" sz="2400" dirty="0" smtClean="0">
+                <a:solidFill>
+                  <a:schemeClr val="bg1">
+                    <a:lumMod val="95000"/>
+                  </a:schemeClr>
+                </a:solidFill>
+                <a:latin typeface="나눔바른고딕" pitchFamily="50" charset="-127"/>
+                <a:ea typeface="나눔바른고딕" pitchFamily="50" charset="-127"/>
+              </a:rPr>
+              <a:t>, </a:t>
+            </a:r>
+            <a:r>
+              <a:rPr lang="ko-KR" altLang="en-US" sz="2400" dirty="0" smtClean="0">
+                <a:solidFill>
+                  <a:schemeClr val="bg1">
+                    <a:lumMod val="95000"/>
+                  </a:schemeClr>
+                </a:solidFill>
+                <a:latin typeface="나눔바른고딕" pitchFamily="50" charset="-127"/>
+                <a:ea typeface="나눔바른고딕" pitchFamily="50" charset="-127"/>
+              </a:rPr>
+              <a:t>명확</a:t>
+            </a:r>
+            <a:r>
+              <a:rPr lang="en-US" altLang="ko-KR" sz="2400" dirty="0" smtClean="0">
+                <a:solidFill>
+                  <a:schemeClr val="bg1">
+                    <a:lumMod val="95000"/>
+                  </a:schemeClr>
+                </a:solidFill>
+                <a:latin typeface="나눔바른고딕" pitchFamily="50" charset="-127"/>
+                <a:ea typeface="나눔바른고딕" pitchFamily="50" charset="-127"/>
+              </a:rPr>
+              <a:t>, </a:t>
+            </a:r>
+            <a:r>
+              <a:rPr lang="ko-KR" altLang="en-US" sz="2400" dirty="0" smtClean="0">
+                <a:solidFill>
+                  <a:schemeClr val="bg1">
+                    <a:lumMod val="95000"/>
+                  </a:schemeClr>
+                </a:solidFill>
+                <a:latin typeface="나눔바른고딕" pitchFamily="50" charset="-127"/>
+                <a:ea typeface="나눔바른고딕" pitchFamily="50" charset="-127"/>
+              </a:rPr>
+              <a:t>편하네</a:t>
+            </a:r>
+            <a:r>
+              <a:rPr lang="en-US" altLang="ko-KR" sz="2400" dirty="0" smtClean="0">
+                <a:solidFill>
+                  <a:schemeClr val="bg1">
+                    <a:lumMod val="95000"/>
+                  </a:schemeClr>
+                </a:solidFill>
+                <a:latin typeface="나눔바른고딕" pitchFamily="50" charset="-127"/>
+                <a:ea typeface="나눔바른고딕" pitchFamily="50" charset="-127"/>
+              </a:rPr>
+              <a:t>”</a:t>
+            </a:r>
+            <a:endParaRPr lang="ko-KR" altLang="en-US" sz="2400" dirty="0">
+              <a:solidFill>
+                <a:schemeClr val="bg1">
+                  <a:lumMod val="95000"/>
+                </a:schemeClr>
+              </a:solidFill>
+              <a:latin typeface="나눔바른고딕" pitchFamily="50" charset="-127"/>
+              <a:ea typeface="나눔바른고딕" pitchFamily="50" charset="-127"/>
+            </a:endParaRPr>
+          </a:p>
+        </p:txBody>
+      </p:sp>
+      <p:cxnSp>
+        <p:nvCxnSpPr>
+          <p:cNvPr id="14" name="직선 연결선 13"/>
+          <p:cNvCxnSpPr/>
+          <p:nvPr/>
+        </p:nvCxnSpPr>
+        <p:spPr>
+          <a:xfrm>
+            <a:off x="467544" y="915566"/>
+            <a:ext cx="8208912" cy="0"/>
+          </a:xfrm>
+          <a:prstGeom prst="line">
+            <a:avLst/>
+          </a:prstGeom>
+          <a:ln w="12700">
+            <a:solidFill>
+              <a:schemeClr val="bg1"/>
+            </a:solidFill>
+          </a:ln>
+        </p:spPr>
+        <p:style>
+          <a:lnRef idx="1">
+            <a:schemeClr val="accent1"/>
+          </a:lnRef>
+          <a:fillRef idx="0">
+            <a:schemeClr val="accent1"/>
+          </a:fillRef>
+          <a:effectRef idx="0">
+            <a:schemeClr val="accent1"/>
+          </a:effectRef>
+          <a:fontRef idx="minor">
+            <a:schemeClr val="tx1"/>
+          </a:fontRef>
+        </p:style>
+      </p:cxnSp>
+      <p:cxnSp>
+        <p:nvCxnSpPr>
+          <p:cNvPr id="15" name="직선 연결선 14"/>
           <p:cNvCxnSpPr/>
           <p:nvPr/>
         </p:nvCxnSpPr>

--- a/git발표.pptx
+++ b/git발표.pptx
@@ -11,6 +11,10 @@
     <p:sldId id="259" r:id="rId5"/>
     <p:sldId id="260" r:id="rId6"/>
     <p:sldId id="261" r:id="rId7"/>
+    <p:sldId id="262" r:id="rId8"/>
+    <p:sldId id="263" r:id="rId9"/>
+    <p:sldId id="264" r:id="rId10"/>
+    <p:sldId id="265" r:id="rId11"/>
   </p:sldIdLst>
   <p:sldSz cx="9144000" cy="5143500" type="screen16x9"/>
   <p:notesSz cx="6858000" cy="9144000"/>
@@ -3371,6 +3375,523 @@
 </p:sld>
 </file>
 
+<file path=ppt/slides/slide10.xml><?xml version="1.0" encoding="utf-8"?>
+<p:sld xmlns:a="http://schemas.openxmlformats.org/drawingml/2006/main" xmlns:r="http://schemas.openxmlformats.org/officeDocument/2006/relationships" xmlns:p="http://schemas.openxmlformats.org/presentationml/2006/main">
+  <p:cSld>
+    <p:spTree>
+      <p:nvGrpSpPr>
+        <p:cNvPr id="1" name=""/>
+        <p:cNvGrpSpPr/>
+        <p:nvPr/>
+      </p:nvGrpSpPr>
+      <p:grpSpPr>
+        <a:xfrm>
+          <a:off x="0" y="0"/>
+          <a:ext cx="0" cy="0"/>
+          <a:chOff x="0" y="0"/>
+          <a:chExt cx="0" cy="0"/>
+        </a:xfrm>
+      </p:grpSpPr>
+      <p:sp>
+        <p:nvSpPr>
+          <p:cNvPr id="16" name="평행 사변형 15"/>
+          <p:cNvSpPr/>
+          <p:nvPr/>
+        </p:nvSpPr>
+        <p:spPr>
+          <a:xfrm rot="16200000">
+            <a:off x="2000250" y="-2000252"/>
+            <a:ext cx="5143500" cy="9144001"/>
+          </a:xfrm>
+          <a:prstGeom prst="parallelogram">
+            <a:avLst>
+              <a:gd name="adj" fmla="val 7753"/>
+            </a:avLst>
+          </a:prstGeom>
+          <a:solidFill>
+            <a:srgbClr val="473F3D"/>
+          </a:solidFill>
+          <a:ln>
+            <a:noFill/>
+          </a:ln>
+        </p:spPr>
+        <p:style>
+          <a:lnRef idx="2">
+            <a:schemeClr val="accent1">
+              <a:shade val="50000"/>
+            </a:schemeClr>
+          </a:lnRef>
+          <a:fillRef idx="1">
+            <a:schemeClr val="accent1"/>
+          </a:fillRef>
+          <a:effectRef idx="0">
+            <a:schemeClr val="accent1"/>
+          </a:effectRef>
+          <a:fontRef idx="minor">
+            <a:schemeClr val="lt1"/>
+          </a:fontRef>
+        </p:style>
+        <p:txBody>
+          <a:bodyPr rtlCol="0" anchor="ctr"/>
+          <a:lstStyle/>
+          <a:p>
+            <a:pPr algn="ctr"/>
+            <a:endParaRPr lang="ko-KR" altLang="en-US" sz="1600"/>
+          </a:p>
+        </p:txBody>
+      </p:sp>
+      <p:cxnSp>
+        <p:nvCxnSpPr>
+          <p:cNvPr id="11" name="직선 연결선 10"/>
+          <p:cNvCxnSpPr/>
+          <p:nvPr/>
+        </p:nvCxnSpPr>
+        <p:spPr>
+          <a:xfrm>
+            <a:off x="539552" y="915566"/>
+            <a:ext cx="8136904" cy="0"/>
+          </a:xfrm>
+          <a:prstGeom prst="line">
+            <a:avLst/>
+          </a:prstGeom>
+          <a:ln w="12700">
+            <a:solidFill>
+              <a:schemeClr val="bg1"/>
+            </a:solidFill>
+          </a:ln>
+        </p:spPr>
+        <p:style>
+          <a:lnRef idx="1">
+            <a:schemeClr val="accent1"/>
+          </a:lnRef>
+          <a:fillRef idx="0">
+            <a:schemeClr val="accent1"/>
+          </a:fillRef>
+          <a:effectRef idx="0">
+            <a:schemeClr val="accent1"/>
+          </a:effectRef>
+          <a:fontRef idx="minor">
+            <a:schemeClr val="tx1"/>
+          </a:fontRef>
+        </p:style>
+      </p:cxnSp>
+      <p:cxnSp>
+        <p:nvCxnSpPr>
+          <p:cNvPr id="12" name="직선 연결선 11"/>
+          <p:cNvCxnSpPr/>
+          <p:nvPr/>
+        </p:nvCxnSpPr>
+        <p:spPr>
+          <a:xfrm>
+            <a:off x="467544" y="4299942"/>
+            <a:ext cx="8136904" cy="0"/>
+          </a:xfrm>
+          <a:prstGeom prst="line">
+            <a:avLst/>
+          </a:prstGeom>
+          <a:ln w="12700">
+            <a:solidFill>
+              <a:schemeClr val="bg1"/>
+            </a:solidFill>
+          </a:ln>
+        </p:spPr>
+        <p:style>
+          <a:lnRef idx="1">
+            <a:schemeClr val="accent1"/>
+          </a:lnRef>
+          <a:fillRef idx="0">
+            <a:schemeClr val="accent1"/>
+          </a:fillRef>
+          <a:effectRef idx="0">
+            <a:schemeClr val="accent1"/>
+          </a:effectRef>
+          <a:fontRef idx="minor">
+            <a:schemeClr val="tx1"/>
+          </a:fontRef>
+        </p:style>
+      </p:cxnSp>
+      <p:cxnSp>
+        <p:nvCxnSpPr>
+          <p:cNvPr id="14" name="직선 연결선 13"/>
+          <p:cNvCxnSpPr/>
+          <p:nvPr/>
+        </p:nvCxnSpPr>
+        <p:spPr>
+          <a:xfrm>
+            <a:off x="467544" y="915566"/>
+            <a:ext cx="8208912" cy="0"/>
+          </a:xfrm>
+          <a:prstGeom prst="line">
+            <a:avLst/>
+          </a:prstGeom>
+          <a:ln w="12700">
+            <a:solidFill>
+              <a:schemeClr val="bg1"/>
+            </a:solidFill>
+          </a:ln>
+        </p:spPr>
+        <p:style>
+          <a:lnRef idx="1">
+            <a:schemeClr val="accent1"/>
+          </a:lnRef>
+          <a:fillRef idx="0">
+            <a:schemeClr val="accent1"/>
+          </a:fillRef>
+          <a:effectRef idx="0">
+            <a:schemeClr val="accent1"/>
+          </a:effectRef>
+          <a:fontRef idx="minor">
+            <a:schemeClr val="tx1"/>
+          </a:fontRef>
+        </p:style>
+      </p:cxnSp>
+      <p:cxnSp>
+        <p:nvCxnSpPr>
+          <p:cNvPr id="15" name="직선 연결선 14"/>
+          <p:cNvCxnSpPr/>
+          <p:nvPr/>
+        </p:nvCxnSpPr>
+        <p:spPr>
+          <a:xfrm>
+            <a:off x="467544" y="4299942"/>
+            <a:ext cx="8208912" cy="0"/>
+          </a:xfrm>
+          <a:prstGeom prst="line">
+            <a:avLst/>
+          </a:prstGeom>
+          <a:ln w="12700">
+            <a:solidFill>
+              <a:schemeClr val="bg1"/>
+            </a:solidFill>
+          </a:ln>
+        </p:spPr>
+        <p:style>
+          <a:lnRef idx="1">
+            <a:schemeClr val="accent1"/>
+          </a:lnRef>
+          <a:fillRef idx="0">
+            <a:schemeClr val="accent1"/>
+          </a:fillRef>
+          <a:effectRef idx="0">
+            <a:schemeClr val="accent1"/>
+          </a:effectRef>
+          <a:fontRef idx="minor">
+            <a:schemeClr val="tx1"/>
+          </a:fontRef>
+        </p:style>
+      </p:cxnSp>
+      <p:sp>
+        <p:nvSpPr>
+          <p:cNvPr id="14344" name="AutoShape 8" descr="ê´ë ¨ ì´ë¯¸ì§"/>
+          <p:cNvSpPr>
+            <a:spLocks noChangeAspect="1" noChangeArrowheads="1"/>
+          </p:cNvSpPr>
+          <p:nvPr/>
+        </p:nvSpPr>
+        <p:spPr bwMode="auto">
+          <a:xfrm>
+            <a:off x="168275" y="-136525"/>
+            <a:ext cx="298450" cy="298450"/>
+          </a:xfrm>
+          <a:prstGeom prst="rect">
+            <a:avLst/>
+          </a:prstGeom>
+          <a:noFill/>
+        </p:spPr>
+        <p:txBody>
+          <a:bodyPr vert="horz" wrap="square" lIns="91440" tIns="45720" rIns="91440" bIns="45720" numCol="1" anchor="t" anchorCtr="0" compatLnSpc="1">
+            <a:prstTxWarp prst="textNoShape">
+              <a:avLst/>
+            </a:prstTxWarp>
+          </a:bodyPr>
+          <a:lstStyle/>
+          <a:p>
+            <a:endParaRPr lang="ko-KR" altLang="en-US"/>
+          </a:p>
+        </p:txBody>
+      </p:sp>
+      <p:sp>
+        <p:nvSpPr>
+          <p:cNvPr id="14346" name="AutoShape 10" descr="ê´ë ¨ ì´ë¯¸ì§"/>
+          <p:cNvSpPr>
+            <a:spLocks noChangeAspect="1" noChangeArrowheads="1"/>
+          </p:cNvSpPr>
+          <p:nvPr/>
+        </p:nvSpPr>
+        <p:spPr bwMode="auto">
+          <a:xfrm>
+            <a:off x="168275" y="-136525"/>
+            <a:ext cx="298450" cy="298450"/>
+          </a:xfrm>
+          <a:prstGeom prst="rect">
+            <a:avLst/>
+          </a:prstGeom>
+          <a:noFill/>
+        </p:spPr>
+        <p:txBody>
+          <a:bodyPr vert="horz" wrap="square" lIns="91440" tIns="45720" rIns="91440" bIns="45720" numCol="1" anchor="t" anchorCtr="0" compatLnSpc="1">
+            <a:prstTxWarp prst="textNoShape">
+              <a:avLst/>
+            </a:prstTxWarp>
+          </a:bodyPr>
+          <a:lstStyle/>
+          <a:p>
+            <a:endParaRPr lang="ko-KR" altLang="en-US"/>
+          </a:p>
+        </p:txBody>
+      </p:sp>
+      <p:sp>
+        <p:nvSpPr>
+          <p:cNvPr id="14348" name="AutoShape 12" descr="ê´ë ¨ ì´ë¯¸ì§"/>
+          <p:cNvSpPr>
+            <a:spLocks noChangeAspect="1" noChangeArrowheads="1"/>
+          </p:cNvSpPr>
+          <p:nvPr/>
+        </p:nvSpPr>
+        <p:spPr bwMode="auto">
+          <a:xfrm>
+            <a:off x="168275" y="-136525"/>
+            <a:ext cx="298450" cy="298450"/>
+          </a:xfrm>
+          <a:prstGeom prst="rect">
+            <a:avLst/>
+          </a:prstGeom>
+          <a:noFill/>
+        </p:spPr>
+        <p:txBody>
+          <a:bodyPr vert="horz" wrap="square" lIns="91440" tIns="45720" rIns="91440" bIns="45720" numCol="1" anchor="t" anchorCtr="0" compatLnSpc="1">
+            <a:prstTxWarp prst="textNoShape">
+              <a:avLst/>
+            </a:prstTxWarp>
+          </a:bodyPr>
+          <a:lstStyle/>
+          <a:p>
+            <a:endParaRPr lang="ko-KR" altLang="en-US"/>
+          </a:p>
+        </p:txBody>
+      </p:sp>
+      <p:sp>
+        <p:nvSpPr>
+          <p:cNvPr id="14350" name="AutoShape 14" descr="ê´ë ¨ ì´ë¯¸ì§"/>
+          <p:cNvSpPr>
+            <a:spLocks noChangeAspect="1" noChangeArrowheads="1"/>
+          </p:cNvSpPr>
+          <p:nvPr/>
+        </p:nvSpPr>
+        <p:spPr bwMode="auto">
+          <a:xfrm>
+            <a:off x="168275" y="-136525"/>
+            <a:ext cx="298450" cy="298450"/>
+          </a:xfrm>
+          <a:prstGeom prst="rect">
+            <a:avLst/>
+          </a:prstGeom>
+          <a:noFill/>
+        </p:spPr>
+        <p:txBody>
+          <a:bodyPr vert="horz" wrap="square" lIns="91440" tIns="45720" rIns="91440" bIns="45720" numCol="1" anchor="t" anchorCtr="0" compatLnSpc="1">
+            <a:prstTxWarp prst="textNoShape">
+              <a:avLst/>
+            </a:prstTxWarp>
+          </a:bodyPr>
+          <a:lstStyle/>
+          <a:p>
+            <a:endParaRPr lang="ko-KR" altLang="en-US"/>
+          </a:p>
+        </p:txBody>
+      </p:sp>
+      <p:sp>
+        <p:nvSpPr>
+          <p:cNvPr id="19" name="TextBox 18"/>
+          <p:cNvSpPr txBox="1"/>
+          <p:nvPr/>
+        </p:nvSpPr>
+        <p:spPr>
+          <a:xfrm>
+            <a:off x="899592" y="1131590"/>
+            <a:ext cx="7704856" cy="646331"/>
+          </a:xfrm>
+          <a:prstGeom prst="rect">
+            <a:avLst/>
+          </a:prstGeom>
+          <a:noFill/>
+        </p:spPr>
+        <p:txBody>
+          <a:bodyPr wrap="square" rtlCol="0">
+            <a:spAutoFit/>
+          </a:bodyPr>
+          <a:lstStyle/>
+          <a:p>
+            <a:r>
+              <a:rPr lang="en-US" altLang="ko-KR" dirty="0">
+                <a:solidFill>
+                  <a:schemeClr val="bg1"/>
+                </a:solidFill>
+                <a:latin typeface="나눔바른고딕" pitchFamily="50" charset="-127"/>
+                <a:ea typeface="나눔바른고딕" pitchFamily="50" charset="-127"/>
+              </a:rPr>
+              <a:t>2</a:t>
+            </a:r>
+            <a:r>
+              <a:rPr lang="en-US" altLang="ko-KR" dirty="0" smtClean="0">
+                <a:solidFill>
+                  <a:schemeClr val="bg1"/>
+                </a:solidFill>
+                <a:latin typeface="나눔바른고딕" pitchFamily="50" charset="-127"/>
+                <a:ea typeface="나눔바른고딕" pitchFamily="50" charset="-127"/>
+              </a:rPr>
+              <a:t>. </a:t>
+            </a:r>
+            <a:r>
+              <a:rPr lang="ko-KR" altLang="en-US" dirty="0" smtClean="0">
+                <a:solidFill>
+                  <a:schemeClr val="bg1"/>
+                </a:solidFill>
+                <a:latin typeface="나눔바른고딕" pitchFamily="50" charset="-127"/>
+                <a:ea typeface="나눔바른고딕" pitchFamily="50" charset="-127"/>
+              </a:rPr>
+              <a:t>기능 하나의 개발에 많은 소스들이 수정된다</a:t>
+            </a:r>
+            <a:r>
+              <a:rPr lang="en-US" altLang="ko-KR" dirty="0" smtClean="0">
+                <a:solidFill>
+                  <a:schemeClr val="bg1"/>
+                </a:solidFill>
+                <a:latin typeface="나눔바른고딕" pitchFamily="50" charset="-127"/>
+                <a:ea typeface="나눔바른고딕" pitchFamily="50" charset="-127"/>
+              </a:rPr>
+              <a:t>. =&gt; </a:t>
+            </a:r>
+            <a:r>
+              <a:rPr lang="ko-KR" altLang="en-US" dirty="0" smtClean="0">
+                <a:solidFill>
+                  <a:schemeClr val="bg1"/>
+                </a:solidFill>
+                <a:latin typeface="나눔바른고딕" pitchFamily="50" charset="-127"/>
+                <a:ea typeface="나눔바른고딕" pitchFamily="50" charset="-127"/>
+              </a:rPr>
+              <a:t>나만의 소스 버전관리 필요</a:t>
+            </a:r>
+            <a:r>
+              <a:rPr lang="en-US" altLang="ko-KR" dirty="0" smtClean="0">
+                <a:solidFill>
+                  <a:schemeClr val="bg1"/>
+                </a:solidFill>
+                <a:latin typeface="나눔바른고딕" pitchFamily="50" charset="-127"/>
+                <a:ea typeface="나눔바른고딕" pitchFamily="50" charset="-127"/>
+              </a:rPr>
+              <a:t>  </a:t>
+            </a:r>
+          </a:p>
+          <a:p>
+            <a:pPr algn="ctr"/>
+            <a:endParaRPr lang="ko-KR" altLang="en-US" dirty="0">
+              <a:solidFill>
+                <a:schemeClr val="bg1"/>
+              </a:solidFill>
+              <a:latin typeface="나눔바른고딕" pitchFamily="50" charset="-127"/>
+              <a:ea typeface="나눔바른고딕" pitchFamily="50" charset="-127"/>
+            </a:endParaRPr>
+          </a:p>
+        </p:txBody>
+      </p:sp>
+      <p:sp>
+        <p:nvSpPr>
+          <p:cNvPr id="27" name="TextBox 26"/>
+          <p:cNvSpPr txBox="1"/>
+          <p:nvPr/>
+        </p:nvSpPr>
+        <p:spPr>
+          <a:xfrm>
+            <a:off x="611560" y="483518"/>
+            <a:ext cx="6552728" cy="461665"/>
+          </a:xfrm>
+          <a:prstGeom prst="rect">
+            <a:avLst/>
+          </a:prstGeom>
+          <a:noFill/>
+        </p:spPr>
+        <p:txBody>
+          <a:bodyPr wrap="square" rtlCol="0">
+            <a:spAutoFit/>
+          </a:bodyPr>
+          <a:lstStyle/>
+          <a:p>
+            <a:r>
+              <a:rPr lang="en-US" altLang="ko-KR" sz="2400" dirty="0" smtClean="0">
+                <a:solidFill>
+                  <a:schemeClr val="bg1">
+                    <a:lumMod val="95000"/>
+                  </a:schemeClr>
+                </a:solidFill>
+                <a:latin typeface="나눔바른고딕" pitchFamily="50" charset="-127"/>
+                <a:ea typeface="나눔바른고딕" pitchFamily="50" charset="-127"/>
+              </a:rPr>
+              <a:t>1-2. GIT</a:t>
+            </a:r>
+            <a:r>
+              <a:rPr lang="ko-KR" altLang="en-US" sz="2400" dirty="0" smtClean="0">
+                <a:solidFill>
+                  <a:schemeClr val="bg1">
+                    <a:lumMod val="95000"/>
+                  </a:schemeClr>
+                </a:solidFill>
+                <a:latin typeface="나눔바른고딕" pitchFamily="50" charset="-127"/>
+                <a:ea typeface="나눔바른고딕" pitchFamily="50" charset="-127"/>
+              </a:rPr>
+              <a:t>의 소중함 느낀 계기 </a:t>
+            </a:r>
+            <a:r>
+              <a:rPr lang="en-US" altLang="ko-KR" sz="2400" dirty="0" smtClean="0">
+                <a:solidFill>
+                  <a:schemeClr val="bg1">
+                    <a:lumMod val="95000"/>
+                  </a:schemeClr>
+                </a:solidFill>
+                <a:latin typeface="나눔바른고딕" pitchFamily="50" charset="-127"/>
+                <a:ea typeface="나눔바른고딕" pitchFamily="50" charset="-127"/>
+              </a:rPr>
+              <a:t>– </a:t>
+            </a:r>
+            <a:r>
+              <a:rPr lang="ko-KR" altLang="en-US" sz="2400" dirty="0" smtClean="0">
+                <a:solidFill>
+                  <a:schemeClr val="bg1">
+                    <a:lumMod val="95000"/>
+                  </a:schemeClr>
+                </a:solidFill>
+                <a:latin typeface="나눔바른고딕" pitchFamily="50" charset="-127"/>
+                <a:ea typeface="나눔바른고딕" pitchFamily="50" charset="-127"/>
+              </a:rPr>
+              <a:t>현실</a:t>
+            </a:r>
+            <a:endParaRPr lang="ko-KR" altLang="en-US" sz="2400" dirty="0">
+              <a:solidFill>
+                <a:schemeClr val="bg1">
+                  <a:lumMod val="95000"/>
+                </a:schemeClr>
+              </a:solidFill>
+              <a:latin typeface="나눔바른고딕" pitchFamily="50" charset="-127"/>
+              <a:ea typeface="나눔바른고딕" pitchFamily="50" charset="-127"/>
+            </a:endParaRPr>
+          </a:p>
+        </p:txBody>
+      </p:sp>
+    </p:spTree>
+  </p:cSld>
+  <p:clrMapOvr>
+    <a:masterClrMapping/>
+  </p:clrMapOvr>
+  <p:timing>
+    <p:tnLst>
+      <p:par>
+        <p:cTn id="1" dur="indefinite" restart="never" nodeType="tmRoot"/>
+      </p:par>
+    </p:tnLst>
+  </p:timing>
+</p:sld>
+</file>
+
 <file path=ppt/slides/slide2.xml><?xml version="1.0" encoding="utf-8"?>
 <p:sld xmlns:a="http://schemas.openxmlformats.org/drawingml/2006/main" xmlns:r="http://schemas.openxmlformats.org/officeDocument/2006/relationships" xmlns:p="http://schemas.openxmlformats.org/presentationml/2006/main">
   <p:cSld>
@@ -3559,8 +4080,8 @@
         </p:nvSpPr>
         <p:spPr>
           <a:xfrm>
-            <a:off x="1979712" y="2067694"/>
-            <a:ext cx="3816424" cy="1754326"/>
+            <a:off x="1979712" y="1923678"/>
+            <a:ext cx="3816424" cy="2031325"/>
           </a:xfrm>
           <a:prstGeom prst="rect">
             <a:avLst/>
@@ -3669,6 +4190,78 @@
                 <a:ea typeface="나눔바른고딕" pitchFamily="50" charset="-127"/>
               </a:rPr>
               <a:t>의 소중함 느낀 계기</a:t>
+            </a:r>
+            <a:endParaRPr lang="en-US" altLang="ko-KR" dirty="0" smtClean="0">
+              <a:solidFill>
+                <a:schemeClr val="bg1">
+                  <a:lumMod val="95000"/>
+                </a:schemeClr>
+              </a:solidFill>
+              <a:latin typeface="나눔바른고딕" pitchFamily="50" charset="-127"/>
+              <a:ea typeface="나눔바른고딕" pitchFamily="50" charset="-127"/>
+            </a:endParaRPr>
+          </a:p>
+          <a:p>
+            <a:pPr marL="342900" indent="-342900"/>
+            <a:r>
+              <a:rPr lang="en-US" altLang="ko-KR" dirty="0">
+                <a:solidFill>
+                  <a:schemeClr val="bg1">
+                    <a:lumMod val="95000"/>
+                  </a:schemeClr>
+                </a:solidFill>
+                <a:latin typeface="나눔바른고딕" pitchFamily="50" charset="-127"/>
+                <a:ea typeface="나눔바른고딕" pitchFamily="50" charset="-127"/>
+              </a:rPr>
+              <a:t>	</a:t>
+            </a:r>
+            <a:r>
+              <a:rPr lang="en-US" altLang="ko-KR" dirty="0" smtClean="0">
+                <a:solidFill>
+                  <a:schemeClr val="bg1">
+                    <a:lumMod val="95000"/>
+                  </a:schemeClr>
+                </a:solidFill>
+                <a:latin typeface="나눔바른고딕" pitchFamily="50" charset="-127"/>
+                <a:ea typeface="나눔바른고딕" pitchFamily="50" charset="-127"/>
+              </a:rPr>
+              <a:t>1-3. </a:t>
+            </a:r>
+            <a:r>
+              <a:rPr lang="ko-KR" altLang="en-US" dirty="0" smtClean="0">
+                <a:solidFill>
+                  <a:schemeClr val="bg1">
+                    <a:lumMod val="95000"/>
+                  </a:schemeClr>
+                </a:solidFill>
+                <a:latin typeface="나눔바른고딕" pitchFamily="50" charset="-127"/>
+                <a:ea typeface="나눔바른고딕" pitchFamily="50" charset="-127"/>
+              </a:rPr>
+              <a:t>이상 </a:t>
+            </a:r>
+            <a:r>
+              <a:rPr lang="en-US" altLang="ko-KR" dirty="0" smtClean="0">
+                <a:solidFill>
+                  <a:schemeClr val="bg1">
+                    <a:lumMod val="95000"/>
+                  </a:schemeClr>
+                </a:solidFill>
+                <a:latin typeface="나눔바른고딕" pitchFamily="50" charset="-127"/>
+                <a:ea typeface="나눔바른고딕" pitchFamily="50" charset="-127"/>
+              </a:rPr>
+              <a:t>VS </a:t>
+            </a:r>
+            <a:r>
+              <a:rPr lang="ko-KR" altLang="en-US" dirty="0" smtClean="0">
+                <a:solidFill>
+                  <a:schemeClr val="bg1">
+                    <a:lumMod val="95000"/>
+                  </a:schemeClr>
+                </a:solidFill>
+                <a:latin typeface="나눔바른고딕" pitchFamily="50" charset="-127"/>
+                <a:ea typeface="나눔바른고딕" pitchFamily="50" charset="-127"/>
+              </a:rPr>
+              <a:t>현실</a:t>
             </a:r>
             <a:endParaRPr lang="en-US" altLang="ko-KR" dirty="0" smtClean="0">
               <a:solidFill>
@@ -3883,7 +4476,6 @@
           </a:bodyPr>
           <a:lstStyle/>
           <a:p>
-            <a:pPr algn="ctr"/>
             <a:r>
               <a:rPr lang="en-US" altLang="ko-KR" sz="2400" dirty="0" smtClean="0">
                 <a:solidFill>
@@ -4327,7 +4919,6 @@
           </a:bodyPr>
           <a:lstStyle/>
           <a:p>
-            <a:pPr algn="ctr"/>
             <a:r>
               <a:rPr lang="en-US" altLang="ko-KR" sz="2400" dirty="0" smtClean="0">
                 <a:solidFill>
@@ -5560,7 +6151,6 @@
           </a:bodyPr>
           <a:lstStyle/>
           <a:p>
-            <a:pPr algn="ctr"/>
             <a:r>
               <a:rPr lang="en-US" altLang="ko-KR" sz="2400" dirty="0" smtClean="0">
                 <a:solidFill>
@@ -6085,7 +6675,7 @@
         <p:spPr>
           <a:xfrm>
             <a:off x="611560" y="483518"/>
-            <a:ext cx="4248472" cy="461665"/>
+            <a:ext cx="6552728" cy="461665"/>
           </a:xfrm>
           <a:prstGeom prst="rect">
             <a:avLst/>
@@ -6098,7 +6688,6 @@
           </a:bodyPr>
           <a:lstStyle/>
           <a:p>
-            <a:pPr algn="ctr"/>
             <a:r>
               <a:rPr lang="en-US" altLang="ko-KR" sz="2400" dirty="0" smtClean="0">
                 <a:solidFill>
@@ -6121,7 +6710,31 @@
                 <a:latin typeface="나눔바른고딕" pitchFamily="50" charset="-127"/>
                 <a:ea typeface="나눔바른고딕" pitchFamily="50" charset="-127"/>
               </a:rPr>
-              <a:t>의 소중함 느낀 계기</a:t>
+              <a:t>의 소중함 느낀 계기 </a:t>
+            </a:r>
+            <a:r>
+              <a:rPr lang="en-US" altLang="ko-KR" sz="2400" dirty="0" smtClean="0">
+                <a:solidFill>
+                  <a:schemeClr val="bg1">
+                    <a:lumMod val="95000"/>
+                  </a:schemeClr>
+                </a:solidFill>
+                <a:latin typeface="나눔바른고딕" pitchFamily="50" charset="-127"/>
+                <a:ea typeface="나눔바른고딕" pitchFamily="50" charset="-127"/>
+              </a:rPr>
+              <a:t>– </a:t>
+            </a:r>
+            <a:r>
+              <a:rPr lang="ko-KR" altLang="en-US" sz="2400" dirty="0" smtClean="0">
+                <a:solidFill>
+                  <a:schemeClr val="bg1">
+                    <a:lumMod val="95000"/>
+                  </a:schemeClr>
+                </a:solidFill>
+                <a:latin typeface="나눔바른고딕" pitchFamily="50" charset="-127"/>
+                <a:ea typeface="나눔바른고딕" pitchFamily="50" charset="-127"/>
+              </a:rPr>
+              <a:t>회사의 개발</a:t>
             </a:r>
             <a:endParaRPr lang="ko-KR" altLang="en-US" sz="2400" dirty="0">
               <a:solidFill>
@@ -6205,125 +6818,6 @@
           </a:fontRef>
         </p:style>
       </p:cxnSp>
-      <p:sp>
-        <p:nvSpPr>
-          <p:cNvPr id="13" name="TextBox 12"/>
-          <p:cNvSpPr txBox="1"/>
-          <p:nvPr/>
-        </p:nvSpPr>
-        <p:spPr>
-          <a:xfrm>
-            <a:off x="2771800" y="2355726"/>
-            <a:ext cx="3456384" cy="461665"/>
-          </a:xfrm>
-          <a:prstGeom prst="rect">
-            <a:avLst/>
-          </a:prstGeom>
-          <a:noFill/>
-        </p:spPr>
-        <p:txBody>
-          <a:bodyPr wrap="square" rtlCol="0">
-            <a:spAutoFit/>
-          </a:bodyPr>
-          <a:lstStyle/>
-          <a:p>
-            <a:pPr algn="ctr"/>
-            <a:r>
-              <a:rPr lang="en-US" altLang="ko-KR" sz="2400" dirty="0" smtClean="0">
-                <a:solidFill>
-                  <a:schemeClr val="bg1">
-                    <a:lumMod val="95000"/>
-                  </a:schemeClr>
-                </a:solidFill>
-                <a:latin typeface="나눔바른고딕" pitchFamily="50" charset="-127"/>
-                <a:ea typeface="나눔바른고딕" pitchFamily="50" charset="-127"/>
-              </a:rPr>
-              <a:t>“</a:t>
-            </a:r>
-            <a:r>
-              <a:rPr lang="ko-KR" altLang="en-US" sz="2400" dirty="0" smtClean="0">
-                <a:solidFill>
-                  <a:schemeClr val="bg1">
-                    <a:lumMod val="95000"/>
-                  </a:schemeClr>
-                </a:solidFill>
-                <a:latin typeface="나눔바른고딕" pitchFamily="50" charset="-127"/>
-                <a:ea typeface="나눔바른고딕" pitchFamily="50" charset="-127"/>
-              </a:rPr>
-              <a:t>단순</a:t>
-            </a:r>
-            <a:r>
-              <a:rPr lang="en-US" altLang="ko-KR" sz="2400" dirty="0" smtClean="0">
-                <a:solidFill>
-                  <a:schemeClr val="bg1">
-                    <a:lumMod val="95000"/>
-                  </a:schemeClr>
-                </a:solidFill>
-                <a:latin typeface="나눔바른고딕" pitchFamily="50" charset="-127"/>
-                <a:ea typeface="나눔바른고딕" pitchFamily="50" charset="-127"/>
-              </a:rPr>
-              <a:t>, </a:t>
-            </a:r>
-            <a:r>
-              <a:rPr lang="ko-KR" altLang="en-US" sz="2400" dirty="0" smtClean="0">
-                <a:solidFill>
-                  <a:schemeClr val="bg1">
-                    <a:lumMod val="95000"/>
-                  </a:schemeClr>
-                </a:solidFill>
-                <a:latin typeface="나눔바른고딕" pitchFamily="50" charset="-127"/>
-                <a:ea typeface="나눔바른고딕" pitchFamily="50" charset="-127"/>
-              </a:rPr>
-              <a:t>명확</a:t>
-            </a:r>
-            <a:r>
-              <a:rPr lang="en-US" altLang="ko-KR" sz="2400" dirty="0" smtClean="0">
-                <a:solidFill>
-                  <a:schemeClr val="bg1">
-                    <a:lumMod val="95000"/>
-                  </a:schemeClr>
-                </a:solidFill>
-                <a:latin typeface="나눔바른고딕" pitchFamily="50" charset="-127"/>
-                <a:ea typeface="나눔바른고딕" pitchFamily="50" charset="-127"/>
-              </a:rPr>
-              <a:t>, </a:t>
-            </a:r>
-            <a:r>
-              <a:rPr lang="ko-KR" altLang="en-US" sz="2400" dirty="0" smtClean="0">
-                <a:solidFill>
-                  <a:schemeClr val="bg1">
-                    <a:lumMod val="95000"/>
-                  </a:schemeClr>
-                </a:solidFill>
-                <a:latin typeface="나눔바른고딕" pitchFamily="50" charset="-127"/>
-                <a:ea typeface="나눔바른고딕" pitchFamily="50" charset="-127"/>
-              </a:rPr>
-              <a:t>편하네</a:t>
-            </a:r>
-            <a:r>
-              <a:rPr lang="en-US" altLang="ko-KR" sz="2400" dirty="0" smtClean="0">
-                <a:solidFill>
-                  <a:schemeClr val="bg1">
-                    <a:lumMod val="95000"/>
-                  </a:schemeClr>
-                </a:solidFill>
-                <a:latin typeface="나눔바른고딕" pitchFamily="50" charset="-127"/>
-                <a:ea typeface="나눔바른고딕" pitchFamily="50" charset="-127"/>
-              </a:rPr>
-              <a:t>”</a:t>
-            </a:r>
-            <a:endParaRPr lang="ko-KR" altLang="en-US" sz="2400" dirty="0">
-              <a:solidFill>
-                <a:schemeClr val="bg1">
-                  <a:lumMod val="95000"/>
-                </a:schemeClr>
-              </a:solidFill>
-              <a:latin typeface="나눔바른고딕" pitchFamily="50" charset="-127"/>
-              <a:ea typeface="나눔바른고딕" pitchFamily="50" charset="-127"/>
-            </a:endParaRPr>
-          </a:p>
-        </p:txBody>
-      </p:sp>
       <p:cxnSp>
         <p:nvCxnSpPr>
           <p:cNvPr id="14" name="직선 연결선 13"/>
@@ -6394,6 +6888,2171 @@
           </a:fontRef>
         </p:style>
       </p:cxnSp>
+      <p:pic>
+        <p:nvPicPr>
+          <p:cNvPr id="14338" name="Picture 2" descr="client iconì ëí ì´ë¯¸ì§ ê²ìê²°ê³¼"/>
+          <p:cNvPicPr>
+            <a:picLocks noChangeAspect="1" noChangeArrowheads="1"/>
+          </p:cNvPicPr>
+          <p:nvPr/>
+        </p:nvPicPr>
+        <p:blipFill>
+          <a:blip r:embed="rId2" cstate="print">
+            <a:clrChange>
+              <a:clrFrom>
+                <a:srgbClr val="000000">
+                  <a:alpha val="0"/>
+                </a:srgbClr>
+              </a:clrFrom>
+              <a:clrTo>
+                <a:srgbClr val="000000">
+                  <a:alpha val="0"/>
+                </a:srgbClr>
+              </a:clrTo>
+            </a:clrChange>
+            <a:lum bright="100000" contrast="100000"/>
+          </a:blip>
+          <a:srcRect/>
+          <a:stretch>
+            <a:fillRect/>
+          </a:stretch>
+        </p:blipFill>
+        <p:spPr bwMode="auto">
+          <a:xfrm>
+            <a:off x="1043608" y="1491630"/>
+            <a:ext cx="2160240" cy="2160240"/>
+          </a:xfrm>
+          <a:prstGeom prst="rect">
+            <a:avLst/>
+          </a:prstGeom>
+          <a:noFill/>
+        </p:spPr>
+      </p:pic>
+      <p:sp>
+        <p:nvSpPr>
+          <p:cNvPr id="14344" name="AutoShape 8" descr="ê´ë ¨ ì´ë¯¸ì§"/>
+          <p:cNvSpPr>
+            <a:spLocks noChangeAspect="1" noChangeArrowheads="1"/>
+          </p:cNvSpPr>
+          <p:nvPr/>
+        </p:nvSpPr>
+        <p:spPr bwMode="auto">
+          <a:xfrm>
+            <a:off x="168275" y="-136525"/>
+            <a:ext cx="298450" cy="298450"/>
+          </a:xfrm>
+          <a:prstGeom prst="rect">
+            <a:avLst/>
+          </a:prstGeom>
+          <a:noFill/>
+        </p:spPr>
+        <p:txBody>
+          <a:bodyPr vert="horz" wrap="square" lIns="91440" tIns="45720" rIns="91440" bIns="45720" numCol="1" anchor="t" anchorCtr="0" compatLnSpc="1">
+            <a:prstTxWarp prst="textNoShape">
+              <a:avLst/>
+            </a:prstTxWarp>
+          </a:bodyPr>
+          <a:lstStyle/>
+          <a:p>
+            <a:endParaRPr lang="ko-KR" altLang="en-US"/>
+          </a:p>
+        </p:txBody>
+      </p:sp>
+      <p:sp>
+        <p:nvSpPr>
+          <p:cNvPr id="14346" name="AutoShape 10" descr="ê´ë ¨ ì´ë¯¸ì§"/>
+          <p:cNvSpPr>
+            <a:spLocks noChangeAspect="1" noChangeArrowheads="1"/>
+          </p:cNvSpPr>
+          <p:nvPr/>
+        </p:nvSpPr>
+        <p:spPr bwMode="auto">
+          <a:xfrm>
+            <a:off x="168275" y="-136525"/>
+            <a:ext cx="298450" cy="298450"/>
+          </a:xfrm>
+          <a:prstGeom prst="rect">
+            <a:avLst/>
+          </a:prstGeom>
+          <a:noFill/>
+        </p:spPr>
+        <p:txBody>
+          <a:bodyPr vert="horz" wrap="square" lIns="91440" tIns="45720" rIns="91440" bIns="45720" numCol="1" anchor="t" anchorCtr="0" compatLnSpc="1">
+            <a:prstTxWarp prst="textNoShape">
+              <a:avLst/>
+            </a:prstTxWarp>
+          </a:bodyPr>
+          <a:lstStyle/>
+          <a:p>
+            <a:endParaRPr lang="ko-KR" altLang="en-US"/>
+          </a:p>
+        </p:txBody>
+      </p:sp>
+      <p:sp>
+        <p:nvSpPr>
+          <p:cNvPr id="14348" name="AutoShape 12" descr="ê´ë ¨ ì´ë¯¸ì§"/>
+          <p:cNvSpPr>
+            <a:spLocks noChangeAspect="1" noChangeArrowheads="1"/>
+          </p:cNvSpPr>
+          <p:nvPr/>
+        </p:nvSpPr>
+        <p:spPr bwMode="auto">
+          <a:xfrm>
+            <a:off x="168275" y="-136525"/>
+            <a:ext cx="298450" cy="298450"/>
+          </a:xfrm>
+          <a:prstGeom prst="rect">
+            <a:avLst/>
+          </a:prstGeom>
+          <a:noFill/>
+        </p:spPr>
+        <p:txBody>
+          <a:bodyPr vert="horz" wrap="square" lIns="91440" tIns="45720" rIns="91440" bIns="45720" numCol="1" anchor="t" anchorCtr="0" compatLnSpc="1">
+            <a:prstTxWarp prst="textNoShape">
+              <a:avLst/>
+            </a:prstTxWarp>
+          </a:bodyPr>
+          <a:lstStyle/>
+          <a:p>
+            <a:endParaRPr lang="ko-KR" altLang="en-US"/>
+          </a:p>
+        </p:txBody>
+      </p:sp>
+      <p:sp>
+        <p:nvSpPr>
+          <p:cNvPr id="14350" name="AutoShape 14" descr="ê´ë ¨ ì´ë¯¸ì§"/>
+          <p:cNvSpPr>
+            <a:spLocks noChangeAspect="1" noChangeArrowheads="1"/>
+          </p:cNvSpPr>
+          <p:nvPr/>
+        </p:nvSpPr>
+        <p:spPr bwMode="auto">
+          <a:xfrm>
+            <a:off x="168275" y="-136525"/>
+            <a:ext cx="298450" cy="298450"/>
+          </a:xfrm>
+          <a:prstGeom prst="rect">
+            <a:avLst/>
+          </a:prstGeom>
+          <a:noFill/>
+        </p:spPr>
+        <p:txBody>
+          <a:bodyPr vert="horz" wrap="square" lIns="91440" tIns="45720" rIns="91440" bIns="45720" numCol="1" anchor="t" anchorCtr="0" compatLnSpc="1">
+            <a:prstTxWarp prst="textNoShape">
+              <a:avLst/>
+            </a:prstTxWarp>
+          </a:bodyPr>
+          <a:lstStyle/>
+          <a:p>
+            <a:endParaRPr lang="ko-KR" altLang="en-US"/>
+          </a:p>
+        </p:txBody>
+      </p:sp>
+      <p:pic>
+        <p:nvPicPr>
+          <p:cNvPr id="14354" name="Picture 18" descr="programmer icon free pngì ëí ì´ë¯¸ì§ ê²ìê²°ê³¼"/>
+          <p:cNvPicPr>
+            <a:picLocks noChangeAspect="1" noChangeArrowheads="1"/>
+          </p:cNvPicPr>
+          <p:nvPr/>
+        </p:nvPicPr>
+        <p:blipFill>
+          <a:blip r:embed="rId3" cstate="print">
+            <a:lum bright="100000" contrast="100000"/>
+          </a:blip>
+          <a:srcRect/>
+          <a:stretch>
+            <a:fillRect/>
+          </a:stretch>
+        </p:blipFill>
+        <p:spPr bwMode="auto">
+          <a:xfrm flipH="1">
+            <a:off x="5724128" y="1707654"/>
+            <a:ext cx="1800200" cy="1724865"/>
+          </a:xfrm>
+          <a:prstGeom prst="rect">
+            <a:avLst/>
+          </a:prstGeom>
+          <a:noFill/>
+        </p:spPr>
+      </p:pic>
+      <p:cxnSp>
+        <p:nvCxnSpPr>
+          <p:cNvPr id="19" name="직선 화살표 연결선 18"/>
+          <p:cNvCxnSpPr/>
+          <p:nvPr/>
+        </p:nvCxnSpPr>
+        <p:spPr>
+          <a:xfrm>
+            <a:off x="3563888" y="2211710"/>
+            <a:ext cx="1728192" cy="0"/>
+          </a:xfrm>
+          <a:prstGeom prst="straightConnector1">
+            <a:avLst/>
+          </a:prstGeom>
+          <a:ln w="38100">
+            <a:solidFill>
+              <a:schemeClr val="bg1"/>
+            </a:solidFill>
+            <a:tailEnd type="arrow"/>
+          </a:ln>
+        </p:spPr>
+        <p:style>
+          <a:lnRef idx="1">
+            <a:schemeClr val="accent1"/>
+          </a:lnRef>
+          <a:fillRef idx="0">
+            <a:schemeClr val="accent1"/>
+          </a:fillRef>
+          <a:effectRef idx="0">
+            <a:schemeClr val="accent1"/>
+          </a:effectRef>
+          <a:fontRef idx="minor">
+            <a:schemeClr val="tx1"/>
+          </a:fontRef>
+        </p:style>
+      </p:cxnSp>
+      <p:cxnSp>
+        <p:nvCxnSpPr>
+          <p:cNvPr id="20" name="직선 화살표 연결선 19"/>
+          <p:cNvCxnSpPr/>
+          <p:nvPr/>
+        </p:nvCxnSpPr>
+        <p:spPr>
+          <a:xfrm flipH="1">
+            <a:off x="3563888" y="2859782"/>
+            <a:ext cx="1728192" cy="0"/>
+          </a:xfrm>
+          <a:prstGeom prst="straightConnector1">
+            <a:avLst/>
+          </a:prstGeom>
+          <a:ln w="38100">
+            <a:solidFill>
+              <a:schemeClr val="bg1"/>
+            </a:solidFill>
+            <a:tailEnd type="arrow"/>
+          </a:ln>
+        </p:spPr>
+        <p:style>
+          <a:lnRef idx="1">
+            <a:schemeClr val="accent1"/>
+          </a:lnRef>
+          <a:fillRef idx="0">
+            <a:schemeClr val="accent1"/>
+          </a:fillRef>
+          <a:effectRef idx="0">
+            <a:schemeClr val="accent1"/>
+          </a:effectRef>
+          <a:fontRef idx="minor">
+            <a:schemeClr val="tx1"/>
+          </a:fontRef>
+        </p:style>
+      </p:cxnSp>
+      <p:sp>
+        <p:nvSpPr>
+          <p:cNvPr id="21" name="TextBox 20"/>
+          <p:cNvSpPr txBox="1"/>
+          <p:nvPr/>
+        </p:nvSpPr>
+        <p:spPr>
+          <a:xfrm>
+            <a:off x="3662592" y="1750348"/>
+            <a:ext cx="1584176" cy="369332"/>
+          </a:xfrm>
+          <a:prstGeom prst="rect">
+            <a:avLst/>
+          </a:prstGeom>
+          <a:noFill/>
+        </p:spPr>
+        <p:txBody>
+          <a:bodyPr wrap="square" rtlCol="0">
+            <a:spAutoFit/>
+          </a:bodyPr>
+          <a:lstStyle/>
+          <a:p>
+            <a:pPr algn="ctr"/>
+            <a:r>
+              <a:rPr lang="ko-KR" altLang="en-US" dirty="0" smtClean="0">
+                <a:solidFill>
+                  <a:schemeClr val="bg1"/>
+                </a:solidFill>
+                <a:latin typeface="나눔바른고딕" pitchFamily="50" charset="-127"/>
+                <a:ea typeface="나눔바른고딕" pitchFamily="50" charset="-127"/>
+              </a:rPr>
+              <a:t>요구사항</a:t>
+            </a:r>
+            <a:endParaRPr lang="ko-KR" altLang="en-US" dirty="0">
+              <a:solidFill>
+                <a:schemeClr val="bg1"/>
+              </a:solidFill>
+              <a:latin typeface="나눔바른고딕" pitchFamily="50" charset="-127"/>
+              <a:ea typeface="나눔바른고딕" pitchFamily="50" charset="-127"/>
+            </a:endParaRPr>
+          </a:p>
+        </p:txBody>
+      </p:sp>
+      <p:sp>
+        <p:nvSpPr>
+          <p:cNvPr id="22" name="TextBox 21"/>
+          <p:cNvSpPr txBox="1"/>
+          <p:nvPr/>
+        </p:nvSpPr>
+        <p:spPr>
+          <a:xfrm>
+            <a:off x="3635896" y="2994506"/>
+            <a:ext cx="1584176" cy="369332"/>
+          </a:xfrm>
+          <a:prstGeom prst="rect">
+            <a:avLst/>
+          </a:prstGeom>
+          <a:noFill/>
+        </p:spPr>
+        <p:txBody>
+          <a:bodyPr wrap="square" rtlCol="0">
+            <a:spAutoFit/>
+          </a:bodyPr>
+          <a:lstStyle/>
+          <a:p>
+            <a:pPr algn="ctr"/>
+            <a:r>
+              <a:rPr lang="ko-KR" altLang="en-US" dirty="0" smtClean="0">
+                <a:solidFill>
+                  <a:schemeClr val="bg1"/>
+                </a:solidFill>
+                <a:latin typeface="나눔바른고딕" pitchFamily="50" charset="-127"/>
+                <a:ea typeface="나눔바른고딕" pitchFamily="50" charset="-127"/>
+              </a:rPr>
+              <a:t>개</a:t>
+            </a:r>
+            <a:r>
+              <a:rPr lang="ko-KR" altLang="en-US" dirty="0">
+                <a:solidFill>
+                  <a:schemeClr val="bg1"/>
+                </a:solidFill>
+                <a:latin typeface="나눔바른고딕" pitchFamily="50" charset="-127"/>
+                <a:ea typeface="나눔바른고딕" pitchFamily="50" charset="-127"/>
+              </a:rPr>
+              <a:t>발</a:t>
+            </a:r>
+          </a:p>
+        </p:txBody>
+      </p:sp>
+    </p:spTree>
+  </p:cSld>
+  <p:clrMapOvr>
+    <a:masterClrMapping/>
+  </p:clrMapOvr>
+  <p:timing>
+    <p:tnLst>
+      <p:par>
+        <p:cTn id="1" dur="indefinite" restart="never" nodeType="tmRoot"/>
+      </p:par>
+    </p:tnLst>
+  </p:timing>
+</p:sld>
+</file>
+
+<file path=ppt/slides/slide7.xml><?xml version="1.0" encoding="utf-8"?>
+<p:sld xmlns:a="http://schemas.openxmlformats.org/drawingml/2006/main" xmlns:r="http://schemas.openxmlformats.org/officeDocument/2006/relationships" xmlns:p="http://schemas.openxmlformats.org/presentationml/2006/main">
+  <p:cSld>
+    <p:spTree>
+      <p:nvGrpSpPr>
+        <p:cNvPr id="1" name=""/>
+        <p:cNvGrpSpPr/>
+        <p:nvPr/>
+      </p:nvGrpSpPr>
+      <p:grpSpPr>
+        <a:xfrm>
+          <a:off x="0" y="0"/>
+          <a:ext cx="0" cy="0"/>
+          <a:chOff x="0" y="0"/>
+          <a:chExt cx="0" cy="0"/>
+        </a:xfrm>
+      </p:grpSpPr>
+      <p:sp>
+        <p:nvSpPr>
+          <p:cNvPr id="16" name="평행 사변형 15"/>
+          <p:cNvSpPr/>
+          <p:nvPr/>
+        </p:nvSpPr>
+        <p:spPr>
+          <a:xfrm rot="16200000">
+            <a:off x="2000251" y="-2000250"/>
+            <a:ext cx="5143500" cy="9144001"/>
+          </a:xfrm>
+          <a:prstGeom prst="parallelogram">
+            <a:avLst>
+              <a:gd name="adj" fmla="val 7753"/>
+            </a:avLst>
+          </a:prstGeom>
+          <a:solidFill>
+            <a:srgbClr val="473F3D"/>
+          </a:solidFill>
+          <a:ln>
+            <a:noFill/>
+          </a:ln>
+        </p:spPr>
+        <p:style>
+          <a:lnRef idx="2">
+            <a:schemeClr val="accent1">
+              <a:shade val="50000"/>
+            </a:schemeClr>
+          </a:lnRef>
+          <a:fillRef idx="1">
+            <a:schemeClr val="accent1"/>
+          </a:fillRef>
+          <a:effectRef idx="0">
+            <a:schemeClr val="accent1"/>
+          </a:effectRef>
+          <a:fontRef idx="minor">
+            <a:schemeClr val="lt1"/>
+          </a:fontRef>
+        </p:style>
+        <p:txBody>
+          <a:bodyPr rtlCol="0" anchor="ctr"/>
+          <a:lstStyle/>
+          <a:p>
+            <a:pPr algn="ctr"/>
+            <a:endParaRPr lang="ko-KR" altLang="en-US" sz="1600"/>
+          </a:p>
+        </p:txBody>
+      </p:sp>
+      <p:sp>
+        <p:nvSpPr>
+          <p:cNvPr id="10" name="TextBox 9"/>
+          <p:cNvSpPr txBox="1"/>
+          <p:nvPr/>
+        </p:nvSpPr>
+        <p:spPr>
+          <a:xfrm>
+            <a:off x="611560" y="483518"/>
+            <a:ext cx="6552728" cy="461665"/>
+          </a:xfrm>
+          <a:prstGeom prst="rect">
+            <a:avLst/>
+          </a:prstGeom>
+          <a:noFill/>
+        </p:spPr>
+        <p:txBody>
+          <a:bodyPr wrap="square" rtlCol="0">
+            <a:spAutoFit/>
+          </a:bodyPr>
+          <a:lstStyle/>
+          <a:p>
+            <a:r>
+              <a:rPr lang="en-US" altLang="ko-KR" sz="2400" dirty="0" smtClean="0">
+                <a:solidFill>
+                  <a:schemeClr val="bg1">
+                    <a:lumMod val="95000"/>
+                  </a:schemeClr>
+                </a:solidFill>
+                <a:latin typeface="나눔바른고딕" pitchFamily="50" charset="-127"/>
+                <a:ea typeface="나눔바른고딕" pitchFamily="50" charset="-127"/>
+              </a:rPr>
+              <a:t>1-2. GIT</a:t>
+            </a:r>
+            <a:r>
+              <a:rPr lang="ko-KR" altLang="en-US" sz="2400" dirty="0" smtClean="0">
+                <a:solidFill>
+                  <a:schemeClr val="bg1">
+                    <a:lumMod val="95000"/>
+                  </a:schemeClr>
+                </a:solidFill>
+                <a:latin typeface="나눔바른고딕" pitchFamily="50" charset="-127"/>
+                <a:ea typeface="나눔바른고딕" pitchFamily="50" charset="-127"/>
+              </a:rPr>
+              <a:t>의 소중함 느낀 계기 </a:t>
+            </a:r>
+            <a:r>
+              <a:rPr lang="en-US" altLang="ko-KR" sz="2400" dirty="0" smtClean="0">
+                <a:solidFill>
+                  <a:schemeClr val="bg1">
+                    <a:lumMod val="95000"/>
+                  </a:schemeClr>
+                </a:solidFill>
+                <a:latin typeface="나눔바른고딕" pitchFamily="50" charset="-127"/>
+                <a:ea typeface="나눔바른고딕" pitchFamily="50" charset="-127"/>
+              </a:rPr>
+              <a:t>– </a:t>
+            </a:r>
+            <a:r>
+              <a:rPr lang="ko-KR" altLang="en-US" sz="2400" dirty="0" smtClean="0">
+                <a:solidFill>
+                  <a:schemeClr val="bg1">
+                    <a:lumMod val="95000"/>
+                  </a:schemeClr>
+                </a:solidFill>
+                <a:latin typeface="나눔바른고딕" pitchFamily="50" charset="-127"/>
+                <a:ea typeface="나눔바른고딕" pitchFamily="50" charset="-127"/>
+              </a:rPr>
+              <a:t>요구사항</a:t>
+            </a:r>
+            <a:r>
+              <a:rPr lang="en-US" altLang="ko-KR" sz="2400" dirty="0" smtClean="0">
+                <a:solidFill>
+                  <a:schemeClr val="bg1">
+                    <a:lumMod val="95000"/>
+                  </a:schemeClr>
+                </a:solidFill>
+                <a:latin typeface="나눔바른고딕" pitchFamily="50" charset="-127"/>
+                <a:ea typeface="나눔바른고딕" pitchFamily="50" charset="-127"/>
+              </a:rPr>
+              <a:t>?</a:t>
+            </a:r>
+            <a:endParaRPr lang="ko-KR" altLang="en-US" sz="2400" dirty="0">
+              <a:solidFill>
+                <a:schemeClr val="bg1">
+                  <a:lumMod val="95000"/>
+                </a:schemeClr>
+              </a:solidFill>
+              <a:latin typeface="나눔바른고딕" pitchFamily="50" charset="-127"/>
+              <a:ea typeface="나눔바른고딕" pitchFamily="50" charset="-127"/>
+            </a:endParaRPr>
+          </a:p>
+        </p:txBody>
+      </p:sp>
+      <p:cxnSp>
+        <p:nvCxnSpPr>
+          <p:cNvPr id="11" name="직선 연결선 10"/>
+          <p:cNvCxnSpPr/>
+          <p:nvPr/>
+        </p:nvCxnSpPr>
+        <p:spPr>
+          <a:xfrm>
+            <a:off x="539552" y="915566"/>
+            <a:ext cx="8136904" cy="0"/>
+          </a:xfrm>
+          <a:prstGeom prst="line">
+            <a:avLst/>
+          </a:prstGeom>
+          <a:ln w="12700">
+            <a:solidFill>
+              <a:schemeClr val="bg1"/>
+            </a:solidFill>
+          </a:ln>
+        </p:spPr>
+        <p:style>
+          <a:lnRef idx="1">
+            <a:schemeClr val="accent1"/>
+          </a:lnRef>
+          <a:fillRef idx="0">
+            <a:schemeClr val="accent1"/>
+          </a:fillRef>
+          <a:effectRef idx="0">
+            <a:schemeClr val="accent1"/>
+          </a:effectRef>
+          <a:fontRef idx="minor">
+            <a:schemeClr val="tx1"/>
+          </a:fontRef>
+        </p:style>
+      </p:cxnSp>
+      <p:cxnSp>
+        <p:nvCxnSpPr>
+          <p:cNvPr id="12" name="직선 연결선 11"/>
+          <p:cNvCxnSpPr/>
+          <p:nvPr/>
+        </p:nvCxnSpPr>
+        <p:spPr>
+          <a:xfrm>
+            <a:off x="467544" y="4299942"/>
+            <a:ext cx="8136904" cy="0"/>
+          </a:xfrm>
+          <a:prstGeom prst="line">
+            <a:avLst/>
+          </a:prstGeom>
+          <a:ln w="12700">
+            <a:solidFill>
+              <a:schemeClr val="bg1"/>
+            </a:solidFill>
+          </a:ln>
+        </p:spPr>
+        <p:style>
+          <a:lnRef idx="1">
+            <a:schemeClr val="accent1"/>
+          </a:lnRef>
+          <a:fillRef idx="0">
+            <a:schemeClr val="accent1"/>
+          </a:fillRef>
+          <a:effectRef idx="0">
+            <a:schemeClr val="accent1"/>
+          </a:effectRef>
+          <a:fontRef idx="minor">
+            <a:schemeClr val="tx1"/>
+          </a:fontRef>
+        </p:style>
+      </p:cxnSp>
+      <p:cxnSp>
+        <p:nvCxnSpPr>
+          <p:cNvPr id="14" name="직선 연결선 13"/>
+          <p:cNvCxnSpPr/>
+          <p:nvPr/>
+        </p:nvCxnSpPr>
+        <p:spPr>
+          <a:xfrm>
+            <a:off x="467544" y="915566"/>
+            <a:ext cx="8208912" cy="0"/>
+          </a:xfrm>
+          <a:prstGeom prst="line">
+            <a:avLst/>
+          </a:prstGeom>
+          <a:ln w="12700">
+            <a:solidFill>
+              <a:schemeClr val="bg1"/>
+            </a:solidFill>
+          </a:ln>
+        </p:spPr>
+        <p:style>
+          <a:lnRef idx="1">
+            <a:schemeClr val="accent1"/>
+          </a:lnRef>
+          <a:fillRef idx="0">
+            <a:schemeClr val="accent1"/>
+          </a:fillRef>
+          <a:effectRef idx="0">
+            <a:schemeClr val="accent1"/>
+          </a:effectRef>
+          <a:fontRef idx="minor">
+            <a:schemeClr val="tx1"/>
+          </a:fontRef>
+        </p:style>
+      </p:cxnSp>
+      <p:cxnSp>
+        <p:nvCxnSpPr>
+          <p:cNvPr id="15" name="직선 연결선 14"/>
+          <p:cNvCxnSpPr/>
+          <p:nvPr/>
+        </p:nvCxnSpPr>
+        <p:spPr>
+          <a:xfrm>
+            <a:off x="467544" y="4299942"/>
+            <a:ext cx="8208912" cy="0"/>
+          </a:xfrm>
+          <a:prstGeom prst="line">
+            <a:avLst/>
+          </a:prstGeom>
+          <a:ln w="12700">
+            <a:solidFill>
+              <a:schemeClr val="bg1"/>
+            </a:solidFill>
+          </a:ln>
+        </p:spPr>
+        <p:style>
+          <a:lnRef idx="1">
+            <a:schemeClr val="accent1"/>
+          </a:lnRef>
+          <a:fillRef idx="0">
+            <a:schemeClr val="accent1"/>
+          </a:fillRef>
+          <a:effectRef idx="0">
+            <a:schemeClr val="accent1"/>
+          </a:effectRef>
+          <a:fontRef idx="minor">
+            <a:schemeClr val="tx1"/>
+          </a:fontRef>
+        </p:style>
+      </p:cxnSp>
+      <p:sp>
+        <p:nvSpPr>
+          <p:cNvPr id="14344" name="AutoShape 8" descr="ê´ë ¨ ì´ë¯¸ì§"/>
+          <p:cNvSpPr>
+            <a:spLocks noChangeAspect="1" noChangeArrowheads="1"/>
+          </p:cNvSpPr>
+          <p:nvPr/>
+        </p:nvSpPr>
+        <p:spPr bwMode="auto">
+          <a:xfrm>
+            <a:off x="168275" y="-136525"/>
+            <a:ext cx="298450" cy="298450"/>
+          </a:xfrm>
+          <a:prstGeom prst="rect">
+            <a:avLst/>
+          </a:prstGeom>
+          <a:noFill/>
+        </p:spPr>
+        <p:txBody>
+          <a:bodyPr vert="horz" wrap="square" lIns="91440" tIns="45720" rIns="91440" bIns="45720" numCol="1" anchor="t" anchorCtr="0" compatLnSpc="1">
+            <a:prstTxWarp prst="textNoShape">
+              <a:avLst/>
+            </a:prstTxWarp>
+          </a:bodyPr>
+          <a:lstStyle/>
+          <a:p>
+            <a:endParaRPr lang="ko-KR" altLang="en-US"/>
+          </a:p>
+        </p:txBody>
+      </p:sp>
+      <p:sp>
+        <p:nvSpPr>
+          <p:cNvPr id="14346" name="AutoShape 10" descr="ê´ë ¨ ì´ë¯¸ì§"/>
+          <p:cNvSpPr>
+            <a:spLocks noChangeAspect="1" noChangeArrowheads="1"/>
+          </p:cNvSpPr>
+          <p:nvPr/>
+        </p:nvSpPr>
+        <p:spPr bwMode="auto">
+          <a:xfrm>
+            <a:off x="168275" y="-136525"/>
+            <a:ext cx="298450" cy="298450"/>
+          </a:xfrm>
+          <a:prstGeom prst="rect">
+            <a:avLst/>
+          </a:prstGeom>
+          <a:noFill/>
+        </p:spPr>
+        <p:txBody>
+          <a:bodyPr vert="horz" wrap="square" lIns="91440" tIns="45720" rIns="91440" bIns="45720" numCol="1" anchor="t" anchorCtr="0" compatLnSpc="1">
+            <a:prstTxWarp prst="textNoShape">
+              <a:avLst/>
+            </a:prstTxWarp>
+          </a:bodyPr>
+          <a:lstStyle/>
+          <a:p>
+            <a:endParaRPr lang="ko-KR" altLang="en-US"/>
+          </a:p>
+        </p:txBody>
+      </p:sp>
+      <p:sp>
+        <p:nvSpPr>
+          <p:cNvPr id="14348" name="AutoShape 12" descr="ê´ë ¨ ì´ë¯¸ì§"/>
+          <p:cNvSpPr>
+            <a:spLocks noChangeAspect="1" noChangeArrowheads="1"/>
+          </p:cNvSpPr>
+          <p:nvPr/>
+        </p:nvSpPr>
+        <p:spPr bwMode="auto">
+          <a:xfrm>
+            <a:off x="168275" y="-136525"/>
+            <a:ext cx="298450" cy="298450"/>
+          </a:xfrm>
+          <a:prstGeom prst="rect">
+            <a:avLst/>
+          </a:prstGeom>
+          <a:noFill/>
+        </p:spPr>
+        <p:txBody>
+          <a:bodyPr vert="horz" wrap="square" lIns="91440" tIns="45720" rIns="91440" bIns="45720" numCol="1" anchor="t" anchorCtr="0" compatLnSpc="1">
+            <a:prstTxWarp prst="textNoShape">
+              <a:avLst/>
+            </a:prstTxWarp>
+          </a:bodyPr>
+          <a:lstStyle/>
+          <a:p>
+            <a:endParaRPr lang="ko-KR" altLang="en-US"/>
+          </a:p>
+        </p:txBody>
+      </p:sp>
+      <p:sp>
+        <p:nvSpPr>
+          <p:cNvPr id="14350" name="AutoShape 14" descr="ê´ë ¨ ì´ë¯¸ì§"/>
+          <p:cNvSpPr>
+            <a:spLocks noChangeAspect="1" noChangeArrowheads="1"/>
+          </p:cNvSpPr>
+          <p:nvPr/>
+        </p:nvSpPr>
+        <p:spPr bwMode="auto">
+          <a:xfrm>
+            <a:off x="168275" y="-136525"/>
+            <a:ext cx="298450" cy="298450"/>
+          </a:xfrm>
+          <a:prstGeom prst="rect">
+            <a:avLst/>
+          </a:prstGeom>
+          <a:noFill/>
+        </p:spPr>
+        <p:txBody>
+          <a:bodyPr vert="horz" wrap="square" lIns="91440" tIns="45720" rIns="91440" bIns="45720" numCol="1" anchor="t" anchorCtr="0" compatLnSpc="1">
+            <a:prstTxWarp prst="textNoShape">
+              <a:avLst/>
+            </a:prstTxWarp>
+          </a:bodyPr>
+          <a:lstStyle/>
+          <a:p>
+            <a:endParaRPr lang="ko-KR" altLang="en-US"/>
+          </a:p>
+        </p:txBody>
+      </p:sp>
+      <p:sp>
+        <p:nvSpPr>
+          <p:cNvPr id="18" name="직사각형 17"/>
+          <p:cNvSpPr/>
+          <p:nvPr/>
+        </p:nvSpPr>
+        <p:spPr>
+          <a:xfrm>
+            <a:off x="1115616" y="1491630"/>
+            <a:ext cx="2959002" cy="2448272"/>
+          </a:xfrm>
+          <a:prstGeom prst="rect">
+            <a:avLst/>
+          </a:prstGeom>
+          <a:solidFill>
+            <a:schemeClr val="bg1"/>
+          </a:solidFill>
+          <a:ln w="19050">
+            <a:solidFill>
+              <a:schemeClr val="tx1"/>
+            </a:solidFill>
+          </a:ln>
+        </p:spPr>
+        <p:style>
+          <a:lnRef idx="2">
+            <a:schemeClr val="accent1">
+              <a:shade val="50000"/>
+            </a:schemeClr>
+          </a:lnRef>
+          <a:fillRef idx="1">
+            <a:schemeClr val="accent1"/>
+          </a:fillRef>
+          <a:effectRef idx="0">
+            <a:schemeClr val="accent1"/>
+          </a:effectRef>
+          <a:fontRef idx="minor">
+            <a:schemeClr val="lt1"/>
+          </a:fontRef>
+        </p:style>
+        <p:txBody>
+          <a:bodyPr rtlCol="0" anchor="ctr"/>
+          <a:lstStyle/>
+          <a:p>
+            <a:pPr algn="ctr"/>
+            <a:r>
+              <a:rPr lang="en-US" altLang="ko-KR" sz="1600" dirty="0" smtClean="0">
+                <a:solidFill>
+                  <a:schemeClr val="tx1"/>
+                </a:solidFill>
+                <a:latin typeface="나눔바른고딕" pitchFamily="50" charset="-127"/>
+                <a:ea typeface="나눔바른고딕" pitchFamily="50" charset="-127"/>
+              </a:rPr>
+              <a:t>TC 1 : A</a:t>
+            </a:r>
+            <a:r>
+              <a:rPr lang="ko-KR" altLang="en-US" sz="1600" dirty="0" smtClean="0">
+                <a:solidFill>
+                  <a:schemeClr val="tx1"/>
+                </a:solidFill>
+                <a:latin typeface="나눔바른고딕" pitchFamily="50" charset="-127"/>
+                <a:ea typeface="나눔바른고딕" pitchFamily="50" charset="-127"/>
+              </a:rPr>
+              <a:t>기능 추가</a:t>
+            </a:r>
+            <a:endParaRPr lang="en-US" altLang="ko-KR" sz="1600" dirty="0" smtClean="0">
+              <a:solidFill>
+                <a:schemeClr val="tx1"/>
+              </a:solidFill>
+              <a:latin typeface="나눔바른고딕" pitchFamily="50" charset="-127"/>
+              <a:ea typeface="나눔바른고딕" pitchFamily="50" charset="-127"/>
+            </a:endParaRPr>
+          </a:p>
+          <a:p>
+            <a:pPr algn="ctr"/>
+            <a:r>
+              <a:rPr lang="en-US" altLang="ko-KR" sz="1600" dirty="0" smtClean="0">
+                <a:solidFill>
+                  <a:schemeClr val="tx1"/>
+                </a:solidFill>
+                <a:latin typeface="나눔바른고딕" pitchFamily="50" charset="-127"/>
+                <a:ea typeface="나눔바른고딕" pitchFamily="50" charset="-127"/>
+              </a:rPr>
+              <a:t>TC 2 : B</a:t>
+            </a:r>
+            <a:r>
+              <a:rPr lang="ko-KR" altLang="en-US" sz="1600" dirty="0" smtClean="0">
+                <a:solidFill>
+                  <a:schemeClr val="tx1"/>
+                </a:solidFill>
+                <a:latin typeface="나눔바른고딕" pitchFamily="50" charset="-127"/>
+                <a:ea typeface="나눔바른고딕" pitchFamily="50" charset="-127"/>
+              </a:rPr>
+              <a:t>기능 추가</a:t>
+            </a:r>
+            <a:endParaRPr lang="en-US" altLang="ko-KR" sz="1600" dirty="0" smtClean="0">
+              <a:solidFill>
+                <a:schemeClr val="tx1"/>
+              </a:solidFill>
+              <a:latin typeface="나눔바른고딕" pitchFamily="50" charset="-127"/>
+              <a:ea typeface="나눔바른고딕" pitchFamily="50" charset="-127"/>
+            </a:endParaRPr>
+          </a:p>
+          <a:p>
+            <a:pPr algn="ctr"/>
+            <a:r>
+              <a:rPr lang="en-US" altLang="ko-KR" sz="1600" dirty="0" smtClean="0">
+                <a:solidFill>
+                  <a:schemeClr val="tx1"/>
+                </a:solidFill>
+                <a:latin typeface="나눔바른고딕" pitchFamily="50" charset="-127"/>
+                <a:ea typeface="나눔바른고딕" pitchFamily="50" charset="-127"/>
+              </a:rPr>
+              <a:t>TC 3 : C</a:t>
+            </a:r>
+            <a:r>
+              <a:rPr lang="ko-KR" altLang="en-US" sz="1600" dirty="0" smtClean="0">
+                <a:solidFill>
+                  <a:schemeClr val="tx1"/>
+                </a:solidFill>
+                <a:latin typeface="나눔바른고딕" pitchFamily="50" charset="-127"/>
+                <a:ea typeface="나눔바른고딕" pitchFamily="50" charset="-127"/>
+              </a:rPr>
+              <a:t>기능 추가</a:t>
+            </a:r>
+            <a:endParaRPr lang="en-US" altLang="ko-KR" sz="1600" dirty="0" smtClean="0">
+              <a:solidFill>
+                <a:schemeClr val="tx1"/>
+              </a:solidFill>
+              <a:latin typeface="나눔바른고딕" pitchFamily="50" charset="-127"/>
+              <a:ea typeface="나눔바른고딕" pitchFamily="50" charset="-127"/>
+            </a:endParaRPr>
+          </a:p>
+          <a:p>
+            <a:pPr algn="ctr"/>
+            <a:r>
+              <a:rPr lang="en-US" altLang="ko-KR" sz="1600" dirty="0" smtClean="0">
+                <a:solidFill>
+                  <a:schemeClr val="tx1"/>
+                </a:solidFill>
+                <a:latin typeface="나눔바른고딕" pitchFamily="50" charset="-127"/>
+                <a:ea typeface="나눔바른고딕" pitchFamily="50" charset="-127"/>
+              </a:rPr>
+              <a:t>TC 4 : D</a:t>
+            </a:r>
+            <a:r>
+              <a:rPr lang="ko-KR" altLang="en-US" sz="1600" dirty="0" smtClean="0">
+                <a:solidFill>
+                  <a:schemeClr val="tx1"/>
+                </a:solidFill>
+                <a:latin typeface="나눔바른고딕" pitchFamily="50" charset="-127"/>
+                <a:ea typeface="나눔바른고딕" pitchFamily="50" charset="-127"/>
+              </a:rPr>
+              <a:t>기능 추가</a:t>
+            </a:r>
+            <a:r>
+              <a:rPr lang="en-US" altLang="ko-KR" sz="1600" dirty="0" smtClean="0">
+                <a:solidFill>
+                  <a:schemeClr val="tx1"/>
+                </a:solidFill>
+                <a:latin typeface="나눔바른고딕" pitchFamily="50" charset="-127"/>
+                <a:ea typeface="나눔바른고딕" pitchFamily="50" charset="-127"/>
+              </a:rPr>
+              <a:t/>
+            </a:r>
+            <a:br>
+              <a:rPr lang="en-US" altLang="ko-KR" sz="1600" dirty="0" smtClean="0">
+                <a:solidFill>
+                  <a:schemeClr val="tx1"/>
+                </a:solidFill>
+                <a:latin typeface="나눔바른고딕" pitchFamily="50" charset="-127"/>
+                <a:ea typeface="나눔바른고딕" pitchFamily="50" charset="-127"/>
+              </a:rPr>
+            </a:br>
+            <a:r>
+              <a:rPr lang="en-US" altLang="ko-KR" sz="1600" dirty="0" smtClean="0">
+                <a:solidFill>
+                  <a:schemeClr val="tx1"/>
+                </a:solidFill>
+                <a:latin typeface="나눔바른고딕" pitchFamily="50" charset="-127"/>
+                <a:ea typeface="나눔바른고딕" pitchFamily="50" charset="-127"/>
+              </a:rPr>
+              <a:t/>
+            </a:r>
+            <a:br>
+              <a:rPr lang="en-US" altLang="ko-KR" sz="1600" dirty="0" smtClean="0">
+                <a:solidFill>
+                  <a:schemeClr val="tx1"/>
+                </a:solidFill>
+                <a:latin typeface="나눔바른고딕" pitchFamily="50" charset="-127"/>
+                <a:ea typeface="나눔바른고딕" pitchFamily="50" charset="-127"/>
+              </a:rPr>
+            </a:br>
+            <a:r>
+              <a:rPr lang="ko-KR" altLang="en-US" sz="1600" dirty="0" smtClean="0">
+                <a:solidFill>
+                  <a:schemeClr val="tx1"/>
+                </a:solidFill>
+                <a:latin typeface="나눔바른고딕" pitchFamily="50" charset="-127"/>
+                <a:ea typeface="나눔바른고딕" pitchFamily="50" charset="-127"/>
+              </a:rPr>
+              <a:t>배포일 </a:t>
+            </a:r>
+            <a:r>
+              <a:rPr lang="en-US" altLang="ko-KR" sz="1600" dirty="0" smtClean="0">
+                <a:solidFill>
+                  <a:schemeClr val="tx1"/>
+                </a:solidFill>
+                <a:latin typeface="나눔바른고딕" pitchFamily="50" charset="-127"/>
+                <a:ea typeface="나눔바른고딕" pitchFamily="50" charset="-127"/>
+              </a:rPr>
+              <a:t>: YYYY.MM.DD</a:t>
+            </a:r>
+            <a:endParaRPr lang="ko-KR" altLang="en-US" sz="1600" dirty="0">
+              <a:solidFill>
+                <a:schemeClr val="tx1"/>
+              </a:solidFill>
+              <a:latin typeface="나눔바른고딕" pitchFamily="50" charset="-127"/>
+              <a:ea typeface="나눔바른고딕" pitchFamily="50" charset="-127"/>
+            </a:endParaRPr>
+          </a:p>
+        </p:txBody>
+      </p:sp>
+      <p:sp>
+        <p:nvSpPr>
+          <p:cNvPr id="23" name="모서리가 둥근 직사각형 22"/>
+          <p:cNvSpPr/>
+          <p:nvPr/>
+        </p:nvSpPr>
+        <p:spPr>
+          <a:xfrm>
+            <a:off x="1907704" y="1275606"/>
+            <a:ext cx="1296144" cy="504056"/>
+          </a:xfrm>
+          <a:prstGeom prst="roundRect">
+            <a:avLst/>
+          </a:prstGeom>
+          <a:solidFill>
+            <a:schemeClr val="bg1"/>
+          </a:solidFill>
+          <a:ln>
+            <a:solidFill>
+              <a:srgbClr val="242424"/>
+            </a:solidFill>
+          </a:ln>
+        </p:spPr>
+        <p:style>
+          <a:lnRef idx="2">
+            <a:schemeClr val="accent1">
+              <a:shade val="50000"/>
+            </a:schemeClr>
+          </a:lnRef>
+          <a:fillRef idx="1">
+            <a:schemeClr val="accent1"/>
+          </a:fillRef>
+          <a:effectRef idx="0">
+            <a:schemeClr val="accent1"/>
+          </a:effectRef>
+          <a:fontRef idx="minor">
+            <a:schemeClr val="lt1"/>
+          </a:fontRef>
+        </p:style>
+        <p:txBody>
+          <a:bodyPr rtlCol="0" anchor="ctr"/>
+          <a:lstStyle/>
+          <a:p>
+            <a:pPr algn="ctr"/>
+            <a:r>
+              <a:rPr lang="en-US" altLang="ko-KR" sz="1600" dirty="0" smtClean="0">
+                <a:solidFill>
+                  <a:schemeClr val="tx1"/>
+                </a:solidFill>
+                <a:latin typeface="나눔바른고딕" pitchFamily="50" charset="-127"/>
+                <a:ea typeface="나눔바른고딕" pitchFamily="50" charset="-127"/>
+              </a:rPr>
+              <a:t>PSR-1234</a:t>
+            </a:r>
+            <a:endParaRPr lang="ko-KR" altLang="en-US" sz="1600" dirty="0">
+              <a:solidFill>
+                <a:schemeClr val="tx1"/>
+              </a:solidFill>
+              <a:latin typeface="나눔바른고딕" pitchFamily="50" charset="-127"/>
+              <a:ea typeface="나눔바른고딕" pitchFamily="50" charset="-127"/>
+            </a:endParaRPr>
+          </a:p>
+        </p:txBody>
+      </p:sp>
+      <p:sp>
+        <p:nvSpPr>
+          <p:cNvPr id="24" name="TextBox 23"/>
+          <p:cNvSpPr txBox="1"/>
+          <p:nvPr/>
+        </p:nvSpPr>
+        <p:spPr>
+          <a:xfrm>
+            <a:off x="4572000" y="1923678"/>
+            <a:ext cx="4176464" cy="584775"/>
+          </a:xfrm>
+          <a:prstGeom prst="rect">
+            <a:avLst/>
+          </a:prstGeom>
+          <a:noFill/>
+        </p:spPr>
+        <p:txBody>
+          <a:bodyPr wrap="square" rtlCol="0">
+            <a:spAutoFit/>
+          </a:bodyPr>
+          <a:lstStyle/>
+          <a:p>
+            <a:pPr algn="ctr"/>
+            <a:r>
+              <a:rPr lang="en-US" altLang="ko-KR" sz="1600" dirty="0" err="1" smtClean="0">
+                <a:solidFill>
+                  <a:schemeClr val="bg1"/>
+                </a:solidFill>
+                <a:latin typeface="나눔바른고딕" pitchFamily="50" charset="-127"/>
+                <a:ea typeface="나눔바른고딕" pitchFamily="50" charset="-127"/>
+              </a:rPr>
+              <a:t>Original.version</a:t>
+            </a:r>
+            <a:endParaRPr lang="en-US" altLang="ko-KR" sz="1600" dirty="0" smtClean="0">
+              <a:solidFill>
+                <a:schemeClr val="bg1"/>
+              </a:solidFill>
+              <a:latin typeface="나눔바른고딕" pitchFamily="50" charset="-127"/>
+              <a:ea typeface="나눔바른고딕" pitchFamily="50" charset="-127"/>
+            </a:endParaRPr>
+          </a:p>
+          <a:p>
+            <a:pPr algn="ctr"/>
+            <a:endParaRPr lang="ko-KR" altLang="en-US" sz="1600" dirty="0">
+              <a:solidFill>
+                <a:schemeClr val="bg1"/>
+              </a:solidFill>
+              <a:latin typeface="나눔바른고딕" pitchFamily="50" charset="-127"/>
+              <a:ea typeface="나눔바른고딕" pitchFamily="50" charset="-127"/>
+            </a:endParaRPr>
+          </a:p>
+        </p:txBody>
+      </p:sp>
+      <p:sp>
+        <p:nvSpPr>
+          <p:cNvPr id="26" name="TextBox 25"/>
+          <p:cNvSpPr txBox="1"/>
+          <p:nvPr/>
+        </p:nvSpPr>
+        <p:spPr>
+          <a:xfrm>
+            <a:off x="4572000" y="3067095"/>
+            <a:ext cx="4176464" cy="584775"/>
+          </a:xfrm>
+          <a:prstGeom prst="rect">
+            <a:avLst/>
+          </a:prstGeom>
+          <a:noFill/>
+        </p:spPr>
+        <p:txBody>
+          <a:bodyPr wrap="square" rtlCol="0">
+            <a:spAutoFit/>
+          </a:bodyPr>
+          <a:lstStyle/>
+          <a:p>
+            <a:pPr algn="ctr"/>
+            <a:r>
+              <a:rPr lang="en-US" altLang="ko-KR" sz="1600" dirty="0" smtClean="0">
+                <a:solidFill>
+                  <a:schemeClr val="bg1"/>
+                </a:solidFill>
+                <a:latin typeface="나눔바른고딕" pitchFamily="50" charset="-127"/>
+                <a:ea typeface="나눔바른고딕" pitchFamily="50" charset="-127"/>
+              </a:rPr>
+              <a:t>Original_TC1_TC2_TC3_TC4.version</a:t>
+            </a:r>
+          </a:p>
+          <a:p>
+            <a:pPr algn="ctr"/>
+            <a:endParaRPr lang="ko-KR" altLang="en-US" sz="1600" dirty="0">
+              <a:solidFill>
+                <a:schemeClr val="bg1"/>
+              </a:solidFill>
+              <a:latin typeface="나눔바른고딕" pitchFamily="50" charset="-127"/>
+              <a:ea typeface="나눔바른고딕" pitchFamily="50" charset="-127"/>
+            </a:endParaRPr>
+          </a:p>
+        </p:txBody>
+      </p:sp>
+      <p:cxnSp>
+        <p:nvCxnSpPr>
+          <p:cNvPr id="27" name="직선 화살표 연결선 26"/>
+          <p:cNvCxnSpPr/>
+          <p:nvPr/>
+        </p:nvCxnSpPr>
+        <p:spPr>
+          <a:xfrm>
+            <a:off x="6686928" y="2427734"/>
+            <a:ext cx="0" cy="504056"/>
+          </a:xfrm>
+          <a:prstGeom prst="straightConnector1">
+            <a:avLst/>
+          </a:prstGeom>
+          <a:ln w="19050">
+            <a:solidFill>
+              <a:schemeClr val="bg1"/>
+            </a:solidFill>
+            <a:tailEnd type="arrow"/>
+          </a:ln>
+        </p:spPr>
+        <p:style>
+          <a:lnRef idx="1">
+            <a:schemeClr val="accent1"/>
+          </a:lnRef>
+          <a:fillRef idx="0">
+            <a:schemeClr val="accent1"/>
+          </a:fillRef>
+          <a:effectRef idx="0">
+            <a:schemeClr val="accent1"/>
+          </a:effectRef>
+          <a:fontRef idx="minor">
+            <a:schemeClr val="tx1"/>
+          </a:fontRef>
+        </p:style>
+      </p:cxnSp>
+    </p:spTree>
+  </p:cSld>
+  <p:clrMapOvr>
+    <a:masterClrMapping/>
+  </p:clrMapOvr>
+  <p:timing>
+    <p:tnLst>
+      <p:par>
+        <p:cTn id="1" dur="indefinite" restart="never" nodeType="tmRoot"/>
+      </p:par>
+    </p:tnLst>
+  </p:timing>
+</p:sld>
+</file>
+
+<file path=ppt/slides/slide8.xml><?xml version="1.0" encoding="utf-8"?>
+<p:sld xmlns:a="http://schemas.openxmlformats.org/drawingml/2006/main" xmlns:r="http://schemas.openxmlformats.org/officeDocument/2006/relationships" xmlns:p="http://schemas.openxmlformats.org/presentationml/2006/main">
+  <p:cSld>
+    <p:spTree>
+      <p:nvGrpSpPr>
+        <p:cNvPr id="1" name=""/>
+        <p:cNvGrpSpPr/>
+        <p:nvPr/>
+      </p:nvGrpSpPr>
+      <p:grpSpPr>
+        <a:xfrm>
+          <a:off x="0" y="0"/>
+          <a:ext cx="0" cy="0"/>
+          <a:chOff x="0" y="0"/>
+          <a:chExt cx="0" cy="0"/>
+        </a:xfrm>
+      </p:grpSpPr>
+      <p:sp>
+        <p:nvSpPr>
+          <p:cNvPr id="16" name="평행 사변형 15"/>
+          <p:cNvSpPr/>
+          <p:nvPr/>
+        </p:nvSpPr>
+        <p:spPr>
+          <a:xfrm rot="16200000">
+            <a:off x="2000250" y="-2000252"/>
+            <a:ext cx="5143500" cy="9144001"/>
+          </a:xfrm>
+          <a:prstGeom prst="parallelogram">
+            <a:avLst>
+              <a:gd name="adj" fmla="val 7753"/>
+            </a:avLst>
+          </a:prstGeom>
+          <a:solidFill>
+            <a:srgbClr val="473F3D"/>
+          </a:solidFill>
+          <a:ln>
+            <a:noFill/>
+          </a:ln>
+        </p:spPr>
+        <p:style>
+          <a:lnRef idx="2">
+            <a:schemeClr val="accent1">
+              <a:shade val="50000"/>
+            </a:schemeClr>
+          </a:lnRef>
+          <a:fillRef idx="1">
+            <a:schemeClr val="accent1"/>
+          </a:fillRef>
+          <a:effectRef idx="0">
+            <a:schemeClr val="accent1"/>
+          </a:effectRef>
+          <a:fontRef idx="minor">
+            <a:schemeClr val="lt1"/>
+          </a:fontRef>
+        </p:style>
+        <p:txBody>
+          <a:bodyPr rtlCol="0" anchor="ctr"/>
+          <a:lstStyle/>
+          <a:p>
+            <a:pPr algn="ctr"/>
+            <a:endParaRPr lang="ko-KR" altLang="en-US" sz="1600"/>
+          </a:p>
+        </p:txBody>
+      </p:sp>
+      <p:cxnSp>
+        <p:nvCxnSpPr>
+          <p:cNvPr id="11" name="직선 연결선 10"/>
+          <p:cNvCxnSpPr/>
+          <p:nvPr/>
+        </p:nvCxnSpPr>
+        <p:spPr>
+          <a:xfrm>
+            <a:off x="539552" y="915566"/>
+            <a:ext cx="8136904" cy="0"/>
+          </a:xfrm>
+          <a:prstGeom prst="line">
+            <a:avLst/>
+          </a:prstGeom>
+          <a:ln w="12700">
+            <a:solidFill>
+              <a:schemeClr val="bg1"/>
+            </a:solidFill>
+          </a:ln>
+        </p:spPr>
+        <p:style>
+          <a:lnRef idx="1">
+            <a:schemeClr val="accent1"/>
+          </a:lnRef>
+          <a:fillRef idx="0">
+            <a:schemeClr val="accent1"/>
+          </a:fillRef>
+          <a:effectRef idx="0">
+            <a:schemeClr val="accent1"/>
+          </a:effectRef>
+          <a:fontRef idx="minor">
+            <a:schemeClr val="tx1"/>
+          </a:fontRef>
+        </p:style>
+      </p:cxnSp>
+      <p:cxnSp>
+        <p:nvCxnSpPr>
+          <p:cNvPr id="12" name="직선 연결선 11"/>
+          <p:cNvCxnSpPr/>
+          <p:nvPr/>
+        </p:nvCxnSpPr>
+        <p:spPr>
+          <a:xfrm>
+            <a:off x="467544" y="4299942"/>
+            <a:ext cx="8136904" cy="0"/>
+          </a:xfrm>
+          <a:prstGeom prst="line">
+            <a:avLst/>
+          </a:prstGeom>
+          <a:ln w="12700">
+            <a:solidFill>
+              <a:schemeClr val="bg1"/>
+            </a:solidFill>
+          </a:ln>
+        </p:spPr>
+        <p:style>
+          <a:lnRef idx="1">
+            <a:schemeClr val="accent1"/>
+          </a:lnRef>
+          <a:fillRef idx="0">
+            <a:schemeClr val="accent1"/>
+          </a:fillRef>
+          <a:effectRef idx="0">
+            <a:schemeClr val="accent1"/>
+          </a:effectRef>
+          <a:fontRef idx="minor">
+            <a:schemeClr val="tx1"/>
+          </a:fontRef>
+        </p:style>
+      </p:cxnSp>
+      <p:cxnSp>
+        <p:nvCxnSpPr>
+          <p:cNvPr id="14" name="직선 연결선 13"/>
+          <p:cNvCxnSpPr/>
+          <p:nvPr/>
+        </p:nvCxnSpPr>
+        <p:spPr>
+          <a:xfrm>
+            <a:off x="467544" y="915566"/>
+            <a:ext cx="8208912" cy="0"/>
+          </a:xfrm>
+          <a:prstGeom prst="line">
+            <a:avLst/>
+          </a:prstGeom>
+          <a:ln w="12700">
+            <a:solidFill>
+              <a:schemeClr val="bg1"/>
+            </a:solidFill>
+          </a:ln>
+        </p:spPr>
+        <p:style>
+          <a:lnRef idx="1">
+            <a:schemeClr val="accent1"/>
+          </a:lnRef>
+          <a:fillRef idx="0">
+            <a:schemeClr val="accent1"/>
+          </a:fillRef>
+          <a:effectRef idx="0">
+            <a:schemeClr val="accent1"/>
+          </a:effectRef>
+          <a:fontRef idx="minor">
+            <a:schemeClr val="tx1"/>
+          </a:fontRef>
+        </p:style>
+      </p:cxnSp>
+      <p:cxnSp>
+        <p:nvCxnSpPr>
+          <p:cNvPr id="15" name="직선 연결선 14"/>
+          <p:cNvCxnSpPr/>
+          <p:nvPr/>
+        </p:nvCxnSpPr>
+        <p:spPr>
+          <a:xfrm>
+            <a:off x="467544" y="4299942"/>
+            <a:ext cx="8208912" cy="0"/>
+          </a:xfrm>
+          <a:prstGeom prst="line">
+            <a:avLst/>
+          </a:prstGeom>
+          <a:ln w="12700">
+            <a:solidFill>
+              <a:schemeClr val="bg1"/>
+            </a:solidFill>
+          </a:ln>
+        </p:spPr>
+        <p:style>
+          <a:lnRef idx="1">
+            <a:schemeClr val="accent1"/>
+          </a:lnRef>
+          <a:fillRef idx="0">
+            <a:schemeClr val="accent1"/>
+          </a:fillRef>
+          <a:effectRef idx="0">
+            <a:schemeClr val="accent1"/>
+          </a:effectRef>
+          <a:fontRef idx="minor">
+            <a:schemeClr val="tx1"/>
+          </a:fontRef>
+        </p:style>
+      </p:cxnSp>
+      <p:sp>
+        <p:nvSpPr>
+          <p:cNvPr id="14344" name="AutoShape 8" descr="ê´ë ¨ ì´ë¯¸ì§"/>
+          <p:cNvSpPr>
+            <a:spLocks noChangeAspect="1" noChangeArrowheads="1"/>
+          </p:cNvSpPr>
+          <p:nvPr/>
+        </p:nvSpPr>
+        <p:spPr bwMode="auto">
+          <a:xfrm>
+            <a:off x="168275" y="-136525"/>
+            <a:ext cx="298450" cy="298450"/>
+          </a:xfrm>
+          <a:prstGeom prst="rect">
+            <a:avLst/>
+          </a:prstGeom>
+          <a:noFill/>
+        </p:spPr>
+        <p:txBody>
+          <a:bodyPr vert="horz" wrap="square" lIns="91440" tIns="45720" rIns="91440" bIns="45720" numCol="1" anchor="t" anchorCtr="0" compatLnSpc="1">
+            <a:prstTxWarp prst="textNoShape">
+              <a:avLst/>
+            </a:prstTxWarp>
+          </a:bodyPr>
+          <a:lstStyle/>
+          <a:p>
+            <a:endParaRPr lang="ko-KR" altLang="en-US"/>
+          </a:p>
+        </p:txBody>
+      </p:sp>
+      <p:sp>
+        <p:nvSpPr>
+          <p:cNvPr id="14346" name="AutoShape 10" descr="ê´ë ¨ ì´ë¯¸ì§"/>
+          <p:cNvSpPr>
+            <a:spLocks noChangeAspect="1" noChangeArrowheads="1"/>
+          </p:cNvSpPr>
+          <p:nvPr/>
+        </p:nvSpPr>
+        <p:spPr bwMode="auto">
+          <a:xfrm>
+            <a:off x="168275" y="-136525"/>
+            <a:ext cx="298450" cy="298450"/>
+          </a:xfrm>
+          <a:prstGeom prst="rect">
+            <a:avLst/>
+          </a:prstGeom>
+          <a:noFill/>
+        </p:spPr>
+        <p:txBody>
+          <a:bodyPr vert="horz" wrap="square" lIns="91440" tIns="45720" rIns="91440" bIns="45720" numCol="1" anchor="t" anchorCtr="0" compatLnSpc="1">
+            <a:prstTxWarp prst="textNoShape">
+              <a:avLst/>
+            </a:prstTxWarp>
+          </a:bodyPr>
+          <a:lstStyle/>
+          <a:p>
+            <a:endParaRPr lang="ko-KR" altLang="en-US"/>
+          </a:p>
+        </p:txBody>
+      </p:sp>
+      <p:sp>
+        <p:nvSpPr>
+          <p:cNvPr id="14348" name="AutoShape 12" descr="ê´ë ¨ ì´ë¯¸ì§"/>
+          <p:cNvSpPr>
+            <a:spLocks noChangeAspect="1" noChangeArrowheads="1"/>
+          </p:cNvSpPr>
+          <p:nvPr/>
+        </p:nvSpPr>
+        <p:spPr bwMode="auto">
+          <a:xfrm>
+            <a:off x="168275" y="-136525"/>
+            <a:ext cx="298450" cy="298450"/>
+          </a:xfrm>
+          <a:prstGeom prst="rect">
+            <a:avLst/>
+          </a:prstGeom>
+          <a:noFill/>
+        </p:spPr>
+        <p:txBody>
+          <a:bodyPr vert="horz" wrap="square" lIns="91440" tIns="45720" rIns="91440" bIns="45720" numCol="1" anchor="t" anchorCtr="0" compatLnSpc="1">
+            <a:prstTxWarp prst="textNoShape">
+              <a:avLst/>
+            </a:prstTxWarp>
+          </a:bodyPr>
+          <a:lstStyle/>
+          <a:p>
+            <a:endParaRPr lang="ko-KR" altLang="en-US"/>
+          </a:p>
+        </p:txBody>
+      </p:sp>
+      <p:sp>
+        <p:nvSpPr>
+          <p:cNvPr id="14350" name="AutoShape 14" descr="ê´ë ¨ ì´ë¯¸ì§"/>
+          <p:cNvSpPr>
+            <a:spLocks noChangeAspect="1" noChangeArrowheads="1"/>
+          </p:cNvSpPr>
+          <p:nvPr/>
+        </p:nvSpPr>
+        <p:spPr bwMode="auto">
+          <a:xfrm>
+            <a:off x="168275" y="-136525"/>
+            <a:ext cx="298450" cy="298450"/>
+          </a:xfrm>
+          <a:prstGeom prst="rect">
+            <a:avLst/>
+          </a:prstGeom>
+          <a:noFill/>
+        </p:spPr>
+        <p:txBody>
+          <a:bodyPr vert="horz" wrap="square" lIns="91440" tIns="45720" rIns="91440" bIns="45720" numCol="1" anchor="t" anchorCtr="0" compatLnSpc="1">
+            <a:prstTxWarp prst="textNoShape">
+              <a:avLst/>
+            </a:prstTxWarp>
+          </a:bodyPr>
+          <a:lstStyle/>
+          <a:p>
+            <a:endParaRPr lang="ko-KR" altLang="en-US"/>
+          </a:p>
+        </p:txBody>
+      </p:sp>
+      <p:sp>
+        <p:nvSpPr>
+          <p:cNvPr id="19" name="TextBox 18"/>
+          <p:cNvSpPr txBox="1"/>
+          <p:nvPr/>
+        </p:nvSpPr>
+        <p:spPr>
+          <a:xfrm>
+            <a:off x="899592" y="1131590"/>
+            <a:ext cx="7704856" cy="646331"/>
+          </a:xfrm>
+          <a:prstGeom prst="rect">
+            <a:avLst/>
+          </a:prstGeom>
+          <a:noFill/>
+        </p:spPr>
+        <p:txBody>
+          <a:bodyPr wrap="square" rtlCol="0">
+            <a:spAutoFit/>
+          </a:bodyPr>
+          <a:lstStyle/>
+          <a:p>
+            <a:r>
+              <a:rPr lang="en-US" altLang="ko-KR" dirty="0" smtClean="0">
+                <a:solidFill>
+                  <a:schemeClr val="bg1"/>
+                </a:solidFill>
+                <a:latin typeface="나눔바른고딕" pitchFamily="50" charset="-127"/>
+                <a:ea typeface="나눔바른고딕" pitchFamily="50" charset="-127"/>
+              </a:rPr>
+              <a:t>1. </a:t>
+            </a:r>
+            <a:r>
+              <a:rPr lang="ko-KR" altLang="en-US" dirty="0" smtClean="0">
+                <a:solidFill>
+                  <a:schemeClr val="bg1"/>
+                </a:solidFill>
+                <a:latin typeface="나눔바른고딕" pitchFamily="50" charset="-127"/>
+                <a:ea typeface="나눔바른고딕" pitchFamily="50" charset="-127"/>
+              </a:rPr>
+              <a:t>요구사항이 변한다</a:t>
+            </a:r>
+            <a:r>
+              <a:rPr lang="en-US" altLang="ko-KR" dirty="0" smtClean="0">
+                <a:solidFill>
+                  <a:schemeClr val="bg1"/>
+                </a:solidFill>
+                <a:latin typeface="나눔바른고딕" pitchFamily="50" charset="-127"/>
+                <a:ea typeface="나눔바른고딕" pitchFamily="50" charset="-127"/>
+              </a:rPr>
+              <a:t>. =&gt; </a:t>
+            </a:r>
+            <a:r>
+              <a:rPr lang="ko-KR" altLang="en-US" dirty="0" smtClean="0">
+                <a:solidFill>
+                  <a:schemeClr val="bg1"/>
+                </a:solidFill>
+                <a:latin typeface="나눔바른고딕" pitchFamily="50" charset="-127"/>
+                <a:ea typeface="나눔바른고딕" pitchFamily="50" charset="-127"/>
+              </a:rPr>
+              <a:t>이관 직전 버전을 예측할 수 없다</a:t>
+            </a:r>
+            <a:r>
+              <a:rPr lang="en-US" altLang="ko-KR" dirty="0" smtClean="0">
+                <a:solidFill>
+                  <a:schemeClr val="bg1"/>
+                </a:solidFill>
+                <a:latin typeface="나눔바른고딕" pitchFamily="50" charset="-127"/>
+                <a:ea typeface="나눔바른고딕" pitchFamily="50" charset="-127"/>
+              </a:rPr>
+              <a:t>. </a:t>
+            </a:r>
+          </a:p>
+          <a:p>
+            <a:pPr algn="ctr"/>
+            <a:endParaRPr lang="ko-KR" altLang="en-US" dirty="0">
+              <a:solidFill>
+                <a:schemeClr val="bg1"/>
+              </a:solidFill>
+              <a:latin typeface="나눔바른고딕" pitchFamily="50" charset="-127"/>
+              <a:ea typeface="나눔바른고딕" pitchFamily="50" charset="-127"/>
+            </a:endParaRPr>
+          </a:p>
+        </p:txBody>
+      </p:sp>
+      <p:sp>
+        <p:nvSpPr>
+          <p:cNvPr id="20" name="TextBox 19"/>
+          <p:cNvSpPr txBox="1"/>
+          <p:nvPr/>
+        </p:nvSpPr>
+        <p:spPr>
+          <a:xfrm>
+            <a:off x="755576" y="1801148"/>
+            <a:ext cx="4176464" cy="338554"/>
+          </a:xfrm>
+          <a:prstGeom prst="rect">
+            <a:avLst/>
+          </a:prstGeom>
+          <a:noFill/>
+        </p:spPr>
+        <p:txBody>
+          <a:bodyPr wrap="square" rtlCol="0">
+            <a:spAutoFit/>
+          </a:bodyPr>
+          <a:lstStyle/>
+          <a:p>
+            <a:pPr algn="ctr"/>
+            <a:r>
+              <a:rPr lang="en-US" altLang="ko-KR" sz="1600" dirty="0" smtClean="0">
+                <a:solidFill>
+                  <a:schemeClr val="bg1"/>
+                </a:solidFill>
+                <a:latin typeface="나눔바른고딕" pitchFamily="50" charset="-127"/>
+                <a:ea typeface="나눔바른고딕" pitchFamily="50" charset="-127"/>
+              </a:rPr>
+              <a:t>“TC1, TC4</a:t>
+            </a:r>
+            <a:r>
+              <a:rPr lang="ko-KR" altLang="en-US" sz="1600" dirty="0" smtClean="0">
+                <a:solidFill>
+                  <a:schemeClr val="bg1"/>
+                </a:solidFill>
+                <a:latin typeface="나눔바른고딕" pitchFamily="50" charset="-127"/>
+                <a:ea typeface="나눔바른고딕" pitchFamily="50" charset="-127"/>
+              </a:rPr>
+              <a:t>는 빼주세요</a:t>
+            </a:r>
+            <a:r>
+              <a:rPr lang="en-US" altLang="ko-KR" sz="1600" dirty="0" smtClean="0">
+                <a:solidFill>
+                  <a:schemeClr val="bg1"/>
+                </a:solidFill>
+                <a:latin typeface="나눔바른고딕" pitchFamily="50" charset="-127"/>
+                <a:ea typeface="나눔바른고딕" pitchFamily="50" charset="-127"/>
+              </a:rPr>
+              <a:t>.”</a:t>
+            </a:r>
+            <a:endParaRPr lang="ko-KR" altLang="en-US" sz="1600" dirty="0">
+              <a:solidFill>
+                <a:schemeClr val="bg1"/>
+              </a:solidFill>
+              <a:latin typeface="나눔바른고딕" pitchFamily="50" charset="-127"/>
+              <a:ea typeface="나눔바른고딕" pitchFamily="50" charset="-127"/>
+            </a:endParaRPr>
+          </a:p>
+        </p:txBody>
+      </p:sp>
+      <p:sp>
+        <p:nvSpPr>
+          <p:cNvPr id="21" name="TextBox 20"/>
+          <p:cNvSpPr txBox="1"/>
+          <p:nvPr/>
+        </p:nvSpPr>
+        <p:spPr>
+          <a:xfrm>
+            <a:off x="3635896" y="2377212"/>
+            <a:ext cx="4896544" cy="338554"/>
+          </a:xfrm>
+          <a:prstGeom prst="rect">
+            <a:avLst/>
+          </a:prstGeom>
+          <a:noFill/>
+        </p:spPr>
+        <p:txBody>
+          <a:bodyPr wrap="square" rtlCol="0">
+            <a:spAutoFit/>
+          </a:bodyPr>
+          <a:lstStyle/>
+          <a:p>
+            <a:pPr algn="ctr"/>
+            <a:r>
+              <a:rPr lang="en-US" altLang="ko-KR" sz="1600" dirty="0" smtClean="0">
+                <a:solidFill>
+                  <a:schemeClr val="bg1"/>
+                </a:solidFill>
+                <a:latin typeface="나눔바른고딕" pitchFamily="50" charset="-127"/>
+                <a:ea typeface="나눔바른고딕" pitchFamily="50" charset="-127"/>
+              </a:rPr>
+              <a:t>“TC3</a:t>
+            </a:r>
+            <a:r>
+              <a:rPr lang="ko-KR" altLang="en-US" sz="1600" dirty="0" smtClean="0">
+                <a:solidFill>
+                  <a:schemeClr val="bg1"/>
+                </a:solidFill>
+                <a:latin typeface="나눔바른고딕" pitchFamily="50" charset="-127"/>
+                <a:ea typeface="나눔바른고딕" pitchFamily="50" charset="-127"/>
+              </a:rPr>
+              <a:t>빼고 </a:t>
+            </a:r>
+            <a:r>
+              <a:rPr lang="en-US" altLang="ko-KR" sz="1600" dirty="0" smtClean="0">
+                <a:solidFill>
+                  <a:schemeClr val="bg1"/>
+                </a:solidFill>
+                <a:latin typeface="나눔바른고딕" pitchFamily="50" charset="-127"/>
+                <a:ea typeface="나눔바른고딕" pitchFamily="50" charset="-127"/>
+              </a:rPr>
+              <a:t>TC5, TC6</a:t>
+            </a:r>
+            <a:r>
+              <a:rPr lang="ko-KR" altLang="en-US" sz="1600" dirty="0" smtClean="0">
+                <a:solidFill>
+                  <a:schemeClr val="bg1"/>
+                </a:solidFill>
+                <a:latin typeface="나눔바른고딕" pitchFamily="50" charset="-127"/>
+                <a:ea typeface="나눔바른고딕" pitchFamily="50" charset="-127"/>
+              </a:rPr>
+              <a:t>도 만들어 주실 수 있을까요</a:t>
+            </a:r>
+            <a:r>
+              <a:rPr lang="en-US" altLang="ko-KR" sz="1600" dirty="0" smtClean="0">
+                <a:solidFill>
+                  <a:schemeClr val="bg1"/>
+                </a:solidFill>
+                <a:latin typeface="나눔바른고딕" pitchFamily="50" charset="-127"/>
+                <a:ea typeface="나눔바른고딕" pitchFamily="50" charset="-127"/>
+              </a:rPr>
+              <a:t>?.”</a:t>
+            </a:r>
+            <a:endParaRPr lang="ko-KR" altLang="en-US" sz="1600" dirty="0">
+              <a:solidFill>
+                <a:schemeClr val="bg1"/>
+              </a:solidFill>
+              <a:latin typeface="나눔바른고딕" pitchFamily="50" charset="-127"/>
+              <a:ea typeface="나눔바른고딕" pitchFamily="50" charset="-127"/>
+            </a:endParaRPr>
+          </a:p>
+        </p:txBody>
+      </p:sp>
+      <p:sp>
+        <p:nvSpPr>
+          <p:cNvPr id="22" name="TextBox 21"/>
+          <p:cNvSpPr txBox="1"/>
+          <p:nvPr/>
+        </p:nvSpPr>
+        <p:spPr>
+          <a:xfrm>
+            <a:off x="683568" y="3003798"/>
+            <a:ext cx="4176464" cy="338554"/>
+          </a:xfrm>
+          <a:prstGeom prst="rect">
+            <a:avLst/>
+          </a:prstGeom>
+          <a:noFill/>
+        </p:spPr>
+        <p:txBody>
+          <a:bodyPr wrap="square" rtlCol="0">
+            <a:spAutoFit/>
+          </a:bodyPr>
+          <a:lstStyle/>
+          <a:p>
+            <a:pPr algn="ctr"/>
+            <a:r>
+              <a:rPr lang="en-US" altLang="ko-KR" sz="1600" dirty="0" smtClean="0">
+                <a:solidFill>
+                  <a:schemeClr val="bg1"/>
+                </a:solidFill>
+                <a:latin typeface="나눔바른고딕" pitchFamily="50" charset="-127"/>
+                <a:ea typeface="나눔바른고딕" pitchFamily="50" charset="-127"/>
+              </a:rPr>
+              <a:t>“TC2</a:t>
+            </a:r>
+            <a:r>
+              <a:rPr lang="ko-KR" altLang="en-US" sz="1600" dirty="0">
+                <a:solidFill>
+                  <a:schemeClr val="bg1"/>
+                </a:solidFill>
+                <a:latin typeface="나눔바른고딕" pitchFamily="50" charset="-127"/>
+                <a:ea typeface="나눔바른고딕" pitchFamily="50" charset="-127"/>
+              </a:rPr>
+              <a:t> </a:t>
+            </a:r>
+            <a:r>
+              <a:rPr lang="ko-KR" altLang="en-US" sz="1600" dirty="0" smtClean="0">
+                <a:solidFill>
+                  <a:schemeClr val="bg1"/>
+                </a:solidFill>
+                <a:latin typeface="나눔바른고딕" pitchFamily="50" charset="-127"/>
+                <a:ea typeface="나눔바른고딕" pitchFamily="50" charset="-127"/>
+              </a:rPr>
+              <a:t>요구사항을 잘못 썼네요</a:t>
+            </a:r>
+            <a:r>
+              <a:rPr lang="en-US" altLang="ko-KR" sz="1600" dirty="0" smtClean="0">
+                <a:solidFill>
+                  <a:schemeClr val="bg1"/>
+                </a:solidFill>
+                <a:latin typeface="나눔바른고딕" pitchFamily="50" charset="-127"/>
+                <a:ea typeface="나눔바른고딕" pitchFamily="50" charset="-127"/>
+              </a:rPr>
+              <a:t>~ </a:t>
+            </a:r>
+            <a:r>
+              <a:rPr lang="ko-KR" altLang="en-US" sz="1600" dirty="0" err="1" smtClean="0">
+                <a:solidFill>
+                  <a:schemeClr val="bg1"/>
+                </a:solidFill>
+                <a:latin typeface="나눔바른고딕" pitchFamily="50" charset="-127"/>
+                <a:ea typeface="나눔바른고딕" pitchFamily="50" charset="-127"/>
+              </a:rPr>
+              <a:t>수정부탁요</a:t>
+            </a:r>
+            <a:r>
+              <a:rPr lang="en-US" altLang="ko-KR" sz="1600" dirty="0" smtClean="0">
+                <a:solidFill>
+                  <a:schemeClr val="bg1"/>
+                </a:solidFill>
+                <a:latin typeface="나눔바른고딕" pitchFamily="50" charset="-127"/>
+                <a:ea typeface="나눔바른고딕" pitchFamily="50" charset="-127"/>
+              </a:rPr>
+              <a:t>~”</a:t>
+            </a:r>
+            <a:endParaRPr lang="ko-KR" altLang="en-US" sz="1600" dirty="0">
+              <a:solidFill>
+                <a:schemeClr val="bg1"/>
+              </a:solidFill>
+              <a:latin typeface="나눔바른고딕" pitchFamily="50" charset="-127"/>
+              <a:ea typeface="나눔바른고딕" pitchFamily="50" charset="-127"/>
+            </a:endParaRPr>
+          </a:p>
+        </p:txBody>
+      </p:sp>
+      <p:sp>
+        <p:nvSpPr>
+          <p:cNvPr id="25" name="TextBox 24"/>
+          <p:cNvSpPr txBox="1"/>
+          <p:nvPr/>
+        </p:nvSpPr>
+        <p:spPr>
+          <a:xfrm>
+            <a:off x="3779912" y="3601348"/>
+            <a:ext cx="4896544" cy="338554"/>
+          </a:xfrm>
+          <a:prstGeom prst="rect">
+            <a:avLst/>
+          </a:prstGeom>
+          <a:noFill/>
+        </p:spPr>
+        <p:txBody>
+          <a:bodyPr wrap="square" rtlCol="0">
+            <a:spAutoFit/>
+          </a:bodyPr>
+          <a:lstStyle/>
+          <a:p>
+            <a:pPr algn="ctr"/>
+            <a:r>
+              <a:rPr lang="en-US" altLang="ko-KR" sz="1600" dirty="0" smtClean="0">
+                <a:solidFill>
+                  <a:schemeClr val="bg1"/>
+                </a:solidFill>
+                <a:latin typeface="나눔바른고딕" pitchFamily="50" charset="-127"/>
+                <a:ea typeface="나눔바른고딕" pitchFamily="50" charset="-127"/>
+              </a:rPr>
+              <a:t>“TC5</a:t>
+            </a:r>
+            <a:r>
+              <a:rPr lang="ko-KR" altLang="en-US" sz="1600" dirty="0" smtClean="0">
+                <a:solidFill>
+                  <a:schemeClr val="bg1"/>
+                </a:solidFill>
+                <a:latin typeface="나눔바른고딕" pitchFamily="50" charset="-127"/>
+                <a:ea typeface="나눔바른고딕" pitchFamily="50" charset="-127"/>
+              </a:rPr>
+              <a:t>는 개발 안 해주셔도 될것 같습니다</a:t>
+            </a:r>
+            <a:r>
+              <a:rPr lang="en-US" altLang="ko-KR" sz="1600" dirty="0" smtClean="0">
+                <a:solidFill>
+                  <a:schemeClr val="bg1"/>
+                </a:solidFill>
+                <a:latin typeface="나눔바른고딕" pitchFamily="50" charset="-127"/>
+                <a:ea typeface="나눔바른고딕" pitchFamily="50" charset="-127"/>
+              </a:rPr>
+              <a:t>...”</a:t>
+            </a:r>
+            <a:endParaRPr lang="ko-KR" altLang="en-US" sz="1600" dirty="0">
+              <a:solidFill>
+                <a:schemeClr val="bg1"/>
+              </a:solidFill>
+              <a:latin typeface="나눔바른고딕" pitchFamily="50" charset="-127"/>
+              <a:ea typeface="나눔바른고딕" pitchFamily="50" charset="-127"/>
+            </a:endParaRPr>
+          </a:p>
+        </p:txBody>
+      </p:sp>
+      <p:sp>
+        <p:nvSpPr>
+          <p:cNvPr id="27" name="TextBox 26"/>
+          <p:cNvSpPr txBox="1"/>
+          <p:nvPr/>
+        </p:nvSpPr>
+        <p:spPr>
+          <a:xfrm>
+            <a:off x="611560" y="483518"/>
+            <a:ext cx="6552728" cy="461665"/>
+          </a:xfrm>
+          <a:prstGeom prst="rect">
+            <a:avLst/>
+          </a:prstGeom>
+          <a:noFill/>
+        </p:spPr>
+        <p:txBody>
+          <a:bodyPr wrap="square" rtlCol="0">
+            <a:spAutoFit/>
+          </a:bodyPr>
+          <a:lstStyle/>
+          <a:p>
+            <a:r>
+              <a:rPr lang="en-US" altLang="ko-KR" sz="2400" dirty="0" smtClean="0">
+                <a:solidFill>
+                  <a:schemeClr val="bg1">
+                    <a:lumMod val="95000"/>
+                  </a:schemeClr>
+                </a:solidFill>
+                <a:latin typeface="나눔바른고딕" pitchFamily="50" charset="-127"/>
+                <a:ea typeface="나눔바른고딕" pitchFamily="50" charset="-127"/>
+              </a:rPr>
+              <a:t>1-2. GIT</a:t>
+            </a:r>
+            <a:r>
+              <a:rPr lang="ko-KR" altLang="en-US" sz="2400" dirty="0" smtClean="0">
+                <a:solidFill>
+                  <a:schemeClr val="bg1">
+                    <a:lumMod val="95000"/>
+                  </a:schemeClr>
+                </a:solidFill>
+                <a:latin typeface="나눔바른고딕" pitchFamily="50" charset="-127"/>
+                <a:ea typeface="나눔바른고딕" pitchFamily="50" charset="-127"/>
+              </a:rPr>
+              <a:t>의 소중함 느낀 계기 </a:t>
+            </a:r>
+            <a:r>
+              <a:rPr lang="en-US" altLang="ko-KR" sz="2400" dirty="0" smtClean="0">
+                <a:solidFill>
+                  <a:schemeClr val="bg1">
+                    <a:lumMod val="95000"/>
+                  </a:schemeClr>
+                </a:solidFill>
+                <a:latin typeface="나눔바른고딕" pitchFamily="50" charset="-127"/>
+                <a:ea typeface="나눔바른고딕" pitchFamily="50" charset="-127"/>
+              </a:rPr>
+              <a:t>– </a:t>
+            </a:r>
+            <a:r>
+              <a:rPr lang="ko-KR" altLang="en-US" sz="2400" dirty="0" smtClean="0">
+                <a:solidFill>
+                  <a:schemeClr val="bg1">
+                    <a:lumMod val="95000"/>
+                  </a:schemeClr>
+                </a:solidFill>
+                <a:latin typeface="나눔바른고딕" pitchFamily="50" charset="-127"/>
+                <a:ea typeface="나눔바른고딕" pitchFamily="50" charset="-127"/>
+              </a:rPr>
+              <a:t>현실</a:t>
+            </a:r>
+            <a:endParaRPr lang="ko-KR" altLang="en-US" sz="2400" dirty="0">
+              <a:solidFill>
+                <a:schemeClr val="bg1">
+                  <a:lumMod val="95000"/>
+                </a:schemeClr>
+              </a:solidFill>
+              <a:latin typeface="나눔바른고딕" pitchFamily="50" charset="-127"/>
+              <a:ea typeface="나눔바른고딕" pitchFamily="50" charset="-127"/>
+            </a:endParaRPr>
+          </a:p>
+        </p:txBody>
+      </p:sp>
+    </p:spTree>
+  </p:cSld>
+  <p:clrMapOvr>
+    <a:masterClrMapping/>
+  </p:clrMapOvr>
+  <p:timing>
+    <p:tnLst>
+      <p:par>
+        <p:cTn id="1" dur="indefinite" restart="never" nodeType="tmRoot"/>
+      </p:par>
+    </p:tnLst>
+  </p:timing>
+</p:sld>
+</file>
+
+<file path=ppt/slides/slide9.xml><?xml version="1.0" encoding="utf-8"?>
+<p:sld xmlns:a="http://schemas.openxmlformats.org/drawingml/2006/main" xmlns:r="http://schemas.openxmlformats.org/officeDocument/2006/relationships" xmlns:p="http://schemas.openxmlformats.org/presentationml/2006/main">
+  <p:cSld>
+    <p:spTree>
+      <p:nvGrpSpPr>
+        <p:cNvPr id="1" name=""/>
+        <p:cNvGrpSpPr/>
+        <p:nvPr/>
+      </p:nvGrpSpPr>
+      <p:grpSpPr>
+        <a:xfrm>
+          <a:off x="0" y="0"/>
+          <a:ext cx="0" cy="0"/>
+          <a:chOff x="0" y="0"/>
+          <a:chExt cx="0" cy="0"/>
+        </a:xfrm>
+      </p:grpSpPr>
+      <p:sp>
+        <p:nvSpPr>
+          <p:cNvPr id="16" name="평행 사변형 15"/>
+          <p:cNvSpPr/>
+          <p:nvPr/>
+        </p:nvSpPr>
+        <p:spPr>
+          <a:xfrm rot="16200000">
+            <a:off x="2000250" y="-2000252"/>
+            <a:ext cx="5143500" cy="9144001"/>
+          </a:xfrm>
+          <a:prstGeom prst="parallelogram">
+            <a:avLst>
+              <a:gd name="adj" fmla="val 7753"/>
+            </a:avLst>
+          </a:prstGeom>
+          <a:solidFill>
+            <a:srgbClr val="473F3D"/>
+          </a:solidFill>
+          <a:ln>
+            <a:noFill/>
+          </a:ln>
+        </p:spPr>
+        <p:style>
+          <a:lnRef idx="2">
+            <a:schemeClr val="accent1">
+              <a:shade val="50000"/>
+            </a:schemeClr>
+          </a:lnRef>
+          <a:fillRef idx="1">
+            <a:schemeClr val="accent1"/>
+          </a:fillRef>
+          <a:effectRef idx="0">
+            <a:schemeClr val="accent1"/>
+          </a:effectRef>
+          <a:fontRef idx="minor">
+            <a:schemeClr val="lt1"/>
+          </a:fontRef>
+        </p:style>
+        <p:txBody>
+          <a:bodyPr rtlCol="0" anchor="ctr"/>
+          <a:lstStyle/>
+          <a:p>
+            <a:pPr algn="ctr"/>
+            <a:endParaRPr lang="ko-KR" altLang="en-US" sz="1600"/>
+          </a:p>
+        </p:txBody>
+      </p:sp>
+      <p:pic>
+        <p:nvPicPr>
+          <p:cNvPr id="21506" name="Picture 2" descr="JACKIE CHAN MEMEì ëí ì´ë¯¸ì§ ê²ìê²°ê³¼"/>
+          <p:cNvPicPr>
+            <a:picLocks noChangeAspect="1" noChangeArrowheads="1"/>
+          </p:cNvPicPr>
+          <p:nvPr/>
+        </p:nvPicPr>
+        <p:blipFill>
+          <a:blip r:embed="rId2" cstate="print"/>
+          <a:srcRect/>
+          <a:stretch>
+            <a:fillRect/>
+          </a:stretch>
+        </p:blipFill>
+        <p:spPr bwMode="auto">
+          <a:xfrm>
+            <a:off x="2483768" y="1419622"/>
+            <a:ext cx="4032448" cy="3027582"/>
+          </a:xfrm>
+          <a:prstGeom prst="rect">
+            <a:avLst/>
+          </a:prstGeom>
+          <a:noFill/>
+        </p:spPr>
+      </p:pic>
+      <p:sp>
+        <p:nvSpPr>
+          <p:cNvPr id="18" name="TextBox 17"/>
+          <p:cNvSpPr txBox="1"/>
+          <p:nvPr/>
+        </p:nvSpPr>
+        <p:spPr>
+          <a:xfrm>
+            <a:off x="2411760" y="771550"/>
+            <a:ext cx="4176464" cy="584775"/>
+          </a:xfrm>
+          <a:prstGeom prst="rect">
+            <a:avLst/>
+          </a:prstGeom>
+          <a:noFill/>
+        </p:spPr>
+        <p:txBody>
+          <a:bodyPr wrap="square" rtlCol="0">
+            <a:spAutoFit/>
+          </a:bodyPr>
+          <a:lstStyle/>
+          <a:p>
+            <a:pPr algn="ctr"/>
+            <a:r>
+              <a:rPr lang="en-US" altLang="ko-KR" sz="1600" dirty="0" smtClean="0">
+                <a:solidFill>
+                  <a:schemeClr val="bg1"/>
+                </a:solidFill>
+                <a:latin typeface="나눔바른고딕" pitchFamily="50" charset="-127"/>
+                <a:ea typeface="나눔바른고딕" pitchFamily="50" charset="-127"/>
+              </a:rPr>
+              <a:t>Original_TC5_??????.version</a:t>
+            </a:r>
+          </a:p>
+          <a:p>
+            <a:pPr algn="ctr"/>
+            <a:endParaRPr lang="ko-KR" altLang="en-US" sz="1600" dirty="0">
+              <a:solidFill>
+                <a:schemeClr val="bg1"/>
+              </a:solidFill>
+              <a:latin typeface="나눔바른고딕" pitchFamily="50" charset="-127"/>
+              <a:ea typeface="나눔바른고딕" pitchFamily="50" charset="-127"/>
+            </a:endParaRPr>
+          </a:p>
+        </p:txBody>
+      </p:sp>
     </p:spTree>
   </p:cSld>
   <p:clrMapOvr>

--- a/git발표.pptx
+++ b/git발표.pptx
@@ -15,6 +15,7 @@
     <p:sldId id="263" r:id="rId9"/>
     <p:sldId id="264" r:id="rId10"/>
     <p:sldId id="265" r:id="rId11"/>
+    <p:sldId id="266" r:id="rId12"/>
   </p:sldIdLst>
   <p:sldSz cx="9144000" cy="5143500" type="screen16x9"/>
   <p:notesSz cx="6858000" cy="9144000"/>
@@ -3708,7 +3709,7 @@
         </p:nvSpPr>
         <p:spPr>
           <a:xfrm>
-            <a:off x="899592" y="1131590"/>
+            <a:off x="899592" y="1064850"/>
             <a:ext cx="7704856" cy="646331"/>
           </a:xfrm>
           <a:prstGeom prst="rect">
@@ -3877,6 +3878,1435 @@
           </a:p>
         </p:txBody>
       </p:sp>
+      <p:sp>
+        <p:nvSpPr>
+          <p:cNvPr id="23" name="직사각형 22"/>
+          <p:cNvSpPr/>
+          <p:nvPr/>
+        </p:nvSpPr>
+        <p:spPr>
+          <a:xfrm>
+            <a:off x="755576" y="1491630"/>
+            <a:ext cx="7639522" cy="2736304"/>
+          </a:xfrm>
+          <a:prstGeom prst="rect">
+            <a:avLst/>
+          </a:prstGeom>
+          <a:solidFill>
+            <a:schemeClr val="bg1"/>
+          </a:solidFill>
+          <a:ln w="57150">
+            <a:noFill/>
+          </a:ln>
+        </p:spPr>
+        <p:style>
+          <a:lnRef idx="2">
+            <a:schemeClr val="accent1">
+              <a:shade val="50000"/>
+            </a:schemeClr>
+          </a:lnRef>
+          <a:fillRef idx="1">
+            <a:schemeClr val="accent1"/>
+          </a:fillRef>
+          <a:effectRef idx="0">
+            <a:schemeClr val="accent1"/>
+          </a:effectRef>
+          <a:fontRef idx="minor">
+            <a:schemeClr val="lt1"/>
+          </a:fontRef>
+        </p:style>
+        <p:txBody>
+          <a:bodyPr rtlCol="0" anchor="ctr"/>
+          <a:lstStyle/>
+          <a:p>
+            <a:pPr algn="ctr"/>
+            <a:endParaRPr lang="ko-KR" altLang="en-US" sz="1600" dirty="0">
+              <a:solidFill>
+                <a:schemeClr val="tx1"/>
+              </a:solidFill>
+            </a:endParaRPr>
+          </a:p>
+        </p:txBody>
+      </p:sp>
+      <p:sp>
+        <p:nvSpPr>
+          <p:cNvPr id="26" name="순서도: 자기 디스크 25"/>
+          <p:cNvSpPr/>
+          <p:nvPr/>
+        </p:nvSpPr>
+        <p:spPr>
+          <a:xfrm>
+            <a:off x="3851920" y="3363838"/>
+            <a:ext cx="1349165" cy="683239"/>
+          </a:xfrm>
+          <a:prstGeom prst="flowChartMagneticDisk">
+            <a:avLst/>
+          </a:prstGeom>
+          <a:noFill/>
+          <a:ln>
+            <a:solidFill>
+              <a:srgbClr val="242424"/>
+            </a:solidFill>
+          </a:ln>
+          <a:effectLst>
+            <a:outerShdw blurRad="50800" dist="38100" dir="2700000" algn="tl" rotWithShape="0">
+              <a:prstClr val="black">
+                <a:alpha val="40000"/>
+              </a:prstClr>
+            </a:outerShdw>
+          </a:effectLst>
+        </p:spPr>
+        <p:style>
+          <a:lnRef idx="2">
+            <a:schemeClr val="accent1">
+              <a:shade val="50000"/>
+            </a:schemeClr>
+          </a:lnRef>
+          <a:fillRef idx="1">
+            <a:schemeClr val="accent1"/>
+          </a:fillRef>
+          <a:effectRef idx="0">
+            <a:schemeClr val="accent1"/>
+          </a:effectRef>
+          <a:fontRef idx="minor">
+            <a:schemeClr val="lt1"/>
+          </a:fontRef>
+        </p:style>
+        <p:txBody>
+          <a:bodyPr rtlCol="0" anchor="ctr"/>
+          <a:lstStyle/>
+          <a:p>
+            <a:pPr algn="ctr"/>
+            <a:r>
+              <a:rPr lang="ko-KR" altLang="en-US" sz="1600" dirty="0" err="1" smtClean="0">
+                <a:solidFill>
+                  <a:schemeClr val="tx1"/>
+                </a:solidFill>
+                <a:latin typeface="나눔바른고딕" pitchFamily="50" charset="-127"/>
+                <a:ea typeface="나눔바른고딕" pitchFamily="50" charset="-127"/>
+              </a:rPr>
+              <a:t>개발계</a:t>
+            </a:r>
+            <a:r>
+              <a:rPr lang="ko-KR" altLang="en-US" sz="1600" dirty="0" smtClean="0">
+                <a:solidFill>
+                  <a:schemeClr val="tx1"/>
+                </a:solidFill>
+                <a:latin typeface="나눔바른고딕" pitchFamily="50" charset="-127"/>
+                <a:ea typeface="나눔바른고딕" pitchFamily="50" charset="-127"/>
+              </a:rPr>
+              <a:t> </a:t>
+            </a:r>
+            <a:r>
+              <a:rPr lang="en-US" altLang="ko-KR" sz="1600" dirty="0" smtClean="0">
+                <a:solidFill>
+                  <a:schemeClr val="tx1"/>
+                </a:solidFill>
+                <a:latin typeface="나눔바른고딕" pitchFamily="50" charset="-127"/>
+                <a:ea typeface="나눔바른고딕" pitchFamily="50" charset="-127"/>
+              </a:rPr>
+              <a:t>SVN</a:t>
+            </a:r>
+            <a:endParaRPr lang="ko-KR" altLang="en-US" sz="1600" dirty="0">
+              <a:solidFill>
+                <a:schemeClr val="tx1"/>
+              </a:solidFill>
+              <a:latin typeface="나눔바른고딕" pitchFamily="50" charset="-127"/>
+              <a:ea typeface="나눔바른고딕" pitchFamily="50" charset="-127"/>
+            </a:endParaRPr>
+          </a:p>
+        </p:txBody>
+      </p:sp>
+      <p:pic>
+        <p:nvPicPr>
+          <p:cNvPr id="32" name="Picture 18" descr="programmer icon free pngì ëí ì´ë¯¸ì§ ê²ìê²°ê³¼"/>
+          <p:cNvPicPr>
+            <a:picLocks noChangeAspect="1" noChangeArrowheads="1"/>
+          </p:cNvPicPr>
+          <p:nvPr/>
+        </p:nvPicPr>
+        <p:blipFill>
+          <a:blip r:embed="rId2" cstate="print">
+            <a:grayscl/>
+          </a:blip>
+          <a:srcRect/>
+          <a:stretch>
+            <a:fillRect/>
+          </a:stretch>
+        </p:blipFill>
+        <p:spPr bwMode="auto">
+          <a:xfrm flipH="1">
+            <a:off x="6300192" y="2859782"/>
+            <a:ext cx="1008112" cy="965924"/>
+          </a:xfrm>
+          <a:prstGeom prst="rect">
+            <a:avLst/>
+          </a:prstGeom>
+          <a:noFill/>
+        </p:spPr>
+      </p:pic>
+      <p:pic>
+        <p:nvPicPr>
+          <p:cNvPr id="33" name="Picture 18" descr="programmer icon free pngì ëí ì´ë¯¸ì§ ê²ìê²°ê³¼"/>
+          <p:cNvPicPr>
+            <a:picLocks noChangeAspect="1" noChangeArrowheads="1"/>
+          </p:cNvPicPr>
+          <p:nvPr/>
+        </p:nvPicPr>
+        <p:blipFill>
+          <a:blip r:embed="rId2" cstate="print">
+            <a:grayscl/>
+          </a:blip>
+          <a:srcRect/>
+          <a:stretch>
+            <a:fillRect/>
+          </a:stretch>
+        </p:blipFill>
+        <p:spPr bwMode="auto">
+          <a:xfrm>
+            <a:off x="1907704" y="2901970"/>
+            <a:ext cx="1008112" cy="965924"/>
+          </a:xfrm>
+          <a:prstGeom prst="rect">
+            <a:avLst/>
+          </a:prstGeom>
+          <a:noFill/>
+        </p:spPr>
+      </p:pic>
+      <p:sp>
+        <p:nvSpPr>
+          <p:cNvPr id="34" name="대각선 방향의 모서리가 둥근 사각형 33"/>
+          <p:cNvSpPr/>
+          <p:nvPr/>
+        </p:nvSpPr>
+        <p:spPr>
+          <a:xfrm>
+            <a:off x="3707904" y="1707654"/>
+            <a:ext cx="1656184" cy="1584176"/>
+          </a:xfrm>
+          <a:prstGeom prst="round2DiagRect">
+            <a:avLst/>
+          </a:prstGeom>
+          <a:solidFill>
+            <a:schemeClr val="bg1"/>
+          </a:solidFill>
+          <a:ln w="19050">
+            <a:solidFill>
+              <a:schemeClr val="tx1"/>
+            </a:solidFill>
+          </a:ln>
+          <a:effectLst>
+            <a:outerShdw blurRad="63500" sx="102000" sy="102000" algn="ctr" rotWithShape="0">
+              <a:prstClr val="black">
+                <a:alpha val="40000"/>
+              </a:prstClr>
+            </a:outerShdw>
+          </a:effectLst>
+        </p:spPr>
+        <p:style>
+          <a:lnRef idx="2">
+            <a:schemeClr val="accent1">
+              <a:shade val="50000"/>
+            </a:schemeClr>
+          </a:lnRef>
+          <a:fillRef idx="1">
+            <a:schemeClr val="accent1"/>
+          </a:fillRef>
+          <a:effectRef idx="0">
+            <a:schemeClr val="accent1"/>
+          </a:effectRef>
+          <a:fontRef idx="minor">
+            <a:schemeClr val="lt1"/>
+          </a:fontRef>
+        </p:style>
+        <p:txBody>
+          <a:bodyPr rtlCol="0" anchor="ctr"/>
+          <a:lstStyle/>
+          <a:p>
+            <a:pPr algn="ctr"/>
+            <a:r>
+              <a:rPr lang="en-US" altLang="ko-KR" sz="600" dirty="0" err="1" smtClean="0">
+                <a:solidFill>
+                  <a:schemeClr val="tx1"/>
+                </a:solidFill>
+                <a:latin typeface="나눔바른고딕" pitchFamily="50" charset="-127"/>
+                <a:ea typeface="나눔바른고딕" pitchFamily="50" charset="-127"/>
+              </a:rPr>
+              <a:t>a.Java</a:t>
+            </a:r>
+            <a:endParaRPr lang="en-US" altLang="ko-KR" sz="600" dirty="0" smtClean="0">
+              <a:solidFill>
+                <a:schemeClr val="tx1"/>
+              </a:solidFill>
+              <a:latin typeface="나눔바른고딕" pitchFamily="50" charset="-127"/>
+              <a:ea typeface="나눔바른고딕" pitchFamily="50" charset="-127"/>
+            </a:endParaRPr>
+          </a:p>
+          <a:p>
+            <a:pPr algn="ctr"/>
+            <a:r>
+              <a:rPr lang="en-US" altLang="ko-KR" sz="600" dirty="0" err="1" smtClean="0">
+                <a:solidFill>
+                  <a:schemeClr val="tx1"/>
+                </a:solidFill>
+                <a:latin typeface="나눔바른고딕" pitchFamily="50" charset="-127"/>
+                <a:ea typeface="나눔바른고딕" pitchFamily="50" charset="-127"/>
+              </a:rPr>
+              <a:t>b.Java</a:t>
+            </a:r>
+            <a:endParaRPr lang="en-US" altLang="ko-KR" sz="600" dirty="0" smtClean="0">
+              <a:solidFill>
+                <a:schemeClr val="tx1"/>
+              </a:solidFill>
+              <a:latin typeface="나눔바른고딕" pitchFamily="50" charset="-127"/>
+              <a:ea typeface="나눔바른고딕" pitchFamily="50" charset="-127"/>
+            </a:endParaRPr>
+          </a:p>
+          <a:p>
+            <a:pPr algn="ctr"/>
+            <a:r>
+              <a:rPr lang="en-US" altLang="ko-KR" sz="600" dirty="0" err="1" smtClean="0">
+                <a:solidFill>
+                  <a:schemeClr val="tx1"/>
+                </a:solidFill>
+                <a:latin typeface="나눔바른고딕" pitchFamily="50" charset="-127"/>
+                <a:ea typeface="나눔바른고딕" pitchFamily="50" charset="-127"/>
+              </a:rPr>
+              <a:t>c.Java</a:t>
+            </a:r>
+            <a:endParaRPr lang="en-US" altLang="ko-KR" sz="600" dirty="0" smtClean="0">
+              <a:solidFill>
+                <a:schemeClr val="tx1"/>
+              </a:solidFill>
+              <a:latin typeface="나눔바른고딕" pitchFamily="50" charset="-127"/>
+              <a:ea typeface="나눔바른고딕" pitchFamily="50" charset="-127"/>
+            </a:endParaRPr>
+          </a:p>
+          <a:p>
+            <a:pPr algn="ctr"/>
+            <a:r>
+              <a:rPr lang="en-US" altLang="ko-KR" sz="600" dirty="0" err="1" smtClean="0">
+                <a:solidFill>
+                  <a:schemeClr val="tx1"/>
+                </a:solidFill>
+                <a:latin typeface="나눔바른고딕" pitchFamily="50" charset="-127"/>
+                <a:ea typeface="나눔바른고딕" pitchFamily="50" charset="-127"/>
+              </a:rPr>
+              <a:t>a.Js</a:t>
+            </a:r>
+            <a:endParaRPr lang="en-US" altLang="ko-KR" sz="600" dirty="0" smtClean="0">
+              <a:solidFill>
+                <a:schemeClr val="tx1"/>
+              </a:solidFill>
+              <a:latin typeface="나눔바른고딕" pitchFamily="50" charset="-127"/>
+              <a:ea typeface="나눔바른고딕" pitchFamily="50" charset="-127"/>
+            </a:endParaRPr>
+          </a:p>
+          <a:p>
+            <a:pPr algn="ctr"/>
+            <a:r>
+              <a:rPr lang="en-US" altLang="ko-KR" sz="600" dirty="0" err="1" smtClean="0">
+                <a:solidFill>
+                  <a:schemeClr val="tx1"/>
+                </a:solidFill>
+                <a:latin typeface="나눔바른고딕" pitchFamily="50" charset="-127"/>
+                <a:ea typeface="나눔바른고딕" pitchFamily="50" charset="-127"/>
+              </a:rPr>
+              <a:t>b.Js</a:t>
+            </a:r>
+            <a:endParaRPr lang="en-US" altLang="ko-KR" sz="600" dirty="0" smtClean="0">
+              <a:solidFill>
+                <a:schemeClr val="tx1"/>
+              </a:solidFill>
+              <a:latin typeface="나눔바른고딕" pitchFamily="50" charset="-127"/>
+              <a:ea typeface="나눔바른고딕" pitchFamily="50" charset="-127"/>
+            </a:endParaRPr>
+          </a:p>
+          <a:p>
+            <a:pPr algn="ctr"/>
+            <a:r>
+              <a:rPr lang="en-US" altLang="ko-KR" sz="600" dirty="0" err="1" smtClean="0">
+                <a:solidFill>
+                  <a:schemeClr val="tx1"/>
+                </a:solidFill>
+                <a:latin typeface="나눔바른고딕" pitchFamily="50" charset="-127"/>
+                <a:ea typeface="나눔바른고딕" pitchFamily="50" charset="-127"/>
+              </a:rPr>
+              <a:t>a.Xml</a:t>
+            </a:r>
+            <a:endParaRPr lang="en-US" altLang="ko-KR" sz="600" dirty="0" smtClean="0">
+              <a:solidFill>
+                <a:schemeClr val="tx1"/>
+              </a:solidFill>
+              <a:latin typeface="나눔바른고딕" pitchFamily="50" charset="-127"/>
+              <a:ea typeface="나눔바른고딕" pitchFamily="50" charset="-127"/>
+            </a:endParaRPr>
+          </a:p>
+          <a:p>
+            <a:pPr algn="ctr"/>
+            <a:r>
+              <a:rPr lang="en-US" altLang="ko-KR" sz="600" dirty="0" err="1" smtClean="0">
+                <a:solidFill>
+                  <a:schemeClr val="tx1"/>
+                </a:solidFill>
+                <a:latin typeface="나눔바른고딕" pitchFamily="50" charset="-127"/>
+                <a:ea typeface="나눔바른고딕" pitchFamily="50" charset="-127"/>
+              </a:rPr>
+              <a:t>zz.Html</a:t>
+            </a:r>
+            <a:endParaRPr lang="en-US" altLang="ko-KR" sz="600" dirty="0" smtClean="0">
+              <a:solidFill>
+                <a:schemeClr val="tx1"/>
+              </a:solidFill>
+              <a:latin typeface="나눔바른고딕" pitchFamily="50" charset="-127"/>
+              <a:ea typeface="나눔바른고딕" pitchFamily="50" charset="-127"/>
+            </a:endParaRPr>
+          </a:p>
+          <a:p>
+            <a:pPr algn="ctr"/>
+            <a:r>
+              <a:rPr lang="en-US" altLang="ko-KR" sz="600" dirty="0" smtClean="0">
+                <a:solidFill>
+                  <a:schemeClr val="tx1"/>
+                </a:solidFill>
+                <a:latin typeface="나눔바른고딕" pitchFamily="50" charset="-127"/>
+                <a:ea typeface="나눔바른고딕" pitchFamily="50" charset="-127"/>
+              </a:rPr>
+              <a:t>Abcd.java</a:t>
+            </a:r>
+          </a:p>
+          <a:p>
+            <a:pPr algn="ctr"/>
+            <a:r>
+              <a:rPr lang="en-US" altLang="ko-KR" sz="600" dirty="0" smtClean="0">
+                <a:solidFill>
+                  <a:schemeClr val="tx1"/>
+                </a:solidFill>
+                <a:latin typeface="나눔바른고딕" pitchFamily="50" charset="-127"/>
+                <a:ea typeface="나눔바른고딕" pitchFamily="50" charset="-127"/>
+              </a:rPr>
+              <a:t>Abcd.xml</a:t>
+            </a:r>
+          </a:p>
+          <a:p>
+            <a:pPr algn="ctr"/>
+            <a:r>
+              <a:rPr lang="en-US" altLang="ko-KR" sz="700" dirty="0" smtClean="0">
+                <a:solidFill>
+                  <a:schemeClr val="tx1"/>
+                </a:solidFill>
+                <a:latin typeface="나눔바른고딕" pitchFamily="50" charset="-127"/>
+                <a:ea typeface="나눔바른고딕" pitchFamily="50" charset="-127"/>
+              </a:rPr>
+              <a:t>.</a:t>
+            </a:r>
+          </a:p>
+          <a:p>
+            <a:pPr algn="ctr"/>
+            <a:r>
+              <a:rPr lang="en-US" altLang="ko-KR" sz="700" dirty="0" smtClean="0">
+                <a:solidFill>
+                  <a:schemeClr val="tx1"/>
+                </a:solidFill>
+                <a:latin typeface="나눔바른고딕" pitchFamily="50" charset="-127"/>
+                <a:ea typeface="나눔바른고딕" pitchFamily="50" charset="-127"/>
+              </a:rPr>
+              <a:t>.</a:t>
+            </a:r>
+          </a:p>
+          <a:p>
+            <a:pPr algn="ctr"/>
+            <a:r>
+              <a:rPr lang="en-US" altLang="ko-KR" sz="700" dirty="0" smtClean="0">
+                <a:solidFill>
+                  <a:schemeClr val="tx1"/>
+                </a:solidFill>
+                <a:latin typeface="나눔바른고딕" pitchFamily="50" charset="-127"/>
+                <a:ea typeface="나눔바른고딕" pitchFamily="50" charset="-127"/>
+              </a:rPr>
+              <a:t>.</a:t>
+            </a:r>
+          </a:p>
+          <a:p>
+            <a:pPr algn="ctr"/>
+            <a:r>
+              <a:rPr lang="en-US" altLang="ko-KR" sz="600" dirty="0" smtClean="0">
+                <a:solidFill>
+                  <a:schemeClr val="tx1"/>
+                </a:solidFill>
+                <a:latin typeface="나눔바른고딕" pitchFamily="50" charset="-127"/>
+                <a:ea typeface="나눔바른고딕" pitchFamily="50" charset="-127"/>
+              </a:rPr>
+              <a:t>message : TC1 </a:t>
+            </a:r>
+            <a:r>
+              <a:rPr lang="ko-KR" altLang="en-US" sz="600" dirty="0" smtClean="0">
+                <a:solidFill>
+                  <a:schemeClr val="tx1"/>
+                </a:solidFill>
+                <a:latin typeface="나눔바른고딕" pitchFamily="50" charset="-127"/>
+                <a:ea typeface="나눔바른고딕" pitchFamily="50" charset="-127"/>
+              </a:rPr>
+              <a:t>개발 소스관리차원에서 </a:t>
+            </a:r>
+            <a:r>
+              <a:rPr lang="en-US" altLang="ko-KR" sz="600" dirty="0" smtClean="0">
+                <a:solidFill>
+                  <a:schemeClr val="tx1"/>
+                </a:solidFill>
+                <a:latin typeface="나눔바른고딕" pitchFamily="50" charset="-127"/>
+                <a:ea typeface="나눔바른고딕" pitchFamily="50" charset="-127"/>
+              </a:rPr>
+              <a:t/>
+            </a:r>
+            <a:br>
+              <a:rPr lang="en-US" altLang="ko-KR" sz="600" dirty="0" smtClean="0">
+                <a:solidFill>
+                  <a:schemeClr val="tx1"/>
+                </a:solidFill>
+                <a:latin typeface="나눔바른고딕" pitchFamily="50" charset="-127"/>
+                <a:ea typeface="나눔바른고딕" pitchFamily="50" charset="-127"/>
+              </a:rPr>
+            </a:br>
+            <a:r>
+              <a:rPr lang="ko-KR" altLang="en-US" sz="600" dirty="0" err="1" smtClean="0">
+                <a:solidFill>
+                  <a:schemeClr val="tx1"/>
+                </a:solidFill>
+                <a:latin typeface="나눔바른고딕" pitchFamily="50" charset="-127"/>
+                <a:ea typeface="나눔바른고딕" pitchFamily="50" charset="-127"/>
+              </a:rPr>
+              <a:t>커밋합니다</a:t>
+            </a:r>
+            <a:r>
+              <a:rPr lang="en-US" altLang="ko-KR" sz="600" dirty="0" smtClean="0">
+                <a:solidFill>
+                  <a:schemeClr val="tx1"/>
+                </a:solidFill>
+                <a:latin typeface="나눔바른고딕" pitchFamily="50" charset="-127"/>
+                <a:ea typeface="나눔바른고딕" pitchFamily="50" charset="-127"/>
+              </a:rPr>
+              <a:t>. </a:t>
+            </a:r>
+            <a:r>
+              <a:rPr lang="ko-KR" altLang="en-US" sz="600" dirty="0" smtClean="0">
+                <a:solidFill>
+                  <a:schemeClr val="tx1"/>
+                </a:solidFill>
+                <a:latin typeface="나눔바른고딕" pitchFamily="50" charset="-127"/>
+                <a:ea typeface="나눔바른고딕" pitchFamily="50" charset="-127"/>
+              </a:rPr>
+              <a:t>곧 </a:t>
+            </a:r>
+            <a:r>
+              <a:rPr lang="ko-KR" altLang="en-US" sz="600" dirty="0" err="1" smtClean="0">
+                <a:solidFill>
+                  <a:schemeClr val="tx1"/>
+                </a:solidFill>
+                <a:latin typeface="나눔바른고딕" pitchFamily="50" charset="-127"/>
+                <a:ea typeface="나눔바른고딕" pitchFamily="50" charset="-127"/>
+              </a:rPr>
+              <a:t>원복하겠습니다</a:t>
+            </a:r>
+            <a:r>
+              <a:rPr lang="en-US" altLang="ko-KR" sz="600" dirty="0" smtClean="0">
+                <a:solidFill>
+                  <a:schemeClr val="tx1"/>
+                </a:solidFill>
+                <a:latin typeface="나눔바른고딕" pitchFamily="50" charset="-127"/>
+                <a:ea typeface="나눔바른고딕" pitchFamily="50" charset="-127"/>
+              </a:rPr>
+              <a:t>~</a:t>
+            </a:r>
+            <a:endParaRPr lang="ko-KR" altLang="en-US" sz="600" dirty="0">
+              <a:solidFill>
+                <a:schemeClr val="tx1"/>
+              </a:solidFill>
+              <a:latin typeface="나눔바른고딕" pitchFamily="50" charset="-127"/>
+              <a:ea typeface="나눔바른고딕" pitchFamily="50" charset="-127"/>
+            </a:endParaRPr>
+          </a:p>
+        </p:txBody>
+      </p:sp>
+      <p:sp>
+        <p:nvSpPr>
+          <p:cNvPr id="35" name="모서리가 둥근 직사각형 34"/>
+          <p:cNvSpPr/>
+          <p:nvPr/>
+        </p:nvSpPr>
+        <p:spPr>
+          <a:xfrm>
+            <a:off x="3779912" y="1851670"/>
+            <a:ext cx="576064" cy="144016"/>
+          </a:xfrm>
+          <a:prstGeom prst="roundRect">
+            <a:avLst/>
+          </a:prstGeom>
+          <a:solidFill>
+            <a:schemeClr val="bg1"/>
+          </a:solidFill>
+          <a:ln w="12700">
+            <a:solidFill>
+              <a:srgbClr val="242424"/>
+            </a:solidFill>
+          </a:ln>
+          <a:effectLst>
+            <a:outerShdw blurRad="63500" sx="102000" sy="102000" algn="ctr" rotWithShape="0">
+              <a:prstClr val="black">
+                <a:alpha val="40000"/>
+              </a:prstClr>
+            </a:outerShdw>
+          </a:effectLst>
+        </p:spPr>
+        <p:style>
+          <a:lnRef idx="2">
+            <a:schemeClr val="accent1">
+              <a:shade val="50000"/>
+            </a:schemeClr>
+          </a:lnRef>
+          <a:fillRef idx="1">
+            <a:schemeClr val="accent1"/>
+          </a:fillRef>
+          <a:effectRef idx="0">
+            <a:schemeClr val="accent1"/>
+          </a:effectRef>
+          <a:fontRef idx="minor">
+            <a:schemeClr val="lt1"/>
+          </a:fontRef>
+        </p:style>
+        <p:txBody>
+          <a:bodyPr rtlCol="0" anchor="ctr"/>
+          <a:lstStyle/>
+          <a:p>
+            <a:pPr algn="ctr"/>
+            <a:r>
+              <a:rPr lang="en-US" altLang="ko-KR" sz="400" dirty="0" smtClean="0">
+                <a:solidFill>
+                  <a:schemeClr val="tx1"/>
+                </a:solidFill>
+                <a:latin typeface="나눔바른고딕" pitchFamily="50" charset="-127"/>
+                <a:ea typeface="나눔바른고딕" pitchFamily="50" charset="-127"/>
+              </a:rPr>
+              <a:t>Revision- 1234</a:t>
+            </a:r>
+            <a:endParaRPr lang="ko-KR" altLang="en-US" sz="400" dirty="0">
+              <a:solidFill>
+                <a:schemeClr val="tx1"/>
+              </a:solidFill>
+              <a:latin typeface="나눔바른고딕" pitchFamily="50" charset="-127"/>
+              <a:ea typeface="나눔바른고딕" pitchFamily="50" charset="-127"/>
+            </a:endParaRPr>
+          </a:p>
+        </p:txBody>
+      </p:sp>
+      <p:cxnSp>
+        <p:nvCxnSpPr>
+          <p:cNvPr id="36" name="직선 화살표 연결선 35"/>
+          <p:cNvCxnSpPr/>
+          <p:nvPr/>
+        </p:nvCxnSpPr>
+        <p:spPr>
+          <a:xfrm flipV="1">
+            <a:off x="2483768" y="2355726"/>
+            <a:ext cx="1008112" cy="648072"/>
+          </a:xfrm>
+          <a:prstGeom prst="straightConnector1">
+            <a:avLst/>
+          </a:prstGeom>
+          <a:ln w="38100">
+            <a:solidFill>
+              <a:srgbClr val="242424"/>
+            </a:solidFill>
+            <a:tailEnd type="arrow"/>
+          </a:ln>
+        </p:spPr>
+        <p:style>
+          <a:lnRef idx="1">
+            <a:schemeClr val="accent1"/>
+          </a:lnRef>
+          <a:fillRef idx="0">
+            <a:schemeClr val="accent1"/>
+          </a:fillRef>
+          <a:effectRef idx="0">
+            <a:schemeClr val="accent1"/>
+          </a:effectRef>
+          <a:fontRef idx="minor">
+            <a:schemeClr val="tx1"/>
+          </a:fontRef>
+        </p:style>
+      </p:cxnSp>
+      <p:cxnSp>
+        <p:nvCxnSpPr>
+          <p:cNvPr id="40" name="직선 화살표 연결선 39"/>
+          <p:cNvCxnSpPr/>
+          <p:nvPr/>
+        </p:nvCxnSpPr>
+        <p:spPr>
+          <a:xfrm flipH="1" flipV="1">
+            <a:off x="5508104" y="2355726"/>
+            <a:ext cx="1152128" cy="576064"/>
+          </a:xfrm>
+          <a:prstGeom prst="straightConnector1">
+            <a:avLst/>
+          </a:prstGeom>
+          <a:ln w="38100">
+            <a:solidFill>
+              <a:srgbClr val="242424"/>
+            </a:solidFill>
+            <a:tailEnd type="arrow"/>
+          </a:ln>
+        </p:spPr>
+        <p:style>
+          <a:lnRef idx="1">
+            <a:schemeClr val="accent1"/>
+          </a:lnRef>
+          <a:fillRef idx="0">
+            <a:schemeClr val="accent1"/>
+          </a:fillRef>
+          <a:effectRef idx="0">
+            <a:schemeClr val="accent1"/>
+          </a:effectRef>
+          <a:fontRef idx="minor">
+            <a:schemeClr val="tx1"/>
+          </a:fontRef>
+        </p:style>
+      </p:cxnSp>
+      <p:sp>
+        <p:nvSpPr>
+          <p:cNvPr id="44" name="타원형 설명선 43"/>
+          <p:cNvSpPr/>
+          <p:nvPr/>
+        </p:nvSpPr>
+        <p:spPr>
+          <a:xfrm>
+            <a:off x="6012160" y="1707654"/>
+            <a:ext cx="2232248" cy="936104"/>
+          </a:xfrm>
+          <a:prstGeom prst="wedgeEllipseCallout">
+            <a:avLst>
+              <a:gd name="adj1" fmla="val -2862"/>
+              <a:gd name="adj2" fmla="val 68204"/>
+            </a:avLst>
+          </a:prstGeom>
+          <a:solidFill>
+            <a:schemeClr val="bg1"/>
+          </a:solidFill>
+          <a:ln>
+            <a:solidFill>
+              <a:schemeClr val="tx1"/>
+            </a:solidFill>
+          </a:ln>
+        </p:spPr>
+        <p:style>
+          <a:lnRef idx="2">
+            <a:schemeClr val="accent1">
+              <a:shade val="50000"/>
+            </a:schemeClr>
+          </a:lnRef>
+          <a:fillRef idx="1">
+            <a:schemeClr val="accent1"/>
+          </a:fillRef>
+          <a:effectRef idx="0">
+            <a:schemeClr val="accent1"/>
+          </a:effectRef>
+          <a:fontRef idx="minor">
+            <a:schemeClr val="lt1"/>
+          </a:fontRef>
+        </p:style>
+        <p:txBody>
+          <a:bodyPr rtlCol="0" anchor="ctr"/>
+          <a:lstStyle/>
+          <a:p>
+            <a:pPr algn="ctr"/>
+            <a:r>
+              <a:rPr lang="ko-KR" altLang="en-US" sz="1050" dirty="0" smtClean="0">
+                <a:solidFill>
+                  <a:schemeClr val="tx1"/>
+                </a:solidFill>
+                <a:latin typeface="나눔바른고딕" pitchFamily="50" charset="-127"/>
+                <a:ea typeface="나눔바른고딕" pitchFamily="50" charset="-127"/>
+              </a:rPr>
+              <a:t>나도 </a:t>
+            </a:r>
+            <a:r>
+              <a:rPr lang="en-US" altLang="ko-KR" sz="1050" dirty="0" smtClean="0">
+                <a:solidFill>
+                  <a:schemeClr val="tx1"/>
+                </a:solidFill>
+                <a:latin typeface="나눔바른고딕" pitchFamily="50" charset="-127"/>
+                <a:ea typeface="나눔바른고딕" pitchFamily="50" charset="-127"/>
+              </a:rPr>
+              <a:t>a.java, abcd.xml, b.js </a:t>
+            </a:r>
+            <a:r>
+              <a:rPr lang="ko-KR" altLang="en-US" sz="1050" dirty="0" smtClean="0">
+                <a:solidFill>
+                  <a:schemeClr val="tx1"/>
+                </a:solidFill>
+                <a:latin typeface="나눔바른고딕" pitchFamily="50" charset="-127"/>
+                <a:ea typeface="나눔바른고딕" pitchFamily="50" charset="-127"/>
+              </a:rPr>
+              <a:t>수정해야 되는데 이거 받아야 돼</a:t>
+            </a:r>
+            <a:r>
+              <a:rPr lang="en-US" altLang="ko-KR" sz="1050" dirty="0" smtClean="0">
+                <a:solidFill>
+                  <a:schemeClr val="tx1"/>
+                </a:solidFill>
+                <a:latin typeface="나눔바른고딕" pitchFamily="50" charset="-127"/>
+                <a:ea typeface="나눔바른고딕" pitchFamily="50" charset="-127"/>
+              </a:rPr>
+              <a:t>? </a:t>
+            </a:r>
+            <a:r>
+              <a:rPr lang="ko-KR" altLang="en-US" sz="1050" dirty="0" smtClean="0">
+                <a:solidFill>
+                  <a:schemeClr val="tx1"/>
+                </a:solidFill>
+                <a:latin typeface="나눔바른고딕" pitchFamily="50" charset="-127"/>
+                <a:ea typeface="나눔바른고딕" pitchFamily="50" charset="-127"/>
+              </a:rPr>
+              <a:t>말아야 돼</a:t>
+            </a:r>
+            <a:r>
+              <a:rPr lang="en-US" altLang="ko-KR" sz="1050" dirty="0" smtClean="0">
+                <a:solidFill>
+                  <a:schemeClr val="tx1"/>
+                </a:solidFill>
+                <a:latin typeface="나눔바른고딕" pitchFamily="50" charset="-127"/>
+                <a:ea typeface="나눔바른고딕" pitchFamily="50" charset="-127"/>
+              </a:rPr>
+              <a:t>?</a:t>
+            </a:r>
+            <a:endParaRPr lang="ko-KR" altLang="en-US" sz="1050" dirty="0">
+              <a:solidFill>
+                <a:schemeClr val="tx1"/>
+              </a:solidFill>
+              <a:latin typeface="나눔바른고딕" pitchFamily="50" charset="-127"/>
+              <a:ea typeface="나눔바른고딕" pitchFamily="50" charset="-127"/>
+            </a:endParaRPr>
+          </a:p>
+        </p:txBody>
+      </p:sp>
+    </p:spTree>
+  </p:cSld>
+  <p:clrMapOvr>
+    <a:masterClrMapping/>
+  </p:clrMapOvr>
+  <p:timing>
+    <p:tnLst>
+      <p:par>
+        <p:cTn id="1" dur="indefinite" restart="never" nodeType="tmRoot"/>
+      </p:par>
+    </p:tnLst>
+  </p:timing>
+</p:sld>
+</file>
+
+<file path=ppt/slides/slide11.xml><?xml version="1.0" encoding="utf-8"?>
+<p:sld xmlns:a="http://schemas.openxmlformats.org/drawingml/2006/main" xmlns:r="http://schemas.openxmlformats.org/officeDocument/2006/relationships" xmlns:p="http://schemas.openxmlformats.org/presentationml/2006/main">
+  <p:cSld>
+    <p:spTree>
+      <p:nvGrpSpPr>
+        <p:cNvPr id="1" name=""/>
+        <p:cNvGrpSpPr/>
+        <p:nvPr/>
+      </p:nvGrpSpPr>
+      <p:grpSpPr>
+        <a:xfrm>
+          <a:off x="0" y="0"/>
+          <a:ext cx="0" cy="0"/>
+          <a:chOff x="0" y="0"/>
+          <a:chExt cx="0" cy="0"/>
+        </a:xfrm>
+      </p:grpSpPr>
+      <p:sp>
+        <p:nvSpPr>
+          <p:cNvPr id="16" name="평행 사변형 15"/>
+          <p:cNvSpPr/>
+          <p:nvPr/>
+        </p:nvSpPr>
+        <p:spPr>
+          <a:xfrm rot="16200000">
+            <a:off x="2000250" y="-2000252"/>
+            <a:ext cx="5143500" cy="9144001"/>
+          </a:xfrm>
+          <a:prstGeom prst="parallelogram">
+            <a:avLst>
+              <a:gd name="adj" fmla="val 7753"/>
+            </a:avLst>
+          </a:prstGeom>
+          <a:solidFill>
+            <a:srgbClr val="473F3D"/>
+          </a:solidFill>
+          <a:ln>
+            <a:noFill/>
+          </a:ln>
+        </p:spPr>
+        <p:style>
+          <a:lnRef idx="2">
+            <a:schemeClr val="accent1">
+              <a:shade val="50000"/>
+            </a:schemeClr>
+          </a:lnRef>
+          <a:fillRef idx="1">
+            <a:schemeClr val="accent1"/>
+          </a:fillRef>
+          <a:effectRef idx="0">
+            <a:schemeClr val="accent1"/>
+          </a:effectRef>
+          <a:fontRef idx="minor">
+            <a:schemeClr val="lt1"/>
+          </a:fontRef>
+        </p:style>
+        <p:txBody>
+          <a:bodyPr rtlCol="0" anchor="ctr"/>
+          <a:lstStyle/>
+          <a:p>
+            <a:pPr algn="ctr"/>
+            <a:endParaRPr lang="ko-KR" altLang="en-US" sz="1600"/>
+          </a:p>
+        </p:txBody>
+      </p:sp>
+      <p:cxnSp>
+        <p:nvCxnSpPr>
+          <p:cNvPr id="11" name="직선 연결선 10"/>
+          <p:cNvCxnSpPr/>
+          <p:nvPr/>
+        </p:nvCxnSpPr>
+        <p:spPr>
+          <a:xfrm>
+            <a:off x="539552" y="915566"/>
+            <a:ext cx="8136904" cy="0"/>
+          </a:xfrm>
+          <a:prstGeom prst="line">
+            <a:avLst/>
+          </a:prstGeom>
+          <a:ln w="12700">
+            <a:solidFill>
+              <a:schemeClr val="bg1"/>
+            </a:solidFill>
+          </a:ln>
+        </p:spPr>
+        <p:style>
+          <a:lnRef idx="1">
+            <a:schemeClr val="accent1"/>
+          </a:lnRef>
+          <a:fillRef idx="0">
+            <a:schemeClr val="accent1"/>
+          </a:fillRef>
+          <a:effectRef idx="0">
+            <a:schemeClr val="accent1"/>
+          </a:effectRef>
+          <a:fontRef idx="minor">
+            <a:schemeClr val="tx1"/>
+          </a:fontRef>
+        </p:style>
+      </p:cxnSp>
+      <p:cxnSp>
+        <p:nvCxnSpPr>
+          <p:cNvPr id="12" name="직선 연결선 11"/>
+          <p:cNvCxnSpPr/>
+          <p:nvPr/>
+        </p:nvCxnSpPr>
+        <p:spPr>
+          <a:xfrm>
+            <a:off x="467544" y="4299942"/>
+            <a:ext cx="8136904" cy="0"/>
+          </a:xfrm>
+          <a:prstGeom prst="line">
+            <a:avLst/>
+          </a:prstGeom>
+          <a:ln w="12700">
+            <a:solidFill>
+              <a:schemeClr val="bg1"/>
+            </a:solidFill>
+          </a:ln>
+        </p:spPr>
+        <p:style>
+          <a:lnRef idx="1">
+            <a:schemeClr val="accent1"/>
+          </a:lnRef>
+          <a:fillRef idx="0">
+            <a:schemeClr val="accent1"/>
+          </a:fillRef>
+          <a:effectRef idx="0">
+            <a:schemeClr val="accent1"/>
+          </a:effectRef>
+          <a:fontRef idx="minor">
+            <a:schemeClr val="tx1"/>
+          </a:fontRef>
+        </p:style>
+      </p:cxnSp>
+      <p:cxnSp>
+        <p:nvCxnSpPr>
+          <p:cNvPr id="14" name="직선 연결선 13"/>
+          <p:cNvCxnSpPr/>
+          <p:nvPr/>
+        </p:nvCxnSpPr>
+        <p:spPr>
+          <a:xfrm>
+            <a:off x="467544" y="915566"/>
+            <a:ext cx="8208912" cy="0"/>
+          </a:xfrm>
+          <a:prstGeom prst="line">
+            <a:avLst/>
+          </a:prstGeom>
+          <a:ln w="12700">
+            <a:solidFill>
+              <a:schemeClr val="bg1"/>
+            </a:solidFill>
+          </a:ln>
+        </p:spPr>
+        <p:style>
+          <a:lnRef idx="1">
+            <a:schemeClr val="accent1"/>
+          </a:lnRef>
+          <a:fillRef idx="0">
+            <a:schemeClr val="accent1"/>
+          </a:fillRef>
+          <a:effectRef idx="0">
+            <a:schemeClr val="accent1"/>
+          </a:effectRef>
+          <a:fontRef idx="minor">
+            <a:schemeClr val="tx1"/>
+          </a:fontRef>
+        </p:style>
+      </p:cxnSp>
+      <p:cxnSp>
+        <p:nvCxnSpPr>
+          <p:cNvPr id="15" name="직선 연결선 14"/>
+          <p:cNvCxnSpPr/>
+          <p:nvPr/>
+        </p:nvCxnSpPr>
+        <p:spPr>
+          <a:xfrm>
+            <a:off x="467544" y="4299942"/>
+            <a:ext cx="8208912" cy="0"/>
+          </a:xfrm>
+          <a:prstGeom prst="line">
+            <a:avLst/>
+          </a:prstGeom>
+          <a:ln w="12700">
+            <a:solidFill>
+              <a:schemeClr val="bg1"/>
+            </a:solidFill>
+          </a:ln>
+        </p:spPr>
+        <p:style>
+          <a:lnRef idx="1">
+            <a:schemeClr val="accent1"/>
+          </a:lnRef>
+          <a:fillRef idx="0">
+            <a:schemeClr val="accent1"/>
+          </a:fillRef>
+          <a:effectRef idx="0">
+            <a:schemeClr val="accent1"/>
+          </a:effectRef>
+          <a:fontRef idx="minor">
+            <a:schemeClr val="tx1"/>
+          </a:fontRef>
+        </p:style>
+      </p:cxnSp>
+      <p:sp>
+        <p:nvSpPr>
+          <p:cNvPr id="14344" name="AutoShape 8" descr="ê´ë ¨ ì´ë¯¸ì§"/>
+          <p:cNvSpPr>
+            <a:spLocks noChangeAspect="1" noChangeArrowheads="1"/>
+          </p:cNvSpPr>
+          <p:nvPr/>
+        </p:nvSpPr>
+        <p:spPr bwMode="auto">
+          <a:xfrm>
+            <a:off x="168275" y="-136525"/>
+            <a:ext cx="298450" cy="298450"/>
+          </a:xfrm>
+          <a:prstGeom prst="rect">
+            <a:avLst/>
+          </a:prstGeom>
+          <a:noFill/>
+        </p:spPr>
+        <p:txBody>
+          <a:bodyPr vert="horz" wrap="square" lIns="91440" tIns="45720" rIns="91440" bIns="45720" numCol="1" anchor="t" anchorCtr="0" compatLnSpc="1">
+            <a:prstTxWarp prst="textNoShape">
+              <a:avLst/>
+            </a:prstTxWarp>
+          </a:bodyPr>
+          <a:lstStyle/>
+          <a:p>
+            <a:endParaRPr lang="ko-KR" altLang="en-US"/>
+          </a:p>
+        </p:txBody>
+      </p:sp>
+      <p:sp>
+        <p:nvSpPr>
+          <p:cNvPr id="14346" name="AutoShape 10" descr="ê´ë ¨ ì´ë¯¸ì§"/>
+          <p:cNvSpPr>
+            <a:spLocks noChangeAspect="1" noChangeArrowheads="1"/>
+          </p:cNvSpPr>
+          <p:nvPr/>
+        </p:nvSpPr>
+        <p:spPr bwMode="auto">
+          <a:xfrm>
+            <a:off x="168275" y="-136525"/>
+            <a:ext cx="298450" cy="298450"/>
+          </a:xfrm>
+          <a:prstGeom prst="rect">
+            <a:avLst/>
+          </a:prstGeom>
+          <a:noFill/>
+        </p:spPr>
+        <p:txBody>
+          <a:bodyPr vert="horz" wrap="square" lIns="91440" tIns="45720" rIns="91440" bIns="45720" numCol="1" anchor="t" anchorCtr="0" compatLnSpc="1">
+            <a:prstTxWarp prst="textNoShape">
+              <a:avLst/>
+            </a:prstTxWarp>
+          </a:bodyPr>
+          <a:lstStyle/>
+          <a:p>
+            <a:endParaRPr lang="ko-KR" altLang="en-US"/>
+          </a:p>
+        </p:txBody>
+      </p:sp>
+      <p:sp>
+        <p:nvSpPr>
+          <p:cNvPr id="14348" name="AutoShape 12" descr="ê´ë ¨ ì´ë¯¸ì§"/>
+          <p:cNvSpPr>
+            <a:spLocks noChangeAspect="1" noChangeArrowheads="1"/>
+          </p:cNvSpPr>
+          <p:nvPr/>
+        </p:nvSpPr>
+        <p:spPr bwMode="auto">
+          <a:xfrm>
+            <a:off x="168275" y="-136525"/>
+            <a:ext cx="298450" cy="298450"/>
+          </a:xfrm>
+          <a:prstGeom prst="rect">
+            <a:avLst/>
+          </a:prstGeom>
+          <a:noFill/>
+        </p:spPr>
+        <p:txBody>
+          <a:bodyPr vert="horz" wrap="square" lIns="91440" tIns="45720" rIns="91440" bIns="45720" numCol="1" anchor="t" anchorCtr="0" compatLnSpc="1">
+            <a:prstTxWarp prst="textNoShape">
+              <a:avLst/>
+            </a:prstTxWarp>
+          </a:bodyPr>
+          <a:lstStyle/>
+          <a:p>
+            <a:endParaRPr lang="ko-KR" altLang="en-US"/>
+          </a:p>
+        </p:txBody>
+      </p:sp>
+      <p:sp>
+        <p:nvSpPr>
+          <p:cNvPr id="14350" name="AutoShape 14" descr="ê´ë ¨ ì´ë¯¸ì§"/>
+          <p:cNvSpPr>
+            <a:spLocks noChangeAspect="1" noChangeArrowheads="1"/>
+          </p:cNvSpPr>
+          <p:nvPr/>
+        </p:nvSpPr>
+        <p:spPr bwMode="auto">
+          <a:xfrm>
+            <a:off x="168275" y="-136525"/>
+            <a:ext cx="298450" cy="298450"/>
+          </a:xfrm>
+          <a:prstGeom prst="rect">
+            <a:avLst/>
+          </a:prstGeom>
+          <a:noFill/>
+        </p:spPr>
+        <p:txBody>
+          <a:bodyPr vert="horz" wrap="square" lIns="91440" tIns="45720" rIns="91440" bIns="45720" numCol="1" anchor="t" anchorCtr="0" compatLnSpc="1">
+            <a:prstTxWarp prst="textNoShape">
+              <a:avLst/>
+            </a:prstTxWarp>
+          </a:bodyPr>
+          <a:lstStyle/>
+          <a:p>
+            <a:endParaRPr lang="ko-KR" altLang="en-US"/>
+          </a:p>
+        </p:txBody>
+      </p:sp>
+      <p:sp>
+        <p:nvSpPr>
+          <p:cNvPr id="19" name="TextBox 18"/>
+          <p:cNvSpPr txBox="1"/>
+          <p:nvPr/>
+        </p:nvSpPr>
+        <p:spPr>
+          <a:xfrm>
+            <a:off x="899592" y="1064850"/>
+            <a:ext cx="7704856" cy="646331"/>
+          </a:xfrm>
+          <a:prstGeom prst="rect">
+            <a:avLst/>
+          </a:prstGeom>
+          <a:noFill/>
+        </p:spPr>
+        <p:txBody>
+          <a:bodyPr wrap="square" rtlCol="0">
+            <a:spAutoFit/>
+          </a:bodyPr>
+          <a:lstStyle/>
+          <a:p>
+            <a:r>
+              <a:rPr lang="en-US" altLang="ko-KR" dirty="0" smtClean="0">
+                <a:solidFill>
+                  <a:schemeClr val="bg1"/>
+                </a:solidFill>
+                <a:latin typeface="나눔바른고딕" pitchFamily="50" charset="-127"/>
+                <a:ea typeface="나눔바른고딕" pitchFamily="50" charset="-127"/>
+              </a:rPr>
+              <a:t>3. </a:t>
+            </a:r>
+            <a:r>
+              <a:rPr lang="ko-KR" altLang="en-US" dirty="0" smtClean="0">
+                <a:solidFill>
+                  <a:schemeClr val="bg1"/>
+                </a:solidFill>
+                <a:latin typeface="나눔바른고딕" pitchFamily="50" charset="-127"/>
+                <a:ea typeface="나눔바른고딕" pitchFamily="50" charset="-127"/>
+              </a:rPr>
+              <a:t>하나의 기능도 여러 방법으로 만들 수 있다</a:t>
+            </a:r>
+            <a:r>
+              <a:rPr lang="en-US" altLang="ko-KR" dirty="0" smtClean="0">
+                <a:solidFill>
+                  <a:schemeClr val="bg1"/>
+                </a:solidFill>
+                <a:latin typeface="나눔바른고딕" pitchFamily="50" charset="-127"/>
+                <a:ea typeface="나눔바른고딕" pitchFamily="50" charset="-127"/>
+              </a:rPr>
+              <a:t>. =&gt; </a:t>
+            </a:r>
+            <a:r>
+              <a:rPr lang="ko-KR" altLang="en-US" dirty="0" smtClean="0">
+                <a:solidFill>
+                  <a:schemeClr val="bg1"/>
+                </a:solidFill>
+                <a:latin typeface="나눔바른고딕" pitchFamily="50" charset="-127"/>
+                <a:ea typeface="나눔바른고딕" pitchFamily="50" charset="-127"/>
+              </a:rPr>
+              <a:t>실험용 버전 필요</a:t>
+            </a:r>
+            <a:r>
+              <a:rPr lang="en-US" altLang="ko-KR" dirty="0" smtClean="0">
+                <a:solidFill>
+                  <a:schemeClr val="bg1"/>
+                </a:solidFill>
+                <a:latin typeface="나눔바른고딕" pitchFamily="50" charset="-127"/>
+                <a:ea typeface="나눔바른고딕" pitchFamily="50" charset="-127"/>
+              </a:rPr>
+              <a:t>   </a:t>
+            </a:r>
+          </a:p>
+          <a:p>
+            <a:pPr algn="ctr"/>
+            <a:endParaRPr lang="ko-KR" altLang="en-US" dirty="0">
+              <a:solidFill>
+                <a:schemeClr val="bg1"/>
+              </a:solidFill>
+              <a:latin typeface="나눔바른고딕" pitchFamily="50" charset="-127"/>
+              <a:ea typeface="나눔바른고딕" pitchFamily="50" charset="-127"/>
+            </a:endParaRPr>
+          </a:p>
+        </p:txBody>
+      </p:sp>
+      <p:sp>
+        <p:nvSpPr>
+          <p:cNvPr id="27" name="TextBox 26"/>
+          <p:cNvSpPr txBox="1"/>
+          <p:nvPr/>
+        </p:nvSpPr>
+        <p:spPr>
+          <a:xfrm>
+            <a:off x="611560" y="483518"/>
+            <a:ext cx="6552728" cy="461665"/>
+          </a:xfrm>
+          <a:prstGeom prst="rect">
+            <a:avLst/>
+          </a:prstGeom>
+          <a:noFill/>
+        </p:spPr>
+        <p:txBody>
+          <a:bodyPr wrap="square" rtlCol="0">
+            <a:spAutoFit/>
+          </a:bodyPr>
+          <a:lstStyle/>
+          <a:p>
+            <a:r>
+              <a:rPr lang="en-US" altLang="ko-KR" sz="2400" dirty="0" smtClean="0">
+                <a:solidFill>
+                  <a:schemeClr val="bg1">
+                    <a:lumMod val="95000"/>
+                  </a:schemeClr>
+                </a:solidFill>
+                <a:latin typeface="나눔바른고딕" pitchFamily="50" charset="-127"/>
+                <a:ea typeface="나눔바른고딕" pitchFamily="50" charset="-127"/>
+              </a:rPr>
+              <a:t>1-2. GIT</a:t>
+            </a:r>
+            <a:r>
+              <a:rPr lang="ko-KR" altLang="en-US" sz="2400" dirty="0" smtClean="0">
+                <a:solidFill>
+                  <a:schemeClr val="bg1">
+                    <a:lumMod val="95000"/>
+                  </a:schemeClr>
+                </a:solidFill>
+                <a:latin typeface="나눔바른고딕" pitchFamily="50" charset="-127"/>
+                <a:ea typeface="나눔바른고딕" pitchFamily="50" charset="-127"/>
+              </a:rPr>
+              <a:t>의 소중함 느낀 계기 </a:t>
+            </a:r>
+            <a:r>
+              <a:rPr lang="en-US" altLang="ko-KR" sz="2400" dirty="0" smtClean="0">
+                <a:solidFill>
+                  <a:schemeClr val="bg1">
+                    <a:lumMod val="95000"/>
+                  </a:schemeClr>
+                </a:solidFill>
+                <a:latin typeface="나눔바른고딕" pitchFamily="50" charset="-127"/>
+                <a:ea typeface="나눔바른고딕" pitchFamily="50" charset="-127"/>
+              </a:rPr>
+              <a:t>– </a:t>
+            </a:r>
+            <a:r>
+              <a:rPr lang="ko-KR" altLang="en-US" sz="2400" dirty="0" smtClean="0">
+                <a:solidFill>
+                  <a:schemeClr val="bg1">
+                    <a:lumMod val="95000"/>
+                  </a:schemeClr>
+                </a:solidFill>
+                <a:latin typeface="나눔바른고딕" pitchFamily="50" charset="-127"/>
+                <a:ea typeface="나눔바른고딕" pitchFamily="50" charset="-127"/>
+              </a:rPr>
+              <a:t>현실</a:t>
+            </a:r>
+            <a:endParaRPr lang="ko-KR" altLang="en-US" sz="2400" dirty="0">
+              <a:solidFill>
+                <a:schemeClr val="bg1">
+                  <a:lumMod val="95000"/>
+                </a:schemeClr>
+              </a:solidFill>
+              <a:latin typeface="나눔바른고딕" pitchFamily="50" charset="-127"/>
+              <a:ea typeface="나눔바른고딕" pitchFamily="50" charset="-127"/>
+            </a:endParaRPr>
+          </a:p>
+        </p:txBody>
+      </p:sp>
+      <p:pic>
+        <p:nvPicPr>
+          <p:cNvPr id="23556" name="Picture 4" descr="jsp file pngì ëí ì´ë¯¸ì§ ê²ìê²°ê³¼"/>
+          <p:cNvPicPr>
+            <a:picLocks noChangeAspect="1" noChangeArrowheads="1"/>
+          </p:cNvPicPr>
+          <p:nvPr/>
+        </p:nvPicPr>
+        <p:blipFill>
+          <a:blip r:embed="rId2" cstate="print">
+            <a:lum bright="100000" contrast="-70000"/>
+          </a:blip>
+          <a:srcRect/>
+          <a:stretch>
+            <a:fillRect/>
+          </a:stretch>
+        </p:blipFill>
+        <p:spPr bwMode="auto">
+          <a:xfrm>
+            <a:off x="2719814" y="2015708"/>
+            <a:ext cx="1872208" cy="1872208"/>
+          </a:xfrm>
+          <a:prstGeom prst="rect">
+            <a:avLst/>
+          </a:prstGeom>
+          <a:noFill/>
+        </p:spPr>
+      </p:pic>
+      <p:pic>
+        <p:nvPicPr>
+          <p:cNvPr id="23558" name="Picture 6" descr="js file pngì ëí ì´ë¯¸ì§ ê²ìê²°ê³¼"/>
+          <p:cNvPicPr>
+            <a:picLocks noChangeAspect="1" noChangeArrowheads="1"/>
+          </p:cNvPicPr>
+          <p:nvPr/>
+        </p:nvPicPr>
+        <p:blipFill>
+          <a:blip r:embed="rId3" cstate="print">
+            <a:lum bright="100000" contrast="-70000"/>
+          </a:blip>
+          <a:srcRect/>
+          <a:stretch>
+            <a:fillRect/>
+          </a:stretch>
+        </p:blipFill>
+        <p:spPr bwMode="auto">
+          <a:xfrm>
+            <a:off x="971600" y="2211710"/>
+            <a:ext cx="1512168" cy="1512168"/>
+          </a:xfrm>
+          <a:prstGeom prst="rect">
+            <a:avLst/>
+          </a:prstGeom>
+          <a:noFill/>
+        </p:spPr>
+      </p:pic>
+      <p:pic>
+        <p:nvPicPr>
+          <p:cNvPr id="23566" name="Picture 14" descr="sql file pngì ëí ì´ë¯¸ì§ ê²ìê²°ê³¼"/>
+          <p:cNvPicPr>
+            <a:picLocks noChangeAspect="1" noChangeArrowheads="1"/>
+          </p:cNvPicPr>
+          <p:nvPr/>
+        </p:nvPicPr>
+        <p:blipFill>
+          <a:blip r:embed="rId4" cstate="print">
+            <a:lum bright="100000" contrast="-70000"/>
+          </a:blip>
+          <a:srcRect/>
+          <a:stretch>
+            <a:fillRect/>
+          </a:stretch>
+        </p:blipFill>
+        <p:spPr bwMode="auto">
+          <a:xfrm>
+            <a:off x="6804248" y="2211710"/>
+            <a:ext cx="1440160" cy="1512168"/>
+          </a:xfrm>
+          <a:prstGeom prst="rect">
+            <a:avLst/>
+          </a:prstGeom>
+          <a:noFill/>
+        </p:spPr>
+      </p:pic>
+      <p:pic>
+        <p:nvPicPr>
+          <p:cNvPr id="23568" name="Picture 16" descr="java file pngì ëí ì´ë¯¸ì§ ê²ìê²°ê³¼"/>
+          <p:cNvPicPr>
+            <a:picLocks noChangeAspect="1" noChangeArrowheads="1"/>
+          </p:cNvPicPr>
+          <p:nvPr/>
+        </p:nvPicPr>
+        <p:blipFill>
+          <a:blip r:embed="rId5" cstate="print">
+            <a:lum bright="100000" contrast="-70000"/>
+          </a:blip>
+          <a:srcRect/>
+          <a:stretch>
+            <a:fillRect/>
+          </a:stretch>
+        </p:blipFill>
+        <p:spPr bwMode="auto">
+          <a:xfrm>
+            <a:off x="4644008" y="1923678"/>
+            <a:ext cx="1944216" cy="2088232"/>
+          </a:xfrm>
+          <a:prstGeom prst="rect">
+            <a:avLst/>
+          </a:prstGeom>
+          <a:noFill/>
+        </p:spPr>
+      </p:pic>
     </p:spTree>
   </p:cSld>
   <p:clrMapOvr>
@@ -4080,8 +5510,8 @@
         </p:nvSpPr>
         <p:spPr>
           <a:xfrm>
-            <a:off x="1979712" y="1923678"/>
-            <a:ext cx="3816424" cy="2031325"/>
+            <a:off x="1979712" y="1995686"/>
+            <a:ext cx="3816424" cy="1754326"/>
           </a:xfrm>
           <a:prstGeom prst="rect">
             <a:avLst/>
@@ -4190,78 +5620,6 @@
                 <a:ea typeface="나눔바른고딕" pitchFamily="50" charset="-127"/>
               </a:rPr>
               <a:t>의 소중함 느낀 계기</a:t>
-            </a:r>
-            <a:endParaRPr lang="en-US" altLang="ko-KR" dirty="0" smtClean="0">
-              <a:solidFill>
-                <a:schemeClr val="bg1">
-                  <a:lumMod val="95000"/>
-                </a:schemeClr>
-              </a:solidFill>
-              <a:latin typeface="나눔바른고딕" pitchFamily="50" charset="-127"/>
-              <a:ea typeface="나눔바른고딕" pitchFamily="50" charset="-127"/>
-            </a:endParaRPr>
-          </a:p>
-          <a:p>
-            <a:pPr marL="342900" indent="-342900"/>
-            <a:r>
-              <a:rPr lang="en-US" altLang="ko-KR" dirty="0">
-                <a:solidFill>
-                  <a:schemeClr val="bg1">
-                    <a:lumMod val="95000"/>
-                  </a:schemeClr>
-                </a:solidFill>
-                <a:latin typeface="나눔바른고딕" pitchFamily="50" charset="-127"/>
-                <a:ea typeface="나눔바른고딕" pitchFamily="50" charset="-127"/>
-              </a:rPr>
-              <a:t>	</a:t>
-            </a:r>
-            <a:r>
-              <a:rPr lang="en-US" altLang="ko-KR" dirty="0" smtClean="0">
-                <a:solidFill>
-                  <a:schemeClr val="bg1">
-                    <a:lumMod val="95000"/>
-                  </a:schemeClr>
-                </a:solidFill>
-                <a:latin typeface="나눔바른고딕" pitchFamily="50" charset="-127"/>
-                <a:ea typeface="나눔바른고딕" pitchFamily="50" charset="-127"/>
-              </a:rPr>
-              <a:t>1-3. </a:t>
-            </a:r>
-            <a:r>
-              <a:rPr lang="ko-KR" altLang="en-US" dirty="0" smtClean="0">
-                <a:solidFill>
-                  <a:schemeClr val="bg1">
-                    <a:lumMod val="95000"/>
-                  </a:schemeClr>
-                </a:solidFill>
-                <a:latin typeface="나눔바른고딕" pitchFamily="50" charset="-127"/>
-                <a:ea typeface="나눔바른고딕" pitchFamily="50" charset="-127"/>
-              </a:rPr>
-              <a:t>이상 </a:t>
-            </a:r>
-            <a:r>
-              <a:rPr lang="en-US" altLang="ko-KR" dirty="0" smtClean="0">
-                <a:solidFill>
-                  <a:schemeClr val="bg1">
-                    <a:lumMod val="95000"/>
-                  </a:schemeClr>
-                </a:solidFill>
-                <a:latin typeface="나눔바른고딕" pitchFamily="50" charset="-127"/>
-                <a:ea typeface="나눔바른고딕" pitchFamily="50" charset="-127"/>
-              </a:rPr>
-              <a:t>VS </a:t>
-            </a:r>
-            <a:r>
-              <a:rPr lang="ko-KR" altLang="en-US" dirty="0" smtClean="0">
-                <a:solidFill>
-                  <a:schemeClr val="bg1">
-                    <a:lumMod val="95000"/>
-                  </a:schemeClr>
-                </a:solidFill>
-                <a:latin typeface="나눔바른고딕" pitchFamily="50" charset="-127"/>
-                <a:ea typeface="나눔바른고딕" pitchFamily="50" charset="-127"/>
-              </a:rPr>
-              <a:t>현실</a:t>
             </a:r>
             <a:endParaRPr lang="en-US" altLang="ko-KR" dirty="0" smtClean="0">
               <a:solidFill>
@@ -8548,7 +9906,7 @@
                 <a:latin typeface="나눔바른고딕" pitchFamily="50" charset="-127"/>
                 <a:ea typeface="나눔바른고딕" pitchFamily="50" charset="-127"/>
               </a:rPr>
-              <a:t>“TC1, TC4</a:t>
+              <a:t>“TC4</a:t>
             </a:r>
             <a:r>
               <a:rPr lang="ko-KR" altLang="en-US" sz="1600" dirty="0" smtClean="0">
@@ -8797,7 +10155,7 @@
                 <a:latin typeface="나눔바른고딕" pitchFamily="50" charset="-127"/>
                 <a:ea typeface="나눔바른고딕" pitchFamily="50" charset="-127"/>
               </a:rPr>
-              <a:t>는 개발 안 해주셔도 될것 같습니다</a:t>
+              <a:t> 요구사항 다시 드릴께요</a:t>
             </a:r>
             <a:r>
               <a:rPr lang="en-US" altLang="ko-KR" sz="1600" dirty="0" smtClean="0">
@@ -9038,7 +10396,7 @@
                 <a:latin typeface="나눔바른고딕" pitchFamily="50" charset="-127"/>
                 <a:ea typeface="나눔바른고딕" pitchFamily="50" charset="-127"/>
               </a:rPr>
-              <a:t>Original_TC5_??????.version</a:t>
+              <a:t>Original_TC1_TC_??????.version</a:t>
             </a:r>
           </a:p>
           <a:p>

--- a/git발표.pptx
+++ b/git발표.pptx
@@ -16,6 +16,10 @@
     <p:sldId id="264" r:id="rId10"/>
     <p:sldId id="265" r:id="rId11"/>
     <p:sldId id="266" r:id="rId12"/>
+    <p:sldId id="267" r:id="rId13"/>
+    <p:sldId id="268" r:id="rId14"/>
+    <p:sldId id="270" r:id="rId15"/>
+    <p:sldId id="269" r:id="rId16"/>
   </p:sldIdLst>
   <p:sldSz cx="9144000" cy="5143500" type="screen16x9"/>
   <p:notesSz cx="6858000" cy="9144000"/>
@@ -298,7 +302,8 @@
           <a:p>
             <a:fld id="{742871FB-FCC3-4659-BA1C-A89BEC3C9DF3}" type="datetimeFigureOut">
               <a:rPr lang="ko-KR" altLang="en-US" smtClean="0"/>
-              <a:t>2018-10-07</a:t>
+              <a:pPr/>
+              <a:t>2018-10-08</a:t>
             </a:fld>
             <a:endParaRPr lang="ko-KR" altLang="en-US"/>
           </a:p>
@@ -340,6 +345,7 @@
           <a:p>
             <a:fld id="{0B165A33-8E7D-4E8C-B51F-176140D527BF}" type="slidenum">
               <a:rPr lang="ko-KR" altLang="en-US" smtClean="0"/>
+              <a:pPr/>
               <a:t>‹#›</a:t>
             </a:fld>
             <a:endParaRPr lang="ko-KR" altLang="en-US"/>
@@ -463,7 +469,8 @@
           <a:p>
             <a:fld id="{742871FB-FCC3-4659-BA1C-A89BEC3C9DF3}" type="datetimeFigureOut">
               <a:rPr lang="ko-KR" altLang="en-US" smtClean="0"/>
-              <a:t>2018-10-07</a:t>
+              <a:pPr/>
+              <a:t>2018-10-08</a:t>
             </a:fld>
             <a:endParaRPr lang="ko-KR" altLang="en-US"/>
           </a:p>
@@ -505,6 +512,7 @@
           <a:p>
             <a:fld id="{0B165A33-8E7D-4E8C-B51F-176140D527BF}" type="slidenum">
               <a:rPr lang="ko-KR" altLang="en-US" smtClean="0"/>
+              <a:pPr/>
               <a:t>‹#›</a:t>
             </a:fld>
             <a:endParaRPr lang="ko-KR" altLang="en-US"/>
@@ -638,7 +646,8 @@
           <a:p>
             <a:fld id="{742871FB-FCC3-4659-BA1C-A89BEC3C9DF3}" type="datetimeFigureOut">
               <a:rPr lang="ko-KR" altLang="en-US" smtClean="0"/>
-              <a:t>2018-10-07</a:t>
+              <a:pPr/>
+              <a:t>2018-10-08</a:t>
             </a:fld>
             <a:endParaRPr lang="ko-KR" altLang="en-US"/>
           </a:p>
@@ -680,6 +689,7 @@
           <a:p>
             <a:fld id="{0B165A33-8E7D-4E8C-B51F-176140D527BF}" type="slidenum">
               <a:rPr lang="ko-KR" altLang="en-US" smtClean="0"/>
+              <a:pPr/>
               <a:t>‹#›</a:t>
             </a:fld>
             <a:endParaRPr lang="ko-KR" altLang="en-US"/>
@@ -803,7 +813,8 @@
           <a:p>
             <a:fld id="{742871FB-FCC3-4659-BA1C-A89BEC3C9DF3}" type="datetimeFigureOut">
               <a:rPr lang="ko-KR" altLang="en-US" smtClean="0"/>
-              <a:t>2018-10-07</a:t>
+              <a:pPr/>
+              <a:t>2018-10-08</a:t>
             </a:fld>
             <a:endParaRPr lang="ko-KR" altLang="en-US"/>
           </a:p>
@@ -845,6 +856,7 @@
           <a:p>
             <a:fld id="{0B165A33-8E7D-4E8C-B51F-176140D527BF}" type="slidenum">
               <a:rPr lang="ko-KR" altLang="en-US" smtClean="0"/>
+              <a:pPr/>
               <a:t>‹#›</a:t>
             </a:fld>
             <a:endParaRPr lang="ko-KR" altLang="en-US"/>
@@ -1044,7 +1056,8 @@
           <a:p>
             <a:fld id="{742871FB-FCC3-4659-BA1C-A89BEC3C9DF3}" type="datetimeFigureOut">
               <a:rPr lang="ko-KR" altLang="en-US" smtClean="0"/>
-              <a:t>2018-10-07</a:t>
+              <a:pPr/>
+              <a:t>2018-10-08</a:t>
             </a:fld>
             <a:endParaRPr lang="ko-KR" altLang="en-US"/>
           </a:p>
@@ -1086,6 +1099,7 @@
           <a:p>
             <a:fld id="{0B165A33-8E7D-4E8C-B51F-176140D527BF}" type="slidenum">
               <a:rPr lang="ko-KR" altLang="en-US" smtClean="0"/>
+              <a:pPr/>
               <a:t>‹#›</a:t>
             </a:fld>
             <a:endParaRPr lang="ko-KR" altLang="en-US"/>
@@ -1327,7 +1341,8 @@
           <a:p>
             <a:fld id="{742871FB-FCC3-4659-BA1C-A89BEC3C9DF3}" type="datetimeFigureOut">
               <a:rPr lang="ko-KR" altLang="en-US" smtClean="0"/>
-              <a:t>2018-10-07</a:t>
+              <a:pPr/>
+              <a:t>2018-10-08</a:t>
             </a:fld>
             <a:endParaRPr lang="ko-KR" altLang="en-US"/>
           </a:p>
@@ -1369,6 +1384,7 @@
           <a:p>
             <a:fld id="{0B165A33-8E7D-4E8C-B51F-176140D527BF}" type="slidenum">
               <a:rPr lang="ko-KR" altLang="en-US" smtClean="0"/>
+              <a:pPr/>
               <a:t>‹#›</a:t>
             </a:fld>
             <a:endParaRPr lang="ko-KR" altLang="en-US"/>
@@ -1744,7 +1760,8 @@
           <a:p>
             <a:fld id="{742871FB-FCC3-4659-BA1C-A89BEC3C9DF3}" type="datetimeFigureOut">
               <a:rPr lang="ko-KR" altLang="en-US" smtClean="0"/>
-              <a:t>2018-10-07</a:t>
+              <a:pPr/>
+              <a:t>2018-10-08</a:t>
             </a:fld>
             <a:endParaRPr lang="ko-KR" altLang="en-US"/>
           </a:p>
@@ -1786,6 +1803,7 @@
           <a:p>
             <a:fld id="{0B165A33-8E7D-4E8C-B51F-176140D527BF}" type="slidenum">
               <a:rPr lang="ko-KR" altLang="en-US" smtClean="0"/>
+              <a:pPr/>
               <a:t>‹#›</a:t>
             </a:fld>
             <a:endParaRPr lang="ko-KR" altLang="en-US"/>
@@ -1857,7 +1875,8 @@
           <a:p>
             <a:fld id="{742871FB-FCC3-4659-BA1C-A89BEC3C9DF3}" type="datetimeFigureOut">
               <a:rPr lang="ko-KR" altLang="en-US" smtClean="0"/>
-              <a:t>2018-10-07</a:t>
+              <a:pPr/>
+              <a:t>2018-10-08</a:t>
             </a:fld>
             <a:endParaRPr lang="ko-KR" altLang="en-US"/>
           </a:p>
@@ -1899,6 +1918,7 @@
           <a:p>
             <a:fld id="{0B165A33-8E7D-4E8C-B51F-176140D527BF}" type="slidenum">
               <a:rPr lang="ko-KR" altLang="en-US" smtClean="0"/>
+              <a:pPr/>
               <a:t>‹#›</a:t>
             </a:fld>
             <a:endParaRPr lang="ko-KR" altLang="en-US"/>
@@ -1947,7 +1967,8 @@
           <a:p>
             <a:fld id="{742871FB-FCC3-4659-BA1C-A89BEC3C9DF3}" type="datetimeFigureOut">
               <a:rPr lang="ko-KR" altLang="en-US" smtClean="0"/>
-              <a:t>2018-10-07</a:t>
+              <a:pPr/>
+              <a:t>2018-10-08</a:t>
             </a:fld>
             <a:endParaRPr lang="ko-KR" altLang="en-US"/>
           </a:p>
@@ -1989,6 +2010,7 @@
           <a:p>
             <a:fld id="{0B165A33-8E7D-4E8C-B51F-176140D527BF}" type="slidenum">
               <a:rPr lang="ko-KR" altLang="en-US" smtClean="0"/>
+              <a:pPr/>
               <a:t>‹#›</a:t>
             </a:fld>
             <a:endParaRPr lang="ko-KR" altLang="en-US"/>
@@ -2219,7 +2241,8 @@
           <a:p>
             <a:fld id="{742871FB-FCC3-4659-BA1C-A89BEC3C9DF3}" type="datetimeFigureOut">
               <a:rPr lang="ko-KR" altLang="en-US" smtClean="0"/>
-              <a:t>2018-10-07</a:t>
+              <a:pPr/>
+              <a:t>2018-10-08</a:t>
             </a:fld>
             <a:endParaRPr lang="ko-KR" altLang="en-US"/>
           </a:p>
@@ -2261,6 +2284,7 @@
           <a:p>
             <a:fld id="{0B165A33-8E7D-4E8C-B51F-176140D527BF}" type="slidenum">
               <a:rPr lang="ko-KR" altLang="en-US" smtClean="0"/>
+              <a:pPr/>
               <a:t>‹#›</a:t>
             </a:fld>
             <a:endParaRPr lang="ko-KR" altLang="en-US"/>
@@ -2467,7 +2491,8 @@
           <a:p>
             <a:fld id="{742871FB-FCC3-4659-BA1C-A89BEC3C9DF3}" type="datetimeFigureOut">
               <a:rPr lang="ko-KR" altLang="en-US" smtClean="0"/>
-              <a:t>2018-10-07</a:t>
+              <a:pPr/>
+              <a:t>2018-10-08</a:t>
             </a:fld>
             <a:endParaRPr lang="ko-KR" altLang="en-US"/>
           </a:p>
@@ -2509,6 +2534,7 @@
           <a:p>
             <a:fld id="{0B165A33-8E7D-4E8C-B51F-176140D527BF}" type="slidenum">
               <a:rPr lang="ko-KR" altLang="en-US" smtClean="0"/>
+              <a:pPr/>
               <a:t>‹#›</a:t>
             </a:fld>
             <a:endParaRPr lang="ko-KR" altLang="en-US"/>
@@ -2680,7 +2706,8 @@
           <a:p>
             <a:fld id="{742871FB-FCC3-4659-BA1C-A89BEC3C9DF3}" type="datetimeFigureOut">
               <a:rPr lang="ko-KR" altLang="en-US" smtClean="0"/>
-              <a:t>2018-10-07</a:t>
+              <a:pPr/>
+              <a:t>2018-10-08</a:t>
             </a:fld>
             <a:endParaRPr lang="ko-KR" altLang="en-US"/>
           </a:p>
@@ -2758,6 +2785,7 @@
           <a:p>
             <a:fld id="{0B165A33-8E7D-4E8C-B51F-176140D527BF}" type="slidenum">
               <a:rPr lang="ko-KR" altLang="en-US" smtClean="0"/>
+              <a:pPr/>
               <a:t>‹#›</a:t>
             </a:fld>
             <a:endParaRPr lang="ko-KR" altLang="en-US"/>
@@ -3335,7 +3363,7 @@
                 <a:latin typeface="나눔바른고딕" pitchFamily="50" charset="-127"/>
                 <a:ea typeface="나눔바른고딕" pitchFamily="50" charset="-127"/>
               </a:rPr>
-              <a:t>SYD </a:t>
+              <a:t>            </a:t>
             </a:r>
             <a:r>
               <a:rPr lang="ko-KR" altLang="en-US" sz="1600" dirty="0" err="1" smtClean="0">
@@ -5036,7 +5064,7 @@
         </p:nvSpPr>
         <p:spPr>
           <a:xfrm>
-            <a:off x="899592" y="1064850"/>
+            <a:off x="899592" y="1205339"/>
             <a:ext cx="7704856" cy="646331"/>
           </a:xfrm>
           <a:prstGeom prst="rect">
@@ -5307,6 +5335,3347 @@
           <a:noFill/>
         </p:spPr>
       </p:pic>
+    </p:spTree>
+  </p:cSld>
+  <p:clrMapOvr>
+    <a:masterClrMapping/>
+  </p:clrMapOvr>
+  <p:timing>
+    <p:tnLst>
+      <p:par>
+        <p:cTn id="1" dur="indefinite" restart="never" nodeType="tmRoot"/>
+      </p:par>
+    </p:tnLst>
+  </p:timing>
+</p:sld>
+</file>
+
+<file path=ppt/slides/slide12.xml><?xml version="1.0" encoding="utf-8"?>
+<p:sld xmlns:a="http://schemas.openxmlformats.org/drawingml/2006/main" xmlns:r="http://schemas.openxmlformats.org/officeDocument/2006/relationships" xmlns:p="http://schemas.openxmlformats.org/presentationml/2006/main">
+  <p:cSld>
+    <p:spTree>
+      <p:nvGrpSpPr>
+        <p:cNvPr id="1" name=""/>
+        <p:cNvGrpSpPr/>
+        <p:nvPr/>
+      </p:nvGrpSpPr>
+      <p:grpSpPr>
+        <a:xfrm>
+          <a:off x="0" y="0"/>
+          <a:ext cx="0" cy="0"/>
+          <a:chOff x="0" y="0"/>
+          <a:chExt cx="0" cy="0"/>
+        </a:xfrm>
+      </p:grpSpPr>
+      <p:sp>
+        <p:nvSpPr>
+          <p:cNvPr id="16" name="평행 사변형 15"/>
+          <p:cNvSpPr/>
+          <p:nvPr/>
+        </p:nvSpPr>
+        <p:spPr>
+          <a:xfrm rot="16200000">
+            <a:off x="2000251" y="-2000251"/>
+            <a:ext cx="5143500" cy="9144001"/>
+          </a:xfrm>
+          <a:prstGeom prst="parallelogram">
+            <a:avLst>
+              <a:gd name="adj" fmla="val 7753"/>
+            </a:avLst>
+          </a:prstGeom>
+          <a:solidFill>
+            <a:srgbClr val="473F3D"/>
+          </a:solidFill>
+          <a:ln>
+            <a:noFill/>
+          </a:ln>
+        </p:spPr>
+        <p:style>
+          <a:lnRef idx="2">
+            <a:schemeClr val="accent1">
+              <a:shade val="50000"/>
+            </a:schemeClr>
+          </a:lnRef>
+          <a:fillRef idx="1">
+            <a:schemeClr val="accent1"/>
+          </a:fillRef>
+          <a:effectRef idx="0">
+            <a:schemeClr val="accent1"/>
+          </a:effectRef>
+          <a:fontRef idx="minor">
+            <a:schemeClr val="lt1"/>
+          </a:fontRef>
+        </p:style>
+        <p:txBody>
+          <a:bodyPr rtlCol="0" anchor="ctr"/>
+          <a:lstStyle/>
+          <a:p>
+            <a:pPr algn="ctr"/>
+            <a:endParaRPr lang="ko-KR" altLang="en-US" sz="1600"/>
+          </a:p>
+        </p:txBody>
+      </p:sp>
+      <p:cxnSp>
+        <p:nvCxnSpPr>
+          <p:cNvPr id="11" name="직선 연결선 10"/>
+          <p:cNvCxnSpPr/>
+          <p:nvPr/>
+        </p:nvCxnSpPr>
+        <p:spPr>
+          <a:xfrm>
+            <a:off x="539552" y="915566"/>
+            <a:ext cx="8136904" cy="0"/>
+          </a:xfrm>
+          <a:prstGeom prst="line">
+            <a:avLst/>
+          </a:prstGeom>
+          <a:ln w="12700">
+            <a:solidFill>
+              <a:schemeClr val="bg1"/>
+            </a:solidFill>
+          </a:ln>
+        </p:spPr>
+        <p:style>
+          <a:lnRef idx="1">
+            <a:schemeClr val="accent1"/>
+          </a:lnRef>
+          <a:fillRef idx="0">
+            <a:schemeClr val="accent1"/>
+          </a:fillRef>
+          <a:effectRef idx="0">
+            <a:schemeClr val="accent1"/>
+          </a:effectRef>
+          <a:fontRef idx="minor">
+            <a:schemeClr val="tx1"/>
+          </a:fontRef>
+        </p:style>
+      </p:cxnSp>
+      <p:cxnSp>
+        <p:nvCxnSpPr>
+          <p:cNvPr id="12" name="직선 연결선 11"/>
+          <p:cNvCxnSpPr/>
+          <p:nvPr/>
+        </p:nvCxnSpPr>
+        <p:spPr>
+          <a:xfrm>
+            <a:off x="467544" y="4299942"/>
+            <a:ext cx="8136904" cy="0"/>
+          </a:xfrm>
+          <a:prstGeom prst="line">
+            <a:avLst/>
+          </a:prstGeom>
+          <a:ln w="12700">
+            <a:solidFill>
+              <a:schemeClr val="bg1"/>
+            </a:solidFill>
+          </a:ln>
+        </p:spPr>
+        <p:style>
+          <a:lnRef idx="1">
+            <a:schemeClr val="accent1"/>
+          </a:lnRef>
+          <a:fillRef idx="0">
+            <a:schemeClr val="accent1"/>
+          </a:fillRef>
+          <a:effectRef idx="0">
+            <a:schemeClr val="accent1"/>
+          </a:effectRef>
+          <a:fontRef idx="minor">
+            <a:schemeClr val="tx1"/>
+          </a:fontRef>
+        </p:style>
+      </p:cxnSp>
+      <p:cxnSp>
+        <p:nvCxnSpPr>
+          <p:cNvPr id="14" name="직선 연결선 13"/>
+          <p:cNvCxnSpPr/>
+          <p:nvPr/>
+        </p:nvCxnSpPr>
+        <p:spPr>
+          <a:xfrm>
+            <a:off x="467544" y="915566"/>
+            <a:ext cx="8208912" cy="0"/>
+          </a:xfrm>
+          <a:prstGeom prst="line">
+            <a:avLst/>
+          </a:prstGeom>
+          <a:ln w="12700">
+            <a:solidFill>
+              <a:schemeClr val="bg1"/>
+            </a:solidFill>
+          </a:ln>
+        </p:spPr>
+        <p:style>
+          <a:lnRef idx="1">
+            <a:schemeClr val="accent1"/>
+          </a:lnRef>
+          <a:fillRef idx="0">
+            <a:schemeClr val="accent1"/>
+          </a:fillRef>
+          <a:effectRef idx="0">
+            <a:schemeClr val="accent1"/>
+          </a:effectRef>
+          <a:fontRef idx="minor">
+            <a:schemeClr val="tx1"/>
+          </a:fontRef>
+        </p:style>
+      </p:cxnSp>
+      <p:cxnSp>
+        <p:nvCxnSpPr>
+          <p:cNvPr id="15" name="직선 연결선 14"/>
+          <p:cNvCxnSpPr/>
+          <p:nvPr/>
+        </p:nvCxnSpPr>
+        <p:spPr>
+          <a:xfrm>
+            <a:off x="467544" y="4299942"/>
+            <a:ext cx="8208912" cy="0"/>
+          </a:xfrm>
+          <a:prstGeom prst="line">
+            <a:avLst/>
+          </a:prstGeom>
+          <a:ln w="12700">
+            <a:solidFill>
+              <a:schemeClr val="bg1"/>
+            </a:solidFill>
+          </a:ln>
+        </p:spPr>
+        <p:style>
+          <a:lnRef idx="1">
+            <a:schemeClr val="accent1"/>
+          </a:lnRef>
+          <a:fillRef idx="0">
+            <a:schemeClr val="accent1"/>
+          </a:fillRef>
+          <a:effectRef idx="0">
+            <a:schemeClr val="accent1"/>
+          </a:effectRef>
+          <a:fontRef idx="minor">
+            <a:schemeClr val="tx1"/>
+          </a:fontRef>
+        </p:style>
+      </p:cxnSp>
+      <p:sp>
+        <p:nvSpPr>
+          <p:cNvPr id="14344" name="AutoShape 8" descr="ê´ë ¨ ì´ë¯¸ì§"/>
+          <p:cNvSpPr>
+            <a:spLocks noChangeAspect="1" noChangeArrowheads="1"/>
+          </p:cNvSpPr>
+          <p:nvPr/>
+        </p:nvSpPr>
+        <p:spPr bwMode="auto">
+          <a:xfrm>
+            <a:off x="168275" y="-136525"/>
+            <a:ext cx="298450" cy="298450"/>
+          </a:xfrm>
+          <a:prstGeom prst="rect">
+            <a:avLst/>
+          </a:prstGeom>
+          <a:noFill/>
+        </p:spPr>
+        <p:txBody>
+          <a:bodyPr vert="horz" wrap="square" lIns="91440" tIns="45720" rIns="91440" bIns="45720" numCol="1" anchor="t" anchorCtr="0" compatLnSpc="1">
+            <a:prstTxWarp prst="textNoShape">
+              <a:avLst/>
+            </a:prstTxWarp>
+          </a:bodyPr>
+          <a:lstStyle/>
+          <a:p>
+            <a:endParaRPr lang="ko-KR" altLang="en-US"/>
+          </a:p>
+        </p:txBody>
+      </p:sp>
+      <p:sp>
+        <p:nvSpPr>
+          <p:cNvPr id="14346" name="AutoShape 10" descr="ê´ë ¨ ì´ë¯¸ì§"/>
+          <p:cNvSpPr>
+            <a:spLocks noChangeAspect="1" noChangeArrowheads="1"/>
+          </p:cNvSpPr>
+          <p:nvPr/>
+        </p:nvSpPr>
+        <p:spPr bwMode="auto">
+          <a:xfrm>
+            <a:off x="168275" y="-136525"/>
+            <a:ext cx="298450" cy="298450"/>
+          </a:xfrm>
+          <a:prstGeom prst="rect">
+            <a:avLst/>
+          </a:prstGeom>
+          <a:noFill/>
+        </p:spPr>
+        <p:txBody>
+          <a:bodyPr vert="horz" wrap="square" lIns="91440" tIns="45720" rIns="91440" bIns="45720" numCol="1" anchor="t" anchorCtr="0" compatLnSpc="1">
+            <a:prstTxWarp prst="textNoShape">
+              <a:avLst/>
+            </a:prstTxWarp>
+          </a:bodyPr>
+          <a:lstStyle/>
+          <a:p>
+            <a:endParaRPr lang="ko-KR" altLang="en-US"/>
+          </a:p>
+        </p:txBody>
+      </p:sp>
+      <p:sp>
+        <p:nvSpPr>
+          <p:cNvPr id="14348" name="AutoShape 12" descr="ê´ë ¨ ì´ë¯¸ì§"/>
+          <p:cNvSpPr>
+            <a:spLocks noChangeAspect="1" noChangeArrowheads="1"/>
+          </p:cNvSpPr>
+          <p:nvPr/>
+        </p:nvSpPr>
+        <p:spPr bwMode="auto">
+          <a:xfrm>
+            <a:off x="168275" y="-136525"/>
+            <a:ext cx="298450" cy="298450"/>
+          </a:xfrm>
+          <a:prstGeom prst="rect">
+            <a:avLst/>
+          </a:prstGeom>
+          <a:noFill/>
+        </p:spPr>
+        <p:txBody>
+          <a:bodyPr vert="horz" wrap="square" lIns="91440" tIns="45720" rIns="91440" bIns="45720" numCol="1" anchor="t" anchorCtr="0" compatLnSpc="1">
+            <a:prstTxWarp prst="textNoShape">
+              <a:avLst/>
+            </a:prstTxWarp>
+          </a:bodyPr>
+          <a:lstStyle/>
+          <a:p>
+            <a:endParaRPr lang="ko-KR" altLang="en-US"/>
+          </a:p>
+        </p:txBody>
+      </p:sp>
+      <p:sp>
+        <p:nvSpPr>
+          <p:cNvPr id="14350" name="AutoShape 14" descr="ê´ë ¨ ì´ë¯¸ì§"/>
+          <p:cNvSpPr>
+            <a:spLocks noChangeAspect="1" noChangeArrowheads="1"/>
+          </p:cNvSpPr>
+          <p:nvPr/>
+        </p:nvSpPr>
+        <p:spPr bwMode="auto">
+          <a:xfrm>
+            <a:off x="168275" y="-136525"/>
+            <a:ext cx="298450" cy="298450"/>
+          </a:xfrm>
+          <a:prstGeom prst="rect">
+            <a:avLst/>
+          </a:prstGeom>
+          <a:noFill/>
+        </p:spPr>
+        <p:txBody>
+          <a:bodyPr vert="horz" wrap="square" lIns="91440" tIns="45720" rIns="91440" bIns="45720" numCol="1" anchor="t" anchorCtr="0" compatLnSpc="1">
+            <a:prstTxWarp prst="textNoShape">
+              <a:avLst/>
+            </a:prstTxWarp>
+          </a:bodyPr>
+          <a:lstStyle/>
+          <a:p>
+            <a:endParaRPr lang="ko-KR" altLang="en-US"/>
+          </a:p>
+        </p:txBody>
+      </p:sp>
+      <p:sp>
+        <p:nvSpPr>
+          <p:cNvPr id="19" name="TextBox 18"/>
+          <p:cNvSpPr txBox="1"/>
+          <p:nvPr/>
+        </p:nvSpPr>
+        <p:spPr>
+          <a:xfrm>
+            <a:off x="2555776" y="1742494"/>
+            <a:ext cx="4896544" cy="1477328"/>
+          </a:xfrm>
+          <a:prstGeom prst="rect">
+            <a:avLst/>
+          </a:prstGeom>
+          <a:noFill/>
+        </p:spPr>
+        <p:txBody>
+          <a:bodyPr wrap="square" rtlCol="0">
+            <a:spAutoFit/>
+          </a:bodyPr>
+          <a:lstStyle/>
+          <a:p>
+            <a:pPr marL="342900" indent="-342900">
+              <a:buAutoNum type="arabicPeriod"/>
+            </a:pPr>
+            <a:r>
+              <a:rPr lang="ko-KR" altLang="en-US" dirty="0" smtClean="0">
+                <a:solidFill>
+                  <a:schemeClr val="bg1"/>
+                </a:solidFill>
+                <a:latin typeface="나눔바른고딕" pitchFamily="50" charset="-127"/>
+                <a:ea typeface="나눔바른고딕" pitchFamily="50" charset="-127"/>
+              </a:rPr>
+              <a:t>돌아가고 싶다</a:t>
+            </a:r>
+            <a:r>
+              <a:rPr lang="en-US" altLang="ko-KR" dirty="0" smtClean="0">
+                <a:solidFill>
+                  <a:schemeClr val="bg1"/>
+                </a:solidFill>
+                <a:latin typeface="나눔바른고딕" pitchFamily="50" charset="-127"/>
+                <a:ea typeface="나눔바른고딕" pitchFamily="50" charset="-127"/>
+              </a:rPr>
+              <a:t>. </a:t>
+            </a:r>
+            <a:r>
+              <a:rPr lang="ko-KR" altLang="en-US" dirty="0" smtClean="0">
+                <a:solidFill>
+                  <a:schemeClr val="bg1"/>
+                </a:solidFill>
+                <a:latin typeface="나눔바른고딕" pitchFamily="50" charset="-127"/>
+                <a:ea typeface="나눔바른고딕" pitchFamily="50" charset="-127"/>
+              </a:rPr>
+              <a:t>그 때로</a:t>
+            </a:r>
+            <a:r>
+              <a:rPr lang="en-US" altLang="ko-KR" dirty="0" smtClean="0">
+                <a:solidFill>
+                  <a:schemeClr val="bg1"/>
+                </a:solidFill>
+                <a:latin typeface="나눔바른고딕" pitchFamily="50" charset="-127"/>
+                <a:ea typeface="나눔바른고딕" pitchFamily="50" charset="-127"/>
+              </a:rPr>
+              <a:t>.</a:t>
+            </a:r>
+            <a:endParaRPr lang="en-US" altLang="ko-KR" dirty="0" smtClean="0">
+              <a:solidFill>
+                <a:schemeClr val="bg1"/>
+              </a:solidFill>
+              <a:latin typeface="나눔바른고딕" pitchFamily="50" charset="-127"/>
+              <a:ea typeface="나눔바른고딕" pitchFamily="50" charset="-127"/>
+            </a:endParaRPr>
+          </a:p>
+          <a:p>
+            <a:pPr marL="342900" indent="-342900">
+              <a:buAutoNum type="arabicPeriod"/>
+            </a:pPr>
+            <a:r>
+              <a:rPr lang="ko-KR" altLang="en-US" dirty="0" smtClean="0">
+                <a:solidFill>
+                  <a:schemeClr val="bg1"/>
+                </a:solidFill>
+                <a:latin typeface="나눔바른고딕" pitchFamily="50" charset="-127"/>
+                <a:ea typeface="나눔바른고딕" pitchFamily="50" charset="-127"/>
+              </a:rPr>
+              <a:t>이것도 해보고 저것도 해보고</a:t>
+            </a:r>
+            <a:r>
+              <a:rPr lang="en-US" altLang="ko-KR" dirty="0" smtClean="0">
+                <a:solidFill>
+                  <a:schemeClr val="bg1"/>
+                </a:solidFill>
+                <a:latin typeface="나눔바른고딕" pitchFamily="50" charset="-127"/>
+                <a:ea typeface="나눔바른고딕" pitchFamily="50" charset="-127"/>
+              </a:rPr>
+              <a:t>, </a:t>
+            </a:r>
+            <a:r>
+              <a:rPr lang="ko-KR" altLang="en-US" dirty="0" smtClean="0">
+                <a:solidFill>
+                  <a:schemeClr val="bg1"/>
+                </a:solidFill>
+                <a:latin typeface="나눔바른고딕" pitchFamily="50" charset="-127"/>
+                <a:ea typeface="나눔바른고딕" pitchFamily="50" charset="-127"/>
+              </a:rPr>
+              <a:t>다 해보고 싶다</a:t>
+            </a:r>
+            <a:r>
+              <a:rPr lang="en-US" altLang="ko-KR" dirty="0" smtClean="0">
+                <a:solidFill>
+                  <a:schemeClr val="bg1"/>
+                </a:solidFill>
+                <a:latin typeface="나눔바른고딕" pitchFamily="50" charset="-127"/>
+                <a:ea typeface="나눔바른고딕" pitchFamily="50" charset="-127"/>
+              </a:rPr>
+              <a:t>.</a:t>
+            </a:r>
+          </a:p>
+          <a:p>
+            <a:pPr marL="342900" indent="-342900">
+              <a:buAutoNum type="arabicPeriod"/>
+            </a:pPr>
+            <a:r>
+              <a:rPr lang="ko-KR" altLang="en-US" dirty="0" smtClean="0">
+                <a:solidFill>
+                  <a:schemeClr val="bg1"/>
+                </a:solidFill>
+                <a:latin typeface="나눔바른고딕" pitchFamily="50" charset="-127"/>
+                <a:ea typeface="나눔바른고딕" pitchFamily="50" charset="-127"/>
+              </a:rPr>
+              <a:t>그 중에서 제일 좋았던 것만 선택할 수 없을까</a:t>
+            </a:r>
+            <a:r>
+              <a:rPr lang="en-US" altLang="ko-KR" dirty="0" smtClean="0">
+                <a:solidFill>
+                  <a:schemeClr val="bg1"/>
+                </a:solidFill>
+                <a:latin typeface="나눔바른고딕" pitchFamily="50" charset="-127"/>
+                <a:ea typeface="나눔바른고딕" pitchFamily="50" charset="-127"/>
+              </a:rPr>
+              <a:t>?</a:t>
+            </a:r>
+          </a:p>
+          <a:p>
+            <a:pPr marL="342900" indent="-342900">
+              <a:buAutoNum type="arabicPeriod"/>
+            </a:pPr>
+            <a:endParaRPr lang="en-US" altLang="ko-KR" dirty="0" smtClean="0">
+              <a:solidFill>
+                <a:schemeClr val="bg1"/>
+              </a:solidFill>
+              <a:latin typeface="나눔바른고딕" pitchFamily="50" charset="-127"/>
+              <a:ea typeface="나눔바른고딕" pitchFamily="50" charset="-127"/>
+            </a:endParaRPr>
+          </a:p>
+          <a:p>
+            <a:pPr marL="342900" indent="-342900">
+              <a:buAutoNum type="arabicPeriod"/>
+            </a:pPr>
+            <a:endParaRPr lang="ko-KR" altLang="en-US" dirty="0">
+              <a:solidFill>
+                <a:schemeClr val="bg1"/>
+              </a:solidFill>
+              <a:latin typeface="나눔바른고딕" pitchFamily="50" charset="-127"/>
+              <a:ea typeface="나눔바른고딕" pitchFamily="50" charset="-127"/>
+            </a:endParaRPr>
+          </a:p>
+        </p:txBody>
+      </p:sp>
+      <p:sp>
+        <p:nvSpPr>
+          <p:cNvPr id="27" name="TextBox 26"/>
+          <p:cNvSpPr txBox="1"/>
+          <p:nvPr/>
+        </p:nvSpPr>
+        <p:spPr>
+          <a:xfrm>
+            <a:off x="611560" y="483518"/>
+            <a:ext cx="6552728" cy="461665"/>
+          </a:xfrm>
+          <a:prstGeom prst="rect">
+            <a:avLst/>
+          </a:prstGeom>
+          <a:noFill/>
+        </p:spPr>
+        <p:txBody>
+          <a:bodyPr wrap="square" rtlCol="0">
+            <a:spAutoFit/>
+          </a:bodyPr>
+          <a:lstStyle/>
+          <a:p>
+            <a:r>
+              <a:rPr lang="en-US" altLang="ko-KR" sz="2400" dirty="0" smtClean="0">
+                <a:solidFill>
+                  <a:schemeClr val="bg1">
+                    <a:lumMod val="95000"/>
+                  </a:schemeClr>
+                </a:solidFill>
+                <a:latin typeface="나눔바른고딕" pitchFamily="50" charset="-127"/>
+                <a:ea typeface="나눔바른고딕" pitchFamily="50" charset="-127"/>
+              </a:rPr>
+              <a:t>1-2. GIT</a:t>
+            </a:r>
+            <a:r>
+              <a:rPr lang="ko-KR" altLang="en-US" sz="2400" dirty="0" smtClean="0">
+                <a:solidFill>
+                  <a:schemeClr val="bg1">
+                    <a:lumMod val="95000"/>
+                  </a:schemeClr>
+                </a:solidFill>
+                <a:latin typeface="나눔바른고딕" pitchFamily="50" charset="-127"/>
+                <a:ea typeface="나눔바른고딕" pitchFamily="50" charset="-127"/>
+              </a:rPr>
+              <a:t>의 소중함 느낀 계기 </a:t>
+            </a:r>
+            <a:r>
+              <a:rPr lang="en-US" altLang="ko-KR" sz="2400" dirty="0" smtClean="0">
+                <a:solidFill>
+                  <a:schemeClr val="bg1">
+                    <a:lumMod val="95000"/>
+                  </a:schemeClr>
+                </a:solidFill>
+                <a:latin typeface="나눔바른고딕" pitchFamily="50" charset="-127"/>
+                <a:ea typeface="나눔바른고딕" pitchFamily="50" charset="-127"/>
+              </a:rPr>
+              <a:t>– </a:t>
+            </a:r>
+            <a:r>
+              <a:rPr lang="ko-KR" altLang="en-US" sz="2400" dirty="0" smtClean="0">
+                <a:solidFill>
+                  <a:schemeClr val="bg1">
+                    <a:lumMod val="95000"/>
+                  </a:schemeClr>
+                </a:solidFill>
+                <a:latin typeface="나눔바른고딕" pitchFamily="50" charset="-127"/>
+                <a:ea typeface="나눔바른고딕" pitchFamily="50" charset="-127"/>
+              </a:rPr>
+              <a:t>종합</a:t>
+            </a:r>
+            <a:endParaRPr lang="ko-KR" altLang="en-US" sz="2400" dirty="0">
+              <a:solidFill>
+                <a:schemeClr val="bg1">
+                  <a:lumMod val="95000"/>
+                </a:schemeClr>
+              </a:solidFill>
+              <a:latin typeface="나눔바른고딕" pitchFamily="50" charset="-127"/>
+              <a:ea typeface="나눔바른고딕" pitchFamily="50" charset="-127"/>
+            </a:endParaRPr>
+          </a:p>
+        </p:txBody>
+      </p:sp>
+      <p:sp>
+        <p:nvSpPr>
+          <p:cNvPr id="17" name="TextBox 16"/>
+          <p:cNvSpPr txBox="1"/>
+          <p:nvPr/>
+        </p:nvSpPr>
+        <p:spPr>
+          <a:xfrm>
+            <a:off x="2123728" y="3149555"/>
+            <a:ext cx="4896544" cy="646331"/>
+          </a:xfrm>
+          <a:prstGeom prst="rect">
+            <a:avLst/>
+          </a:prstGeom>
+          <a:noFill/>
+        </p:spPr>
+        <p:txBody>
+          <a:bodyPr wrap="square" rtlCol="0">
+            <a:spAutoFit/>
+          </a:bodyPr>
+          <a:lstStyle/>
+          <a:p>
+            <a:pPr marL="342900" indent="-342900" algn="ctr"/>
+            <a:r>
+              <a:rPr lang="en-US" altLang="ko-KR" dirty="0" smtClean="0">
+                <a:solidFill>
+                  <a:schemeClr val="bg1"/>
+                </a:solidFill>
+                <a:latin typeface="나눔바른고딕" pitchFamily="50" charset="-127"/>
+                <a:ea typeface="나눔바른고딕" pitchFamily="50" charset="-127"/>
+              </a:rPr>
+              <a:t>“</a:t>
+            </a:r>
+            <a:r>
+              <a:rPr lang="ko-KR" altLang="en-US" dirty="0" smtClean="0">
+                <a:solidFill>
+                  <a:schemeClr val="bg1"/>
+                </a:solidFill>
+                <a:latin typeface="나눔바른고딕" pitchFamily="50" charset="-127"/>
+                <a:ea typeface="나눔바른고딕" pitchFamily="50" charset="-127"/>
+              </a:rPr>
+              <a:t>인생과 비슷하다</a:t>
+            </a:r>
+            <a:r>
+              <a:rPr lang="en-US" altLang="ko-KR" dirty="0" smtClean="0">
+                <a:solidFill>
+                  <a:schemeClr val="bg1"/>
+                </a:solidFill>
+                <a:latin typeface="나눔바른고딕" pitchFamily="50" charset="-127"/>
+                <a:ea typeface="나눔바른고딕" pitchFamily="50" charset="-127"/>
+              </a:rPr>
+              <a:t>”</a:t>
+            </a:r>
+            <a:endParaRPr lang="en-US" altLang="ko-KR" dirty="0" smtClean="0">
+              <a:solidFill>
+                <a:schemeClr val="bg1"/>
+              </a:solidFill>
+              <a:latin typeface="나눔바른고딕" pitchFamily="50" charset="-127"/>
+              <a:ea typeface="나눔바른고딕" pitchFamily="50" charset="-127"/>
+            </a:endParaRPr>
+          </a:p>
+          <a:p>
+            <a:pPr marL="342900" indent="-342900">
+              <a:buAutoNum type="arabicPeriod"/>
+            </a:pPr>
+            <a:endParaRPr lang="ko-KR" altLang="en-US" dirty="0">
+              <a:solidFill>
+                <a:schemeClr val="bg1"/>
+              </a:solidFill>
+              <a:latin typeface="나눔바른고딕" pitchFamily="50" charset="-127"/>
+              <a:ea typeface="나눔바른고딕" pitchFamily="50" charset="-127"/>
+            </a:endParaRPr>
+          </a:p>
+        </p:txBody>
+      </p:sp>
+    </p:spTree>
+  </p:cSld>
+  <p:clrMapOvr>
+    <a:masterClrMapping/>
+  </p:clrMapOvr>
+  <p:timing>
+    <p:tnLst>
+      <p:par>
+        <p:cTn id="1" dur="indefinite" restart="never" nodeType="tmRoot"/>
+      </p:par>
+    </p:tnLst>
+  </p:timing>
+</p:sld>
+</file>
+
+<file path=ppt/slides/slide13.xml><?xml version="1.0" encoding="utf-8"?>
+<p:sld xmlns:a="http://schemas.openxmlformats.org/drawingml/2006/main" xmlns:r="http://schemas.openxmlformats.org/officeDocument/2006/relationships" xmlns:p="http://schemas.openxmlformats.org/presentationml/2006/main">
+  <p:cSld>
+    <p:spTree>
+      <p:nvGrpSpPr>
+        <p:cNvPr id="1" name=""/>
+        <p:cNvGrpSpPr/>
+        <p:nvPr/>
+      </p:nvGrpSpPr>
+      <p:grpSpPr>
+        <a:xfrm>
+          <a:off x="0" y="0"/>
+          <a:ext cx="0" cy="0"/>
+          <a:chOff x="0" y="0"/>
+          <a:chExt cx="0" cy="0"/>
+        </a:xfrm>
+      </p:grpSpPr>
+      <p:sp>
+        <p:nvSpPr>
+          <p:cNvPr id="16" name="평행 사변형 15"/>
+          <p:cNvSpPr/>
+          <p:nvPr/>
+        </p:nvSpPr>
+        <p:spPr>
+          <a:xfrm rot="16200000">
+            <a:off x="2000251" y="-2000251"/>
+            <a:ext cx="5143500" cy="9144001"/>
+          </a:xfrm>
+          <a:prstGeom prst="parallelogram">
+            <a:avLst>
+              <a:gd name="adj" fmla="val 7753"/>
+            </a:avLst>
+          </a:prstGeom>
+          <a:solidFill>
+            <a:srgbClr val="473F3D"/>
+          </a:solidFill>
+          <a:ln>
+            <a:noFill/>
+          </a:ln>
+        </p:spPr>
+        <p:style>
+          <a:lnRef idx="2">
+            <a:schemeClr val="accent1">
+              <a:shade val="50000"/>
+            </a:schemeClr>
+          </a:lnRef>
+          <a:fillRef idx="1">
+            <a:schemeClr val="accent1"/>
+          </a:fillRef>
+          <a:effectRef idx="0">
+            <a:schemeClr val="accent1"/>
+          </a:effectRef>
+          <a:fontRef idx="minor">
+            <a:schemeClr val="lt1"/>
+          </a:fontRef>
+        </p:style>
+        <p:txBody>
+          <a:bodyPr rtlCol="0" anchor="ctr"/>
+          <a:lstStyle/>
+          <a:p>
+            <a:pPr algn="ctr"/>
+            <a:endParaRPr lang="ko-KR" altLang="en-US" sz="1600"/>
+          </a:p>
+        </p:txBody>
+      </p:sp>
+      <p:cxnSp>
+        <p:nvCxnSpPr>
+          <p:cNvPr id="11" name="직선 연결선 10"/>
+          <p:cNvCxnSpPr/>
+          <p:nvPr/>
+        </p:nvCxnSpPr>
+        <p:spPr>
+          <a:xfrm>
+            <a:off x="539552" y="915566"/>
+            <a:ext cx="8136904" cy="0"/>
+          </a:xfrm>
+          <a:prstGeom prst="line">
+            <a:avLst/>
+          </a:prstGeom>
+          <a:ln w="12700">
+            <a:solidFill>
+              <a:schemeClr val="bg1"/>
+            </a:solidFill>
+          </a:ln>
+        </p:spPr>
+        <p:style>
+          <a:lnRef idx="1">
+            <a:schemeClr val="accent1"/>
+          </a:lnRef>
+          <a:fillRef idx="0">
+            <a:schemeClr val="accent1"/>
+          </a:fillRef>
+          <a:effectRef idx="0">
+            <a:schemeClr val="accent1"/>
+          </a:effectRef>
+          <a:fontRef idx="minor">
+            <a:schemeClr val="tx1"/>
+          </a:fontRef>
+        </p:style>
+      </p:cxnSp>
+      <p:cxnSp>
+        <p:nvCxnSpPr>
+          <p:cNvPr id="12" name="직선 연결선 11"/>
+          <p:cNvCxnSpPr/>
+          <p:nvPr/>
+        </p:nvCxnSpPr>
+        <p:spPr>
+          <a:xfrm>
+            <a:off x="467544" y="4299942"/>
+            <a:ext cx="8136904" cy="0"/>
+          </a:xfrm>
+          <a:prstGeom prst="line">
+            <a:avLst/>
+          </a:prstGeom>
+          <a:ln w="12700">
+            <a:solidFill>
+              <a:schemeClr val="bg1"/>
+            </a:solidFill>
+          </a:ln>
+        </p:spPr>
+        <p:style>
+          <a:lnRef idx="1">
+            <a:schemeClr val="accent1"/>
+          </a:lnRef>
+          <a:fillRef idx="0">
+            <a:schemeClr val="accent1"/>
+          </a:fillRef>
+          <a:effectRef idx="0">
+            <a:schemeClr val="accent1"/>
+          </a:effectRef>
+          <a:fontRef idx="minor">
+            <a:schemeClr val="tx1"/>
+          </a:fontRef>
+        </p:style>
+      </p:cxnSp>
+      <p:cxnSp>
+        <p:nvCxnSpPr>
+          <p:cNvPr id="14" name="직선 연결선 13"/>
+          <p:cNvCxnSpPr/>
+          <p:nvPr/>
+        </p:nvCxnSpPr>
+        <p:spPr>
+          <a:xfrm>
+            <a:off x="467544" y="915566"/>
+            <a:ext cx="8208912" cy="0"/>
+          </a:xfrm>
+          <a:prstGeom prst="line">
+            <a:avLst/>
+          </a:prstGeom>
+          <a:ln w="12700">
+            <a:solidFill>
+              <a:schemeClr val="bg1"/>
+            </a:solidFill>
+          </a:ln>
+        </p:spPr>
+        <p:style>
+          <a:lnRef idx="1">
+            <a:schemeClr val="accent1"/>
+          </a:lnRef>
+          <a:fillRef idx="0">
+            <a:schemeClr val="accent1"/>
+          </a:fillRef>
+          <a:effectRef idx="0">
+            <a:schemeClr val="accent1"/>
+          </a:effectRef>
+          <a:fontRef idx="minor">
+            <a:schemeClr val="tx1"/>
+          </a:fontRef>
+        </p:style>
+      </p:cxnSp>
+      <p:cxnSp>
+        <p:nvCxnSpPr>
+          <p:cNvPr id="15" name="직선 연결선 14"/>
+          <p:cNvCxnSpPr/>
+          <p:nvPr/>
+        </p:nvCxnSpPr>
+        <p:spPr>
+          <a:xfrm>
+            <a:off x="467544" y="4299942"/>
+            <a:ext cx="8208912" cy="0"/>
+          </a:xfrm>
+          <a:prstGeom prst="line">
+            <a:avLst/>
+          </a:prstGeom>
+          <a:ln w="12700">
+            <a:solidFill>
+              <a:schemeClr val="bg1"/>
+            </a:solidFill>
+          </a:ln>
+        </p:spPr>
+        <p:style>
+          <a:lnRef idx="1">
+            <a:schemeClr val="accent1"/>
+          </a:lnRef>
+          <a:fillRef idx="0">
+            <a:schemeClr val="accent1"/>
+          </a:fillRef>
+          <a:effectRef idx="0">
+            <a:schemeClr val="accent1"/>
+          </a:effectRef>
+          <a:fontRef idx="minor">
+            <a:schemeClr val="tx1"/>
+          </a:fontRef>
+        </p:style>
+      </p:cxnSp>
+      <p:sp>
+        <p:nvSpPr>
+          <p:cNvPr id="14344" name="AutoShape 8" descr="ê´ë ¨ ì´ë¯¸ì§"/>
+          <p:cNvSpPr>
+            <a:spLocks noChangeAspect="1" noChangeArrowheads="1"/>
+          </p:cNvSpPr>
+          <p:nvPr/>
+        </p:nvSpPr>
+        <p:spPr bwMode="auto">
+          <a:xfrm>
+            <a:off x="168275" y="-136525"/>
+            <a:ext cx="298450" cy="298450"/>
+          </a:xfrm>
+          <a:prstGeom prst="rect">
+            <a:avLst/>
+          </a:prstGeom>
+          <a:noFill/>
+        </p:spPr>
+        <p:txBody>
+          <a:bodyPr vert="horz" wrap="square" lIns="91440" tIns="45720" rIns="91440" bIns="45720" numCol="1" anchor="t" anchorCtr="0" compatLnSpc="1">
+            <a:prstTxWarp prst="textNoShape">
+              <a:avLst/>
+            </a:prstTxWarp>
+          </a:bodyPr>
+          <a:lstStyle/>
+          <a:p>
+            <a:endParaRPr lang="ko-KR" altLang="en-US"/>
+          </a:p>
+        </p:txBody>
+      </p:sp>
+      <p:sp>
+        <p:nvSpPr>
+          <p:cNvPr id="14346" name="AutoShape 10" descr="ê´ë ¨ ì´ë¯¸ì§"/>
+          <p:cNvSpPr>
+            <a:spLocks noChangeAspect="1" noChangeArrowheads="1"/>
+          </p:cNvSpPr>
+          <p:nvPr/>
+        </p:nvSpPr>
+        <p:spPr bwMode="auto">
+          <a:xfrm>
+            <a:off x="168275" y="-136525"/>
+            <a:ext cx="298450" cy="298450"/>
+          </a:xfrm>
+          <a:prstGeom prst="rect">
+            <a:avLst/>
+          </a:prstGeom>
+          <a:noFill/>
+        </p:spPr>
+        <p:txBody>
+          <a:bodyPr vert="horz" wrap="square" lIns="91440" tIns="45720" rIns="91440" bIns="45720" numCol="1" anchor="t" anchorCtr="0" compatLnSpc="1">
+            <a:prstTxWarp prst="textNoShape">
+              <a:avLst/>
+            </a:prstTxWarp>
+          </a:bodyPr>
+          <a:lstStyle/>
+          <a:p>
+            <a:endParaRPr lang="ko-KR" altLang="en-US"/>
+          </a:p>
+        </p:txBody>
+      </p:sp>
+      <p:sp>
+        <p:nvSpPr>
+          <p:cNvPr id="14348" name="AutoShape 12" descr="ê´ë ¨ ì´ë¯¸ì§"/>
+          <p:cNvSpPr>
+            <a:spLocks noChangeAspect="1" noChangeArrowheads="1"/>
+          </p:cNvSpPr>
+          <p:nvPr/>
+        </p:nvSpPr>
+        <p:spPr bwMode="auto">
+          <a:xfrm>
+            <a:off x="168275" y="-136525"/>
+            <a:ext cx="298450" cy="298450"/>
+          </a:xfrm>
+          <a:prstGeom prst="rect">
+            <a:avLst/>
+          </a:prstGeom>
+          <a:noFill/>
+        </p:spPr>
+        <p:txBody>
+          <a:bodyPr vert="horz" wrap="square" lIns="91440" tIns="45720" rIns="91440" bIns="45720" numCol="1" anchor="t" anchorCtr="0" compatLnSpc="1">
+            <a:prstTxWarp prst="textNoShape">
+              <a:avLst/>
+            </a:prstTxWarp>
+          </a:bodyPr>
+          <a:lstStyle/>
+          <a:p>
+            <a:endParaRPr lang="ko-KR" altLang="en-US"/>
+          </a:p>
+        </p:txBody>
+      </p:sp>
+      <p:sp>
+        <p:nvSpPr>
+          <p:cNvPr id="14350" name="AutoShape 14" descr="ê´ë ¨ ì´ë¯¸ì§"/>
+          <p:cNvSpPr>
+            <a:spLocks noChangeAspect="1" noChangeArrowheads="1"/>
+          </p:cNvSpPr>
+          <p:nvPr/>
+        </p:nvSpPr>
+        <p:spPr bwMode="auto">
+          <a:xfrm>
+            <a:off x="168275" y="-136525"/>
+            <a:ext cx="298450" cy="298450"/>
+          </a:xfrm>
+          <a:prstGeom prst="rect">
+            <a:avLst/>
+          </a:prstGeom>
+          <a:noFill/>
+        </p:spPr>
+        <p:txBody>
+          <a:bodyPr vert="horz" wrap="square" lIns="91440" tIns="45720" rIns="91440" bIns="45720" numCol="1" anchor="t" anchorCtr="0" compatLnSpc="1">
+            <a:prstTxWarp prst="textNoShape">
+              <a:avLst/>
+            </a:prstTxWarp>
+          </a:bodyPr>
+          <a:lstStyle/>
+          <a:p>
+            <a:endParaRPr lang="ko-KR" altLang="en-US"/>
+          </a:p>
+        </p:txBody>
+      </p:sp>
+      <p:sp>
+        <p:nvSpPr>
+          <p:cNvPr id="27" name="TextBox 26"/>
+          <p:cNvSpPr txBox="1"/>
+          <p:nvPr/>
+        </p:nvSpPr>
+        <p:spPr>
+          <a:xfrm>
+            <a:off x="611560" y="483518"/>
+            <a:ext cx="6552728" cy="461665"/>
+          </a:xfrm>
+          <a:prstGeom prst="rect">
+            <a:avLst/>
+          </a:prstGeom>
+          <a:noFill/>
+        </p:spPr>
+        <p:txBody>
+          <a:bodyPr wrap="square" rtlCol="0">
+            <a:spAutoFit/>
+          </a:bodyPr>
+          <a:lstStyle/>
+          <a:p>
+            <a:r>
+              <a:rPr lang="en-US" altLang="ko-KR" sz="2400" dirty="0" smtClean="0">
+                <a:solidFill>
+                  <a:schemeClr val="bg1">
+                    <a:lumMod val="95000"/>
+                  </a:schemeClr>
+                </a:solidFill>
+                <a:latin typeface="나눔바른고딕" pitchFamily="50" charset="-127"/>
+                <a:ea typeface="나눔바른고딕" pitchFamily="50" charset="-127"/>
+              </a:rPr>
+              <a:t>1-3. </a:t>
+            </a:r>
+            <a:r>
+              <a:rPr lang="en-US" altLang="ko-KR" sz="2400" dirty="0" err="1" smtClean="0">
+                <a:solidFill>
+                  <a:schemeClr val="bg1">
+                    <a:lumMod val="95000"/>
+                  </a:schemeClr>
+                </a:solidFill>
+                <a:latin typeface="나눔바른고딕" pitchFamily="50" charset="-127"/>
+                <a:ea typeface="나눔바른고딕" pitchFamily="50" charset="-127"/>
+              </a:rPr>
+              <a:t>git</a:t>
+            </a:r>
+            <a:r>
+              <a:rPr lang="en-US" altLang="ko-KR" sz="2400" dirty="0" smtClean="0">
+                <a:solidFill>
+                  <a:schemeClr val="bg1">
+                    <a:lumMod val="95000"/>
+                  </a:schemeClr>
+                </a:solidFill>
+                <a:latin typeface="나눔바른고딕" pitchFamily="50" charset="-127"/>
+                <a:ea typeface="나눔바른고딕" pitchFamily="50" charset="-127"/>
+              </a:rPr>
+              <a:t> </a:t>
+            </a:r>
+            <a:r>
+              <a:rPr lang="ko-KR" altLang="en-US" sz="2400" dirty="0" err="1" smtClean="0">
+                <a:solidFill>
+                  <a:schemeClr val="bg1">
+                    <a:lumMod val="95000"/>
+                  </a:schemeClr>
+                </a:solidFill>
+                <a:latin typeface="나눔바른고딕" pitchFamily="50" charset="-127"/>
+                <a:ea typeface="나눔바른고딕" pitchFamily="50" charset="-127"/>
+              </a:rPr>
+              <a:t>브랜치</a:t>
+            </a:r>
+            <a:r>
+              <a:rPr lang="ko-KR" altLang="en-US" sz="2400" dirty="0" smtClean="0">
+                <a:solidFill>
+                  <a:schemeClr val="bg1">
+                    <a:lumMod val="95000"/>
+                  </a:schemeClr>
+                </a:solidFill>
+                <a:latin typeface="나눔바른고딕" pitchFamily="50" charset="-127"/>
+                <a:ea typeface="나눔바른고딕" pitchFamily="50" charset="-127"/>
+              </a:rPr>
+              <a:t> </a:t>
+            </a:r>
+            <a:r>
+              <a:rPr lang="en-US" altLang="ko-KR" sz="2400" dirty="0" smtClean="0">
+                <a:solidFill>
+                  <a:schemeClr val="bg1">
+                    <a:lumMod val="95000"/>
+                  </a:schemeClr>
+                </a:solidFill>
+                <a:latin typeface="나눔바른고딕" pitchFamily="50" charset="-127"/>
+                <a:ea typeface="나눔바른고딕" pitchFamily="50" charset="-127"/>
+              </a:rPr>
+              <a:t>– save</a:t>
+            </a:r>
+            <a:r>
+              <a:rPr lang="ko-KR" altLang="en-US" sz="2400" dirty="0" smtClean="0">
+                <a:solidFill>
+                  <a:schemeClr val="bg1">
+                    <a:lumMod val="95000"/>
+                  </a:schemeClr>
+                </a:solidFill>
+                <a:latin typeface="나눔바른고딕" pitchFamily="50" charset="-127"/>
+                <a:ea typeface="나눔바른고딕" pitchFamily="50" charset="-127"/>
+              </a:rPr>
+              <a:t>가 없다면</a:t>
+            </a:r>
+            <a:r>
+              <a:rPr lang="en-US" altLang="ko-KR" sz="2400" dirty="0" smtClean="0">
+                <a:solidFill>
+                  <a:schemeClr val="bg1">
+                    <a:lumMod val="95000"/>
+                  </a:schemeClr>
+                </a:solidFill>
+                <a:latin typeface="나눔바른고딕" pitchFamily="50" charset="-127"/>
+                <a:ea typeface="나눔바른고딕" pitchFamily="50" charset="-127"/>
+              </a:rPr>
+              <a:t>?</a:t>
+            </a:r>
+            <a:endParaRPr lang="ko-KR" altLang="en-US" sz="2400" dirty="0">
+              <a:solidFill>
+                <a:schemeClr val="bg1">
+                  <a:lumMod val="95000"/>
+                </a:schemeClr>
+              </a:solidFill>
+              <a:latin typeface="나눔바른고딕" pitchFamily="50" charset="-127"/>
+              <a:ea typeface="나눔바른고딕" pitchFamily="50" charset="-127"/>
+            </a:endParaRPr>
+          </a:p>
+        </p:txBody>
+      </p:sp>
+      <p:sp>
+        <p:nvSpPr>
+          <p:cNvPr id="51" name="직사각형 50"/>
+          <p:cNvSpPr/>
+          <p:nvPr/>
+        </p:nvSpPr>
+        <p:spPr>
+          <a:xfrm>
+            <a:off x="532878" y="1059582"/>
+            <a:ext cx="3888432" cy="3096344"/>
+          </a:xfrm>
+          <a:prstGeom prst="rect">
+            <a:avLst/>
+          </a:prstGeom>
+          <a:solidFill>
+            <a:schemeClr val="bg1"/>
+          </a:solidFill>
+          <a:ln w="57150">
+            <a:noFill/>
+          </a:ln>
+        </p:spPr>
+        <p:style>
+          <a:lnRef idx="2">
+            <a:schemeClr val="accent1">
+              <a:shade val="50000"/>
+            </a:schemeClr>
+          </a:lnRef>
+          <a:fillRef idx="1">
+            <a:schemeClr val="accent1"/>
+          </a:fillRef>
+          <a:effectRef idx="0">
+            <a:schemeClr val="accent1"/>
+          </a:effectRef>
+          <a:fontRef idx="minor">
+            <a:schemeClr val="lt1"/>
+          </a:fontRef>
+        </p:style>
+        <p:txBody>
+          <a:bodyPr rtlCol="0" anchor="ctr"/>
+          <a:lstStyle/>
+          <a:p>
+            <a:pPr algn="ctr"/>
+            <a:endParaRPr lang="ko-KR" altLang="en-US" sz="1600" dirty="0">
+              <a:solidFill>
+                <a:schemeClr val="tx1"/>
+              </a:solidFill>
+            </a:endParaRPr>
+          </a:p>
+        </p:txBody>
+      </p:sp>
+      <p:cxnSp>
+        <p:nvCxnSpPr>
+          <p:cNvPr id="52" name="직선 연결선 51"/>
+          <p:cNvCxnSpPr/>
+          <p:nvPr/>
+        </p:nvCxnSpPr>
+        <p:spPr>
+          <a:xfrm>
+            <a:off x="4572000" y="1067966"/>
+            <a:ext cx="0" cy="3087960"/>
+          </a:xfrm>
+          <a:prstGeom prst="line">
+            <a:avLst/>
+          </a:prstGeom>
+          <a:ln w="12700">
+            <a:solidFill>
+              <a:schemeClr val="bg1"/>
+            </a:solidFill>
+          </a:ln>
+        </p:spPr>
+        <p:style>
+          <a:lnRef idx="1">
+            <a:schemeClr val="accent1"/>
+          </a:lnRef>
+          <a:fillRef idx="0">
+            <a:schemeClr val="accent1"/>
+          </a:fillRef>
+          <a:effectRef idx="0">
+            <a:schemeClr val="accent1"/>
+          </a:effectRef>
+          <a:fontRef idx="minor">
+            <a:schemeClr val="tx1"/>
+          </a:fontRef>
+        </p:style>
+      </p:cxnSp>
+      <p:sp>
+        <p:nvSpPr>
+          <p:cNvPr id="55" name="직사각형 54"/>
+          <p:cNvSpPr/>
+          <p:nvPr/>
+        </p:nvSpPr>
+        <p:spPr>
+          <a:xfrm>
+            <a:off x="4749386" y="1059582"/>
+            <a:ext cx="3888432" cy="3096344"/>
+          </a:xfrm>
+          <a:prstGeom prst="rect">
+            <a:avLst/>
+          </a:prstGeom>
+          <a:solidFill>
+            <a:schemeClr val="bg1"/>
+          </a:solidFill>
+          <a:ln w="57150">
+            <a:noFill/>
+          </a:ln>
+        </p:spPr>
+        <p:style>
+          <a:lnRef idx="2">
+            <a:schemeClr val="accent1">
+              <a:shade val="50000"/>
+            </a:schemeClr>
+          </a:lnRef>
+          <a:fillRef idx="1">
+            <a:schemeClr val="accent1"/>
+          </a:fillRef>
+          <a:effectRef idx="0">
+            <a:schemeClr val="accent1"/>
+          </a:effectRef>
+          <a:fontRef idx="minor">
+            <a:schemeClr val="lt1"/>
+          </a:fontRef>
+        </p:style>
+        <p:txBody>
+          <a:bodyPr rtlCol="0" anchor="ctr"/>
+          <a:lstStyle/>
+          <a:p>
+            <a:pPr algn="ctr"/>
+            <a:endParaRPr lang="ko-KR" altLang="en-US" sz="1600" dirty="0">
+              <a:solidFill>
+                <a:schemeClr val="tx1"/>
+              </a:solidFill>
+            </a:endParaRPr>
+          </a:p>
+        </p:txBody>
+      </p:sp>
+      <p:pic>
+        <p:nvPicPr>
+          <p:cNvPr id="2050" name="Picture 2" descr="pokemon blueì ëí ì´ë¯¸ì§ ê²ìê²°ê³¼"/>
+          <p:cNvPicPr>
+            <a:picLocks noChangeAspect="1" noChangeArrowheads="1"/>
+          </p:cNvPicPr>
+          <p:nvPr/>
+        </p:nvPicPr>
+        <p:blipFill>
+          <a:blip r:embed="rId2" cstate="print"/>
+          <a:srcRect/>
+          <a:stretch>
+            <a:fillRect/>
+          </a:stretch>
+        </p:blipFill>
+        <p:spPr bwMode="auto">
+          <a:xfrm>
+            <a:off x="971600" y="1635646"/>
+            <a:ext cx="3168352" cy="2376265"/>
+          </a:xfrm>
+          <a:prstGeom prst="rect">
+            <a:avLst/>
+          </a:prstGeom>
+          <a:ln>
+            <a:noFill/>
+          </a:ln>
+          <a:effectLst>
+            <a:outerShdw blurRad="190500" algn="tl" rotWithShape="0">
+              <a:srgbClr val="000000">
+                <a:alpha val="70000"/>
+              </a:srgbClr>
+            </a:outerShdw>
+          </a:effectLst>
+        </p:spPr>
+      </p:pic>
+      <p:pic>
+        <p:nvPicPr>
+          <p:cNvPr id="2052" name="Picture 4" descr="Exclamation mark png 8bitì ëí ì´ë¯¸ì§ ê²ìê²°ê³¼"/>
+          <p:cNvPicPr>
+            <a:picLocks noChangeAspect="1" noChangeArrowheads="1"/>
+          </p:cNvPicPr>
+          <p:nvPr/>
+        </p:nvPicPr>
+        <p:blipFill>
+          <a:blip r:embed="rId3" cstate="print"/>
+          <a:srcRect/>
+          <a:stretch>
+            <a:fillRect/>
+          </a:stretch>
+        </p:blipFill>
+        <p:spPr bwMode="auto">
+          <a:xfrm rot="10800000" flipV="1">
+            <a:off x="2235780" y="2317088"/>
+            <a:ext cx="288032" cy="288032"/>
+          </a:xfrm>
+          <a:prstGeom prst="rect">
+            <a:avLst/>
+          </a:prstGeom>
+          <a:noFill/>
+        </p:spPr>
+      </p:pic>
+      <p:sp>
+        <p:nvSpPr>
+          <p:cNvPr id="59" name="TextBox 58"/>
+          <p:cNvSpPr txBox="1"/>
+          <p:nvPr/>
+        </p:nvSpPr>
+        <p:spPr>
+          <a:xfrm>
+            <a:off x="1187624" y="1203598"/>
+            <a:ext cx="2592288" cy="307777"/>
+          </a:xfrm>
+          <a:prstGeom prst="rect">
+            <a:avLst/>
+          </a:prstGeom>
+          <a:noFill/>
+        </p:spPr>
+        <p:txBody>
+          <a:bodyPr wrap="square" rtlCol="0">
+            <a:spAutoFit/>
+          </a:bodyPr>
+          <a:lstStyle/>
+          <a:p>
+            <a:r>
+              <a:rPr lang="ko-KR" altLang="en-US" sz="1400" dirty="0" smtClean="0">
+                <a:latin typeface="나눔바른고딕" pitchFamily="50" charset="-127"/>
+                <a:ea typeface="나눔바른고딕" pitchFamily="50" charset="-127"/>
+              </a:rPr>
+              <a:t>게임 </a:t>
+            </a:r>
+            <a:r>
+              <a:rPr lang="en-US" altLang="ko-KR" sz="1400" dirty="0" smtClean="0">
+                <a:latin typeface="나눔바른고딕" pitchFamily="50" charset="-127"/>
+                <a:ea typeface="나눔바른고딕" pitchFamily="50" charset="-127"/>
+              </a:rPr>
+              <a:t>: </a:t>
+            </a:r>
+            <a:r>
+              <a:rPr lang="ko-KR" altLang="en-US" sz="1400" dirty="0" smtClean="0">
+                <a:latin typeface="나눔바른고딕" pitchFamily="50" charset="-127"/>
+                <a:ea typeface="나눔바른고딕" pitchFamily="50" charset="-127"/>
+              </a:rPr>
+              <a:t>직접 걸어서 다시 돌아간다</a:t>
+            </a:r>
+            <a:r>
+              <a:rPr lang="en-US" altLang="ko-KR" sz="1400" dirty="0" smtClean="0">
+                <a:latin typeface="나눔바른고딕" pitchFamily="50" charset="-127"/>
+                <a:ea typeface="나눔바른고딕" pitchFamily="50" charset="-127"/>
+              </a:rPr>
+              <a:t>.</a:t>
+            </a:r>
+            <a:endParaRPr lang="ko-KR" altLang="en-US" sz="1400" dirty="0">
+              <a:latin typeface="나눔바른고딕" pitchFamily="50" charset="-127"/>
+              <a:ea typeface="나눔바른고딕" pitchFamily="50" charset="-127"/>
+            </a:endParaRPr>
+          </a:p>
+        </p:txBody>
+      </p:sp>
+      <p:sp>
+        <p:nvSpPr>
+          <p:cNvPr id="60" name="TextBox 59"/>
+          <p:cNvSpPr txBox="1"/>
+          <p:nvPr/>
+        </p:nvSpPr>
+        <p:spPr>
+          <a:xfrm>
+            <a:off x="5364088" y="1184434"/>
+            <a:ext cx="3528392" cy="523220"/>
+          </a:xfrm>
+          <a:prstGeom prst="rect">
+            <a:avLst/>
+          </a:prstGeom>
+          <a:noFill/>
+        </p:spPr>
+        <p:txBody>
+          <a:bodyPr wrap="square" rtlCol="0">
+            <a:spAutoFit/>
+          </a:bodyPr>
+          <a:lstStyle/>
+          <a:p>
+            <a:r>
+              <a:rPr lang="ko-KR" altLang="en-US" sz="1400" dirty="0" smtClean="0">
+                <a:latin typeface="나눔바른고딕" pitchFamily="50" charset="-127"/>
+                <a:ea typeface="나눔바른고딕" pitchFamily="50" charset="-127"/>
+              </a:rPr>
+              <a:t>개</a:t>
+            </a:r>
+            <a:r>
+              <a:rPr lang="ko-KR" altLang="en-US" sz="1400" dirty="0" smtClean="0">
+                <a:latin typeface="나눔바른고딕" pitchFamily="50" charset="-127"/>
+                <a:ea typeface="나눔바른고딕" pitchFamily="50" charset="-127"/>
+              </a:rPr>
+              <a:t>발</a:t>
+            </a:r>
+            <a:r>
+              <a:rPr lang="ko-KR" altLang="en-US" sz="1400" dirty="0" smtClean="0">
+                <a:latin typeface="나눔바른고딕" pitchFamily="50" charset="-127"/>
+                <a:ea typeface="나눔바른고딕" pitchFamily="50" charset="-127"/>
+              </a:rPr>
+              <a:t> </a:t>
+            </a:r>
+            <a:r>
+              <a:rPr lang="en-US" altLang="ko-KR" sz="1400" dirty="0" smtClean="0">
+                <a:latin typeface="나눔바른고딕" pitchFamily="50" charset="-127"/>
+                <a:ea typeface="나눔바른고딕" pitchFamily="50" charset="-127"/>
+              </a:rPr>
+              <a:t>: </a:t>
+            </a:r>
+            <a:r>
+              <a:rPr lang="ko-KR" altLang="en-US" sz="1400" dirty="0" smtClean="0">
+                <a:latin typeface="나눔바른고딕" pitchFamily="50" charset="-127"/>
+                <a:ea typeface="나눔바른고딕" pitchFamily="50" charset="-127"/>
+              </a:rPr>
+              <a:t>관련된 파일들을 찾고 </a:t>
+            </a:r>
+            <a:r>
+              <a:rPr lang="ko-KR" altLang="en-US" sz="1400" dirty="0" err="1" smtClean="0">
+                <a:latin typeface="나눔바른고딕" pitchFamily="50" charset="-127"/>
+                <a:ea typeface="나눔바른고딕" pitchFamily="50" charset="-127"/>
+              </a:rPr>
+              <a:t>원복한다</a:t>
+            </a:r>
+            <a:r>
+              <a:rPr lang="en-US" altLang="ko-KR" sz="1400" dirty="0" smtClean="0">
+                <a:latin typeface="나눔바른고딕" pitchFamily="50" charset="-127"/>
+                <a:ea typeface="나눔바른고딕" pitchFamily="50" charset="-127"/>
+              </a:rPr>
+              <a:t>.</a:t>
+            </a:r>
+            <a:br>
+              <a:rPr lang="en-US" altLang="ko-KR" sz="1400" dirty="0" smtClean="0">
+                <a:latin typeface="나눔바른고딕" pitchFamily="50" charset="-127"/>
+                <a:ea typeface="나눔바른고딕" pitchFamily="50" charset="-127"/>
+              </a:rPr>
+            </a:br>
+            <a:r>
+              <a:rPr lang="en-US" altLang="ko-KR" sz="1400" dirty="0" smtClean="0">
+                <a:latin typeface="나눔바른고딕" pitchFamily="50" charset="-127"/>
+                <a:ea typeface="나눔바른고딕" pitchFamily="50" charset="-127"/>
+              </a:rPr>
+              <a:t>            = “</a:t>
+            </a:r>
+            <a:r>
+              <a:rPr lang="ko-KR" altLang="en-US" sz="1400" dirty="0" smtClean="0">
+                <a:latin typeface="나눔바른고딕" pitchFamily="50" charset="-127"/>
+                <a:ea typeface="나눔바른고딕" pitchFamily="50" charset="-127"/>
+              </a:rPr>
+              <a:t>발라낸다</a:t>
+            </a:r>
+            <a:r>
+              <a:rPr lang="en-US" altLang="ko-KR" sz="1400" dirty="0" smtClean="0">
+                <a:latin typeface="나눔바른고딕" pitchFamily="50" charset="-127"/>
+                <a:ea typeface="나눔바른고딕" pitchFamily="50" charset="-127"/>
+              </a:rPr>
+              <a:t>”</a:t>
+            </a:r>
+            <a:endParaRPr lang="ko-KR" altLang="en-US" sz="1400" dirty="0">
+              <a:latin typeface="나눔바른고딕" pitchFamily="50" charset="-127"/>
+              <a:ea typeface="나눔바른고딕" pitchFamily="50" charset="-127"/>
+            </a:endParaRPr>
+          </a:p>
+        </p:txBody>
+      </p:sp>
+      <p:sp>
+        <p:nvSpPr>
+          <p:cNvPr id="2054" name="AutoShape 6" descr="ì  ê°ì ëí ì´ë¯¸ì§ ê²ìê²°ê³¼"/>
+          <p:cNvSpPr>
+            <a:spLocks noChangeAspect="1" noChangeArrowheads="1"/>
+          </p:cNvSpPr>
+          <p:nvPr/>
+        </p:nvSpPr>
+        <p:spPr bwMode="auto">
+          <a:xfrm>
+            <a:off x="168275" y="-144463"/>
+            <a:ext cx="304800" cy="304801"/>
+          </a:xfrm>
+          <a:prstGeom prst="rect">
+            <a:avLst/>
+          </a:prstGeom>
+          <a:noFill/>
+        </p:spPr>
+        <p:txBody>
+          <a:bodyPr vert="horz" wrap="square" lIns="91440" tIns="45720" rIns="91440" bIns="45720" numCol="1" anchor="t" anchorCtr="0" compatLnSpc="1">
+            <a:prstTxWarp prst="textNoShape">
+              <a:avLst/>
+            </a:prstTxWarp>
+          </a:bodyPr>
+          <a:lstStyle/>
+          <a:p>
+            <a:endParaRPr lang="ko-KR" altLang="en-US"/>
+          </a:p>
+        </p:txBody>
+      </p:sp>
+      <p:pic>
+        <p:nvPicPr>
+          <p:cNvPr id="2060" name="Picture 12" descr="jenga playì ëí ì´ë¯¸ì§ ê²ìê²°ê³¼"/>
+          <p:cNvPicPr>
+            <a:picLocks noChangeAspect="1" noChangeArrowheads="1"/>
+          </p:cNvPicPr>
+          <p:nvPr/>
+        </p:nvPicPr>
+        <p:blipFill>
+          <a:blip r:embed="rId4" cstate="print"/>
+          <a:srcRect/>
+          <a:stretch>
+            <a:fillRect/>
+          </a:stretch>
+        </p:blipFill>
+        <p:spPr bwMode="auto">
+          <a:xfrm>
+            <a:off x="4860032" y="1779662"/>
+            <a:ext cx="3709753" cy="2088232"/>
+          </a:xfrm>
+          <a:prstGeom prst="rect">
+            <a:avLst/>
+          </a:prstGeom>
+          <a:ln>
+            <a:noFill/>
+          </a:ln>
+          <a:effectLst>
+            <a:outerShdw blurRad="190500" algn="tl" rotWithShape="0">
+              <a:srgbClr val="000000">
+                <a:alpha val="70000"/>
+              </a:srgbClr>
+            </a:outerShdw>
+          </a:effectLst>
+        </p:spPr>
+      </p:pic>
+    </p:spTree>
+  </p:cSld>
+  <p:clrMapOvr>
+    <a:masterClrMapping/>
+  </p:clrMapOvr>
+  <p:timing>
+    <p:tnLst>
+      <p:par>
+        <p:cTn id="1" dur="indefinite" restart="never" nodeType="tmRoot"/>
+      </p:par>
+    </p:tnLst>
+  </p:timing>
+</p:sld>
+</file>
+
+<file path=ppt/slides/slide14.xml><?xml version="1.0" encoding="utf-8"?>
+<p:sld xmlns:a="http://schemas.openxmlformats.org/drawingml/2006/main" xmlns:r="http://schemas.openxmlformats.org/officeDocument/2006/relationships" xmlns:p="http://schemas.openxmlformats.org/presentationml/2006/main">
+  <p:cSld>
+    <p:spTree>
+      <p:nvGrpSpPr>
+        <p:cNvPr id="1" name=""/>
+        <p:cNvGrpSpPr/>
+        <p:nvPr/>
+      </p:nvGrpSpPr>
+      <p:grpSpPr>
+        <a:xfrm>
+          <a:off x="0" y="0"/>
+          <a:ext cx="0" cy="0"/>
+          <a:chOff x="0" y="0"/>
+          <a:chExt cx="0" cy="0"/>
+        </a:xfrm>
+      </p:grpSpPr>
+      <p:sp>
+        <p:nvSpPr>
+          <p:cNvPr id="16" name="평행 사변형 15"/>
+          <p:cNvSpPr/>
+          <p:nvPr/>
+        </p:nvSpPr>
+        <p:spPr>
+          <a:xfrm rot="16200000">
+            <a:off x="2000251" y="-2000251"/>
+            <a:ext cx="5143500" cy="9144001"/>
+          </a:xfrm>
+          <a:prstGeom prst="parallelogram">
+            <a:avLst>
+              <a:gd name="adj" fmla="val 7753"/>
+            </a:avLst>
+          </a:prstGeom>
+          <a:solidFill>
+            <a:srgbClr val="473F3D"/>
+          </a:solidFill>
+          <a:ln>
+            <a:noFill/>
+          </a:ln>
+        </p:spPr>
+        <p:style>
+          <a:lnRef idx="2">
+            <a:schemeClr val="accent1">
+              <a:shade val="50000"/>
+            </a:schemeClr>
+          </a:lnRef>
+          <a:fillRef idx="1">
+            <a:schemeClr val="accent1"/>
+          </a:fillRef>
+          <a:effectRef idx="0">
+            <a:schemeClr val="accent1"/>
+          </a:effectRef>
+          <a:fontRef idx="minor">
+            <a:schemeClr val="lt1"/>
+          </a:fontRef>
+        </p:style>
+        <p:txBody>
+          <a:bodyPr rtlCol="0" anchor="ctr"/>
+          <a:lstStyle/>
+          <a:p>
+            <a:pPr algn="ctr"/>
+            <a:r>
+              <a:rPr lang="ko-KR" altLang="en-US" sz="1600" dirty="0" err="1" smtClean="0"/>
+              <a:t>ㄴ</a:t>
+            </a:r>
+            <a:endParaRPr lang="ko-KR" altLang="en-US" sz="1600" dirty="0"/>
+          </a:p>
+        </p:txBody>
+      </p:sp>
+      <p:cxnSp>
+        <p:nvCxnSpPr>
+          <p:cNvPr id="11" name="직선 연결선 10"/>
+          <p:cNvCxnSpPr/>
+          <p:nvPr/>
+        </p:nvCxnSpPr>
+        <p:spPr>
+          <a:xfrm>
+            <a:off x="539552" y="915566"/>
+            <a:ext cx="8136904" cy="0"/>
+          </a:xfrm>
+          <a:prstGeom prst="line">
+            <a:avLst/>
+          </a:prstGeom>
+          <a:ln w="12700">
+            <a:solidFill>
+              <a:schemeClr val="bg1"/>
+            </a:solidFill>
+          </a:ln>
+        </p:spPr>
+        <p:style>
+          <a:lnRef idx="1">
+            <a:schemeClr val="accent1"/>
+          </a:lnRef>
+          <a:fillRef idx="0">
+            <a:schemeClr val="accent1"/>
+          </a:fillRef>
+          <a:effectRef idx="0">
+            <a:schemeClr val="accent1"/>
+          </a:effectRef>
+          <a:fontRef idx="minor">
+            <a:schemeClr val="tx1"/>
+          </a:fontRef>
+        </p:style>
+      </p:cxnSp>
+      <p:cxnSp>
+        <p:nvCxnSpPr>
+          <p:cNvPr id="12" name="직선 연결선 11"/>
+          <p:cNvCxnSpPr/>
+          <p:nvPr/>
+        </p:nvCxnSpPr>
+        <p:spPr>
+          <a:xfrm>
+            <a:off x="467544" y="4299942"/>
+            <a:ext cx="8136904" cy="0"/>
+          </a:xfrm>
+          <a:prstGeom prst="line">
+            <a:avLst/>
+          </a:prstGeom>
+          <a:ln w="12700">
+            <a:solidFill>
+              <a:schemeClr val="bg1"/>
+            </a:solidFill>
+          </a:ln>
+        </p:spPr>
+        <p:style>
+          <a:lnRef idx="1">
+            <a:schemeClr val="accent1"/>
+          </a:lnRef>
+          <a:fillRef idx="0">
+            <a:schemeClr val="accent1"/>
+          </a:fillRef>
+          <a:effectRef idx="0">
+            <a:schemeClr val="accent1"/>
+          </a:effectRef>
+          <a:fontRef idx="minor">
+            <a:schemeClr val="tx1"/>
+          </a:fontRef>
+        </p:style>
+      </p:cxnSp>
+      <p:cxnSp>
+        <p:nvCxnSpPr>
+          <p:cNvPr id="14" name="직선 연결선 13"/>
+          <p:cNvCxnSpPr/>
+          <p:nvPr/>
+        </p:nvCxnSpPr>
+        <p:spPr>
+          <a:xfrm>
+            <a:off x="467544" y="915566"/>
+            <a:ext cx="8208912" cy="0"/>
+          </a:xfrm>
+          <a:prstGeom prst="line">
+            <a:avLst/>
+          </a:prstGeom>
+          <a:ln w="12700">
+            <a:solidFill>
+              <a:schemeClr val="bg1"/>
+            </a:solidFill>
+          </a:ln>
+        </p:spPr>
+        <p:style>
+          <a:lnRef idx="1">
+            <a:schemeClr val="accent1"/>
+          </a:lnRef>
+          <a:fillRef idx="0">
+            <a:schemeClr val="accent1"/>
+          </a:fillRef>
+          <a:effectRef idx="0">
+            <a:schemeClr val="accent1"/>
+          </a:effectRef>
+          <a:fontRef idx="minor">
+            <a:schemeClr val="tx1"/>
+          </a:fontRef>
+        </p:style>
+      </p:cxnSp>
+      <p:cxnSp>
+        <p:nvCxnSpPr>
+          <p:cNvPr id="15" name="직선 연결선 14"/>
+          <p:cNvCxnSpPr/>
+          <p:nvPr/>
+        </p:nvCxnSpPr>
+        <p:spPr>
+          <a:xfrm>
+            <a:off x="467544" y="4299942"/>
+            <a:ext cx="8208912" cy="0"/>
+          </a:xfrm>
+          <a:prstGeom prst="line">
+            <a:avLst/>
+          </a:prstGeom>
+          <a:ln w="12700">
+            <a:solidFill>
+              <a:schemeClr val="bg1"/>
+            </a:solidFill>
+          </a:ln>
+        </p:spPr>
+        <p:style>
+          <a:lnRef idx="1">
+            <a:schemeClr val="accent1"/>
+          </a:lnRef>
+          <a:fillRef idx="0">
+            <a:schemeClr val="accent1"/>
+          </a:fillRef>
+          <a:effectRef idx="0">
+            <a:schemeClr val="accent1"/>
+          </a:effectRef>
+          <a:fontRef idx="minor">
+            <a:schemeClr val="tx1"/>
+          </a:fontRef>
+        </p:style>
+      </p:cxnSp>
+      <p:sp>
+        <p:nvSpPr>
+          <p:cNvPr id="14344" name="AutoShape 8" descr="ê´ë ¨ ì´ë¯¸ì§"/>
+          <p:cNvSpPr>
+            <a:spLocks noChangeAspect="1" noChangeArrowheads="1"/>
+          </p:cNvSpPr>
+          <p:nvPr/>
+        </p:nvSpPr>
+        <p:spPr bwMode="auto">
+          <a:xfrm>
+            <a:off x="168275" y="-136525"/>
+            <a:ext cx="298450" cy="298450"/>
+          </a:xfrm>
+          <a:prstGeom prst="rect">
+            <a:avLst/>
+          </a:prstGeom>
+          <a:noFill/>
+        </p:spPr>
+        <p:txBody>
+          <a:bodyPr vert="horz" wrap="square" lIns="91440" tIns="45720" rIns="91440" bIns="45720" numCol="1" anchor="t" anchorCtr="0" compatLnSpc="1">
+            <a:prstTxWarp prst="textNoShape">
+              <a:avLst/>
+            </a:prstTxWarp>
+          </a:bodyPr>
+          <a:lstStyle/>
+          <a:p>
+            <a:endParaRPr lang="ko-KR" altLang="en-US"/>
+          </a:p>
+        </p:txBody>
+      </p:sp>
+      <p:sp>
+        <p:nvSpPr>
+          <p:cNvPr id="14346" name="AutoShape 10" descr="ê´ë ¨ ì´ë¯¸ì§"/>
+          <p:cNvSpPr>
+            <a:spLocks noChangeAspect="1" noChangeArrowheads="1"/>
+          </p:cNvSpPr>
+          <p:nvPr/>
+        </p:nvSpPr>
+        <p:spPr bwMode="auto">
+          <a:xfrm>
+            <a:off x="168275" y="-136525"/>
+            <a:ext cx="298450" cy="298450"/>
+          </a:xfrm>
+          <a:prstGeom prst="rect">
+            <a:avLst/>
+          </a:prstGeom>
+          <a:noFill/>
+        </p:spPr>
+        <p:txBody>
+          <a:bodyPr vert="horz" wrap="square" lIns="91440" tIns="45720" rIns="91440" bIns="45720" numCol="1" anchor="t" anchorCtr="0" compatLnSpc="1">
+            <a:prstTxWarp prst="textNoShape">
+              <a:avLst/>
+            </a:prstTxWarp>
+          </a:bodyPr>
+          <a:lstStyle/>
+          <a:p>
+            <a:endParaRPr lang="ko-KR" altLang="en-US"/>
+          </a:p>
+        </p:txBody>
+      </p:sp>
+      <p:sp>
+        <p:nvSpPr>
+          <p:cNvPr id="14348" name="AutoShape 12" descr="ê´ë ¨ ì´ë¯¸ì§"/>
+          <p:cNvSpPr>
+            <a:spLocks noChangeAspect="1" noChangeArrowheads="1"/>
+          </p:cNvSpPr>
+          <p:nvPr/>
+        </p:nvSpPr>
+        <p:spPr bwMode="auto">
+          <a:xfrm>
+            <a:off x="168275" y="-136525"/>
+            <a:ext cx="298450" cy="298450"/>
+          </a:xfrm>
+          <a:prstGeom prst="rect">
+            <a:avLst/>
+          </a:prstGeom>
+          <a:noFill/>
+        </p:spPr>
+        <p:txBody>
+          <a:bodyPr vert="horz" wrap="square" lIns="91440" tIns="45720" rIns="91440" bIns="45720" numCol="1" anchor="t" anchorCtr="0" compatLnSpc="1">
+            <a:prstTxWarp prst="textNoShape">
+              <a:avLst/>
+            </a:prstTxWarp>
+          </a:bodyPr>
+          <a:lstStyle/>
+          <a:p>
+            <a:endParaRPr lang="ko-KR" altLang="en-US"/>
+          </a:p>
+        </p:txBody>
+      </p:sp>
+      <p:sp>
+        <p:nvSpPr>
+          <p:cNvPr id="14350" name="AutoShape 14" descr="ê´ë ¨ ì´ë¯¸ì§"/>
+          <p:cNvSpPr>
+            <a:spLocks noChangeAspect="1" noChangeArrowheads="1"/>
+          </p:cNvSpPr>
+          <p:nvPr/>
+        </p:nvSpPr>
+        <p:spPr bwMode="auto">
+          <a:xfrm>
+            <a:off x="168275" y="-136525"/>
+            <a:ext cx="298450" cy="298450"/>
+          </a:xfrm>
+          <a:prstGeom prst="rect">
+            <a:avLst/>
+          </a:prstGeom>
+          <a:noFill/>
+        </p:spPr>
+        <p:txBody>
+          <a:bodyPr vert="horz" wrap="square" lIns="91440" tIns="45720" rIns="91440" bIns="45720" numCol="1" anchor="t" anchorCtr="0" compatLnSpc="1">
+            <a:prstTxWarp prst="textNoShape">
+              <a:avLst/>
+            </a:prstTxWarp>
+          </a:bodyPr>
+          <a:lstStyle/>
+          <a:p>
+            <a:endParaRPr lang="ko-KR" altLang="en-US"/>
+          </a:p>
+        </p:txBody>
+      </p:sp>
+      <p:sp>
+        <p:nvSpPr>
+          <p:cNvPr id="27" name="TextBox 26"/>
+          <p:cNvSpPr txBox="1"/>
+          <p:nvPr/>
+        </p:nvSpPr>
+        <p:spPr>
+          <a:xfrm>
+            <a:off x="611560" y="483518"/>
+            <a:ext cx="6552728" cy="461665"/>
+          </a:xfrm>
+          <a:prstGeom prst="rect">
+            <a:avLst/>
+          </a:prstGeom>
+          <a:noFill/>
+        </p:spPr>
+        <p:txBody>
+          <a:bodyPr wrap="square" rtlCol="0">
+            <a:spAutoFit/>
+          </a:bodyPr>
+          <a:lstStyle/>
+          <a:p>
+            <a:r>
+              <a:rPr lang="en-US" altLang="ko-KR" sz="2400" dirty="0" smtClean="0">
+                <a:solidFill>
+                  <a:schemeClr val="bg1">
+                    <a:lumMod val="95000"/>
+                  </a:schemeClr>
+                </a:solidFill>
+                <a:latin typeface="나눔바른고딕" pitchFamily="50" charset="-127"/>
+                <a:ea typeface="나눔바른고딕" pitchFamily="50" charset="-127"/>
+              </a:rPr>
+              <a:t>1-3. </a:t>
+            </a:r>
+            <a:r>
+              <a:rPr lang="en-US" altLang="ko-KR" sz="2400" dirty="0" err="1" smtClean="0">
+                <a:solidFill>
+                  <a:schemeClr val="bg1">
+                    <a:lumMod val="95000"/>
+                  </a:schemeClr>
+                </a:solidFill>
+                <a:latin typeface="나눔바른고딕" pitchFamily="50" charset="-127"/>
+                <a:ea typeface="나눔바른고딕" pitchFamily="50" charset="-127"/>
+              </a:rPr>
+              <a:t>git</a:t>
+            </a:r>
+            <a:r>
+              <a:rPr lang="en-US" altLang="ko-KR" sz="2400" dirty="0" smtClean="0">
+                <a:solidFill>
+                  <a:schemeClr val="bg1">
+                    <a:lumMod val="95000"/>
+                  </a:schemeClr>
+                </a:solidFill>
+                <a:latin typeface="나눔바른고딕" pitchFamily="50" charset="-127"/>
+                <a:ea typeface="나눔바른고딕" pitchFamily="50" charset="-127"/>
+              </a:rPr>
+              <a:t> </a:t>
+            </a:r>
+            <a:r>
+              <a:rPr lang="ko-KR" altLang="en-US" sz="2400" dirty="0" err="1" smtClean="0">
+                <a:solidFill>
+                  <a:schemeClr val="bg1">
+                    <a:lumMod val="95000"/>
+                  </a:schemeClr>
+                </a:solidFill>
+                <a:latin typeface="나눔바른고딕" pitchFamily="50" charset="-127"/>
+                <a:ea typeface="나눔바른고딕" pitchFamily="50" charset="-127"/>
+              </a:rPr>
+              <a:t>브랜치</a:t>
+            </a:r>
+            <a:r>
+              <a:rPr lang="ko-KR" altLang="en-US" sz="2400" dirty="0" smtClean="0">
+                <a:solidFill>
+                  <a:schemeClr val="bg1">
+                    <a:lumMod val="95000"/>
+                  </a:schemeClr>
+                </a:solidFill>
+                <a:latin typeface="나눔바른고딕" pitchFamily="50" charset="-127"/>
+                <a:ea typeface="나눔바른고딕" pitchFamily="50" charset="-127"/>
+              </a:rPr>
+              <a:t> </a:t>
+            </a:r>
+            <a:r>
+              <a:rPr lang="en-US" altLang="ko-KR" sz="2400" dirty="0" smtClean="0">
+                <a:solidFill>
+                  <a:schemeClr val="bg1">
+                    <a:lumMod val="95000"/>
+                  </a:schemeClr>
+                </a:solidFill>
+                <a:latin typeface="나눔바른고딕" pitchFamily="50" charset="-127"/>
+                <a:ea typeface="나눔바른고딕" pitchFamily="50" charset="-127"/>
+              </a:rPr>
+              <a:t>– save</a:t>
+            </a:r>
+            <a:r>
+              <a:rPr lang="ko-KR" altLang="en-US" sz="2400" dirty="0" smtClean="0">
+                <a:solidFill>
+                  <a:schemeClr val="bg1">
+                    <a:lumMod val="95000"/>
+                  </a:schemeClr>
+                </a:solidFill>
+                <a:latin typeface="나눔바른고딕" pitchFamily="50" charset="-127"/>
+                <a:ea typeface="나눔바른고딕" pitchFamily="50" charset="-127"/>
+              </a:rPr>
+              <a:t>가 없다면</a:t>
+            </a:r>
+            <a:r>
+              <a:rPr lang="en-US" altLang="ko-KR" sz="2400" dirty="0" smtClean="0">
+                <a:solidFill>
+                  <a:schemeClr val="bg1">
+                    <a:lumMod val="95000"/>
+                  </a:schemeClr>
+                </a:solidFill>
+                <a:latin typeface="나눔바른고딕" pitchFamily="50" charset="-127"/>
+                <a:ea typeface="나눔바른고딕" pitchFamily="50" charset="-127"/>
+              </a:rPr>
+              <a:t>?</a:t>
+            </a:r>
+            <a:endParaRPr lang="ko-KR" altLang="en-US" sz="2400" dirty="0">
+              <a:solidFill>
+                <a:schemeClr val="bg1">
+                  <a:lumMod val="95000"/>
+                </a:schemeClr>
+              </a:solidFill>
+              <a:latin typeface="나눔바른고딕" pitchFamily="50" charset="-127"/>
+              <a:ea typeface="나눔바른고딕" pitchFamily="50" charset="-127"/>
+            </a:endParaRPr>
+          </a:p>
+        </p:txBody>
+      </p:sp>
+      <p:sp>
+        <p:nvSpPr>
+          <p:cNvPr id="2054" name="AutoShape 6" descr="ì  ê°ì ëí ì´ë¯¸ì§ ê²ìê²°ê³¼"/>
+          <p:cNvSpPr>
+            <a:spLocks noChangeAspect="1" noChangeArrowheads="1"/>
+          </p:cNvSpPr>
+          <p:nvPr/>
+        </p:nvSpPr>
+        <p:spPr bwMode="auto">
+          <a:xfrm>
+            <a:off x="168275" y="-144463"/>
+            <a:ext cx="304800" cy="304801"/>
+          </a:xfrm>
+          <a:prstGeom prst="rect">
+            <a:avLst/>
+          </a:prstGeom>
+          <a:noFill/>
+        </p:spPr>
+        <p:txBody>
+          <a:bodyPr vert="horz" wrap="square" lIns="91440" tIns="45720" rIns="91440" bIns="45720" numCol="1" anchor="t" anchorCtr="0" compatLnSpc="1">
+            <a:prstTxWarp prst="textNoShape">
+              <a:avLst/>
+            </a:prstTxWarp>
+          </a:bodyPr>
+          <a:lstStyle/>
+          <a:p>
+            <a:endParaRPr lang="ko-KR" altLang="en-US"/>
+          </a:p>
+        </p:txBody>
+      </p:sp>
+      <p:pic>
+        <p:nvPicPr>
+          <p:cNvPr id="27650" name="Picture 2" descr="ê´ë ¨ ì´ë¯¸ì§"/>
+          <p:cNvPicPr>
+            <a:picLocks noChangeAspect="1" noChangeArrowheads="1"/>
+          </p:cNvPicPr>
+          <p:nvPr/>
+        </p:nvPicPr>
+        <p:blipFill>
+          <a:blip r:embed="rId2" cstate="print"/>
+          <a:srcRect/>
+          <a:stretch>
+            <a:fillRect/>
+          </a:stretch>
+        </p:blipFill>
+        <p:spPr bwMode="auto">
+          <a:xfrm>
+            <a:off x="2555776" y="1851670"/>
+            <a:ext cx="3888432" cy="2188811"/>
+          </a:xfrm>
+          <a:prstGeom prst="rect">
+            <a:avLst/>
+          </a:prstGeom>
+          <a:ln>
+            <a:noFill/>
+          </a:ln>
+          <a:effectLst>
+            <a:outerShdw blurRad="190500" algn="tl" rotWithShape="0">
+              <a:srgbClr val="000000">
+                <a:alpha val="70000"/>
+              </a:srgbClr>
+            </a:outerShdw>
+          </a:effectLst>
+        </p:spPr>
+      </p:pic>
+      <p:sp>
+        <p:nvSpPr>
+          <p:cNvPr id="22" name="TextBox 21"/>
+          <p:cNvSpPr txBox="1"/>
+          <p:nvPr/>
+        </p:nvSpPr>
+        <p:spPr>
+          <a:xfrm>
+            <a:off x="899592" y="1205339"/>
+            <a:ext cx="7704856" cy="369332"/>
+          </a:xfrm>
+          <a:prstGeom prst="rect">
+            <a:avLst/>
+          </a:prstGeom>
+          <a:noFill/>
+        </p:spPr>
+        <p:txBody>
+          <a:bodyPr wrap="square" rtlCol="0">
+            <a:spAutoFit/>
+          </a:bodyPr>
+          <a:lstStyle/>
+          <a:p>
+            <a:pPr algn="ctr"/>
+            <a:r>
+              <a:rPr lang="ko-KR" altLang="en-US" dirty="0" smtClean="0">
+                <a:solidFill>
+                  <a:schemeClr val="bg1"/>
+                </a:solidFill>
+                <a:latin typeface="나눔바른고딕" pitchFamily="50" charset="-127"/>
+                <a:ea typeface="나눔바른고딕" pitchFamily="50" charset="-127"/>
+              </a:rPr>
+              <a:t>돌아가고자 했던 시점의 상태와 </a:t>
+            </a:r>
+            <a:r>
+              <a:rPr lang="en-US" altLang="ko-KR" dirty="0" smtClean="0">
+                <a:solidFill>
+                  <a:schemeClr val="bg1"/>
+                </a:solidFill>
+                <a:latin typeface="나눔바른고딕" pitchFamily="50" charset="-127"/>
+                <a:ea typeface="나눔바른고딕" pitchFamily="50" charset="-127"/>
+              </a:rPr>
+              <a:t>100% </a:t>
+            </a:r>
+            <a:r>
+              <a:rPr lang="ko-KR" altLang="en-US" dirty="0" smtClean="0">
+                <a:solidFill>
+                  <a:schemeClr val="bg1"/>
+                </a:solidFill>
+                <a:latin typeface="나눔바른고딕" pitchFamily="50" charset="-127"/>
+                <a:ea typeface="나눔바른고딕" pitchFamily="50" charset="-127"/>
+              </a:rPr>
+              <a:t>똑같다고 </a:t>
+            </a:r>
+            <a:r>
+              <a:rPr lang="ko-KR" altLang="en-US" dirty="0" err="1" smtClean="0">
+                <a:solidFill>
+                  <a:schemeClr val="bg1"/>
+                </a:solidFill>
+                <a:latin typeface="나눔바른고딕" pitchFamily="50" charset="-127"/>
+                <a:ea typeface="나눔바른고딕" pitchFamily="50" charset="-127"/>
+              </a:rPr>
+              <a:t>확신가능한가</a:t>
+            </a:r>
+            <a:r>
+              <a:rPr lang="en-US" altLang="ko-KR" dirty="0" smtClean="0">
+                <a:solidFill>
+                  <a:schemeClr val="bg1"/>
+                </a:solidFill>
+                <a:latin typeface="나눔바른고딕" pitchFamily="50" charset="-127"/>
+                <a:ea typeface="나눔바른고딕" pitchFamily="50" charset="-127"/>
+              </a:rPr>
+              <a:t>?</a:t>
+            </a:r>
+            <a:endParaRPr lang="ko-KR" altLang="en-US" dirty="0">
+              <a:solidFill>
+                <a:schemeClr val="bg1"/>
+              </a:solidFill>
+              <a:latin typeface="나눔바른고딕" pitchFamily="50" charset="-127"/>
+              <a:ea typeface="나눔바른고딕" pitchFamily="50" charset="-127"/>
+            </a:endParaRPr>
+          </a:p>
+        </p:txBody>
+      </p:sp>
+    </p:spTree>
+  </p:cSld>
+  <p:clrMapOvr>
+    <a:masterClrMapping/>
+  </p:clrMapOvr>
+  <p:timing>
+    <p:tnLst>
+      <p:par>
+        <p:cTn id="1" dur="indefinite" restart="never" nodeType="tmRoot"/>
+      </p:par>
+    </p:tnLst>
+  </p:timing>
+</p:sld>
+</file>
+
+<file path=ppt/slides/slide15.xml><?xml version="1.0" encoding="utf-8"?>
+<p:sld xmlns:a="http://schemas.openxmlformats.org/drawingml/2006/main" xmlns:r="http://schemas.openxmlformats.org/officeDocument/2006/relationships" xmlns:p="http://schemas.openxmlformats.org/presentationml/2006/main">
+  <p:cSld>
+    <p:spTree>
+      <p:nvGrpSpPr>
+        <p:cNvPr id="1" name=""/>
+        <p:cNvGrpSpPr/>
+        <p:nvPr/>
+      </p:nvGrpSpPr>
+      <p:grpSpPr>
+        <a:xfrm>
+          <a:off x="0" y="0"/>
+          <a:ext cx="0" cy="0"/>
+          <a:chOff x="0" y="0"/>
+          <a:chExt cx="0" cy="0"/>
+        </a:xfrm>
+      </p:grpSpPr>
+      <p:sp>
+        <p:nvSpPr>
+          <p:cNvPr id="16" name="평행 사변형 15"/>
+          <p:cNvSpPr/>
+          <p:nvPr/>
+        </p:nvSpPr>
+        <p:spPr>
+          <a:xfrm rot="16200000">
+            <a:off x="2000251" y="-2000251"/>
+            <a:ext cx="5143500" cy="9144001"/>
+          </a:xfrm>
+          <a:prstGeom prst="parallelogram">
+            <a:avLst>
+              <a:gd name="adj" fmla="val 7753"/>
+            </a:avLst>
+          </a:prstGeom>
+          <a:solidFill>
+            <a:srgbClr val="473F3D"/>
+          </a:solidFill>
+          <a:ln>
+            <a:noFill/>
+          </a:ln>
+        </p:spPr>
+        <p:style>
+          <a:lnRef idx="2">
+            <a:schemeClr val="accent1">
+              <a:shade val="50000"/>
+            </a:schemeClr>
+          </a:lnRef>
+          <a:fillRef idx="1">
+            <a:schemeClr val="accent1"/>
+          </a:fillRef>
+          <a:effectRef idx="0">
+            <a:schemeClr val="accent1"/>
+          </a:effectRef>
+          <a:fontRef idx="minor">
+            <a:schemeClr val="lt1"/>
+          </a:fontRef>
+        </p:style>
+        <p:txBody>
+          <a:bodyPr rtlCol="0" anchor="ctr"/>
+          <a:lstStyle/>
+          <a:p>
+            <a:pPr algn="ctr"/>
+            <a:endParaRPr lang="ko-KR" altLang="en-US" sz="1600"/>
+          </a:p>
+        </p:txBody>
+      </p:sp>
+      <p:cxnSp>
+        <p:nvCxnSpPr>
+          <p:cNvPr id="11" name="직선 연결선 10"/>
+          <p:cNvCxnSpPr/>
+          <p:nvPr/>
+        </p:nvCxnSpPr>
+        <p:spPr>
+          <a:xfrm>
+            <a:off x="539552" y="915566"/>
+            <a:ext cx="8136904" cy="0"/>
+          </a:xfrm>
+          <a:prstGeom prst="line">
+            <a:avLst/>
+          </a:prstGeom>
+          <a:ln w="12700">
+            <a:solidFill>
+              <a:schemeClr val="bg1"/>
+            </a:solidFill>
+          </a:ln>
+        </p:spPr>
+        <p:style>
+          <a:lnRef idx="1">
+            <a:schemeClr val="accent1"/>
+          </a:lnRef>
+          <a:fillRef idx="0">
+            <a:schemeClr val="accent1"/>
+          </a:fillRef>
+          <a:effectRef idx="0">
+            <a:schemeClr val="accent1"/>
+          </a:effectRef>
+          <a:fontRef idx="minor">
+            <a:schemeClr val="tx1"/>
+          </a:fontRef>
+        </p:style>
+      </p:cxnSp>
+      <p:cxnSp>
+        <p:nvCxnSpPr>
+          <p:cNvPr id="12" name="직선 연결선 11"/>
+          <p:cNvCxnSpPr/>
+          <p:nvPr/>
+        </p:nvCxnSpPr>
+        <p:spPr>
+          <a:xfrm>
+            <a:off x="467544" y="4299942"/>
+            <a:ext cx="8136904" cy="0"/>
+          </a:xfrm>
+          <a:prstGeom prst="line">
+            <a:avLst/>
+          </a:prstGeom>
+          <a:ln w="12700">
+            <a:solidFill>
+              <a:schemeClr val="bg1"/>
+            </a:solidFill>
+          </a:ln>
+        </p:spPr>
+        <p:style>
+          <a:lnRef idx="1">
+            <a:schemeClr val="accent1"/>
+          </a:lnRef>
+          <a:fillRef idx="0">
+            <a:schemeClr val="accent1"/>
+          </a:fillRef>
+          <a:effectRef idx="0">
+            <a:schemeClr val="accent1"/>
+          </a:effectRef>
+          <a:fontRef idx="minor">
+            <a:schemeClr val="tx1"/>
+          </a:fontRef>
+        </p:style>
+      </p:cxnSp>
+      <p:cxnSp>
+        <p:nvCxnSpPr>
+          <p:cNvPr id="14" name="직선 연결선 13"/>
+          <p:cNvCxnSpPr/>
+          <p:nvPr/>
+        </p:nvCxnSpPr>
+        <p:spPr>
+          <a:xfrm>
+            <a:off x="467544" y="915566"/>
+            <a:ext cx="8208912" cy="0"/>
+          </a:xfrm>
+          <a:prstGeom prst="line">
+            <a:avLst/>
+          </a:prstGeom>
+          <a:ln w="12700">
+            <a:solidFill>
+              <a:schemeClr val="bg1"/>
+            </a:solidFill>
+          </a:ln>
+        </p:spPr>
+        <p:style>
+          <a:lnRef idx="1">
+            <a:schemeClr val="accent1"/>
+          </a:lnRef>
+          <a:fillRef idx="0">
+            <a:schemeClr val="accent1"/>
+          </a:fillRef>
+          <a:effectRef idx="0">
+            <a:schemeClr val="accent1"/>
+          </a:effectRef>
+          <a:fontRef idx="minor">
+            <a:schemeClr val="tx1"/>
+          </a:fontRef>
+        </p:style>
+      </p:cxnSp>
+      <p:cxnSp>
+        <p:nvCxnSpPr>
+          <p:cNvPr id="15" name="직선 연결선 14"/>
+          <p:cNvCxnSpPr/>
+          <p:nvPr/>
+        </p:nvCxnSpPr>
+        <p:spPr>
+          <a:xfrm>
+            <a:off x="467544" y="4299942"/>
+            <a:ext cx="8208912" cy="0"/>
+          </a:xfrm>
+          <a:prstGeom prst="line">
+            <a:avLst/>
+          </a:prstGeom>
+          <a:ln w="12700">
+            <a:solidFill>
+              <a:schemeClr val="bg1"/>
+            </a:solidFill>
+          </a:ln>
+        </p:spPr>
+        <p:style>
+          <a:lnRef idx="1">
+            <a:schemeClr val="accent1"/>
+          </a:lnRef>
+          <a:fillRef idx="0">
+            <a:schemeClr val="accent1"/>
+          </a:fillRef>
+          <a:effectRef idx="0">
+            <a:schemeClr val="accent1"/>
+          </a:effectRef>
+          <a:fontRef idx="minor">
+            <a:schemeClr val="tx1"/>
+          </a:fontRef>
+        </p:style>
+      </p:cxnSp>
+      <p:sp>
+        <p:nvSpPr>
+          <p:cNvPr id="14344" name="AutoShape 8" descr="ê´ë ¨ ì´ë¯¸ì§"/>
+          <p:cNvSpPr>
+            <a:spLocks noChangeAspect="1" noChangeArrowheads="1"/>
+          </p:cNvSpPr>
+          <p:nvPr/>
+        </p:nvSpPr>
+        <p:spPr bwMode="auto">
+          <a:xfrm>
+            <a:off x="168275" y="-136525"/>
+            <a:ext cx="298450" cy="298450"/>
+          </a:xfrm>
+          <a:prstGeom prst="rect">
+            <a:avLst/>
+          </a:prstGeom>
+          <a:noFill/>
+        </p:spPr>
+        <p:txBody>
+          <a:bodyPr vert="horz" wrap="square" lIns="91440" tIns="45720" rIns="91440" bIns="45720" numCol="1" anchor="t" anchorCtr="0" compatLnSpc="1">
+            <a:prstTxWarp prst="textNoShape">
+              <a:avLst/>
+            </a:prstTxWarp>
+          </a:bodyPr>
+          <a:lstStyle/>
+          <a:p>
+            <a:endParaRPr lang="ko-KR" altLang="en-US"/>
+          </a:p>
+        </p:txBody>
+      </p:sp>
+      <p:sp>
+        <p:nvSpPr>
+          <p:cNvPr id="14346" name="AutoShape 10" descr="ê´ë ¨ ì´ë¯¸ì§"/>
+          <p:cNvSpPr>
+            <a:spLocks noChangeAspect="1" noChangeArrowheads="1"/>
+          </p:cNvSpPr>
+          <p:nvPr/>
+        </p:nvSpPr>
+        <p:spPr bwMode="auto">
+          <a:xfrm>
+            <a:off x="168275" y="-136525"/>
+            <a:ext cx="298450" cy="298450"/>
+          </a:xfrm>
+          <a:prstGeom prst="rect">
+            <a:avLst/>
+          </a:prstGeom>
+          <a:noFill/>
+        </p:spPr>
+        <p:txBody>
+          <a:bodyPr vert="horz" wrap="square" lIns="91440" tIns="45720" rIns="91440" bIns="45720" numCol="1" anchor="t" anchorCtr="0" compatLnSpc="1">
+            <a:prstTxWarp prst="textNoShape">
+              <a:avLst/>
+            </a:prstTxWarp>
+          </a:bodyPr>
+          <a:lstStyle/>
+          <a:p>
+            <a:endParaRPr lang="ko-KR" altLang="en-US"/>
+          </a:p>
+        </p:txBody>
+      </p:sp>
+      <p:sp>
+        <p:nvSpPr>
+          <p:cNvPr id="14348" name="AutoShape 12" descr="ê´ë ¨ ì´ë¯¸ì§"/>
+          <p:cNvSpPr>
+            <a:spLocks noChangeAspect="1" noChangeArrowheads="1"/>
+          </p:cNvSpPr>
+          <p:nvPr/>
+        </p:nvSpPr>
+        <p:spPr bwMode="auto">
+          <a:xfrm>
+            <a:off x="168275" y="-136525"/>
+            <a:ext cx="298450" cy="298450"/>
+          </a:xfrm>
+          <a:prstGeom prst="rect">
+            <a:avLst/>
+          </a:prstGeom>
+          <a:noFill/>
+        </p:spPr>
+        <p:txBody>
+          <a:bodyPr vert="horz" wrap="square" lIns="91440" tIns="45720" rIns="91440" bIns="45720" numCol="1" anchor="t" anchorCtr="0" compatLnSpc="1">
+            <a:prstTxWarp prst="textNoShape">
+              <a:avLst/>
+            </a:prstTxWarp>
+          </a:bodyPr>
+          <a:lstStyle/>
+          <a:p>
+            <a:endParaRPr lang="ko-KR" altLang="en-US"/>
+          </a:p>
+        </p:txBody>
+      </p:sp>
+      <p:sp>
+        <p:nvSpPr>
+          <p:cNvPr id="14350" name="AutoShape 14" descr="ê´ë ¨ ì´ë¯¸ì§"/>
+          <p:cNvSpPr>
+            <a:spLocks noChangeAspect="1" noChangeArrowheads="1"/>
+          </p:cNvSpPr>
+          <p:nvPr/>
+        </p:nvSpPr>
+        <p:spPr bwMode="auto">
+          <a:xfrm>
+            <a:off x="168275" y="-136525"/>
+            <a:ext cx="298450" cy="298450"/>
+          </a:xfrm>
+          <a:prstGeom prst="rect">
+            <a:avLst/>
+          </a:prstGeom>
+          <a:noFill/>
+        </p:spPr>
+        <p:txBody>
+          <a:bodyPr vert="horz" wrap="square" lIns="91440" tIns="45720" rIns="91440" bIns="45720" numCol="1" anchor="t" anchorCtr="0" compatLnSpc="1">
+            <a:prstTxWarp prst="textNoShape">
+              <a:avLst/>
+            </a:prstTxWarp>
+          </a:bodyPr>
+          <a:lstStyle/>
+          <a:p>
+            <a:endParaRPr lang="ko-KR" altLang="en-US"/>
+          </a:p>
+        </p:txBody>
+      </p:sp>
+      <p:sp>
+        <p:nvSpPr>
+          <p:cNvPr id="27" name="TextBox 26"/>
+          <p:cNvSpPr txBox="1"/>
+          <p:nvPr/>
+        </p:nvSpPr>
+        <p:spPr>
+          <a:xfrm>
+            <a:off x="611560" y="483518"/>
+            <a:ext cx="6552728" cy="461665"/>
+          </a:xfrm>
+          <a:prstGeom prst="rect">
+            <a:avLst/>
+          </a:prstGeom>
+          <a:noFill/>
+        </p:spPr>
+        <p:txBody>
+          <a:bodyPr wrap="square" rtlCol="0">
+            <a:spAutoFit/>
+          </a:bodyPr>
+          <a:lstStyle/>
+          <a:p>
+            <a:r>
+              <a:rPr lang="en-US" altLang="ko-KR" sz="2400" dirty="0" smtClean="0">
+                <a:solidFill>
+                  <a:schemeClr val="bg1">
+                    <a:lumMod val="95000"/>
+                  </a:schemeClr>
+                </a:solidFill>
+                <a:latin typeface="나눔바른고딕" pitchFamily="50" charset="-127"/>
+                <a:ea typeface="나눔바른고딕" pitchFamily="50" charset="-127"/>
+              </a:rPr>
+              <a:t>1-3. </a:t>
+            </a:r>
+            <a:r>
+              <a:rPr lang="en-US" altLang="ko-KR" sz="2400" dirty="0" err="1" smtClean="0">
+                <a:solidFill>
+                  <a:schemeClr val="bg1">
+                    <a:lumMod val="95000"/>
+                  </a:schemeClr>
+                </a:solidFill>
+                <a:latin typeface="나눔바른고딕" pitchFamily="50" charset="-127"/>
+                <a:ea typeface="나눔바른고딕" pitchFamily="50" charset="-127"/>
+              </a:rPr>
+              <a:t>git</a:t>
+            </a:r>
+            <a:r>
+              <a:rPr lang="en-US" altLang="ko-KR" sz="2400" dirty="0" smtClean="0">
+                <a:solidFill>
+                  <a:schemeClr val="bg1">
+                    <a:lumMod val="95000"/>
+                  </a:schemeClr>
+                </a:solidFill>
+                <a:latin typeface="나눔바른고딕" pitchFamily="50" charset="-127"/>
+                <a:ea typeface="나눔바른고딕" pitchFamily="50" charset="-127"/>
+              </a:rPr>
+              <a:t> </a:t>
+            </a:r>
+            <a:r>
+              <a:rPr lang="ko-KR" altLang="en-US" sz="2400" dirty="0" err="1" smtClean="0">
+                <a:solidFill>
+                  <a:schemeClr val="bg1">
+                    <a:lumMod val="95000"/>
+                  </a:schemeClr>
+                </a:solidFill>
+                <a:latin typeface="나눔바른고딕" pitchFamily="50" charset="-127"/>
+                <a:ea typeface="나눔바른고딕" pitchFamily="50" charset="-127"/>
+              </a:rPr>
+              <a:t>브랜치</a:t>
+            </a:r>
+            <a:endParaRPr lang="ko-KR" altLang="en-US" sz="2400" dirty="0">
+              <a:solidFill>
+                <a:schemeClr val="bg1">
+                  <a:lumMod val="95000"/>
+                </a:schemeClr>
+              </a:solidFill>
+              <a:latin typeface="나눔바른고딕" pitchFamily="50" charset="-127"/>
+              <a:ea typeface="나눔바른고딕" pitchFamily="50" charset="-127"/>
+            </a:endParaRPr>
+          </a:p>
+        </p:txBody>
+      </p:sp>
+      <p:sp>
+        <p:nvSpPr>
+          <p:cNvPr id="25" name="TextBox 24"/>
+          <p:cNvSpPr txBox="1"/>
+          <p:nvPr/>
+        </p:nvSpPr>
+        <p:spPr>
+          <a:xfrm>
+            <a:off x="899592" y="1059582"/>
+            <a:ext cx="4896544" cy="646331"/>
+          </a:xfrm>
+          <a:prstGeom prst="rect">
+            <a:avLst/>
+          </a:prstGeom>
+          <a:noFill/>
+        </p:spPr>
+        <p:txBody>
+          <a:bodyPr wrap="square" rtlCol="0">
+            <a:spAutoFit/>
+          </a:bodyPr>
+          <a:lstStyle/>
+          <a:p>
+            <a:pPr marL="342900" indent="-342900"/>
+            <a:r>
+              <a:rPr lang="en-US" altLang="ko-KR" dirty="0" smtClean="0">
+                <a:solidFill>
+                  <a:schemeClr val="bg1"/>
+                </a:solidFill>
+                <a:latin typeface="나눔바른고딕" pitchFamily="50" charset="-127"/>
+                <a:ea typeface="나눔바른고딕" pitchFamily="50" charset="-127"/>
+              </a:rPr>
+              <a:t>1. </a:t>
+            </a:r>
+            <a:r>
+              <a:rPr lang="ko-KR" altLang="en-US" dirty="0" smtClean="0">
+                <a:solidFill>
+                  <a:schemeClr val="bg1"/>
+                </a:solidFill>
+                <a:latin typeface="나눔바른고딕" pitchFamily="50" charset="-127"/>
+                <a:ea typeface="나눔바른고딕" pitchFamily="50" charset="-127"/>
+              </a:rPr>
+              <a:t>돌아갈 수 있다</a:t>
+            </a:r>
+            <a:r>
+              <a:rPr lang="en-US" altLang="ko-KR" dirty="0" smtClean="0">
+                <a:solidFill>
+                  <a:schemeClr val="bg1"/>
+                </a:solidFill>
+                <a:latin typeface="나눔바른고딕" pitchFamily="50" charset="-127"/>
+                <a:ea typeface="나눔바른고딕" pitchFamily="50" charset="-127"/>
+              </a:rPr>
+              <a:t>. </a:t>
+            </a:r>
+            <a:r>
+              <a:rPr lang="ko-KR" altLang="en-US" dirty="0" smtClean="0">
+                <a:solidFill>
+                  <a:schemeClr val="bg1"/>
+                </a:solidFill>
+                <a:latin typeface="나눔바른고딕" pitchFamily="50" charset="-127"/>
+                <a:ea typeface="나눔바른고딕" pitchFamily="50" charset="-127"/>
+              </a:rPr>
+              <a:t>즉</a:t>
+            </a:r>
+            <a:r>
+              <a:rPr lang="ko-KR" altLang="en-US" dirty="0" smtClean="0">
+                <a:solidFill>
+                  <a:schemeClr val="bg1"/>
+                </a:solidFill>
+                <a:latin typeface="나눔바른고딕" pitchFamily="50" charset="-127"/>
+                <a:ea typeface="나눔바른고딕" pitchFamily="50" charset="-127"/>
+              </a:rPr>
+              <a:t>시</a:t>
+            </a:r>
+            <a:r>
+              <a:rPr lang="en-US" altLang="ko-KR" dirty="0" smtClean="0">
+                <a:solidFill>
+                  <a:schemeClr val="bg1"/>
+                </a:solidFill>
+                <a:latin typeface="나눔바른고딕" pitchFamily="50" charset="-127"/>
+                <a:ea typeface="나눔바른고딕" pitchFamily="50" charset="-127"/>
+              </a:rPr>
+              <a:t> </a:t>
+            </a:r>
+            <a:endParaRPr lang="en-US" altLang="ko-KR" dirty="0" smtClean="0">
+              <a:solidFill>
+                <a:schemeClr val="bg1"/>
+              </a:solidFill>
+              <a:latin typeface="나눔바른고딕" pitchFamily="50" charset="-127"/>
+              <a:ea typeface="나눔바른고딕" pitchFamily="50" charset="-127"/>
+            </a:endParaRPr>
+          </a:p>
+          <a:p>
+            <a:pPr marL="342900" indent="-342900">
+              <a:buAutoNum type="arabicPeriod"/>
+            </a:pPr>
+            <a:endParaRPr lang="ko-KR" altLang="en-US" dirty="0">
+              <a:solidFill>
+                <a:schemeClr val="bg1"/>
+              </a:solidFill>
+              <a:latin typeface="나눔바른고딕" pitchFamily="50" charset="-127"/>
+              <a:ea typeface="나눔바른고딕" pitchFamily="50" charset="-127"/>
+            </a:endParaRPr>
+          </a:p>
+        </p:txBody>
+      </p:sp>
+      <p:sp>
+        <p:nvSpPr>
+          <p:cNvPr id="30" name="대각선 방향의 모서리가 둥근 사각형 29"/>
+          <p:cNvSpPr/>
+          <p:nvPr/>
+        </p:nvSpPr>
+        <p:spPr>
+          <a:xfrm>
+            <a:off x="4211960" y="1347614"/>
+            <a:ext cx="2016224" cy="2016224"/>
+          </a:xfrm>
+          <a:prstGeom prst="round2DiagRect">
+            <a:avLst/>
+          </a:prstGeom>
+          <a:solidFill>
+            <a:schemeClr val="accent2">
+              <a:lumMod val="40000"/>
+              <a:lumOff val="60000"/>
+            </a:schemeClr>
+          </a:solidFill>
+          <a:ln>
+            <a:noFill/>
+          </a:ln>
+          <a:effectLst>
+            <a:outerShdw blurRad="241300" dist="38100" dir="2700000" algn="tl" rotWithShape="0">
+              <a:prstClr val="black">
+                <a:alpha val="40000"/>
+              </a:prstClr>
+            </a:outerShdw>
+          </a:effectLst>
+        </p:spPr>
+        <p:style>
+          <a:lnRef idx="2">
+            <a:schemeClr val="accent1">
+              <a:shade val="50000"/>
+            </a:schemeClr>
+          </a:lnRef>
+          <a:fillRef idx="1">
+            <a:schemeClr val="accent1"/>
+          </a:fillRef>
+          <a:effectRef idx="0">
+            <a:schemeClr val="accent1"/>
+          </a:effectRef>
+          <a:fontRef idx="minor">
+            <a:schemeClr val="lt1"/>
+          </a:fontRef>
+        </p:style>
+        <p:txBody>
+          <a:bodyPr rtlCol="0" anchor="ctr"/>
+          <a:lstStyle/>
+          <a:p>
+            <a:pPr algn="ctr"/>
+            <a:endParaRPr lang="ko-KR" altLang="en-US"/>
+          </a:p>
+        </p:txBody>
+      </p:sp>
+      <p:sp>
+        <p:nvSpPr>
+          <p:cNvPr id="31" name="대각선 방향의 모서리가 둥근 사각형 30"/>
+          <p:cNvSpPr/>
+          <p:nvPr/>
+        </p:nvSpPr>
+        <p:spPr>
+          <a:xfrm>
+            <a:off x="3851920" y="1491630"/>
+            <a:ext cx="2016224" cy="2016224"/>
+          </a:xfrm>
+          <a:prstGeom prst="round2DiagRect">
+            <a:avLst/>
+          </a:prstGeom>
+          <a:solidFill>
+            <a:schemeClr val="bg2">
+              <a:lumMod val="25000"/>
+            </a:schemeClr>
+          </a:solidFill>
+          <a:ln>
+            <a:noFill/>
+          </a:ln>
+          <a:effectLst>
+            <a:outerShdw blurRad="241300" dist="38100" dir="2700000" algn="tl" rotWithShape="0">
+              <a:prstClr val="black">
+                <a:alpha val="40000"/>
+              </a:prstClr>
+            </a:outerShdw>
+          </a:effectLst>
+        </p:spPr>
+        <p:style>
+          <a:lnRef idx="2">
+            <a:schemeClr val="accent1">
+              <a:shade val="50000"/>
+            </a:schemeClr>
+          </a:lnRef>
+          <a:fillRef idx="1">
+            <a:schemeClr val="accent1"/>
+          </a:fillRef>
+          <a:effectRef idx="0">
+            <a:schemeClr val="accent1"/>
+          </a:effectRef>
+          <a:fontRef idx="minor">
+            <a:schemeClr val="lt1"/>
+          </a:fontRef>
+        </p:style>
+        <p:txBody>
+          <a:bodyPr rtlCol="0" anchor="ctr"/>
+          <a:lstStyle/>
+          <a:p>
+            <a:pPr algn="ctr"/>
+            <a:endParaRPr lang="ko-KR" altLang="en-US"/>
+          </a:p>
+        </p:txBody>
+      </p:sp>
+      <p:sp>
+        <p:nvSpPr>
+          <p:cNvPr id="32" name="대각선 방향의 모서리가 둥근 사각형 31"/>
+          <p:cNvSpPr/>
+          <p:nvPr/>
+        </p:nvSpPr>
+        <p:spPr>
+          <a:xfrm>
+            <a:off x="3419872" y="1635646"/>
+            <a:ext cx="2016224" cy="2016224"/>
+          </a:xfrm>
+          <a:prstGeom prst="round2DiagRect">
+            <a:avLst/>
+          </a:prstGeom>
+          <a:solidFill>
+            <a:schemeClr val="accent6">
+              <a:lumMod val="60000"/>
+              <a:lumOff val="40000"/>
+            </a:schemeClr>
+          </a:solidFill>
+          <a:ln>
+            <a:noFill/>
+          </a:ln>
+          <a:effectLst>
+            <a:outerShdw blurRad="241300" dist="38100" dir="2700000" algn="tl" rotWithShape="0">
+              <a:prstClr val="black">
+                <a:alpha val="40000"/>
+              </a:prstClr>
+            </a:outerShdw>
+          </a:effectLst>
+        </p:spPr>
+        <p:style>
+          <a:lnRef idx="2">
+            <a:schemeClr val="accent1">
+              <a:shade val="50000"/>
+            </a:schemeClr>
+          </a:lnRef>
+          <a:fillRef idx="1">
+            <a:schemeClr val="accent1"/>
+          </a:fillRef>
+          <a:effectRef idx="0">
+            <a:schemeClr val="accent1"/>
+          </a:effectRef>
+          <a:fontRef idx="minor">
+            <a:schemeClr val="lt1"/>
+          </a:fontRef>
+        </p:style>
+        <p:txBody>
+          <a:bodyPr rtlCol="0" anchor="ctr"/>
+          <a:lstStyle/>
+          <a:p>
+            <a:pPr algn="ctr"/>
+            <a:endParaRPr lang="ko-KR" altLang="en-US"/>
+          </a:p>
+        </p:txBody>
+      </p:sp>
+      <p:sp>
+        <p:nvSpPr>
+          <p:cNvPr id="26" name="대각선 방향의 모서리가 둥근 사각형 25"/>
+          <p:cNvSpPr/>
+          <p:nvPr/>
+        </p:nvSpPr>
+        <p:spPr>
+          <a:xfrm>
+            <a:off x="2987824" y="1779662"/>
+            <a:ext cx="2016224" cy="2016224"/>
+          </a:xfrm>
+          <a:prstGeom prst="round2DiagRect">
+            <a:avLst/>
+          </a:prstGeom>
+          <a:solidFill>
+            <a:srgbClr val="C9D4DE"/>
+          </a:solidFill>
+          <a:ln>
+            <a:noFill/>
+          </a:ln>
+          <a:effectLst>
+            <a:outerShdw blurRad="241300" dist="38100" dir="2700000" algn="tl" rotWithShape="0">
+              <a:prstClr val="black">
+                <a:alpha val="40000"/>
+              </a:prstClr>
+            </a:outerShdw>
+          </a:effectLst>
+        </p:spPr>
+        <p:style>
+          <a:lnRef idx="2">
+            <a:schemeClr val="accent1">
+              <a:shade val="50000"/>
+            </a:schemeClr>
+          </a:lnRef>
+          <a:fillRef idx="1">
+            <a:schemeClr val="accent1"/>
+          </a:fillRef>
+          <a:effectRef idx="0">
+            <a:schemeClr val="accent1"/>
+          </a:effectRef>
+          <a:fontRef idx="minor">
+            <a:schemeClr val="lt1"/>
+          </a:fontRef>
+        </p:style>
+        <p:txBody>
+          <a:bodyPr rtlCol="0" anchor="ctr"/>
+          <a:lstStyle/>
+          <a:p>
+            <a:pPr algn="ctr"/>
+            <a:endParaRPr lang="ko-KR" altLang="en-US"/>
+          </a:p>
+        </p:txBody>
+      </p:sp>
+      <p:grpSp>
+        <p:nvGrpSpPr>
+          <p:cNvPr id="2" name="그룹 41"/>
+          <p:cNvGrpSpPr/>
+          <p:nvPr/>
+        </p:nvGrpSpPr>
+        <p:grpSpPr>
+          <a:xfrm>
+            <a:off x="4499992" y="1851670"/>
+            <a:ext cx="864096" cy="288032"/>
+            <a:chOff x="4283968" y="2499742"/>
+            <a:chExt cx="864096" cy="288032"/>
+          </a:xfrm>
+          <a:solidFill>
+            <a:srgbClr val="00FFCC"/>
+          </a:solidFill>
+        </p:grpSpPr>
+        <p:sp>
+          <p:nvSpPr>
+            <p:cNvPr id="43" name="순서도: 페이지 연결자 42"/>
+            <p:cNvSpPr/>
+            <p:nvPr/>
+          </p:nvSpPr>
+          <p:spPr>
+            <a:xfrm rot="5400000">
+              <a:off x="4572000" y="2211710"/>
+              <a:ext cx="288032" cy="864096"/>
+            </a:xfrm>
+            <a:prstGeom prst="flowChartOffpageConnector">
+              <a:avLst/>
+            </a:prstGeom>
+            <a:grpFill/>
+            <a:ln>
+              <a:noFill/>
+            </a:ln>
+            <a:effectLst>
+              <a:outerShdw blurRad="50800" dist="38100" dir="2700000" algn="tl" rotWithShape="0">
+                <a:prstClr val="black">
+                  <a:alpha val="40000"/>
+                </a:prstClr>
+              </a:outerShdw>
+            </a:effectLst>
+          </p:spPr>
+          <p:style>
+            <a:lnRef idx="2">
+              <a:schemeClr val="accent1">
+                <a:shade val="50000"/>
+              </a:schemeClr>
+            </a:lnRef>
+            <a:fillRef idx="1">
+              <a:schemeClr val="accent1"/>
+            </a:fillRef>
+            <a:effectRef idx="0">
+              <a:schemeClr val="accent1"/>
+            </a:effectRef>
+            <a:fontRef idx="minor">
+              <a:schemeClr val="lt1"/>
+            </a:fontRef>
+          </p:style>
+          <p:txBody>
+            <a:bodyPr rtlCol="0" anchor="ctr"/>
+            <a:lstStyle/>
+            <a:p>
+              <a:pPr algn="ctr"/>
+              <a:endParaRPr lang="ko-KR" altLang="en-US" sz="1050" dirty="0">
+                <a:solidFill>
+                  <a:schemeClr val="tx1"/>
+                </a:solidFill>
+              </a:endParaRPr>
+            </a:p>
+          </p:txBody>
+        </p:sp>
+        <p:sp>
+          <p:nvSpPr>
+            <p:cNvPr id="44" name="TextBox 43"/>
+            <p:cNvSpPr txBox="1"/>
+            <p:nvPr/>
+          </p:nvSpPr>
+          <p:spPr>
+            <a:xfrm>
+              <a:off x="4427984" y="2571750"/>
+              <a:ext cx="648072" cy="200055"/>
+            </a:xfrm>
+            <a:prstGeom prst="rect">
+              <a:avLst/>
+            </a:prstGeom>
+            <a:grpFill/>
+          </p:spPr>
+          <p:txBody>
+            <a:bodyPr wrap="square" rtlCol="0">
+              <a:spAutoFit/>
+            </a:bodyPr>
+            <a:lstStyle/>
+            <a:p>
+              <a:r>
+                <a:rPr lang="en-US" altLang="ko-KR" sz="700" dirty="0" smtClean="0"/>
+                <a:t>tc1+tc2 </a:t>
+              </a:r>
+              <a:endParaRPr lang="ko-KR" altLang="en-US" sz="700" dirty="0"/>
+            </a:p>
+          </p:txBody>
+        </p:sp>
+      </p:grpSp>
+      <p:sp>
+        <p:nvSpPr>
+          <p:cNvPr id="28" name="대각선 방향의 모서리가 둥근 사각형 27"/>
+          <p:cNvSpPr/>
+          <p:nvPr/>
+        </p:nvSpPr>
+        <p:spPr>
+          <a:xfrm>
+            <a:off x="2555776" y="1923678"/>
+            <a:ext cx="2016224" cy="2016224"/>
+          </a:xfrm>
+          <a:prstGeom prst="round2DiagRect">
+            <a:avLst/>
+          </a:prstGeom>
+          <a:solidFill>
+            <a:srgbClr val="242424"/>
+          </a:solidFill>
+          <a:ln>
+            <a:noFill/>
+          </a:ln>
+          <a:effectLst>
+            <a:outerShdw blurRad="241300" dist="38100" dir="2700000" algn="tl" rotWithShape="0">
+              <a:prstClr val="black">
+                <a:alpha val="40000"/>
+              </a:prstClr>
+            </a:outerShdw>
+          </a:effectLst>
+        </p:spPr>
+        <p:style>
+          <a:lnRef idx="2">
+            <a:schemeClr val="accent1">
+              <a:shade val="50000"/>
+            </a:schemeClr>
+          </a:lnRef>
+          <a:fillRef idx="1">
+            <a:schemeClr val="accent1"/>
+          </a:fillRef>
+          <a:effectRef idx="0">
+            <a:schemeClr val="accent1"/>
+          </a:effectRef>
+          <a:fontRef idx="minor">
+            <a:schemeClr val="lt1"/>
+          </a:fontRef>
+        </p:style>
+        <p:txBody>
+          <a:bodyPr rtlCol="0" anchor="ctr"/>
+          <a:lstStyle/>
+          <a:p>
+            <a:pPr algn="ctr"/>
+            <a:endParaRPr lang="ko-KR" altLang="en-US"/>
+          </a:p>
+        </p:txBody>
+      </p:sp>
+      <p:grpSp>
+        <p:nvGrpSpPr>
+          <p:cNvPr id="3" name="그룹 40"/>
+          <p:cNvGrpSpPr/>
+          <p:nvPr/>
+        </p:nvGrpSpPr>
+        <p:grpSpPr>
+          <a:xfrm>
+            <a:off x="4067944" y="2067694"/>
+            <a:ext cx="864096" cy="288032"/>
+            <a:chOff x="4283968" y="2499742"/>
+            <a:chExt cx="864096" cy="288032"/>
+          </a:xfrm>
+        </p:grpSpPr>
+        <p:sp>
+          <p:nvSpPr>
+            <p:cNvPr id="37" name="순서도: 페이지 연결자 36"/>
+            <p:cNvSpPr/>
+            <p:nvPr/>
+          </p:nvSpPr>
+          <p:spPr>
+            <a:xfrm rot="5400000">
+              <a:off x="4572000" y="2211710"/>
+              <a:ext cx="288032" cy="864096"/>
+            </a:xfrm>
+            <a:prstGeom prst="flowChartOffpageConnector">
+              <a:avLst/>
+            </a:prstGeom>
+            <a:solidFill>
+              <a:srgbClr val="FF6600"/>
+            </a:solidFill>
+            <a:ln>
+              <a:noFill/>
+            </a:ln>
+            <a:effectLst>
+              <a:outerShdw blurRad="50800" dist="38100" dir="2700000" algn="tl" rotWithShape="0">
+                <a:prstClr val="black">
+                  <a:alpha val="40000"/>
+                </a:prstClr>
+              </a:outerShdw>
+            </a:effectLst>
+          </p:spPr>
+          <p:style>
+            <a:lnRef idx="2">
+              <a:schemeClr val="accent1">
+                <a:shade val="50000"/>
+              </a:schemeClr>
+            </a:lnRef>
+            <a:fillRef idx="1">
+              <a:schemeClr val="accent1"/>
+            </a:fillRef>
+            <a:effectRef idx="0">
+              <a:schemeClr val="accent1"/>
+            </a:effectRef>
+            <a:fontRef idx="minor">
+              <a:schemeClr val="lt1"/>
+            </a:fontRef>
+          </p:style>
+          <p:txBody>
+            <a:bodyPr rtlCol="0" anchor="ctr"/>
+            <a:lstStyle/>
+            <a:p>
+              <a:pPr algn="ctr"/>
+              <a:endParaRPr lang="ko-KR" altLang="en-US" sz="1050" dirty="0">
+                <a:solidFill>
+                  <a:schemeClr val="tx1"/>
+                </a:solidFill>
+              </a:endParaRPr>
+            </a:p>
+          </p:txBody>
+        </p:sp>
+        <p:sp>
+          <p:nvSpPr>
+            <p:cNvPr id="40" name="TextBox 39"/>
+            <p:cNvSpPr txBox="1"/>
+            <p:nvPr/>
+          </p:nvSpPr>
+          <p:spPr>
+            <a:xfrm>
+              <a:off x="4427984" y="2571750"/>
+              <a:ext cx="648072" cy="200055"/>
+            </a:xfrm>
+            <a:prstGeom prst="rect">
+              <a:avLst/>
+            </a:prstGeom>
+            <a:noFill/>
+          </p:spPr>
+          <p:txBody>
+            <a:bodyPr wrap="square" rtlCol="0">
+              <a:spAutoFit/>
+            </a:bodyPr>
+            <a:lstStyle/>
+            <a:p>
+              <a:r>
+                <a:rPr lang="en-US" altLang="ko-KR" sz="700" dirty="0" smtClean="0"/>
+                <a:t>tc1</a:t>
+              </a:r>
+              <a:endParaRPr lang="ko-KR" altLang="en-US" sz="700" dirty="0"/>
+            </a:p>
+          </p:txBody>
+        </p:sp>
+      </p:grpSp>
+      <p:sp>
+        <p:nvSpPr>
+          <p:cNvPr id="29" name="대각선 방향의 모서리가 둥근 사각형 28"/>
+          <p:cNvSpPr/>
+          <p:nvPr/>
+        </p:nvSpPr>
+        <p:spPr>
+          <a:xfrm>
+            <a:off x="2123728" y="2067694"/>
+            <a:ext cx="2016224" cy="2016224"/>
+          </a:xfrm>
+          <a:prstGeom prst="round2DiagRect">
+            <a:avLst/>
+          </a:prstGeom>
+          <a:solidFill>
+            <a:srgbClr val="40BCA1"/>
+          </a:solidFill>
+          <a:ln>
+            <a:noFill/>
+          </a:ln>
+          <a:effectLst>
+            <a:outerShdw blurRad="241300" dist="38100" dir="2700000" algn="tl" rotWithShape="0">
+              <a:prstClr val="black">
+                <a:alpha val="40000"/>
+              </a:prstClr>
+            </a:outerShdw>
+          </a:effectLst>
+        </p:spPr>
+        <p:style>
+          <a:lnRef idx="2">
+            <a:schemeClr val="accent1">
+              <a:shade val="50000"/>
+            </a:schemeClr>
+          </a:lnRef>
+          <a:fillRef idx="1">
+            <a:schemeClr val="accent1"/>
+          </a:fillRef>
+          <a:effectRef idx="0">
+            <a:schemeClr val="accent1"/>
+          </a:effectRef>
+          <a:fontRef idx="minor">
+            <a:schemeClr val="lt1"/>
+          </a:fontRef>
+        </p:style>
+        <p:txBody>
+          <a:bodyPr rtlCol="0" anchor="ctr"/>
+          <a:lstStyle/>
+          <a:p>
+            <a:pPr algn="ctr"/>
+            <a:endParaRPr lang="ko-KR" altLang="en-US"/>
+          </a:p>
+        </p:txBody>
+      </p:sp>
+      <p:grpSp>
+        <p:nvGrpSpPr>
+          <p:cNvPr id="4" name="그룹 34"/>
+          <p:cNvGrpSpPr/>
+          <p:nvPr/>
+        </p:nvGrpSpPr>
+        <p:grpSpPr>
+          <a:xfrm>
+            <a:off x="3779912" y="2427734"/>
+            <a:ext cx="864096" cy="288032"/>
+            <a:chOff x="3779912" y="2355726"/>
+            <a:chExt cx="864096" cy="288032"/>
+          </a:xfrm>
+        </p:grpSpPr>
+        <p:sp>
+          <p:nvSpPr>
+            <p:cNvPr id="33" name="순서도: 페이지 연결자 32"/>
+            <p:cNvSpPr/>
+            <p:nvPr/>
+          </p:nvSpPr>
+          <p:spPr>
+            <a:xfrm rot="5400000">
+              <a:off x="4067944" y="2067694"/>
+              <a:ext cx="288032" cy="864096"/>
+            </a:xfrm>
+            <a:prstGeom prst="flowChartOffpageConnector">
+              <a:avLst/>
+            </a:prstGeom>
+            <a:solidFill>
+              <a:srgbClr val="A3FF0D"/>
+            </a:solidFill>
+            <a:ln>
+              <a:noFill/>
+            </a:ln>
+            <a:effectLst>
+              <a:outerShdw blurRad="50800" dist="38100" dir="2700000" algn="tl" rotWithShape="0">
+                <a:prstClr val="black">
+                  <a:alpha val="40000"/>
+                </a:prstClr>
+              </a:outerShdw>
+            </a:effectLst>
+          </p:spPr>
+          <p:style>
+            <a:lnRef idx="2">
+              <a:schemeClr val="accent1">
+                <a:shade val="50000"/>
+              </a:schemeClr>
+            </a:lnRef>
+            <a:fillRef idx="1">
+              <a:schemeClr val="accent1"/>
+            </a:fillRef>
+            <a:effectRef idx="0">
+              <a:schemeClr val="accent1"/>
+            </a:effectRef>
+            <a:fontRef idx="minor">
+              <a:schemeClr val="lt1"/>
+            </a:fontRef>
+          </p:style>
+          <p:txBody>
+            <a:bodyPr rtlCol="0" anchor="ctr"/>
+            <a:lstStyle/>
+            <a:p>
+              <a:pPr algn="ctr"/>
+              <a:endParaRPr lang="ko-KR" altLang="en-US" sz="1050" dirty="0">
+                <a:solidFill>
+                  <a:schemeClr val="tx1"/>
+                </a:solidFill>
+              </a:endParaRPr>
+            </a:p>
+          </p:txBody>
+        </p:sp>
+        <p:sp>
+          <p:nvSpPr>
+            <p:cNvPr id="34" name="TextBox 33"/>
+            <p:cNvSpPr txBox="1"/>
+            <p:nvPr/>
+          </p:nvSpPr>
+          <p:spPr>
+            <a:xfrm>
+              <a:off x="3923928" y="2355726"/>
+              <a:ext cx="648072" cy="200055"/>
+            </a:xfrm>
+            <a:prstGeom prst="rect">
+              <a:avLst/>
+            </a:prstGeom>
+            <a:noFill/>
+          </p:spPr>
+          <p:txBody>
+            <a:bodyPr wrap="square" rtlCol="0">
+              <a:spAutoFit/>
+            </a:bodyPr>
+            <a:lstStyle/>
+            <a:p>
+              <a:r>
+                <a:rPr lang="en-US" altLang="ko-KR" sz="700" dirty="0" smtClean="0"/>
+                <a:t>origin</a:t>
+              </a:r>
+              <a:endParaRPr lang="ko-KR" altLang="en-US" sz="700" dirty="0"/>
+            </a:p>
+          </p:txBody>
+        </p:sp>
+      </p:grpSp>
     </p:spTree>
   </p:cSld>
   <p:clrMapOvr>
@@ -5559,7 +8928,31 @@
                 <a:latin typeface="나눔바른고딕" pitchFamily="50" charset="-127"/>
                 <a:ea typeface="나눔바른고딕" pitchFamily="50" charset="-127"/>
               </a:rPr>
-              <a:t>	1-1. SVN </a:t>
+              <a:t>	1-1. </a:t>
+            </a:r>
+            <a:r>
+              <a:rPr lang="en-US" altLang="ko-KR" dirty="0" err="1" smtClean="0">
+                <a:solidFill>
+                  <a:schemeClr val="bg1">
+                    <a:lumMod val="95000"/>
+                  </a:schemeClr>
+                </a:solidFill>
+                <a:latin typeface="나눔바른고딕" pitchFamily="50" charset="-127"/>
+                <a:ea typeface="나눔바른고딕" pitchFamily="50" charset="-127"/>
+              </a:rPr>
+              <a:t>svn</a:t>
+            </a:r>
+            <a:r>
+              <a:rPr lang="en-US" altLang="ko-KR" dirty="0" smtClean="0">
+                <a:solidFill>
+                  <a:schemeClr val="bg1">
+                    <a:lumMod val="95000"/>
+                  </a:schemeClr>
+                </a:solidFill>
+                <a:latin typeface="나눔바른고딕" pitchFamily="50" charset="-127"/>
+                <a:ea typeface="나눔바른고딕" pitchFamily="50" charset="-127"/>
+              </a:rPr>
+              <a:t> </a:t>
             </a:r>
             <a:r>
               <a:rPr lang="ko-KR" altLang="en-US" dirty="0" smtClean="0">
@@ -5607,10 +9000,10 @@
                 <a:latin typeface="나눔바른고딕" pitchFamily="50" charset="-127"/>
                 <a:ea typeface="나눔바른고딕" pitchFamily="50" charset="-127"/>
               </a:rPr>
-              <a:t>1-2. GIT</a:t>
-            </a:r>
-            <a:r>
-              <a:rPr lang="ko-KR" altLang="en-US" dirty="0" smtClean="0">
+              <a:t>1-2. </a:t>
+            </a:r>
+            <a:r>
+              <a:rPr lang="en-US" altLang="ko-KR" dirty="0" err="1" smtClean="0">
                 <a:solidFill>
                   <a:schemeClr val="bg1">
                     <a:lumMod val="95000"/>
@@ -5619,7 +9012,31 @@
                 <a:latin typeface="나눔바른고딕" pitchFamily="50" charset="-127"/>
                 <a:ea typeface="나눔바른고딕" pitchFamily="50" charset="-127"/>
               </a:rPr>
-              <a:t>의 소중함 느낀 계기</a:t>
+              <a:t>git</a:t>
+            </a:r>
+            <a:r>
+              <a:rPr lang="ko-KR" altLang="en-US" dirty="0" smtClean="0">
+                <a:solidFill>
+                  <a:schemeClr val="bg1">
+                    <a:lumMod val="95000"/>
+                  </a:schemeClr>
+                </a:solidFill>
+                <a:latin typeface="나눔바른고딕" pitchFamily="50" charset="-127"/>
+                <a:ea typeface="나눔바른고딕" pitchFamily="50" charset="-127"/>
+              </a:rPr>
+              <a:t>의 </a:t>
+            </a:r>
+            <a:r>
+              <a:rPr lang="ko-KR" altLang="en-US" dirty="0" smtClean="0">
+                <a:solidFill>
+                  <a:schemeClr val="bg1">
+                    <a:lumMod val="95000"/>
+                  </a:schemeClr>
+                </a:solidFill>
+                <a:latin typeface="나눔바른고딕" pitchFamily="50" charset="-127"/>
+                <a:ea typeface="나눔바른고딕" pitchFamily="50" charset="-127"/>
+              </a:rPr>
+              <a:t>소중함 느낀 계기</a:t>
             </a:r>
             <a:endParaRPr lang="en-US" altLang="ko-KR" dirty="0" smtClean="0">
               <a:solidFill>
@@ -5655,10 +9072,10 @@
                 <a:latin typeface="나눔바른고딕" pitchFamily="50" charset="-127"/>
                 <a:ea typeface="나눔바른고딕" pitchFamily="50" charset="-127"/>
               </a:rPr>
-              <a:t>1-3. SVN, GIT </a:t>
-            </a:r>
-            <a:r>
-              <a:rPr lang="ko-KR" altLang="en-US" dirty="0" smtClean="0">
+              <a:t>1-3. </a:t>
+            </a:r>
+            <a:r>
+              <a:rPr lang="en-US" altLang="ko-KR" dirty="0" err="1" smtClean="0">
                 <a:solidFill>
                   <a:schemeClr val="bg1">
                     <a:lumMod val="95000"/>
@@ -5667,7 +9084,43 @@
                 <a:latin typeface="나눔바른고딕" pitchFamily="50" charset="-127"/>
                 <a:ea typeface="나눔바른고딕" pitchFamily="50" charset="-127"/>
               </a:rPr>
-              <a:t>대응 패턴 비교</a:t>
+              <a:t>git</a:t>
+            </a:r>
+            <a:r>
+              <a:rPr lang="en-US" altLang="ko-KR" dirty="0" smtClean="0">
+                <a:solidFill>
+                  <a:schemeClr val="bg1">
+                    <a:lumMod val="95000"/>
+                  </a:schemeClr>
+                </a:solidFill>
+                <a:latin typeface="나눔바른고딕" pitchFamily="50" charset="-127"/>
+                <a:ea typeface="나눔바른고딕" pitchFamily="50" charset="-127"/>
+              </a:rPr>
+              <a:t> </a:t>
+            </a:r>
+            <a:r>
+              <a:rPr lang="ko-KR" altLang="en-US" dirty="0" err="1" smtClean="0">
+                <a:solidFill>
+                  <a:schemeClr val="bg1">
+                    <a:lumMod val="95000"/>
+                  </a:schemeClr>
+                </a:solidFill>
+                <a:latin typeface="나눔바른고딕" pitchFamily="50" charset="-127"/>
+                <a:ea typeface="나눔바른고딕" pitchFamily="50" charset="-127"/>
+              </a:rPr>
+              <a:t>브랜치</a:t>
+            </a:r>
+            <a:r>
+              <a:rPr lang="ko-KR" altLang="en-US" dirty="0" smtClean="0">
+                <a:solidFill>
+                  <a:schemeClr val="bg1">
+                    <a:lumMod val="95000"/>
+                  </a:schemeClr>
+                </a:solidFill>
+                <a:latin typeface="나눔바른고딕" pitchFamily="50" charset="-127"/>
+                <a:ea typeface="나눔바른고딕" pitchFamily="50" charset="-127"/>
+              </a:rPr>
+              <a:t> </a:t>
             </a:r>
             <a:endParaRPr lang="en-US" altLang="ko-KR" dirty="0" smtClean="0">
               <a:solidFill>
@@ -7659,8 +11112,8 @@
         </p:nvSpPr>
         <p:spPr>
           <a:xfrm>
-            <a:off x="1907704" y="1851670"/>
-            <a:ext cx="5328592" cy="1938992"/>
+            <a:off x="1547664" y="1851670"/>
+            <a:ext cx="6264696" cy="2123658"/>
           </a:xfrm>
           <a:prstGeom prst="rect">
             <a:avLst/>
@@ -7678,7 +11131,7 @@
               <a:buChar char="-"/>
             </a:pPr>
             <a:r>
-              <a:rPr lang="en-US" altLang="ko-KR" sz="2400" dirty="0" smtClean="0">
+              <a:rPr lang="en-US" altLang="ko-KR" sz="2000" dirty="0" smtClean="0">
                 <a:solidFill>
                   <a:schemeClr val="bg1">
                     <a:lumMod val="95000"/>
@@ -7690,7 +11143,7 @@
               <a:t> </a:t>
             </a:r>
             <a:r>
-              <a:rPr lang="en-US" altLang="ko-KR" sz="2400" dirty="0" err="1" smtClean="0">
+              <a:rPr lang="en-US" altLang="ko-KR" sz="2000" dirty="0" err="1" smtClean="0">
                 <a:solidFill>
                   <a:schemeClr val="bg1">
                     <a:lumMod val="95000"/>
@@ -7702,7 +11155,7 @@
               <a:t>git</a:t>
             </a:r>
             <a:r>
-              <a:rPr lang="en-US" altLang="ko-KR" sz="2400" dirty="0" smtClean="0">
+              <a:rPr lang="ko-KR" altLang="en-US" sz="2000" dirty="0" smtClean="0">
                 <a:solidFill>
                   <a:schemeClr val="bg1">
                     <a:lumMod val="95000"/>
@@ -7711,10 +11164,10 @@
                 <a:latin typeface="나눔바른고딕" pitchFamily="50" charset="-127"/>
                 <a:ea typeface="나눔바른고딕" pitchFamily="50" charset="-127"/>
               </a:rPr>
-              <a:t>, </a:t>
-            </a:r>
-            <a:r>
-              <a:rPr lang="en-US" altLang="ko-KR" sz="2400" dirty="0" err="1" smtClean="0">
+              <a:t>과 </a:t>
+            </a:r>
+            <a:r>
+              <a:rPr lang="en-US" altLang="ko-KR" sz="2000" dirty="0" err="1" smtClean="0">
                 <a:solidFill>
                   <a:schemeClr val="bg1">
                     <a:lumMod val="95000"/>
@@ -7726,7 +11179,7 @@
               <a:t>svn</a:t>
             </a:r>
             <a:r>
-              <a:rPr lang="en-US" altLang="ko-KR" sz="2400" dirty="0" smtClean="0">
+              <a:rPr lang="en-US" altLang="ko-KR" sz="2000" dirty="0" smtClean="0">
                 <a:solidFill>
                   <a:schemeClr val="bg1">
                     <a:lumMod val="95000"/>
@@ -7738,7 +11191,7 @@
               <a:t> </a:t>
             </a:r>
             <a:r>
-              <a:rPr lang="ko-KR" altLang="en-US" sz="2400" dirty="0" smtClean="0">
+              <a:rPr lang="ko-KR" altLang="en-US" sz="2000" dirty="0" smtClean="0">
                 <a:solidFill>
                   <a:schemeClr val="bg1">
                     <a:lumMod val="95000"/>
@@ -7747,10 +11200,10 @@
                 <a:latin typeface="나눔바른고딕" pitchFamily="50" charset="-127"/>
                 <a:ea typeface="나눔바른고딕" pitchFamily="50" charset="-127"/>
               </a:rPr>
-              <a:t>사용목적 </a:t>
-            </a:r>
-            <a:r>
-              <a:rPr lang="en-US" altLang="ko-KR" sz="2400" dirty="0" smtClean="0">
+              <a:t>사용패턴이 </a:t>
+            </a:r>
+            <a:r>
+              <a:rPr lang="ko-KR" altLang="en-US" sz="2000" dirty="0" smtClean="0">
                 <a:solidFill>
                   <a:schemeClr val="bg1">
                     <a:lumMod val="95000"/>
@@ -7759,10 +11212,10 @@
                 <a:latin typeface="나눔바른고딕" pitchFamily="50" charset="-127"/>
                 <a:ea typeface="나눔바른고딕" pitchFamily="50" charset="-127"/>
               </a:rPr>
-              <a:t>(</a:t>
-            </a:r>
-            <a:r>
-              <a:rPr lang="ko-KR" altLang="en-US" sz="2400" dirty="0" smtClean="0">
+              <a:t>같았음</a:t>
+            </a:r>
+            <a:r>
+              <a:rPr lang="en-US" altLang="ko-KR" sz="2000" dirty="0" smtClean="0">
                 <a:solidFill>
                   <a:schemeClr val="bg1">
                     <a:lumMod val="95000"/>
@@ -7771,10 +11224,16 @@
                 <a:latin typeface="나눔바른고딕" pitchFamily="50" charset="-127"/>
                 <a:ea typeface="나눔바른고딕" pitchFamily="50" charset="-127"/>
               </a:rPr>
-              <a:t>사용패턴</a:t>
-            </a:r>
-            <a:r>
-              <a:rPr lang="en-US" altLang="ko-KR" sz="2400" dirty="0" smtClean="0">
+              <a:t>.</a:t>
+            </a:r>
+          </a:p>
+          <a:p>
+            <a:pPr algn="ctr">
+              <a:buFontTx/>
+              <a:buChar char="-"/>
+            </a:pPr>
+            <a:r>
+              <a:rPr lang="ko-KR" altLang="en-US" sz="2000" dirty="0" err="1" smtClean="0">
                 <a:solidFill>
                   <a:schemeClr val="bg1">
                     <a:lumMod val="95000"/>
@@ -7783,10 +11242,10 @@
                 <a:latin typeface="나눔바른고딕" pitchFamily="50" charset="-127"/>
                 <a:ea typeface="나눔바른고딕" pitchFamily="50" charset="-127"/>
               </a:rPr>
-              <a:t>)</a:t>
-            </a:r>
-            <a:r>
-              <a:rPr lang="ko-KR" altLang="en-US" sz="2400" dirty="0" smtClean="0">
+              <a:t>브랜치없이</a:t>
+            </a:r>
+            <a:r>
+              <a:rPr lang="en-US" altLang="ko-KR" sz="2000" dirty="0" smtClean="0">
                 <a:solidFill>
                   <a:schemeClr val="bg1">
                     <a:lumMod val="95000"/>
@@ -7795,10 +11254,10 @@
                 <a:latin typeface="나눔바른고딕" pitchFamily="50" charset="-127"/>
                 <a:ea typeface="나눔바른고딕" pitchFamily="50" charset="-127"/>
               </a:rPr>
-              <a:t>이 같았음</a:t>
-            </a:r>
-            <a:r>
-              <a:rPr lang="en-US" altLang="ko-KR" sz="2400" dirty="0" smtClean="0">
+              <a:t>, </a:t>
+            </a:r>
+            <a:r>
+              <a:rPr lang="ko-KR" altLang="en-US" sz="2000" dirty="0" err="1" smtClean="0">
                 <a:solidFill>
                   <a:schemeClr val="bg1">
                     <a:lumMod val="95000"/>
@@ -7807,10 +11266,10 @@
                 <a:latin typeface="나눔바른고딕" pitchFamily="50" charset="-127"/>
                 <a:ea typeface="나눔바른고딕" pitchFamily="50" charset="-127"/>
               </a:rPr>
-              <a:t>.</a:t>
-            </a:r>
-            <a:br>
-              <a:rPr lang="en-US" altLang="ko-KR" sz="2400" dirty="0" smtClean="0">
+              <a:t>마스터하나만</a:t>
+            </a:r>
+            <a:r>
+              <a:rPr lang="ko-KR" altLang="en-US" sz="2000" dirty="0" smtClean="0">
                 <a:solidFill>
                   <a:schemeClr val="bg1">
                     <a:lumMod val="95000"/>
@@ -7819,9 +11278,10 @@
                 <a:latin typeface="나눔바른고딕" pitchFamily="50" charset="-127"/>
                 <a:ea typeface="나눔바른고딕" pitchFamily="50" charset="-127"/>
               </a:rPr>
-            </a:br>
-            <a:r>
-              <a:rPr lang="en-US" altLang="ko-KR" sz="2400" dirty="0" smtClean="0">
+              <a:t> 가지고 개발 </a:t>
+            </a:r>
+            <a:r>
+              <a:rPr lang="en-US" altLang="ko-KR" sz="2000" dirty="0" smtClean="0">
                 <a:solidFill>
                   <a:schemeClr val="bg1">
                     <a:lumMod val="95000"/>
@@ -7830,10 +11290,10 @@
                 <a:latin typeface="나눔바른고딕" pitchFamily="50" charset="-127"/>
                 <a:ea typeface="나눔바른고딕" pitchFamily="50" charset="-127"/>
               </a:rPr>
-              <a:t>- </a:t>
-            </a:r>
-            <a:r>
-              <a:rPr lang="ko-KR" altLang="en-US" sz="2400" dirty="0" smtClean="0">
+              <a:t/>
+            </a:r>
+            <a:br>
+              <a:rPr lang="en-US" altLang="ko-KR" sz="2000" dirty="0" smtClean="0">
                 <a:solidFill>
                   <a:schemeClr val="bg1">
                     <a:lumMod val="95000"/>
@@ -7842,10 +11302,9 @@
                 <a:latin typeface="나눔바른고딕" pitchFamily="50" charset="-127"/>
                 <a:ea typeface="나눔바른고딕" pitchFamily="50" charset="-127"/>
               </a:rPr>
-              <a:t>같은 행위에 대한 명령어 단계가 감축</a:t>
-            </a:r>
-            <a:r>
-              <a:rPr lang="en-US" altLang="ko-KR" sz="2400" dirty="0" smtClean="0">
+            </a:br>
+            <a:r>
+              <a:rPr lang="en-US" altLang="ko-KR" sz="2000" dirty="0" smtClean="0">
                 <a:solidFill>
                   <a:schemeClr val="bg1">
                     <a:lumMod val="95000"/>
@@ -7854,7 +11313,67 @@
                 <a:latin typeface="나눔바른고딕" pitchFamily="50" charset="-127"/>
                 <a:ea typeface="나눔바른고딕" pitchFamily="50" charset="-127"/>
               </a:rPr>
-              <a:t>.</a:t>
+              <a:t>- </a:t>
+            </a:r>
+            <a:r>
+              <a:rPr lang="en-US" altLang="ko-KR" sz="2000" dirty="0" err="1" smtClean="0">
+                <a:solidFill>
+                  <a:schemeClr val="bg1">
+                    <a:lumMod val="95000"/>
+                  </a:schemeClr>
+                </a:solidFill>
+                <a:latin typeface="나눔바른고딕" pitchFamily="50" charset="-127"/>
+                <a:ea typeface="나눔바른고딕" pitchFamily="50" charset="-127"/>
+              </a:rPr>
+              <a:t>svn</a:t>
+            </a:r>
+            <a:r>
+              <a:rPr lang="ko-KR" altLang="en-US" sz="2000" dirty="0" smtClean="0">
+                <a:solidFill>
+                  <a:schemeClr val="bg1">
+                    <a:lumMod val="95000"/>
+                  </a:schemeClr>
+                </a:solidFill>
+                <a:latin typeface="나눔바른고딕" pitchFamily="50" charset="-127"/>
+                <a:ea typeface="나눔바른고딕" pitchFamily="50" charset="-127"/>
+              </a:rPr>
+              <a:t>에서는 원격 저장소 </a:t>
+            </a:r>
+            <a:r>
+              <a:rPr lang="en-US" altLang="ko-KR" sz="2000" dirty="0" smtClean="0">
+                <a:solidFill>
+                  <a:schemeClr val="bg1">
+                    <a:lumMod val="95000"/>
+                  </a:schemeClr>
+                </a:solidFill>
+                <a:latin typeface="나눔바른고딕" pitchFamily="50" charset="-127"/>
+                <a:ea typeface="나눔바른고딕" pitchFamily="50" charset="-127"/>
+              </a:rPr>
+              <a:t>commit</a:t>
+            </a:r>
+            <a:r>
+              <a:rPr lang="ko-KR" altLang="en-US" sz="2000" dirty="0" smtClean="0">
+                <a:solidFill>
+                  <a:schemeClr val="bg1">
+                    <a:lumMod val="95000"/>
+                  </a:schemeClr>
+                </a:solidFill>
+                <a:latin typeface="나눔바른고딕" pitchFamily="50" charset="-127"/>
+                <a:ea typeface="나눔바른고딕" pitchFamily="50" charset="-127"/>
+              </a:rPr>
+              <a:t>에 대한 단계가 단축</a:t>
+            </a:r>
+            <a:r>
+              <a:rPr lang="en-US" altLang="ko-KR" sz="2400" dirty="0" smtClean="0">
+                <a:solidFill>
+                  <a:schemeClr val="bg1">
+                    <a:lumMod val="95000"/>
+                  </a:schemeClr>
+                </a:solidFill>
+                <a:latin typeface="나눔바른고딕" pitchFamily="50" charset="-127"/>
+                <a:ea typeface="나눔바른고딕" pitchFamily="50" charset="-127"/>
+              </a:rPr>
+              <a:t/>
             </a:r>
             <a:br>
               <a:rPr lang="en-US" altLang="ko-KR" sz="2400" dirty="0" smtClean="0">
@@ -10349,7 +13868,7 @@
         </p:nvPicPr>
         <p:blipFill>
           <a:blip r:embed="rId2" cstate="print"/>
-          <a:srcRect/>
+          <a:srcRect b="4864"/>
           <a:stretch>
             <a:fillRect/>
           </a:stretch>
@@ -10357,7 +13876,7 @@
         <p:spPr bwMode="auto">
           <a:xfrm>
             <a:off x="2483768" y="1419622"/>
-            <a:ext cx="4032448" cy="3027582"/>
+            <a:ext cx="4032448" cy="2880320"/>
           </a:xfrm>
           <a:prstGeom prst="rect">
             <a:avLst/>

--- a/git발표.pptx
+++ b/git발표.pptx
@@ -19,7 +19,10 @@
     <p:sldId id="267" r:id="rId13"/>
     <p:sldId id="268" r:id="rId14"/>
     <p:sldId id="270" r:id="rId15"/>
-    <p:sldId id="269" r:id="rId16"/>
+    <p:sldId id="271" r:id="rId16"/>
+    <p:sldId id="272" r:id="rId17"/>
+    <p:sldId id="273" r:id="rId18"/>
+    <p:sldId id="269" r:id="rId19"/>
   </p:sldIdLst>
   <p:sldSz cx="9144000" cy="5143500" type="screen16x9"/>
   <p:notesSz cx="6858000" cy="9144000"/>
@@ -303,7 +306,7 @@
             <a:fld id="{742871FB-FCC3-4659-BA1C-A89BEC3C9DF3}" type="datetimeFigureOut">
               <a:rPr lang="ko-KR" altLang="en-US" smtClean="0"/>
               <a:pPr/>
-              <a:t>2018-10-08</a:t>
+              <a:t>2018-10-09</a:t>
             </a:fld>
             <a:endParaRPr lang="ko-KR" altLang="en-US"/>
           </a:p>
@@ -470,7 +473,7 @@
             <a:fld id="{742871FB-FCC3-4659-BA1C-A89BEC3C9DF3}" type="datetimeFigureOut">
               <a:rPr lang="ko-KR" altLang="en-US" smtClean="0"/>
               <a:pPr/>
-              <a:t>2018-10-08</a:t>
+              <a:t>2018-10-09</a:t>
             </a:fld>
             <a:endParaRPr lang="ko-KR" altLang="en-US"/>
           </a:p>
@@ -647,7 +650,7 @@
             <a:fld id="{742871FB-FCC3-4659-BA1C-A89BEC3C9DF3}" type="datetimeFigureOut">
               <a:rPr lang="ko-KR" altLang="en-US" smtClean="0"/>
               <a:pPr/>
-              <a:t>2018-10-08</a:t>
+              <a:t>2018-10-09</a:t>
             </a:fld>
             <a:endParaRPr lang="ko-KR" altLang="en-US"/>
           </a:p>
@@ -814,7 +817,7 @@
             <a:fld id="{742871FB-FCC3-4659-BA1C-A89BEC3C9DF3}" type="datetimeFigureOut">
               <a:rPr lang="ko-KR" altLang="en-US" smtClean="0"/>
               <a:pPr/>
-              <a:t>2018-10-08</a:t>
+              <a:t>2018-10-09</a:t>
             </a:fld>
             <a:endParaRPr lang="ko-KR" altLang="en-US"/>
           </a:p>
@@ -1057,7 +1060,7 @@
             <a:fld id="{742871FB-FCC3-4659-BA1C-A89BEC3C9DF3}" type="datetimeFigureOut">
               <a:rPr lang="ko-KR" altLang="en-US" smtClean="0"/>
               <a:pPr/>
-              <a:t>2018-10-08</a:t>
+              <a:t>2018-10-09</a:t>
             </a:fld>
             <a:endParaRPr lang="ko-KR" altLang="en-US"/>
           </a:p>
@@ -1342,7 +1345,7 @@
             <a:fld id="{742871FB-FCC3-4659-BA1C-A89BEC3C9DF3}" type="datetimeFigureOut">
               <a:rPr lang="ko-KR" altLang="en-US" smtClean="0"/>
               <a:pPr/>
-              <a:t>2018-10-08</a:t>
+              <a:t>2018-10-09</a:t>
             </a:fld>
             <a:endParaRPr lang="ko-KR" altLang="en-US"/>
           </a:p>
@@ -1761,7 +1764,7 @@
             <a:fld id="{742871FB-FCC3-4659-BA1C-A89BEC3C9DF3}" type="datetimeFigureOut">
               <a:rPr lang="ko-KR" altLang="en-US" smtClean="0"/>
               <a:pPr/>
-              <a:t>2018-10-08</a:t>
+              <a:t>2018-10-09</a:t>
             </a:fld>
             <a:endParaRPr lang="ko-KR" altLang="en-US"/>
           </a:p>
@@ -1876,7 +1879,7 @@
             <a:fld id="{742871FB-FCC3-4659-BA1C-A89BEC3C9DF3}" type="datetimeFigureOut">
               <a:rPr lang="ko-KR" altLang="en-US" smtClean="0"/>
               <a:pPr/>
-              <a:t>2018-10-08</a:t>
+              <a:t>2018-10-09</a:t>
             </a:fld>
             <a:endParaRPr lang="ko-KR" altLang="en-US"/>
           </a:p>
@@ -1968,7 +1971,7 @@
             <a:fld id="{742871FB-FCC3-4659-BA1C-A89BEC3C9DF3}" type="datetimeFigureOut">
               <a:rPr lang="ko-KR" altLang="en-US" smtClean="0"/>
               <a:pPr/>
-              <a:t>2018-10-08</a:t>
+              <a:t>2018-10-09</a:t>
             </a:fld>
             <a:endParaRPr lang="ko-KR" altLang="en-US"/>
           </a:p>
@@ -2242,7 +2245,7 @@
             <a:fld id="{742871FB-FCC3-4659-BA1C-A89BEC3C9DF3}" type="datetimeFigureOut">
               <a:rPr lang="ko-KR" altLang="en-US" smtClean="0"/>
               <a:pPr/>
-              <a:t>2018-10-08</a:t>
+              <a:t>2018-10-09</a:t>
             </a:fld>
             <a:endParaRPr lang="ko-KR" altLang="en-US"/>
           </a:p>
@@ -2492,7 +2495,7 @@
             <a:fld id="{742871FB-FCC3-4659-BA1C-A89BEC3C9DF3}" type="datetimeFigureOut">
               <a:rPr lang="ko-KR" altLang="en-US" smtClean="0"/>
               <a:pPr/>
-              <a:t>2018-10-08</a:t>
+              <a:t>2018-10-09</a:t>
             </a:fld>
             <a:endParaRPr lang="ko-KR" altLang="en-US"/>
           </a:p>
@@ -2707,7 +2710,7 @@
             <a:fld id="{742871FB-FCC3-4659-BA1C-A89BEC3C9DF3}" type="datetimeFigureOut">
               <a:rPr lang="ko-KR" altLang="en-US" smtClean="0"/>
               <a:pPr/>
-              <a:t>2018-10-08</a:t>
+              <a:t>2018-10-09</a:t>
             </a:fld>
             <a:endParaRPr lang="ko-KR" altLang="en-US"/>
           </a:p>
@@ -5740,13 +5743,6 @@
               </a:rPr>
               <a:t>.</a:t>
             </a:r>
-            <a:endParaRPr lang="en-US" altLang="ko-KR" dirty="0" smtClean="0">
-              <a:solidFill>
-                <a:schemeClr val="bg1"/>
-              </a:solidFill>
-              <a:latin typeface="나눔바른고딕" pitchFamily="50" charset="-127"/>
-              <a:ea typeface="나눔바른고딕" pitchFamily="50" charset="-127"/>
-            </a:endParaRPr>
           </a:p>
           <a:p>
             <a:pPr marL="342900" indent="-342900">
@@ -5979,13 +5975,6 @@
               </a:rPr>
               <a:t>”</a:t>
             </a:r>
-            <a:endParaRPr lang="en-US" altLang="ko-KR" dirty="0" smtClean="0">
-              <a:solidFill>
-                <a:schemeClr val="bg1"/>
-              </a:solidFill>
-              <a:latin typeface="나눔바른고딕" pitchFamily="50" charset="-127"/>
-              <a:ea typeface="나눔바른고딕" pitchFamily="50" charset="-127"/>
-            </a:endParaRPr>
           </a:p>
           <a:p>
             <a:pPr marL="342900" indent="-342900">
@@ -6751,35 +6740,42 @@
                 <a:latin typeface="나눔바른고딕" pitchFamily="50" charset="-127"/>
                 <a:ea typeface="나눔바른고딕" pitchFamily="50" charset="-127"/>
               </a:rPr>
-              <a:t>개</a:t>
+              <a:t>개발 </a:t>
+            </a:r>
+            <a:r>
+              <a:rPr lang="en-US" altLang="ko-KR" sz="1400" dirty="0" smtClean="0">
+                <a:latin typeface="나눔바른고딕" pitchFamily="50" charset="-127"/>
+                <a:ea typeface="나눔바른고딕" pitchFamily="50" charset="-127"/>
+              </a:rPr>
+              <a:t>: </a:t>
             </a:r>
             <a:r>
               <a:rPr lang="ko-KR" altLang="en-US" sz="1400" dirty="0" smtClean="0">
                 <a:latin typeface="나눔바른고딕" pitchFamily="50" charset="-127"/>
                 <a:ea typeface="나눔바른고딕" pitchFamily="50" charset="-127"/>
               </a:rPr>
-              <a:t>발</a:t>
+              <a:t>관련된 파일들을 </a:t>
             </a:r>
             <a:r>
               <a:rPr lang="ko-KR" altLang="en-US" sz="1400" dirty="0" smtClean="0">
                 <a:latin typeface="나눔바른고딕" pitchFamily="50" charset="-127"/>
                 <a:ea typeface="나눔바른고딕" pitchFamily="50" charset="-127"/>
               </a:rPr>
+              <a:t>색출</a:t>
+            </a:r>
+            <a:r>
+              <a:rPr lang="en-US" altLang="ko-KR" sz="1400" dirty="0" smtClean="0">
+                <a:latin typeface="나눔바른고딕" pitchFamily="50" charset="-127"/>
+                <a:ea typeface="나눔바른고딕" pitchFamily="50" charset="-127"/>
+              </a:rPr>
+              <a:t>,</a:t>
+            </a:r>
+            <a:r>
+              <a:rPr lang="ko-KR" altLang="en-US" sz="1400" dirty="0" smtClean="0">
+                <a:latin typeface="나눔바른고딕" pitchFamily="50" charset="-127"/>
+                <a:ea typeface="나눔바른고딕" pitchFamily="50" charset="-127"/>
+              </a:rPr>
               <a:t> </a:t>
-            </a:r>
-            <a:r>
-              <a:rPr lang="en-US" altLang="ko-KR" sz="1400" dirty="0" smtClean="0">
-                <a:latin typeface="나눔바른고딕" pitchFamily="50" charset="-127"/>
-                <a:ea typeface="나눔바른고딕" pitchFamily="50" charset="-127"/>
-              </a:rPr>
-              <a:t>: </a:t>
-            </a:r>
-            <a:r>
-              <a:rPr lang="ko-KR" altLang="en-US" sz="1400" dirty="0" smtClean="0">
-                <a:latin typeface="나눔바른고딕" pitchFamily="50" charset="-127"/>
-                <a:ea typeface="나눔바른고딕" pitchFamily="50" charset="-127"/>
-              </a:rPr>
-              <a:t>관련된 파일들을 찾고 </a:t>
             </a:r>
             <a:r>
               <a:rPr lang="ko-KR" altLang="en-US" sz="1400" dirty="0" err="1" smtClean="0">
@@ -7592,7 +7588,11 @@
           <a:lstStyle/>
           <a:p>
             <a:pPr algn="ctr"/>
-            <a:endParaRPr lang="ko-KR" altLang="en-US" sz="1600"/>
+            <a:r>
+              <a:rPr lang="ko-KR" altLang="en-US" sz="1600" dirty="0" err="1" smtClean="0"/>
+              <a:t>ㄴ</a:t>
+            </a:r>
+            <a:endParaRPr lang="ko-KR" altLang="en-US" sz="1600" dirty="0"/>
           </a:p>
         </p:txBody>
       </p:sp>
@@ -7940,14 +7940,44 @@
       </p:sp>
       <p:sp>
         <p:nvSpPr>
-          <p:cNvPr id="25" name="TextBox 24"/>
+          <p:cNvPr id="2054" name="AutoShape 6" descr="ì  ê°ì ëí ì´ë¯¸ì§ ê²ìê²°ê³¼"/>
+          <p:cNvSpPr>
+            <a:spLocks noChangeAspect="1" noChangeArrowheads="1"/>
+          </p:cNvSpPr>
+          <p:nvPr/>
+        </p:nvSpPr>
+        <p:spPr bwMode="auto">
+          <a:xfrm>
+            <a:off x="168275" y="-144463"/>
+            <a:ext cx="304800" cy="304801"/>
+          </a:xfrm>
+          <a:prstGeom prst="rect">
+            <a:avLst/>
+          </a:prstGeom>
+          <a:noFill/>
+        </p:spPr>
+        <p:txBody>
+          <a:bodyPr vert="horz" wrap="square" lIns="91440" tIns="45720" rIns="91440" bIns="45720" numCol="1" anchor="t" anchorCtr="0" compatLnSpc="1">
+            <a:prstTxWarp prst="textNoShape">
+              <a:avLst/>
+            </a:prstTxWarp>
+          </a:bodyPr>
+          <a:lstStyle/>
+          <a:p>
+            <a:endParaRPr lang="ko-KR" altLang="en-US"/>
+          </a:p>
+        </p:txBody>
+      </p:sp>
+      <p:sp>
+        <p:nvSpPr>
+          <p:cNvPr id="22" name="TextBox 21"/>
           <p:cNvSpPr txBox="1"/>
           <p:nvPr/>
         </p:nvSpPr>
         <p:spPr>
           <a:xfrm>
-            <a:off x="899592" y="1059582"/>
-            <a:ext cx="4896544" cy="646331"/>
+            <a:off x="899592" y="1205339"/>
+            <a:ext cx="7704856" cy="369332"/>
           </a:xfrm>
           <a:prstGeom prst="rect">
             <a:avLst/>
@@ -7960,7 +7990,17 @@
           </a:bodyPr>
           <a:lstStyle/>
           <a:p>
-            <a:pPr marL="342900" indent="-342900"/>
+            <a:pPr algn="ctr"/>
+            <a:r>
+              <a:rPr lang="ko-KR" altLang="en-US" dirty="0" smtClean="0">
+                <a:solidFill>
+                  <a:schemeClr val="bg1"/>
+                </a:solidFill>
+                <a:latin typeface="나눔바른고딕" pitchFamily="50" charset="-127"/>
+                <a:ea typeface="나눔바른고딕" pitchFamily="50" charset="-127"/>
+              </a:rPr>
+              <a:t> </a:t>
+            </a:r>
             <a:r>
               <a:rPr lang="en-US" altLang="ko-KR" dirty="0" smtClean="0">
                 <a:solidFill>
@@ -7969,7 +8009,7 @@
                 <a:latin typeface="나눔바른고딕" pitchFamily="50" charset="-127"/>
                 <a:ea typeface="나눔바른고딕" pitchFamily="50" charset="-127"/>
               </a:rPr>
-              <a:t>1. </a:t>
+              <a:t>1. Save </a:t>
             </a:r>
             <a:r>
               <a:rPr lang="ko-KR" altLang="en-US" dirty="0" smtClean="0">
@@ -7979,7 +8019,7 @@
                 <a:latin typeface="나눔바른고딕" pitchFamily="50" charset="-127"/>
                 <a:ea typeface="나눔바른고딕" pitchFamily="50" charset="-127"/>
               </a:rPr>
-              <a:t>돌아갈 수 있다</a:t>
+              <a:t>시점</a:t>
             </a:r>
             <a:r>
               <a:rPr lang="en-US" altLang="ko-KR" dirty="0" smtClean="0">
@@ -7989,7 +8029,27 @@
                 <a:latin typeface="나눔바른고딕" pitchFamily="50" charset="-127"/>
                 <a:ea typeface="나눔바른고딕" pitchFamily="50" charset="-127"/>
               </a:rPr>
-              <a:t>. </a:t>
+              <a:t>(</a:t>
+            </a:r>
+            <a:r>
+              <a:rPr lang="en-US" altLang="ko-KR" dirty="0" smtClean="0">
+                <a:solidFill>
+                  <a:schemeClr val="bg1"/>
+                </a:solidFill>
+                <a:latin typeface="나눔바른고딕" pitchFamily="50" charset="-127"/>
+                <a:ea typeface="나눔바른고딕" pitchFamily="50" charset="-127"/>
+              </a:rPr>
+              <a:t>branch, tag</a:t>
+            </a:r>
+            <a:r>
+              <a:rPr lang="en-US" altLang="ko-KR" dirty="0" smtClean="0">
+                <a:solidFill>
+                  <a:schemeClr val="bg1"/>
+                </a:solidFill>
+                <a:latin typeface="나눔바른고딕" pitchFamily="50" charset="-127"/>
+                <a:ea typeface="나눔바른고딕" pitchFamily="50" charset="-127"/>
+              </a:rPr>
+              <a:t>)</a:t>
             </a:r>
             <a:r>
               <a:rPr lang="ko-KR" altLang="en-US" dirty="0" smtClean="0">
@@ -7999,35 +8059,2542 @@
                 <a:latin typeface="나눔바른고딕" pitchFamily="50" charset="-127"/>
                 <a:ea typeface="나눔바른고딕" pitchFamily="50" charset="-127"/>
               </a:rPr>
-              <a:t>즉</a:t>
-            </a:r>
-            <a:r>
-              <a:rPr lang="ko-KR" altLang="en-US" dirty="0" smtClean="0">
+              <a:t>으로 즉시 돌아갈 수 있다</a:t>
+            </a:r>
+            <a:r>
+              <a:rPr lang="en-US" altLang="ko-KR" dirty="0" smtClean="0">
                 <a:solidFill>
                   <a:schemeClr val="bg1"/>
                 </a:solidFill>
                 <a:latin typeface="나눔바른고딕" pitchFamily="50" charset="-127"/>
                 <a:ea typeface="나눔바른고딕" pitchFamily="50" charset="-127"/>
               </a:rPr>
-              <a:t>시</a:t>
-            </a:r>
-            <a:r>
-              <a:rPr lang="en-US" altLang="ko-KR" dirty="0" smtClean="0">
-                <a:solidFill>
-                  <a:schemeClr val="bg1"/>
-                </a:solidFill>
-                <a:latin typeface="나눔바른고딕" pitchFamily="50" charset="-127"/>
-                <a:ea typeface="나눔바른고딕" pitchFamily="50" charset="-127"/>
-              </a:rPr>
-              <a:t> </a:t>
-            </a:r>
-            <a:endParaRPr lang="en-US" altLang="ko-KR" dirty="0" smtClean="0">
+              <a:t>.(checkout)</a:t>
+            </a:r>
+            <a:endParaRPr lang="ko-KR" altLang="en-US" dirty="0">
               <a:solidFill>
                 <a:schemeClr val="bg1"/>
               </a:solidFill>
               <a:latin typeface="나눔바른고딕" pitchFamily="50" charset="-127"/>
               <a:ea typeface="나눔바른고딕" pitchFamily="50" charset="-127"/>
             </a:endParaRPr>
+          </a:p>
+        </p:txBody>
+      </p:sp>
+      <p:pic>
+        <p:nvPicPr>
+          <p:cNvPr id="1026" name="Picture 2"/>
+          <p:cNvPicPr>
+            <a:picLocks noChangeAspect="1" noChangeArrowheads="1"/>
+          </p:cNvPicPr>
+          <p:nvPr/>
+        </p:nvPicPr>
+        <p:blipFill>
+          <a:blip r:embed="rId2" cstate="print"/>
+          <a:srcRect/>
+          <a:stretch>
+            <a:fillRect/>
+          </a:stretch>
+        </p:blipFill>
+        <p:spPr bwMode="auto">
+          <a:xfrm>
+            <a:off x="2267744" y="1779662"/>
+            <a:ext cx="4687721" cy="2232248"/>
+          </a:xfrm>
+          <a:prstGeom prst="rect">
+            <a:avLst/>
+          </a:prstGeom>
+          <a:ln>
+            <a:noFill/>
+          </a:ln>
+          <a:effectLst>
+            <a:outerShdw blurRad="190500" algn="tl" rotWithShape="0">
+              <a:srgbClr val="000000">
+                <a:alpha val="70000"/>
+              </a:srgbClr>
+            </a:outerShdw>
+          </a:effectLst>
+        </p:spPr>
+      </p:pic>
+    </p:spTree>
+  </p:cSld>
+  <p:clrMapOvr>
+    <a:masterClrMapping/>
+  </p:clrMapOvr>
+  <p:timing>
+    <p:tnLst>
+      <p:par>
+        <p:cTn id="1" dur="indefinite" restart="never" nodeType="tmRoot"/>
+      </p:par>
+    </p:tnLst>
+  </p:timing>
+</p:sld>
+</file>
+
+<file path=ppt/slides/slide16.xml><?xml version="1.0" encoding="utf-8"?>
+<p:sld xmlns:a="http://schemas.openxmlformats.org/drawingml/2006/main" xmlns:r="http://schemas.openxmlformats.org/officeDocument/2006/relationships" xmlns:p="http://schemas.openxmlformats.org/presentationml/2006/main">
+  <p:cSld>
+    <p:spTree>
+      <p:nvGrpSpPr>
+        <p:cNvPr id="1" name=""/>
+        <p:cNvGrpSpPr/>
+        <p:nvPr/>
+      </p:nvGrpSpPr>
+      <p:grpSpPr>
+        <a:xfrm>
+          <a:off x="0" y="0"/>
+          <a:ext cx="0" cy="0"/>
+          <a:chOff x="0" y="0"/>
+          <a:chExt cx="0" cy="0"/>
+        </a:xfrm>
+      </p:grpSpPr>
+      <p:sp>
+        <p:nvSpPr>
+          <p:cNvPr id="16" name="평행 사변형 15"/>
+          <p:cNvSpPr/>
+          <p:nvPr/>
+        </p:nvSpPr>
+        <p:spPr>
+          <a:xfrm rot="16200000">
+            <a:off x="2000251" y="-2000251"/>
+            <a:ext cx="5143500" cy="9144001"/>
+          </a:xfrm>
+          <a:prstGeom prst="parallelogram">
+            <a:avLst>
+              <a:gd name="adj" fmla="val 7753"/>
+            </a:avLst>
+          </a:prstGeom>
+          <a:solidFill>
+            <a:srgbClr val="473F3D"/>
+          </a:solidFill>
+          <a:ln>
+            <a:noFill/>
+          </a:ln>
+        </p:spPr>
+        <p:style>
+          <a:lnRef idx="2">
+            <a:schemeClr val="accent1">
+              <a:shade val="50000"/>
+            </a:schemeClr>
+          </a:lnRef>
+          <a:fillRef idx="1">
+            <a:schemeClr val="accent1"/>
+          </a:fillRef>
+          <a:effectRef idx="0">
+            <a:schemeClr val="accent1"/>
+          </a:effectRef>
+          <a:fontRef idx="minor">
+            <a:schemeClr val="lt1"/>
+          </a:fontRef>
+        </p:style>
+        <p:txBody>
+          <a:bodyPr rtlCol="0" anchor="ctr"/>
+          <a:lstStyle/>
+          <a:p>
+            <a:pPr algn="ctr"/>
+            <a:r>
+              <a:rPr lang="ko-KR" altLang="en-US" sz="1600" dirty="0" err="1" smtClean="0"/>
+              <a:t>ㄴ</a:t>
+            </a:r>
+            <a:endParaRPr lang="ko-KR" altLang="en-US" sz="1600" dirty="0"/>
+          </a:p>
+        </p:txBody>
+      </p:sp>
+      <p:cxnSp>
+        <p:nvCxnSpPr>
+          <p:cNvPr id="11" name="직선 연결선 10"/>
+          <p:cNvCxnSpPr/>
+          <p:nvPr/>
+        </p:nvCxnSpPr>
+        <p:spPr>
+          <a:xfrm>
+            <a:off x="539552" y="915566"/>
+            <a:ext cx="8136904" cy="0"/>
+          </a:xfrm>
+          <a:prstGeom prst="line">
+            <a:avLst/>
+          </a:prstGeom>
+          <a:ln w="12700">
+            <a:solidFill>
+              <a:schemeClr val="bg1"/>
+            </a:solidFill>
+          </a:ln>
+        </p:spPr>
+        <p:style>
+          <a:lnRef idx="1">
+            <a:schemeClr val="accent1"/>
+          </a:lnRef>
+          <a:fillRef idx="0">
+            <a:schemeClr val="accent1"/>
+          </a:fillRef>
+          <a:effectRef idx="0">
+            <a:schemeClr val="accent1"/>
+          </a:effectRef>
+          <a:fontRef idx="minor">
+            <a:schemeClr val="tx1"/>
+          </a:fontRef>
+        </p:style>
+      </p:cxnSp>
+      <p:cxnSp>
+        <p:nvCxnSpPr>
+          <p:cNvPr id="12" name="직선 연결선 11"/>
+          <p:cNvCxnSpPr/>
+          <p:nvPr/>
+        </p:nvCxnSpPr>
+        <p:spPr>
+          <a:xfrm>
+            <a:off x="467544" y="4299942"/>
+            <a:ext cx="8136904" cy="0"/>
+          </a:xfrm>
+          <a:prstGeom prst="line">
+            <a:avLst/>
+          </a:prstGeom>
+          <a:ln w="12700">
+            <a:solidFill>
+              <a:schemeClr val="bg1"/>
+            </a:solidFill>
+          </a:ln>
+        </p:spPr>
+        <p:style>
+          <a:lnRef idx="1">
+            <a:schemeClr val="accent1"/>
+          </a:lnRef>
+          <a:fillRef idx="0">
+            <a:schemeClr val="accent1"/>
+          </a:fillRef>
+          <a:effectRef idx="0">
+            <a:schemeClr val="accent1"/>
+          </a:effectRef>
+          <a:fontRef idx="minor">
+            <a:schemeClr val="tx1"/>
+          </a:fontRef>
+        </p:style>
+      </p:cxnSp>
+      <p:cxnSp>
+        <p:nvCxnSpPr>
+          <p:cNvPr id="14" name="직선 연결선 13"/>
+          <p:cNvCxnSpPr/>
+          <p:nvPr/>
+        </p:nvCxnSpPr>
+        <p:spPr>
+          <a:xfrm>
+            <a:off x="467544" y="915566"/>
+            <a:ext cx="8208912" cy="0"/>
+          </a:xfrm>
+          <a:prstGeom prst="line">
+            <a:avLst/>
+          </a:prstGeom>
+          <a:ln w="12700">
+            <a:solidFill>
+              <a:schemeClr val="bg1"/>
+            </a:solidFill>
+          </a:ln>
+        </p:spPr>
+        <p:style>
+          <a:lnRef idx="1">
+            <a:schemeClr val="accent1"/>
+          </a:lnRef>
+          <a:fillRef idx="0">
+            <a:schemeClr val="accent1"/>
+          </a:fillRef>
+          <a:effectRef idx="0">
+            <a:schemeClr val="accent1"/>
+          </a:effectRef>
+          <a:fontRef idx="minor">
+            <a:schemeClr val="tx1"/>
+          </a:fontRef>
+        </p:style>
+      </p:cxnSp>
+      <p:cxnSp>
+        <p:nvCxnSpPr>
+          <p:cNvPr id="15" name="직선 연결선 14"/>
+          <p:cNvCxnSpPr/>
+          <p:nvPr/>
+        </p:nvCxnSpPr>
+        <p:spPr>
+          <a:xfrm>
+            <a:off x="467544" y="4299942"/>
+            <a:ext cx="8208912" cy="0"/>
+          </a:xfrm>
+          <a:prstGeom prst="line">
+            <a:avLst/>
+          </a:prstGeom>
+          <a:ln w="12700">
+            <a:solidFill>
+              <a:schemeClr val="bg1"/>
+            </a:solidFill>
+          </a:ln>
+        </p:spPr>
+        <p:style>
+          <a:lnRef idx="1">
+            <a:schemeClr val="accent1"/>
+          </a:lnRef>
+          <a:fillRef idx="0">
+            <a:schemeClr val="accent1"/>
+          </a:fillRef>
+          <a:effectRef idx="0">
+            <a:schemeClr val="accent1"/>
+          </a:effectRef>
+          <a:fontRef idx="minor">
+            <a:schemeClr val="tx1"/>
+          </a:fontRef>
+        </p:style>
+      </p:cxnSp>
+      <p:sp>
+        <p:nvSpPr>
+          <p:cNvPr id="14344" name="AutoShape 8" descr="ê´ë ¨ ì´ë¯¸ì§"/>
+          <p:cNvSpPr>
+            <a:spLocks noChangeAspect="1" noChangeArrowheads="1"/>
+          </p:cNvSpPr>
+          <p:nvPr/>
+        </p:nvSpPr>
+        <p:spPr bwMode="auto">
+          <a:xfrm>
+            <a:off x="168275" y="-136525"/>
+            <a:ext cx="298450" cy="298450"/>
+          </a:xfrm>
+          <a:prstGeom prst="rect">
+            <a:avLst/>
+          </a:prstGeom>
+          <a:noFill/>
+        </p:spPr>
+        <p:txBody>
+          <a:bodyPr vert="horz" wrap="square" lIns="91440" tIns="45720" rIns="91440" bIns="45720" numCol="1" anchor="t" anchorCtr="0" compatLnSpc="1">
+            <a:prstTxWarp prst="textNoShape">
+              <a:avLst/>
+            </a:prstTxWarp>
+          </a:bodyPr>
+          <a:lstStyle/>
+          <a:p>
+            <a:endParaRPr lang="ko-KR" altLang="en-US"/>
+          </a:p>
+        </p:txBody>
+      </p:sp>
+      <p:sp>
+        <p:nvSpPr>
+          <p:cNvPr id="14346" name="AutoShape 10" descr="ê´ë ¨ ì´ë¯¸ì§"/>
+          <p:cNvSpPr>
+            <a:spLocks noChangeAspect="1" noChangeArrowheads="1"/>
+          </p:cNvSpPr>
+          <p:nvPr/>
+        </p:nvSpPr>
+        <p:spPr bwMode="auto">
+          <a:xfrm>
+            <a:off x="168275" y="-136525"/>
+            <a:ext cx="298450" cy="298450"/>
+          </a:xfrm>
+          <a:prstGeom prst="rect">
+            <a:avLst/>
+          </a:prstGeom>
+          <a:noFill/>
+        </p:spPr>
+        <p:txBody>
+          <a:bodyPr vert="horz" wrap="square" lIns="91440" tIns="45720" rIns="91440" bIns="45720" numCol="1" anchor="t" anchorCtr="0" compatLnSpc="1">
+            <a:prstTxWarp prst="textNoShape">
+              <a:avLst/>
+            </a:prstTxWarp>
+          </a:bodyPr>
+          <a:lstStyle/>
+          <a:p>
+            <a:endParaRPr lang="ko-KR" altLang="en-US"/>
+          </a:p>
+        </p:txBody>
+      </p:sp>
+      <p:sp>
+        <p:nvSpPr>
+          <p:cNvPr id="14348" name="AutoShape 12" descr="ê´ë ¨ ì´ë¯¸ì§"/>
+          <p:cNvSpPr>
+            <a:spLocks noChangeAspect="1" noChangeArrowheads="1"/>
+          </p:cNvSpPr>
+          <p:nvPr/>
+        </p:nvSpPr>
+        <p:spPr bwMode="auto">
+          <a:xfrm>
+            <a:off x="168275" y="-136525"/>
+            <a:ext cx="298450" cy="298450"/>
+          </a:xfrm>
+          <a:prstGeom prst="rect">
+            <a:avLst/>
+          </a:prstGeom>
+          <a:noFill/>
+        </p:spPr>
+        <p:txBody>
+          <a:bodyPr vert="horz" wrap="square" lIns="91440" tIns="45720" rIns="91440" bIns="45720" numCol="1" anchor="t" anchorCtr="0" compatLnSpc="1">
+            <a:prstTxWarp prst="textNoShape">
+              <a:avLst/>
+            </a:prstTxWarp>
+          </a:bodyPr>
+          <a:lstStyle/>
+          <a:p>
+            <a:endParaRPr lang="ko-KR" altLang="en-US"/>
+          </a:p>
+        </p:txBody>
+      </p:sp>
+      <p:sp>
+        <p:nvSpPr>
+          <p:cNvPr id="14350" name="AutoShape 14" descr="ê´ë ¨ ì´ë¯¸ì§"/>
+          <p:cNvSpPr>
+            <a:spLocks noChangeAspect="1" noChangeArrowheads="1"/>
+          </p:cNvSpPr>
+          <p:nvPr/>
+        </p:nvSpPr>
+        <p:spPr bwMode="auto">
+          <a:xfrm>
+            <a:off x="168275" y="-136525"/>
+            <a:ext cx="298450" cy="298450"/>
+          </a:xfrm>
+          <a:prstGeom prst="rect">
+            <a:avLst/>
+          </a:prstGeom>
+          <a:noFill/>
+        </p:spPr>
+        <p:txBody>
+          <a:bodyPr vert="horz" wrap="square" lIns="91440" tIns="45720" rIns="91440" bIns="45720" numCol="1" anchor="t" anchorCtr="0" compatLnSpc="1">
+            <a:prstTxWarp prst="textNoShape">
+              <a:avLst/>
+            </a:prstTxWarp>
+          </a:bodyPr>
+          <a:lstStyle/>
+          <a:p>
+            <a:endParaRPr lang="ko-KR" altLang="en-US"/>
+          </a:p>
+        </p:txBody>
+      </p:sp>
+      <p:sp>
+        <p:nvSpPr>
+          <p:cNvPr id="27" name="TextBox 26"/>
+          <p:cNvSpPr txBox="1"/>
+          <p:nvPr/>
+        </p:nvSpPr>
+        <p:spPr>
+          <a:xfrm>
+            <a:off x="611560" y="483518"/>
+            <a:ext cx="6552728" cy="461665"/>
+          </a:xfrm>
+          <a:prstGeom prst="rect">
+            <a:avLst/>
+          </a:prstGeom>
+          <a:noFill/>
+        </p:spPr>
+        <p:txBody>
+          <a:bodyPr wrap="square" rtlCol="0">
+            <a:spAutoFit/>
+          </a:bodyPr>
+          <a:lstStyle/>
+          <a:p>
+            <a:r>
+              <a:rPr lang="en-US" altLang="ko-KR" sz="2400" dirty="0" smtClean="0">
+                <a:solidFill>
+                  <a:schemeClr val="bg1">
+                    <a:lumMod val="95000"/>
+                  </a:schemeClr>
+                </a:solidFill>
+                <a:latin typeface="나눔바른고딕" pitchFamily="50" charset="-127"/>
+                <a:ea typeface="나눔바른고딕" pitchFamily="50" charset="-127"/>
+              </a:rPr>
+              <a:t>1-3. </a:t>
+            </a:r>
+            <a:r>
+              <a:rPr lang="en-US" altLang="ko-KR" sz="2400" dirty="0" err="1" smtClean="0">
+                <a:solidFill>
+                  <a:schemeClr val="bg1">
+                    <a:lumMod val="95000"/>
+                  </a:schemeClr>
+                </a:solidFill>
+                <a:latin typeface="나눔바른고딕" pitchFamily="50" charset="-127"/>
+                <a:ea typeface="나눔바른고딕" pitchFamily="50" charset="-127"/>
+              </a:rPr>
+              <a:t>git</a:t>
+            </a:r>
+            <a:r>
+              <a:rPr lang="en-US" altLang="ko-KR" sz="2400" dirty="0" smtClean="0">
+                <a:solidFill>
+                  <a:schemeClr val="bg1">
+                    <a:lumMod val="95000"/>
+                  </a:schemeClr>
+                </a:solidFill>
+                <a:latin typeface="나눔바른고딕" pitchFamily="50" charset="-127"/>
+                <a:ea typeface="나눔바른고딕" pitchFamily="50" charset="-127"/>
+              </a:rPr>
+              <a:t> </a:t>
+            </a:r>
+            <a:r>
+              <a:rPr lang="ko-KR" altLang="en-US" sz="2400" dirty="0" err="1" smtClean="0">
+                <a:solidFill>
+                  <a:schemeClr val="bg1">
+                    <a:lumMod val="95000"/>
+                  </a:schemeClr>
+                </a:solidFill>
+                <a:latin typeface="나눔바른고딕" pitchFamily="50" charset="-127"/>
+                <a:ea typeface="나눔바른고딕" pitchFamily="50" charset="-127"/>
+              </a:rPr>
+              <a:t>브랜치</a:t>
+            </a:r>
+            <a:endParaRPr lang="ko-KR" altLang="en-US" sz="2400" dirty="0">
+              <a:solidFill>
+                <a:schemeClr val="bg1">
+                  <a:lumMod val="95000"/>
+                </a:schemeClr>
+              </a:solidFill>
+              <a:latin typeface="나눔바른고딕" pitchFamily="50" charset="-127"/>
+              <a:ea typeface="나눔바른고딕" pitchFamily="50" charset="-127"/>
+            </a:endParaRPr>
+          </a:p>
+        </p:txBody>
+      </p:sp>
+      <p:sp>
+        <p:nvSpPr>
+          <p:cNvPr id="2054" name="AutoShape 6" descr="ì  ê°ì ëí ì´ë¯¸ì§ ê²ìê²°ê³¼"/>
+          <p:cNvSpPr>
+            <a:spLocks noChangeAspect="1" noChangeArrowheads="1"/>
+          </p:cNvSpPr>
+          <p:nvPr/>
+        </p:nvSpPr>
+        <p:spPr bwMode="auto">
+          <a:xfrm>
+            <a:off x="168275" y="-144463"/>
+            <a:ext cx="304800" cy="304801"/>
+          </a:xfrm>
+          <a:prstGeom prst="rect">
+            <a:avLst/>
+          </a:prstGeom>
+          <a:noFill/>
+        </p:spPr>
+        <p:txBody>
+          <a:bodyPr vert="horz" wrap="square" lIns="91440" tIns="45720" rIns="91440" bIns="45720" numCol="1" anchor="t" anchorCtr="0" compatLnSpc="1">
+            <a:prstTxWarp prst="textNoShape">
+              <a:avLst/>
+            </a:prstTxWarp>
+          </a:bodyPr>
+          <a:lstStyle/>
+          <a:p>
+            <a:endParaRPr lang="ko-KR" altLang="en-US"/>
+          </a:p>
+        </p:txBody>
+      </p:sp>
+      <p:sp>
+        <p:nvSpPr>
+          <p:cNvPr id="22" name="TextBox 21"/>
+          <p:cNvSpPr txBox="1"/>
+          <p:nvPr/>
+        </p:nvSpPr>
+        <p:spPr>
+          <a:xfrm>
+            <a:off x="683568" y="1203598"/>
+            <a:ext cx="7704856" cy="369332"/>
+          </a:xfrm>
+          <a:prstGeom prst="rect">
+            <a:avLst/>
+          </a:prstGeom>
+          <a:noFill/>
+        </p:spPr>
+        <p:txBody>
+          <a:bodyPr wrap="square" rtlCol="0">
+            <a:spAutoFit/>
+          </a:bodyPr>
+          <a:lstStyle/>
+          <a:p>
+            <a:pPr algn="ctr"/>
+            <a:r>
+              <a:rPr lang="ko-KR" altLang="en-US" dirty="0" smtClean="0">
+                <a:solidFill>
+                  <a:schemeClr val="bg1"/>
+                </a:solidFill>
+                <a:latin typeface="나눔바른고딕" pitchFamily="50" charset="-127"/>
+                <a:ea typeface="나눔바른고딕" pitchFamily="50" charset="-127"/>
+              </a:rPr>
+              <a:t> </a:t>
+            </a:r>
+            <a:r>
+              <a:rPr lang="en-US" altLang="ko-KR" dirty="0" smtClean="0">
+                <a:solidFill>
+                  <a:schemeClr val="bg1"/>
+                </a:solidFill>
+                <a:latin typeface="나눔바른고딕" pitchFamily="50" charset="-127"/>
+                <a:ea typeface="나눔바른고딕" pitchFamily="50" charset="-127"/>
+              </a:rPr>
+              <a:t>2. </a:t>
+            </a:r>
+            <a:r>
+              <a:rPr lang="ko-KR" altLang="en-US" dirty="0" smtClean="0">
+                <a:solidFill>
+                  <a:schemeClr val="bg1"/>
+                </a:solidFill>
+                <a:latin typeface="나눔바른고딕" pitchFamily="50" charset="-127"/>
+                <a:ea typeface="나눔바른고딕" pitchFamily="50" charset="-127"/>
+              </a:rPr>
+              <a:t>버전 별 </a:t>
+            </a:r>
+            <a:r>
+              <a:rPr lang="ko-KR" altLang="en-US" dirty="0" err="1" smtClean="0">
+                <a:solidFill>
+                  <a:schemeClr val="bg1"/>
+                </a:solidFill>
+                <a:latin typeface="나눔바른고딕" pitchFamily="50" charset="-127"/>
+                <a:ea typeface="나눔바른고딕" pitchFamily="50" charset="-127"/>
+              </a:rPr>
+              <a:t>간섭없이</a:t>
+            </a:r>
+            <a:r>
+              <a:rPr lang="en-US" altLang="ko-KR" dirty="0" smtClean="0">
+                <a:solidFill>
+                  <a:schemeClr val="bg1"/>
+                </a:solidFill>
+                <a:latin typeface="나눔바른고딕" pitchFamily="50" charset="-127"/>
+                <a:ea typeface="나눔바른고딕" pitchFamily="50" charset="-127"/>
+              </a:rPr>
+              <a:t>, </a:t>
+            </a:r>
+            <a:r>
+              <a:rPr lang="ko-KR" altLang="en-US" dirty="0" err="1" smtClean="0">
+                <a:solidFill>
+                  <a:schemeClr val="bg1"/>
+                </a:solidFill>
+                <a:latin typeface="나눔바른고딕" pitchFamily="50" charset="-127"/>
+                <a:ea typeface="나눔바른고딕" pitchFamily="50" charset="-127"/>
+              </a:rPr>
+              <a:t>여러가지</a:t>
+            </a:r>
+            <a:r>
+              <a:rPr lang="ko-KR" altLang="en-US" dirty="0" smtClean="0">
+                <a:solidFill>
+                  <a:schemeClr val="bg1"/>
+                </a:solidFill>
+                <a:latin typeface="나눔바른고딕" pitchFamily="50" charset="-127"/>
+                <a:ea typeface="나눔바른고딕" pitchFamily="50" charset="-127"/>
+              </a:rPr>
+              <a:t> 실험을 하거나</a:t>
+            </a:r>
+            <a:r>
+              <a:rPr lang="en-US" altLang="ko-KR" dirty="0" smtClean="0">
+                <a:solidFill>
+                  <a:schemeClr val="bg1"/>
+                </a:solidFill>
+                <a:latin typeface="나눔바른고딕" pitchFamily="50" charset="-127"/>
+                <a:ea typeface="나눔바른고딕" pitchFamily="50" charset="-127"/>
+              </a:rPr>
+              <a:t>, </a:t>
+            </a:r>
+            <a:r>
+              <a:rPr lang="ko-KR" altLang="en-US" dirty="0" smtClean="0">
+                <a:solidFill>
+                  <a:schemeClr val="bg1"/>
+                </a:solidFill>
+                <a:latin typeface="나눔바른고딕" pitchFamily="50" charset="-127"/>
+                <a:ea typeface="나눔바른고딕" pitchFamily="50" charset="-127"/>
+              </a:rPr>
+              <a:t>놀 수 있다</a:t>
+            </a:r>
+            <a:r>
+              <a:rPr lang="en-US" altLang="ko-KR" dirty="0" smtClean="0">
+                <a:solidFill>
+                  <a:schemeClr val="bg1"/>
+                </a:solidFill>
+                <a:latin typeface="나눔바른고딕" pitchFamily="50" charset="-127"/>
+                <a:ea typeface="나눔바른고딕" pitchFamily="50" charset="-127"/>
+              </a:rPr>
+              <a:t>. </a:t>
+            </a:r>
+            <a:endParaRPr lang="ko-KR" altLang="en-US" dirty="0">
+              <a:solidFill>
+                <a:schemeClr val="bg1"/>
+              </a:solidFill>
+              <a:latin typeface="나눔바른고딕" pitchFamily="50" charset="-127"/>
+              <a:ea typeface="나눔바른고딕" pitchFamily="50" charset="-127"/>
+            </a:endParaRPr>
+          </a:p>
+        </p:txBody>
+      </p:sp>
+      <p:pic>
+        <p:nvPicPr>
+          <p:cNvPr id="2050" name="Picture 2"/>
+          <p:cNvPicPr>
+            <a:picLocks noChangeAspect="1" noChangeArrowheads="1"/>
+          </p:cNvPicPr>
+          <p:nvPr/>
+        </p:nvPicPr>
+        <p:blipFill>
+          <a:blip r:embed="rId2" cstate="print"/>
+          <a:srcRect/>
+          <a:stretch>
+            <a:fillRect/>
+          </a:stretch>
+        </p:blipFill>
+        <p:spPr bwMode="auto">
+          <a:xfrm>
+            <a:off x="1691680" y="1851670"/>
+            <a:ext cx="5751849" cy="2089398"/>
+          </a:xfrm>
+          <a:prstGeom prst="rect">
+            <a:avLst/>
+          </a:prstGeom>
+          <a:ln>
+            <a:noFill/>
+          </a:ln>
+          <a:effectLst>
+            <a:outerShdw blurRad="190500" algn="tl" rotWithShape="0">
+              <a:srgbClr val="000000">
+                <a:alpha val="70000"/>
+              </a:srgbClr>
+            </a:outerShdw>
+          </a:effectLst>
+        </p:spPr>
+      </p:pic>
+    </p:spTree>
+  </p:cSld>
+  <p:clrMapOvr>
+    <a:masterClrMapping/>
+  </p:clrMapOvr>
+  <p:timing>
+    <p:tnLst>
+      <p:par>
+        <p:cTn id="1" dur="indefinite" restart="never" nodeType="tmRoot"/>
+      </p:par>
+    </p:tnLst>
+  </p:timing>
+</p:sld>
+</file>
+
+<file path=ppt/slides/slide17.xml><?xml version="1.0" encoding="utf-8"?>
+<p:sld xmlns:a="http://schemas.openxmlformats.org/drawingml/2006/main" xmlns:r="http://schemas.openxmlformats.org/officeDocument/2006/relationships" xmlns:p="http://schemas.openxmlformats.org/presentationml/2006/main">
+  <p:cSld>
+    <p:spTree>
+      <p:nvGrpSpPr>
+        <p:cNvPr id="1" name=""/>
+        <p:cNvGrpSpPr/>
+        <p:nvPr/>
+      </p:nvGrpSpPr>
+      <p:grpSpPr>
+        <a:xfrm>
+          <a:off x="0" y="0"/>
+          <a:ext cx="0" cy="0"/>
+          <a:chOff x="0" y="0"/>
+          <a:chExt cx="0" cy="0"/>
+        </a:xfrm>
+      </p:grpSpPr>
+      <p:sp>
+        <p:nvSpPr>
+          <p:cNvPr id="16" name="평행 사변형 15"/>
+          <p:cNvSpPr/>
+          <p:nvPr/>
+        </p:nvSpPr>
+        <p:spPr>
+          <a:xfrm rot="16200000">
+            <a:off x="2000249" y="-2000251"/>
+            <a:ext cx="5143500" cy="9144001"/>
+          </a:xfrm>
+          <a:prstGeom prst="parallelogram">
+            <a:avLst>
+              <a:gd name="adj" fmla="val 7753"/>
+            </a:avLst>
+          </a:prstGeom>
+          <a:solidFill>
+            <a:srgbClr val="473F3D"/>
+          </a:solidFill>
+          <a:ln>
+            <a:noFill/>
+          </a:ln>
+        </p:spPr>
+        <p:style>
+          <a:lnRef idx="2">
+            <a:schemeClr val="accent1">
+              <a:shade val="50000"/>
+            </a:schemeClr>
+          </a:lnRef>
+          <a:fillRef idx="1">
+            <a:schemeClr val="accent1"/>
+          </a:fillRef>
+          <a:effectRef idx="0">
+            <a:schemeClr val="accent1"/>
+          </a:effectRef>
+          <a:fontRef idx="minor">
+            <a:schemeClr val="lt1"/>
+          </a:fontRef>
+        </p:style>
+        <p:txBody>
+          <a:bodyPr rtlCol="0" anchor="ctr"/>
+          <a:lstStyle/>
+          <a:p>
+            <a:pPr algn="ctr"/>
+            <a:r>
+              <a:rPr lang="ko-KR" altLang="en-US" sz="1600" dirty="0" err="1" smtClean="0"/>
+              <a:t>ㄴ</a:t>
+            </a:r>
+            <a:endParaRPr lang="ko-KR" altLang="en-US" sz="1600" dirty="0"/>
+          </a:p>
+        </p:txBody>
+      </p:sp>
+      <p:cxnSp>
+        <p:nvCxnSpPr>
+          <p:cNvPr id="11" name="직선 연결선 10"/>
+          <p:cNvCxnSpPr/>
+          <p:nvPr/>
+        </p:nvCxnSpPr>
+        <p:spPr>
+          <a:xfrm>
+            <a:off x="539552" y="915566"/>
+            <a:ext cx="8136904" cy="0"/>
+          </a:xfrm>
+          <a:prstGeom prst="line">
+            <a:avLst/>
+          </a:prstGeom>
+          <a:ln w="12700">
+            <a:solidFill>
+              <a:schemeClr val="bg1"/>
+            </a:solidFill>
+          </a:ln>
+        </p:spPr>
+        <p:style>
+          <a:lnRef idx="1">
+            <a:schemeClr val="accent1"/>
+          </a:lnRef>
+          <a:fillRef idx="0">
+            <a:schemeClr val="accent1"/>
+          </a:fillRef>
+          <a:effectRef idx="0">
+            <a:schemeClr val="accent1"/>
+          </a:effectRef>
+          <a:fontRef idx="minor">
+            <a:schemeClr val="tx1"/>
+          </a:fontRef>
+        </p:style>
+      </p:cxnSp>
+      <p:cxnSp>
+        <p:nvCxnSpPr>
+          <p:cNvPr id="12" name="직선 연결선 11"/>
+          <p:cNvCxnSpPr/>
+          <p:nvPr/>
+        </p:nvCxnSpPr>
+        <p:spPr>
+          <a:xfrm>
+            <a:off x="467544" y="4299942"/>
+            <a:ext cx="8136904" cy="0"/>
+          </a:xfrm>
+          <a:prstGeom prst="line">
+            <a:avLst/>
+          </a:prstGeom>
+          <a:ln w="12700">
+            <a:solidFill>
+              <a:schemeClr val="bg1"/>
+            </a:solidFill>
+          </a:ln>
+        </p:spPr>
+        <p:style>
+          <a:lnRef idx="1">
+            <a:schemeClr val="accent1"/>
+          </a:lnRef>
+          <a:fillRef idx="0">
+            <a:schemeClr val="accent1"/>
+          </a:fillRef>
+          <a:effectRef idx="0">
+            <a:schemeClr val="accent1"/>
+          </a:effectRef>
+          <a:fontRef idx="minor">
+            <a:schemeClr val="tx1"/>
+          </a:fontRef>
+        </p:style>
+      </p:cxnSp>
+      <p:cxnSp>
+        <p:nvCxnSpPr>
+          <p:cNvPr id="14" name="직선 연결선 13"/>
+          <p:cNvCxnSpPr/>
+          <p:nvPr/>
+        </p:nvCxnSpPr>
+        <p:spPr>
+          <a:xfrm>
+            <a:off x="467544" y="915566"/>
+            <a:ext cx="8208912" cy="0"/>
+          </a:xfrm>
+          <a:prstGeom prst="line">
+            <a:avLst/>
+          </a:prstGeom>
+          <a:ln w="12700">
+            <a:solidFill>
+              <a:schemeClr val="bg1"/>
+            </a:solidFill>
+          </a:ln>
+        </p:spPr>
+        <p:style>
+          <a:lnRef idx="1">
+            <a:schemeClr val="accent1"/>
+          </a:lnRef>
+          <a:fillRef idx="0">
+            <a:schemeClr val="accent1"/>
+          </a:fillRef>
+          <a:effectRef idx="0">
+            <a:schemeClr val="accent1"/>
+          </a:effectRef>
+          <a:fontRef idx="minor">
+            <a:schemeClr val="tx1"/>
+          </a:fontRef>
+        </p:style>
+      </p:cxnSp>
+      <p:cxnSp>
+        <p:nvCxnSpPr>
+          <p:cNvPr id="15" name="직선 연결선 14"/>
+          <p:cNvCxnSpPr/>
+          <p:nvPr/>
+        </p:nvCxnSpPr>
+        <p:spPr>
+          <a:xfrm>
+            <a:off x="467544" y="4299942"/>
+            <a:ext cx="8208912" cy="0"/>
+          </a:xfrm>
+          <a:prstGeom prst="line">
+            <a:avLst/>
+          </a:prstGeom>
+          <a:ln w="12700">
+            <a:solidFill>
+              <a:schemeClr val="bg1"/>
+            </a:solidFill>
+          </a:ln>
+        </p:spPr>
+        <p:style>
+          <a:lnRef idx="1">
+            <a:schemeClr val="accent1"/>
+          </a:lnRef>
+          <a:fillRef idx="0">
+            <a:schemeClr val="accent1"/>
+          </a:fillRef>
+          <a:effectRef idx="0">
+            <a:schemeClr val="accent1"/>
+          </a:effectRef>
+          <a:fontRef idx="minor">
+            <a:schemeClr val="tx1"/>
+          </a:fontRef>
+        </p:style>
+      </p:cxnSp>
+      <p:sp>
+        <p:nvSpPr>
+          <p:cNvPr id="14344" name="AutoShape 8" descr="ê´ë ¨ ì´ë¯¸ì§"/>
+          <p:cNvSpPr>
+            <a:spLocks noChangeAspect="1" noChangeArrowheads="1"/>
+          </p:cNvSpPr>
+          <p:nvPr/>
+        </p:nvSpPr>
+        <p:spPr bwMode="auto">
+          <a:xfrm>
+            <a:off x="168275" y="-136525"/>
+            <a:ext cx="298450" cy="298450"/>
+          </a:xfrm>
+          <a:prstGeom prst="rect">
+            <a:avLst/>
+          </a:prstGeom>
+          <a:noFill/>
+        </p:spPr>
+        <p:txBody>
+          <a:bodyPr vert="horz" wrap="square" lIns="91440" tIns="45720" rIns="91440" bIns="45720" numCol="1" anchor="t" anchorCtr="0" compatLnSpc="1">
+            <a:prstTxWarp prst="textNoShape">
+              <a:avLst/>
+            </a:prstTxWarp>
+          </a:bodyPr>
+          <a:lstStyle/>
+          <a:p>
+            <a:endParaRPr lang="ko-KR" altLang="en-US"/>
+          </a:p>
+        </p:txBody>
+      </p:sp>
+      <p:sp>
+        <p:nvSpPr>
+          <p:cNvPr id="14346" name="AutoShape 10" descr="ê´ë ¨ ì´ë¯¸ì§"/>
+          <p:cNvSpPr>
+            <a:spLocks noChangeAspect="1" noChangeArrowheads="1"/>
+          </p:cNvSpPr>
+          <p:nvPr/>
+        </p:nvSpPr>
+        <p:spPr bwMode="auto">
+          <a:xfrm>
+            <a:off x="168275" y="-136525"/>
+            <a:ext cx="298450" cy="298450"/>
+          </a:xfrm>
+          <a:prstGeom prst="rect">
+            <a:avLst/>
+          </a:prstGeom>
+          <a:noFill/>
+        </p:spPr>
+        <p:txBody>
+          <a:bodyPr vert="horz" wrap="square" lIns="91440" tIns="45720" rIns="91440" bIns="45720" numCol="1" anchor="t" anchorCtr="0" compatLnSpc="1">
+            <a:prstTxWarp prst="textNoShape">
+              <a:avLst/>
+            </a:prstTxWarp>
+          </a:bodyPr>
+          <a:lstStyle/>
+          <a:p>
+            <a:endParaRPr lang="ko-KR" altLang="en-US"/>
+          </a:p>
+        </p:txBody>
+      </p:sp>
+      <p:sp>
+        <p:nvSpPr>
+          <p:cNvPr id="14348" name="AutoShape 12" descr="ê´ë ¨ ì´ë¯¸ì§"/>
+          <p:cNvSpPr>
+            <a:spLocks noChangeAspect="1" noChangeArrowheads="1"/>
+          </p:cNvSpPr>
+          <p:nvPr/>
+        </p:nvSpPr>
+        <p:spPr bwMode="auto">
+          <a:xfrm>
+            <a:off x="168275" y="-136525"/>
+            <a:ext cx="298450" cy="298450"/>
+          </a:xfrm>
+          <a:prstGeom prst="rect">
+            <a:avLst/>
+          </a:prstGeom>
+          <a:noFill/>
+        </p:spPr>
+        <p:txBody>
+          <a:bodyPr vert="horz" wrap="square" lIns="91440" tIns="45720" rIns="91440" bIns="45720" numCol="1" anchor="t" anchorCtr="0" compatLnSpc="1">
+            <a:prstTxWarp prst="textNoShape">
+              <a:avLst/>
+            </a:prstTxWarp>
+          </a:bodyPr>
+          <a:lstStyle/>
+          <a:p>
+            <a:endParaRPr lang="ko-KR" altLang="en-US"/>
+          </a:p>
+        </p:txBody>
+      </p:sp>
+      <p:sp>
+        <p:nvSpPr>
+          <p:cNvPr id="14350" name="AutoShape 14" descr="ê´ë ¨ ì´ë¯¸ì§"/>
+          <p:cNvSpPr>
+            <a:spLocks noChangeAspect="1" noChangeArrowheads="1"/>
+          </p:cNvSpPr>
+          <p:nvPr/>
+        </p:nvSpPr>
+        <p:spPr bwMode="auto">
+          <a:xfrm>
+            <a:off x="168275" y="-136525"/>
+            <a:ext cx="298450" cy="298450"/>
+          </a:xfrm>
+          <a:prstGeom prst="rect">
+            <a:avLst/>
+          </a:prstGeom>
+          <a:noFill/>
+        </p:spPr>
+        <p:txBody>
+          <a:bodyPr vert="horz" wrap="square" lIns="91440" tIns="45720" rIns="91440" bIns="45720" numCol="1" anchor="t" anchorCtr="0" compatLnSpc="1">
+            <a:prstTxWarp prst="textNoShape">
+              <a:avLst/>
+            </a:prstTxWarp>
+          </a:bodyPr>
+          <a:lstStyle/>
+          <a:p>
+            <a:endParaRPr lang="ko-KR" altLang="en-US"/>
+          </a:p>
+        </p:txBody>
+      </p:sp>
+      <p:sp>
+        <p:nvSpPr>
+          <p:cNvPr id="27" name="TextBox 26"/>
+          <p:cNvSpPr txBox="1"/>
+          <p:nvPr/>
+        </p:nvSpPr>
+        <p:spPr>
+          <a:xfrm>
+            <a:off x="611560" y="483518"/>
+            <a:ext cx="6552728" cy="461665"/>
+          </a:xfrm>
+          <a:prstGeom prst="rect">
+            <a:avLst/>
+          </a:prstGeom>
+          <a:noFill/>
+        </p:spPr>
+        <p:txBody>
+          <a:bodyPr wrap="square" rtlCol="0">
+            <a:spAutoFit/>
+          </a:bodyPr>
+          <a:lstStyle/>
+          <a:p>
+            <a:r>
+              <a:rPr lang="en-US" altLang="ko-KR" sz="2400" dirty="0" smtClean="0">
+                <a:solidFill>
+                  <a:schemeClr val="bg1">
+                    <a:lumMod val="95000"/>
+                  </a:schemeClr>
+                </a:solidFill>
+                <a:latin typeface="나눔바른고딕" pitchFamily="50" charset="-127"/>
+                <a:ea typeface="나눔바른고딕" pitchFamily="50" charset="-127"/>
+              </a:rPr>
+              <a:t>1-3. </a:t>
+            </a:r>
+            <a:r>
+              <a:rPr lang="en-US" altLang="ko-KR" sz="2400" dirty="0" err="1" smtClean="0">
+                <a:solidFill>
+                  <a:schemeClr val="bg1">
+                    <a:lumMod val="95000"/>
+                  </a:schemeClr>
+                </a:solidFill>
+                <a:latin typeface="나눔바른고딕" pitchFamily="50" charset="-127"/>
+                <a:ea typeface="나눔바른고딕" pitchFamily="50" charset="-127"/>
+              </a:rPr>
+              <a:t>git</a:t>
+            </a:r>
+            <a:r>
+              <a:rPr lang="en-US" altLang="ko-KR" sz="2400" dirty="0" smtClean="0">
+                <a:solidFill>
+                  <a:schemeClr val="bg1">
+                    <a:lumMod val="95000"/>
+                  </a:schemeClr>
+                </a:solidFill>
+                <a:latin typeface="나눔바른고딕" pitchFamily="50" charset="-127"/>
+                <a:ea typeface="나눔바른고딕" pitchFamily="50" charset="-127"/>
+              </a:rPr>
+              <a:t> </a:t>
+            </a:r>
+            <a:r>
+              <a:rPr lang="ko-KR" altLang="en-US" sz="2400" dirty="0" err="1" smtClean="0">
+                <a:solidFill>
+                  <a:schemeClr val="bg1">
+                    <a:lumMod val="95000"/>
+                  </a:schemeClr>
+                </a:solidFill>
+                <a:latin typeface="나눔바른고딕" pitchFamily="50" charset="-127"/>
+                <a:ea typeface="나눔바른고딕" pitchFamily="50" charset="-127"/>
+              </a:rPr>
+              <a:t>브랜치</a:t>
+            </a:r>
+            <a:endParaRPr lang="ko-KR" altLang="en-US" sz="2400" dirty="0">
+              <a:solidFill>
+                <a:schemeClr val="bg1">
+                  <a:lumMod val="95000"/>
+                </a:schemeClr>
+              </a:solidFill>
+              <a:latin typeface="나눔바른고딕" pitchFamily="50" charset="-127"/>
+              <a:ea typeface="나눔바른고딕" pitchFamily="50" charset="-127"/>
+            </a:endParaRPr>
+          </a:p>
+        </p:txBody>
+      </p:sp>
+      <p:sp>
+        <p:nvSpPr>
+          <p:cNvPr id="2054" name="AutoShape 6" descr="ì  ê°ì ëí ì´ë¯¸ì§ ê²ìê²°ê³¼"/>
+          <p:cNvSpPr>
+            <a:spLocks noChangeAspect="1" noChangeArrowheads="1"/>
+          </p:cNvSpPr>
+          <p:nvPr/>
+        </p:nvSpPr>
+        <p:spPr bwMode="auto">
+          <a:xfrm>
+            <a:off x="168275" y="-144463"/>
+            <a:ext cx="304800" cy="304801"/>
+          </a:xfrm>
+          <a:prstGeom prst="rect">
+            <a:avLst/>
+          </a:prstGeom>
+          <a:noFill/>
+        </p:spPr>
+        <p:txBody>
+          <a:bodyPr vert="horz" wrap="square" lIns="91440" tIns="45720" rIns="91440" bIns="45720" numCol="1" anchor="t" anchorCtr="0" compatLnSpc="1">
+            <a:prstTxWarp prst="textNoShape">
+              <a:avLst/>
+            </a:prstTxWarp>
+          </a:bodyPr>
+          <a:lstStyle/>
+          <a:p>
+            <a:endParaRPr lang="ko-KR" altLang="en-US"/>
+          </a:p>
+        </p:txBody>
+      </p:sp>
+      <p:sp>
+        <p:nvSpPr>
+          <p:cNvPr id="22" name="TextBox 21"/>
+          <p:cNvSpPr txBox="1"/>
+          <p:nvPr/>
+        </p:nvSpPr>
+        <p:spPr>
+          <a:xfrm>
+            <a:off x="683568" y="1203598"/>
+            <a:ext cx="7704856" cy="369332"/>
+          </a:xfrm>
+          <a:prstGeom prst="rect">
+            <a:avLst/>
+          </a:prstGeom>
+          <a:noFill/>
+        </p:spPr>
+        <p:txBody>
+          <a:bodyPr wrap="square" rtlCol="0">
+            <a:spAutoFit/>
+          </a:bodyPr>
+          <a:lstStyle/>
+          <a:p>
+            <a:pPr algn="ctr"/>
+            <a:r>
+              <a:rPr lang="ko-KR" altLang="en-US" dirty="0" smtClean="0">
+                <a:solidFill>
+                  <a:schemeClr val="bg1"/>
+                </a:solidFill>
+                <a:latin typeface="나눔바른고딕" pitchFamily="50" charset="-127"/>
+                <a:ea typeface="나눔바른고딕" pitchFamily="50" charset="-127"/>
+              </a:rPr>
+              <a:t> </a:t>
+            </a:r>
+            <a:r>
+              <a:rPr lang="en-US" altLang="ko-KR" dirty="0" smtClean="0">
+                <a:solidFill>
+                  <a:schemeClr val="bg1"/>
+                </a:solidFill>
+                <a:latin typeface="나눔바른고딕" pitchFamily="50" charset="-127"/>
+                <a:ea typeface="나눔바른고딕" pitchFamily="50" charset="-127"/>
+              </a:rPr>
+              <a:t>3</a:t>
+            </a:r>
+            <a:r>
+              <a:rPr lang="en-US" altLang="ko-KR" dirty="0" smtClean="0">
+                <a:solidFill>
+                  <a:schemeClr val="bg1"/>
+                </a:solidFill>
+                <a:latin typeface="나눔바른고딕" pitchFamily="50" charset="-127"/>
+                <a:ea typeface="나눔바른고딕" pitchFamily="50" charset="-127"/>
+              </a:rPr>
+              <a:t>. </a:t>
+            </a:r>
+            <a:r>
+              <a:rPr lang="ko-KR" altLang="en-US" dirty="0" smtClean="0">
+                <a:solidFill>
+                  <a:schemeClr val="bg1"/>
+                </a:solidFill>
+                <a:latin typeface="나눔바른고딕" pitchFamily="50" charset="-127"/>
+                <a:ea typeface="나눔바른고딕" pitchFamily="50" charset="-127"/>
+              </a:rPr>
+              <a:t>다해보고</a:t>
+            </a:r>
+            <a:r>
+              <a:rPr lang="en-US" altLang="ko-KR" dirty="0" smtClean="0">
+                <a:solidFill>
+                  <a:schemeClr val="bg1"/>
+                </a:solidFill>
+                <a:latin typeface="나눔바른고딕" pitchFamily="50" charset="-127"/>
+                <a:ea typeface="나눔바른고딕" pitchFamily="50" charset="-127"/>
+              </a:rPr>
+              <a:t>, </a:t>
+            </a:r>
+            <a:r>
+              <a:rPr lang="ko-KR" altLang="en-US" dirty="0" smtClean="0">
+                <a:solidFill>
+                  <a:schemeClr val="bg1"/>
+                </a:solidFill>
+                <a:latin typeface="나눔바른고딕" pitchFamily="50" charset="-127"/>
+                <a:ea typeface="나눔바른고딕" pitchFamily="50" charset="-127"/>
+              </a:rPr>
+              <a:t>취향에 맞게 골라 새로운 버전을 만든다</a:t>
+            </a:r>
+            <a:r>
+              <a:rPr lang="en-US" altLang="ko-KR" dirty="0" smtClean="0">
+                <a:solidFill>
+                  <a:schemeClr val="bg1"/>
+                </a:solidFill>
+                <a:latin typeface="나눔바른고딕" pitchFamily="50" charset="-127"/>
+                <a:ea typeface="나눔바른고딕" pitchFamily="50" charset="-127"/>
+              </a:rPr>
+              <a:t>.(</a:t>
+            </a:r>
+            <a:r>
+              <a:rPr lang="ko-KR" altLang="en-US" dirty="0" err="1" smtClean="0">
+                <a:solidFill>
+                  <a:schemeClr val="bg1"/>
+                </a:solidFill>
+                <a:latin typeface="나눔바른고딕" pitchFamily="50" charset="-127"/>
+                <a:ea typeface="나눔바른고딕" pitchFamily="50" charset="-127"/>
+              </a:rPr>
+              <a:t>브랜치</a:t>
+            </a:r>
+            <a:r>
+              <a:rPr lang="ko-KR" altLang="en-US" dirty="0" smtClean="0">
+                <a:solidFill>
+                  <a:schemeClr val="bg1"/>
+                </a:solidFill>
+                <a:latin typeface="나눔바른고딕" pitchFamily="50" charset="-127"/>
+                <a:ea typeface="나눔바른고딕" pitchFamily="50" charset="-127"/>
+              </a:rPr>
+              <a:t> </a:t>
+            </a:r>
+            <a:r>
+              <a:rPr lang="en-US" altLang="ko-KR" dirty="0" smtClean="0">
+                <a:solidFill>
+                  <a:schemeClr val="bg1"/>
+                </a:solidFill>
+                <a:latin typeface="나눔바른고딕" pitchFamily="50" charset="-127"/>
+                <a:ea typeface="나눔바른고딕" pitchFamily="50" charset="-127"/>
+              </a:rPr>
+              <a:t>merge)</a:t>
+            </a:r>
+            <a:r>
+              <a:rPr lang="en-US" altLang="ko-KR" dirty="0" smtClean="0">
+                <a:solidFill>
+                  <a:schemeClr val="bg1"/>
+                </a:solidFill>
+                <a:latin typeface="나눔바른고딕" pitchFamily="50" charset="-127"/>
+                <a:ea typeface="나눔바른고딕" pitchFamily="50" charset="-127"/>
+              </a:rPr>
+              <a:t> </a:t>
+            </a:r>
+            <a:endParaRPr lang="ko-KR" altLang="en-US" dirty="0">
+              <a:solidFill>
+                <a:schemeClr val="bg1"/>
+              </a:solidFill>
+              <a:latin typeface="나눔바른고딕" pitchFamily="50" charset="-127"/>
+              <a:ea typeface="나눔바른고딕" pitchFamily="50" charset="-127"/>
+            </a:endParaRPr>
+          </a:p>
+        </p:txBody>
+      </p:sp>
+      <p:grpSp>
+        <p:nvGrpSpPr>
+          <p:cNvPr id="60" name="그룹 59"/>
+          <p:cNvGrpSpPr/>
+          <p:nvPr/>
+        </p:nvGrpSpPr>
+        <p:grpSpPr>
+          <a:xfrm>
+            <a:off x="1187624" y="1635646"/>
+            <a:ext cx="6912768" cy="2575998"/>
+            <a:chOff x="1187624" y="1635646"/>
+            <a:chExt cx="6912768" cy="2575998"/>
+          </a:xfrm>
+        </p:grpSpPr>
+        <p:pic>
+          <p:nvPicPr>
+            <p:cNvPr id="3074" name="Picture 2"/>
+            <p:cNvPicPr>
+              <a:picLocks noChangeAspect="1" noChangeArrowheads="1"/>
+            </p:cNvPicPr>
+            <p:nvPr/>
+          </p:nvPicPr>
+          <p:blipFill>
+            <a:blip r:embed="rId2" cstate="print"/>
+            <a:srcRect/>
+            <a:stretch>
+              <a:fillRect/>
+            </a:stretch>
+          </p:blipFill>
+          <p:spPr bwMode="auto">
+            <a:xfrm>
+              <a:off x="1187624" y="1635646"/>
+              <a:ext cx="5112568" cy="2575998"/>
+            </a:xfrm>
+            <a:prstGeom prst="rect">
+              <a:avLst/>
+            </a:prstGeom>
+            <a:ln>
+              <a:noFill/>
+            </a:ln>
+            <a:effectLst>
+              <a:outerShdw blurRad="190500" algn="tl" rotWithShape="0">
+                <a:srgbClr val="000000">
+                  <a:alpha val="70000"/>
+                </a:srgbClr>
+              </a:outerShdw>
+            </a:effectLst>
+          </p:spPr>
+        </p:pic>
+        <p:cxnSp>
+          <p:nvCxnSpPr>
+            <p:cNvPr id="18" name="직선 연결선 17"/>
+            <p:cNvCxnSpPr/>
+            <p:nvPr/>
+          </p:nvCxnSpPr>
+          <p:spPr>
+            <a:xfrm>
+              <a:off x="1907704" y="2211710"/>
+              <a:ext cx="1080120" cy="0"/>
+            </a:xfrm>
+            <a:prstGeom prst="line">
+              <a:avLst/>
+            </a:prstGeom>
+            <a:ln w="28575">
+              <a:solidFill>
+                <a:srgbClr val="A3FF0D"/>
+              </a:solidFill>
+            </a:ln>
+          </p:spPr>
+          <p:style>
+            <a:lnRef idx="1">
+              <a:schemeClr val="accent1"/>
+            </a:lnRef>
+            <a:fillRef idx="0">
+              <a:schemeClr val="accent1"/>
+            </a:fillRef>
+            <a:effectRef idx="0">
+              <a:schemeClr val="accent1"/>
+            </a:effectRef>
+            <a:fontRef idx="minor">
+              <a:schemeClr val="tx1"/>
+            </a:fontRef>
+          </p:style>
+        </p:cxnSp>
+        <p:cxnSp>
+          <p:nvCxnSpPr>
+            <p:cNvPr id="19" name="직선 연결선 18"/>
+            <p:cNvCxnSpPr/>
+            <p:nvPr/>
+          </p:nvCxnSpPr>
+          <p:spPr>
+            <a:xfrm>
+              <a:off x="2411760" y="2749136"/>
+              <a:ext cx="576064" cy="0"/>
+            </a:xfrm>
+            <a:prstGeom prst="line">
+              <a:avLst/>
+            </a:prstGeom>
+            <a:ln w="28575">
+              <a:solidFill>
+                <a:srgbClr val="A3FF0D"/>
+              </a:solidFill>
+            </a:ln>
+          </p:spPr>
+          <p:style>
+            <a:lnRef idx="1">
+              <a:schemeClr val="accent1"/>
+            </a:lnRef>
+            <a:fillRef idx="0">
+              <a:schemeClr val="accent1"/>
+            </a:fillRef>
+            <a:effectRef idx="0">
+              <a:schemeClr val="accent1"/>
+            </a:effectRef>
+            <a:fontRef idx="minor">
+              <a:schemeClr val="tx1"/>
+            </a:fontRef>
+          </p:style>
+        </p:cxnSp>
+        <p:cxnSp>
+          <p:nvCxnSpPr>
+            <p:cNvPr id="23" name="직선 연결선 22"/>
+            <p:cNvCxnSpPr/>
+            <p:nvPr/>
+          </p:nvCxnSpPr>
+          <p:spPr>
+            <a:xfrm flipV="1">
+              <a:off x="2990999" y="2192660"/>
+              <a:ext cx="0" cy="576064"/>
+            </a:xfrm>
+            <a:prstGeom prst="line">
+              <a:avLst/>
+            </a:prstGeom>
+            <a:ln w="28575">
+              <a:solidFill>
+                <a:srgbClr val="A3FF0D"/>
+              </a:solidFill>
+            </a:ln>
+          </p:spPr>
+          <p:style>
+            <a:lnRef idx="1">
+              <a:schemeClr val="accent1"/>
+            </a:lnRef>
+            <a:fillRef idx="0">
+              <a:schemeClr val="accent1"/>
+            </a:fillRef>
+            <a:effectRef idx="0">
+              <a:schemeClr val="accent1"/>
+            </a:effectRef>
+            <a:fontRef idx="minor">
+              <a:schemeClr val="tx1"/>
+            </a:fontRef>
+          </p:style>
+        </p:cxnSp>
+        <p:cxnSp>
+          <p:nvCxnSpPr>
+            <p:cNvPr id="30" name="직선 연결선 29"/>
+            <p:cNvCxnSpPr/>
+            <p:nvPr/>
+          </p:nvCxnSpPr>
+          <p:spPr>
+            <a:xfrm flipV="1">
+              <a:off x="2138580" y="3291830"/>
+              <a:ext cx="1425308" cy="9526"/>
+            </a:xfrm>
+            <a:prstGeom prst="line">
+              <a:avLst/>
+            </a:prstGeom>
+            <a:ln w="28575">
+              <a:solidFill>
+                <a:srgbClr val="A3FF0D"/>
+              </a:solidFill>
+            </a:ln>
+          </p:spPr>
+          <p:style>
+            <a:lnRef idx="1">
+              <a:schemeClr val="accent1"/>
+            </a:lnRef>
+            <a:fillRef idx="0">
+              <a:schemeClr val="accent1"/>
+            </a:fillRef>
+            <a:effectRef idx="0">
+              <a:schemeClr val="accent1"/>
+            </a:effectRef>
+            <a:fontRef idx="minor">
+              <a:schemeClr val="tx1"/>
+            </a:fontRef>
+          </p:style>
+        </p:cxnSp>
+        <p:cxnSp>
+          <p:nvCxnSpPr>
+            <p:cNvPr id="37" name="직선 연결선 36"/>
+            <p:cNvCxnSpPr/>
+            <p:nvPr/>
+          </p:nvCxnSpPr>
+          <p:spPr>
+            <a:xfrm>
+              <a:off x="2267744" y="2749100"/>
+              <a:ext cx="576064" cy="0"/>
+            </a:xfrm>
+            <a:prstGeom prst="line">
+              <a:avLst/>
+            </a:prstGeom>
+            <a:ln w="28575">
+              <a:solidFill>
+                <a:srgbClr val="A3FF0D"/>
+              </a:solidFill>
+            </a:ln>
+          </p:spPr>
+          <p:style>
+            <a:lnRef idx="1">
+              <a:schemeClr val="accent1"/>
+            </a:lnRef>
+            <a:fillRef idx="0">
+              <a:schemeClr val="accent1"/>
+            </a:fillRef>
+            <a:effectRef idx="0">
+              <a:schemeClr val="accent1"/>
+            </a:effectRef>
+            <a:fontRef idx="minor">
+              <a:schemeClr val="tx1"/>
+            </a:fontRef>
+          </p:style>
+        </p:cxnSp>
+        <p:cxnSp>
+          <p:nvCxnSpPr>
+            <p:cNvPr id="39" name="직선 연결선 38"/>
+            <p:cNvCxnSpPr/>
+            <p:nvPr/>
+          </p:nvCxnSpPr>
+          <p:spPr>
+            <a:xfrm flipV="1">
+              <a:off x="1979712" y="3651870"/>
+              <a:ext cx="2160240" cy="9526"/>
+            </a:xfrm>
+            <a:prstGeom prst="line">
+              <a:avLst/>
+            </a:prstGeom>
+            <a:ln w="28575">
+              <a:solidFill>
+                <a:srgbClr val="A3FF0D"/>
+              </a:solidFill>
+            </a:ln>
+          </p:spPr>
+          <p:style>
+            <a:lnRef idx="1">
+              <a:schemeClr val="accent1"/>
+            </a:lnRef>
+            <a:fillRef idx="0">
+              <a:schemeClr val="accent1"/>
+            </a:fillRef>
+            <a:effectRef idx="0">
+              <a:schemeClr val="accent1"/>
+            </a:effectRef>
+            <a:fontRef idx="minor">
+              <a:schemeClr val="tx1"/>
+            </a:fontRef>
+          </p:style>
+        </p:cxnSp>
+        <p:cxnSp>
+          <p:nvCxnSpPr>
+            <p:cNvPr id="41" name="직선 연결선 40"/>
+            <p:cNvCxnSpPr/>
+            <p:nvPr/>
+          </p:nvCxnSpPr>
+          <p:spPr>
+            <a:xfrm flipV="1">
+              <a:off x="1979712" y="3867894"/>
+              <a:ext cx="2736304" cy="9526"/>
+            </a:xfrm>
+            <a:prstGeom prst="line">
+              <a:avLst/>
+            </a:prstGeom>
+            <a:ln w="28575">
+              <a:solidFill>
+                <a:srgbClr val="A3FF0D"/>
+              </a:solidFill>
+            </a:ln>
+          </p:spPr>
+          <p:style>
+            <a:lnRef idx="1">
+              <a:schemeClr val="accent1"/>
+            </a:lnRef>
+            <a:fillRef idx="0">
+              <a:schemeClr val="accent1"/>
+            </a:fillRef>
+            <a:effectRef idx="0">
+              <a:schemeClr val="accent1"/>
+            </a:effectRef>
+            <a:fontRef idx="minor">
+              <a:schemeClr val="tx1"/>
+            </a:fontRef>
+          </p:style>
+        </p:cxnSp>
+        <p:cxnSp>
+          <p:nvCxnSpPr>
+            <p:cNvPr id="42" name="직선 연결선 41"/>
+            <p:cNvCxnSpPr/>
+            <p:nvPr/>
+          </p:nvCxnSpPr>
+          <p:spPr>
+            <a:xfrm>
+              <a:off x="2987824" y="2499742"/>
+              <a:ext cx="576064" cy="0"/>
+            </a:xfrm>
+            <a:prstGeom prst="line">
+              <a:avLst/>
+            </a:prstGeom>
+            <a:ln w="28575">
+              <a:solidFill>
+                <a:srgbClr val="A3FF0D"/>
+              </a:solidFill>
+            </a:ln>
+          </p:spPr>
+          <p:style>
+            <a:lnRef idx="1">
+              <a:schemeClr val="accent1"/>
+            </a:lnRef>
+            <a:fillRef idx="0">
+              <a:schemeClr val="accent1"/>
+            </a:fillRef>
+            <a:effectRef idx="0">
+              <a:schemeClr val="accent1"/>
+            </a:effectRef>
+            <a:fontRef idx="minor">
+              <a:schemeClr val="tx1"/>
+            </a:fontRef>
+          </p:style>
+        </p:cxnSp>
+        <p:cxnSp>
+          <p:nvCxnSpPr>
+            <p:cNvPr id="43" name="직선 연결선 42"/>
+            <p:cNvCxnSpPr/>
+            <p:nvPr/>
+          </p:nvCxnSpPr>
+          <p:spPr>
+            <a:xfrm flipV="1">
+              <a:off x="3563888" y="2499742"/>
+              <a:ext cx="0" cy="792088"/>
+            </a:xfrm>
+            <a:prstGeom prst="line">
+              <a:avLst/>
+            </a:prstGeom>
+            <a:ln w="28575">
+              <a:solidFill>
+                <a:srgbClr val="A3FF0D"/>
+              </a:solidFill>
+            </a:ln>
+          </p:spPr>
+          <p:style>
+            <a:lnRef idx="1">
+              <a:schemeClr val="accent1"/>
+            </a:lnRef>
+            <a:fillRef idx="0">
+              <a:schemeClr val="accent1"/>
+            </a:fillRef>
+            <a:effectRef idx="0">
+              <a:schemeClr val="accent1"/>
+            </a:effectRef>
+            <a:fontRef idx="minor">
+              <a:schemeClr val="tx1"/>
+            </a:fontRef>
+          </p:style>
+        </p:cxnSp>
+        <p:cxnSp>
+          <p:nvCxnSpPr>
+            <p:cNvPr id="49" name="직선 연결선 48"/>
+            <p:cNvCxnSpPr/>
+            <p:nvPr/>
+          </p:nvCxnSpPr>
+          <p:spPr>
+            <a:xfrm>
+              <a:off x="3563888" y="2859782"/>
+              <a:ext cx="576064" cy="0"/>
+            </a:xfrm>
+            <a:prstGeom prst="line">
+              <a:avLst/>
+            </a:prstGeom>
+            <a:ln w="28575">
+              <a:solidFill>
+                <a:srgbClr val="A3FF0D"/>
+              </a:solidFill>
+            </a:ln>
+          </p:spPr>
+          <p:style>
+            <a:lnRef idx="1">
+              <a:schemeClr val="accent1"/>
+            </a:lnRef>
+            <a:fillRef idx="0">
+              <a:schemeClr val="accent1"/>
+            </a:fillRef>
+            <a:effectRef idx="0">
+              <a:schemeClr val="accent1"/>
+            </a:effectRef>
+            <a:fontRef idx="minor">
+              <a:schemeClr val="tx1"/>
+            </a:fontRef>
+          </p:style>
+        </p:cxnSp>
+        <p:cxnSp>
+          <p:nvCxnSpPr>
+            <p:cNvPr id="50" name="직선 연결선 49"/>
+            <p:cNvCxnSpPr/>
+            <p:nvPr/>
+          </p:nvCxnSpPr>
+          <p:spPr>
+            <a:xfrm flipV="1">
+              <a:off x="4139952" y="2859782"/>
+              <a:ext cx="0" cy="792088"/>
+            </a:xfrm>
+            <a:prstGeom prst="line">
+              <a:avLst/>
+            </a:prstGeom>
+            <a:ln w="28575">
+              <a:solidFill>
+                <a:srgbClr val="A3FF0D"/>
+              </a:solidFill>
+            </a:ln>
+          </p:spPr>
+          <p:style>
+            <a:lnRef idx="1">
+              <a:schemeClr val="accent1"/>
+            </a:lnRef>
+            <a:fillRef idx="0">
+              <a:schemeClr val="accent1"/>
+            </a:fillRef>
+            <a:effectRef idx="0">
+              <a:schemeClr val="accent1"/>
+            </a:effectRef>
+            <a:fontRef idx="minor">
+              <a:schemeClr val="tx1"/>
+            </a:fontRef>
+          </p:style>
+        </p:cxnSp>
+        <p:cxnSp>
+          <p:nvCxnSpPr>
+            <p:cNvPr id="51" name="직선 연결선 50"/>
+            <p:cNvCxnSpPr/>
+            <p:nvPr/>
+          </p:nvCxnSpPr>
+          <p:spPr>
+            <a:xfrm>
+              <a:off x="4139952" y="3219822"/>
+              <a:ext cx="576064" cy="0"/>
+            </a:xfrm>
+            <a:prstGeom prst="line">
+              <a:avLst/>
+            </a:prstGeom>
+            <a:ln w="28575">
+              <a:solidFill>
+                <a:srgbClr val="A3FF0D"/>
+              </a:solidFill>
+            </a:ln>
+          </p:spPr>
+          <p:style>
+            <a:lnRef idx="1">
+              <a:schemeClr val="accent1"/>
+            </a:lnRef>
+            <a:fillRef idx="0">
+              <a:schemeClr val="accent1"/>
+            </a:fillRef>
+            <a:effectRef idx="0">
+              <a:schemeClr val="accent1"/>
+            </a:effectRef>
+            <a:fontRef idx="minor">
+              <a:schemeClr val="tx1"/>
+            </a:fontRef>
+          </p:style>
+        </p:cxnSp>
+        <p:cxnSp>
+          <p:nvCxnSpPr>
+            <p:cNvPr id="52" name="직선 연결선 51"/>
+            <p:cNvCxnSpPr/>
+            <p:nvPr/>
+          </p:nvCxnSpPr>
+          <p:spPr>
+            <a:xfrm flipV="1">
+              <a:off x="4716016" y="3219822"/>
+              <a:ext cx="0" cy="648072"/>
+            </a:xfrm>
+            <a:prstGeom prst="line">
+              <a:avLst/>
+            </a:prstGeom>
+            <a:ln w="28575">
+              <a:solidFill>
+                <a:srgbClr val="A3FF0D"/>
+              </a:solidFill>
+            </a:ln>
+          </p:spPr>
+          <p:style>
+            <a:lnRef idx="1">
+              <a:schemeClr val="accent1"/>
+            </a:lnRef>
+            <a:fillRef idx="0">
+              <a:schemeClr val="accent1"/>
+            </a:fillRef>
+            <a:effectRef idx="0">
+              <a:schemeClr val="accent1"/>
+            </a:effectRef>
+            <a:fontRef idx="minor">
+              <a:schemeClr val="tx1"/>
+            </a:fontRef>
+          </p:style>
+        </p:cxnSp>
+        <p:cxnSp>
+          <p:nvCxnSpPr>
+            <p:cNvPr id="56" name="직선 연결선 55"/>
+            <p:cNvCxnSpPr/>
+            <p:nvPr/>
+          </p:nvCxnSpPr>
+          <p:spPr>
+            <a:xfrm flipV="1">
+              <a:off x="4716016" y="3579862"/>
+              <a:ext cx="432048" cy="9526"/>
+            </a:xfrm>
+            <a:prstGeom prst="line">
+              <a:avLst/>
+            </a:prstGeom>
+            <a:ln w="28575">
+              <a:solidFill>
+                <a:srgbClr val="A3FF0D"/>
+              </a:solidFill>
+              <a:headEnd type="none" w="med" len="med"/>
+              <a:tailEnd type="arrow" w="med" len="med"/>
+            </a:ln>
+          </p:spPr>
+          <p:style>
+            <a:lnRef idx="1">
+              <a:schemeClr val="accent1"/>
+            </a:lnRef>
+            <a:fillRef idx="0">
+              <a:schemeClr val="accent1"/>
+            </a:fillRef>
+            <a:effectRef idx="0">
+              <a:schemeClr val="accent1"/>
+            </a:effectRef>
+            <a:fontRef idx="minor">
+              <a:schemeClr val="tx1"/>
+            </a:fontRef>
+          </p:style>
+        </p:cxnSp>
+        <p:sp>
+          <p:nvSpPr>
+            <p:cNvPr id="59" name="모서리가 둥근 직사각형 58"/>
+            <p:cNvSpPr/>
+            <p:nvPr/>
+          </p:nvSpPr>
+          <p:spPr>
+            <a:xfrm>
+              <a:off x="5220072" y="3291830"/>
+              <a:ext cx="2880320" cy="648072"/>
+            </a:xfrm>
+            <a:prstGeom prst="roundRect">
+              <a:avLst/>
+            </a:prstGeom>
+            <a:solidFill>
+              <a:schemeClr val="bg1"/>
+            </a:solidFill>
+            <a:ln>
+              <a:solidFill>
+                <a:srgbClr val="242424"/>
+              </a:solidFill>
+            </a:ln>
+            <a:effectLst>
+              <a:outerShdw blurRad="50800" dist="38100" dir="2700000" algn="tl" rotWithShape="0">
+                <a:prstClr val="black">
+                  <a:alpha val="40000"/>
+                </a:prstClr>
+              </a:outerShdw>
+            </a:effectLst>
+          </p:spPr>
+          <p:style>
+            <a:lnRef idx="2">
+              <a:schemeClr val="accent1">
+                <a:shade val="50000"/>
+              </a:schemeClr>
+            </a:lnRef>
+            <a:fillRef idx="1">
+              <a:schemeClr val="accent1"/>
+            </a:fillRef>
+            <a:effectRef idx="0">
+              <a:schemeClr val="accent1"/>
+            </a:effectRef>
+            <a:fontRef idx="minor">
+              <a:schemeClr val="lt1"/>
+            </a:fontRef>
+          </p:style>
+          <p:txBody>
+            <a:bodyPr rtlCol="0" anchor="ctr"/>
+            <a:lstStyle/>
+            <a:p>
+              <a:r>
+                <a:rPr lang="en-US" altLang="ko-KR" sz="1000" dirty="0" smtClean="0">
+                  <a:solidFill>
+                    <a:schemeClr val="tx1"/>
+                  </a:solidFill>
+                  <a:latin typeface="나눔바른고딕" pitchFamily="50" charset="-127"/>
+                  <a:ea typeface="나눔바른고딕" pitchFamily="50" charset="-127"/>
+                </a:rPr>
+                <a:t>A</a:t>
+              </a:r>
+              <a:r>
+                <a:rPr lang="ko-KR" altLang="en-US" sz="1000" dirty="0" smtClean="0">
+                  <a:solidFill>
+                    <a:schemeClr val="tx1"/>
+                  </a:solidFill>
+                  <a:latin typeface="나눔바른고딕" pitchFamily="50" charset="-127"/>
+                  <a:ea typeface="나눔바른고딕" pitchFamily="50" charset="-127"/>
+                </a:rPr>
+                <a:t>대학선택</a:t>
+              </a:r>
+              <a:r>
+                <a:rPr lang="en-US" altLang="ko-KR" sz="1000" dirty="0" smtClean="0">
+                  <a:solidFill>
+                    <a:schemeClr val="tx1"/>
+                  </a:solidFill>
+                  <a:latin typeface="나눔바른고딕" pitchFamily="50" charset="-127"/>
+                  <a:ea typeface="나눔바른고딕" pitchFamily="50" charset="-127"/>
+                </a:rPr>
+                <a:t>, </a:t>
+              </a:r>
+              <a:r>
+                <a:rPr lang="ko-KR" altLang="en-US" sz="1000" dirty="0" smtClean="0">
+                  <a:solidFill>
+                    <a:schemeClr val="tx1"/>
+                  </a:solidFill>
+                  <a:latin typeface="나눔바른고딕" pitchFamily="50" charset="-127"/>
+                  <a:ea typeface="나눔바른고딕" pitchFamily="50" charset="-127"/>
+                </a:rPr>
+                <a:t>미혼</a:t>
+              </a:r>
+              <a:r>
+                <a:rPr lang="en-US" altLang="ko-KR" sz="1000" dirty="0" smtClean="0">
+                  <a:solidFill>
+                    <a:schemeClr val="tx1"/>
+                  </a:solidFill>
+                  <a:latin typeface="나눔바른고딕" pitchFamily="50" charset="-127"/>
+                  <a:ea typeface="나눔바른고딕" pitchFamily="50" charset="-127"/>
+                </a:rPr>
+                <a:t>, </a:t>
+              </a:r>
+              <a:r>
+                <a:rPr lang="ko-KR" altLang="en-US" sz="1000" dirty="0" smtClean="0">
+                  <a:solidFill>
+                    <a:schemeClr val="tx1"/>
+                  </a:solidFill>
+                  <a:latin typeface="나눔바른고딕" pitchFamily="50" charset="-127"/>
+                  <a:ea typeface="나눔바른고딕" pitchFamily="50" charset="-127"/>
+                </a:rPr>
+                <a:t>고백해봄</a:t>
+              </a:r>
+              <a:r>
+                <a:rPr lang="en-US" altLang="ko-KR" sz="1000" dirty="0" smtClean="0">
+                  <a:solidFill>
+                    <a:schemeClr val="tx1"/>
+                  </a:solidFill>
+                  <a:latin typeface="나눔바른고딕" pitchFamily="50" charset="-127"/>
+                  <a:ea typeface="나눔바른고딕" pitchFamily="50" charset="-127"/>
+                </a:rPr>
+                <a:t>, </a:t>
+              </a:r>
+              <a:r>
+                <a:rPr lang="ko-KR" altLang="en-US" sz="1000" dirty="0" err="1" smtClean="0">
+                  <a:solidFill>
+                    <a:schemeClr val="tx1"/>
+                  </a:solidFill>
+                  <a:latin typeface="나눔바른고딕" pitchFamily="50" charset="-127"/>
+                  <a:ea typeface="나눔바른고딕" pitchFamily="50" charset="-127"/>
+                </a:rPr>
+                <a:t>안놀고</a:t>
+              </a:r>
+              <a:r>
+                <a:rPr lang="ko-KR" altLang="en-US" sz="1000" dirty="0" smtClean="0">
+                  <a:solidFill>
+                    <a:schemeClr val="tx1"/>
+                  </a:solidFill>
+                  <a:latin typeface="나눔바른고딕" pitchFamily="50" charset="-127"/>
+                  <a:ea typeface="나눔바른고딕" pitchFamily="50" charset="-127"/>
+                </a:rPr>
+                <a:t> 공부</a:t>
+              </a:r>
+              <a:r>
+                <a:rPr lang="en-US" altLang="ko-KR" sz="1000" dirty="0" smtClean="0">
+                  <a:solidFill>
+                    <a:schemeClr val="tx1"/>
+                  </a:solidFill>
+                  <a:latin typeface="나눔바른고딕" pitchFamily="50" charset="-127"/>
+                  <a:ea typeface="나눔바른고딕" pitchFamily="50" charset="-127"/>
+                </a:rPr>
+                <a:t>, A</a:t>
+              </a:r>
+              <a:r>
+                <a:rPr lang="ko-KR" altLang="en-US" sz="1000" dirty="0" smtClean="0">
+                  <a:solidFill>
+                    <a:schemeClr val="tx1"/>
+                  </a:solidFill>
+                  <a:latin typeface="나눔바른고딕" pitchFamily="50" charset="-127"/>
+                  <a:ea typeface="나눔바른고딕" pitchFamily="50" charset="-127"/>
+                </a:rPr>
+                <a:t>회사 입사</a:t>
+              </a:r>
+              <a:r>
+                <a:rPr lang="en-US" altLang="ko-KR" sz="1000" dirty="0" smtClean="0">
+                  <a:solidFill>
+                    <a:schemeClr val="tx1"/>
+                  </a:solidFill>
+                  <a:latin typeface="나눔바른고딕" pitchFamily="50" charset="-127"/>
+                  <a:ea typeface="나눔바른고딕" pitchFamily="50" charset="-127"/>
+                </a:rPr>
+                <a:t/>
+              </a:r>
+              <a:br>
+                <a:rPr lang="en-US" altLang="ko-KR" sz="1000" dirty="0" smtClean="0">
+                  <a:solidFill>
+                    <a:schemeClr val="tx1"/>
+                  </a:solidFill>
+                  <a:latin typeface="나눔바른고딕" pitchFamily="50" charset="-127"/>
+                  <a:ea typeface="나눔바른고딕" pitchFamily="50" charset="-127"/>
+                </a:rPr>
+              </a:br>
+              <a:r>
+                <a:rPr lang="ko-KR" altLang="en-US" sz="1000" dirty="0" smtClean="0">
+                  <a:solidFill>
+                    <a:schemeClr val="tx1"/>
+                  </a:solidFill>
+                  <a:latin typeface="나눔바른고딕" pitchFamily="50" charset="-127"/>
+                  <a:ea typeface="나눔바른고딕" pitchFamily="50" charset="-127"/>
+                </a:rPr>
+                <a:t>한  인생으로 </a:t>
+              </a:r>
+              <a:r>
+                <a:rPr lang="en-US" altLang="ko-KR" sz="1000" dirty="0" smtClean="0">
+                  <a:solidFill>
+                    <a:schemeClr val="tx1"/>
+                  </a:solidFill>
+                  <a:latin typeface="나눔바른고딕" pitchFamily="50" charset="-127"/>
+                  <a:ea typeface="나눔바른고딕" pitchFamily="50" charset="-127"/>
+                </a:rPr>
+                <a:t>checkout</a:t>
+              </a:r>
+              <a:r>
+                <a:rPr lang="ko-KR" altLang="en-US" sz="1000" dirty="0" smtClean="0">
+                  <a:solidFill>
+                    <a:schemeClr val="tx1"/>
+                  </a:solidFill>
+                  <a:latin typeface="나눔바른고딕" pitchFamily="50" charset="-127"/>
+                  <a:ea typeface="나눔바른고딕" pitchFamily="50" charset="-127"/>
+                </a:rPr>
+                <a:t> </a:t>
+              </a:r>
+              <a:endParaRPr lang="ko-KR" altLang="en-US" sz="1000" dirty="0">
+                <a:solidFill>
+                  <a:schemeClr val="tx1"/>
+                </a:solidFill>
+                <a:latin typeface="나눔바른고딕" pitchFamily="50" charset="-127"/>
+                <a:ea typeface="나눔바른고딕" pitchFamily="50" charset="-127"/>
+              </a:endParaRPr>
+            </a:p>
+          </p:txBody>
+        </p:sp>
+      </p:grpSp>
+    </p:spTree>
+  </p:cSld>
+  <p:clrMapOvr>
+    <a:masterClrMapping/>
+  </p:clrMapOvr>
+  <p:timing>
+    <p:tnLst>
+      <p:par>
+        <p:cTn id="1" dur="indefinite" restart="never" nodeType="tmRoot"/>
+      </p:par>
+    </p:tnLst>
+  </p:timing>
+</p:sld>
+</file>
+
+<file path=ppt/slides/slide18.xml><?xml version="1.0" encoding="utf-8"?>
+<p:sld xmlns:a="http://schemas.openxmlformats.org/drawingml/2006/main" xmlns:r="http://schemas.openxmlformats.org/officeDocument/2006/relationships" xmlns:p="http://schemas.openxmlformats.org/presentationml/2006/main">
+  <p:cSld>
+    <p:spTree>
+      <p:nvGrpSpPr>
+        <p:cNvPr id="1" name=""/>
+        <p:cNvGrpSpPr/>
+        <p:nvPr/>
+      </p:nvGrpSpPr>
+      <p:grpSpPr>
+        <a:xfrm>
+          <a:off x="0" y="0"/>
+          <a:ext cx="0" cy="0"/>
+          <a:chOff x="0" y="0"/>
+          <a:chExt cx="0" cy="0"/>
+        </a:xfrm>
+      </p:grpSpPr>
+      <p:sp>
+        <p:nvSpPr>
+          <p:cNvPr id="16" name="평행 사변형 15"/>
+          <p:cNvSpPr/>
+          <p:nvPr/>
+        </p:nvSpPr>
+        <p:spPr>
+          <a:xfrm rot="16200000">
+            <a:off x="2000251" y="-2000251"/>
+            <a:ext cx="5143500" cy="9144001"/>
+          </a:xfrm>
+          <a:prstGeom prst="parallelogram">
+            <a:avLst>
+              <a:gd name="adj" fmla="val 7753"/>
+            </a:avLst>
+          </a:prstGeom>
+          <a:solidFill>
+            <a:srgbClr val="473F3D"/>
+          </a:solidFill>
+          <a:ln>
+            <a:noFill/>
+          </a:ln>
+        </p:spPr>
+        <p:style>
+          <a:lnRef idx="2">
+            <a:schemeClr val="accent1">
+              <a:shade val="50000"/>
+            </a:schemeClr>
+          </a:lnRef>
+          <a:fillRef idx="1">
+            <a:schemeClr val="accent1"/>
+          </a:fillRef>
+          <a:effectRef idx="0">
+            <a:schemeClr val="accent1"/>
+          </a:effectRef>
+          <a:fontRef idx="minor">
+            <a:schemeClr val="lt1"/>
+          </a:fontRef>
+        </p:style>
+        <p:txBody>
+          <a:bodyPr rtlCol="0" anchor="ctr"/>
+          <a:lstStyle/>
+          <a:p>
+            <a:pPr algn="ctr"/>
+            <a:endParaRPr lang="ko-KR" altLang="en-US" sz="1600"/>
+          </a:p>
+        </p:txBody>
+      </p:sp>
+      <p:cxnSp>
+        <p:nvCxnSpPr>
+          <p:cNvPr id="11" name="직선 연결선 10"/>
+          <p:cNvCxnSpPr/>
+          <p:nvPr/>
+        </p:nvCxnSpPr>
+        <p:spPr>
+          <a:xfrm>
+            <a:off x="539552" y="915566"/>
+            <a:ext cx="8136904" cy="0"/>
+          </a:xfrm>
+          <a:prstGeom prst="line">
+            <a:avLst/>
+          </a:prstGeom>
+          <a:ln w="12700">
+            <a:solidFill>
+              <a:schemeClr val="bg1"/>
+            </a:solidFill>
+          </a:ln>
+        </p:spPr>
+        <p:style>
+          <a:lnRef idx="1">
+            <a:schemeClr val="accent1"/>
+          </a:lnRef>
+          <a:fillRef idx="0">
+            <a:schemeClr val="accent1"/>
+          </a:fillRef>
+          <a:effectRef idx="0">
+            <a:schemeClr val="accent1"/>
+          </a:effectRef>
+          <a:fontRef idx="minor">
+            <a:schemeClr val="tx1"/>
+          </a:fontRef>
+        </p:style>
+      </p:cxnSp>
+      <p:cxnSp>
+        <p:nvCxnSpPr>
+          <p:cNvPr id="12" name="직선 연결선 11"/>
+          <p:cNvCxnSpPr/>
+          <p:nvPr/>
+        </p:nvCxnSpPr>
+        <p:spPr>
+          <a:xfrm>
+            <a:off x="467544" y="4299942"/>
+            <a:ext cx="8136904" cy="0"/>
+          </a:xfrm>
+          <a:prstGeom prst="line">
+            <a:avLst/>
+          </a:prstGeom>
+          <a:ln w="12700">
+            <a:solidFill>
+              <a:schemeClr val="bg1"/>
+            </a:solidFill>
+          </a:ln>
+        </p:spPr>
+        <p:style>
+          <a:lnRef idx="1">
+            <a:schemeClr val="accent1"/>
+          </a:lnRef>
+          <a:fillRef idx="0">
+            <a:schemeClr val="accent1"/>
+          </a:fillRef>
+          <a:effectRef idx="0">
+            <a:schemeClr val="accent1"/>
+          </a:effectRef>
+          <a:fontRef idx="minor">
+            <a:schemeClr val="tx1"/>
+          </a:fontRef>
+        </p:style>
+      </p:cxnSp>
+      <p:cxnSp>
+        <p:nvCxnSpPr>
+          <p:cNvPr id="14" name="직선 연결선 13"/>
+          <p:cNvCxnSpPr/>
+          <p:nvPr/>
+        </p:nvCxnSpPr>
+        <p:spPr>
+          <a:xfrm>
+            <a:off x="467544" y="915566"/>
+            <a:ext cx="8208912" cy="0"/>
+          </a:xfrm>
+          <a:prstGeom prst="line">
+            <a:avLst/>
+          </a:prstGeom>
+          <a:ln w="12700">
+            <a:solidFill>
+              <a:schemeClr val="bg1"/>
+            </a:solidFill>
+          </a:ln>
+        </p:spPr>
+        <p:style>
+          <a:lnRef idx="1">
+            <a:schemeClr val="accent1"/>
+          </a:lnRef>
+          <a:fillRef idx="0">
+            <a:schemeClr val="accent1"/>
+          </a:fillRef>
+          <a:effectRef idx="0">
+            <a:schemeClr val="accent1"/>
+          </a:effectRef>
+          <a:fontRef idx="minor">
+            <a:schemeClr val="tx1"/>
+          </a:fontRef>
+        </p:style>
+      </p:cxnSp>
+      <p:cxnSp>
+        <p:nvCxnSpPr>
+          <p:cNvPr id="15" name="직선 연결선 14"/>
+          <p:cNvCxnSpPr/>
+          <p:nvPr/>
+        </p:nvCxnSpPr>
+        <p:spPr>
+          <a:xfrm>
+            <a:off x="467544" y="4299942"/>
+            <a:ext cx="8208912" cy="0"/>
+          </a:xfrm>
+          <a:prstGeom prst="line">
+            <a:avLst/>
+          </a:prstGeom>
+          <a:ln w="12700">
+            <a:solidFill>
+              <a:schemeClr val="bg1"/>
+            </a:solidFill>
+          </a:ln>
+        </p:spPr>
+        <p:style>
+          <a:lnRef idx="1">
+            <a:schemeClr val="accent1"/>
+          </a:lnRef>
+          <a:fillRef idx="0">
+            <a:schemeClr val="accent1"/>
+          </a:fillRef>
+          <a:effectRef idx="0">
+            <a:schemeClr val="accent1"/>
+          </a:effectRef>
+          <a:fontRef idx="minor">
+            <a:schemeClr val="tx1"/>
+          </a:fontRef>
+        </p:style>
+      </p:cxnSp>
+      <p:sp>
+        <p:nvSpPr>
+          <p:cNvPr id="14344" name="AutoShape 8" descr="ê´ë ¨ ì´ë¯¸ì§"/>
+          <p:cNvSpPr>
+            <a:spLocks noChangeAspect="1" noChangeArrowheads="1"/>
+          </p:cNvSpPr>
+          <p:nvPr/>
+        </p:nvSpPr>
+        <p:spPr bwMode="auto">
+          <a:xfrm>
+            <a:off x="168275" y="-136525"/>
+            <a:ext cx="298450" cy="298450"/>
+          </a:xfrm>
+          <a:prstGeom prst="rect">
+            <a:avLst/>
+          </a:prstGeom>
+          <a:noFill/>
+        </p:spPr>
+        <p:txBody>
+          <a:bodyPr vert="horz" wrap="square" lIns="91440" tIns="45720" rIns="91440" bIns="45720" numCol="1" anchor="t" anchorCtr="0" compatLnSpc="1">
+            <a:prstTxWarp prst="textNoShape">
+              <a:avLst/>
+            </a:prstTxWarp>
+          </a:bodyPr>
+          <a:lstStyle/>
+          <a:p>
+            <a:endParaRPr lang="ko-KR" altLang="en-US"/>
+          </a:p>
+        </p:txBody>
+      </p:sp>
+      <p:sp>
+        <p:nvSpPr>
+          <p:cNvPr id="14346" name="AutoShape 10" descr="ê´ë ¨ ì´ë¯¸ì§"/>
+          <p:cNvSpPr>
+            <a:spLocks noChangeAspect="1" noChangeArrowheads="1"/>
+          </p:cNvSpPr>
+          <p:nvPr/>
+        </p:nvSpPr>
+        <p:spPr bwMode="auto">
+          <a:xfrm>
+            <a:off x="168275" y="-136525"/>
+            <a:ext cx="298450" cy="298450"/>
+          </a:xfrm>
+          <a:prstGeom prst="rect">
+            <a:avLst/>
+          </a:prstGeom>
+          <a:noFill/>
+        </p:spPr>
+        <p:txBody>
+          <a:bodyPr vert="horz" wrap="square" lIns="91440" tIns="45720" rIns="91440" bIns="45720" numCol="1" anchor="t" anchorCtr="0" compatLnSpc="1">
+            <a:prstTxWarp prst="textNoShape">
+              <a:avLst/>
+            </a:prstTxWarp>
+          </a:bodyPr>
+          <a:lstStyle/>
+          <a:p>
+            <a:endParaRPr lang="ko-KR" altLang="en-US"/>
+          </a:p>
+        </p:txBody>
+      </p:sp>
+      <p:sp>
+        <p:nvSpPr>
+          <p:cNvPr id="14348" name="AutoShape 12" descr="ê´ë ¨ ì´ë¯¸ì§"/>
+          <p:cNvSpPr>
+            <a:spLocks noChangeAspect="1" noChangeArrowheads="1"/>
+          </p:cNvSpPr>
+          <p:nvPr/>
+        </p:nvSpPr>
+        <p:spPr bwMode="auto">
+          <a:xfrm>
+            <a:off x="168275" y="-136525"/>
+            <a:ext cx="298450" cy="298450"/>
+          </a:xfrm>
+          <a:prstGeom prst="rect">
+            <a:avLst/>
+          </a:prstGeom>
+          <a:noFill/>
+        </p:spPr>
+        <p:txBody>
+          <a:bodyPr vert="horz" wrap="square" lIns="91440" tIns="45720" rIns="91440" bIns="45720" numCol="1" anchor="t" anchorCtr="0" compatLnSpc="1">
+            <a:prstTxWarp prst="textNoShape">
+              <a:avLst/>
+            </a:prstTxWarp>
+          </a:bodyPr>
+          <a:lstStyle/>
+          <a:p>
+            <a:endParaRPr lang="ko-KR" altLang="en-US"/>
+          </a:p>
+        </p:txBody>
+      </p:sp>
+      <p:sp>
+        <p:nvSpPr>
+          <p:cNvPr id="14350" name="AutoShape 14" descr="ê´ë ¨ ì´ë¯¸ì§"/>
+          <p:cNvSpPr>
+            <a:spLocks noChangeAspect="1" noChangeArrowheads="1"/>
+          </p:cNvSpPr>
+          <p:nvPr/>
+        </p:nvSpPr>
+        <p:spPr bwMode="auto">
+          <a:xfrm>
+            <a:off x="168275" y="-136525"/>
+            <a:ext cx="298450" cy="298450"/>
+          </a:xfrm>
+          <a:prstGeom prst="rect">
+            <a:avLst/>
+          </a:prstGeom>
+          <a:noFill/>
+        </p:spPr>
+        <p:txBody>
+          <a:bodyPr vert="horz" wrap="square" lIns="91440" tIns="45720" rIns="91440" bIns="45720" numCol="1" anchor="t" anchorCtr="0" compatLnSpc="1">
+            <a:prstTxWarp prst="textNoShape">
+              <a:avLst/>
+            </a:prstTxWarp>
+          </a:bodyPr>
+          <a:lstStyle/>
+          <a:p>
+            <a:endParaRPr lang="ko-KR" altLang="en-US"/>
+          </a:p>
+        </p:txBody>
+      </p:sp>
+      <p:sp>
+        <p:nvSpPr>
+          <p:cNvPr id="27" name="TextBox 26"/>
+          <p:cNvSpPr txBox="1"/>
+          <p:nvPr/>
+        </p:nvSpPr>
+        <p:spPr>
+          <a:xfrm>
+            <a:off x="611560" y="483518"/>
+            <a:ext cx="6552728" cy="461665"/>
+          </a:xfrm>
+          <a:prstGeom prst="rect">
+            <a:avLst/>
+          </a:prstGeom>
+          <a:noFill/>
+        </p:spPr>
+        <p:txBody>
+          <a:bodyPr wrap="square" rtlCol="0">
+            <a:spAutoFit/>
+          </a:bodyPr>
+          <a:lstStyle/>
+          <a:p>
+            <a:r>
+              <a:rPr lang="en-US" altLang="ko-KR" sz="2400" dirty="0" smtClean="0">
+                <a:solidFill>
+                  <a:schemeClr val="bg1">
+                    <a:lumMod val="95000"/>
+                  </a:schemeClr>
+                </a:solidFill>
+                <a:latin typeface="나눔바른고딕" pitchFamily="50" charset="-127"/>
+                <a:ea typeface="나눔바른고딕" pitchFamily="50" charset="-127"/>
+              </a:rPr>
+              <a:t>1-3. </a:t>
+            </a:r>
+            <a:r>
+              <a:rPr lang="en-US" altLang="ko-KR" sz="2400" dirty="0" err="1" smtClean="0">
+                <a:solidFill>
+                  <a:schemeClr val="bg1">
+                    <a:lumMod val="95000"/>
+                  </a:schemeClr>
+                </a:solidFill>
+                <a:latin typeface="나눔바른고딕" pitchFamily="50" charset="-127"/>
+                <a:ea typeface="나눔바른고딕" pitchFamily="50" charset="-127"/>
+              </a:rPr>
+              <a:t>git</a:t>
+            </a:r>
+            <a:r>
+              <a:rPr lang="en-US" altLang="ko-KR" sz="2400" dirty="0" smtClean="0">
+                <a:solidFill>
+                  <a:schemeClr val="bg1">
+                    <a:lumMod val="95000"/>
+                  </a:schemeClr>
+                </a:solidFill>
+                <a:latin typeface="나눔바른고딕" pitchFamily="50" charset="-127"/>
+                <a:ea typeface="나눔바른고딕" pitchFamily="50" charset="-127"/>
+              </a:rPr>
+              <a:t> </a:t>
+            </a:r>
+            <a:r>
+              <a:rPr lang="ko-KR" altLang="en-US" sz="2400" dirty="0" err="1" smtClean="0">
+                <a:solidFill>
+                  <a:schemeClr val="bg1">
+                    <a:lumMod val="95000"/>
+                  </a:schemeClr>
+                </a:solidFill>
+                <a:latin typeface="나눔바른고딕" pitchFamily="50" charset="-127"/>
+                <a:ea typeface="나눔바른고딕" pitchFamily="50" charset="-127"/>
+              </a:rPr>
+              <a:t>브랜치</a:t>
+            </a:r>
+            <a:endParaRPr lang="ko-KR" altLang="en-US" sz="2400" dirty="0">
+              <a:solidFill>
+                <a:schemeClr val="bg1">
+                  <a:lumMod val="95000"/>
+                </a:schemeClr>
+              </a:solidFill>
+              <a:latin typeface="나눔바른고딕" pitchFamily="50" charset="-127"/>
+              <a:ea typeface="나눔바른고딕" pitchFamily="50" charset="-127"/>
+            </a:endParaRPr>
+          </a:p>
+        </p:txBody>
+      </p:sp>
+      <p:sp>
+        <p:nvSpPr>
+          <p:cNvPr id="25" name="TextBox 24"/>
+          <p:cNvSpPr txBox="1"/>
+          <p:nvPr/>
+        </p:nvSpPr>
+        <p:spPr>
+          <a:xfrm>
+            <a:off x="899592" y="1059582"/>
+            <a:ext cx="4896544" cy="646331"/>
+          </a:xfrm>
+          <a:prstGeom prst="rect">
+            <a:avLst/>
+          </a:prstGeom>
+          <a:noFill/>
+        </p:spPr>
+        <p:txBody>
+          <a:bodyPr wrap="square" rtlCol="0">
+            <a:spAutoFit/>
+          </a:bodyPr>
+          <a:lstStyle/>
+          <a:p>
+            <a:pPr marL="342900" indent="-342900"/>
+            <a:r>
+              <a:rPr lang="en-US" altLang="ko-KR" dirty="0" smtClean="0">
+                <a:solidFill>
+                  <a:schemeClr val="bg1"/>
+                </a:solidFill>
+                <a:latin typeface="나눔바른고딕" pitchFamily="50" charset="-127"/>
+                <a:ea typeface="나눔바른고딕" pitchFamily="50" charset="-127"/>
+              </a:rPr>
+              <a:t>1. </a:t>
+            </a:r>
+            <a:r>
+              <a:rPr lang="ko-KR" altLang="en-US" dirty="0" smtClean="0">
+                <a:solidFill>
+                  <a:schemeClr val="bg1"/>
+                </a:solidFill>
+                <a:latin typeface="나눔바른고딕" pitchFamily="50" charset="-127"/>
+                <a:ea typeface="나눔바른고딕" pitchFamily="50" charset="-127"/>
+              </a:rPr>
+              <a:t>돌아갈 수 있다</a:t>
+            </a:r>
+            <a:r>
+              <a:rPr lang="en-US" altLang="ko-KR" dirty="0" smtClean="0">
+                <a:solidFill>
+                  <a:schemeClr val="bg1"/>
+                </a:solidFill>
+                <a:latin typeface="나눔바른고딕" pitchFamily="50" charset="-127"/>
+                <a:ea typeface="나눔바른고딕" pitchFamily="50" charset="-127"/>
+              </a:rPr>
+              <a:t>. </a:t>
+            </a:r>
+            <a:r>
+              <a:rPr lang="ko-KR" altLang="en-US" dirty="0" smtClean="0">
+                <a:solidFill>
+                  <a:schemeClr val="bg1"/>
+                </a:solidFill>
+                <a:latin typeface="나눔바른고딕" pitchFamily="50" charset="-127"/>
+                <a:ea typeface="나눔바른고딕" pitchFamily="50" charset="-127"/>
+              </a:rPr>
+              <a:t>즉시</a:t>
+            </a:r>
+            <a:r>
+              <a:rPr lang="en-US" altLang="ko-KR" dirty="0" smtClean="0">
+                <a:solidFill>
+                  <a:schemeClr val="bg1"/>
+                </a:solidFill>
+                <a:latin typeface="나눔바른고딕" pitchFamily="50" charset="-127"/>
+                <a:ea typeface="나눔바른고딕" pitchFamily="50" charset="-127"/>
+              </a:rPr>
+              <a:t> </a:t>
+            </a:r>
           </a:p>
           <a:p>
             <a:pPr marL="342900" indent="-342900">
@@ -9024,19 +11591,7 @@
                 <a:latin typeface="나눔바른고딕" pitchFamily="50" charset="-127"/>
                 <a:ea typeface="나눔바른고딕" pitchFamily="50" charset="-127"/>
               </a:rPr>
-              <a:t>의 </a:t>
-            </a:r>
-            <a:r>
-              <a:rPr lang="ko-KR" altLang="en-US" dirty="0" smtClean="0">
-                <a:solidFill>
-                  <a:schemeClr val="bg1">
-                    <a:lumMod val="95000"/>
-                  </a:schemeClr>
-                </a:solidFill>
-                <a:latin typeface="나눔바른고딕" pitchFamily="50" charset="-127"/>
-                <a:ea typeface="나눔바른고딕" pitchFamily="50" charset="-127"/>
-              </a:rPr>
-              <a:t>소중함 느낀 계기</a:t>
+              <a:t>의 소중함 느낀 계기</a:t>
             </a:r>
             <a:endParaRPr lang="en-US" altLang="ko-KR" dirty="0" smtClean="0">
               <a:solidFill>
@@ -11200,19 +13755,7 @@
                 <a:latin typeface="나눔바른고딕" pitchFamily="50" charset="-127"/>
                 <a:ea typeface="나눔바른고딕" pitchFamily="50" charset="-127"/>
               </a:rPr>
-              <a:t>사용패턴이 </a:t>
-            </a:r>
-            <a:r>
-              <a:rPr lang="ko-KR" altLang="en-US" sz="2000" dirty="0" smtClean="0">
-                <a:solidFill>
-                  <a:schemeClr val="bg1">
-                    <a:lumMod val="95000"/>
-                  </a:schemeClr>
-                </a:solidFill>
-                <a:latin typeface="나눔바른고딕" pitchFamily="50" charset="-127"/>
-                <a:ea typeface="나눔바른고딕" pitchFamily="50" charset="-127"/>
-              </a:rPr>
-              <a:t>같았음</a:t>
+              <a:t>사용패턴이 같았음</a:t>
             </a:r>
             <a:r>
               <a:rPr lang="en-US" altLang="ko-KR" sz="2000" dirty="0" smtClean="0">

--- a/git발표.pptx
+++ b/git발표.pptx
@@ -22,7 +22,6 @@
     <p:sldId id="271" r:id="rId16"/>
     <p:sldId id="272" r:id="rId17"/>
     <p:sldId id="273" r:id="rId18"/>
-    <p:sldId id="269" r:id="rId19"/>
   </p:sldIdLst>
   <p:sldSz cx="9144000" cy="5143500" type="screen16x9"/>
   <p:notesSz cx="6858000" cy="9144000"/>
@@ -10115,1149 +10114,6 @@
 </p:sld>
 </file>
 
-<file path=ppt/slides/slide18.xml><?xml version="1.0" encoding="utf-8"?>
-<p:sld xmlns:a="http://schemas.openxmlformats.org/drawingml/2006/main" xmlns:r="http://schemas.openxmlformats.org/officeDocument/2006/relationships" xmlns:p="http://schemas.openxmlformats.org/presentationml/2006/main">
-  <p:cSld>
-    <p:spTree>
-      <p:nvGrpSpPr>
-        <p:cNvPr id="1" name=""/>
-        <p:cNvGrpSpPr/>
-        <p:nvPr/>
-      </p:nvGrpSpPr>
-      <p:grpSpPr>
-        <a:xfrm>
-          <a:off x="0" y="0"/>
-          <a:ext cx="0" cy="0"/>
-          <a:chOff x="0" y="0"/>
-          <a:chExt cx="0" cy="0"/>
-        </a:xfrm>
-      </p:grpSpPr>
-      <p:sp>
-        <p:nvSpPr>
-          <p:cNvPr id="16" name="평행 사변형 15"/>
-          <p:cNvSpPr/>
-          <p:nvPr/>
-        </p:nvSpPr>
-        <p:spPr>
-          <a:xfrm rot="16200000">
-            <a:off x="2000251" y="-2000251"/>
-            <a:ext cx="5143500" cy="9144001"/>
-          </a:xfrm>
-          <a:prstGeom prst="parallelogram">
-            <a:avLst>
-              <a:gd name="adj" fmla="val 7753"/>
-            </a:avLst>
-          </a:prstGeom>
-          <a:solidFill>
-            <a:srgbClr val="473F3D"/>
-          </a:solidFill>
-          <a:ln>
-            <a:noFill/>
-          </a:ln>
-        </p:spPr>
-        <p:style>
-          <a:lnRef idx="2">
-            <a:schemeClr val="accent1">
-              <a:shade val="50000"/>
-            </a:schemeClr>
-          </a:lnRef>
-          <a:fillRef idx="1">
-            <a:schemeClr val="accent1"/>
-          </a:fillRef>
-          <a:effectRef idx="0">
-            <a:schemeClr val="accent1"/>
-          </a:effectRef>
-          <a:fontRef idx="minor">
-            <a:schemeClr val="lt1"/>
-          </a:fontRef>
-        </p:style>
-        <p:txBody>
-          <a:bodyPr rtlCol="0" anchor="ctr"/>
-          <a:lstStyle/>
-          <a:p>
-            <a:pPr algn="ctr"/>
-            <a:endParaRPr lang="ko-KR" altLang="en-US" sz="1600"/>
-          </a:p>
-        </p:txBody>
-      </p:sp>
-      <p:cxnSp>
-        <p:nvCxnSpPr>
-          <p:cNvPr id="11" name="직선 연결선 10"/>
-          <p:cNvCxnSpPr/>
-          <p:nvPr/>
-        </p:nvCxnSpPr>
-        <p:spPr>
-          <a:xfrm>
-            <a:off x="539552" y="915566"/>
-            <a:ext cx="8136904" cy="0"/>
-          </a:xfrm>
-          <a:prstGeom prst="line">
-            <a:avLst/>
-          </a:prstGeom>
-          <a:ln w="12700">
-            <a:solidFill>
-              <a:schemeClr val="bg1"/>
-            </a:solidFill>
-          </a:ln>
-        </p:spPr>
-        <p:style>
-          <a:lnRef idx="1">
-            <a:schemeClr val="accent1"/>
-          </a:lnRef>
-          <a:fillRef idx="0">
-            <a:schemeClr val="accent1"/>
-          </a:fillRef>
-          <a:effectRef idx="0">
-            <a:schemeClr val="accent1"/>
-          </a:effectRef>
-          <a:fontRef idx="minor">
-            <a:schemeClr val="tx1"/>
-          </a:fontRef>
-        </p:style>
-      </p:cxnSp>
-      <p:cxnSp>
-        <p:nvCxnSpPr>
-          <p:cNvPr id="12" name="직선 연결선 11"/>
-          <p:cNvCxnSpPr/>
-          <p:nvPr/>
-        </p:nvCxnSpPr>
-        <p:spPr>
-          <a:xfrm>
-            <a:off x="467544" y="4299942"/>
-            <a:ext cx="8136904" cy="0"/>
-          </a:xfrm>
-          <a:prstGeom prst="line">
-            <a:avLst/>
-          </a:prstGeom>
-          <a:ln w="12700">
-            <a:solidFill>
-              <a:schemeClr val="bg1"/>
-            </a:solidFill>
-          </a:ln>
-        </p:spPr>
-        <p:style>
-          <a:lnRef idx="1">
-            <a:schemeClr val="accent1"/>
-          </a:lnRef>
-          <a:fillRef idx="0">
-            <a:schemeClr val="accent1"/>
-          </a:fillRef>
-          <a:effectRef idx="0">
-            <a:schemeClr val="accent1"/>
-          </a:effectRef>
-          <a:fontRef idx="minor">
-            <a:schemeClr val="tx1"/>
-          </a:fontRef>
-        </p:style>
-      </p:cxnSp>
-      <p:cxnSp>
-        <p:nvCxnSpPr>
-          <p:cNvPr id="14" name="직선 연결선 13"/>
-          <p:cNvCxnSpPr/>
-          <p:nvPr/>
-        </p:nvCxnSpPr>
-        <p:spPr>
-          <a:xfrm>
-            <a:off x="467544" y="915566"/>
-            <a:ext cx="8208912" cy="0"/>
-          </a:xfrm>
-          <a:prstGeom prst="line">
-            <a:avLst/>
-          </a:prstGeom>
-          <a:ln w="12700">
-            <a:solidFill>
-              <a:schemeClr val="bg1"/>
-            </a:solidFill>
-          </a:ln>
-        </p:spPr>
-        <p:style>
-          <a:lnRef idx="1">
-            <a:schemeClr val="accent1"/>
-          </a:lnRef>
-          <a:fillRef idx="0">
-            <a:schemeClr val="accent1"/>
-          </a:fillRef>
-          <a:effectRef idx="0">
-            <a:schemeClr val="accent1"/>
-          </a:effectRef>
-          <a:fontRef idx="minor">
-            <a:schemeClr val="tx1"/>
-          </a:fontRef>
-        </p:style>
-      </p:cxnSp>
-      <p:cxnSp>
-        <p:nvCxnSpPr>
-          <p:cNvPr id="15" name="직선 연결선 14"/>
-          <p:cNvCxnSpPr/>
-          <p:nvPr/>
-        </p:nvCxnSpPr>
-        <p:spPr>
-          <a:xfrm>
-            <a:off x="467544" y="4299942"/>
-            <a:ext cx="8208912" cy="0"/>
-          </a:xfrm>
-          <a:prstGeom prst="line">
-            <a:avLst/>
-          </a:prstGeom>
-          <a:ln w="12700">
-            <a:solidFill>
-              <a:schemeClr val="bg1"/>
-            </a:solidFill>
-          </a:ln>
-        </p:spPr>
-        <p:style>
-          <a:lnRef idx="1">
-            <a:schemeClr val="accent1"/>
-          </a:lnRef>
-          <a:fillRef idx="0">
-            <a:schemeClr val="accent1"/>
-          </a:fillRef>
-          <a:effectRef idx="0">
-            <a:schemeClr val="accent1"/>
-          </a:effectRef>
-          <a:fontRef idx="minor">
-            <a:schemeClr val="tx1"/>
-          </a:fontRef>
-        </p:style>
-      </p:cxnSp>
-      <p:sp>
-        <p:nvSpPr>
-          <p:cNvPr id="14344" name="AutoShape 8" descr="ê´ë ¨ ì´ë¯¸ì§"/>
-          <p:cNvSpPr>
-            <a:spLocks noChangeAspect="1" noChangeArrowheads="1"/>
-          </p:cNvSpPr>
-          <p:nvPr/>
-        </p:nvSpPr>
-        <p:spPr bwMode="auto">
-          <a:xfrm>
-            <a:off x="168275" y="-136525"/>
-            <a:ext cx="298450" cy="298450"/>
-          </a:xfrm>
-          <a:prstGeom prst="rect">
-            <a:avLst/>
-          </a:prstGeom>
-          <a:noFill/>
-        </p:spPr>
-        <p:txBody>
-          <a:bodyPr vert="horz" wrap="square" lIns="91440" tIns="45720" rIns="91440" bIns="45720" numCol="1" anchor="t" anchorCtr="0" compatLnSpc="1">
-            <a:prstTxWarp prst="textNoShape">
-              <a:avLst/>
-            </a:prstTxWarp>
-          </a:bodyPr>
-          <a:lstStyle/>
-          <a:p>
-            <a:endParaRPr lang="ko-KR" altLang="en-US"/>
-          </a:p>
-        </p:txBody>
-      </p:sp>
-      <p:sp>
-        <p:nvSpPr>
-          <p:cNvPr id="14346" name="AutoShape 10" descr="ê´ë ¨ ì´ë¯¸ì§"/>
-          <p:cNvSpPr>
-            <a:spLocks noChangeAspect="1" noChangeArrowheads="1"/>
-          </p:cNvSpPr>
-          <p:nvPr/>
-        </p:nvSpPr>
-        <p:spPr bwMode="auto">
-          <a:xfrm>
-            <a:off x="168275" y="-136525"/>
-            <a:ext cx="298450" cy="298450"/>
-          </a:xfrm>
-          <a:prstGeom prst="rect">
-            <a:avLst/>
-          </a:prstGeom>
-          <a:noFill/>
-        </p:spPr>
-        <p:txBody>
-          <a:bodyPr vert="horz" wrap="square" lIns="91440" tIns="45720" rIns="91440" bIns="45720" numCol="1" anchor="t" anchorCtr="0" compatLnSpc="1">
-            <a:prstTxWarp prst="textNoShape">
-              <a:avLst/>
-            </a:prstTxWarp>
-          </a:bodyPr>
-          <a:lstStyle/>
-          <a:p>
-            <a:endParaRPr lang="ko-KR" altLang="en-US"/>
-          </a:p>
-        </p:txBody>
-      </p:sp>
-      <p:sp>
-        <p:nvSpPr>
-          <p:cNvPr id="14348" name="AutoShape 12" descr="ê´ë ¨ ì´ë¯¸ì§"/>
-          <p:cNvSpPr>
-            <a:spLocks noChangeAspect="1" noChangeArrowheads="1"/>
-          </p:cNvSpPr>
-          <p:nvPr/>
-        </p:nvSpPr>
-        <p:spPr bwMode="auto">
-          <a:xfrm>
-            <a:off x="168275" y="-136525"/>
-            <a:ext cx="298450" cy="298450"/>
-          </a:xfrm>
-          <a:prstGeom prst="rect">
-            <a:avLst/>
-          </a:prstGeom>
-          <a:noFill/>
-        </p:spPr>
-        <p:txBody>
-          <a:bodyPr vert="horz" wrap="square" lIns="91440" tIns="45720" rIns="91440" bIns="45720" numCol="1" anchor="t" anchorCtr="0" compatLnSpc="1">
-            <a:prstTxWarp prst="textNoShape">
-              <a:avLst/>
-            </a:prstTxWarp>
-          </a:bodyPr>
-          <a:lstStyle/>
-          <a:p>
-            <a:endParaRPr lang="ko-KR" altLang="en-US"/>
-          </a:p>
-        </p:txBody>
-      </p:sp>
-      <p:sp>
-        <p:nvSpPr>
-          <p:cNvPr id="14350" name="AutoShape 14" descr="ê´ë ¨ ì´ë¯¸ì§"/>
-          <p:cNvSpPr>
-            <a:spLocks noChangeAspect="1" noChangeArrowheads="1"/>
-          </p:cNvSpPr>
-          <p:nvPr/>
-        </p:nvSpPr>
-        <p:spPr bwMode="auto">
-          <a:xfrm>
-            <a:off x="168275" y="-136525"/>
-            <a:ext cx="298450" cy="298450"/>
-          </a:xfrm>
-          <a:prstGeom prst="rect">
-            <a:avLst/>
-          </a:prstGeom>
-          <a:noFill/>
-        </p:spPr>
-        <p:txBody>
-          <a:bodyPr vert="horz" wrap="square" lIns="91440" tIns="45720" rIns="91440" bIns="45720" numCol="1" anchor="t" anchorCtr="0" compatLnSpc="1">
-            <a:prstTxWarp prst="textNoShape">
-              <a:avLst/>
-            </a:prstTxWarp>
-          </a:bodyPr>
-          <a:lstStyle/>
-          <a:p>
-            <a:endParaRPr lang="ko-KR" altLang="en-US"/>
-          </a:p>
-        </p:txBody>
-      </p:sp>
-      <p:sp>
-        <p:nvSpPr>
-          <p:cNvPr id="27" name="TextBox 26"/>
-          <p:cNvSpPr txBox="1"/>
-          <p:nvPr/>
-        </p:nvSpPr>
-        <p:spPr>
-          <a:xfrm>
-            <a:off x="611560" y="483518"/>
-            <a:ext cx="6552728" cy="461665"/>
-          </a:xfrm>
-          <a:prstGeom prst="rect">
-            <a:avLst/>
-          </a:prstGeom>
-          <a:noFill/>
-        </p:spPr>
-        <p:txBody>
-          <a:bodyPr wrap="square" rtlCol="0">
-            <a:spAutoFit/>
-          </a:bodyPr>
-          <a:lstStyle/>
-          <a:p>
-            <a:r>
-              <a:rPr lang="en-US" altLang="ko-KR" sz="2400" dirty="0" smtClean="0">
-                <a:solidFill>
-                  <a:schemeClr val="bg1">
-                    <a:lumMod val="95000"/>
-                  </a:schemeClr>
-                </a:solidFill>
-                <a:latin typeface="나눔바른고딕" pitchFamily="50" charset="-127"/>
-                <a:ea typeface="나눔바른고딕" pitchFamily="50" charset="-127"/>
-              </a:rPr>
-              <a:t>1-3. </a:t>
-            </a:r>
-            <a:r>
-              <a:rPr lang="en-US" altLang="ko-KR" sz="2400" dirty="0" err="1" smtClean="0">
-                <a:solidFill>
-                  <a:schemeClr val="bg1">
-                    <a:lumMod val="95000"/>
-                  </a:schemeClr>
-                </a:solidFill>
-                <a:latin typeface="나눔바른고딕" pitchFamily="50" charset="-127"/>
-                <a:ea typeface="나눔바른고딕" pitchFamily="50" charset="-127"/>
-              </a:rPr>
-              <a:t>git</a:t>
-            </a:r>
-            <a:r>
-              <a:rPr lang="en-US" altLang="ko-KR" sz="2400" dirty="0" smtClean="0">
-                <a:solidFill>
-                  <a:schemeClr val="bg1">
-                    <a:lumMod val="95000"/>
-                  </a:schemeClr>
-                </a:solidFill>
-                <a:latin typeface="나눔바른고딕" pitchFamily="50" charset="-127"/>
-                <a:ea typeface="나눔바른고딕" pitchFamily="50" charset="-127"/>
-              </a:rPr>
-              <a:t> </a:t>
-            </a:r>
-            <a:r>
-              <a:rPr lang="ko-KR" altLang="en-US" sz="2400" dirty="0" err="1" smtClean="0">
-                <a:solidFill>
-                  <a:schemeClr val="bg1">
-                    <a:lumMod val="95000"/>
-                  </a:schemeClr>
-                </a:solidFill>
-                <a:latin typeface="나눔바른고딕" pitchFamily="50" charset="-127"/>
-                <a:ea typeface="나눔바른고딕" pitchFamily="50" charset="-127"/>
-              </a:rPr>
-              <a:t>브랜치</a:t>
-            </a:r>
-            <a:endParaRPr lang="ko-KR" altLang="en-US" sz="2400" dirty="0">
-              <a:solidFill>
-                <a:schemeClr val="bg1">
-                  <a:lumMod val="95000"/>
-                </a:schemeClr>
-              </a:solidFill>
-              <a:latin typeface="나눔바른고딕" pitchFamily="50" charset="-127"/>
-              <a:ea typeface="나눔바른고딕" pitchFamily="50" charset="-127"/>
-            </a:endParaRPr>
-          </a:p>
-        </p:txBody>
-      </p:sp>
-      <p:sp>
-        <p:nvSpPr>
-          <p:cNvPr id="25" name="TextBox 24"/>
-          <p:cNvSpPr txBox="1"/>
-          <p:nvPr/>
-        </p:nvSpPr>
-        <p:spPr>
-          <a:xfrm>
-            <a:off x="899592" y="1059582"/>
-            <a:ext cx="4896544" cy="646331"/>
-          </a:xfrm>
-          <a:prstGeom prst="rect">
-            <a:avLst/>
-          </a:prstGeom>
-          <a:noFill/>
-        </p:spPr>
-        <p:txBody>
-          <a:bodyPr wrap="square" rtlCol="0">
-            <a:spAutoFit/>
-          </a:bodyPr>
-          <a:lstStyle/>
-          <a:p>
-            <a:pPr marL="342900" indent="-342900"/>
-            <a:r>
-              <a:rPr lang="en-US" altLang="ko-KR" dirty="0" smtClean="0">
-                <a:solidFill>
-                  <a:schemeClr val="bg1"/>
-                </a:solidFill>
-                <a:latin typeface="나눔바른고딕" pitchFamily="50" charset="-127"/>
-                <a:ea typeface="나눔바른고딕" pitchFamily="50" charset="-127"/>
-              </a:rPr>
-              <a:t>1. </a:t>
-            </a:r>
-            <a:r>
-              <a:rPr lang="ko-KR" altLang="en-US" dirty="0" smtClean="0">
-                <a:solidFill>
-                  <a:schemeClr val="bg1"/>
-                </a:solidFill>
-                <a:latin typeface="나눔바른고딕" pitchFamily="50" charset="-127"/>
-                <a:ea typeface="나눔바른고딕" pitchFamily="50" charset="-127"/>
-              </a:rPr>
-              <a:t>돌아갈 수 있다</a:t>
-            </a:r>
-            <a:r>
-              <a:rPr lang="en-US" altLang="ko-KR" dirty="0" smtClean="0">
-                <a:solidFill>
-                  <a:schemeClr val="bg1"/>
-                </a:solidFill>
-                <a:latin typeface="나눔바른고딕" pitchFamily="50" charset="-127"/>
-                <a:ea typeface="나눔바른고딕" pitchFamily="50" charset="-127"/>
-              </a:rPr>
-              <a:t>. </a:t>
-            </a:r>
-            <a:r>
-              <a:rPr lang="ko-KR" altLang="en-US" dirty="0" smtClean="0">
-                <a:solidFill>
-                  <a:schemeClr val="bg1"/>
-                </a:solidFill>
-                <a:latin typeface="나눔바른고딕" pitchFamily="50" charset="-127"/>
-                <a:ea typeface="나눔바른고딕" pitchFamily="50" charset="-127"/>
-              </a:rPr>
-              <a:t>즉시</a:t>
-            </a:r>
-            <a:r>
-              <a:rPr lang="en-US" altLang="ko-KR" dirty="0" smtClean="0">
-                <a:solidFill>
-                  <a:schemeClr val="bg1"/>
-                </a:solidFill>
-                <a:latin typeface="나눔바른고딕" pitchFamily="50" charset="-127"/>
-                <a:ea typeface="나눔바른고딕" pitchFamily="50" charset="-127"/>
-              </a:rPr>
-              <a:t> </a:t>
-            </a:r>
-          </a:p>
-          <a:p>
-            <a:pPr marL="342900" indent="-342900">
-              <a:buAutoNum type="arabicPeriod"/>
-            </a:pPr>
-            <a:endParaRPr lang="ko-KR" altLang="en-US" dirty="0">
-              <a:solidFill>
-                <a:schemeClr val="bg1"/>
-              </a:solidFill>
-              <a:latin typeface="나눔바른고딕" pitchFamily="50" charset="-127"/>
-              <a:ea typeface="나눔바른고딕" pitchFamily="50" charset="-127"/>
-            </a:endParaRPr>
-          </a:p>
-        </p:txBody>
-      </p:sp>
-      <p:sp>
-        <p:nvSpPr>
-          <p:cNvPr id="30" name="대각선 방향의 모서리가 둥근 사각형 29"/>
-          <p:cNvSpPr/>
-          <p:nvPr/>
-        </p:nvSpPr>
-        <p:spPr>
-          <a:xfrm>
-            <a:off x="4211960" y="1347614"/>
-            <a:ext cx="2016224" cy="2016224"/>
-          </a:xfrm>
-          <a:prstGeom prst="round2DiagRect">
-            <a:avLst/>
-          </a:prstGeom>
-          <a:solidFill>
-            <a:schemeClr val="accent2">
-              <a:lumMod val="40000"/>
-              <a:lumOff val="60000"/>
-            </a:schemeClr>
-          </a:solidFill>
-          <a:ln>
-            <a:noFill/>
-          </a:ln>
-          <a:effectLst>
-            <a:outerShdw blurRad="241300" dist="38100" dir="2700000" algn="tl" rotWithShape="0">
-              <a:prstClr val="black">
-                <a:alpha val="40000"/>
-              </a:prstClr>
-            </a:outerShdw>
-          </a:effectLst>
-        </p:spPr>
-        <p:style>
-          <a:lnRef idx="2">
-            <a:schemeClr val="accent1">
-              <a:shade val="50000"/>
-            </a:schemeClr>
-          </a:lnRef>
-          <a:fillRef idx="1">
-            <a:schemeClr val="accent1"/>
-          </a:fillRef>
-          <a:effectRef idx="0">
-            <a:schemeClr val="accent1"/>
-          </a:effectRef>
-          <a:fontRef idx="minor">
-            <a:schemeClr val="lt1"/>
-          </a:fontRef>
-        </p:style>
-        <p:txBody>
-          <a:bodyPr rtlCol="0" anchor="ctr"/>
-          <a:lstStyle/>
-          <a:p>
-            <a:pPr algn="ctr"/>
-            <a:endParaRPr lang="ko-KR" altLang="en-US"/>
-          </a:p>
-        </p:txBody>
-      </p:sp>
-      <p:sp>
-        <p:nvSpPr>
-          <p:cNvPr id="31" name="대각선 방향의 모서리가 둥근 사각형 30"/>
-          <p:cNvSpPr/>
-          <p:nvPr/>
-        </p:nvSpPr>
-        <p:spPr>
-          <a:xfrm>
-            <a:off x="3851920" y="1491630"/>
-            <a:ext cx="2016224" cy="2016224"/>
-          </a:xfrm>
-          <a:prstGeom prst="round2DiagRect">
-            <a:avLst/>
-          </a:prstGeom>
-          <a:solidFill>
-            <a:schemeClr val="bg2">
-              <a:lumMod val="25000"/>
-            </a:schemeClr>
-          </a:solidFill>
-          <a:ln>
-            <a:noFill/>
-          </a:ln>
-          <a:effectLst>
-            <a:outerShdw blurRad="241300" dist="38100" dir="2700000" algn="tl" rotWithShape="0">
-              <a:prstClr val="black">
-                <a:alpha val="40000"/>
-              </a:prstClr>
-            </a:outerShdw>
-          </a:effectLst>
-        </p:spPr>
-        <p:style>
-          <a:lnRef idx="2">
-            <a:schemeClr val="accent1">
-              <a:shade val="50000"/>
-            </a:schemeClr>
-          </a:lnRef>
-          <a:fillRef idx="1">
-            <a:schemeClr val="accent1"/>
-          </a:fillRef>
-          <a:effectRef idx="0">
-            <a:schemeClr val="accent1"/>
-          </a:effectRef>
-          <a:fontRef idx="minor">
-            <a:schemeClr val="lt1"/>
-          </a:fontRef>
-        </p:style>
-        <p:txBody>
-          <a:bodyPr rtlCol="0" anchor="ctr"/>
-          <a:lstStyle/>
-          <a:p>
-            <a:pPr algn="ctr"/>
-            <a:endParaRPr lang="ko-KR" altLang="en-US"/>
-          </a:p>
-        </p:txBody>
-      </p:sp>
-      <p:sp>
-        <p:nvSpPr>
-          <p:cNvPr id="32" name="대각선 방향의 모서리가 둥근 사각형 31"/>
-          <p:cNvSpPr/>
-          <p:nvPr/>
-        </p:nvSpPr>
-        <p:spPr>
-          <a:xfrm>
-            <a:off x="3419872" y="1635646"/>
-            <a:ext cx="2016224" cy="2016224"/>
-          </a:xfrm>
-          <a:prstGeom prst="round2DiagRect">
-            <a:avLst/>
-          </a:prstGeom>
-          <a:solidFill>
-            <a:schemeClr val="accent6">
-              <a:lumMod val="60000"/>
-              <a:lumOff val="40000"/>
-            </a:schemeClr>
-          </a:solidFill>
-          <a:ln>
-            <a:noFill/>
-          </a:ln>
-          <a:effectLst>
-            <a:outerShdw blurRad="241300" dist="38100" dir="2700000" algn="tl" rotWithShape="0">
-              <a:prstClr val="black">
-                <a:alpha val="40000"/>
-              </a:prstClr>
-            </a:outerShdw>
-          </a:effectLst>
-        </p:spPr>
-        <p:style>
-          <a:lnRef idx="2">
-            <a:schemeClr val="accent1">
-              <a:shade val="50000"/>
-            </a:schemeClr>
-          </a:lnRef>
-          <a:fillRef idx="1">
-            <a:schemeClr val="accent1"/>
-          </a:fillRef>
-          <a:effectRef idx="0">
-            <a:schemeClr val="accent1"/>
-          </a:effectRef>
-          <a:fontRef idx="minor">
-            <a:schemeClr val="lt1"/>
-          </a:fontRef>
-        </p:style>
-        <p:txBody>
-          <a:bodyPr rtlCol="0" anchor="ctr"/>
-          <a:lstStyle/>
-          <a:p>
-            <a:pPr algn="ctr"/>
-            <a:endParaRPr lang="ko-KR" altLang="en-US"/>
-          </a:p>
-        </p:txBody>
-      </p:sp>
-      <p:sp>
-        <p:nvSpPr>
-          <p:cNvPr id="26" name="대각선 방향의 모서리가 둥근 사각형 25"/>
-          <p:cNvSpPr/>
-          <p:nvPr/>
-        </p:nvSpPr>
-        <p:spPr>
-          <a:xfrm>
-            <a:off x="2987824" y="1779662"/>
-            <a:ext cx="2016224" cy="2016224"/>
-          </a:xfrm>
-          <a:prstGeom prst="round2DiagRect">
-            <a:avLst/>
-          </a:prstGeom>
-          <a:solidFill>
-            <a:srgbClr val="C9D4DE"/>
-          </a:solidFill>
-          <a:ln>
-            <a:noFill/>
-          </a:ln>
-          <a:effectLst>
-            <a:outerShdw blurRad="241300" dist="38100" dir="2700000" algn="tl" rotWithShape="0">
-              <a:prstClr val="black">
-                <a:alpha val="40000"/>
-              </a:prstClr>
-            </a:outerShdw>
-          </a:effectLst>
-        </p:spPr>
-        <p:style>
-          <a:lnRef idx="2">
-            <a:schemeClr val="accent1">
-              <a:shade val="50000"/>
-            </a:schemeClr>
-          </a:lnRef>
-          <a:fillRef idx="1">
-            <a:schemeClr val="accent1"/>
-          </a:fillRef>
-          <a:effectRef idx="0">
-            <a:schemeClr val="accent1"/>
-          </a:effectRef>
-          <a:fontRef idx="minor">
-            <a:schemeClr val="lt1"/>
-          </a:fontRef>
-        </p:style>
-        <p:txBody>
-          <a:bodyPr rtlCol="0" anchor="ctr"/>
-          <a:lstStyle/>
-          <a:p>
-            <a:pPr algn="ctr"/>
-            <a:endParaRPr lang="ko-KR" altLang="en-US"/>
-          </a:p>
-        </p:txBody>
-      </p:sp>
-      <p:grpSp>
-        <p:nvGrpSpPr>
-          <p:cNvPr id="2" name="그룹 41"/>
-          <p:cNvGrpSpPr/>
-          <p:nvPr/>
-        </p:nvGrpSpPr>
-        <p:grpSpPr>
-          <a:xfrm>
-            <a:off x="4499992" y="1851670"/>
-            <a:ext cx="864096" cy="288032"/>
-            <a:chOff x="4283968" y="2499742"/>
-            <a:chExt cx="864096" cy="288032"/>
-          </a:xfrm>
-          <a:solidFill>
-            <a:srgbClr val="00FFCC"/>
-          </a:solidFill>
-        </p:grpSpPr>
-        <p:sp>
-          <p:nvSpPr>
-            <p:cNvPr id="43" name="순서도: 페이지 연결자 42"/>
-            <p:cNvSpPr/>
-            <p:nvPr/>
-          </p:nvSpPr>
-          <p:spPr>
-            <a:xfrm rot="5400000">
-              <a:off x="4572000" y="2211710"/>
-              <a:ext cx="288032" cy="864096"/>
-            </a:xfrm>
-            <a:prstGeom prst="flowChartOffpageConnector">
-              <a:avLst/>
-            </a:prstGeom>
-            <a:grpFill/>
-            <a:ln>
-              <a:noFill/>
-            </a:ln>
-            <a:effectLst>
-              <a:outerShdw blurRad="50800" dist="38100" dir="2700000" algn="tl" rotWithShape="0">
-                <a:prstClr val="black">
-                  <a:alpha val="40000"/>
-                </a:prstClr>
-              </a:outerShdw>
-            </a:effectLst>
-          </p:spPr>
-          <p:style>
-            <a:lnRef idx="2">
-              <a:schemeClr val="accent1">
-                <a:shade val="50000"/>
-              </a:schemeClr>
-            </a:lnRef>
-            <a:fillRef idx="1">
-              <a:schemeClr val="accent1"/>
-            </a:fillRef>
-            <a:effectRef idx="0">
-              <a:schemeClr val="accent1"/>
-            </a:effectRef>
-            <a:fontRef idx="minor">
-              <a:schemeClr val="lt1"/>
-            </a:fontRef>
-          </p:style>
-          <p:txBody>
-            <a:bodyPr rtlCol="0" anchor="ctr"/>
-            <a:lstStyle/>
-            <a:p>
-              <a:pPr algn="ctr"/>
-              <a:endParaRPr lang="ko-KR" altLang="en-US" sz="1050" dirty="0">
-                <a:solidFill>
-                  <a:schemeClr val="tx1"/>
-                </a:solidFill>
-              </a:endParaRPr>
-            </a:p>
-          </p:txBody>
-        </p:sp>
-        <p:sp>
-          <p:nvSpPr>
-            <p:cNvPr id="44" name="TextBox 43"/>
-            <p:cNvSpPr txBox="1"/>
-            <p:nvPr/>
-          </p:nvSpPr>
-          <p:spPr>
-            <a:xfrm>
-              <a:off x="4427984" y="2571750"/>
-              <a:ext cx="648072" cy="200055"/>
-            </a:xfrm>
-            <a:prstGeom prst="rect">
-              <a:avLst/>
-            </a:prstGeom>
-            <a:grpFill/>
-          </p:spPr>
-          <p:txBody>
-            <a:bodyPr wrap="square" rtlCol="0">
-              <a:spAutoFit/>
-            </a:bodyPr>
-            <a:lstStyle/>
-            <a:p>
-              <a:r>
-                <a:rPr lang="en-US" altLang="ko-KR" sz="700" dirty="0" smtClean="0"/>
-                <a:t>tc1+tc2 </a:t>
-              </a:r>
-              <a:endParaRPr lang="ko-KR" altLang="en-US" sz="700" dirty="0"/>
-            </a:p>
-          </p:txBody>
-        </p:sp>
-      </p:grpSp>
-      <p:sp>
-        <p:nvSpPr>
-          <p:cNvPr id="28" name="대각선 방향의 모서리가 둥근 사각형 27"/>
-          <p:cNvSpPr/>
-          <p:nvPr/>
-        </p:nvSpPr>
-        <p:spPr>
-          <a:xfrm>
-            <a:off x="2555776" y="1923678"/>
-            <a:ext cx="2016224" cy="2016224"/>
-          </a:xfrm>
-          <a:prstGeom prst="round2DiagRect">
-            <a:avLst/>
-          </a:prstGeom>
-          <a:solidFill>
-            <a:srgbClr val="242424"/>
-          </a:solidFill>
-          <a:ln>
-            <a:noFill/>
-          </a:ln>
-          <a:effectLst>
-            <a:outerShdw blurRad="241300" dist="38100" dir="2700000" algn="tl" rotWithShape="0">
-              <a:prstClr val="black">
-                <a:alpha val="40000"/>
-              </a:prstClr>
-            </a:outerShdw>
-          </a:effectLst>
-        </p:spPr>
-        <p:style>
-          <a:lnRef idx="2">
-            <a:schemeClr val="accent1">
-              <a:shade val="50000"/>
-            </a:schemeClr>
-          </a:lnRef>
-          <a:fillRef idx="1">
-            <a:schemeClr val="accent1"/>
-          </a:fillRef>
-          <a:effectRef idx="0">
-            <a:schemeClr val="accent1"/>
-          </a:effectRef>
-          <a:fontRef idx="minor">
-            <a:schemeClr val="lt1"/>
-          </a:fontRef>
-        </p:style>
-        <p:txBody>
-          <a:bodyPr rtlCol="0" anchor="ctr"/>
-          <a:lstStyle/>
-          <a:p>
-            <a:pPr algn="ctr"/>
-            <a:endParaRPr lang="ko-KR" altLang="en-US"/>
-          </a:p>
-        </p:txBody>
-      </p:sp>
-      <p:grpSp>
-        <p:nvGrpSpPr>
-          <p:cNvPr id="3" name="그룹 40"/>
-          <p:cNvGrpSpPr/>
-          <p:nvPr/>
-        </p:nvGrpSpPr>
-        <p:grpSpPr>
-          <a:xfrm>
-            <a:off x="4067944" y="2067694"/>
-            <a:ext cx="864096" cy="288032"/>
-            <a:chOff x="4283968" y="2499742"/>
-            <a:chExt cx="864096" cy="288032"/>
-          </a:xfrm>
-        </p:grpSpPr>
-        <p:sp>
-          <p:nvSpPr>
-            <p:cNvPr id="37" name="순서도: 페이지 연결자 36"/>
-            <p:cNvSpPr/>
-            <p:nvPr/>
-          </p:nvSpPr>
-          <p:spPr>
-            <a:xfrm rot="5400000">
-              <a:off x="4572000" y="2211710"/>
-              <a:ext cx="288032" cy="864096"/>
-            </a:xfrm>
-            <a:prstGeom prst="flowChartOffpageConnector">
-              <a:avLst/>
-            </a:prstGeom>
-            <a:solidFill>
-              <a:srgbClr val="FF6600"/>
-            </a:solidFill>
-            <a:ln>
-              <a:noFill/>
-            </a:ln>
-            <a:effectLst>
-              <a:outerShdw blurRad="50800" dist="38100" dir="2700000" algn="tl" rotWithShape="0">
-                <a:prstClr val="black">
-                  <a:alpha val="40000"/>
-                </a:prstClr>
-              </a:outerShdw>
-            </a:effectLst>
-          </p:spPr>
-          <p:style>
-            <a:lnRef idx="2">
-              <a:schemeClr val="accent1">
-                <a:shade val="50000"/>
-              </a:schemeClr>
-            </a:lnRef>
-            <a:fillRef idx="1">
-              <a:schemeClr val="accent1"/>
-            </a:fillRef>
-            <a:effectRef idx="0">
-              <a:schemeClr val="accent1"/>
-            </a:effectRef>
-            <a:fontRef idx="minor">
-              <a:schemeClr val="lt1"/>
-            </a:fontRef>
-          </p:style>
-          <p:txBody>
-            <a:bodyPr rtlCol="0" anchor="ctr"/>
-            <a:lstStyle/>
-            <a:p>
-              <a:pPr algn="ctr"/>
-              <a:endParaRPr lang="ko-KR" altLang="en-US" sz="1050" dirty="0">
-                <a:solidFill>
-                  <a:schemeClr val="tx1"/>
-                </a:solidFill>
-              </a:endParaRPr>
-            </a:p>
-          </p:txBody>
-        </p:sp>
-        <p:sp>
-          <p:nvSpPr>
-            <p:cNvPr id="40" name="TextBox 39"/>
-            <p:cNvSpPr txBox="1"/>
-            <p:nvPr/>
-          </p:nvSpPr>
-          <p:spPr>
-            <a:xfrm>
-              <a:off x="4427984" y="2571750"/>
-              <a:ext cx="648072" cy="200055"/>
-            </a:xfrm>
-            <a:prstGeom prst="rect">
-              <a:avLst/>
-            </a:prstGeom>
-            <a:noFill/>
-          </p:spPr>
-          <p:txBody>
-            <a:bodyPr wrap="square" rtlCol="0">
-              <a:spAutoFit/>
-            </a:bodyPr>
-            <a:lstStyle/>
-            <a:p>
-              <a:r>
-                <a:rPr lang="en-US" altLang="ko-KR" sz="700" dirty="0" smtClean="0"/>
-                <a:t>tc1</a:t>
-              </a:r>
-              <a:endParaRPr lang="ko-KR" altLang="en-US" sz="700" dirty="0"/>
-            </a:p>
-          </p:txBody>
-        </p:sp>
-      </p:grpSp>
-      <p:sp>
-        <p:nvSpPr>
-          <p:cNvPr id="29" name="대각선 방향의 모서리가 둥근 사각형 28"/>
-          <p:cNvSpPr/>
-          <p:nvPr/>
-        </p:nvSpPr>
-        <p:spPr>
-          <a:xfrm>
-            <a:off x="2123728" y="2067694"/>
-            <a:ext cx="2016224" cy="2016224"/>
-          </a:xfrm>
-          <a:prstGeom prst="round2DiagRect">
-            <a:avLst/>
-          </a:prstGeom>
-          <a:solidFill>
-            <a:srgbClr val="40BCA1"/>
-          </a:solidFill>
-          <a:ln>
-            <a:noFill/>
-          </a:ln>
-          <a:effectLst>
-            <a:outerShdw blurRad="241300" dist="38100" dir="2700000" algn="tl" rotWithShape="0">
-              <a:prstClr val="black">
-                <a:alpha val="40000"/>
-              </a:prstClr>
-            </a:outerShdw>
-          </a:effectLst>
-        </p:spPr>
-        <p:style>
-          <a:lnRef idx="2">
-            <a:schemeClr val="accent1">
-              <a:shade val="50000"/>
-            </a:schemeClr>
-          </a:lnRef>
-          <a:fillRef idx="1">
-            <a:schemeClr val="accent1"/>
-          </a:fillRef>
-          <a:effectRef idx="0">
-            <a:schemeClr val="accent1"/>
-          </a:effectRef>
-          <a:fontRef idx="minor">
-            <a:schemeClr val="lt1"/>
-          </a:fontRef>
-        </p:style>
-        <p:txBody>
-          <a:bodyPr rtlCol="0" anchor="ctr"/>
-          <a:lstStyle/>
-          <a:p>
-            <a:pPr algn="ctr"/>
-            <a:endParaRPr lang="ko-KR" altLang="en-US"/>
-          </a:p>
-        </p:txBody>
-      </p:sp>
-      <p:grpSp>
-        <p:nvGrpSpPr>
-          <p:cNvPr id="4" name="그룹 34"/>
-          <p:cNvGrpSpPr/>
-          <p:nvPr/>
-        </p:nvGrpSpPr>
-        <p:grpSpPr>
-          <a:xfrm>
-            <a:off x="3779912" y="2427734"/>
-            <a:ext cx="864096" cy="288032"/>
-            <a:chOff x="3779912" y="2355726"/>
-            <a:chExt cx="864096" cy="288032"/>
-          </a:xfrm>
-        </p:grpSpPr>
-        <p:sp>
-          <p:nvSpPr>
-            <p:cNvPr id="33" name="순서도: 페이지 연결자 32"/>
-            <p:cNvSpPr/>
-            <p:nvPr/>
-          </p:nvSpPr>
-          <p:spPr>
-            <a:xfrm rot="5400000">
-              <a:off x="4067944" y="2067694"/>
-              <a:ext cx="288032" cy="864096"/>
-            </a:xfrm>
-            <a:prstGeom prst="flowChartOffpageConnector">
-              <a:avLst/>
-            </a:prstGeom>
-            <a:solidFill>
-              <a:srgbClr val="A3FF0D"/>
-            </a:solidFill>
-            <a:ln>
-              <a:noFill/>
-            </a:ln>
-            <a:effectLst>
-              <a:outerShdw blurRad="50800" dist="38100" dir="2700000" algn="tl" rotWithShape="0">
-                <a:prstClr val="black">
-                  <a:alpha val="40000"/>
-                </a:prstClr>
-              </a:outerShdw>
-            </a:effectLst>
-          </p:spPr>
-          <p:style>
-            <a:lnRef idx="2">
-              <a:schemeClr val="accent1">
-                <a:shade val="50000"/>
-              </a:schemeClr>
-            </a:lnRef>
-            <a:fillRef idx="1">
-              <a:schemeClr val="accent1"/>
-            </a:fillRef>
-            <a:effectRef idx="0">
-              <a:schemeClr val="accent1"/>
-            </a:effectRef>
-            <a:fontRef idx="minor">
-              <a:schemeClr val="lt1"/>
-            </a:fontRef>
-          </p:style>
-          <p:txBody>
-            <a:bodyPr rtlCol="0" anchor="ctr"/>
-            <a:lstStyle/>
-            <a:p>
-              <a:pPr algn="ctr"/>
-              <a:endParaRPr lang="ko-KR" altLang="en-US" sz="1050" dirty="0">
-                <a:solidFill>
-                  <a:schemeClr val="tx1"/>
-                </a:solidFill>
-              </a:endParaRPr>
-            </a:p>
-          </p:txBody>
-        </p:sp>
-        <p:sp>
-          <p:nvSpPr>
-            <p:cNvPr id="34" name="TextBox 33"/>
-            <p:cNvSpPr txBox="1"/>
-            <p:nvPr/>
-          </p:nvSpPr>
-          <p:spPr>
-            <a:xfrm>
-              <a:off x="3923928" y="2355726"/>
-              <a:ext cx="648072" cy="200055"/>
-            </a:xfrm>
-            <a:prstGeom prst="rect">
-              <a:avLst/>
-            </a:prstGeom>
-            <a:noFill/>
-          </p:spPr>
-          <p:txBody>
-            <a:bodyPr wrap="square" rtlCol="0">
-              <a:spAutoFit/>
-            </a:bodyPr>
-            <a:lstStyle/>
-            <a:p>
-              <a:r>
-                <a:rPr lang="en-US" altLang="ko-KR" sz="700" dirty="0" smtClean="0"/>
-                <a:t>origin</a:t>
-              </a:r>
-              <a:endParaRPr lang="ko-KR" altLang="en-US" sz="700" dirty="0"/>
-            </a:p>
-          </p:txBody>
-        </p:sp>
-      </p:grpSp>
-    </p:spTree>
-  </p:cSld>
-  <p:clrMapOvr>
-    <a:masterClrMapping/>
-  </p:clrMapOvr>
-  <p:timing>
-    <p:tnLst>
-      <p:par>
-        <p:cTn id="1" dur="indefinite" restart="never" nodeType="tmRoot"/>
-      </p:par>
-    </p:tnLst>
-  </p:timing>
-</p:sld>
-</file>
-
 <file path=ppt/slides/slide2.xml><?xml version="1.0" encoding="utf-8"?>
 <p:sld xmlns:a="http://schemas.openxmlformats.org/drawingml/2006/main" xmlns:r="http://schemas.openxmlformats.org/officeDocument/2006/relationships" xmlns:p="http://schemas.openxmlformats.org/presentationml/2006/main">
   <p:cSld>

--- a/git발표.pptx
+++ b/git발표.pptx
@@ -22,6 +22,8 @@
     <p:sldId id="271" r:id="rId16"/>
     <p:sldId id="272" r:id="rId17"/>
     <p:sldId id="273" r:id="rId18"/>
+    <p:sldId id="274" r:id="rId19"/>
+    <p:sldId id="275" r:id="rId20"/>
   </p:sldIdLst>
   <p:sldSz cx="9144000" cy="5143500" type="screen16x9"/>
   <p:notesSz cx="6858000" cy="9144000"/>
@@ -10114,6 +10116,1128 @@
 </p:sld>
 </file>
 
+<file path=ppt/slides/slide18.xml><?xml version="1.0" encoding="utf-8"?>
+<p:sld xmlns:a="http://schemas.openxmlformats.org/drawingml/2006/main" xmlns:r="http://schemas.openxmlformats.org/officeDocument/2006/relationships" xmlns:p="http://schemas.openxmlformats.org/presentationml/2006/main">
+  <p:cSld>
+    <p:spTree>
+      <p:nvGrpSpPr>
+        <p:cNvPr id="1" name=""/>
+        <p:cNvGrpSpPr/>
+        <p:nvPr/>
+      </p:nvGrpSpPr>
+      <p:grpSpPr>
+        <a:xfrm>
+          <a:off x="0" y="0"/>
+          <a:ext cx="0" cy="0"/>
+          <a:chOff x="0" y="0"/>
+          <a:chExt cx="0" cy="0"/>
+        </a:xfrm>
+      </p:grpSpPr>
+      <p:sp>
+        <p:nvSpPr>
+          <p:cNvPr id="16" name="평행 사변형 15"/>
+          <p:cNvSpPr/>
+          <p:nvPr/>
+        </p:nvSpPr>
+        <p:spPr>
+          <a:xfrm rot="16200000">
+            <a:off x="2000251" y="-2000251"/>
+            <a:ext cx="5143500" cy="9144001"/>
+          </a:xfrm>
+          <a:prstGeom prst="parallelogram">
+            <a:avLst>
+              <a:gd name="adj" fmla="val 7753"/>
+            </a:avLst>
+          </a:prstGeom>
+          <a:solidFill>
+            <a:srgbClr val="473F3D"/>
+          </a:solidFill>
+          <a:ln>
+            <a:noFill/>
+          </a:ln>
+        </p:spPr>
+        <p:style>
+          <a:lnRef idx="2">
+            <a:schemeClr val="accent1">
+              <a:shade val="50000"/>
+            </a:schemeClr>
+          </a:lnRef>
+          <a:fillRef idx="1">
+            <a:schemeClr val="accent1"/>
+          </a:fillRef>
+          <a:effectRef idx="0">
+            <a:schemeClr val="accent1"/>
+          </a:effectRef>
+          <a:fontRef idx="minor">
+            <a:schemeClr val="lt1"/>
+          </a:fontRef>
+        </p:style>
+        <p:txBody>
+          <a:bodyPr rtlCol="0" anchor="ctr"/>
+          <a:lstStyle/>
+          <a:p>
+            <a:pPr algn="ctr"/>
+            <a:endParaRPr lang="ko-KR" altLang="en-US" sz="1600"/>
+          </a:p>
+        </p:txBody>
+      </p:sp>
+      <p:cxnSp>
+        <p:nvCxnSpPr>
+          <p:cNvPr id="11" name="직선 연결선 10"/>
+          <p:cNvCxnSpPr/>
+          <p:nvPr/>
+        </p:nvCxnSpPr>
+        <p:spPr>
+          <a:xfrm>
+            <a:off x="539552" y="915566"/>
+            <a:ext cx="8136904" cy="0"/>
+          </a:xfrm>
+          <a:prstGeom prst="line">
+            <a:avLst/>
+          </a:prstGeom>
+          <a:ln w="12700">
+            <a:solidFill>
+              <a:schemeClr val="bg1"/>
+            </a:solidFill>
+          </a:ln>
+        </p:spPr>
+        <p:style>
+          <a:lnRef idx="1">
+            <a:schemeClr val="accent1"/>
+          </a:lnRef>
+          <a:fillRef idx="0">
+            <a:schemeClr val="accent1"/>
+          </a:fillRef>
+          <a:effectRef idx="0">
+            <a:schemeClr val="accent1"/>
+          </a:effectRef>
+          <a:fontRef idx="minor">
+            <a:schemeClr val="tx1"/>
+          </a:fontRef>
+        </p:style>
+      </p:cxnSp>
+      <p:cxnSp>
+        <p:nvCxnSpPr>
+          <p:cNvPr id="12" name="직선 연결선 11"/>
+          <p:cNvCxnSpPr/>
+          <p:nvPr/>
+        </p:nvCxnSpPr>
+        <p:spPr>
+          <a:xfrm>
+            <a:off x="467544" y="4299942"/>
+            <a:ext cx="8136904" cy="0"/>
+          </a:xfrm>
+          <a:prstGeom prst="line">
+            <a:avLst/>
+          </a:prstGeom>
+          <a:ln w="12700">
+            <a:solidFill>
+              <a:schemeClr val="bg1"/>
+            </a:solidFill>
+          </a:ln>
+        </p:spPr>
+        <p:style>
+          <a:lnRef idx="1">
+            <a:schemeClr val="accent1"/>
+          </a:lnRef>
+          <a:fillRef idx="0">
+            <a:schemeClr val="accent1"/>
+          </a:fillRef>
+          <a:effectRef idx="0">
+            <a:schemeClr val="accent1"/>
+          </a:effectRef>
+          <a:fontRef idx="minor">
+            <a:schemeClr val="tx1"/>
+          </a:fontRef>
+        </p:style>
+      </p:cxnSp>
+      <p:cxnSp>
+        <p:nvCxnSpPr>
+          <p:cNvPr id="14" name="직선 연결선 13"/>
+          <p:cNvCxnSpPr/>
+          <p:nvPr/>
+        </p:nvCxnSpPr>
+        <p:spPr>
+          <a:xfrm>
+            <a:off x="467544" y="915566"/>
+            <a:ext cx="8208912" cy="0"/>
+          </a:xfrm>
+          <a:prstGeom prst="line">
+            <a:avLst/>
+          </a:prstGeom>
+          <a:ln w="12700">
+            <a:solidFill>
+              <a:schemeClr val="bg1"/>
+            </a:solidFill>
+          </a:ln>
+        </p:spPr>
+        <p:style>
+          <a:lnRef idx="1">
+            <a:schemeClr val="accent1"/>
+          </a:lnRef>
+          <a:fillRef idx="0">
+            <a:schemeClr val="accent1"/>
+          </a:fillRef>
+          <a:effectRef idx="0">
+            <a:schemeClr val="accent1"/>
+          </a:effectRef>
+          <a:fontRef idx="minor">
+            <a:schemeClr val="tx1"/>
+          </a:fontRef>
+        </p:style>
+      </p:cxnSp>
+      <p:cxnSp>
+        <p:nvCxnSpPr>
+          <p:cNvPr id="15" name="직선 연결선 14"/>
+          <p:cNvCxnSpPr/>
+          <p:nvPr/>
+        </p:nvCxnSpPr>
+        <p:spPr>
+          <a:xfrm>
+            <a:off x="467544" y="4299942"/>
+            <a:ext cx="8208912" cy="0"/>
+          </a:xfrm>
+          <a:prstGeom prst="line">
+            <a:avLst/>
+          </a:prstGeom>
+          <a:ln w="12700">
+            <a:solidFill>
+              <a:schemeClr val="bg1"/>
+            </a:solidFill>
+          </a:ln>
+        </p:spPr>
+        <p:style>
+          <a:lnRef idx="1">
+            <a:schemeClr val="accent1"/>
+          </a:lnRef>
+          <a:fillRef idx="0">
+            <a:schemeClr val="accent1"/>
+          </a:fillRef>
+          <a:effectRef idx="0">
+            <a:schemeClr val="accent1"/>
+          </a:effectRef>
+          <a:fontRef idx="minor">
+            <a:schemeClr val="tx1"/>
+          </a:fontRef>
+        </p:style>
+      </p:cxnSp>
+      <p:sp>
+        <p:nvSpPr>
+          <p:cNvPr id="14344" name="AutoShape 8" descr="ê´ë ¨ ì´ë¯¸ì§"/>
+          <p:cNvSpPr>
+            <a:spLocks noChangeAspect="1" noChangeArrowheads="1"/>
+          </p:cNvSpPr>
+          <p:nvPr/>
+        </p:nvSpPr>
+        <p:spPr bwMode="auto">
+          <a:xfrm>
+            <a:off x="168275" y="-136525"/>
+            <a:ext cx="298450" cy="298450"/>
+          </a:xfrm>
+          <a:prstGeom prst="rect">
+            <a:avLst/>
+          </a:prstGeom>
+          <a:noFill/>
+        </p:spPr>
+        <p:txBody>
+          <a:bodyPr vert="horz" wrap="square" lIns="91440" tIns="45720" rIns="91440" bIns="45720" numCol="1" anchor="t" anchorCtr="0" compatLnSpc="1">
+            <a:prstTxWarp prst="textNoShape">
+              <a:avLst/>
+            </a:prstTxWarp>
+          </a:bodyPr>
+          <a:lstStyle/>
+          <a:p>
+            <a:endParaRPr lang="ko-KR" altLang="en-US"/>
+          </a:p>
+        </p:txBody>
+      </p:sp>
+      <p:sp>
+        <p:nvSpPr>
+          <p:cNvPr id="14346" name="AutoShape 10" descr="ê´ë ¨ ì´ë¯¸ì§"/>
+          <p:cNvSpPr>
+            <a:spLocks noChangeAspect="1" noChangeArrowheads="1"/>
+          </p:cNvSpPr>
+          <p:nvPr/>
+        </p:nvSpPr>
+        <p:spPr bwMode="auto">
+          <a:xfrm>
+            <a:off x="168275" y="-136525"/>
+            <a:ext cx="298450" cy="298450"/>
+          </a:xfrm>
+          <a:prstGeom prst="rect">
+            <a:avLst/>
+          </a:prstGeom>
+          <a:noFill/>
+        </p:spPr>
+        <p:txBody>
+          <a:bodyPr vert="horz" wrap="square" lIns="91440" tIns="45720" rIns="91440" bIns="45720" numCol="1" anchor="t" anchorCtr="0" compatLnSpc="1">
+            <a:prstTxWarp prst="textNoShape">
+              <a:avLst/>
+            </a:prstTxWarp>
+          </a:bodyPr>
+          <a:lstStyle/>
+          <a:p>
+            <a:endParaRPr lang="ko-KR" altLang="en-US"/>
+          </a:p>
+        </p:txBody>
+      </p:sp>
+      <p:sp>
+        <p:nvSpPr>
+          <p:cNvPr id="14348" name="AutoShape 12" descr="ê´ë ¨ ì´ë¯¸ì§"/>
+          <p:cNvSpPr>
+            <a:spLocks noChangeAspect="1" noChangeArrowheads="1"/>
+          </p:cNvSpPr>
+          <p:nvPr/>
+        </p:nvSpPr>
+        <p:spPr bwMode="auto">
+          <a:xfrm>
+            <a:off x="168275" y="-136525"/>
+            <a:ext cx="298450" cy="298450"/>
+          </a:xfrm>
+          <a:prstGeom prst="rect">
+            <a:avLst/>
+          </a:prstGeom>
+          <a:noFill/>
+        </p:spPr>
+        <p:txBody>
+          <a:bodyPr vert="horz" wrap="square" lIns="91440" tIns="45720" rIns="91440" bIns="45720" numCol="1" anchor="t" anchorCtr="0" compatLnSpc="1">
+            <a:prstTxWarp prst="textNoShape">
+              <a:avLst/>
+            </a:prstTxWarp>
+          </a:bodyPr>
+          <a:lstStyle/>
+          <a:p>
+            <a:endParaRPr lang="ko-KR" altLang="en-US"/>
+          </a:p>
+        </p:txBody>
+      </p:sp>
+      <p:sp>
+        <p:nvSpPr>
+          <p:cNvPr id="14350" name="AutoShape 14" descr="ê´ë ¨ ì´ë¯¸ì§"/>
+          <p:cNvSpPr>
+            <a:spLocks noChangeAspect="1" noChangeArrowheads="1"/>
+          </p:cNvSpPr>
+          <p:nvPr/>
+        </p:nvSpPr>
+        <p:spPr bwMode="auto">
+          <a:xfrm>
+            <a:off x="168275" y="-136525"/>
+            <a:ext cx="298450" cy="298450"/>
+          </a:xfrm>
+          <a:prstGeom prst="rect">
+            <a:avLst/>
+          </a:prstGeom>
+          <a:noFill/>
+        </p:spPr>
+        <p:txBody>
+          <a:bodyPr vert="horz" wrap="square" lIns="91440" tIns="45720" rIns="91440" bIns="45720" numCol="1" anchor="t" anchorCtr="0" compatLnSpc="1">
+            <a:prstTxWarp prst="textNoShape">
+              <a:avLst/>
+            </a:prstTxWarp>
+          </a:bodyPr>
+          <a:lstStyle/>
+          <a:p>
+            <a:endParaRPr lang="ko-KR" altLang="en-US"/>
+          </a:p>
+        </p:txBody>
+      </p:sp>
+      <p:sp>
+        <p:nvSpPr>
+          <p:cNvPr id="19" name="TextBox 18"/>
+          <p:cNvSpPr txBox="1"/>
+          <p:nvPr/>
+        </p:nvSpPr>
+        <p:spPr>
+          <a:xfrm>
+            <a:off x="2915816" y="2174542"/>
+            <a:ext cx="3312368" cy="1477328"/>
+          </a:xfrm>
+          <a:prstGeom prst="rect">
+            <a:avLst/>
+          </a:prstGeom>
+          <a:noFill/>
+        </p:spPr>
+        <p:txBody>
+          <a:bodyPr wrap="square" rtlCol="0">
+            <a:spAutoFit/>
+          </a:bodyPr>
+          <a:lstStyle/>
+          <a:p>
+            <a:pPr marL="342900" indent="-342900">
+              <a:buAutoNum type="arabicPeriod"/>
+            </a:pPr>
+            <a:r>
+              <a:rPr lang="ko-KR" altLang="en-US" dirty="0" smtClean="0">
+                <a:solidFill>
+                  <a:schemeClr val="bg1"/>
+                </a:solidFill>
+                <a:latin typeface="나눔바른고딕" pitchFamily="50" charset="-127"/>
+                <a:ea typeface="나눔바른고딕" pitchFamily="50" charset="-127"/>
+              </a:rPr>
+              <a:t>발라내지 말고 </a:t>
+            </a:r>
+            <a:r>
+              <a:rPr lang="en-US" altLang="ko-KR" dirty="0" smtClean="0">
+                <a:solidFill>
+                  <a:schemeClr val="bg1"/>
+                </a:solidFill>
+                <a:latin typeface="나눔바른고딕" pitchFamily="50" charset="-127"/>
+                <a:ea typeface="나눔바른고딕" pitchFamily="50" charset="-127"/>
+              </a:rPr>
+              <a:t>checkout</a:t>
+            </a:r>
+            <a:endParaRPr lang="en-US" altLang="ko-KR" dirty="0" smtClean="0">
+              <a:solidFill>
+                <a:schemeClr val="bg1"/>
+              </a:solidFill>
+              <a:latin typeface="나눔바른고딕" pitchFamily="50" charset="-127"/>
+              <a:ea typeface="나눔바른고딕" pitchFamily="50" charset="-127"/>
+            </a:endParaRPr>
+          </a:p>
+          <a:p>
+            <a:pPr marL="342900" indent="-342900">
+              <a:buAutoNum type="arabicPeriod"/>
+            </a:pPr>
+            <a:r>
+              <a:rPr lang="en-US" altLang="ko-KR" dirty="0" smtClean="0">
+                <a:solidFill>
+                  <a:schemeClr val="bg1"/>
+                </a:solidFill>
+                <a:latin typeface="나눔바른고딕" pitchFamily="50" charset="-127"/>
+                <a:ea typeface="나눔바른고딕" pitchFamily="50" charset="-127"/>
+              </a:rPr>
+              <a:t>branch, tag</a:t>
+            </a:r>
+            <a:r>
+              <a:rPr lang="ko-KR" altLang="en-US" dirty="0" smtClean="0">
+                <a:solidFill>
+                  <a:schemeClr val="bg1"/>
+                </a:solidFill>
+                <a:latin typeface="나눔바른고딕" pitchFamily="50" charset="-127"/>
+                <a:ea typeface="나눔바른고딕" pitchFamily="50" charset="-127"/>
+              </a:rPr>
+              <a:t>로 마음껏 놀기</a:t>
+            </a:r>
+            <a:r>
+              <a:rPr lang="en-US" altLang="ko-KR" dirty="0" smtClean="0">
+                <a:solidFill>
+                  <a:schemeClr val="bg1"/>
+                </a:solidFill>
+                <a:latin typeface="나눔바른고딕" pitchFamily="50" charset="-127"/>
+                <a:ea typeface="나눔바른고딕" pitchFamily="50" charset="-127"/>
+              </a:rPr>
+              <a:t> </a:t>
+            </a:r>
+            <a:endParaRPr lang="en-US" altLang="ko-KR" dirty="0" smtClean="0">
+              <a:solidFill>
+                <a:schemeClr val="bg1"/>
+              </a:solidFill>
+              <a:latin typeface="나눔바른고딕" pitchFamily="50" charset="-127"/>
+              <a:ea typeface="나눔바른고딕" pitchFamily="50" charset="-127"/>
+            </a:endParaRPr>
+          </a:p>
+          <a:p>
+            <a:pPr marL="342900" indent="-342900">
+              <a:buAutoNum type="arabicPeriod"/>
+            </a:pPr>
+            <a:r>
+              <a:rPr lang="ko-KR" altLang="en-US" dirty="0" smtClean="0">
+                <a:solidFill>
+                  <a:schemeClr val="bg1"/>
+                </a:solidFill>
+                <a:latin typeface="나눔바른고딕" pitchFamily="50" charset="-127"/>
+                <a:ea typeface="나눔바른고딕" pitchFamily="50" charset="-127"/>
+              </a:rPr>
+              <a:t>골라</a:t>
+            </a:r>
+            <a:r>
+              <a:rPr lang="ko-KR" altLang="en-US" dirty="0" smtClean="0">
+                <a:solidFill>
+                  <a:schemeClr val="bg1"/>
+                </a:solidFill>
+                <a:latin typeface="나눔바른고딕" pitchFamily="50" charset="-127"/>
+                <a:ea typeface="나눔바른고딕" pitchFamily="50" charset="-127"/>
+              </a:rPr>
+              <a:t>서</a:t>
+            </a:r>
+            <a:r>
+              <a:rPr lang="ko-KR" altLang="en-US" dirty="0" smtClean="0">
+                <a:solidFill>
+                  <a:schemeClr val="bg1"/>
+                </a:solidFill>
+                <a:latin typeface="나눔바른고딕" pitchFamily="50" charset="-127"/>
+                <a:ea typeface="나눔바른고딕" pitchFamily="50" charset="-127"/>
+              </a:rPr>
+              <a:t> </a:t>
+            </a:r>
+            <a:r>
+              <a:rPr lang="en-US" altLang="ko-KR" dirty="0" smtClean="0">
+                <a:solidFill>
+                  <a:schemeClr val="bg1"/>
+                </a:solidFill>
+                <a:latin typeface="나눔바른고딕" pitchFamily="50" charset="-127"/>
+                <a:ea typeface="나눔바른고딕" pitchFamily="50" charset="-127"/>
+              </a:rPr>
+              <a:t>merge</a:t>
+            </a:r>
+            <a:endParaRPr lang="en-US" altLang="ko-KR" dirty="0" smtClean="0">
+              <a:solidFill>
+                <a:schemeClr val="bg1"/>
+              </a:solidFill>
+              <a:latin typeface="나눔바른고딕" pitchFamily="50" charset="-127"/>
+              <a:ea typeface="나눔바른고딕" pitchFamily="50" charset="-127"/>
+            </a:endParaRPr>
+          </a:p>
+          <a:p>
+            <a:pPr marL="342900" indent="-342900">
+              <a:buAutoNum type="arabicPeriod"/>
+            </a:pPr>
+            <a:endParaRPr lang="en-US" altLang="ko-KR" dirty="0" smtClean="0">
+              <a:solidFill>
+                <a:schemeClr val="bg1"/>
+              </a:solidFill>
+              <a:latin typeface="나눔바른고딕" pitchFamily="50" charset="-127"/>
+              <a:ea typeface="나눔바른고딕" pitchFamily="50" charset="-127"/>
+            </a:endParaRPr>
+          </a:p>
+          <a:p>
+            <a:pPr marL="342900" indent="-342900">
+              <a:buAutoNum type="arabicPeriod"/>
+            </a:pPr>
+            <a:endParaRPr lang="ko-KR" altLang="en-US" dirty="0">
+              <a:solidFill>
+                <a:schemeClr val="bg1"/>
+              </a:solidFill>
+              <a:latin typeface="나눔바른고딕" pitchFamily="50" charset="-127"/>
+              <a:ea typeface="나눔바른고딕" pitchFamily="50" charset="-127"/>
+            </a:endParaRPr>
+          </a:p>
+        </p:txBody>
+      </p:sp>
+      <p:sp>
+        <p:nvSpPr>
+          <p:cNvPr id="27" name="TextBox 26"/>
+          <p:cNvSpPr txBox="1"/>
+          <p:nvPr/>
+        </p:nvSpPr>
+        <p:spPr>
+          <a:xfrm>
+            <a:off x="611560" y="483518"/>
+            <a:ext cx="6552728" cy="461665"/>
+          </a:xfrm>
+          <a:prstGeom prst="rect">
+            <a:avLst/>
+          </a:prstGeom>
+          <a:noFill/>
+        </p:spPr>
+        <p:txBody>
+          <a:bodyPr wrap="square" rtlCol="0">
+            <a:spAutoFit/>
+          </a:bodyPr>
+          <a:lstStyle/>
+          <a:p>
+            <a:r>
+              <a:rPr lang="en-US" altLang="ko-KR" sz="2400" dirty="0" smtClean="0">
+                <a:solidFill>
+                  <a:schemeClr val="bg1">
+                    <a:lumMod val="95000"/>
+                  </a:schemeClr>
+                </a:solidFill>
+                <a:latin typeface="나눔바른고딕" pitchFamily="50" charset="-127"/>
+                <a:ea typeface="나눔바른고딕" pitchFamily="50" charset="-127"/>
+              </a:rPr>
+              <a:t>1-3. </a:t>
+            </a:r>
+            <a:r>
+              <a:rPr lang="en-US" altLang="ko-KR" sz="2400" dirty="0" err="1" smtClean="0">
+                <a:solidFill>
+                  <a:schemeClr val="bg1">
+                    <a:lumMod val="95000"/>
+                  </a:schemeClr>
+                </a:solidFill>
+                <a:latin typeface="나눔바른고딕" pitchFamily="50" charset="-127"/>
+                <a:ea typeface="나눔바른고딕" pitchFamily="50" charset="-127"/>
+              </a:rPr>
+              <a:t>git</a:t>
+            </a:r>
+            <a:r>
+              <a:rPr lang="en-US" altLang="ko-KR" sz="2400" dirty="0" smtClean="0">
+                <a:solidFill>
+                  <a:schemeClr val="bg1">
+                    <a:lumMod val="95000"/>
+                  </a:schemeClr>
+                </a:solidFill>
+                <a:latin typeface="나눔바른고딕" pitchFamily="50" charset="-127"/>
+                <a:ea typeface="나눔바른고딕" pitchFamily="50" charset="-127"/>
+              </a:rPr>
+              <a:t> </a:t>
+            </a:r>
+            <a:r>
+              <a:rPr lang="ko-KR" altLang="en-US" sz="2400" dirty="0" err="1" smtClean="0">
+                <a:solidFill>
+                  <a:schemeClr val="bg1">
+                    <a:lumMod val="95000"/>
+                  </a:schemeClr>
+                </a:solidFill>
+                <a:latin typeface="나눔바른고딕" pitchFamily="50" charset="-127"/>
+                <a:ea typeface="나눔바른고딕" pitchFamily="50" charset="-127"/>
+              </a:rPr>
+              <a:t>브랜치</a:t>
+            </a:r>
+            <a:endParaRPr lang="ko-KR" altLang="en-US" sz="2400" dirty="0">
+              <a:solidFill>
+                <a:schemeClr val="bg1">
+                  <a:lumMod val="95000"/>
+                </a:schemeClr>
+              </a:solidFill>
+              <a:latin typeface="나눔바른고딕" pitchFamily="50" charset="-127"/>
+              <a:ea typeface="나눔바른고딕" pitchFamily="50" charset="-127"/>
+            </a:endParaRPr>
+          </a:p>
+        </p:txBody>
+      </p:sp>
+    </p:spTree>
+  </p:cSld>
+  <p:clrMapOvr>
+    <a:masterClrMapping/>
+  </p:clrMapOvr>
+  <p:timing>
+    <p:tnLst>
+      <p:par>
+        <p:cTn id="1" dur="indefinite" restart="never" nodeType="tmRoot"/>
+      </p:par>
+    </p:tnLst>
+  </p:timing>
+</p:sld>
+</file>
+
+<file path=ppt/slides/slide19.xml><?xml version="1.0" encoding="utf-8"?>
+<p:sld xmlns:a="http://schemas.openxmlformats.org/drawingml/2006/main" xmlns:r="http://schemas.openxmlformats.org/officeDocument/2006/relationships" xmlns:p="http://schemas.openxmlformats.org/presentationml/2006/main">
+  <p:cSld>
+    <p:spTree>
+      <p:nvGrpSpPr>
+        <p:cNvPr id="1" name=""/>
+        <p:cNvGrpSpPr/>
+        <p:nvPr/>
+      </p:nvGrpSpPr>
+      <p:grpSpPr>
+        <a:xfrm>
+          <a:off x="0" y="0"/>
+          <a:ext cx="0" cy="0"/>
+          <a:chOff x="0" y="0"/>
+          <a:chExt cx="0" cy="0"/>
+        </a:xfrm>
+      </p:grpSpPr>
+      <p:sp>
+        <p:nvSpPr>
+          <p:cNvPr id="16" name="평행 사변형 15"/>
+          <p:cNvSpPr/>
+          <p:nvPr/>
+        </p:nvSpPr>
+        <p:spPr>
+          <a:xfrm rot="16200000">
+            <a:off x="2000251" y="-2000251"/>
+            <a:ext cx="5143500" cy="9144001"/>
+          </a:xfrm>
+          <a:prstGeom prst="parallelogram">
+            <a:avLst>
+              <a:gd name="adj" fmla="val 7753"/>
+            </a:avLst>
+          </a:prstGeom>
+          <a:solidFill>
+            <a:srgbClr val="473F3D"/>
+          </a:solidFill>
+          <a:ln>
+            <a:noFill/>
+          </a:ln>
+        </p:spPr>
+        <p:style>
+          <a:lnRef idx="2">
+            <a:schemeClr val="accent1">
+              <a:shade val="50000"/>
+            </a:schemeClr>
+          </a:lnRef>
+          <a:fillRef idx="1">
+            <a:schemeClr val="accent1"/>
+          </a:fillRef>
+          <a:effectRef idx="0">
+            <a:schemeClr val="accent1"/>
+          </a:effectRef>
+          <a:fontRef idx="minor">
+            <a:schemeClr val="lt1"/>
+          </a:fontRef>
+        </p:style>
+        <p:txBody>
+          <a:bodyPr rtlCol="0" anchor="ctr"/>
+          <a:lstStyle/>
+          <a:p>
+            <a:pPr algn="ctr"/>
+            <a:endParaRPr lang="ko-KR" altLang="en-US" sz="1600"/>
+          </a:p>
+        </p:txBody>
+      </p:sp>
+      <p:cxnSp>
+        <p:nvCxnSpPr>
+          <p:cNvPr id="11" name="직선 연결선 10"/>
+          <p:cNvCxnSpPr/>
+          <p:nvPr/>
+        </p:nvCxnSpPr>
+        <p:spPr>
+          <a:xfrm>
+            <a:off x="539552" y="915566"/>
+            <a:ext cx="8136904" cy="0"/>
+          </a:xfrm>
+          <a:prstGeom prst="line">
+            <a:avLst/>
+          </a:prstGeom>
+          <a:ln w="12700">
+            <a:solidFill>
+              <a:schemeClr val="bg1"/>
+            </a:solidFill>
+          </a:ln>
+        </p:spPr>
+        <p:style>
+          <a:lnRef idx="1">
+            <a:schemeClr val="accent1"/>
+          </a:lnRef>
+          <a:fillRef idx="0">
+            <a:schemeClr val="accent1"/>
+          </a:fillRef>
+          <a:effectRef idx="0">
+            <a:schemeClr val="accent1"/>
+          </a:effectRef>
+          <a:fontRef idx="minor">
+            <a:schemeClr val="tx1"/>
+          </a:fontRef>
+        </p:style>
+      </p:cxnSp>
+      <p:cxnSp>
+        <p:nvCxnSpPr>
+          <p:cNvPr id="12" name="직선 연결선 11"/>
+          <p:cNvCxnSpPr/>
+          <p:nvPr/>
+        </p:nvCxnSpPr>
+        <p:spPr>
+          <a:xfrm>
+            <a:off x="467544" y="4299942"/>
+            <a:ext cx="8136904" cy="0"/>
+          </a:xfrm>
+          <a:prstGeom prst="line">
+            <a:avLst/>
+          </a:prstGeom>
+          <a:ln w="12700">
+            <a:solidFill>
+              <a:schemeClr val="bg1"/>
+            </a:solidFill>
+          </a:ln>
+        </p:spPr>
+        <p:style>
+          <a:lnRef idx="1">
+            <a:schemeClr val="accent1"/>
+          </a:lnRef>
+          <a:fillRef idx="0">
+            <a:schemeClr val="accent1"/>
+          </a:fillRef>
+          <a:effectRef idx="0">
+            <a:schemeClr val="accent1"/>
+          </a:effectRef>
+          <a:fontRef idx="minor">
+            <a:schemeClr val="tx1"/>
+          </a:fontRef>
+        </p:style>
+      </p:cxnSp>
+      <p:cxnSp>
+        <p:nvCxnSpPr>
+          <p:cNvPr id="14" name="직선 연결선 13"/>
+          <p:cNvCxnSpPr/>
+          <p:nvPr/>
+        </p:nvCxnSpPr>
+        <p:spPr>
+          <a:xfrm>
+            <a:off x="467544" y="915566"/>
+            <a:ext cx="8208912" cy="0"/>
+          </a:xfrm>
+          <a:prstGeom prst="line">
+            <a:avLst/>
+          </a:prstGeom>
+          <a:ln w="12700">
+            <a:solidFill>
+              <a:schemeClr val="bg1"/>
+            </a:solidFill>
+          </a:ln>
+        </p:spPr>
+        <p:style>
+          <a:lnRef idx="1">
+            <a:schemeClr val="accent1"/>
+          </a:lnRef>
+          <a:fillRef idx="0">
+            <a:schemeClr val="accent1"/>
+          </a:fillRef>
+          <a:effectRef idx="0">
+            <a:schemeClr val="accent1"/>
+          </a:effectRef>
+          <a:fontRef idx="minor">
+            <a:schemeClr val="tx1"/>
+          </a:fontRef>
+        </p:style>
+      </p:cxnSp>
+      <p:cxnSp>
+        <p:nvCxnSpPr>
+          <p:cNvPr id="15" name="직선 연결선 14"/>
+          <p:cNvCxnSpPr/>
+          <p:nvPr/>
+        </p:nvCxnSpPr>
+        <p:spPr>
+          <a:xfrm>
+            <a:off x="467544" y="4299942"/>
+            <a:ext cx="8208912" cy="0"/>
+          </a:xfrm>
+          <a:prstGeom prst="line">
+            <a:avLst/>
+          </a:prstGeom>
+          <a:ln w="12700">
+            <a:solidFill>
+              <a:schemeClr val="bg1"/>
+            </a:solidFill>
+          </a:ln>
+        </p:spPr>
+        <p:style>
+          <a:lnRef idx="1">
+            <a:schemeClr val="accent1"/>
+          </a:lnRef>
+          <a:fillRef idx="0">
+            <a:schemeClr val="accent1"/>
+          </a:fillRef>
+          <a:effectRef idx="0">
+            <a:schemeClr val="accent1"/>
+          </a:effectRef>
+          <a:fontRef idx="minor">
+            <a:schemeClr val="tx1"/>
+          </a:fontRef>
+        </p:style>
+      </p:cxnSp>
+      <p:sp>
+        <p:nvSpPr>
+          <p:cNvPr id="14344" name="AutoShape 8" descr="ê´ë ¨ ì´ë¯¸ì§"/>
+          <p:cNvSpPr>
+            <a:spLocks noChangeAspect="1" noChangeArrowheads="1"/>
+          </p:cNvSpPr>
+          <p:nvPr/>
+        </p:nvSpPr>
+        <p:spPr bwMode="auto">
+          <a:xfrm>
+            <a:off x="168275" y="-136525"/>
+            <a:ext cx="298450" cy="298450"/>
+          </a:xfrm>
+          <a:prstGeom prst="rect">
+            <a:avLst/>
+          </a:prstGeom>
+          <a:noFill/>
+        </p:spPr>
+        <p:txBody>
+          <a:bodyPr vert="horz" wrap="square" lIns="91440" tIns="45720" rIns="91440" bIns="45720" numCol="1" anchor="t" anchorCtr="0" compatLnSpc="1">
+            <a:prstTxWarp prst="textNoShape">
+              <a:avLst/>
+            </a:prstTxWarp>
+          </a:bodyPr>
+          <a:lstStyle/>
+          <a:p>
+            <a:endParaRPr lang="ko-KR" altLang="en-US"/>
+          </a:p>
+        </p:txBody>
+      </p:sp>
+      <p:sp>
+        <p:nvSpPr>
+          <p:cNvPr id="14346" name="AutoShape 10" descr="ê´ë ¨ ì´ë¯¸ì§"/>
+          <p:cNvSpPr>
+            <a:spLocks noChangeAspect="1" noChangeArrowheads="1"/>
+          </p:cNvSpPr>
+          <p:nvPr/>
+        </p:nvSpPr>
+        <p:spPr bwMode="auto">
+          <a:xfrm>
+            <a:off x="168275" y="-136525"/>
+            <a:ext cx="298450" cy="298450"/>
+          </a:xfrm>
+          <a:prstGeom prst="rect">
+            <a:avLst/>
+          </a:prstGeom>
+          <a:noFill/>
+        </p:spPr>
+        <p:txBody>
+          <a:bodyPr vert="horz" wrap="square" lIns="91440" tIns="45720" rIns="91440" bIns="45720" numCol="1" anchor="t" anchorCtr="0" compatLnSpc="1">
+            <a:prstTxWarp prst="textNoShape">
+              <a:avLst/>
+            </a:prstTxWarp>
+          </a:bodyPr>
+          <a:lstStyle/>
+          <a:p>
+            <a:endParaRPr lang="ko-KR" altLang="en-US"/>
+          </a:p>
+        </p:txBody>
+      </p:sp>
+      <p:sp>
+        <p:nvSpPr>
+          <p:cNvPr id="14348" name="AutoShape 12" descr="ê´ë ¨ ì´ë¯¸ì§"/>
+          <p:cNvSpPr>
+            <a:spLocks noChangeAspect="1" noChangeArrowheads="1"/>
+          </p:cNvSpPr>
+          <p:nvPr/>
+        </p:nvSpPr>
+        <p:spPr bwMode="auto">
+          <a:xfrm>
+            <a:off x="168275" y="-136525"/>
+            <a:ext cx="298450" cy="298450"/>
+          </a:xfrm>
+          <a:prstGeom prst="rect">
+            <a:avLst/>
+          </a:prstGeom>
+          <a:noFill/>
+        </p:spPr>
+        <p:txBody>
+          <a:bodyPr vert="horz" wrap="square" lIns="91440" tIns="45720" rIns="91440" bIns="45720" numCol="1" anchor="t" anchorCtr="0" compatLnSpc="1">
+            <a:prstTxWarp prst="textNoShape">
+              <a:avLst/>
+            </a:prstTxWarp>
+          </a:bodyPr>
+          <a:lstStyle/>
+          <a:p>
+            <a:endParaRPr lang="ko-KR" altLang="en-US"/>
+          </a:p>
+        </p:txBody>
+      </p:sp>
+      <p:sp>
+        <p:nvSpPr>
+          <p:cNvPr id="14350" name="AutoShape 14" descr="ê´ë ¨ ì´ë¯¸ì§"/>
+          <p:cNvSpPr>
+            <a:spLocks noChangeAspect="1" noChangeArrowheads="1"/>
+          </p:cNvSpPr>
+          <p:nvPr/>
+        </p:nvSpPr>
+        <p:spPr bwMode="auto">
+          <a:xfrm>
+            <a:off x="168275" y="-136525"/>
+            <a:ext cx="298450" cy="298450"/>
+          </a:xfrm>
+          <a:prstGeom prst="rect">
+            <a:avLst/>
+          </a:prstGeom>
+          <a:noFill/>
+        </p:spPr>
+        <p:txBody>
+          <a:bodyPr vert="horz" wrap="square" lIns="91440" tIns="45720" rIns="91440" bIns="45720" numCol="1" anchor="t" anchorCtr="0" compatLnSpc="1">
+            <a:prstTxWarp prst="textNoShape">
+              <a:avLst/>
+            </a:prstTxWarp>
+          </a:bodyPr>
+          <a:lstStyle/>
+          <a:p>
+            <a:endParaRPr lang="ko-KR" altLang="en-US"/>
+          </a:p>
+        </p:txBody>
+      </p:sp>
+      <p:sp>
+        <p:nvSpPr>
+          <p:cNvPr id="27" name="TextBox 26"/>
+          <p:cNvSpPr txBox="1"/>
+          <p:nvPr/>
+        </p:nvSpPr>
+        <p:spPr>
+          <a:xfrm>
+            <a:off x="611560" y="483518"/>
+            <a:ext cx="6552728" cy="461665"/>
+          </a:xfrm>
+          <a:prstGeom prst="rect">
+            <a:avLst/>
+          </a:prstGeom>
+          <a:noFill/>
+        </p:spPr>
+        <p:txBody>
+          <a:bodyPr wrap="square" rtlCol="0">
+            <a:spAutoFit/>
+          </a:bodyPr>
+          <a:lstStyle/>
+          <a:p>
+            <a:r>
+              <a:rPr lang="en-US" altLang="ko-KR" sz="2400" dirty="0" smtClean="0">
+                <a:solidFill>
+                  <a:schemeClr val="bg1">
+                    <a:lumMod val="95000"/>
+                  </a:schemeClr>
+                </a:solidFill>
+                <a:latin typeface="나눔바른고딕" pitchFamily="50" charset="-127"/>
+                <a:ea typeface="나눔바른고딕" pitchFamily="50" charset="-127"/>
+              </a:rPr>
+              <a:t>1-3. </a:t>
+            </a:r>
+            <a:r>
+              <a:rPr lang="en-US" altLang="ko-KR" sz="2400" dirty="0" err="1" smtClean="0">
+                <a:solidFill>
+                  <a:schemeClr val="bg1">
+                    <a:lumMod val="95000"/>
+                  </a:schemeClr>
+                </a:solidFill>
+                <a:latin typeface="나눔바른고딕" pitchFamily="50" charset="-127"/>
+                <a:ea typeface="나눔바른고딕" pitchFamily="50" charset="-127"/>
+              </a:rPr>
+              <a:t>git</a:t>
+            </a:r>
+            <a:r>
+              <a:rPr lang="en-US" altLang="ko-KR" sz="2400" dirty="0" smtClean="0">
+                <a:solidFill>
+                  <a:schemeClr val="bg1">
+                    <a:lumMod val="95000"/>
+                  </a:schemeClr>
+                </a:solidFill>
+                <a:latin typeface="나눔바른고딕" pitchFamily="50" charset="-127"/>
+                <a:ea typeface="나눔바른고딕" pitchFamily="50" charset="-127"/>
+              </a:rPr>
+              <a:t> </a:t>
+            </a:r>
+            <a:r>
+              <a:rPr lang="ko-KR" altLang="en-US" sz="2400" dirty="0" err="1" smtClean="0">
+                <a:solidFill>
+                  <a:schemeClr val="bg1">
+                    <a:lumMod val="95000"/>
+                  </a:schemeClr>
+                </a:solidFill>
+                <a:latin typeface="나눔바른고딕" pitchFamily="50" charset="-127"/>
+                <a:ea typeface="나눔바른고딕" pitchFamily="50" charset="-127"/>
+              </a:rPr>
+              <a:t>브랜치</a:t>
+            </a:r>
+            <a:endParaRPr lang="ko-KR" altLang="en-US" sz="2400" dirty="0">
+              <a:solidFill>
+                <a:schemeClr val="bg1">
+                  <a:lumMod val="95000"/>
+                </a:schemeClr>
+              </a:solidFill>
+              <a:latin typeface="나눔바른고딕" pitchFamily="50" charset="-127"/>
+              <a:ea typeface="나눔바른고딕" pitchFamily="50" charset="-127"/>
+            </a:endParaRPr>
+          </a:p>
+        </p:txBody>
+      </p:sp>
+      <p:sp>
+        <p:nvSpPr>
+          <p:cNvPr id="18" name="TextBox 17"/>
+          <p:cNvSpPr txBox="1"/>
+          <p:nvPr/>
+        </p:nvSpPr>
+        <p:spPr>
+          <a:xfrm>
+            <a:off x="1979712" y="2355726"/>
+            <a:ext cx="4896544" cy="646331"/>
+          </a:xfrm>
+          <a:prstGeom prst="rect">
+            <a:avLst/>
+          </a:prstGeom>
+          <a:noFill/>
+        </p:spPr>
+        <p:txBody>
+          <a:bodyPr wrap="square" rtlCol="0">
+            <a:spAutoFit/>
+          </a:bodyPr>
+          <a:lstStyle/>
+          <a:p>
+            <a:pPr marL="342900" indent="-342900" algn="ctr"/>
+            <a:r>
+              <a:rPr lang="ko-KR" altLang="en-US" dirty="0" smtClean="0">
+                <a:solidFill>
+                  <a:schemeClr val="bg1"/>
+                </a:solidFill>
+                <a:latin typeface="나눔바른고딕" pitchFamily="50" charset="-127"/>
+                <a:ea typeface="나눔바른고딕" pitchFamily="50" charset="-127"/>
+              </a:rPr>
+              <a:t>인생은 </a:t>
+            </a:r>
+            <a:r>
+              <a:rPr lang="en-US" altLang="ko-KR" dirty="0" smtClean="0">
+                <a:solidFill>
+                  <a:schemeClr val="bg1"/>
+                </a:solidFill>
+                <a:latin typeface="나눔바른고딕" pitchFamily="50" charset="-127"/>
+                <a:ea typeface="나눔바른고딕" pitchFamily="50" charset="-127"/>
+              </a:rPr>
+              <a:t>checkout</a:t>
+            </a:r>
+            <a:r>
+              <a:rPr lang="ko-KR" altLang="en-US" dirty="0" smtClean="0">
+                <a:solidFill>
+                  <a:schemeClr val="bg1"/>
+                </a:solidFill>
+                <a:latin typeface="나눔바른고딕" pitchFamily="50" charset="-127"/>
+                <a:ea typeface="나눔바른고딕" pitchFamily="50" charset="-127"/>
+              </a:rPr>
+              <a:t>할 수 없으니 </a:t>
+            </a:r>
+            <a:r>
+              <a:rPr lang="en-US" altLang="ko-KR" dirty="0" err="1" smtClean="0">
+                <a:solidFill>
+                  <a:schemeClr val="bg1"/>
+                </a:solidFill>
+                <a:latin typeface="나눔바른고딕" pitchFamily="50" charset="-127"/>
+                <a:ea typeface="나눔바른고딕" pitchFamily="50" charset="-127"/>
+              </a:rPr>
+              <a:t>git</a:t>
+            </a:r>
+            <a:r>
+              <a:rPr lang="ko-KR" altLang="en-US" dirty="0" smtClean="0">
+                <a:solidFill>
+                  <a:schemeClr val="bg1"/>
+                </a:solidFill>
+                <a:latin typeface="나눔바른고딕" pitchFamily="50" charset="-127"/>
+                <a:ea typeface="나눔바른고딕" pitchFamily="50" charset="-127"/>
+              </a:rPr>
+              <a:t>에서라도</a:t>
+            </a:r>
+            <a:r>
+              <a:rPr lang="en-US" altLang="ko-KR" dirty="0" smtClean="0">
+                <a:solidFill>
+                  <a:schemeClr val="bg1"/>
+                </a:solidFill>
+                <a:latin typeface="나눔바른고딕" pitchFamily="50" charset="-127"/>
+                <a:ea typeface="나눔바른고딕" pitchFamily="50" charset="-127"/>
+              </a:rPr>
+              <a:t>…</a:t>
+            </a:r>
+            <a:endParaRPr lang="en-US" altLang="ko-KR" dirty="0" smtClean="0">
+              <a:solidFill>
+                <a:schemeClr val="bg1"/>
+              </a:solidFill>
+              <a:latin typeface="나눔바른고딕" pitchFamily="50" charset="-127"/>
+              <a:ea typeface="나눔바른고딕" pitchFamily="50" charset="-127"/>
+            </a:endParaRPr>
+          </a:p>
+          <a:p>
+            <a:pPr marL="342900" indent="-342900">
+              <a:buAutoNum type="arabicPeriod"/>
+            </a:pPr>
+            <a:endParaRPr lang="ko-KR" altLang="en-US" dirty="0">
+              <a:solidFill>
+                <a:schemeClr val="bg1"/>
+              </a:solidFill>
+              <a:latin typeface="나눔바른고딕" pitchFamily="50" charset="-127"/>
+              <a:ea typeface="나눔바른고딕" pitchFamily="50" charset="-127"/>
+            </a:endParaRPr>
+          </a:p>
+        </p:txBody>
+      </p:sp>
+    </p:spTree>
+  </p:cSld>
+  <p:clrMapOvr>
+    <a:masterClrMapping/>
+  </p:clrMapOvr>
+  <p:timing>
+    <p:tnLst>
+      <p:par>
+        <p:cTn id="1" dur="indefinite" restart="never" nodeType="tmRoot"/>
+      </p:par>
+    </p:tnLst>
+  </p:timing>
+</p:sld>
+</file>
+
 <file path=ppt/slides/slide2.xml><?xml version="1.0" encoding="utf-8"?>
 <p:sld xmlns:a="http://schemas.openxmlformats.org/drawingml/2006/main" xmlns:r="http://schemas.openxmlformats.org/officeDocument/2006/relationships" xmlns:p="http://schemas.openxmlformats.org/presentationml/2006/main">
   <p:cSld>

--- a/git발표.pptx
+++ b/git발표.pptx
@@ -307,7 +307,7 @@
             <a:fld id="{742871FB-FCC3-4659-BA1C-A89BEC3C9DF3}" type="datetimeFigureOut">
               <a:rPr lang="ko-KR" altLang="en-US" smtClean="0"/>
               <a:pPr/>
-              <a:t>2018-10-09</a:t>
+              <a:t>2018-10-10</a:t>
             </a:fld>
             <a:endParaRPr lang="ko-KR" altLang="en-US"/>
           </a:p>
@@ -474,7 +474,7 @@
             <a:fld id="{742871FB-FCC3-4659-BA1C-A89BEC3C9DF3}" type="datetimeFigureOut">
               <a:rPr lang="ko-KR" altLang="en-US" smtClean="0"/>
               <a:pPr/>
-              <a:t>2018-10-09</a:t>
+              <a:t>2018-10-10</a:t>
             </a:fld>
             <a:endParaRPr lang="ko-KR" altLang="en-US"/>
           </a:p>
@@ -651,7 +651,7 @@
             <a:fld id="{742871FB-FCC3-4659-BA1C-A89BEC3C9DF3}" type="datetimeFigureOut">
               <a:rPr lang="ko-KR" altLang="en-US" smtClean="0"/>
               <a:pPr/>
-              <a:t>2018-10-09</a:t>
+              <a:t>2018-10-10</a:t>
             </a:fld>
             <a:endParaRPr lang="ko-KR" altLang="en-US"/>
           </a:p>
@@ -818,7 +818,7 @@
             <a:fld id="{742871FB-FCC3-4659-BA1C-A89BEC3C9DF3}" type="datetimeFigureOut">
               <a:rPr lang="ko-KR" altLang="en-US" smtClean="0"/>
               <a:pPr/>
-              <a:t>2018-10-09</a:t>
+              <a:t>2018-10-10</a:t>
             </a:fld>
             <a:endParaRPr lang="ko-KR" altLang="en-US"/>
           </a:p>
@@ -1061,7 +1061,7 @@
             <a:fld id="{742871FB-FCC3-4659-BA1C-A89BEC3C9DF3}" type="datetimeFigureOut">
               <a:rPr lang="ko-KR" altLang="en-US" smtClean="0"/>
               <a:pPr/>
-              <a:t>2018-10-09</a:t>
+              <a:t>2018-10-10</a:t>
             </a:fld>
             <a:endParaRPr lang="ko-KR" altLang="en-US"/>
           </a:p>
@@ -1346,7 +1346,7 @@
             <a:fld id="{742871FB-FCC3-4659-BA1C-A89BEC3C9DF3}" type="datetimeFigureOut">
               <a:rPr lang="ko-KR" altLang="en-US" smtClean="0"/>
               <a:pPr/>
-              <a:t>2018-10-09</a:t>
+              <a:t>2018-10-10</a:t>
             </a:fld>
             <a:endParaRPr lang="ko-KR" altLang="en-US"/>
           </a:p>
@@ -1765,7 +1765,7 @@
             <a:fld id="{742871FB-FCC3-4659-BA1C-A89BEC3C9DF3}" type="datetimeFigureOut">
               <a:rPr lang="ko-KR" altLang="en-US" smtClean="0"/>
               <a:pPr/>
-              <a:t>2018-10-09</a:t>
+              <a:t>2018-10-10</a:t>
             </a:fld>
             <a:endParaRPr lang="ko-KR" altLang="en-US"/>
           </a:p>
@@ -1880,7 +1880,7 @@
             <a:fld id="{742871FB-FCC3-4659-BA1C-A89BEC3C9DF3}" type="datetimeFigureOut">
               <a:rPr lang="ko-KR" altLang="en-US" smtClean="0"/>
               <a:pPr/>
-              <a:t>2018-10-09</a:t>
+              <a:t>2018-10-10</a:t>
             </a:fld>
             <a:endParaRPr lang="ko-KR" altLang="en-US"/>
           </a:p>
@@ -1972,7 +1972,7 @@
             <a:fld id="{742871FB-FCC3-4659-BA1C-A89BEC3C9DF3}" type="datetimeFigureOut">
               <a:rPr lang="ko-KR" altLang="en-US" smtClean="0"/>
               <a:pPr/>
-              <a:t>2018-10-09</a:t>
+              <a:t>2018-10-10</a:t>
             </a:fld>
             <a:endParaRPr lang="ko-KR" altLang="en-US"/>
           </a:p>
@@ -2246,7 +2246,7 @@
             <a:fld id="{742871FB-FCC3-4659-BA1C-A89BEC3C9DF3}" type="datetimeFigureOut">
               <a:rPr lang="ko-KR" altLang="en-US" smtClean="0"/>
               <a:pPr/>
-              <a:t>2018-10-09</a:t>
+              <a:t>2018-10-10</a:t>
             </a:fld>
             <a:endParaRPr lang="ko-KR" altLang="en-US"/>
           </a:p>
@@ -2496,7 +2496,7 @@
             <a:fld id="{742871FB-FCC3-4659-BA1C-A89BEC3C9DF3}" type="datetimeFigureOut">
               <a:rPr lang="ko-KR" altLang="en-US" smtClean="0"/>
               <a:pPr/>
-              <a:t>2018-10-09</a:t>
+              <a:t>2018-10-10</a:t>
             </a:fld>
             <a:endParaRPr lang="ko-KR" altLang="en-US"/>
           </a:p>
@@ -2711,7 +2711,7 @@
             <a:fld id="{742871FB-FCC3-4659-BA1C-A89BEC3C9DF3}" type="datetimeFigureOut">
               <a:rPr lang="ko-KR" altLang="en-US" smtClean="0"/>
               <a:pPr/>
-              <a:t>2018-10-09</a:t>
+              <a:t>2018-10-10</a:t>
             </a:fld>
             <a:endParaRPr lang="ko-KR" altLang="en-US"/>
           </a:p>
@@ -6755,14 +6755,7 @@
                 <a:latin typeface="나눔바른고딕" pitchFamily="50" charset="-127"/>
                 <a:ea typeface="나눔바른고딕" pitchFamily="50" charset="-127"/>
               </a:rPr>
-              <a:t>관련된 파일들을 </a:t>
-            </a:r>
-            <a:r>
-              <a:rPr lang="ko-KR" altLang="en-US" sz="1400" dirty="0" smtClean="0">
-                <a:latin typeface="나눔바른고딕" pitchFamily="50" charset="-127"/>
-                <a:ea typeface="나눔바른고딕" pitchFamily="50" charset="-127"/>
-              </a:rPr>
-              <a:t>색출</a:t>
+              <a:t>관련된 파일들을 색출</a:t>
             </a:r>
             <a:r>
               <a:rPr lang="en-US" altLang="ko-KR" sz="1400" dirty="0" smtClean="0">
@@ -6858,7 +6851,7 @@
       </p:sp>
       <p:pic>
         <p:nvPicPr>
-          <p:cNvPr id="2060" name="Picture 12" descr="jenga playì ëí ì´ë¯¸ì§ ê²ìê²°ê³¼"/>
+          <p:cNvPr id="7170" name="Picture 2" descr="jengaì ëí ì´ë¯¸ì§ ê²ìê²°ê³¼"/>
           <p:cNvPicPr>
             <a:picLocks noChangeAspect="1" noChangeArrowheads="1"/>
           </p:cNvPicPr>
@@ -6873,8 +6866,8 @@
         </p:blipFill>
         <p:spPr bwMode="auto">
           <a:xfrm>
-            <a:off x="4860032" y="1779662"/>
-            <a:ext cx="3709753" cy="2088232"/>
+            <a:off x="4932040" y="1707654"/>
+            <a:ext cx="3500925" cy="2323010"/>
           </a:xfrm>
           <a:prstGeom prst="rect">
             <a:avLst/>
@@ -7395,9 +7388,92 @@
           </a:p>
         </p:txBody>
       </p:sp>
+      <p:sp>
+        <p:nvSpPr>
+          <p:cNvPr id="22" name="TextBox 21"/>
+          <p:cNvSpPr txBox="1"/>
+          <p:nvPr/>
+        </p:nvSpPr>
+        <p:spPr>
+          <a:xfrm>
+            <a:off x="899592" y="1205339"/>
+            <a:ext cx="7704856" cy="369332"/>
+          </a:xfrm>
+          <a:prstGeom prst="rect">
+            <a:avLst/>
+          </a:prstGeom>
+          <a:noFill/>
+        </p:spPr>
+        <p:txBody>
+          <a:bodyPr wrap="square" rtlCol="0">
+            <a:spAutoFit/>
+          </a:bodyPr>
+          <a:lstStyle/>
+          <a:p>
+            <a:pPr algn="ctr"/>
+            <a:r>
+              <a:rPr lang="ko-KR" altLang="en-US" dirty="0" smtClean="0">
+                <a:solidFill>
+                  <a:schemeClr val="bg1"/>
+                </a:solidFill>
+                <a:latin typeface="나눔바른고딕" pitchFamily="50" charset="-127"/>
+                <a:ea typeface="나눔바른고딕" pitchFamily="50" charset="-127"/>
+              </a:rPr>
+              <a:t>돌아가고자 했던 시점의 상태와 </a:t>
+            </a:r>
+            <a:r>
+              <a:rPr lang="en-US" altLang="ko-KR" dirty="0" smtClean="0">
+                <a:solidFill>
+                  <a:schemeClr val="bg1"/>
+                </a:solidFill>
+                <a:latin typeface="나눔바른고딕" pitchFamily="50" charset="-127"/>
+                <a:ea typeface="나눔바른고딕" pitchFamily="50" charset="-127"/>
+              </a:rPr>
+              <a:t>100% </a:t>
+            </a:r>
+            <a:r>
+              <a:rPr lang="ko-KR" altLang="en-US" dirty="0" smtClean="0">
+                <a:solidFill>
+                  <a:schemeClr val="bg1"/>
+                </a:solidFill>
+                <a:latin typeface="나눔바른고딕" pitchFamily="50" charset="-127"/>
+                <a:ea typeface="나눔바른고딕" pitchFamily="50" charset="-127"/>
+              </a:rPr>
+              <a:t>똑같다고 </a:t>
+            </a:r>
+            <a:r>
+              <a:rPr lang="ko-KR" altLang="en-US" dirty="0" err="1" smtClean="0">
+                <a:solidFill>
+                  <a:schemeClr val="bg1"/>
+                </a:solidFill>
+                <a:latin typeface="나눔바른고딕" pitchFamily="50" charset="-127"/>
+                <a:ea typeface="나눔바른고딕" pitchFamily="50" charset="-127"/>
+              </a:rPr>
+              <a:t>확신가능한가</a:t>
+            </a:r>
+            <a:r>
+              <a:rPr lang="en-US" altLang="ko-KR" dirty="0" smtClean="0">
+                <a:solidFill>
+                  <a:schemeClr val="bg1"/>
+                </a:solidFill>
+                <a:latin typeface="나눔바른고딕" pitchFamily="50" charset="-127"/>
+                <a:ea typeface="나눔바른고딕" pitchFamily="50" charset="-127"/>
+              </a:rPr>
+              <a:t>?</a:t>
+            </a:r>
+            <a:endParaRPr lang="ko-KR" altLang="en-US" dirty="0">
+              <a:solidFill>
+                <a:schemeClr val="bg1"/>
+              </a:solidFill>
+              <a:latin typeface="나눔바른고딕" pitchFamily="50" charset="-127"/>
+              <a:ea typeface="나눔바른고딕" pitchFamily="50" charset="-127"/>
+            </a:endParaRPr>
+          </a:p>
+        </p:txBody>
+      </p:sp>
       <p:pic>
         <p:nvPicPr>
-          <p:cNvPr id="27650" name="Picture 2" descr="ê´ë ¨ ì´ë¯¸ì§"/>
+          <p:cNvPr id="17" name="Picture 2" descr="jengaì ëí ì´ë¯¸ì§ ê²ìê²°ê³¼"/>
           <p:cNvPicPr>
             <a:picLocks noChangeAspect="1" noChangeArrowheads="1"/>
           </p:cNvPicPr>
@@ -7412,8 +7488,8 @@
         </p:blipFill>
         <p:spPr bwMode="auto">
           <a:xfrm>
-            <a:off x="2555776" y="1851670"/>
-            <a:ext cx="3888432" cy="2188811"/>
+            <a:off x="2699792" y="1707654"/>
+            <a:ext cx="3500925" cy="2323010"/>
           </a:xfrm>
           <a:prstGeom prst="rect">
             <a:avLst/>
@@ -7430,89 +7506,6 @@
           </a:effectLst>
         </p:spPr>
       </p:pic>
-      <p:sp>
-        <p:nvSpPr>
-          <p:cNvPr id="22" name="TextBox 21"/>
-          <p:cNvSpPr txBox="1"/>
-          <p:nvPr/>
-        </p:nvSpPr>
-        <p:spPr>
-          <a:xfrm>
-            <a:off x="899592" y="1205339"/>
-            <a:ext cx="7704856" cy="369332"/>
-          </a:xfrm>
-          <a:prstGeom prst="rect">
-            <a:avLst/>
-          </a:prstGeom>
-          <a:noFill/>
-        </p:spPr>
-        <p:txBody>
-          <a:bodyPr wrap="square" rtlCol="0">
-            <a:spAutoFit/>
-          </a:bodyPr>
-          <a:lstStyle/>
-          <a:p>
-            <a:pPr algn="ctr"/>
-            <a:r>
-              <a:rPr lang="ko-KR" altLang="en-US" dirty="0" smtClean="0">
-                <a:solidFill>
-                  <a:schemeClr val="bg1"/>
-                </a:solidFill>
-                <a:latin typeface="나눔바른고딕" pitchFamily="50" charset="-127"/>
-                <a:ea typeface="나눔바른고딕" pitchFamily="50" charset="-127"/>
-              </a:rPr>
-              <a:t>돌아가고자 했던 시점의 상태와 </a:t>
-            </a:r>
-            <a:r>
-              <a:rPr lang="en-US" altLang="ko-KR" dirty="0" smtClean="0">
-                <a:solidFill>
-                  <a:schemeClr val="bg1"/>
-                </a:solidFill>
-                <a:latin typeface="나눔바른고딕" pitchFamily="50" charset="-127"/>
-                <a:ea typeface="나눔바른고딕" pitchFamily="50" charset="-127"/>
-              </a:rPr>
-              <a:t>100% </a:t>
-            </a:r>
-            <a:r>
-              <a:rPr lang="ko-KR" altLang="en-US" dirty="0" smtClean="0">
-                <a:solidFill>
-                  <a:schemeClr val="bg1"/>
-                </a:solidFill>
-                <a:latin typeface="나눔바른고딕" pitchFamily="50" charset="-127"/>
-                <a:ea typeface="나눔바른고딕" pitchFamily="50" charset="-127"/>
-              </a:rPr>
-              <a:t>똑같다고 </a:t>
-            </a:r>
-            <a:r>
-              <a:rPr lang="ko-KR" altLang="en-US" dirty="0" err="1" smtClean="0">
-                <a:solidFill>
-                  <a:schemeClr val="bg1"/>
-                </a:solidFill>
-                <a:latin typeface="나눔바른고딕" pitchFamily="50" charset="-127"/>
-                <a:ea typeface="나눔바른고딕" pitchFamily="50" charset="-127"/>
-              </a:rPr>
-              <a:t>확신가능한가</a:t>
-            </a:r>
-            <a:r>
-              <a:rPr lang="en-US" altLang="ko-KR" dirty="0" smtClean="0">
-                <a:solidFill>
-                  <a:schemeClr val="bg1"/>
-                </a:solidFill>
-                <a:latin typeface="나눔바른고딕" pitchFamily="50" charset="-127"/>
-                <a:ea typeface="나눔바른고딕" pitchFamily="50" charset="-127"/>
-              </a:rPr>
-              <a:t>?</a:t>
-            </a:r>
-            <a:endParaRPr lang="ko-KR" altLang="en-US" dirty="0">
-              <a:solidFill>
-                <a:schemeClr val="bg1"/>
-              </a:solidFill>
-              <a:latin typeface="나눔바른고딕" pitchFamily="50" charset="-127"/>
-              <a:ea typeface="나눔바른고딕" pitchFamily="50" charset="-127"/>
-            </a:endParaRPr>
-          </a:p>
-        </p:txBody>
-      </p:sp>
     </p:spTree>
   </p:cSld>
   <p:clrMapOvr>
@@ -8030,27 +8023,7 @@
                 <a:latin typeface="나눔바른고딕" pitchFamily="50" charset="-127"/>
                 <a:ea typeface="나눔바른고딕" pitchFamily="50" charset="-127"/>
               </a:rPr>
-              <a:t>(</a:t>
-            </a:r>
-            <a:r>
-              <a:rPr lang="en-US" altLang="ko-KR" dirty="0" smtClean="0">
-                <a:solidFill>
-                  <a:schemeClr val="bg1"/>
-                </a:solidFill>
-                <a:latin typeface="나눔바른고딕" pitchFamily="50" charset="-127"/>
-                <a:ea typeface="나눔바른고딕" pitchFamily="50" charset="-127"/>
-              </a:rPr>
-              <a:t>branch, tag</a:t>
-            </a:r>
-            <a:r>
-              <a:rPr lang="en-US" altLang="ko-KR" dirty="0" smtClean="0">
-                <a:solidFill>
-                  <a:schemeClr val="bg1"/>
-                </a:solidFill>
-                <a:latin typeface="나눔바른고딕" pitchFamily="50" charset="-127"/>
-                <a:ea typeface="나눔바른고딕" pitchFamily="50" charset="-127"/>
-              </a:rPr>
-              <a:t>)</a:t>
+              <a:t>(branch, tag)</a:t>
             </a:r>
             <a:r>
               <a:rPr lang="ko-KR" altLang="en-US" dirty="0" smtClean="0">
@@ -9238,7 +9211,17 @@
                 <a:latin typeface="나눔바른고딕" pitchFamily="50" charset="-127"/>
                 <a:ea typeface="나눔바른고딕" pitchFamily="50" charset="-127"/>
               </a:rPr>
-              <a:t>3</a:t>
+              <a:t>3. </a:t>
+            </a:r>
+            <a:r>
+              <a:rPr lang="ko-KR" altLang="en-US" dirty="0" smtClean="0">
+                <a:solidFill>
+                  <a:schemeClr val="bg1"/>
+                </a:solidFill>
+                <a:latin typeface="나눔바른고딕" pitchFamily="50" charset="-127"/>
+                <a:ea typeface="나눔바른고딕" pitchFamily="50" charset="-127"/>
+              </a:rPr>
+              <a:t>다해보고</a:t>
             </a:r>
             <a:r>
               <a:rPr lang="en-US" altLang="ko-KR" dirty="0" smtClean="0">
@@ -9248,7 +9231,7 @@
                 <a:latin typeface="나눔바른고딕" pitchFamily="50" charset="-127"/>
                 <a:ea typeface="나눔바른고딕" pitchFamily="50" charset="-127"/>
               </a:rPr>
-              <a:t>. </a:t>
+              <a:t>, </a:t>
             </a:r>
             <a:r>
               <a:rPr lang="ko-KR" altLang="en-US" dirty="0" smtClean="0">
@@ -9258,7 +9241,7 @@
                 <a:latin typeface="나눔바른고딕" pitchFamily="50" charset="-127"/>
                 <a:ea typeface="나눔바른고딕" pitchFamily="50" charset="-127"/>
               </a:rPr>
-              <a:t>다해보고</a:t>
+              <a:t>취향에 맞게 골라 새로운 버전을 만든다</a:t>
             </a:r>
             <a:r>
               <a:rPr lang="en-US" altLang="ko-KR" dirty="0" smtClean="0">
@@ -9268,7 +9251,17 @@
                 <a:latin typeface="나눔바른고딕" pitchFamily="50" charset="-127"/>
                 <a:ea typeface="나눔바른고딕" pitchFamily="50" charset="-127"/>
               </a:rPr>
-              <a:t>, </a:t>
+              <a:t>.(</a:t>
+            </a:r>
+            <a:r>
+              <a:rPr lang="ko-KR" altLang="en-US" dirty="0" err="1" smtClean="0">
+                <a:solidFill>
+                  <a:schemeClr val="bg1"/>
+                </a:solidFill>
+                <a:latin typeface="나눔바른고딕" pitchFamily="50" charset="-127"/>
+                <a:ea typeface="나눔바른고딕" pitchFamily="50" charset="-127"/>
+              </a:rPr>
+              <a:t>브랜치</a:t>
             </a:r>
             <a:r>
               <a:rPr lang="ko-KR" altLang="en-US" dirty="0" smtClean="0">
@@ -9278,7 +9271,7 @@
                 <a:latin typeface="나눔바른고딕" pitchFamily="50" charset="-127"/>
                 <a:ea typeface="나눔바른고딕" pitchFamily="50" charset="-127"/>
               </a:rPr>
-              <a:t>취향에 맞게 골라 새로운 버전을 만든다</a:t>
+              <a:t> </a:t>
             </a:r>
             <a:r>
               <a:rPr lang="en-US" altLang="ko-KR" dirty="0" smtClean="0">
@@ -9288,47 +9281,7 @@
                 <a:latin typeface="나눔바른고딕" pitchFamily="50" charset="-127"/>
                 <a:ea typeface="나눔바른고딕" pitchFamily="50" charset="-127"/>
               </a:rPr>
-              <a:t>.(</a:t>
-            </a:r>
-            <a:r>
-              <a:rPr lang="ko-KR" altLang="en-US" dirty="0" err="1" smtClean="0">
-                <a:solidFill>
-                  <a:schemeClr val="bg1"/>
-                </a:solidFill>
-                <a:latin typeface="나눔바른고딕" pitchFamily="50" charset="-127"/>
-                <a:ea typeface="나눔바른고딕" pitchFamily="50" charset="-127"/>
-              </a:rPr>
-              <a:t>브랜치</a:t>
-            </a:r>
-            <a:r>
-              <a:rPr lang="ko-KR" altLang="en-US" dirty="0" smtClean="0">
-                <a:solidFill>
-                  <a:schemeClr val="bg1"/>
-                </a:solidFill>
-                <a:latin typeface="나눔바른고딕" pitchFamily="50" charset="-127"/>
-                <a:ea typeface="나눔바른고딕" pitchFamily="50" charset="-127"/>
-              </a:rPr>
-              <a:t> </a:t>
-            </a:r>
-            <a:r>
-              <a:rPr lang="en-US" altLang="ko-KR" dirty="0" smtClean="0">
-                <a:solidFill>
-                  <a:schemeClr val="bg1"/>
-                </a:solidFill>
-                <a:latin typeface="나눔바른고딕" pitchFamily="50" charset="-127"/>
-                <a:ea typeface="나눔바른고딕" pitchFamily="50" charset="-127"/>
-              </a:rPr>
-              <a:t>merge)</a:t>
-            </a:r>
-            <a:r>
-              <a:rPr lang="en-US" altLang="ko-KR" dirty="0" smtClean="0">
-                <a:solidFill>
-                  <a:schemeClr val="bg1"/>
-                </a:solidFill>
-                <a:latin typeface="나눔바른고딕" pitchFamily="50" charset="-127"/>
-                <a:ea typeface="나눔바른고딕" pitchFamily="50" charset="-127"/>
-              </a:rPr>
-              <a:t> </a:t>
+              <a:t>merge) </a:t>
             </a:r>
             <a:endParaRPr lang="ko-KR" altLang="en-US" dirty="0">
               <a:solidFill>
@@ -10486,13 +10439,6 @@
               </a:rPr>
               <a:t>checkout</a:t>
             </a:r>
-            <a:endParaRPr lang="en-US" altLang="ko-KR" dirty="0" smtClean="0">
-              <a:solidFill>
-                <a:schemeClr val="bg1"/>
-              </a:solidFill>
-              <a:latin typeface="나눔바른고딕" pitchFamily="50" charset="-127"/>
-              <a:ea typeface="나눔바른고딕" pitchFamily="50" charset="-127"/>
-            </a:endParaRPr>
           </a:p>
           <a:p>
             <a:pPr marL="342900" indent="-342900">
@@ -10528,13 +10474,6 @@
               </a:rPr>
               <a:t> </a:t>
             </a:r>
-            <a:endParaRPr lang="en-US" altLang="ko-KR" dirty="0" smtClean="0">
-              <a:solidFill>
-                <a:schemeClr val="bg1"/>
-              </a:solidFill>
-              <a:latin typeface="나눔바른고딕" pitchFamily="50" charset="-127"/>
-              <a:ea typeface="나눔바른고딕" pitchFamily="50" charset="-127"/>
-            </a:endParaRPr>
           </a:p>
           <a:p>
             <a:pPr marL="342900" indent="-342900">
@@ -10548,45 +10487,18 @@
                 <a:latin typeface="나눔바른고딕" pitchFamily="50" charset="-127"/>
                 <a:ea typeface="나눔바른고딕" pitchFamily="50" charset="-127"/>
               </a:rPr>
-              <a:t>골라</a:t>
-            </a:r>
-            <a:r>
-              <a:rPr lang="ko-KR" altLang="en-US" dirty="0" smtClean="0">
+              <a:t>골라서 </a:t>
+            </a:r>
+            <a:r>
+              <a:rPr lang="en-US" altLang="ko-KR" dirty="0" smtClean="0">
                 <a:solidFill>
                   <a:schemeClr val="bg1"/>
                 </a:solidFill>
                 <a:latin typeface="나눔바른고딕" pitchFamily="50" charset="-127"/>
                 <a:ea typeface="나눔바른고딕" pitchFamily="50" charset="-127"/>
               </a:rPr>
-              <a:t>서</a:t>
-            </a:r>
-            <a:r>
-              <a:rPr lang="ko-KR" altLang="en-US" dirty="0" smtClean="0">
-                <a:solidFill>
-                  <a:schemeClr val="bg1"/>
-                </a:solidFill>
-                <a:latin typeface="나눔바른고딕" pitchFamily="50" charset="-127"/>
-                <a:ea typeface="나눔바른고딕" pitchFamily="50" charset="-127"/>
-              </a:rPr>
-              <a:t> </a:t>
-            </a:r>
-            <a:r>
-              <a:rPr lang="en-US" altLang="ko-KR" dirty="0" smtClean="0">
-                <a:solidFill>
-                  <a:schemeClr val="bg1"/>
-                </a:solidFill>
-                <a:latin typeface="나눔바른고딕" pitchFamily="50" charset="-127"/>
-                <a:ea typeface="나눔바른고딕" pitchFamily="50" charset="-127"/>
-              </a:rPr>
               <a:t>merge</a:t>
             </a:r>
-            <a:endParaRPr lang="en-US" altLang="ko-KR" dirty="0" smtClean="0">
-              <a:solidFill>
-                <a:schemeClr val="bg1"/>
-              </a:solidFill>
-              <a:latin typeface="나눔바른고딕" pitchFamily="50" charset="-127"/>
-              <a:ea typeface="나눔바른고딕" pitchFamily="50" charset="-127"/>
-            </a:endParaRPr>
           </a:p>
           <a:p>
             <a:pPr marL="342900" indent="-342900">
@@ -11201,13 +11113,6 @@
               </a:rPr>
               <a:t>…</a:t>
             </a:r>
-            <a:endParaRPr lang="en-US" altLang="ko-KR" dirty="0" smtClean="0">
-              <a:solidFill>
-                <a:schemeClr val="bg1"/>
-              </a:solidFill>
-              <a:latin typeface="나눔바른고딕" pitchFamily="50" charset="-127"/>
-              <a:ea typeface="나눔바른고딕" pitchFamily="50" charset="-127"/>
-            </a:endParaRPr>
           </a:p>
           <a:p>
             <a:pPr marL="342900" indent="-342900">

--- a/git발표.pptx
+++ b/git발표.pptx
@@ -8,6 +8,7 @@
     <p:sldId id="256" r:id="rId2"/>
     <p:sldId id="257" r:id="rId3"/>
     <p:sldId id="258" r:id="rId4"/>
+    <p:sldId id="259" r:id="rId5"/>
   </p:sldIdLst>
   <p:sldSz cx="9144000" cy="5143500" type="screen16x9"/>
   <p:notesSz cx="6858000" cy="9144000"/>
@@ -3235,7 +3236,7 @@
                 <a:latin typeface="나눔바른고딕" pitchFamily="50" charset="-127"/>
                 <a:ea typeface="나눔바른고딕" pitchFamily="50" charset="-127"/>
               </a:rPr>
-              <a:t>사용 후기</a:t>
+              <a:t>연습</a:t>
             </a:r>
             <a:endParaRPr lang="ko-KR" altLang="en-US" sz="4400" dirty="0">
               <a:solidFill>
@@ -3617,7 +3618,7 @@
                 <a:latin typeface="나눔바른고딕" pitchFamily="50" charset="-127"/>
                 <a:ea typeface="나눔바른고딕" pitchFamily="50" charset="-127"/>
               </a:rPr>
-              <a:t>혼자 사용</a:t>
+              <a:t>혼자 쓸 때</a:t>
             </a:r>
             <a:endParaRPr lang="en-US" altLang="ko-KR" dirty="0">
               <a:solidFill>
@@ -3665,7 +3666,7 @@
                 <a:latin typeface="나눔바른고딕" pitchFamily="50" charset="-127"/>
                 <a:ea typeface="나눔바른고딕" pitchFamily="50" charset="-127"/>
               </a:rPr>
-              <a:t>여럿이 사용</a:t>
+              <a:t>여럿이 쓸 때</a:t>
             </a:r>
             <a:r>
               <a:rPr lang="en-US" altLang="ko-KR" dirty="0" smtClean="0">
@@ -3731,7 +3732,7 @@
         </p:nvSpPr>
         <p:spPr>
           <a:xfrm rot="16200000">
-            <a:off x="2000250" y="-2000252"/>
+            <a:off x="2000251" y="-2000251"/>
             <a:ext cx="5143500" cy="9144001"/>
           </a:xfrm>
           <a:prstGeom prst="parallelogram">
@@ -3998,7 +3999,7 @@
         </p:blipFill>
         <p:spPr bwMode="auto">
           <a:xfrm>
-            <a:off x="827584" y="1059582"/>
+            <a:off x="1187624" y="1059582"/>
             <a:ext cx="3312368" cy="3024918"/>
           </a:xfrm>
           <a:prstGeom prst="rect">
@@ -4021,8 +4022,8 @@
         </p:nvSpPr>
         <p:spPr>
           <a:xfrm>
-            <a:off x="4716016" y="1347614"/>
-            <a:ext cx="3816424" cy="2585323"/>
+            <a:off x="5292080" y="1347614"/>
+            <a:ext cx="1872208" cy="2585323"/>
           </a:xfrm>
           <a:prstGeom prst="rect">
             <a:avLst/>
@@ -4195,6 +4196,308 @@
           </a:p>
         </p:txBody>
       </p:sp>
+    </p:spTree>
+  </p:cSld>
+  <p:clrMapOvr>
+    <a:masterClrMapping/>
+  </p:clrMapOvr>
+  <p:timing>
+    <p:tnLst>
+      <p:par>
+        <p:cTn id="1" dur="indefinite" restart="never" nodeType="tmRoot"/>
+      </p:par>
+    </p:tnLst>
+  </p:timing>
+</p:sld>
+</file>
+
+<file path=ppt/slides/slide4.xml><?xml version="1.0" encoding="utf-8"?>
+<p:sld xmlns:a="http://schemas.openxmlformats.org/drawingml/2006/main" xmlns:r="http://schemas.openxmlformats.org/officeDocument/2006/relationships" xmlns:p="http://schemas.openxmlformats.org/presentationml/2006/main">
+  <p:cSld>
+    <p:spTree>
+      <p:nvGrpSpPr>
+        <p:cNvPr id="1" name=""/>
+        <p:cNvGrpSpPr/>
+        <p:nvPr/>
+      </p:nvGrpSpPr>
+      <p:grpSpPr>
+        <a:xfrm>
+          <a:off x="0" y="0"/>
+          <a:ext cx="0" cy="0"/>
+          <a:chOff x="0" y="0"/>
+          <a:chExt cx="0" cy="0"/>
+        </a:xfrm>
+      </p:grpSpPr>
+      <p:sp>
+        <p:nvSpPr>
+          <p:cNvPr id="16" name="평행 사변형 15"/>
+          <p:cNvSpPr/>
+          <p:nvPr/>
+        </p:nvSpPr>
+        <p:spPr>
+          <a:xfrm rot="16200000">
+            <a:off x="2000251" y="-2000251"/>
+            <a:ext cx="5143500" cy="9144001"/>
+          </a:xfrm>
+          <a:prstGeom prst="parallelogram">
+            <a:avLst>
+              <a:gd name="adj" fmla="val 7753"/>
+            </a:avLst>
+          </a:prstGeom>
+          <a:solidFill>
+            <a:srgbClr val="473F3D"/>
+          </a:solidFill>
+          <a:ln>
+            <a:noFill/>
+          </a:ln>
+        </p:spPr>
+        <p:style>
+          <a:lnRef idx="2">
+            <a:schemeClr val="accent1">
+              <a:shade val="50000"/>
+            </a:schemeClr>
+          </a:lnRef>
+          <a:fillRef idx="1">
+            <a:schemeClr val="accent1"/>
+          </a:fillRef>
+          <a:effectRef idx="0">
+            <a:schemeClr val="accent1"/>
+          </a:effectRef>
+          <a:fontRef idx="minor">
+            <a:schemeClr val="lt1"/>
+          </a:fontRef>
+        </p:style>
+        <p:txBody>
+          <a:bodyPr rtlCol="0" anchor="ctr"/>
+          <a:lstStyle/>
+          <a:p>
+            <a:pPr algn="ctr"/>
+            <a:endParaRPr lang="ko-KR" altLang="en-US" sz="1600"/>
+          </a:p>
+        </p:txBody>
+      </p:sp>
+      <p:sp>
+        <p:nvSpPr>
+          <p:cNvPr id="10" name="TextBox 9"/>
+          <p:cNvSpPr txBox="1"/>
+          <p:nvPr/>
+        </p:nvSpPr>
+        <p:spPr>
+          <a:xfrm>
+            <a:off x="611560" y="483518"/>
+            <a:ext cx="4608512" cy="461665"/>
+          </a:xfrm>
+          <a:prstGeom prst="rect">
+            <a:avLst/>
+          </a:prstGeom>
+          <a:noFill/>
+        </p:spPr>
+        <p:txBody>
+          <a:bodyPr wrap="square" rtlCol="0">
+            <a:spAutoFit/>
+          </a:bodyPr>
+          <a:lstStyle/>
+          <a:p>
+            <a:r>
+              <a:rPr lang="ko-KR" altLang="en-US" sz="2400" dirty="0" smtClean="0">
+                <a:solidFill>
+                  <a:schemeClr val="bg1">
+                    <a:lumMod val="95000"/>
+                  </a:schemeClr>
+                </a:solidFill>
+                <a:latin typeface="나눔바른고딕" pitchFamily="50" charset="-127"/>
+                <a:ea typeface="나눔바른고딕" pitchFamily="50" charset="-127"/>
+              </a:rPr>
+              <a:t>예</a:t>
+            </a:r>
+            <a:r>
+              <a:rPr lang="ko-KR" altLang="en-US" sz="2400" dirty="0" smtClean="0">
+                <a:solidFill>
+                  <a:schemeClr val="bg1">
+                    <a:lumMod val="95000"/>
+                  </a:schemeClr>
+                </a:solidFill>
+                <a:latin typeface="나눔바른고딕" pitchFamily="50" charset="-127"/>
+                <a:ea typeface="나눔바른고딕" pitchFamily="50" charset="-127"/>
+              </a:rPr>
+              <a:t>제</a:t>
+            </a:r>
+            <a:r>
+              <a:rPr lang="ko-KR" altLang="en-US" sz="2400" dirty="0" smtClean="0">
+                <a:solidFill>
+                  <a:schemeClr val="bg1">
+                    <a:lumMod val="95000"/>
+                  </a:schemeClr>
+                </a:solidFill>
+                <a:latin typeface="나눔바른고딕" pitchFamily="50" charset="-127"/>
+                <a:ea typeface="나눔바른고딕" pitchFamily="50" charset="-127"/>
+              </a:rPr>
+              <a:t> </a:t>
+            </a:r>
+            <a:r>
+              <a:rPr lang="en-US" altLang="ko-KR" sz="2400" dirty="0" smtClean="0">
+                <a:solidFill>
+                  <a:schemeClr val="bg1">
+                    <a:lumMod val="95000"/>
+                  </a:schemeClr>
+                </a:solidFill>
+                <a:latin typeface="나눔바른고딕" pitchFamily="50" charset="-127"/>
+                <a:ea typeface="나눔바른고딕" pitchFamily="50" charset="-127"/>
+              </a:rPr>
+              <a:t>– Alert!</a:t>
+            </a:r>
+            <a:endParaRPr lang="ko-KR" altLang="en-US" sz="2400" dirty="0">
+              <a:solidFill>
+                <a:schemeClr val="bg1">
+                  <a:lumMod val="95000"/>
+                </a:schemeClr>
+              </a:solidFill>
+              <a:latin typeface="나눔바른고딕" pitchFamily="50" charset="-127"/>
+              <a:ea typeface="나눔바른고딕" pitchFamily="50" charset="-127"/>
+            </a:endParaRPr>
+          </a:p>
+        </p:txBody>
+      </p:sp>
+      <p:cxnSp>
+        <p:nvCxnSpPr>
+          <p:cNvPr id="11" name="직선 연결선 10"/>
+          <p:cNvCxnSpPr/>
+          <p:nvPr/>
+        </p:nvCxnSpPr>
+        <p:spPr>
+          <a:xfrm>
+            <a:off x="539552" y="915566"/>
+            <a:ext cx="8136904" cy="0"/>
+          </a:xfrm>
+          <a:prstGeom prst="line">
+            <a:avLst/>
+          </a:prstGeom>
+          <a:ln w="12700">
+            <a:solidFill>
+              <a:schemeClr val="bg1"/>
+            </a:solidFill>
+          </a:ln>
+        </p:spPr>
+        <p:style>
+          <a:lnRef idx="1">
+            <a:schemeClr val="accent1"/>
+          </a:lnRef>
+          <a:fillRef idx="0">
+            <a:schemeClr val="accent1"/>
+          </a:fillRef>
+          <a:effectRef idx="0">
+            <a:schemeClr val="accent1"/>
+          </a:effectRef>
+          <a:fontRef idx="minor">
+            <a:schemeClr val="tx1"/>
+          </a:fontRef>
+        </p:style>
+      </p:cxnSp>
+      <p:cxnSp>
+        <p:nvCxnSpPr>
+          <p:cNvPr id="12" name="직선 연결선 11"/>
+          <p:cNvCxnSpPr/>
+          <p:nvPr/>
+        </p:nvCxnSpPr>
+        <p:spPr>
+          <a:xfrm>
+            <a:off x="467544" y="4299942"/>
+            <a:ext cx="8136904" cy="0"/>
+          </a:xfrm>
+          <a:prstGeom prst="line">
+            <a:avLst/>
+          </a:prstGeom>
+          <a:ln w="12700">
+            <a:solidFill>
+              <a:schemeClr val="bg1"/>
+            </a:solidFill>
+          </a:ln>
+        </p:spPr>
+        <p:style>
+          <a:lnRef idx="1">
+            <a:schemeClr val="accent1"/>
+          </a:lnRef>
+          <a:fillRef idx="0">
+            <a:schemeClr val="accent1"/>
+          </a:fillRef>
+          <a:effectRef idx="0">
+            <a:schemeClr val="accent1"/>
+          </a:effectRef>
+          <a:fontRef idx="minor">
+            <a:schemeClr val="tx1"/>
+          </a:fontRef>
+        </p:style>
+      </p:cxnSp>
+      <p:cxnSp>
+        <p:nvCxnSpPr>
+          <p:cNvPr id="14" name="직선 연결선 13"/>
+          <p:cNvCxnSpPr/>
+          <p:nvPr/>
+        </p:nvCxnSpPr>
+        <p:spPr>
+          <a:xfrm>
+            <a:off x="467544" y="915566"/>
+            <a:ext cx="8208912" cy="0"/>
+          </a:xfrm>
+          <a:prstGeom prst="line">
+            <a:avLst/>
+          </a:prstGeom>
+          <a:ln w="12700">
+            <a:solidFill>
+              <a:schemeClr val="bg1"/>
+            </a:solidFill>
+          </a:ln>
+        </p:spPr>
+        <p:style>
+          <a:lnRef idx="1">
+            <a:schemeClr val="accent1"/>
+          </a:lnRef>
+          <a:fillRef idx="0">
+            <a:schemeClr val="accent1"/>
+          </a:fillRef>
+          <a:effectRef idx="0">
+            <a:schemeClr val="accent1"/>
+          </a:effectRef>
+          <a:fontRef idx="minor">
+            <a:schemeClr val="tx1"/>
+          </a:fontRef>
+        </p:style>
+      </p:cxnSp>
+      <p:cxnSp>
+        <p:nvCxnSpPr>
+          <p:cNvPr id="15" name="직선 연결선 14"/>
+          <p:cNvCxnSpPr/>
+          <p:nvPr/>
+        </p:nvCxnSpPr>
+        <p:spPr>
+          <a:xfrm>
+            <a:off x="467544" y="4299942"/>
+            <a:ext cx="8208912" cy="0"/>
+          </a:xfrm>
+          <a:prstGeom prst="line">
+            <a:avLst/>
+          </a:prstGeom>
+          <a:ln w="12700">
+            <a:solidFill>
+              <a:schemeClr val="bg1"/>
+            </a:solidFill>
+          </a:ln>
+        </p:spPr>
+        <p:style>
+          <a:lnRef idx="1">
+            <a:schemeClr val="accent1"/>
+          </a:lnRef>
+          <a:fillRef idx="0">
+            <a:schemeClr val="accent1"/>
+          </a:fillRef>
+          <a:effectRef idx="0">
+            <a:schemeClr val="accent1"/>
+          </a:effectRef>
+          <a:fontRef idx="minor">
+            <a:schemeClr val="tx1"/>
+          </a:fontRef>
+        </p:style>
+      </p:cxnSp>
     </p:spTree>
   </p:cSld>
   <p:clrMapOvr>

--- a/git발표.pptx
+++ b/git발표.pptx
@@ -7,8 +7,12 @@
   <p:sldIdLst>
     <p:sldId id="256" r:id="rId2"/>
     <p:sldId id="257" r:id="rId3"/>
-    <p:sldId id="258" r:id="rId4"/>
-    <p:sldId id="259" r:id="rId5"/>
+    <p:sldId id="259" r:id="rId4"/>
+    <p:sldId id="261" r:id="rId5"/>
+    <p:sldId id="262" r:id="rId6"/>
+    <p:sldId id="263" r:id="rId7"/>
+    <p:sldId id="264" r:id="rId8"/>
+    <p:sldId id="258" r:id="rId9"/>
   </p:sldIdLst>
   <p:sldSz cx="9144000" cy="5143500" type="screen16x9"/>
   <p:notesSz cx="6858000" cy="9144000"/>
@@ -292,7 +296,7 @@
             <a:fld id="{742871FB-FCC3-4659-BA1C-A89BEC3C9DF3}" type="datetimeFigureOut">
               <a:rPr lang="ko-KR" altLang="en-US" smtClean="0"/>
               <a:pPr/>
-              <a:t>2018-10-28</a:t>
+              <a:t>2018-11-11</a:t>
             </a:fld>
             <a:endParaRPr lang="ko-KR" altLang="en-US"/>
           </a:p>
@@ -459,7 +463,7 @@
             <a:fld id="{742871FB-FCC3-4659-BA1C-A89BEC3C9DF3}" type="datetimeFigureOut">
               <a:rPr lang="ko-KR" altLang="en-US" smtClean="0"/>
               <a:pPr/>
-              <a:t>2018-10-28</a:t>
+              <a:t>2018-11-11</a:t>
             </a:fld>
             <a:endParaRPr lang="ko-KR" altLang="en-US"/>
           </a:p>
@@ -636,7 +640,7 @@
             <a:fld id="{742871FB-FCC3-4659-BA1C-A89BEC3C9DF3}" type="datetimeFigureOut">
               <a:rPr lang="ko-KR" altLang="en-US" smtClean="0"/>
               <a:pPr/>
-              <a:t>2018-10-28</a:t>
+              <a:t>2018-11-11</a:t>
             </a:fld>
             <a:endParaRPr lang="ko-KR" altLang="en-US"/>
           </a:p>
@@ -803,7 +807,7 @@
             <a:fld id="{742871FB-FCC3-4659-BA1C-A89BEC3C9DF3}" type="datetimeFigureOut">
               <a:rPr lang="ko-KR" altLang="en-US" smtClean="0"/>
               <a:pPr/>
-              <a:t>2018-10-28</a:t>
+              <a:t>2018-11-11</a:t>
             </a:fld>
             <a:endParaRPr lang="ko-KR" altLang="en-US"/>
           </a:p>
@@ -1046,7 +1050,7 @@
             <a:fld id="{742871FB-FCC3-4659-BA1C-A89BEC3C9DF3}" type="datetimeFigureOut">
               <a:rPr lang="ko-KR" altLang="en-US" smtClean="0"/>
               <a:pPr/>
-              <a:t>2018-10-28</a:t>
+              <a:t>2018-11-11</a:t>
             </a:fld>
             <a:endParaRPr lang="ko-KR" altLang="en-US"/>
           </a:p>
@@ -1331,7 +1335,7 @@
             <a:fld id="{742871FB-FCC3-4659-BA1C-A89BEC3C9DF3}" type="datetimeFigureOut">
               <a:rPr lang="ko-KR" altLang="en-US" smtClean="0"/>
               <a:pPr/>
-              <a:t>2018-10-28</a:t>
+              <a:t>2018-11-11</a:t>
             </a:fld>
             <a:endParaRPr lang="ko-KR" altLang="en-US"/>
           </a:p>
@@ -1750,7 +1754,7 @@
             <a:fld id="{742871FB-FCC3-4659-BA1C-A89BEC3C9DF3}" type="datetimeFigureOut">
               <a:rPr lang="ko-KR" altLang="en-US" smtClean="0"/>
               <a:pPr/>
-              <a:t>2018-10-28</a:t>
+              <a:t>2018-11-11</a:t>
             </a:fld>
             <a:endParaRPr lang="ko-KR" altLang="en-US"/>
           </a:p>
@@ -1865,7 +1869,7 @@
             <a:fld id="{742871FB-FCC3-4659-BA1C-A89BEC3C9DF3}" type="datetimeFigureOut">
               <a:rPr lang="ko-KR" altLang="en-US" smtClean="0"/>
               <a:pPr/>
-              <a:t>2018-10-28</a:t>
+              <a:t>2018-11-11</a:t>
             </a:fld>
             <a:endParaRPr lang="ko-KR" altLang="en-US"/>
           </a:p>
@@ -1957,7 +1961,7 @@
             <a:fld id="{742871FB-FCC3-4659-BA1C-A89BEC3C9DF3}" type="datetimeFigureOut">
               <a:rPr lang="ko-KR" altLang="en-US" smtClean="0"/>
               <a:pPr/>
-              <a:t>2018-10-28</a:t>
+              <a:t>2018-11-11</a:t>
             </a:fld>
             <a:endParaRPr lang="ko-KR" altLang="en-US"/>
           </a:p>
@@ -2231,7 +2235,7 @@
             <a:fld id="{742871FB-FCC3-4659-BA1C-A89BEC3C9DF3}" type="datetimeFigureOut">
               <a:rPr lang="ko-KR" altLang="en-US" smtClean="0"/>
               <a:pPr/>
-              <a:t>2018-10-28</a:t>
+              <a:t>2018-11-11</a:t>
             </a:fld>
             <a:endParaRPr lang="ko-KR" altLang="en-US"/>
           </a:p>
@@ -2481,7 +2485,7 @@
             <a:fld id="{742871FB-FCC3-4659-BA1C-A89BEC3C9DF3}" type="datetimeFigureOut">
               <a:rPr lang="ko-KR" altLang="en-US" smtClean="0"/>
               <a:pPr/>
-              <a:t>2018-10-28</a:t>
+              <a:t>2018-11-11</a:t>
             </a:fld>
             <a:endParaRPr lang="ko-KR" altLang="en-US"/>
           </a:p>
@@ -2696,7 +2700,7 @@
             <a:fld id="{742871FB-FCC3-4659-BA1C-A89BEC3C9DF3}" type="datetimeFigureOut">
               <a:rPr lang="ko-KR" altLang="en-US" smtClean="0"/>
               <a:pPr/>
-              <a:t>2018-10-28</a:t>
+              <a:t>2018-11-11</a:t>
             </a:fld>
             <a:endParaRPr lang="ko-KR" altLang="en-US"/>
           </a:p>
@@ -3084,8 +3088,8 @@
         </p:blipFill>
         <p:spPr bwMode="auto">
           <a:xfrm>
-            <a:off x="7524328" y="1995686"/>
-            <a:ext cx="864096" cy="718241"/>
+            <a:off x="7796358" y="2053704"/>
+            <a:ext cx="736082" cy="611835"/>
           </a:xfrm>
           <a:prstGeom prst="rect">
             <a:avLst/>
@@ -3101,8 +3105,8 @@
         </p:nvSpPr>
         <p:spPr>
           <a:xfrm rot="5400000" flipH="1">
-            <a:off x="368505" y="-263593"/>
-            <a:ext cx="5040560" cy="5670686"/>
+            <a:off x="692541" y="-587629"/>
+            <a:ext cx="5040560" cy="6318758"/>
           </a:xfrm>
           <a:prstGeom prst="flowChartManualInput">
             <a:avLst/>
@@ -3135,7 +3139,7 @@
           <a:lstStyle/>
           <a:p>
             <a:pPr algn="ctr"/>
-            <a:endParaRPr lang="ko-KR" altLang="en-US"/>
+            <a:endParaRPr lang="ko-KR" altLang="en-US" dirty="0"/>
           </a:p>
         </p:txBody>
       </p:sp>
@@ -3156,8 +3160,8 @@
         </p:blipFill>
         <p:spPr bwMode="auto">
           <a:xfrm>
-            <a:off x="4860032" y="1834530"/>
-            <a:ext cx="2448272" cy="1023370"/>
+            <a:off x="5940152" y="1995686"/>
+            <a:ext cx="1656184" cy="692280"/>
           </a:xfrm>
           <a:prstGeom prst="rect">
             <a:avLst/>
@@ -3182,8 +3186,8 @@
         </p:blipFill>
         <p:spPr bwMode="auto">
           <a:xfrm>
-            <a:off x="4499992" y="2931790"/>
-            <a:ext cx="4166097" cy="597866"/>
+            <a:off x="5919855" y="2955282"/>
+            <a:ext cx="2818242" cy="404439"/>
           </a:xfrm>
           <a:prstGeom prst="rect">
             <a:avLst/>
@@ -3199,8 +3203,8 @@
         </p:nvSpPr>
         <p:spPr>
           <a:xfrm>
-            <a:off x="683568" y="1995686"/>
-            <a:ext cx="3528392" cy="769441"/>
+            <a:off x="611560" y="1851670"/>
+            <a:ext cx="4248472" cy="769441"/>
           </a:xfrm>
           <a:prstGeom prst="rect">
             <a:avLst/>
@@ -3215,37 +3219,49 @@
           <a:p>
             <a:pPr algn="ctr"/>
             <a:r>
-              <a:rPr lang="en-US" altLang="ko-KR" sz="4400" dirty="0" smtClean="0">
+              <a:rPr lang="ko-KR" altLang="en-US" sz="4000" b="1" dirty="0" smtClean="0">
                 <a:solidFill>
                   <a:schemeClr val="bg1">
                     <a:lumMod val="95000"/>
                   </a:schemeClr>
                 </a:solidFill>
-                <a:latin typeface="나눔바른고딕" pitchFamily="50" charset="-127"/>
-                <a:ea typeface="나눔바른고딕" pitchFamily="50" charset="-127"/>
+                <a:latin typeface="나눔명조" pitchFamily="18" charset="-127"/>
+                <a:ea typeface="나눔명조" pitchFamily="18" charset="-127"/>
               </a:rPr>
-              <a:t>GIT  </a:t>
-            </a:r>
-            <a:r>
-              <a:rPr lang="ko-KR" altLang="en-US" sz="4400" dirty="0" smtClean="0">
+              <a:t>상황중심의</a:t>
+            </a:r>
+            <a:r>
+              <a:rPr lang="ko-KR" altLang="en-US" sz="4000" b="1" spc="-150" dirty="0" smtClean="0">
                 <a:solidFill>
                   <a:schemeClr val="bg1">
                     <a:lumMod val="95000"/>
                   </a:schemeClr>
                 </a:solidFill>
-                <a:latin typeface="나눔바른고딕" pitchFamily="50" charset="-127"/>
-                <a:ea typeface="나눔바른고딕" pitchFamily="50" charset="-127"/>
+                <a:latin typeface="HY견명조" pitchFamily="18" charset="-127"/>
+                <a:ea typeface="HY견명조" pitchFamily="18" charset="-127"/>
               </a:rPr>
-              <a:t>연습</a:t>
-            </a:r>
-            <a:endParaRPr lang="ko-KR" altLang="en-US" sz="4400" dirty="0">
+              <a:t> </a:t>
+            </a:r>
+            <a:r>
+              <a:rPr lang="en-US" altLang="ko-KR" sz="4400" dirty="0" err="1" smtClean="0">
+                <a:solidFill>
+                  <a:schemeClr val="bg1">
+                    <a:lumMod val="95000"/>
+                  </a:schemeClr>
+                </a:solidFill>
+                <a:latin typeface="Georgia" pitchFamily="18" charset="0"/>
+                <a:ea typeface="HY동녘M" pitchFamily="18" charset="-127"/>
+              </a:rPr>
+              <a:t>git</a:t>
+            </a:r>
+            <a:endParaRPr lang="ko-KR" altLang="en-US" sz="4000" dirty="0">
               <a:solidFill>
                 <a:schemeClr val="bg1">
                   <a:lumMod val="95000"/>
                 </a:schemeClr>
               </a:solidFill>
-              <a:latin typeface="나눔바른고딕" pitchFamily="50" charset="-127"/>
-              <a:ea typeface="나눔바른고딕" pitchFamily="50" charset="-127"/>
+              <a:latin typeface="Georgia" pitchFamily="18" charset="0"/>
+              <a:ea typeface="HY동녘M" pitchFamily="18" charset="-127"/>
             </a:endParaRPr>
           </a:p>
         </p:txBody>
@@ -3258,7 +3274,7 @@
         </p:nvCxnSpPr>
         <p:spPr>
           <a:xfrm>
-            <a:off x="683568" y="771550"/>
+            <a:off x="1043608" y="771550"/>
             <a:ext cx="3456384" cy="0"/>
           </a:xfrm>
           <a:prstGeom prst="line">
@@ -3293,7 +3309,7 @@
         </p:nvCxnSpPr>
         <p:spPr>
           <a:xfrm>
-            <a:off x="683568" y="4371950"/>
+            <a:off x="1043608" y="4371950"/>
             <a:ext cx="3456384" cy="0"/>
           </a:xfrm>
           <a:prstGeom prst="line">
@@ -3328,8 +3344,8 @@
         </p:nvSpPr>
         <p:spPr>
           <a:xfrm>
-            <a:off x="2771800" y="3075806"/>
-            <a:ext cx="1296144" cy="338554"/>
+            <a:off x="2771800" y="3003798"/>
+            <a:ext cx="1584176" cy="369332"/>
           </a:xfrm>
           <a:prstGeom prst="rect">
             <a:avLst/>
@@ -3349,20 +3365,20 @@
                     <a:lumMod val="95000"/>
                   </a:schemeClr>
                 </a:solidFill>
-                <a:latin typeface="나눔바른고딕" pitchFamily="50" charset="-127"/>
-                <a:ea typeface="나눔바른고딕" pitchFamily="50" charset="-127"/>
+                <a:latin typeface="나눔명조" pitchFamily="18" charset="-127"/>
+                <a:ea typeface="나눔명조" pitchFamily="18" charset="-127"/>
               </a:rPr>
               <a:t>            </a:t>
             </a:r>
             <a:r>
-              <a:rPr lang="ko-KR" altLang="en-US" sz="1600" dirty="0" err="1" smtClean="0">
+              <a:rPr lang="ko-KR" altLang="en-US" dirty="0" err="1" smtClean="0">
                 <a:solidFill>
                   <a:schemeClr val="bg1">
                     <a:lumMod val="95000"/>
                   </a:schemeClr>
                 </a:solidFill>
-                <a:latin typeface="나눔바른고딕" pitchFamily="50" charset="-127"/>
-                <a:ea typeface="나눔바른고딕" pitchFamily="50" charset="-127"/>
+                <a:latin typeface="나눔명조" pitchFamily="18" charset="-127"/>
+                <a:ea typeface="나눔명조" pitchFamily="18" charset="-127"/>
               </a:rPr>
               <a:t>문민식</a:t>
             </a:r>
@@ -3372,8 +3388,8 @@
                   <a:lumMod val="95000"/>
                 </a:schemeClr>
               </a:solidFill>
-              <a:latin typeface="나눔바른고딕" pitchFamily="50" charset="-127"/>
-              <a:ea typeface="나눔바른고딕" pitchFamily="50" charset="-127"/>
+              <a:latin typeface="나눔명조" pitchFamily="18" charset="-127"/>
+              <a:ea typeface="나눔명조" pitchFamily="18" charset="-127"/>
             </a:endParaRPr>
           </a:p>
         </p:txBody>
@@ -3480,25 +3496,25 @@
           <a:p>
             <a:pPr algn="ctr"/>
             <a:r>
-              <a:rPr lang="en-US" altLang="ko-KR" sz="2400" dirty="0" smtClean="0">
+              <a:rPr lang="en-US" altLang="ko-KR" sz="2400" b="1" dirty="0" smtClean="0">
                 <a:solidFill>
                   <a:schemeClr val="bg1">
                     <a:lumMod val="95000"/>
                   </a:schemeClr>
                 </a:solidFill>
-                <a:latin typeface="나눔바른고딕" pitchFamily="50" charset="-127"/>
-                <a:ea typeface="나눔바른고딕" pitchFamily="50" charset="-127"/>
+                <a:latin typeface="나눔명조" pitchFamily="18" charset="-127"/>
+                <a:ea typeface="나눔명조" pitchFamily="18" charset="-127"/>
               </a:rPr>
               <a:t>INDEX</a:t>
             </a:r>
-            <a:endParaRPr lang="ko-KR" altLang="en-US" sz="2400" dirty="0">
+            <a:endParaRPr lang="ko-KR" altLang="en-US" sz="2400" b="1" dirty="0">
               <a:solidFill>
                 <a:schemeClr val="bg1">
                   <a:lumMod val="95000"/>
                 </a:schemeClr>
               </a:solidFill>
-              <a:latin typeface="나눔바른고딕" pitchFamily="50" charset="-127"/>
-              <a:ea typeface="나눔바른고딕" pitchFamily="50" charset="-127"/>
+              <a:latin typeface="나눔명조" pitchFamily="18" charset="-127"/>
+              <a:ea typeface="나눔명조" pitchFamily="18" charset="-127"/>
             </a:endParaRPr>
           </a:p>
         </p:txBody>
@@ -3582,7 +3598,7 @@
         <p:spPr>
           <a:xfrm>
             <a:off x="1979712" y="1995686"/>
-            <a:ext cx="3816424" cy="646331"/>
+            <a:ext cx="3816424" cy="923330"/>
           </a:xfrm>
           <a:prstGeom prst="rect">
             <a:avLst/>
@@ -3603,8 +3619,8 @@
                     <a:lumMod val="95000"/>
                   </a:schemeClr>
                 </a:solidFill>
-                <a:latin typeface="나눔바른고딕" pitchFamily="50" charset="-127"/>
-                <a:ea typeface="나눔바른고딕" pitchFamily="50" charset="-127"/>
+                <a:latin typeface="나눔명조" pitchFamily="18" charset="-127"/>
+                <a:ea typeface="나눔명조" pitchFamily="18" charset="-127"/>
               </a:rPr>
               <a:t>1. </a:t>
             </a:r>
@@ -3615,10 +3631,22 @@
                     <a:lumMod val="95000"/>
                   </a:schemeClr>
                 </a:solidFill>
-                <a:latin typeface="나눔바른고딕" pitchFamily="50" charset="-127"/>
-                <a:ea typeface="나눔바른고딕" pitchFamily="50" charset="-127"/>
+                <a:latin typeface="나눔명조" pitchFamily="18" charset="-127"/>
+                <a:ea typeface="나눔명조" pitchFamily="18" charset="-127"/>
               </a:rPr>
-              <a:t>혼자 쓸 때</a:t>
+              <a:t>왜 상황중심</a:t>
+            </a:r>
+            <a:r>
+              <a:rPr lang="en-US" altLang="ko-KR" dirty="0" smtClean="0">
+                <a:solidFill>
+                  <a:schemeClr val="bg1">
+                    <a:lumMod val="95000"/>
+                  </a:schemeClr>
+                </a:solidFill>
+                <a:latin typeface="나눔명조" pitchFamily="18" charset="-127"/>
+                <a:ea typeface="나눔명조" pitchFamily="18" charset="-127"/>
+              </a:rPr>
+              <a:t>?</a:t>
             </a:r>
             <a:endParaRPr lang="en-US" altLang="ko-KR" dirty="0">
               <a:solidFill>
@@ -3626,8 +3654,8 @@
                   <a:lumMod val="95000"/>
                 </a:schemeClr>
               </a:solidFill>
-              <a:latin typeface="나눔바른고딕" pitchFamily="50" charset="-127"/>
-              <a:ea typeface="나눔바른고딕" pitchFamily="50" charset="-127"/>
+              <a:latin typeface="나눔명조" pitchFamily="18" charset="-127"/>
+              <a:ea typeface="나눔명조" pitchFamily="18" charset="-127"/>
             </a:endParaRPr>
           </a:p>
           <a:p>
@@ -3639,11 +3667,35 @@
                     <a:lumMod val="95000"/>
                   </a:schemeClr>
                 </a:solidFill>
-                <a:latin typeface="나눔바른고딕" pitchFamily="50" charset="-127"/>
-                <a:ea typeface="나눔바른고딕" pitchFamily="50" charset="-127"/>
+                <a:latin typeface="나눔명조" pitchFamily="18" charset="-127"/>
+                <a:ea typeface="나눔명조" pitchFamily="18" charset="-127"/>
               </a:rPr>
-              <a:t>2</a:t>
-            </a:r>
+              <a:t>2. </a:t>
+            </a:r>
+            <a:r>
+              <a:rPr lang="ko-KR" altLang="en-US" dirty="0" smtClean="0">
+                <a:solidFill>
+                  <a:schemeClr val="bg1">
+                    <a:lumMod val="95000"/>
+                  </a:schemeClr>
+                </a:solidFill>
+                <a:latin typeface="나눔명조" pitchFamily="18" charset="-127"/>
+                <a:ea typeface="나눔명조" pitchFamily="18" charset="-127"/>
+              </a:rPr>
+              <a:t>로컬 </a:t>
+            </a:r>
+            <a:endParaRPr lang="en-US" altLang="ko-KR" dirty="0" smtClean="0">
+              <a:solidFill>
+                <a:schemeClr val="bg1">
+                  <a:lumMod val="95000"/>
+                </a:schemeClr>
+              </a:solidFill>
+              <a:latin typeface="나눔명조" pitchFamily="18" charset="-127"/>
+              <a:ea typeface="나눔명조" pitchFamily="18" charset="-127"/>
+            </a:endParaRPr>
+          </a:p>
+          <a:p>
+            <a:pPr marL="342900" indent="-342900"/>
             <a:r>
               <a:rPr lang="en-US" altLang="ko-KR" dirty="0" smtClean="0">
                 <a:solidFill>
@@ -3651,10 +3703,10 @@
                     <a:lumMod val="95000"/>
                   </a:schemeClr>
                 </a:solidFill>
-                <a:latin typeface="나눔바른고딕" pitchFamily="50" charset="-127"/>
-                <a:ea typeface="나눔바른고딕" pitchFamily="50" charset="-127"/>
+                <a:latin typeface="나눔명조" pitchFamily="18" charset="-127"/>
+                <a:ea typeface="나눔명조" pitchFamily="18" charset="-127"/>
               </a:rPr>
-              <a:t>. </a:t>
+              <a:t>3. </a:t>
             </a:r>
             <a:r>
               <a:rPr lang="ko-KR" altLang="en-US" dirty="0" smtClean="0">
@@ -3663,22 +3715,10 @@
                     <a:lumMod val="95000"/>
                   </a:schemeClr>
                 </a:solidFill>
-                <a:latin typeface="나눔바른고딕" pitchFamily="50" charset="-127"/>
-                <a:ea typeface="나눔바른고딕" pitchFamily="50" charset="-127"/>
+                <a:latin typeface="나눔명조" pitchFamily="18" charset="-127"/>
+                <a:ea typeface="나눔명조" pitchFamily="18" charset="-127"/>
               </a:rPr>
-              <a:t>여럿이 쓸 때</a:t>
-            </a:r>
-            <a:r>
-              <a:rPr lang="en-US" altLang="ko-KR" dirty="0" smtClean="0">
-                <a:solidFill>
-                  <a:schemeClr val="bg1">
-                    <a:lumMod val="95000"/>
-                  </a:schemeClr>
-                </a:solidFill>
-                <a:latin typeface="나눔바른고딕" pitchFamily="50" charset="-127"/>
-                <a:ea typeface="나눔바른고딕" pitchFamily="50" charset="-127"/>
-              </a:rPr>
-              <a:t> </a:t>
+              <a:t>원격 </a:t>
             </a:r>
             <a:endParaRPr lang="en-US" altLang="ko-KR" dirty="0" smtClean="0">
               <a:solidFill>
@@ -3686,8 +3726,8 @@
                   <a:lumMod val="95000"/>
                 </a:schemeClr>
               </a:solidFill>
-              <a:latin typeface="나눔바른고딕" pitchFamily="50" charset="-127"/>
-              <a:ea typeface="나눔바른고딕" pitchFamily="50" charset="-127"/>
+              <a:latin typeface="나눔명조" pitchFamily="18" charset="-127"/>
+              <a:ea typeface="나눔명조" pitchFamily="18" charset="-127"/>
             </a:endParaRPr>
           </a:p>
         </p:txBody>
@@ -3768,7 +3808,7 @@
           <a:lstStyle/>
           <a:p>
             <a:pPr algn="ctr"/>
-            <a:endParaRPr lang="ko-KR" altLang="en-US" sz="1600"/>
+            <a:endParaRPr lang="ko-KR" altLang="en-US" sz="1600" dirty="0"/>
           </a:p>
         </p:txBody>
       </p:sp>
@@ -3795,40 +3835,28 @@
           <a:lstStyle/>
           <a:p>
             <a:r>
+              <a:rPr lang="en-US" altLang="ko-KR" sz="2400" dirty="0" smtClean="0">
+                <a:solidFill>
+                  <a:schemeClr val="bg1">
+                    <a:lumMod val="95000"/>
+                  </a:schemeClr>
+                </a:solidFill>
+                <a:latin typeface="나눔명조" pitchFamily="18" charset="-127"/>
+                <a:ea typeface="나눔명조" pitchFamily="18" charset="-127"/>
+              </a:rPr>
+              <a:t>SVN </a:t>
+            </a:r>
+            <a:r>
               <a:rPr lang="ko-KR" altLang="en-US" sz="2400" dirty="0" smtClean="0">
                 <a:solidFill>
                   <a:schemeClr val="bg1">
                     <a:lumMod val="95000"/>
                   </a:schemeClr>
                 </a:solidFill>
-                <a:latin typeface="나눔바른고딕" pitchFamily="50" charset="-127"/>
-                <a:ea typeface="나눔바른고딕" pitchFamily="50" charset="-127"/>
+                <a:latin typeface="나눔명조" pitchFamily="18" charset="-127"/>
+                <a:ea typeface="나눔명조" pitchFamily="18" charset="-127"/>
               </a:rPr>
-              <a:t>명령어 사용빈도 </a:t>
-            </a:r>
-            <a:r>
-              <a:rPr lang="en-US" altLang="ko-KR" sz="2400" dirty="0" smtClean="0">
-                <a:solidFill>
-                  <a:schemeClr val="bg1">
-                    <a:lumMod val="95000"/>
-                  </a:schemeClr>
-                </a:solidFill>
-                <a:latin typeface="나눔바른고딕" pitchFamily="50" charset="-127"/>
-                <a:ea typeface="나눔바른고딕" pitchFamily="50" charset="-127"/>
-              </a:rPr>
-              <a:t>– </a:t>
-            </a:r>
-            <a:r>
-              <a:rPr lang="ko-KR" altLang="en-US" sz="2400" dirty="0" smtClean="0">
-                <a:solidFill>
-                  <a:schemeClr val="bg1">
-                    <a:lumMod val="95000"/>
-                  </a:schemeClr>
-                </a:solidFill>
-                <a:latin typeface="나눔바른고딕" pitchFamily="50" charset="-127"/>
-                <a:ea typeface="나눔바른고딕" pitchFamily="50" charset="-127"/>
-              </a:rPr>
-              <a:t>혼자 쓸 때</a:t>
+              <a:t>첫 사용 느낌</a:t>
             </a:r>
             <a:endParaRPr lang="ko-KR" altLang="en-US" sz="2400" dirty="0">
               <a:solidFill>
@@ -3836,8 +3864,8 @@
                   <a:lumMod val="95000"/>
                 </a:schemeClr>
               </a:solidFill>
-              <a:latin typeface="나눔바른고딕" pitchFamily="50" charset="-127"/>
-              <a:ea typeface="나눔바른고딕" pitchFamily="50" charset="-127"/>
+              <a:latin typeface="나눔명조" pitchFamily="18" charset="-127"/>
+              <a:ea typeface="나눔명조" pitchFamily="18" charset="-127"/>
             </a:endParaRPr>
           </a:p>
         </p:txBody>
@@ -3982,48 +4010,16 @@
           </a:fontRef>
         </p:style>
       </p:cxnSp>
-      <p:pic>
-        <p:nvPicPr>
-          <p:cNvPr id="1026" name="Picture 2"/>
-          <p:cNvPicPr>
-            <a:picLocks noChangeAspect="1" noChangeArrowheads="1"/>
-          </p:cNvPicPr>
-          <p:nvPr/>
-        </p:nvPicPr>
-        <p:blipFill>
-          <a:blip r:embed="rId2" cstate="print"/>
-          <a:srcRect/>
-          <a:stretch>
-            <a:fillRect/>
-          </a:stretch>
-        </p:blipFill>
-        <p:spPr bwMode="auto">
-          <a:xfrm>
-            <a:off x="1187624" y="1059582"/>
-            <a:ext cx="3312368" cy="3024918"/>
-          </a:xfrm>
-          <a:prstGeom prst="rect">
-            <a:avLst/>
-          </a:prstGeom>
-          <a:noFill/>
-          <a:ln w="9525">
-            <a:noFill/>
-            <a:miter lim="800000"/>
-            <a:headEnd/>
-            <a:tailEnd/>
-          </a:ln>
-        </p:spPr>
-      </p:pic>
       <p:sp>
         <p:nvSpPr>
-          <p:cNvPr id="17" name="TextBox 16"/>
+          <p:cNvPr id="8" name="TextBox 7"/>
           <p:cNvSpPr txBox="1"/>
           <p:nvPr/>
         </p:nvSpPr>
         <p:spPr>
           <a:xfrm>
-            <a:off x="5292080" y="1347614"/>
-            <a:ext cx="1872208" cy="2585323"/>
+            <a:off x="3275856" y="2211710"/>
+            <a:ext cx="2016224" cy="707886"/>
           </a:xfrm>
           <a:prstGeom prst="rect">
             <a:avLst/>
@@ -4036,162 +4032,42 @@
           </a:bodyPr>
           <a:lstStyle/>
           <a:p>
-            <a:pPr marL="342900" indent="-342900">
-              <a:buAutoNum type="arabicPeriod"/>
-            </a:pPr>
-            <a:r>
-              <a:rPr lang="en-US" altLang="ko-KR" dirty="0" smtClean="0">
+            <a:r>
+              <a:rPr lang="en-US" altLang="ko-KR" sz="4000" b="1" spc="-150" dirty="0" smtClean="0">
                 <a:solidFill>
-                  <a:schemeClr val="bg1">
-                    <a:lumMod val="95000"/>
-                  </a:schemeClr>
+                  <a:schemeClr val="bg1"/>
                 </a:solidFill>
-                <a:latin typeface="나눔바른고딕" pitchFamily="50" charset="-127"/>
-                <a:ea typeface="나눔바른고딕" pitchFamily="50" charset="-127"/>
+                <a:latin typeface="나눔명조" pitchFamily="18" charset="-127"/>
+                <a:ea typeface="나눔명조" pitchFamily="18" charset="-127"/>
               </a:rPr>
-              <a:t>Init</a:t>
-            </a:r>
-          </a:p>
-          <a:p>
-            <a:pPr marL="342900" indent="-342900">
-              <a:buAutoNum type="arabicPeriod"/>
-            </a:pPr>
-            <a:r>
-              <a:rPr lang="en-US" altLang="ko-KR" dirty="0" smtClean="0">
+              <a:t>“</a:t>
+            </a:r>
+            <a:r>
+              <a:rPr lang="ko-KR" altLang="en-US" sz="4000" b="1" spc="-150" dirty="0" smtClean="0">
                 <a:solidFill>
-                  <a:schemeClr val="bg1">
-                    <a:lumMod val="95000"/>
-                  </a:schemeClr>
+                  <a:schemeClr val="bg1"/>
                 </a:solidFill>
-                <a:latin typeface="나눔바른고딕" pitchFamily="50" charset="-127"/>
-                <a:ea typeface="나눔바른고딕" pitchFamily="50" charset="-127"/>
+                <a:latin typeface="나눔명조" pitchFamily="18" charset="-127"/>
+                <a:ea typeface="나눔명조" pitchFamily="18" charset="-127"/>
               </a:rPr>
-              <a:t>Add</a:t>
-            </a:r>
-          </a:p>
-          <a:p>
-            <a:pPr marL="342900" indent="-342900">
-              <a:buAutoNum type="arabicPeriod"/>
-            </a:pPr>
-            <a:r>
-              <a:rPr lang="en-US" altLang="ko-KR" dirty="0" smtClean="0">
+              <a:t>편하네</a:t>
+            </a:r>
+            <a:r>
+              <a:rPr lang="en-US" altLang="ko-KR" sz="4000" b="1" spc="-150" dirty="0" smtClean="0">
                 <a:solidFill>
-                  <a:schemeClr val="bg1">
-                    <a:lumMod val="95000"/>
-                  </a:schemeClr>
+                  <a:schemeClr val="bg1"/>
                 </a:solidFill>
-                <a:latin typeface="나눔바른고딕" pitchFamily="50" charset="-127"/>
-                <a:ea typeface="나눔바른고딕" pitchFamily="50" charset="-127"/>
+                <a:latin typeface="나눔명조" pitchFamily="18" charset="-127"/>
+                <a:ea typeface="나눔명조" pitchFamily="18" charset="-127"/>
               </a:rPr>
-              <a:t>Commit</a:t>
-            </a:r>
-          </a:p>
-          <a:p>
-            <a:pPr marL="342900" indent="-342900">
-              <a:buAutoNum type="arabicPeriod"/>
-            </a:pPr>
-            <a:r>
-              <a:rPr lang="en-US" altLang="ko-KR" dirty="0" smtClean="0">
-                <a:solidFill>
-                  <a:schemeClr val="bg1">
-                    <a:lumMod val="95000"/>
-                  </a:schemeClr>
-                </a:solidFill>
-                <a:latin typeface="나눔바른고딕" pitchFamily="50" charset="-127"/>
-                <a:ea typeface="나눔바른고딕" pitchFamily="50" charset="-127"/>
-              </a:rPr>
-              <a:t>Branch</a:t>
-            </a:r>
-          </a:p>
-          <a:p>
-            <a:pPr marL="342900" indent="-342900">
-              <a:buAutoNum type="arabicPeriod"/>
-            </a:pPr>
-            <a:r>
-              <a:rPr lang="en-US" altLang="ko-KR" dirty="0" smtClean="0">
-                <a:solidFill>
-                  <a:schemeClr val="bg1">
-                    <a:lumMod val="95000"/>
-                  </a:schemeClr>
-                </a:solidFill>
-                <a:latin typeface="나눔바른고딕" pitchFamily="50" charset="-127"/>
-                <a:ea typeface="나눔바른고딕" pitchFamily="50" charset="-127"/>
-              </a:rPr>
-              <a:t>Checkout</a:t>
-            </a:r>
-          </a:p>
-          <a:p>
-            <a:pPr marL="342900" indent="-342900">
-              <a:buAutoNum type="arabicPeriod"/>
-            </a:pPr>
-            <a:r>
-              <a:rPr lang="en-US" altLang="ko-KR" dirty="0" smtClean="0">
-                <a:solidFill>
-                  <a:schemeClr val="bg1">
-                    <a:lumMod val="95000"/>
-                  </a:schemeClr>
-                </a:solidFill>
-                <a:latin typeface="나눔바른고딕" pitchFamily="50" charset="-127"/>
-                <a:ea typeface="나눔바른고딕" pitchFamily="50" charset="-127"/>
-              </a:rPr>
-              <a:t>Merge</a:t>
-            </a:r>
-            <a:endParaRPr lang="en-US" altLang="ko-KR" dirty="0" smtClean="0">
+              <a:t>”</a:t>
+            </a:r>
+            <a:endParaRPr lang="ko-KR" altLang="en-US" sz="4000" b="1" spc="-150" dirty="0">
               <a:solidFill>
-                <a:schemeClr val="bg1">
-                  <a:lumMod val="95000"/>
-                </a:schemeClr>
+                <a:schemeClr val="bg1"/>
               </a:solidFill>
-              <a:latin typeface="나눔바른고딕" pitchFamily="50" charset="-127"/>
-              <a:ea typeface="나눔바른고딕" pitchFamily="50" charset="-127"/>
-            </a:endParaRPr>
-          </a:p>
-          <a:p>
-            <a:pPr marL="342900" indent="-342900">
-              <a:buAutoNum type="arabicPeriod"/>
-            </a:pPr>
-            <a:r>
-              <a:rPr lang="en-US" altLang="ko-KR" dirty="0" smtClean="0">
-                <a:solidFill>
-                  <a:schemeClr val="bg1">
-                    <a:lumMod val="95000"/>
-                  </a:schemeClr>
-                </a:solidFill>
-                <a:latin typeface="나눔바른고딕" pitchFamily="50" charset="-127"/>
-                <a:ea typeface="나눔바른고딕" pitchFamily="50" charset="-127"/>
-              </a:rPr>
-              <a:t>Status</a:t>
-            </a:r>
-          </a:p>
-          <a:p>
-            <a:pPr marL="342900" indent="-342900">
-              <a:buAutoNum type="arabicPeriod"/>
-            </a:pPr>
-            <a:r>
-              <a:rPr lang="en-US" altLang="ko-KR" dirty="0" smtClean="0">
-                <a:solidFill>
-                  <a:schemeClr val="bg1">
-                    <a:lumMod val="95000"/>
-                  </a:schemeClr>
-                </a:solidFill>
-                <a:latin typeface="나눔바른고딕" pitchFamily="50" charset="-127"/>
-                <a:ea typeface="나눔바른고딕" pitchFamily="50" charset="-127"/>
-              </a:rPr>
-              <a:t>Log</a:t>
-            </a:r>
-          </a:p>
-          <a:p>
-            <a:pPr marL="342900" indent="-342900">
-              <a:buAutoNum type="arabicPeriod"/>
-            </a:pPr>
-            <a:endParaRPr lang="en-US" altLang="ko-KR" dirty="0" smtClean="0">
-              <a:solidFill>
-                <a:schemeClr val="bg1">
-                  <a:lumMod val="95000"/>
-                </a:schemeClr>
-              </a:solidFill>
-              <a:latin typeface="나눔바른고딕" pitchFamily="50" charset="-127"/>
-              <a:ea typeface="나눔바른고딕" pitchFamily="50" charset="-127"/>
+              <a:latin typeface="나눔명조" pitchFamily="18" charset="-127"/>
+              <a:ea typeface="나눔명조" pitchFamily="18" charset="-127"/>
             </a:endParaRPr>
           </a:p>
         </p:txBody>
@@ -4272,7 +4148,7 @@
           <a:lstStyle/>
           <a:p>
             <a:pPr algn="ctr"/>
-            <a:endParaRPr lang="ko-KR" altLang="en-US" sz="1600"/>
+            <a:endParaRPr lang="ko-KR" altLang="en-US" sz="1600" dirty="0"/>
           </a:p>
         </p:txBody>
       </p:sp>
@@ -4299,16 +4175,40 @@
           <a:lstStyle/>
           <a:p>
             <a:r>
+              <a:rPr lang="en-US" altLang="ko-KR" sz="2400" dirty="0" smtClean="0">
+                <a:solidFill>
+                  <a:schemeClr val="bg1">
+                    <a:lumMod val="95000"/>
+                  </a:schemeClr>
+                </a:solidFill>
+                <a:latin typeface="나눔명조" pitchFamily="18" charset="-127"/>
+                <a:ea typeface="나눔명조" pitchFamily="18" charset="-127"/>
+              </a:rPr>
+              <a:t>SVN </a:t>
+            </a:r>
+            <a:r>
               <a:rPr lang="ko-KR" altLang="en-US" sz="2400" dirty="0" smtClean="0">
                 <a:solidFill>
                   <a:schemeClr val="bg1">
                     <a:lumMod val="95000"/>
                   </a:schemeClr>
                 </a:solidFill>
-                <a:latin typeface="나눔바른고딕" pitchFamily="50" charset="-127"/>
-                <a:ea typeface="나눔바른고딕" pitchFamily="50" charset="-127"/>
+                <a:latin typeface="나눔명조" pitchFamily="18" charset="-127"/>
+                <a:ea typeface="나눔명조" pitchFamily="18" charset="-127"/>
               </a:rPr>
-              <a:t>예</a:t>
+              <a:t>첫 사용 느낌 </a:t>
+            </a:r>
+            <a:r>
+              <a:rPr lang="en-US" altLang="ko-KR" sz="2400" dirty="0" smtClean="0">
+                <a:solidFill>
+                  <a:schemeClr val="bg1">
+                    <a:lumMod val="95000"/>
+                  </a:schemeClr>
+                </a:solidFill>
+                <a:latin typeface="나눔명조" pitchFamily="18" charset="-127"/>
+                <a:ea typeface="나눔명조" pitchFamily="18" charset="-127"/>
+              </a:rPr>
+              <a:t>– </a:t>
             </a:r>
             <a:r>
               <a:rPr lang="ko-KR" altLang="en-US" sz="2400" dirty="0" smtClean="0">
@@ -4317,22 +4217,10 @@
                     <a:lumMod val="95000"/>
                   </a:schemeClr>
                 </a:solidFill>
-                <a:latin typeface="나눔바른고딕" pitchFamily="50" charset="-127"/>
-                <a:ea typeface="나눔바른고딕" pitchFamily="50" charset="-127"/>
+                <a:latin typeface="나눔명조" pitchFamily="18" charset="-127"/>
+                <a:ea typeface="나눔명조" pitchFamily="18" charset="-127"/>
               </a:rPr>
-              <a:t>제</a:t>
-            </a:r>
-            <a:r>
-              <a:rPr lang="ko-KR" altLang="en-US" sz="2400" dirty="0" smtClean="0">
-                <a:solidFill>
-                  <a:schemeClr val="bg1">
-                    <a:lumMod val="95000"/>
-                  </a:schemeClr>
-                </a:solidFill>
-                <a:latin typeface="나눔바른고딕" pitchFamily="50" charset="-127"/>
-                <a:ea typeface="나눔바른고딕" pitchFamily="50" charset="-127"/>
-              </a:rPr>
-              <a:t> </a:t>
+              <a:t>왜</a:t>
             </a:r>
             <a:r>
               <a:rPr lang="en-US" altLang="ko-KR" sz="2400" dirty="0" smtClean="0">
@@ -4341,10 +4229,10 @@
                     <a:lumMod val="95000"/>
                   </a:schemeClr>
                 </a:solidFill>
-                <a:latin typeface="나눔바른고딕" pitchFamily="50" charset="-127"/>
-                <a:ea typeface="나눔바른고딕" pitchFamily="50" charset="-127"/>
+                <a:latin typeface="나눔명조" pitchFamily="18" charset="-127"/>
+                <a:ea typeface="나눔명조" pitchFamily="18" charset="-127"/>
               </a:rPr>
-              <a:t>– Alert!</a:t>
+              <a:t>?</a:t>
             </a:r>
             <a:endParaRPr lang="ko-KR" altLang="en-US" sz="2400" dirty="0">
               <a:solidFill>
@@ -4352,8 +4240,8 @@
                   <a:lumMod val="95000"/>
                 </a:schemeClr>
               </a:solidFill>
-              <a:latin typeface="나눔바른고딕" pitchFamily="50" charset="-127"/>
-              <a:ea typeface="나눔바른고딕" pitchFamily="50" charset="-127"/>
+              <a:latin typeface="나눔명조" pitchFamily="18" charset="-127"/>
+              <a:ea typeface="나눔명조" pitchFamily="18" charset="-127"/>
             </a:endParaRPr>
           </a:p>
         </p:txBody>
@@ -4498,6 +4386,4386 @@
           </a:fontRef>
         </p:style>
       </p:cxnSp>
+      <p:grpSp>
+        <p:nvGrpSpPr>
+          <p:cNvPr id="9" name="그룹 8"/>
+          <p:cNvGrpSpPr/>
+          <p:nvPr/>
+        </p:nvGrpSpPr>
+        <p:grpSpPr>
+          <a:xfrm>
+            <a:off x="532878" y="1059583"/>
+            <a:ext cx="8091592" cy="3096344"/>
+            <a:chOff x="532878" y="1059583"/>
+            <a:chExt cx="8091592" cy="3096344"/>
+          </a:xfrm>
+        </p:grpSpPr>
+        <p:sp>
+          <p:nvSpPr>
+            <p:cNvPr id="13" name="직사각형 12"/>
+            <p:cNvSpPr/>
+            <p:nvPr/>
+          </p:nvSpPr>
+          <p:spPr>
+            <a:xfrm>
+              <a:off x="532878" y="1059583"/>
+              <a:ext cx="3888432" cy="3096344"/>
+            </a:xfrm>
+            <a:prstGeom prst="rect">
+              <a:avLst/>
+            </a:prstGeom>
+            <a:solidFill>
+              <a:schemeClr val="bg1"/>
+            </a:solidFill>
+            <a:ln w="57150">
+              <a:noFill/>
+            </a:ln>
+          </p:spPr>
+          <p:style>
+            <a:lnRef idx="2">
+              <a:schemeClr val="accent1">
+                <a:shade val="50000"/>
+              </a:schemeClr>
+            </a:lnRef>
+            <a:fillRef idx="1">
+              <a:schemeClr val="accent1"/>
+            </a:fillRef>
+            <a:effectRef idx="0">
+              <a:schemeClr val="accent1"/>
+            </a:effectRef>
+            <a:fontRef idx="minor">
+              <a:schemeClr val="lt1"/>
+            </a:fontRef>
+          </p:style>
+          <p:txBody>
+            <a:bodyPr rtlCol="0" anchor="ctr"/>
+            <a:lstStyle>
+              <a:defPPr>
+                <a:defRPr lang="ko-KR"/>
+              </a:defPPr>
+              <a:lvl1pPr marL="0" algn="l" defTabSz="914400" rtl="0" eaLnBrk="1" latinLnBrk="1" hangingPunct="1">
+                <a:defRPr sz="1800" kern="1200">
+                  <a:solidFill>
+                    <a:schemeClr val="lt1"/>
+                  </a:solidFill>
+                  <a:latin typeface="+mn-lt"/>
+                  <a:ea typeface="+mn-ea"/>
+                  <a:cs typeface="+mn-cs"/>
+                </a:defRPr>
+              </a:lvl1pPr>
+              <a:lvl2pPr marL="457200" algn="l" defTabSz="914400" rtl="0" eaLnBrk="1" latinLnBrk="1" hangingPunct="1">
+                <a:defRPr sz="1800" kern="1200">
+                  <a:solidFill>
+                    <a:schemeClr val="lt1"/>
+                  </a:solidFill>
+                  <a:latin typeface="+mn-lt"/>
+                  <a:ea typeface="+mn-ea"/>
+                  <a:cs typeface="+mn-cs"/>
+                </a:defRPr>
+              </a:lvl2pPr>
+              <a:lvl3pPr marL="914400" algn="l" defTabSz="914400" rtl="0" eaLnBrk="1" latinLnBrk="1" hangingPunct="1">
+                <a:defRPr sz="1800" kern="1200">
+                  <a:solidFill>
+                    <a:schemeClr val="lt1"/>
+                  </a:solidFill>
+                  <a:latin typeface="+mn-lt"/>
+                  <a:ea typeface="+mn-ea"/>
+                  <a:cs typeface="+mn-cs"/>
+                </a:defRPr>
+              </a:lvl3pPr>
+              <a:lvl4pPr marL="1371600" algn="l" defTabSz="914400" rtl="0" eaLnBrk="1" latinLnBrk="1" hangingPunct="1">
+                <a:defRPr sz="1800" kern="1200">
+                  <a:solidFill>
+                    <a:schemeClr val="lt1"/>
+                  </a:solidFill>
+                  <a:latin typeface="+mn-lt"/>
+                  <a:ea typeface="+mn-ea"/>
+                  <a:cs typeface="+mn-cs"/>
+                </a:defRPr>
+              </a:lvl4pPr>
+              <a:lvl5pPr marL="1828800" algn="l" defTabSz="914400" rtl="0" eaLnBrk="1" latinLnBrk="1" hangingPunct="1">
+                <a:defRPr sz="1800" kern="1200">
+                  <a:solidFill>
+                    <a:schemeClr val="lt1"/>
+                  </a:solidFill>
+                  <a:latin typeface="+mn-lt"/>
+                  <a:ea typeface="+mn-ea"/>
+                  <a:cs typeface="+mn-cs"/>
+                </a:defRPr>
+              </a:lvl5pPr>
+              <a:lvl6pPr marL="2286000" algn="l" defTabSz="914400" rtl="0" eaLnBrk="1" latinLnBrk="1" hangingPunct="1">
+                <a:defRPr sz="1800" kern="1200">
+                  <a:solidFill>
+                    <a:schemeClr val="lt1"/>
+                  </a:solidFill>
+                  <a:latin typeface="+mn-lt"/>
+                  <a:ea typeface="+mn-ea"/>
+                  <a:cs typeface="+mn-cs"/>
+                </a:defRPr>
+              </a:lvl6pPr>
+              <a:lvl7pPr marL="2743200" algn="l" defTabSz="914400" rtl="0" eaLnBrk="1" latinLnBrk="1" hangingPunct="1">
+                <a:defRPr sz="1800" kern="1200">
+                  <a:solidFill>
+                    <a:schemeClr val="lt1"/>
+                  </a:solidFill>
+                  <a:latin typeface="+mn-lt"/>
+                  <a:ea typeface="+mn-ea"/>
+                  <a:cs typeface="+mn-cs"/>
+                </a:defRPr>
+              </a:lvl7pPr>
+              <a:lvl8pPr marL="3200400" algn="l" defTabSz="914400" rtl="0" eaLnBrk="1" latinLnBrk="1" hangingPunct="1">
+                <a:defRPr sz="1800" kern="1200">
+                  <a:solidFill>
+                    <a:schemeClr val="lt1"/>
+                  </a:solidFill>
+                  <a:latin typeface="+mn-lt"/>
+                  <a:ea typeface="+mn-ea"/>
+                  <a:cs typeface="+mn-cs"/>
+                </a:defRPr>
+              </a:lvl8pPr>
+              <a:lvl9pPr marL="3657600" algn="l" defTabSz="914400" rtl="0" eaLnBrk="1" latinLnBrk="1" hangingPunct="1">
+                <a:defRPr sz="1800" kern="1200">
+                  <a:solidFill>
+                    <a:schemeClr val="lt1"/>
+                  </a:solidFill>
+                  <a:latin typeface="+mn-lt"/>
+                  <a:ea typeface="+mn-ea"/>
+                  <a:cs typeface="+mn-cs"/>
+                </a:defRPr>
+              </a:lvl9pPr>
+            </a:lstStyle>
+            <a:p>
+              <a:pPr algn="ctr"/>
+              <a:endParaRPr lang="ko-KR" altLang="en-US" sz="1600" dirty="0">
+                <a:solidFill>
+                  <a:schemeClr val="tx1"/>
+                </a:solidFill>
+              </a:endParaRPr>
+            </a:p>
+          </p:txBody>
+        </p:sp>
+        <p:pic>
+          <p:nvPicPr>
+            <p:cNvPr id="17" name="Picture 12" descr="https://upload.wikimedia.org/wikipedia/commons/thumb/3/30/Subversion_logo.svg/2000px-Subversion_logo.svg.png"/>
+            <p:cNvPicPr>
+              <a:picLocks noChangeAspect="1" noChangeArrowheads="1"/>
+            </p:cNvPicPr>
+            <p:nvPr/>
+          </p:nvPicPr>
+          <p:blipFill>
+            <a:blip r:embed="rId2" cstate="print"/>
+            <a:srcRect/>
+            <a:stretch>
+              <a:fillRect/>
+            </a:stretch>
+          </p:blipFill>
+          <p:spPr bwMode="auto">
+            <a:xfrm>
+              <a:off x="1403648" y="1347615"/>
+              <a:ext cx="2160240" cy="310010"/>
+            </a:xfrm>
+            <a:prstGeom prst="rect">
+              <a:avLst/>
+            </a:prstGeom>
+            <a:noFill/>
+            <a:effectLst>
+              <a:outerShdw blurRad="50800" dist="38100" algn="l" rotWithShape="0">
+                <a:prstClr val="black">
+                  <a:alpha val="40000"/>
+                </a:prstClr>
+              </a:outerShdw>
+            </a:effectLst>
+          </p:spPr>
+        </p:pic>
+        <p:cxnSp>
+          <p:nvCxnSpPr>
+            <p:cNvPr id="18" name="직선 연결선 17"/>
+            <p:cNvCxnSpPr/>
+            <p:nvPr/>
+          </p:nvCxnSpPr>
+          <p:spPr>
+            <a:xfrm>
+              <a:off x="4572000" y="1067967"/>
+              <a:ext cx="0" cy="3087960"/>
+            </a:xfrm>
+            <a:prstGeom prst="line">
+              <a:avLst/>
+            </a:prstGeom>
+            <a:ln w="12700">
+              <a:solidFill>
+                <a:schemeClr val="bg1"/>
+              </a:solidFill>
+            </a:ln>
+          </p:spPr>
+          <p:style>
+            <a:lnRef idx="1">
+              <a:schemeClr val="accent1"/>
+            </a:lnRef>
+            <a:fillRef idx="0">
+              <a:schemeClr val="accent1"/>
+            </a:fillRef>
+            <a:effectRef idx="0">
+              <a:schemeClr val="accent1"/>
+            </a:effectRef>
+            <a:fontRef idx="minor">
+              <a:schemeClr val="tx1"/>
+            </a:fontRef>
+          </p:style>
+        </p:cxnSp>
+        <p:sp>
+          <p:nvSpPr>
+            <p:cNvPr id="19" name="직사각형 18"/>
+            <p:cNvSpPr/>
+            <p:nvPr/>
+          </p:nvSpPr>
+          <p:spPr>
+            <a:xfrm>
+              <a:off x="4736038" y="1059583"/>
+              <a:ext cx="3888432" cy="3096344"/>
+            </a:xfrm>
+            <a:prstGeom prst="rect">
+              <a:avLst/>
+            </a:prstGeom>
+            <a:solidFill>
+              <a:schemeClr val="bg1"/>
+            </a:solidFill>
+            <a:ln w="57150">
+              <a:noFill/>
+            </a:ln>
+          </p:spPr>
+          <p:style>
+            <a:lnRef idx="2">
+              <a:schemeClr val="accent1">
+                <a:shade val="50000"/>
+              </a:schemeClr>
+            </a:lnRef>
+            <a:fillRef idx="1">
+              <a:schemeClr val="accent1"/>
+            </a:fillRef>
+            <a:effectRef idx="0">
+              <a:schemeClr val="accent1"/>
+            </a:effectRef>
+            <a:fontRef idx="minor">
+              <a:schemeClr val="lt1"/>
+            </a:fontRef>
+          </p:style>
+          <p:txBody>
+            <a:bodyPr rtlCol="0" anchor="ctr"/>
+            <a:lstStyle>
+              <a:defPPr>
+                <a:defRPr lang="ko-KR"/>
+              </a:defPPr>
+              <a:lvl1pPr marL="0" algn="l" defTabSz="914400" rtl="0" eaLnBrk="1" latinLnBrk="1" hangingPunct="1">
+                <a:defRPr sz="1800" kern="1200">
+                  <a:solidFill>
+                    <a:schemeClr val="lt1"/>
+                  </a:solidFill>
+                  <a:latin typeface="+mn-lt"/>
+                  <a:ea typeface="+mn-ea"/>
+                  <a:cs typeface="+mn-cs"/>
+                </a:defRPr>
+              </a:lvl1pPr>
+              <a:lvl2pPr marL="457200" algn="l" defTabSz="914400" rtl="0" eaLnBrk="1" latinLnBrk="1" hangingPunct="1">
+                <a:defRPr sz="1800" kern="1200">
+                  <a:solidFill>
+                    <a:schemeClr val="lt1"/>
+                  </a:solidFill>
+                  <a:latin typeface="+mn-lt"/>
+                  <a:ea typeface="+mn-ea"/>
+                  <a:cs typeface="+mn-cs"/>
+                </a:defRPr>
+              </a:lvl2pPr>
+              <a:lvl3pPr marL="914400" algn="l" defTabSz="914400" rtl="0" eaLnBrk="1" latinLnBrk="1" hangingPunct="1">
+                <a:defRPr sz="1800" kern="1200">
+                  <a:solidFill>
+                    <a:schemeClr val="lt1"/>
+                  </a:solidFill>
+                  <a:latin typeface="+mn-lt"/>
+                  <a:ea typeface="+mn-ea"/>
+                  <a:cs typeface="+mn-cs"/>
+                </a:defRPr>
+              </a:lvl3pPr>
+              <a:lvl4pPr marL="1371600" algn="l" defTabSz="914400" rtl="0" eaLnBrk="1" latinLnBrk="1" hangingPunct="1">
+                <a:defRPr sz="1800" kern="1200">
+                  <a:solidFill>
+                    <a:schemeClr val="lt1"/>
+                  </a:solidFill>
+                  <a:latin typeface="+mn-lt"/>
+                  <a:ea typeface="+mn-ea"/>
+                  <a:cs typeface="+mn-cs"/>
+                </a:defRPr>
+              </a:lvl4pPr>
+              <a:lvl5pPr marL="1828800" algn="l" defTabSz="914400" rtl="0" eaLnBrk="1" latinLnBrk="1" hangingPunct="1">
+                <a:defRPr sz="1800" kern="1200">
+                  <a:solidFill>
+                    <a:schemeClr val="lt1"/>
+                  </a:solidFill>
+                  <a:latin typeface="+mn-lt"/>
+                  <a:ea typeface="+mn-ea"/>
+                  <a:cs typeface="+mn-cs"/>
+                </a:defRPr>
+              </a:lvl5pPr>
+              <a:lvl6pPr marL="2286000" algn="l" defTabSz="914400" rtl="0" eaLnBrk="1" latinLnBrk="1" hangingPunct="1">
+                <a:defRPr sz="1800" kern="1200">
+                  <a:solidFill>
+                    <a:schemeClr val="lt1"/>
+                  </a:solidFill>
+                  <a:latin typeface="+mn-lt"/>
+                  <a:ea typeface="+mn-ea"/>
+                  <a:cs typeface="+mn-cs"/>
+                </a:defRPr>
+              </a:lvl6pPr>
+              <a:lvl7pPr marL="2743200" algn="l" defTabSz="914400" rtl="0" eaLnBrk="1" latinLnBrk="1" hangingPunct="1">
+                <a:defRPr sz="1800" kern="1200">
+                  <a:solidFill>
+                    <a:schemeClr val="lt1"/>
+                  </a:solidFill>
+                  <a:latin typeface="+mn-lt"/>
+                  <a:ea typeface="+mn-ea"/>
+                  <a:cs typeface="+mn-cs"/>
+                </a:defRPr>
+              </a:lvl7pPr>
+              <a:lvl8pPr marL="3200400" algn="l" defTabSz="914400" rtl="0" eaLnBrk="1" latinLnBrk="1" hangingPunct="1">
+                <a:defRPr sz="1800" kern="1200">
+                  <a:solidFill>
+                    <a:schemeClr val="lt1"/>
+                  </a:solidFill>
+                  <a:latin typeface="+mn-lt"/>
+                  <a:ea typeface="+mn-ea"/>
+                  <a:cs typeface="+mn-cs"/>
+                </a:defRPr>
+              </a:lvl8pPr>
+              <a:lvl9pPr marL="3657600" algn="l" defTabSz="914400" rtl="0" eaLnBrk="1" latinLnBrk="1" hangingPunct="1">
+                <a:defRPr sz="1800" kern="1200">
+                  <a:solidFill>
+                    <a:schemeClr val="lt1"/>
+                  </a:solidFill>
+                  <a:latin typeface="+mn-lt"/>
+                  <a:ea typeface="+mn-ea"/>
+                  <a:cs typeface="+mn-cs"/>
+                </a:defRPr>
+              </a:lvl9pPr>
+            </a:lstStyle>
+            <a:p>
+              <a:pPr algn="ctr"/>
+              <a:endParaRPr lang="ko-KR" altLang="en-US" sz="1600"/>
+            </a:p>
+          </p:txBody>
+        </p:sp>
+        <p:pic>
+          <p:nvPicPr>
+            <p:cNvPr id="20" name="Picture 6" descr="File:Git-logo.svg"/>
+            <p:cNvPicPr>
+              <a:picLocks noChangeAspect="1" noChangeArrowheads="1"/>
+            </p:cNvPicPr>
+            <p:nvPr/>
+          </p:nvPicPr>
+          <p:blipFill>
+            <a:blip r:embed="rId3" cstate="print"/>
+            <a:srcRect/>
+            <a:stretch>
+              <a:fillRect/>
+            </a:stretch>
+          </p:blipFill>
+          <p:spPr bwMode="auto">
+            <a:xfrm>
+              <a:off x="6084168" y="1275607"/>
+              <a:ext cx="1080120" cy="451487"/>
+            </a:xfrm>
+            <a:prstGeom prst="rect">
+              <a:avLst/>
+            </a:prstGeom>
+            <a:noFill/>
+            <a:effectLst>
+              <a:outerShdw blurRad="50800" dist="38100" algn="l" rotWithShape="0">
+                <a:prstClr val="black">
+                  <a:alpha val="40000"/>
+                </a:prstClr>
+              </a:outerShdw>
+            </a:effectLst>
+          </p:spPr>
+        </p:pic>
+        <p:sp>
+          <p:nvSpPr>
+            <p:cNvPr id="21" name="모서리가 둥근 직사각형 20"/>
+            <p:cNvSpPr/>
+            <p:nvPr/>
+          </p:nvSpPr>
+          <p:spPr>
+            <a:xfrm>
+              <a:off x="1835696" y="3435847"/>
+              <a:ext cx="1152128" cy="504056"/>
+            </a:xfrm>
+            <a:prstGeom prst="roundRect">
+              <a:avLst/>
+            </a:prstGeom>
+            <a:noFill/>
+            <a:ln>
+              <a:solidFill>
+                <a:srgbClr val="242424"/>
+              </a:solidFill>
+            </a:ln>
+          </p:spPr>
+          <p:style>
+            <a:lnRef idx="2">
+              <a:schemeClr val="accent1">
+                <a:shade val="50000"/>
+              </a:schemeClr>
+            </a:lnRef>
+            <a:fillRef idx="1">
+              <a:schemeClr val="accent1"/>
+            </a:fillRef>
+            <a:effectRef idx="0">
+              <a:schemeClr val="accent1"/>
+            </a:effectRef>
+            <a:fontRef idx="minor">
+              <a:schemeClr val="lt1"/>
+            </a:fontRef>
+          </p:style>
+          <p:txBody>
+            <a:bodyPr rtlCol="0" anchor="ctr"/>
+            <a:lstStyle>
+              <a:defPPr>
+                <a:defRPr lang="ko-KR"/>
+              </a:defPPr>
+              <a:lvl1pPr marL="0" algn="l" defTabSz="914400" rtl="0" eaLnBrk="1" latinLnBrk="1" hangingPunct="1">
+                <a:defRPr sz="1800" kern="1200">
+                  <a:solidFill>
+                    <a:schemeClr val="lt1"/>
+                  </a:solidFill>
+                  <a:latin typeface="+mn-lt"/>
+                  <a:ea typeface="+mn-ea"/>
+                  <a:cs typeface="+mn-cs"/>
+                </a:defRPr>
+              </a:lvl1pPr>
+              <a:lvl2pPr marL="457200" algn="l" defTabSz="914400" rtl="0" eaLnBrk="1" latinLnBrk="1" hangingPunct="1">
+                <a:defRPr sz="1800" kern="1200">
+                  <a:solidFill>
+                    <a:schemeClr val="lt1"/>
+                  </a:solidFill>
+                  <a:latin typeface="+mn-lt"/>
+                  <a:ea typeface="+mn-ea"/>
+                  <a:cs typeface="+mn-cs"/>
+                </a:defRPr>
+              </a:lvl2pPr>
+              <a:lvl3pPr marL="914400" algn="l" defTabSz="914400" rtl="0" eaLnBrk="1" latinLnBrk="1" hangingPunct="1">
+                <a:defRPr sz="1800" kern="1200">
+                  <a:solidFill>
+                    <a:schemeClr val="lt1"/>
+                  </a:solidFill>
+                  <a:latin typeface="+mn-lt"/>
+                  <a:ea typeface="+mn-ea"/>
+                  <a:cs typeface="+mn-cs"/>
+                </a:defRPr>
+              </a:lvl3pPr>
+              <a:lvl4pPr marL="1371600" algn="l" defTabSz="914400" rtl="0" eaLnBrk="1" latinLnBrk="1" hangingPunct="1">
+                <a:defRPr sz="1800" kern="1200">
+                  <a:solidFill>
+                    <a:schemeClr val="lt1"/>
+                  </a:solidFill>
+                  <a:latin typeface="+mn-lt"/>
+                  <a:ea typeface="+mn-ea"/>
+                  <a:cs typeface="+mn-cs"/>
+                </a:defRPr>
+              </a:lvl4pPr>
+              <a:lvl5pPr marL="1828800" algn="l" defTabSz="914400" rtl="0" eaLnBrk="1" latinLnBrk="1" hangingPunct="1">
+                <a:defRPr sz="1800" kern="1200">
+                  <a:solidFill>
+                    <a:schemeClr val="lt1"/>
+                  </a:solidFill>
+                  <a:latin typeface="+mn-lt"/>
+                  <a:ea typeface="+mn-ea"/>
+                  <a:cs typeface="+mn-cs"/>
+                </a:defRPr>
+              </a:lvl5pPr>
+              <a:lvl6pPr marL="2286000" algn="l" defTabSz="914400" rtl="0" eaLnBrk="1" latinLnBrk="1" hangingPunct="1">
+                <a:defRPr sz="1800" kern="1200">
+                  <a:solidFill>
+                    <a:schemeClr val="lt1"/>
+                  </a:solidFill>
+                  <a:latin typeface="+mn-lt"/>
+                  <a:ea typeface="+mn-ea"/>
+                  <a:cs typeface="+mn-cs"/>
+                </a:defRPr>
+              </a:lvl6pPr>
+              <a:lvl7pPr marL="2743200" algn="l" defTabSz="914400" rtl="0" eaLnBrk="1" latinLnBrk="1" hangingPunct="1">
+                <a:defRPr sz="1800" kern="1200">
+                  <a:solidFill>
+                    <a:schemeClr val="lt1"/>
+                  </a:solidFill>
+                  <a:latin typeface="+mn-lt"/>
+                  <a:ea typeface="+mn-ea"/>
+                  <a:cs typeface="+mn-cs"/>
+                </a:defRPr>
+              </a:lvl7pPr>
+              <a:lvl8pPr marL="3200400" algn="l" defTabSz="914400" rtl="0" eaLnBrk="1" latinLnBrk="1" hangingPunct="1">
+                <a:defRPr sz="1800" kern="1200">
+                  <a:solidFill>
+                    <a:schemeClr val="lt1"/>
+                  </a:solidFill>
+                  <a:latin typeface="+mn-lt"/>
+                  <a:ea typeface="+mn-ea"/>
+                  <a:cs typeface="+mn-cs"/>
+                </a:defRPr>
+              </a:lvl8pPr>
+              <a:lvl9pPr marL="3657600" algn="l" defTabSz="914400" rtl="0" eaLnBrk="1" latinLnBrk="1" hangingPunct="1">
+                <a:defRPr sz="1800" kern="1200">
+                  <a:solidFill>
+                    <a:schemeClr val="lt1"/>
+                  </a:solidFill>
+                  <a:latin typeface="+mn-lt"/>
+                  <a:ea typeface="+mn-ea"/>
+                  <a:cs typeface="+mn-cs"/>
+                </a:defRPr>
+              </a:lvl9pPr>
+            </a:lstStyle>
+            <a:p>
+              <a:pPr algn="ctr"/>
+              <a:endParaRPr lang="ko-KR" altLang="en-US" sz="1600" dirty="0">
+                <a:solidFill>
+                  <a:schemeClr val="tx1"/>
+                </a:solidFill>
+                <a:latin typeface="나눔바른고딕" pitchFamily="50" charset="-127"/>
+                <a:ea typeface="나눔바른고딕" pitchFamily="50" charset="-127"/>
+              </a:endParaRPr>
+            </a:p>
+          </p:txBody>
+        </p:sp>
+        <p:sp>
+          <p:nvSpPr>
+            <p:cNvPr id="22" name="순서도: 자기 디스크 21"/>
+            <p:cNvSpPr/>
+            <p:nvPr/>
+          </p:nvSpPr>
+          <p:spPr>
+            <a:xfrm>
+              <a:off x="2051720" y="1851671"/>
+              <a:ext cx="686710" cy="864096"/>
+            </a:xfrm>
+            <a:prstGeom prst="flowChartMagneticDisk">
+              <a:avLst/>
+            </a:prstGeom>
+            <a:noFill/>
+            <a:ln>
+              <a:solidFill>
+                <a:srgbClr val="242424"/>
+              </a:solidFill>
+            </a:ln>
+          </p:spPr>
+          <p:style>
+            <a:lnRef idx="2">
+              <a:schemeClr val="accent1">
+                <a:shade val="50000"/>
+              </a:schemeClr>
+            </a:lnRef>
+            <a:fillRef idx="1">
+              <a:schemeClr val="accent1"/>
+            </a:fillRef>
+            <a:effectRef idx="0">
+              <a:schemeClr val="accent1"/>
+            </a:effectRef>
+            <a:fontRef idx="minor">
+              <a:schemeClr val="lt1"/>
+            </a:fontRef>
+          </p:style>
+          <p:txBody>
+            <a:bodyPr rtlCol="0" anchor="ctr"/>
+            <a:lstStyle>
+              <a:defPPr>
+                <a:defRPr lang="ko-KR"/>
+              </a:defPPr>
+              <a:lvl1pPr marL="0" algn="l" defTabSz="914400" rtl="0" eaLnBrk="1" latinLnBrk="1" hangingPunct="1">
+                <a:defRPr sz="1800" kern="1200">
+                  <a:solidFill>
+                    <a:schemeClr val="lt1"/>
+                  </a:solidFill>
+                  <a:latin typeface="+mn-lt"/>
+                  <a:ea typeface="+mn-ea"/>
+                  <a:cs typeface="+mn-cs"/>
+                </a:defRPr>
+              </a:lvl1pPr>
+              <a:lvl2pPr marL="457200" algn="l" defTabSz="914400" rtl="0" eaLnBrk="1" latinLnBrk="1" hangingPunct="1">
+                <a:defRPr sz="1800" kern="1200">
+                  <a:solidFill>
+                    <a:schemeClr val="lt1"/>
+                  </a:solidFill>
+                  <a:latin typeface="+mn-lt"/>
+                  <a:ea typeface="+mn-ea"/>
+                  <a:cs typeface="+mn-cs"/>
+                </a:defRPr>
+              </a:lvl2pPr>
+              <a:lvl3pPr marL="914400" algn="l" defTabSz="914400" rtl="0" eaLnBrk="1" latinLnBrk="1" hangingPunct="1">
+                <a:defRPr sz="1800" kern="1200">
+                  <a:solidFill>
+                    <a:schemeClr val="lt1"/>
+                  </a:solidFill>
+                  <a:latin typeface="+mn-lt"/>
+                  <a:ea typeface="+mn-ea"/>
+                  <a:cs typeface="+mn-cs"/>
+                </a:defRPr>
+              </a:lvl3pPr>
+              <a:lvl4pPr marL="1371600" algn="l" defTabSz="914400" rtl="0" eaLnBrk="1" latinLnBrk="1" hangingPunct="1">
+                <a:defRPr sz="1800" kern="1200">
+                  <a:solidFill>
+                    <a:schemeClr val="lt1"/>
+                  </a:solidFill>
+                  <a:latin typeface="+mn-lt"/>
+                  <a:ea typeface="+mn-ea"/>
+                  <a:cs typeface="+mn-cs"/>
+                </a:defRPr>
+              </a:lvl4pPr>
+              <a:lvl5pPr marL="1828800" algn="l" defTabSz="914400" rtl="0" eaLnBrk="1" latinLnBrk="1" hangingPunct="1">
+                <a:defRPr sz="1800" kern="1200">
+                  <a:solidFill>
+                    <a:schemeClr val="lt1"/>
+                  </a:solidFill>
+                  <a:latin typeface="+mn-lt"/>
+                  <a:ea typeface="+mn-ea"/>
+                  <a:cs typeface="+mn-cs"/>
+                </a:defRPr>
+              </a:lvl5pPr>
+              <a:lvl6pPr marL="2286000" algn="l" defTabSz="914400" rtl="0" eaLnBrk="1" latinLnBrk="1" hangingPunct="1">
+                <a:defRPr sz="1800" kern="1200">
+                  <a:solidFill>
+                    <a:schemeClr val="lt1"/>
+                  </a:solidFill>
+                  <a:latin typeface="+mn-lt"/>
+                  <a:ea typeface="+mn-ea"/>
+                  <a:cs typeface="+mn-cs"/>
+                </a:defRPr>
+              </a:lvl6pPr>
+              <a:lvl7pPr marL="2743200" algn="l" defTabSz="914400" rtl="0" eaLnBrk="1" latinLnBrk="1" hangingPunct="1">
+                <a:defRPr sz="1800" kern="1200">
+                  <a:solidFill>
+                    <a:schemeClr val="lt1"/>
+                  </a:solidFill>
+                  <a:latin typeface="+mn-lt"/>
+                  <a:ea typeface="+mn-ea"/>
+                  <a:cs typeface="+mn-cs"/>
+                </a:defRPr>
+              </a:lvl7pPr>
+              <a:lvl8pPr marL="3200400" algn="l" defTabSz="914400" rtl="0" eaLnBrk="1" latinLnBrk="1" hangingPunct="1">
+                <a:defRPr sz="1800" kern="1200">
+                  <a:solidFill>
+                    <a:schemeClr val="lt1"/>
+                  </a:solidFill>
+                  <a:latin typeface="+mn-lt"/>
+                  <a:ea typeface="+mn-ea"/>
+                  <a:cs typeface="+mn-cs"/>
+                </a:defRPr>
+              </a:lvl8pPr>
+              <a:lvl9pPr marL="3657600" algn="l" defTabSz="914400" rtl="0" eaLnBrk="1" latinLnBrk="1" hangingPunct="1">
+                <a:defRPr sz="1800" kern="1200">
+                  <a:solidFill>
+                    <a:schemeClr val="lt1"/>
+                  </a:solidFill>
+                  <a:latin typeface="+mn-lt"/>
+                  <a:ea typeface="+mn-ea"/>
+                  <a:cs typeface="+mn-cs"/>
+                </a:defRPr>
+              </a:lvl9pPr>
+            </a:lstStyle>
+            <a:p>
+              <a:pPr algn="ctr"/>
+              <a:r>
+                <a:rPr lang="ko-KR" altLang="en-US" sz="1600" dirty="0" smtClean="0">
+                  <a:solidFill>
+                    <a:schemeClr val="tx1"/>
+                  </a:solidFill>
+                  <a:latin typeface="나눔바른고딕" pitchFamily="50" charset="-127"/>
+                  <a:ea typeface="나눔바른고딕" pitchFamily="50" charset="-127"/>
+                </a:rPr>
+                <a:t>원</a:t>
+              </a:r>
+              <a:r>
+                <a:rPr lang="ko-KR" altLang="en-US" sz="1600" dirty="0">
+                  <a:solidFill>
+                    <a:schemeClr val="tx1"/>
+                  </a:solidFill>
+                  <a:latin typeface="나눔바른고딕" pitchFamily="50" charset="-127"/>
+                  <a:ea typeface="나눔바른고딕" pitchFamily="50" charset="-127"/>
+                </a:rPr>
+                <a:t>격</a:t>
+              </a:r>
+            </a:p>
+          </p:txBody>
+        </p:sp>
+        <p:cxnSp>
+          <p:nvCxnSpPr>
+            <p:cNvPr id="23" name="직선 화살표 연결선 22"/>
+            <p:cNvCxnSpPr/>
+            <p:nvPr/>
+          </p:nvCxnSpPr>
+          <p:spPr>
+            <a:xfrm flipV="1">
+              <a:off x="2411760" y="2787775"/>
+              <a:ext cx="0" cy="576064"/>
+            </a:xfrm>
+            <a:prstGeom prst="straightConnector1">
+              <a:avLst/>
+            </a:prstGeom>
+            <a:ln w="38100">
+              <a:solidFill>
+                <a:srgbClr val="242424"/>
+              </a:solidFill>
+              <a:tailEnd type="arrow"/>
+            </a:ln>
+          </p:spPr>
+          <p:style>
+            <a:lnRef idx="1">
+              <a:schemeClr val="accent1"/>
+            </a:lnRef>
+            <a:fillRef idx="0">
+              <a:schemeClr val="accent1"/>
+            </a:fillRef>
+            <a:effectRef idx="0">
+              <a:schemeClr val="accent1"/>
+            </a:effectRef>
+            <a:fontRef idx="minor">
+              <a:schemeClr val="tx1"/>
+            </a:fontRef>
+          </p:style>
+        </p:cxnSp>
+        <p:sp>
+          <p:nvSpPr>
+            <p:cNvPr id="24" name="모서리가 둥근 직사각형 23"/>
+            <p:cNvSpPr/>
+            <p:nvPr/>
+          </p:nvSpPr>
+          <p:spPr>
+            <a:xfrm>
+              <a:off x="5508104" y="3435847"/>
+              <a:ext cx="2664296" cy="504056"/>
+            </a:xfrm>
+            <a:prstGeom prst="roundRect">
+              <a:avLst/>
+            </a:prstGeom>
+            <a:noFill/>
+            <a:ln>
+              <a:solidFill>
+                <a:srgbClr val="242424"/>
+              </a:solidFill>
+            </a:ln>
+          </p:spPr>
+          <p:style>
+            <a:lnRef idx="2">
+              <a:schemeClr val="accent1">
+                <a:shade val="50000"/>
+              </a:schemeClr>
+            </a:lnRef>
+            <a:fillRef idx="1">
+              <a:schemeClr val="accent1"/>
+            </a:fillRef>
+            <a:effectRef idx="0">
+              <a:schemeClr val="accent1"/>
+            </a:effectRef>
+            <a:fontRef idx="minor">
+              <a:schemeClr val="lt1"/>
+            </a:fontRef>
+          </p:style>
+          <p:txBody>
+            <a:bodyPr rtlCol="0" anchor="ctr"/>
+            <a:lstStyle>
+              <a:defPPr>
+                <a:defRPr lang="ko-KR"/>
+              </a:defPPr>
+              <a:lvl1pPr marL="0" algn="l" defTabSz="914400" rtl="0" eaLnBrk="1" latinLnBrk="1" hangingPunct="1">
+                <a:defRPr sz="1800" kern="1200">
+                  <a:solidFill>
+                    <a:schemeClr val="lt1"/>
+                  </a:solidFill>
+                  <a:latin typeface="+mn-lt"/>
+                  <a:ea typeface="+mn-ea"/>
+                  <a:cs typeface="+mn-cs"/>
+                </a:defRPr>
+              </a:lvl1pPr>
+              <a:lvl2pPr marL="457200" algn="l" defTabSz="914400" rtl="0" eaLnBrk="1" latinLnBrk="1" hangingPunct="1">
+                <a:defRPr sz="1800" kern="1200">
+                  <a:solidFill>
+                    <a:schemeClr val="lt1"/>
+                  </a:solidFill>
+                  <a:latin typeface="+mn-lt"/>
+                  <a:ea typeface="+mn-ea"/>
+                  <a:cs typeface="+mn-cs"/>
+                </a:defRPr>
+              </a:lvl2pPr>
+              <a:lvl3pPr marL="914400" algn="l" defTabSz="914400" rtl="0" eaLnBrk="1" latinLnBrk="1" hangingPunct="1">
+                <a:defRPr sz="1800" kern="1200">
+                  <a:solidFill>
+                    <a:schemeClr val="lt1"/>
+                  </a:solidFill>
+                  <a:latin typeface="+mn-lt"/>
+                  <a:ea typeface="+mn-ea"/>
+                  <a:cs typeface="+mn-cs"/>
+                </a:defRPr>
+              </a:lvl3pPr>
+              <a:lvl4pPr marL="1371600" algn="l" defTabSz="914400" rtl="0" eaLnBrk="1" latinLnBrk="1" hangingPunct="1">
+                <a:defRPr sz="1800" kern="1200">
+                  <a:solidFill>
+                    <a:schemeClr val="lt1"/>
+                  </a:solidFill>
+                  <a:latin typeface="+mn-lt"/>
+                  <a:ea typeface="+mn-ea"/>
+                  <a:cs typeface="+mn-cs"/>
+                </a:defRPr>
+              </a:lvl4pPr>
+              <a:lvl5pPr marL="1828800" algn="l" defTabSz="914400" rtl="0" eaLnBrk="1" latinLnBrk="1" hangingPunct="1">
+                <a:defRPr sz="1800" kern="1200">
+                  <a:solidFill>
+                    <a:schemeClr val="lt1"/>
+                  </a:solidFill>
+                  <a:latin typeface="+mn-lt"/>
+                  <a:ea typeface="+mn-ea"/>
+                  <a:cs typeface="+mn-cs"/>
+                </a:defRPr>
+              </a:lvl5pPr>
+              <a:lvl6pPr marL="2286000" algn="l" defTabSz="914400" rtl="0" eaLnBrk="1" latinLnBrk="1" hangingPunct="1">
+                <a:defRPr sz="1800" kern="1200">
+                  <a:solidFill>
+                    <a:schemeClr val="lt1"/>
+                  </a:solidFill>
+                  <a:latin typeface="+mn-lt"/>
+                  <a:ea typeface="+mn-ea"/>
+                  <a:cs typeface="+mn-cs"/>
+                </a:defRPr>
+              </a:lvl6pPr>
+              <a:lvl7pPr marL="2743200" algn="l" defTabSz="914400" rtl="0" eaLnBrk="1" latinLnBrk="1" hangingPunct="1">
+                <a:defRPr sz="1800" kern="1200">
+                  <a:solidFill>
+                    <a:schemeClr val="lt1"/>
+                  </a:solidFill>
+                  <a:latin typeface="+mn-lt"/>
+                  <a:ea typeface="+mn-ea"/>
+                  <a:cs typeface="+mn-cs"/>
+                </a:defRPr>
+              </a:lvl7pPr>
+              <a:lvl8pPr marL="3200400" algn="l" defTabSz="914400" rtl="0" eaLnBrk="1" latinLnBrk="1" hangingPunct="1">
+                <a:defRPr sz="1800" kern="1200">
+                  <a:solidFill>
+                    <a:schemeClr val="lt1"/>
+                  </a:solidFill>
+                  <a:latin typeface="+mn-lt"/>
+                  <a:ea typeface="+mn-ea"/>
+                  <a:cs typeface="+mn-cs"/>
+                </a:defRPr>
+              </a:lvl8pPr>
+              <a:lvl9pPr marL="3657600" algn="l" defTabSz="914400" rtl="0" eaLnBrk="1" latinLnBrk="1" hangingPunct="1">
+                <a:defRPr sz="1800" kern="1200">
+                  <a:solidFill>
+                    <a:schemeClr val="lt1"/>
+                  </a:solidFill>
+                  <a:latin typeface="+mn-lt"/>
+                  <a:ea typeface="+mn-ea"/>
+                  <a:cs typeface="+mn-cs"/>
+                </a:defRPr>
+              </a:lvl9pPr>
+            </a:lstStyle>
+            <a:p>
+              <a:pPr algn="ctr"/>
+              <a:endParaRPr lang="ko-KR" altLang="en-US" sz="1600" dirty="0">
+                <a:solidFill>
+                  <a:schemeClr val="tx1"/>
+                </a:solidFill>
+                <a:latin typeface="나눔바른고딕" pitchFamily="50" charset="-127"/>
+                <a:ea typeface="나눔바른고딕" pitchFamily="50" charset="-127"/>
+              </a:endParaRPr>
+            </a:p>
+          </p:txBody>
+        </p:sp>
+        <p:sp>
+          <p:nvSpPr>
+            <p:cNvPr id="25" name="순서도: 자기 디스크 24"/>
+            <p:cNvSpPr/>
+            <p:nvPr/>
+          </p:nvSpPr>
+          <p:spPr>
+            <a:xfrm>
+              <a:off x="6372200" y="1851671"/>
+              <a:ext cx="686710" cy="864096"/>
+            </a:xfrm>
+            <a:prstGeom prst="flowChartMagneticDisk">
+              <a:avLst/>
+            </a:prstGeom>
+            <a:noFill/>
+            <a:ln>
+              <a:solidFill>
+                <a:srgbClr val="242424"/>
+              </a:solidFill>
+            </a:ln>
+          </p:spPr>
+          <p:style>
+            <a:lnRef idx="2">
+              <a:schemeClr val="accent1">
+                <a:shade val="50000"/>
+              </a:schemeClr>
+            </a:lnRef>
+            <a:fillRef idx="1">
+              <a:schemeClr val="accent1"/>
+            </a:fillRef>
+            <a:effectRef idx="0">
+              <a:schemeClr val="accent1"/>
+            </a:effectRef>
+            <a:fontRef idx="minor">
+              <a:schemeClr val="lt1"/>
+            </a:fontRef>
+          </p:style>
+          <p:txBody>
+            <a:bodyPr rtlCol="0" anchor="ctr"/>
+            <a:lstStyle>
+              <a:defPPr>
+                <a:defRPr lang="ko-KR"/>
+              </a:defPPr>
+              <a:lvl1pPr marL="0" algn="l" defTabSz="914400" rtl="0" eaLnBrk="1" latinLnBrk="1" hangingPunct="1">
+                <a:defRPr sz="1800" kern="1200">
+                  <a:solidFill>
+                    <a:schemeClr val="lt1"/>
+                  </a:solidFill>
+                  <a:latin typeface="+mn-lt"/>
+                  <a:ea typeface="+mn-ea"/>
+                  <a:cs typeface="+mn-cs"/>
+                </a:defRPr>
+              </a:lvl1pPr>
+              <a:lvl2pPr marL="457200" algn="l" defTabSz="914400" rtl="0" eaLnBrk="1" latinLnBrk="1" hangingPunct="1">
+                <a:defRPr sz="1800" kern="1200">
+                  <a:solidFill>
+                    <a:schemeClr val="lt1"/>
+                  </a:solidFill>
+                  <a:latin typeface="+mn-lt"/>
+                  <a:ea typeface="+mn-ea"/>
+                  <a:cs typeface="+mn-cs"/>
+                </a:defRPr>
+              </a:lvl2pPr>
+              <a:lvl3pPr marL="914400" algn="l" defTabSz="914400" rtl="0" eaLnBrk="1" latinLnBrk="1" hangingPunct="1">
+                <a:defRPr sz="1800" kern="1200">
+                  <a:solidFill>
+                    <a:schemeClr val="lt1"/>
+                  </a:solidFill>
+                  <a:latin typeface="+mn-lt"/>
+                  <a:ea typeface="+mn-ea"/>
+                  <a:cs typeface="+mn-cs"/>
+                </a:defRPr>
+              </a:lvl3pPr>
+              <a:lvl4pPr marL="1371600" algn="l" defTabSz="914400" rtl="0" eaLnBrk="1" latinLnBrk="1" hangingPunct="1">
+                <a:defRPr sz="1800" kern="1200">
+                  <a:solidFill>
+                    <a:schemeClr val="lt1"/>
+                  </a:solidFill>
+                  <a:latin typeface="+mn-lt"/>
+                  <a:ea typeface="+mn-ea"/>
+                  <a:cs typeface="+mn-cs"/>
+                </a:defRPr>
+              </a:lvl4pPr>
+              <a:lvl5pPr marL="1828800" algn="l" defTabSz="914400" rtl="0" eaLnBrk="1" latinLnBrk="1" hangingPunct="1">
+                <a:defRPr sz="1800" kern="1200">
+                  <a:solidFill>
+                    <a:schemeClr val="lt1"/>
+                  </a:solidFill>
+                  <a:latin typeface="+mn-lt"/>
+                  <a:ea typeface="+mn-ea"/>
+                  <a:cs typeface="+mn-cs"/>
+                </a:defRPr>
+              </a:lvl5pPr>
+              <a:lvl6pPr marL="2286000" algn="l" defTabSz="914400" rtl="0" eaLnBrk="1" latinLnBrk="1" hangingPunct="1">
+                <a:defRPr sz="1800" kern="1200">
+                  <a:solidFill>
+                    <a:schemeClr val="lt1"/>
+                  </a:solidFill>
+                  <a:latin typeface="+mn-lt"/>
+                  <a:ea typeface="+mn-ea"/>
+                  <a:cs typeface="+mn-cs"/>
+                </a:defRPr>
+              </a:lvl6pPr>
+              <a:lvl7pPr marL="2743200" algn="l" defTabSz="914400" rtl="0" eaLnBrk="1" latinLnBrk="1" hangingPunct="1">
+                <a:defRPr sz="1800" kern="1200">
+                  <a:solidFill>
+                    <a:schemeClr val="lt1"/>
+                  </a:solidFill>
+                  <a:latin typeface="+mn-lt"/>
+                  <a:ea typeface="+mn-ea"/>
+                  <a:cs typeface="+mn-cs"/>
+                </a:defRPr>
+              </a:lvl7pPr>
+              <a:lvl8pPr marL="3200400" algn="l" defTabSz="914400" rtl="0" eaLnBrk="1" latinLnBrk="1" hangingPunct="1">
+                <a:defRPr sz="1800" kern="1200">
+                  <a:solidFill>
+                    <a:schemeClr val="lt1"/>
+                  </a:solidFill>
+                  <a:latin typeface="+mn-lt"/>
+                  <a:ea typeface="+mn-ea"/>
+                  <a:cs typeface="+mn-cs"/>
+                </a:defRPr>
+              </a:lvl8pPr>
+              <a:lvl9pPr marL="3657600" algn="l" defTabSz="914400" rtl="0" eaLnBrk="1" latinLnBrk="1" hangingPunct="1">
+                <a:defRPr sz="1800" kern="1200">
+                  <a:solidFill>
+                    <a:schemeClr val="lt1"/>
+                  </a:solidFill>
+                  <a:latin typeface="+mn-lt"/>
+                  <a:ea typeface="+mn-ea"/>
+                  <a:cs typeface="+mn-cs"/>
+                </a:defRPr>
+              </a:lvl9pPr>
+            </a:lstStyle>
+            <a:p>
+              <a:pPr algn="ctr"/>
+              <a:r>
+                <a:rPr lang="ko-KR" altLang="en-US" sz="1600" dirty="0" smtClean="0">
+                  <a:solidFill>
+                    <a:schemeClr val="tx1"/>
+                  </a:solidFill>
+                  <a:latin typeface="나눔바른고딕" pitchFamily="50" charset="-127"/>
+                  <a:ea typeface="나눔바른고딕" pitchFamily="50" charset="-127"/>
+                </a:rPr>
+                <a:t>원</a:t>
+              </a:r>
+              <a:r>
+                <a:rPr lang="ko-KR" altLang="en-US" sz="1600" dirty="0">
+                  <a:solidFill>
+                    <a:schemeClr val="tx1"/>
+                  </a:solidFill>
+                  <a:latin typeface="나눔바른고딕" pitchFamily="50" charset="-127"/>
+                  <a:ea typeface="나눔바른고딕" pitchFamily="50" charset="-127"/>
+                </a:rPr>
+                <a:t>격</a:t>
+              </a:r>
+            </a:p>
+          </p:txBody>
+        </p:sp>
+        <p:cxnSp>
+          <p:nvCxnSpPr>
+            <p:cNvPr id="26" name="직선 화살표 연결선 25"/>
+            <p:cNvCxnSpPr/>
+            <p:nvPr/>
+          </p:nvCxnSpPr>
+          <p:spPr>
+            <a:xfrm flipH="1" flipV="1">
+              <a:off x="6876256" y="2787775"/>
+              <a:ext cx="504056" cy="576064"/>
+            </a:xfrm>
+            <a:prstGeom prst="straightConnector1">
+              <a:avLst/>
+            </a:prstGeom>
+            <a:ln w="38100">
+              <a:solidFill>
+                <a:srgbClr val="242424"/>
+              </a:solidFill>
+              <a:tailEnd type="arrow"/>
+            </a:ln>
+          </p:spPr>
+          <p:style>
+            <a:lnRef idx="1">
+              <a:schemeClr val="accent1"/>
+            </a:lnRef>
+            <a:fillRef idx="0">
+              <a:schemeClr val="accent1"/>
+            </a:fillRef>
+            <a:effectRef idx="0">
+              <a:schemeClr val="accent1"/>
+            </a:effectRef>
+            <a:fontRef idx="minor">
+              <a:schemeClr val="tx1"/>
+            </a:fontRef>
+          </p:style>
+        </p:cxnSp>
+        <p:sp>
+          <p:nvSpPr>
+            <p:cNvPr id="27" name="TextBox 41"/>
+            <p:cNvSpPr txBox="1"/>
+            <p:nvPr/>
+          </p:nvSpPr>
+          <p:spPr>
+            <a:xfrm>
+              <a:off x="2555776" y="2931791"/>
+              <a:ext cx="1080120" cy="307777"/>
+            </a:xfrm>
+            <a:prstGeom prst="rect">
+              <a:avLst/>
+            </a:prstGeom>
+            <a:noFill/>
+          </p:spPr>
+          <p:txBody>
+            <a:bodyPr wrap="square" rtlCol="0">
+              <a:spAutoFit/>
+            </a:bodyPr>
+            <a:lstStyle>
+              <a:defPPr>
+                <a:defRPr lang="ko-KR"/>
+              </a:defPPr>
+              <a:lvl1pPr marL="0" algn="l" defTabSz="914400" rtl="0" eaLnBrk="1" latinLnBrk="1" hangingPunct="1">
+                <a:defRPr sz="1800" kern="1200">
+                  <a:solidFill>
+                    <a:schemeClr val="tx1"/>
+                  </a:solidFill>
+                  <a:latin typeface="+mn-lt"/>
+                  <a:ea typeface="+mn-ea"/>
+                  <a:cs typeface="+mn-cs"/>
+                </a:defRPr>
+              </a:lvl1pPr>
+              <a:lvl2pPr marL="457200" algn="l" defTabSz="914400" rtl="0" eaLnBrk="1" latinLnBrk="1" hangingPunct="1">
+                <a:defRPr sz="1800" kern="1200">
+                  <a:solidFill>
+                    <a:schemeClr val="tx1"/>
+                  </a:solidFill>
+                  <a:latin typeface="+mn-lt"/>
+                  <a:ea typeface="+mn-ea"/>
+                  <a:cs typeface="+mn-cs"/>
+                </a:defRPr>
+              </a:lvl2pPr>
+              <a:lvl3pPr marL="914400" algn="l" defTabSz="914400" rtl="0" eaLnBrk="1" latinLnBrk="1" hangingPunct="1">
+                <a:defRPr sz="1800" kern="1200">
+                  <a:solidFill>
+                    <a:schemeClr val="tx1"/>
+                  </a:solidFill>
+                  <a:latin typeface="+mn-lt"/>
+                  <a:ea typeface="+mn-ea"/>
+                  <a:cs typeface="+mn-cs"/>
+                </a:defRPr>
+              </a:lvl3pPr>
+              <a:lvl4pPr marL="1371600" algn="l" defTabSz="914400" rtl="0" eaLnBrk="1" latinLnBrk="1" hangingPunct="1">
+                <a:defRPr sz="1800" kern="1200">
+                  <a:solidFill>
+                    <a:schemeClr val="tx1"/>
+                  </a:solidFill>
+                  <a:latin typeface="+mn-lt"/>
+                  <a:ea typeface="+mn-ea"/>
+                  <a:cs typeface="+mn-cs"/>
+                </a:defRPr>
+              </a:lvl4pPr>
+              <a:lvl5pPr marL="1828800" algn="l" defTabSz="914400" rtl="0" eaLnBrk="1" latinLnBrk="1" hangingPunct="1">
+                <a:defRPr sz="1800" kern="1200">
+                  <a:solidFill>
+                    <a:schemeClr val="tx1"/>
+                  </a:solidFill>
+                  <a:latin typeface="+mn-lt"/>
+                  <a:ea typeface="+mn-ea"/>
+                  <a:cs typeface="+mn-cs"/>
+                </a:defRPr>
+              </a:lvl5pPr>
+              <a:lvl6pPr marL="2286000" algn="l" defTabSz="914400" rtl="0" eaLnBrk="1" latinLnBrk="1" hangingPunct="1">
+                <a:defRPr sz="1800" kern="1200">
+                  <a:solidFill>
+                    <a:schemeClr val="tx1"/>
+                  </a:solidFill>
+                  <a:latin typeface="+mn-lt"/>
+                  <a:ea typeface="+mn-ea"/>
+                  <a:cs typeface="+mn-cs"/>
+                </a:defRPr>
+              </a:lvl6pPr>
+              <a:lvl7pPr marL="2743200" algn="l" defTabSz="914400" rtl="0" eaLnBrk="1" latinLnBrk="1" hangingPunct="1">
+                <a:defRPr sz="1800" kern="1200">
+                  <a:solidFill>
+                    <a:schemeClr val="tx1"/>
+                  </a:solidFill>
+                  <a:latin typeface="+mn-lt"/>
+                  <a:ea typeface="+mn-ea"/>
+                  <a:cs typeface="+mn-cs"/>
+                </a:defRPr>
+              </a:lvl7pPr>
+              <a:lvl8pPr marL="3200400" algn="l" defTabSz="914400" rtl="0" eaLnBrk="1" latinLnBrk="1" hangingPunct="1">
+                <a:defRPr sz="1800" kern="1200">
+                  <a:solidFill>
+                    <a:schemeClr val="tx1"/>
+                  </a:solidFill>
+                  <a:latin typeface="+mn-lt"/>
+                  <a:ea typeface="+mn-ea"/>
+                  <a:cs typeface="+mn-cs"/>
+                </a:defRPr>
+              </a:lvl8pPr>
+              <a:lvl9pPr marL="3657600" algn="l" defTabSz="914400" rtl="0" eaLnBrk="1" latinLnBrk="1" hangingPunct="1">
+                <a:defRPr sz="1800" kern="1200">
+                  <a:solidFill>
+                    <a:schemeClr val="tx1"/>
+                  </a:solidFill>
+                  <a:latin typeface="+mn-lt"/>
+                  <a:ea typeface="+mn-ea"/>
+                  <a:cs typeface="+mn-cs"/>
+                </a:defRPr>
+              </a:lvl9pPr>
+            </a:lstStyle>
+            <a:p>
+              <a:r>
+                <a:rPr lang="en-US" altLang="ko-KR" sz="1400" dirty="0" smtClean="0">
+                  <a:latin typeface="나눔바른고딕" pitchFamily="50" charset="-127"/>
+                  <a:ea typeface="나눔바른고딕" pitchFamily="50" charset="-127"/>
+                </a:rPr>
+                <a:t>commit</a:t>
+              </a:r>
+              <a:endParaRPr lang="ko-KR" altLang="en-US" sz="1600" dirty="0">
+                <a:latin typeface="나눔바른고딕" pitchFamily="50" charset="-127"/>
+                <a:ea typeface="나눔바른고딕" pitchFamily="50" charset="-127"/>
+              </a:endParaRPr>
+            </a:p>
+          </p:txBody>
+        </p:sp>
+        <p:sp>
+          <p:nvSpPr>
+            <p:cNvPr id="28" name="TextBox 43"/>
+            <p:cNvSpPr txBox="1"/>
+            <p:nvPr/>
+          </p:nvSpPr>
+          <p:spPr>
+            <a:xfrm>
+              <a:off x="7236296" y="2787775"/>
+              <a:ext cx="1080120" cy="307777"/>
+            </a:xfrm>
+            <a:prstGeom prst="rect">
+              <a:avLst/>
+            </a:prstGeom>
+            <a:noFill/>
+          </p:spPr>
+          <p:txBody>
+            <a:bodyPr wrap="square" rtlCol="0">
+              <a:spAutoFit/>
+            </a:bodyPr>
+            <a:lstStyle>
+              <a:defPPr>
+                <a:defRPr lang="ko-KR"/>
+              </a:defPPr>
+              <a:lvl1pPr marL="0" algn="l" defTabSz="914400" rtl="0" eaLnBrk="1" latinLnBrk="1" hangingPunct="1">
+                <a:defRPr sz="1800" kern="1200">
+                  <a:solidFill>
+                    <a:schemeClr val="tx1"/>
+                  </a:solidFill>
+                  <a:latin typeface="+mn-lt"/>
+                  <a:ea typeface="+mn-ea"/>
+                  <a:cs typeface="+mn-cs"/>
+                </a:defRPr>
+              </a:lvl1pPr>
+              <a:lvl2pPr marL="457200" algn="l" defTabSz="914400" rtl="0" eaLnBrk="1" latinLnBrk="1" hangingPunct="1">
+                <a:defRPr sz="1800" kern="1200">
+                  <a:solidFill>
+                    <a:schemeClr val="tx1"/>
+                  </a:solidFill>
+                  <a:latin typeface="+mn-lt"/>
+                  <a:ea typeface="+mn-ea"/>
+                  <a:cs typeface="+mn-cs"/>
+                </a:defRPr>
+              </a:lvl2pPr>
+              <a:lvl3pPr marL="914400" algn="l" defTabSz="914400" rtl="0" eaLnBrk="1" latinLnBrk="1" hangingPunct="1">
+                <a:defRPr sz="1800" kern="1200">
+                  <a:solidFill>
+                    <a:schemeClr val="tx1"/>
+                  </a:solidFill>
+                  <a:latin typeface="+mn-lt"/>
+                  <a:ea typeface="+mn-ea"/>
+                  <a:cs typeface="+mn-cs"/>
+                </a:defRPr>
+              </a:lvl3pPr>
+              <a:lvl4pPr marL="1371600" algn="l" defTabSz="914400" rtl="0" eaLnBrk="1" latinLnBrk="1" hangingPunct="1">
+                <a:defRPr sz="1800" kern="1200">
+                  <a:solidFill>
+                    <a:schemeClr val="tx1"/>
+                  </a:solidFill>
+                  <a:latin typeface="+mn-lt"/>
+                  <a:ea typeface="+mn-ea"/>
+                  <a:cs typeface="+mn-cs"/>
+                </a:defRPr>
+              </a:lvl4pPr>
+              <a:lvl5pPr marL="1828800" algn="l" defTabSz="914400" rtl="0" eaLnBrk="1" latinLnBrk="1" hangingPunct="1">
+                <a:defRPr sz="1800" kern="1200">
+                  <a:solidFill>
+                    <a:schemeClr val="tx1"/>
+                  </a:solidFill>
+                  <a:latin typeface="+mn-lt"/>
+                  <a:ea typeface="+mn-ea"/>
+                  <a:cs typeface="+mn-cs"/>
+                </a:defRPr>
+              </a:lvl5pPr>
+              <a:lvl6pPr marL="2286000" algn="l" defTabSz="914400" rtl="0" eaLnBrk="1" latinLnBrk="1" hangingPunct="1">
+                <a:defRPr sz="1800" kern="1200">
+                  <a:solidFill>
+                    <a:schemeClr val="tx1"/>
+                  </a:solidFill>
+                  <a:latin typeface="+mn-lt"/>
+                  <a:ea typeface="+mn-ea"/>
+                  <a:cs typeface="+mn-cs"/>
+                </a:defRPr>
+              </a:lvl6pPr>
+              <a:lvl7pPr marL="2743200" algn="l" defTabSz="914400" rtl="0" eaLnBrk="1" latinLnBrk="1" hangingPunct="1">
+                <a:defRPr sz="1800" kern="1200">
+                  <a:solidFill>
+                    <a:schemeClr val="tx1"/>
+                  </a:solidFill>
+                  <a:latin typeface="+mn-lt"/>
+                  <a:ea typeface="+mn-ea"/>
+                  <a:cs typeface="+mn-cs"/>
+                </a:defRPr>
+              </a:lvl7pPr>
+              <a:lvl8pPr marL="3200400" algn="l" defTabSz="914400" rtl="0" eaLnBrk="1" latinLnBrk="1" hangingPunct="1">
+                <a:defRPr sz="1800" kern="1200">
+                  <a:solidFill>
+                    <a:schemeClr val="tx1"/>
+                  </a:solidFill>
+                  <a:latin typeface="+mn-lt"/>
+                  <a:ea typeface="+mn-ea"/>
+                  <a:cs typeface="+mn-cs"/>
+                </a:defRPr>
+              </a:lvl8pPr>
+              <a:lvl9pPr marL="3657600" algn="l" defTabSz="914400" rtl="0" eaLnBrk="1" latinLnBrk="1" hangingPunct="1">
+                <a:defRPr sz="1800" kern="1200">
+                  <a:solidFill>
+                    <a:schemeClr val="tx1"/>
+                  </a:solidFill>
+                  <a:latin typeface="+mn-lt"/>
+                  <a:ea typeface="+mn-ea"/>
+                  <a:cs typeface="+mn-cs"/>
+                </a:defRPr>
+              </a:lvl9pPr>
+            </a:lstStyle>
+            <a:p>
+              <a:r>
+                <a:rPr lang="en-US" altLang="ko-KR" sz="1400" dirty="0" smtClean="0">
+                  <a:latin typeface="나눔바른고딕" pitchFamily="50" charset="-127"/>
+                  <a:ea typeface="나눔바른고딕" pitchFamily="50" charset="-127"/>
+                </a:rPr>
+                <a:t>push</a:t>
+              </a:r>
+              <a:endParaRPr lang="ko-KR" altLang="en-US" sz="1400" dirty="0">
+                <a:latin typeface="나눔바른고딕" pitchFamily="50" charset="-127"/>
+                <a:ea typeface="나눔바른고딕" pitchFamily="50" charset="-127"/>
+              </a:endParaRPr>
+            </a:p>
+          </p:txBody>
+        </p:sp>
+        <p:sp>
+          <p:nvSpPr>
+            <p:cNvPr id="29" name="모서리가 둥근 직사각형 28"/>
+            <p:cNvSpPr/>
+            <p:nvPr/>
+          </p:nvSpPr>
+          <p:spPr>
+            <a:xfrm>
+              <a:off x="7335000" y="3469217"/>
+              <a:ext cx="792088" cy="432048"/>
+            </a:xfrm>
+            <a:prstGeom prst="roundRect">
+              <a:avLst/>
+            </a:prstGeom>
+            <a:noFill/>
+            <a:ln>
+              <a:solidFill>
+                <a:srgbClr val="242424"/>
+              </a:solidFill>
+            </a:ln>
+          </p:spPr>
+          <p:style>
+            <a:lnRef idx="2">
+              <a:schemeClr val="accent1">
+                <a:shade val="50000"/>
+              </a:schemeClr>
+            </a:lnRef>
+            <a:fillRef idx="1">
+              <a:schemeClr val="accent1"/>
+            </a:fillRef>
+            <a:effectRef idx="0">
+              <a:schemeClr val="accent1"/>
+            </a:effectRef>
+            <a:fontRef idx="minor">
+              <a:schemeClr val="lt1"/>
+            </a:fontRef>
+          </p:style>
+          <p:txBody>
+            <a:bodyPr rtlCol="0" anchor="ctr"/>
+            <a:lstStyle>
+              <a:defPPr>
+                <a:defRPr lang="ko-KR"/>
+              </a:defPPr>
+              <a:lvl1pPr marL="0" algn="l" defTabSz="914400" rtl="0" eaLnBrk="1" latinLnBrk="1" hangingPunct="1">
+                <a:defRPr sz="1800" kern="1200">
+                  <a:solidFill>
+                    <a:schemeClr val="lt1"/>
+                  </a:solidFill>
+                  <a:latin typeface="+mn-lt"/>
+                  <a:ea typeface="+mn-ea"/>
+                  <a:cs typeface="+mn-cs"/>
+                </a:defRPr>
+              </a:lvl1pPr>
+              <a:lvl2pPr marL="457200" algn="l" defTabSz="914400" rtl="0" eaLnBrk="1" latinLnBrk="1" hangingPunct="1">
+                <a:defRPr sz="1800" kern="1200">
+                  <a:solidFill>
+                    <a:schemeClr val="lt1"/>
+                  </a:solidFill>
+                  <a:latin typeface="+mn-lt"/>
+                  <a:ea typeface="+mn-ea"/>
+                  <a:cs typeface="+mn-cs"/>
+                </a:defRPr>
+              </a:lvl2pPr>
+              <a:lvl3pPr marL="914400" algn="l" defTabSz="914400" rtl="0" eaLnBrk="1" latinLnBrk="1" hangingPunct="1">
+                <a:defRPr sz="1800" kern="1200">
+                  <a:solidFill>
+                    <a:schemeClr val="lt1"/>
+                  </a:solidFill>
+                  <a:latin typeface="+mn-lt"/>
+                  <a:ea typeface="+mn-ea"/>
+                  <a:cs typeface="+mn-cs"/>
+                </a:defRPr>
+              </a:lvl3pPr>
+              <a:lvl4pPr marL="1371600" algn="l" defTabSz="914400" rtl="0" eaLnBrk="1" latinLnBrk="1" hangingPunct="1">
+                <a:defRPr sz="1800" kern="1200">
+                  <a:solidFill>
+                    <a:schemeClr val="lt1"/>
+                  </a:solidFill>
+                  <a:latin typeface="+mn-lt"/>
+                  <a:ea typeface="+mn-ea"/>
+                  <a:cs typeface="+mn-cs"/>
+                </a:defRPr>
+              </a:lvl4pPr>
+              <a:lvl5pPr marL="1828800" algn="l" defTabSz="914400" rtl="0" eaLnBrk="1" latinLnBrk="1" hangingPunct="1">
+                <a:defRPr sz="1800" kern="1200">
+                  <a:solidFill>
+                    <a:schemeClr val="lt1"/>
+                  </a:solidFill>
+                  <a:latin typeface="+mn-lt"/>
+                  <a:ea typeface="+mn-ea"/>
+                  <a:cs typeface="+mn-cs"/>
+                </a:defRPr>
+              </a:lvl5pPr>
+              <a:lvl6pPr marL="2286000" algn="l" defTabSz="914400" rtl="0" eaLnBrk="1" latinLnBrk="1" hangingPunct="1">
+                <a:defRPr sz="1800" kern="1200">
+                  <a:solidFill>
+                    <a:schemeClr val="lt1"/>
+                  </a:solidFill>
+                  <a:latin typeface="+mn-lt"/>
+                  <a:ea typeface="+mn-ea"/>
+                  <a:cs typeface="+mn-cs"/>
+                </a:defRPr>
+              </a:lvl6pPr>
+              <a:lvl7pPr marL="2743200" algn="l" defTabSz="914400" rtl="0" eaLnBrk="1" latinLnBrk="1" hangingPunct="1">
+                <a:defRPr sz="1800" kern="1200">
+                  <a:solidFill>
+                    <a:schemeClr val="lt1"/>
+                  </a:solidFill>
+                  <a:latin typeface="+mn-lt"/>
+                  <a:ea typeface="+mn-ea"/>
+                  <a:cs typeface="+mn-cs"/>
+                </a:defRPr>
+              </a:lvl7pPr>
+              <a:lvl8pPr marL="3200400" algn="l" defTabSz="914400" rtl="0" eaLnBrk="1" latinLnBrk="1" hangingPunct="1">
+                <a:defRPr sz="1800" kern="1200">
+                  <a:solidFill>
+                    <a:schemeClr val="lt1"/>
+                  </a:solidFill>
+                  <a:latin typeface="+mn-lt"/>
+                  <a:ea typeface="+mn-ea"/>
+                  <a:cs typeface="+mn-cs"/>
+                </a:defRPr>
+              </a:lvl8pPr>
+              <a:lvl9pPr marL="3657600" algn="l" defTabSz="914400" rtl="0" eaLnBrk="1" latinLnBrk="1" hangingPunct="1">
+                <a:defRPr sz="1800" kern="1200">
+                  <a:solidFill>
+                    <a:schemeClr val="lt1"/>
+                  </a:solidFill>
+                  <a:latin typeface="+mn-lt"/>
+                  <a:ea typeface="+mn-ea"/>
+                  <a:cs typeface="+mn-cs"/>
+                </a:defRPr>
+              </a:lvl9pPr>
+            </a:lstStyle>
+            <a:p>
+              <a:pPr algn="ctr"/>
+              <a:r>
+                <a:rPr lang="ko-KR" altLang="en-US" sz="1600" dirty="0" smtClean="0">
+                  <a:solidFill>
+                    <a:schemeClr val="tx1"/>
+                  </a:solidFill>
+                  <a:latin typeface="나눔바른고딕" pitchFamily="50" charset="-127"/>
+                  <a:ea typeface="나눔바른고딕" pitchFamily="50" charset="-127"/>
+                </a:rPr>
+                <a:t>로</a:t>
+              </a:r>
+              <a:r>
+                <a:rPr lang="ko-KR" altLang="en-US" sz="1600" dirty="0">
+                  <a:solidFill>
+                    <a:schemeClr val="tx1"/>
+                  </a:solidFill>
+                  <a:latin typeface="나눔바른고딕" pitchFamily="50" charset="-127"/>
+                  <a:ea typeface="나눔바른고딕" pitchFamily="50" charset="-127"/>
+                </a:rPr>
+                <a:t>컬</a:t>
+              </a:r>
+            </a:p>
+          </p:txBody>
+        </p:sp>
+        <p:cxnSp>
+          <p:nvCxnSpPr>
+            <p:cNvPr id="30" name="직선 화살표 연결선 29"/>
+            <p:cNvCxnSpPr/>
+            <p:nvPr/>
+          </p:nvCxnSpPr>
+          <p:spPr>
+            <a:xfrm>
+              <a:off x="6804248" y="3606559"/>
+              <a:ext cx="369641" cy="0"/>
+            </a:xfrm>
+            <a:prstGeom prst="straightConnector1">
+              <a:avLst/>
+            </a:prstGeom>
+            <a:ln w="38100">
+              <a:solidFill>
+                <a:srgbClr val="242424"/>
+              </a:solidFill>
+              <a:tailEnd type="arrow"/>
+            </a:ln>
+          </p:spPr>
+          <p:style>
+            <a:lnRef idx="1">
+              <a:schemeClr val="accent1"/>
+            </a:lnRef>
+            <a:fillRef idx="0">
+              <a:schemeClr val="accent1"/>
+            </a:fillRef>
+            <a:effectRef idx="0">
+              <a:schemeClr val="accent1"/>
+            </a:effectRef>
+            <a:fontRef idx="minor">
+              <a:schemeClr val="tx1"/>
+            </a:fontRef>
+          </p:style>
+        </p:cxnSp>
+        <p:sp>
+          <p:nvSpPr>
+            <p:cNvPr id="31" name="TextBox 52"/>
+            <p:cNvSpPr txBox="1"/>
+            <p:nvPr/>
+          </p:nvSpPr>
+          <p:spPr>
+            <a:xfrm>
+              <a:off x="6660232" y="3670487"/>
+              <a:ext cx="792088" cy="261610"/>
+            </a:xfrm>
+            <a:prstGeom prst="rect">
+              <a:avLst/>
+            </a:prstGeom>
+            <a:noFill/>
+          </p:spPr>
+          <p:txBody>
+            <a:bodyPr wrap="square" rtlCol="0">
+              <a:spAutoFit/>
+            </a:bodyPr>
+            <a:lstStyle>
+              <a:defPPr>
+                <a:defRPr lang="ko-KR"/>
+              </a:defPPr>
+              <a:lvl1pPr marL="0" algn="l" defTabSz="914400" rtl="0" eaLnBrk="1" latinLnBrk="1" hangingPunct="1">
+                <a:defRPr sz="1800" kern="1200">
+                  <a:solidFill>
+                    <a:schemeClr val="tx1"/>
+                  </a:solidFill>
+                  <a:latin typeface="+mn-lt"/>
+                  <a:ea typeface="+mn-ea"/>
+                  <a:cs typeface="+mn-cs"/>
+                </a:defRPr>
+              </a:lvl1pPr>
+              <a:lvl2pPr marL="457200" algn="l" defTabSz="914400" rtl="0" eaLnBrk="1" latinLnBrk="1" hangingPunct="1">
+                <a:defRPr sz="1800" kern="1200">
+                  <a:solidFill>
+                    <a:schemeClr val="tx1"/>
+                  </a:solidFill>
+                  <a:latin typeface="+mn-lt"/>
+                  <a:ea typeface="+mn-ea"/>
+                  <a:cs typeface="+mn-cs"/>
+                </a:defRPr>
+              </a:lvl2pPr>
+              <a:lvl3pPr marL="914400" algn="l" defTabSz="914400" rtl="0" eaLnBrk="1" latinLnBrk="1" hangingPunct="1">
+                <a:defRPr sz="1800" kern="1200">
+                  <a:solidFill>
+                    <a:schemeClr val="tx1"/>
+                  </a:solidFill>
+                  <a:latin typeface="+mn-lt"/>
+                  <a:ea typeface="+mn-ea"/>
+                  <a:cs typeface="+mn-cs"/>
+                </a:defRPr>
+              </a:lvl3pPr>
+              <a:lvl4pPr marL="1371600" algn="l" defTabSz="914400" rtl="0" eaLnBrk="1" latinLnBrk="1" hangingPunct="1">
+                <a:defRPr sz="1800" kern="1200">
+                  <a:solidFill>
+                    <a:schemeClr val="tx1"/>
+                  </a:solidFill>
+                  <a:latin typeface="+mn-lt"/>
+                  <a:ea typeface="+mn-ea"/>
+                  <a:cs typeface="+mn-cs"/>
+                </a:defRPr>
+              </a:lvl4pPr>
+              <a:lvl5pPr marL="1828800" algn="l" defTabSz="914400" rtl="0" eaLnBrk="1" latinLnBrk="1" hangingPunct="1">
+                <a:defRPr sz="1800" kern="1200">
+                  <a:solidFill>
+                    <a:schemeClr val="tx1"/>
+                  </a:solidFill>
+                  <a:latin typeface="+mn-lt"/>
+                  <a:ea typeface="+mn-ea"/>
+                  <a:cs typeface="+mn-cs"/>
+                </a:defRPr>
+              </a:lvl5pPr>
+              <a:lvl6pPr marL="2286000" algn="l" defTabSz="914400" rtl="0" eaLnBrk="1" latinLnBrk="1" hangingPunct="1">
+                <a:defRPr sz="1800" kern="1200">
+                  <a:solidFill>
+                    <a:schemeClr val="tx1"/>
+                  </a:solidFill>
+                  <a:latin typeface="+mn-lt"/>
+                  <a:ea typeface="+mn-ea"/>
+                  <a:cs typeface="+mn-cs"/>
+                </a:defRPr>
+              </a:lvl6pPr>
+              <a:lvl7pPr marL="2743200" algn="l" defTabSz="914400" rtl="0" eaLnBrk="1" latinLnBrk="1" hangingPunct="1">
+                <a:defRPr sz="1800" kern="1200">
+                  <a:solidFill>
+                    <a:schemeClr val="tx1"/>
+                  </a:solidFill>
+                  <a:latin typeface="+mn-lt"/>
+                  <a:ea typeface="+mn-ea"/>
+                  <a:cs typeface="+mn-cs"/>
+                </a:defRPr>
+              </a:lvl7pPr>
+              <a:lvl8pPr marL="3200400" algn="l" defTabSz="914400" rtl="0" eaLnBrk="1" latinLnBrk="1" hangingPunct="1">
+                <a:defRPr sz="1800" kern="1200">
+                  <a:solidFill>
+                    <a:schemeClr val="tx1"/>
+                  </a:solidFill>
+                  <a:latin typeface="+mn-lt"/>
+                  <a:ea typeface="+mn-ea"/>
+                  <a:cs typeface="+mn-cs"/>
+                </a:defRPr>
+              </a:lvl8pPr>
+              <a:lvl9pPr marL="3657600" algn="l" defTabSz="914400" rtl="0" eaLnBrk="1" latinLnBrk="1" hangingPunct="1">
+                <a:defRPr sz="1800" kern="1200">
+                  <a:solidFill>
+                    <a:schemeClr val="tx1"/>
+                  </a:solidFill>
+                  <a:latin typeface="+mn-lt"/>
+                  <a:ea typeface="+mn-ea"/>
+                  <a:cs typeface="+mn-cs"/>
+                </a:defRPr>
+              </a:lvl9pPr>
+            </a:lstStyle>
+            <a:p>
+              <a:r>
+                <a:rPr lang="en-US" altLang="ko-KR" sz="1100" dirty="0" smtClean="0">
+                  <a:latin typeface="나눔바른고딕" pitchFamily="50" charset="-127"/>
+                  <a:ea typeface="나눔바른고딕" pitchFamily="50" charset="-127"/>
+                </a:rPr>
+                <a:t>commit</a:t>
+              </a:r>
+              <a:endParaRPr lang="ko-KR" altLang="en-US" sz="1100" dirty="0">
+                <a:latin typeface="나눔바른고딕" pitchFamily="50" charset="-127"/>
+                <a:ea typeface="나눔바른고딕" pitchFamily="50" charset="-127"/>
+              </a:endParaRPr>
+            </a:p>
+          </p:txBody>
+        </p:sp>
+        <p:sp>
+          <p:nvSpPr>
+            <p:cNvPr id="32" name="TextBox 53"/>
+            <p:cNvSpPr txBox="1"/>
+            <p:nvPr/>
+          </p:nvSpPr>
+          <p:spPr>
+            <a:xfrm>
+              <a:off x="4788024" y="3579863"/>
+              <a:ext cx="1008112" cy="261610"/>
+            </a:xfrm>
+            <a:prstGeom prst="rect">
+              <a:avLst/>
+            </a:prstGeom>
+            <a:noFill/>
+          </p:spPr>
+          <p:txBody>
+            <a:bodyPr wrap="square" rtlCol="0">
+              <a:spAutoFit/>
+            </a:bodyPr>
+            <a:lstStyle>
+              <a:defPPr>
+                <a:defRPr lang="ko-KR"/>
+              </a:defPPr>
+              <a:lvl1pPr marL="0" algn="l" defTabSz="914400" rtl="0" eaLnBrk="1" latinLnBrk="1" hangingPunct="1">
+                <a:defRPr sz="1800" kern="1200">
+                  <a:solidFill>
+                    <a:schemeClr val="tx1"/>
+                  </a:solidFill>
+                  <a:latin typeface="+mn-lt"/>
+                  <a:ea typeface="+mn-ea"/>
+                  <a:cs typeface="+mn-cs"/>
+                </a:defRPr>
+              </a:lvl1pPr>
+              <a:lvl2pPr marL="457200" algn="l" defTabSz="914400" rtl="0" eaLnBrk="1" latinLnBrk="1" hangingPunct="1">
+                <a:defRPr sz="1800" kern="1200">
+                  <a:solidFill>
+                    <a:schemeClr val="tx1"/>
+                  </a:solidFill>
+                  <a:latin typeface="+mn-lt"/>
+                  <a:ea typeface="+mn-ea"/>
+                  <a:cs typeface="+mn-cs"/>
+                </a:defRPr>
+              </a:lvl2pPr>
+              <a:lvl3pPr marL="914400" algn="l" defTabSz="914400" rtl="0" eaLnBrk="1" latinLnBrk="1" hangingPunct="1">
+                <a:defRPr sz="1800" kern="1200">
+                  <a:solidFill>
+                    <a:schemeClr val="tx1"/>
+                  </a:solidFill>
+                  <a:latin typeface="+mn-lt"/>
+                  <a:ea typeface="+mn-ea"/>
+                  <a:cs typeface="+mn-cs"/>
+                </a:defRPr>
+              </a:lvl3pPr>
+              <a:lvl4pPr marL="1371600" algn="l" defTabSz="914400" rtl="0" eaLnBrk="1" latinLnBrk="1" hangingPunct="1">
+                <a:defRPr sz="1800" kern="1200">
+                  <a:solidFill>
+                    <a:schemeClr val="tx1"/>
+                  </a:solidFill>
+                  <a:latin typeface="+mn-lt"/>
+                  <a:ea typeface="+mn-ea"/>
+                  <a:cs typeface="+mn-cs"/>
+                </a:defRPr>
+              </a:lvl4pPr>
+              <a:lvl5pPr marL="1828800" algn="l" defTabSz="914400" rtl="0" eaLnBrk="1" latinLnBrk="1" hangingPunct="1">
+                <a:defRPr sz="1800" kern="1200">
+                  <a:solidFill>
+                    <a:schemeClr val="tx1"/>
+                  </a:solidFill>
+                  <a:latin typeface="+mn-lt"/>
+                  <a:ea typeface="+mn-ea"/>
+                  <a:cs typeface="+mn-cs"/>
+                </a:defRPr>
+              </a:lvl5pPr>
+              <a:lvl6pPr marL="2286000" algn="l" defTabSz="914400" rtl="0" eaLnBrk="1" latinLnBrk="1" hangingPunct="1">
+                <a:defRPr sz="1800" kern="1200">
+                  <a:solidFill>
+                    <a:schemeClr val="tx1"/>
+                  </a:solidFill>
+                  <a:latin typeface="+mn-lt"/>
+                  <a:ea typeface="+mn-ea"/>
+                  <a:cs typeface="+mn-cs"/>
+                </a:defRPr>
+              </a:lvl6pPr>
+              <a:lvl7pPr marL="2743200" algn="l" defTabSz="914400" rtl="0" eaLnBrk="1" latinLnBrk="1" hangingPunct="1">
+                <a:defRPr sz="1800" kern="1200">
+                  <a:solidFill>
+                    <a:schemeClr val="tx1"/>
+                  </a:solidFill>
+                  <a:latin typeface="+mn-lt"/>
+                  <a:ea typeface="+mn-ea"/>
+                  <a:cs typeface="+mn-cs"/>
+                </a:defRPr>
+              </a:lvl7pPr>
+              <a:lvl8pPr marL="3200400" algn="l" defTabSz="914400" rtl="0" eaLnBrk="1" latinLnBrk="1" hangingPunct="1">
+                <a:defRPr sz="1800" kern="1200">
+                  <a:solidFill>
+                    <a:schemeClr val="tx1"/>
+                  </a:solidFill>
+                  <a:latin typeface="+mn-lt"/>
+                  <a:ea typeface="+mn-ea"/>
+                  <a:cs typeface="+mn-cs"/>
+                </a:defRPr>
+              </a:lvl8pPr>
+              <a:lvl9pPr marL="3657600" algn="l" defTabSz="914400" rtl="0" eaLnBrk="1" latinLnBrk="1" hangingPunct="1">
+                <a:defRPr sz="1800" kern="1200">
+                  <a:solidFill>
+                    <a:schemeClr val="tx1"/>
+                  </a:solidFill>
+                  <a:latin typeface="+mn-lt"/>
+                  <a:ea typeface="+mn-ea"/>
+                  <a:cs typeface="+mn-cs"/>
+                </a:defRPr>
+              </a:lvl9pPr>
+            </a:lstStyle>
+            <a:p>
+              <a:r>
+                <a:rPr lang="ko-KR" altLang="en-US" sz="1100" dirty="0" smtClean="0">
+                  <a:latin typeface="나눔바른고딕" pitchFamily="50" charset="-127"/>
+                  <a:ea typeface="나눔바른고딕" pitchFamily="50" charset="-127"/>
+                </a:rPr>
+                <a:t>내 컴퓨터</a:t>
+              </a:r>
+              <a:endParaRPr lang="ko-KR" altLang="en-US" sz="1100" dirty="0">
+                <a:latin typeface="나눔바른고딕" pitchFamily="50" charset="-127"/>
+                <a:ea typeface="나눔바른고딕" pitchFamily="50" charset="-127"/>
+              </a:endParaRPr>
+            </a:p>
+          </p:txBody>
+        </p:sp>
+        <p:sp>
+          <p:nvSpPr>
+            <p:cNvPr id="33" name="TextBox 54"/>
+            <p:cNvSpPr txBox="1"/>
+            <p:nvPr/>
+          </p:nvSpPr>
+          <p:spPr>
+            <a:xfrm>
+              <a:off x="1115616" y="3579863"/>
+              <a:ext cx="1008112" cy="261610"/>
+            </a:xfrm>
+            <a:prstGeom prst="rect">
+              <a:avLst/>
+            </a:prstGeom>
+            <a:noFill/>
+          </p:spPr>
+          <p:txBody>
+            <a:bodyPr wrap="square" rtlCol="0">
+              <a:spAutoFit/>
+            </a:bodyPr>
+            <a:lstStyle>
+              <a:defPPr>
+                <a:defRPr lang="ko-KR"/>
+              </a:defPPr>
+              <a:lvl1pPr marL="0" algn="l" defTabSz="914400" rtl="0" eaLnBrk="1" latinLnBrk="1" hangingPunct="1">
+                <a:defRPr sz="1800" kern="1200">
+                  <a:solidFill>
+                    <a:schemeClr val="tx1"/>
+                  </a:solidFill>
+                  <a:latin typeface="+mn-lt"/>
+                  <a:ea typeface="+mn-ea"/>
+                  <a:cs typeface="+mn-cs"/>
+                </a:defRPr>
+              </a:lvl1pPr>
+              <a:lvl2pPr marL="457200" algn="l" defTabSz="914400" rtl="0" eaLnBrk="1" latinLnBrk="1" hangingPunct="1">
+                <a:defRPr sz="1800" kern="1200">
+                  <a:solidFill>
+                    <a:schemeClr val="tx1"/>
+                  </a:solidFill>
+                  <a:latin typeface="+mn-lt"/>
+                  <a:ea typeface="+mn-ea"/>
+                  <a:cs typeface="+mn-cs"/>
+                </a:defRPr>
+              </a:lvl2pPr>
+              <a:lvl3pPr marL="914400" algn="l" defTabSz="914400" rtl="0" eaLnBrk="1" latinLnBrk="1" hangingPunct="1">
+                <a:defRPr sz="1800" kern="1200">
+                  <a:solidFill>
+                    <a:schemeClr val="tx1"/>
+                  </a:solidFill>
+                  <a:latin typeface="+mn-lt"/>
+                  <a:ea typeface="+mn-ea"/>
+                  <a:cs typeface="+mn-cs"/>
+                </a:defRPr>
+              </a:lvl3pPr>
+              <a:lvl4pPr marL="1371600" algn="l" defTabSz="914400" rtl="0" eaLnBrk="1" latinLnBrk="1" hangingPunct="1">
+                <a:defRPr sz="1800" kern="1200">
+                  <a:solidFill>
+                    <a:schemeClr val="tx1"/>
+                  </a:solidFill>
+                  <a:latin typeface="+mn-lt"/>
+                  <a:ea typeface="+mn-ea"/>
+                  <a:cs typeface="+mn-cs"/>
+                </a:defRPr>
+              </a:lvl4pPr>
+              <a:lvl5pPr marL="1828800" algn="l" defTabSz="914400" rtl="0" eaLnBrk="1" latinLnBrk="1" hangingPunct="1">
+                <a:defRPr sz="1800" kern="1200">
+                  <a:solidFill>
+                    <a:schemeClr val="tx1"/>
+                  </a:solidFill>
+                  <a:latin typeface="+mn-lt"/>
+                  <a:ea typeface="+mn-ea"/>
+                  <a:cs typeface="+mn-cs"/>
+                </a:defRPr>
+              </a:lvl5pPr>
+              <a:lvl6pPr marL="2286000" algn="l" defTabSz="914400" rtl="0" eaLnBrk="1" latinLnBrk="1" hangingPunct="1">
+                <a:defRPr sz="1800" kern="1200">
+                  <a:solidFill>
+                    <a:schemeClr val="tx1"/>
+                  </a:solidFill>
+                  <a:latin typeface="+mn-lt"/>
+                  <a:ea typeface="+mn-ea"/>
+                  <a:cs typeface="+mn-cs"/>
+                </a:defRPr>
+              </a:lvl6pPr>
+              <a:lvl7pPr marL="2743200" algn="l" defTabSz="914400" rtl="0" eaLnBrk="1" latinLnBrk="1" hangingPunct="1">
+                <a:defRPr sz="1800" kern="1200">
+                  <a:solidFill>
+                    <a:schemeClr val="tx1"/>
+                  </a:solidFill>
+                  <a:latin typeface="+mn-lt"/>
+                  <a:ea typeface="+mn-ea"/>
+                  <a:cs typeface="+mn-cs"/>
+                </a:defRPr>
+              </a:lvl7pPr>
+              <a:lvl8pPr marL="3200400" algn="l" defTabSz="914400" rtl="0" eaLnBrk="1" latinLnBrk="1" hangingPunct="1">
+                <a:defRPr sz="1800" kern="1200">
+                  <a:solidFill>
+                    <a:schemeClr val="tx1"/>
+                  </a:solidFill>
+                  <a:latin typeface="+mn-lt"/>
+                  <a:ea typeface="+mn-ea"/>
+                  <a:cs typeface="+mn-cs"/>
+                </a:defRPr>
+              </a:lvl8pPr>
+              <a:lvl9pPr marL="3657600" algn="l" defTabSz="914400" rtl="0" eaLnBrk="1" latinLnBrk="1" hangingPunct="1">
+                <a:defRPr sz="1800" kern="1200">
+                  <a:solidFill>
+                    <a:schemeClr val="tx1"/>
+                  </a:solidFill>
+                  <a:latin typeface="+mn-lt"/>
+                  <a:ea typeface="+mn-ea"/>
+                  <a:cs typeface="+mn-cs"/>
+                </a:defRPr>
+              </a:lvl9pPr>
+            </a:lstStyle>
+            <a:p>
+              <a:r>
+                <a:rPr lang="ko-KR" altLang="en-US" sz="1100" dirty="0" smtClean="0">
+                  <a:latin typeface="나눔바른고딕" pitchFamily="50" charset="-127"/>
+                  <a:ea typeface="나눔바른고딕" pitchFamily="50" charset="-127"/>
+                </a:rPr>
+                <a:t>내 컴퓨터</a:t>
+              </a:r>
+              <a:endParaRPr lang="ko-KR" altLang="en-US" sz="1100" dirty="0">
+                <a:latin typeface="나눔바른고딕" pitchFamily="50" charset="-127"/>
+                <a:ea typeface="나눔바른고딕" pitchFamily="50" charset="-127"/>
+              </a:endParaRPr>
+            </a:p>
+          </p:txBody>
+        </p:sp>
+        <p:sp>
+          <p:nvSpPr>
+            <p:cNvPr id="34" name="TextBox 56"/>
+            <p:cNvSpPr txBox="1"/>
+            <p:nvPr/>
+          </p:nvSpPr>
+          <p:spPr>
+            <a:xfrm>
+              <a:off x="2195736" y="3579863"/>
+              <a:ext cx="504056" cy="430887"/>
+            </a:xfrm>
+            <a:prstGeom prst="rect">
+              <a:avLst/>
+            </a:prstGeom>
+            <a:noFill/>
+          </p:spPr>
+          <p:txBody>
+            <a:bodyPr wrap="square" rtlCol="0">
+              <a:spAutoFit/>
+            </a:bodyPr>
+            <a:lstStyle>
+              <a:defPPr>
+                <a:defRPr lang="ko-KR"/>
+              </a:defPPr>
+              <a:lvl1pPr marL="0" algn="l" defTabSz="914400" rtl="0" eaLnBrk="1" latinLnBrk="1" hangingPunct="1">
+                <a:defRPr sz="1800" kern="1200">
+                  <a:solidFill>
+                    <a:schemeClr val="tx1"/>
+                  </a:solidFill>
+                  <a:latin typeface="+mn-lt"/>
+                  <a:ea typeface="+mn-ea"/>
+                  <a:cs typeface="+mn-cs"/>
+                </a:defRPr>
+              </a:lvl1pPr>
+              <a:lvl2pPr marL="457200" algn="l" defTabSz="914400" rtl="0" eaLnBrk="1" latinLnBrk="1" hangingPunct="1">
+                <a:defRPr sz="1800" kern="1200">
+                  <a:solidFill>
+                    <a:schemeClr val="tx1"/>
+                  </a:solidFill>
+                  <a:latin typeface="+mn-lt"/>
+                  <a:ea typeface="+mn-ea"/>
+                  <a:cs typeface="+mn-cs"/>
+                </a:defRPr>
+              </a:lvl2pPr>
+              <a:lvl3pPr marL="914400" algn="l" defTabSz="914400" rtl="0" eaLnBrk="1" latinLnBrk="1" hangingPunct="1">
+                <a:defRPr sz="1800" kern="1200">
+                  <a:solidFill>
+                    <a:schemeClr val="tx1"/>
+                  </a:solidFill>
+                  <a:latin typeface="+mn-lt"/>
+                  <a:ea typeface="+mn-ea"/>
+                  <a:cs typeface="+mn-cs"/>
+                </a:defRPr>
+              </a:lvl3pPr>
+              <a:lvl4pPr marL="1371600" algn="l" defTabSz="914400" rtl="0" eaLnBrk="1" latinLnBrk="1" hangingPunct="1">
+                <a:defRPr sz="1800" kern="1200">
+                  <a:solidFill>
+                    <a:schemeClr val="tx1"/>
+                  </a:solidFill>
+                  <a:latin typeface="+mn-lt"/>
+                  <a:ea typeface="+mn-ea"/>
+                  <a:cs typeface="+mn-cs"/>
+                </a:defRPr>
+              </a:lvl4pPr>
+              <a:lvl5pPr marL="1828800" algn="l" defTabSz="914400" rtl="0" eaLnBrk="1" latinLnBrk="1" hangingPunct="1">
+                <a:defRPr sz="1800" kern="1200">
+                  <a:solidFill>
+                    <a:schemeClr val="tx1"/>
+                  </a:solidFill>
+                  <a:latin typeface="+mn-lt"/>
+                  <a:ea typeface="+mn-ea"/>
+                  <a:cs typeface="+mn-cs"/>
+                </a:defRPr>
+              </a:lvl5pPr>
+              <a:lvl6pPr marL="2286000" algn="l" defTabSz="914400" rtl="0" eaLnBrk="1" latinLnBrk="1" hangingPunct="1">
+                <a:defRPr sz="1800" kern="1200">
+                  <a:solidFill>
+                    <a:schemeClr val="tx1"/>
+                  </a:solidFill>
+                  <a:latin typeface="+mn-lt"/>
+                  <a:ea typeface="+mn-ea"/>
+                  <a:cs typeface="+mn-cs"/>
+                </a:defRPr>
+              </a:lvl6pPr>
+              <a:lvl7pPr marL="2743200" algn="l" defTabSz="914400" rtl="0" eaLnBrk="1" latinLnBrk="1" hangingPunct="1">
+                <a:defRPr sz="1800" kern="1200">
+                  <a:solidFill>
+                    <a:schemeClr val="tx1"/>
+                  </a:solidFill>
+                  <a:latin typeface="+mn-lt"/>
+                  <a:ea typeface="+mn-ea"/>
+                  <a:cs typeface="+mn-cs"/>
+                </a:defRPr>
+              </a:lvl7pPr>
+              <a:lvl8pPr marL="3200400" algn="l" defTabSz="914400" rtl="0" eaLnBrk="1" latinLnBrk="1" hangingPunct="1">
+                <a:defRPr sz="1800" kern="1200">
+                  <a:solidFill>
+                    <a:schemeClr val="tx1"/>
+                  </a:solidFill>
+                  <a:latin typeface="+mn-lt"/>
+                  <a:ea typeface="+mn-ea"/>
+                  <a:cs typeface="+mn-cs"/>
+                </a:defRPr>
+              </a:lvl8pPr>
+              <a:lvl9pPr marL="3657600" algn="l" defTabSz="914400" rtl="0" eaLnBrk="1" latinLnBrk="1" hangingPunct="1">
+                <a:defRPr sz="1800" kern="1200">
+                  <a:solidFill>
+                    <a:schemeClr val="tx1"/>
+                  </a:solidFill>
+                  <a:latin typeface="+mn-lt"/>
+                  <a:ea typeface="+mn-ea"/>
+                  <a:cs typeface="+mn-cs"/>
+                </a:defRPr>
+              </a:lvl9pPr>
+            </a:lstStyle>
+            <a:p>
+              <a:r>
+                <a:rPr lang="ko-KR" altLang="en-US" sz="1100" dirty="0" smtClean="0">
+                  <a:latin typeface="나눔바른고딕" pitchFamily="50" charset="-127"/>
+                  <a:ea typeface="나눔바른고딕" pitchFamily="50" charset="-127"/>
+                </a:rPr>
+                <a:t>상태</a:t>
+              </a:r>
+              <a:endParaRPr lang="en-US" altLang="ko-KR" sz="1100" dirty="0" smtClean="0">
+                <a:latin typeface="나눔바른고딕" pitchFamily="50" charset="-127"/>
+                <a:ea typeface="나눔바른고딕" pitchFamily="50" charset="-127"/>
+              </a:endParaRPr>
+            </a:p>
+            <a:p>
+              <a:endParaRPr lang="ko-KR" altLang="en-US" sz="1100" dirty="0">
+                <a:latin typeface="나눔바른고딕" pitchFamily="50" charset="-127"/>
+                <a:ea typeface="나눔바른고딕" pitchFamily="50" charset="-127"/>
+              </a:endParaRPr>
+            </a:p>
+          </p:txBody>
+        </p:sp>
+        <p:sp>
+          <p:nvSpPr>
+            <p:cNvPr id="35" name="TextBox 57"/>
+            <p:cNvSpPr txBox="1"/>
+            <p:nvPr/>
+          </p:nvSpPr>
+          <p:spPr>
+            <a:xfrm>
+              <a:off x="5724128" y="3579863"/>
+              <a:ext cx="504056" cy="261610"/>
+            </a:xfrm>
+            <a:prstGeom prst="rect">
+              <a:avLst/>
+            </a:prstGeom>
+            <a:noFill/>
+          </p:spPr>
+          <p:txBody>
+            <a:bodyPr wrap="square" rtlCol="0">
+              <a:spAutoFit/>
+            </a:bodyPr>
+            <a:lstStyle>
+              <a:defPPr>
+                <a:defRPr lang="ko-KR"/>
+              </a:defPPr>
+              <a:lvl1pPr marL="0" algn="l" defTabSz="914400" rtl="0" eaLnBrk="1" latinLnBrk="1" hangingPunct="1">
+                <a:defRPr sz="1800" kern="1200">
+                  <a:solidFill>
+                    <a:schemeClr val="tx1"/>
+                  </a:solidFill>
+                  <a:latin typeface="+mn-lt"/>
+                  <a:ea typeface="+mn-ea"/>
+                  <a:cs typeface="+mn-cs"/>
+                </a:defRPr>
+              </a:lvl1pPr>
+              <a:lvl2pPr marL="457200" algn="l" defTabSz="914400" rtl="0" eaLnBrk="1" latinLnBrk="1" hangingPunct="1">
+                <a:defRPr sz="1800" kern="1200">
+                  <a:solidFill>
+                    <a:schemeClr val="tx1"/>
+                  </a:solidFill>
+                  <a:latin typeface="+mn-lt"/>
+                  <a:ea typeface="+mn-ea"/>
+                  <a:cs typeface="+mn-cs"/>
+                </a:defRPr>
+              </a:lvl2pPr>
+              <a:lvl3pPr marL="914400" algn="l" defTabSz="914400" rtl="0" eaLnBrk="1" latinLnBrk="1" hangingPunct="1">
+                <a:defRPr sz="1800" kern="1200">
+                  <a:solidFill>
+                    <a:schemeClr val="tx1"/>
+                  </a:solidFill>
+                  <a:latin typeface="+mn-lt"/>
+                  <a:ea typeface="+mn-ea"/>
+                  <a:cs typeface="+mn-cs"/>
+                </a:defRPr>
+              </a:lvl3pPr>
+              <a:lvl4pPr marL="1371600" algn="l" defTabSz="914400" rtl="0" eaLnBrk="1" latinLnBrk="1" hangingPunct="1">
+                <a:defRPr sz="1800" kern="1200">
+                  <a:solidFill>
+                    <a:schemeClr val="tx1"/>
+                  </a:solidFill>
+                  <a:latin typeface="+mn-lt"/>
+                  <a:ea typeface="+mn-ea"/>
+                  <a:cs typeface="+mn-cs"/>
+                </a:defRPr>
+              </a:lvl4pPr>
+              <a:lvl5pPr marL="1828800" algn="l" defTabSz="914400" rtl="0" eaLnBrk="1" latinLnBrk="1" hangingPunct="1">
+                <a:defRPr sz="1800" kern="1200">
+                  <a:solidFill>
+                    <a:schemeClr val="tx1"/>
+                  </a:solidFill>
+                  <a:latin typeface="+mn-lt"/>
+                  <a:ea typeface="+mn-ea"/>
+                  <a:cs typeface="+mn-cs"/>
+                </a:defRPr>
+              </a:lvl5pPr>
+              <a:lvl6pPr marL="2286000" algn="l" defTabSz="914400" rtl="0" eaLnBrk="1" latinLnBrk="1" hangingPunct="1">
+                <a:defRPr sz="1800" kern="1200">
+                  <a:solidFill>
+                    <a:schemeClr val="tx1"/>
+                  </a:solidFill>
+                  <a:latin typeface="+mn-lt"/>
+                  <a:ea typeface="+mn-ea"/>
+                  <a:cs typeface="+mn-cs"/>
+                </a:defRPr>
+              </a:lvl6pPr>
+              <a:lvl7pPr marL="2743200" algn="l" defTabSz="914400" rtl="0" eaLnBrk="1" latinLnBrk="1" hangingPunct="1">
+                <a:defRPr sz="1800" kern="1200">
+                  <a:solidFill>
+                    <a:schemeClr val="tx1"/>
+                  </a:solidFill>
+                  <a:latin typeface="+mn-lt"/>
+                  <a:ea typeface="+mn-ea"/>
+                  <a:cs typeface="+mn-cs"/>
+                </a:defRPr>
+              </a:lvl7pPr>
+              <a:lvl8pPr marL="3200400" algn="l" defTabSz="914400" rtl="0" eaLnBrk="1" latinLnBrk="1" hangingPunct="1">
+                <a:defRPr sz="1800" kern="1200">
+                  <a:solidFill>
+                    <a:schemeClr val="tx1"/>
+                  </a:solidFill>
+                  <a:latin typeface="+mn-lt"/>
+                  <a:ea typeface="+mn-ea"/>
+                  <a:cs typeface="+mn-cs"/>
+                </a:defRPr>
+              </a:lvl8pPr>
+              <a:lvl9pPr marL="3657600" algn="l" defTabSz="914400" rtl="0" eaLnBrk="1" latinLnBrk="1" hangingPunct="1">
+                <a:defRPr sz="1800" kern="1200">
+                  <a:solidFill>
+                    <a:schemeClr val="tx1"/>
+                  </a:solidFill>
+                  <a:latin typeface="+mn-lt"/>
+                  <a:ea typeface="+mn-ea"/>
+                  <a:cs typeface="+mn-cs"/>
+                </a:defRPr>
+              </a:lvl9pPr>
+            </a:lstStyle>
+            <a:p>
+              <a:r>
+                <a:rPr lang="ko-KR" altLang="en-US" sz="1100" smtClean="0">
+                  <a:latin typeface="나눔바른고딕" pitchFamily="50" charset="-127"/>
+                  <a:ea typeface="나눔바른고딕" pitchFamily="50" charset="-127"/>
+                </a:rPr>
+                <a:t>상</a:t>
+              </a:r>
+              <a:r>
+                <a:rPr lang="ko-KR" altLang="en-US" sz="1100">
+                  <a:latin typeface="나눔바른고딕" pitchFamily="50" charset="-127"/>
+                  <a:ea typeface="나눔바른고딕" pitchFamily="50" charset="-127"/>
+                </a:rPr>
+                <a:t>태</a:t>
+              </a:r>
+              <a:endParaRPr lang="ko-KR" altLang="en-US" sz="1100" dirty="0">
+                <a:latin typeface="나눔바른고딕" pitchFamily="50" charset="-127"/>
+                <a:ea typeface="나눔바른고딕" pitchFamily="50" charset="-127"/>
+              </a:endParaRPr>
+            </a:p>
+          </p:txBody>
+        </p:sp>
+        <p:cxnSp>
+          <p:nvCxnSpPr>
+            <p:cNvPr id="36" name="직선 화살표 연결선 35"/>
+            <p:cNvCxnSpPr/>
+            <p:nvPr/>
+          </p:nvCxnSpPr>
+          <p:spPr>
+            <a:xfrm>
+              <a:off x="6265416" y="3606559"/>
+              <a:ext cx="369641" cy="0"/>
+            </a:xfrm>
+            <a:prstGeom prst="straightConnector1">
+              <a:avLst/>
+            </a:prstGeom>
+            <a:ln w="38100">
+              <a:solidFill>
+                <a:srgbClr val="242424"/>
+              </a:solidFill>
+              <a:tailEnd type="arrow"/>
+            </a:ln>
+          </p:spPr>
+          <p:style>
+            <a:lnRef idx="1">
+              <a:schemeClr val="accent1"/>
+            </a:lnRef>
+            <a:fillRef idx="0">
+              <a:schemeClr val="accent1"/>
+            </a:fillRef>
+            <a:effectRef idx="0">
+              <a:schemeClr val="accent1"/>
+            </a:effectRef>
+            <a:fontRef idx="minor">
+              <a:schemeClr val="tx1"/>
+            </a:fontRef>
+          </p:style>
+        </p:cxnSp>
+        <p:sp>
+          <p:nvSpPr>
+            <p:cNvPr id="37" name="TextBox 60"/>
+            <p:cNvSpPr txBox="1"/>
+            <p:nvPr/>
+          </p:nvSpPr>
+          <p:spPr>
+            <a:xfrm>
+              <a:off x="6057472" y="3670487"/>
+              <a:ext cx="757312" cy="261610"/>
+            </a:xfrm>
+            <a:prstGeom prst="rect">
+              <a:avLst/>
+            </a:prstGeom>
+            <a:noFill/>
+          </p:spPr>
+          <p:txBody>
+            <a:bodyPr wrap="square" rtlCol="0">
+              <a:spAutoFit/>
+            </a:bodyPr>
+            <a:lstStyle>
+              <a:defPPr>
+                <a:defRPr lang="ko-KR"/>
+              </a:defPPr>
+              <a:lvl1pPr marL="0" algn="l" defTabSz="914400" rtl="0" eaLnBrk="1" latinLnBrk="1" hangingPunct="1">
+                <a:defRPr sz="1800" kern="1200">
+                  <a:solidFill>
+                    <a:schemeClr val="tx1"/>
+                  </a:solidFill>
+                  <a:latin typeface="+mn-lt"/>
+                  <a:ea typeface="+mn-ea"/>
+                  <a:cs typeface="+mn-cs"/>
+                </a:defRPr>
+              </a:lvl1pPr>
+              <a:lvl2pPr marL="457200" algn="l" defTabSz="914400" rtl="0" eaLnBrk="1" latinLnBrk="1" hangingPunct="1">
+                <a:defRPr sz="1800" kern="1200">
+                  <a:solidFill>
+                    <a:schemeClr val="tx1"/>
+                  </a:solidFill>
+                  <a:latin typeface="+mn-lt"/>
+                  <a:ea typeface="+mn-ea"/>
+                  <a:cs typeface="+mn-cs"/>
+                </a:defRPr>
+              </a:lvl2pPr>
+              <a:lvl3pPr marL="914400" algn="l" defTabSz="914400" rtl="0" eaLnBrk="1" latinLnBrk="1" hangingPunct="1">
+                <a:defRPr sz="1800" kern="1200">
+                  <a:solidFill>
+                    <a:schemeClr val="tx1"/>
+                  </a:solidFill>
+                  <a:latin typeface="+mn-lt"/>
+                  <a:ea typeface="+mn-ea"/>
+                  <a:cs typeface="+mn-cs"/>
+                </a:defRPr>
+              </a:lvl3pPr>
+              <a:lvl4pPr marL="1371600" algn="l" defTabSz="914400" rtl="0" eaLnBrk="1" latinLnBrk="1" hangingPunct="1">
+                <a:defRPr sz="1800" kern="1200">
+                  <a:solidFill>
+                    <a:schemeClr val="tx1"/>
+                  </a:solidFill>
+                  <a:latin typeface="+mn-lt"/>
+                  <a:ea typeface="+mn-ea"/>
+                  <a:cs typeface="+mn-cs"/>
+                </a:defRPr>
+              </a:lvl4pPr>
+              <a:lvl5pPr marL="1828800" algn="l" defTabSz="914400" rtl="0" eaLnBrk="1" latinLnBrk="1" hangingPunct="1">
+                <a:defRPr sz="1800" kern="1200">
+                  <a:solidFill>
+                    <a:schemeClr val="tx1"/>
+                  </a:solidFill>
+                  <a:latin typeface="+mn-lt"/>
+                  <a:ea typeface="+mn-ea"/>
+                  <a:cs typeface="+mn-cs"/>
+                </a:defRPr>
+              </a:lvl5pPr>
+              <a:lvl6pPr marL="2286000" algn="l" defTabSz="914400" rtl="0" eaLnBrk="1" latinLnBrk="1" hangingPunct="1">
+                <a:defRPr sz="1800" kern="1200">
+                  <a:solidFill>
+                    <a:schemeClr val="tx1"/>
+                  </a:solidFill>
+                  <a:latin typeface="+mn-lt"/>
+                  <a:ea typeface="+mn-ea"/>
+                  <a:cs typeface="+mn-cs"/>
+                </a:defRPr>
+              </a:lvl6pPr>
+              <a:lvl7pPr marL="2743200" algn="l" defTabSz="914400" rtl="0" eaLnBrk="1" latinLnBrk="1" hangingPunct="1">
+                <a:defRPr sz="1800" kern="1200">
+                  <a:solidFill>
+                    <a:schemeClr val="tx1"/>
+                  </a:solidFill>
+                  <a:latin typeface="+mn-lt"/>
+                  <a:ea typeface="+mn-ea"/>
+                  <a:cs typeface="+mn-cs"/>
+                </a:defRPr>
+              </a:lvl7pPr>
+              <a:lvl8pPr marL="3200400" algn="l" defTabSz="914400" rtl="0" eaLnBrk="1" latinLnBrk="1" hangingPunct="1">
+                <a:defRPr sz="1800" kern="1200">
+                  <a:solidFill>
+                    <a:schemeClr val="tx1"/>
+                  </a:solidFill>
+                  <a:latin typeface="+mn-lt"/>
+                  <a:ea typeface="+mn-ea"/>
+                  <a:cs typeface="+mn-cs"/>
+                </a:defRPr>
+              </a:lvl8pPr>
+              <a:lvl9pPr marL="3657600" algn="l" defTabSz="914400" rtl="0" eaLnBrk="1" latinLnBrk="1" hangingPunct="1">
+                <a:defRPr sz="1800" kern="1200">
+                  <a:solidFill>
+                    <a:schemeClr val="tx1"/>
+                  </a:solidFill>
+                  <a:latin typeface="+mn-lt"/>
+                  <a:ea typeface="+mn-ea"/>
+                  <a:cs typeface="+mn-cs"/>
+                </a:defRPr>
+              </a:lvl9pPr>
+            </a:lstStyle>
+            <a:p>
+              <a:pPr algn="ctr"/>
+              <a:r>
+                <a:rPr lang="en-US" altLang="ko-KR" sz="1100" dirty="0" smtClean="0">
+                  <a:latin typeface="나눔바른고딕" pitchFamily="50" charset="-127"/>
+                  <a:ea typeface="나눔바른고딕" pitchFamily="50" charset="-127"/>
+                </a:rPr>
+                <a:t>add</a:t>
+              </a:r>
+              <a:endParaRPr lang="ko-KR" altLang="en-US" sz="1100" dirty="0">
+                <a:latin typeface="나눔바른고딕" pitchFamily="50" charset="-127"/>
+                <a:ea typeface="나눔바른고딕" pitchFamily="50" charset="-127"/>
+              </a:endParaRPr>
+            </a:p>
+          </p:txBody>
+        </p:sp>
+      </p:grpSp>
+      <p:sp>
+        <p:nvSpPr>
+          <p:cNvPr id="38" name="TextBox 37"/>
+          <p:cNvSpPr txBox="1"/>
+          <p:nvPr/>
+        </p:nvSpPr>
+        <p:spPr>
+          <a:xfrm>
+            <a:off x="3923928" y="4414341"/>
+            <a:ext cx="4680520" cy="338554"/>
+          </a:xfrm>
+          <a:prstGeom prst="rect">
+            <a:avLst/>
+          </a:prstGeom>
+          <a:noFill/>
+        </p:spPr>
+        <p:txBody>
+          <a:bodyPr wrap="square" rtlCol="0">
+            <a:spAutoFit/>
+          </a:bodyPr>
+          <a:lstStyle/>
+          <a:p>
+            <a:r>
+              <a:rPr lang="ko-KR" altLang="en-US" sz="1600" dirty="0" smtClean="0">
+                <a:solidFill>
+                  <a:schemeClr val="bg1">
+                    <a:lumMod val="75000"/>
+                  </a:schemeClr>
+                </a:solidFill>
+                <a:latin typeface="나눔명조" pitchFamily="18" charset="-127"/>
+                <a:ea typeface="나눔명조" pitchFamily="18" charset="-127"/>
+              </a:rPr>
+              <a:t>같은 행위에 명령어 단계가 줄어들어 편하다고 느낌</a:t>
+            </a:r>
+            <a:r>
+              <a:rPr lang="en-US" altLang="ko-KR" sz="1600" dirty="0" smtClean="0">
+                <a:solidFill>
+                  <a:schemeClr val="bg1">
+                    <a:lumMod val="75000"/>
+                  </a:schemeClr>
+                </a:solidFill>
+                <a:latin typeface="나눔명조" pitchFamily="18" charset="-127"/>
+                <a:ea typeface="나눔명조" pitchFamily="18" charset="-127"/>
+              </a:rPr>
+              <a:t>.</a:t>
+            </a:r>
+            <a:endParaRPr lang="ko-KR" altLang="en-US" sz="1600" dirty="0">
+              <a:solidFill>
+                <a:schemeClr val="bg1">
+                  <a:lumMod val="75000"/>
+                </a:schemeClr>
+              </a:solidFill>
+              <a:latin typeface="나눔명조" pitchFamily="18" charset="-127"/>
+              <a:ea typeface="나눔명조" pitchFamily="18" charset="-127"/>
+            </a:endParaRPr>
+          </a:p>
+        </p:txBody>
+      </p:sp>
+    </p:spTree>
+  </p:cSld>
+  <p:clrMapOvr>
+    <a:masterClrMapping/>
+  </p:clrMapOvr>
+  <p:timing>
+    <p:tnLst>
+      <p:par>
+        <p:cTn id="1" dur="indefinite" restart="never" nodeType="tmRoot"/>
+      </p:par>
+    </p:tnLst>
+  </p:timing>
+</p:sld>
+</file>
+
+<file path=ppt/slides/slide5.xml><?xml version="1.0" encoding="utf-8"?>
+<p:sld xmlns:a="http://schemas.openxmlformats.org/drawingml/2006/main" xmlns:r="http://schemas.openxmlformats.org/officeDocument/2006/relationships" xmlns:p="http://schemas.openxmlformats.org/presentationml/2006/main">
+  <p:cSld>
+    <p:spTree>
+      <p:nvGrpSpPr>
+        <p:cNvPr id="1" name=""/>
+        <p:cNvGrpSpPr/>
+        <p:nvPr/>
+      </p:nvGrpSpPr>
+      <p:grpSpPr>
+        <a:xfrm>
+          <a:off x="0" y="0"/>
+          <a:ext cx="0" cy="0"/>
+          <a:chOff x="0" y="0"/>
+          <a:chExt cx="0" cy="0"/>
+        </a:xfrm>
+      </p:grpSpPr>
+      <p:sp>
+        <p:nvSpPr>
+          <p:cNvPr id="16" name="평행 사변형 15"/>
+          <p:cNvSpPr/>
+          <p:nvPr/>
+        </p:nvSpPr>
+        <p:spPr>
+          <a:xfrm rot="16200000">
+            <a:off x="2000251" y="-2000251"/>
+            <a:ext cx="5143500" cy="9144001"/>
+          </a:xfrm>
+          <a:prstGeom prst="parallelogram">
+            <a:avLst>
+              <a:gd name="adj" fmla="val 7753"/>
+            </a:avLst>
+          </a:prstGeom>
+          <a:solidFill>
+            <a:srgbClr val="473F3D"/>
+          </a:solidFill>
+          <a:ln>
+            <a:noFill/>
+          </a:ln>
+        </p:spPr>
+        <p:style>
+          <a:lnRef idx="2">
+            <a:schemeClr val="accent1">
+              <a:shade val="50000"/>
+            </a:schemeClr>
+          </a:lnRef>
+          <a:fillRef idx="1">
+            <a:schemeClr val="accent1"/>
+          </a:fillRef>
+          <a:effectRef idx="0">
+            <a:schemeClr val="accent1"/>
+          </a:effectRef>
+          <a:fontRef idx="minor">
+            <a:schemeClr val="lt1"/>
+          </a:fontRef>
+        </p:style>
+        <p:txBody>
+          <a:bodyPr rtlCol="0" anchor="ctr"/>
+          <a:lstStyle/>
+          <a:p>
+            <a:pPr algn="ctr"/>
+            <a:endParaRPr lang="ko-KR" altLang="en-US" sz="1600" dirty="0"/>
+          </a:p>
+        </p:txBody>
+      </p:sp>
+      <p:sp>
+        <p:nvSpPr>
+          <p:cNvPr id="10" name="TextBox 9"/>
+          <p:cNvSpPr txBox="1"/>
+          <p:nvPr/>
+        </p:nvSpPr>
+        <p:spPr>
+          <a:xfrm>
+            <a:off x="611560" y="483518"/>
+            <a:ext cx="4608512" cy="461665"/>
+          </a:xfrm>
+          <a:prstGeom prst="rect">
+            <a:avLst/>
+          </a:prstGeom>
+          <a:noFill/>
+        </p:spPr>
+        <p:txBody>
+          <a:bodyPr wrap="square" rtlCol="0">
+            <a:spAutoFit/>
+          </a:bodyPr>
+          <a:lstStyle/>
+          <a:p>
+            <a:r>
+              <a:rPr lang="en-US" altLang="ko-KR" sz="2400" dirty="0" err="1" smtClean="0">
+                <a:solidFill>
+                  <a:schemeClr val="bg1">
+                    <a:lumMod val="95000"/>
+                  </a:schemeClr>
+                </a:solidFill>
+                <a:latin typeface="나눔명조" pitchFamily="18" charset="-127"/>
+                <a:ea typeface="나눔명조" pitchFamily="18" charset="-127"/>
+              </a:rPr>
+              <a:t>git</a:t>
+            </a:r>
+            <a:r>
+              <a:rPr lang="ko-KR" altLang="en-US" sz="2400" dirty="0" smtClean="0">
+                <a:solidFill>
+                  <a:schemeClr val="bg1">
+                    <a:lumMod val="95000"/>
+                  </a:schemeClr>
+                </a:solidFill>
+                <a:latin typeface="나눔명조" pitchFamily="18" charset="-127"/>
+                <a:ea typeface="나눔명조" pitchFamily="18" charset="-127"/>
+              </a:rPr>
+              <a:t>이 필요해진 </a:t>
+            </a:r>
+            <a:r>
+              <a:rPr lang="en-US" altLang="ko-KR" sz="2400" dirty="0" smtClean="0">
+                <a:solidFill>
+                  <a:schemeClr val="bg1">
+                    <a:lumMod val="95000"/>
+                  </a:schemeClr>
+                </a:solidFill>
+                <a:latin typeface="나눔명조" pitchFamily="18" charset="-127"/>
+                <a:ea typeface="나눔명조" pitchFamily="18" charset="-127"/>
+              </a:rPr>
+              <a:t>‘</a:t>
+            </a:r>
+            <a:r>
+              <a:rPr lang="ko-KR" altLang="en-US" sz="2400" dirty="0" smtClean="0">
+                <a:solidFill>
+                  <a:schemeClr val="bg1">
+                    <a:lumMod val="95000"/>
+                  </a:schemeClr>
+                </a:solidFill>
+                <a:latin typeface="나눔명조" pitchFamily="18" charset="-127"/>
+                <a:ea typeface="나눔명조" pitchFamily="18" charset="-127"/>
+              </a:rPr>
+              <a:t>상황</a:t>
+            </a:r>
+            <a:r>
+              <a:rPr lang="en-US" altLang="ko-KR" sz="2400" dirty="0" smtClean="0">
+                <a:solidFill>
+                  <a:schemeClr val="bg1">
+                    <a:lumMod val="95000"/>
+                  </a:schemeClr>
+                </a:solidFill>
+                <a:latin typeface="나눔명조" pitchFamily="18" charset="-127"/>
+                <a:ea typeface="나눔명조" pitchFamily="18" charset="-127"/>
+              </a:rPr>
+              <a:t>’</a:t>
+            </a:r>
+            <a:r>
+              <a:rPr lang="ko-KR" altLang="en-US" sz="2400" dirty="0" smtClean="0">
+                <a:solidFill>
+                  <a:schemeClr val="bg1">
+                    <a:lumMod val="95000"/>
+                  </a:schemeClr>
+                </a:solidFill>
+                <a:latin typeface="나눔명조" pitchFamily="18" charset="-127"/>
+                <a:ea typeface="나눔명조" pitchFamily="18" charset="-127"/>
+              </a:rPr>
+              <a:t>이 생김</a:t>
+            </a:r>
+            <a:r>
+              <a:rPr lang="en-US" altLang="ko-KR" sz="2400" dirty="0" smtClean="0">
+                <a:solidFill>
+                  <a:schemeClr val="bg1">
+                    <a:lumMod val="95000"/>
+                  </a:schemeClr>
+                </a:solidFill>
+                <a:latin typeface="나눔명조" pitchFamily="18" charset="-127"/>
+                <a:ea typeface="나눔명조" pitchFamily="18" charset="-127"/>
+              </a:rPr>
+              <a:t>.</a:t>
+            </a:r>
+            <a:r>
+              <a:rPr lang="ko-KR" altLang="en-US" sz="2400" dirty="0" smtClean="0">
+                <a:solidFill>
+                  <a:schemeClr val="bg1">
+                    <a:lumMod val="95000"/>
+                  </a:schemeClr>
+                </a:solidFill>
+                <a:latin typeface="나눔명조" pitchFamily="18" charset="-127"/>
+                <a:ea typeface="나눔명조" pitchFamily="18" charset="-127"/>
+              </a:rPr>
+              <a:t> </a:t>
+            </a:r>
+            <a:endParaRPr lang="ko-KR" altLang="en-US" sz="2400" dirty="0">
+              <a:solidFill>
+                <a:schemeClr val="bg1">
+                  <a:lumMod val="95000"/>
+                </a:schemeClr>
+              </a:solidFill>
+              <a:latin typeface="나눔명조" pitchFamily="18" charset="-127"/>
+              <a:ea typeface="나눔명조" pitchFamily="18" charset="-127"/>
+            </a:endParaRPr>
+          </a:p>
+        </p:txBody>
+      </p:sp>
+      <p:cxnSp>
+        <p:nvCxnSpPr>
+          <p:cNvPr id="11" name="직선 연결선 10"/>
+          <p:cNvCxnSpPr/>
+          <p:nvPr/>
+        </p:nvCxnSpPr>
+        <p:spPr>
+          <a:xfrm>
+            <a:off x="539552" y="915566"/>
+            <a:ext cx="8136904" cy="0"/>
+          </a:xfrm>
+          <a:prstGeom prst="line">
+            <a:avLst/>
+          </a:prstGeom>
+          <a:ln w="12700">
+            <a:solidFill>
+              <a:schemeClr val="bg1"/>
+            </a:solidFill>
+          </a:ln>
+        </p:spPr>
+        <p:style>
+          <a:lnRef idx="1">
+            <a:schemeClr val="accent1"/>
+          </a:lnRef>
+          <a:fillRef idx="0">
+            <a:schemeClr val="accent1"/>
+          </a:fillRef>
+          <a:effectRef idx="0">
+            <a:schemeClr val="accent1"/>
+          </a:effectRef>
+          <a:fontRef idx="minor">
+            <a:schemeClr val="tx1"/>
+          </a:fontRef>
+        </p:style>
+      </p:cxnSp>
+      <p:cxnSp>
+        <p:nvCxnSpPr>
+          <p:cNvPr id="12" name="직선 연결선 11"/>
+          <p:cNvCxnSpPr/>
+          <p:nvPr/>
+        </p:nvCxnSpPr>
+        <p:spPr>
+          <a:xfrm>
+            <a:off x="467544" y="4299942"/>
+            <a:ext cx="8136904" cy="0"/>
+          </a:xfrm>
+          <a:prstGeom prst="line">
+            <a:avLst/>
+          </a:prstGeom>
+          <a:ln w="12700">
+            <a:solidFill>
+              <a:schemeClr val="bg1"/>
+            </a:solidFill>
+          </a:ln>
+        </p:spPr>
+        <p:style>
+          <a:lnRef idx="1">
+            <a:schemeClr val="accent1"/>
+          </a:lnRef>
+          <a:fillRef idx="0">
+            <a:schemeClr val="accent1"/>
+          </a:fillRef>
+          <a:effectRef idx="0">
+            <a:schemeClr val="accent1"/>
+          </a:effectRef>
+          <a:fontRef idx="minor">
+            <a:schemeClr val="tx1"/>
+          </a:fontRef>
+        </p:style>
+      </p:cxnSp>
+      <p:cxnSp>
+        <p:nvCxnSpPr>
+          <p:cNvPr id="14" name="직선 연결선 13"/>
+          <p:cNvCxnSpPr/>
+          <p:nvPr/>
+        </p:nvCxnSpPr>
+        <p:spPr>
+          <a:xfrm>
+            <a:off x="467544" y="915566"/>
+            <a:ext cx="8208912" cy="0"/>
+          </a:xfrm>
+          <a:prstGeom prst="line">
+            <a:avLst/>
+          </a:prstGeom>
+          <a:ln w="12700">
+            <a:solidFill>
+              <a:schemeClr val="bg1"/>
+            </a:solidFill>
+          </a:ln>
+        </p:spPr>
+        <p:style>
+          <a:lnRef idx="1">
+            <a:schemeClr val="accent1"/>
+          </a:lnRef>
+          <a:fillRef idx="0">
+            <a:schemeClr val="accent1"/>
+          </a:fillRef>
+          <a:effectRef idx="0">
+            <a:schemeClr val="accent1"/>
+          </a:effectRef>
+          <a:fontRef idx="minor">
+            <a:schemeClr val="tx1"/>
+          </a:fontRef>
+        </p:style>
+      </p:cxnSp>
+      <p:cxnSp>
+        <p:nvCxnSpPr>
+          <p:cNvPr id="15" name="직선 연결선 14"/>
+          <p:cNvCxnSpPr/>
+          <p:nvPr/>
+        </p:nvCxnSpPr>
+        <p:spPr>
+          <a:xfrm>
+            <a:off x="467544" y="4299942"/>
+            <a:ext cx="8208912" cy="0"/>
+          </a:xfrm>
+          <a:prstGeom prst="line">
+            <a:avLst/>
+          </a:prstGeom>
+          <a:ln w="12700">
+            <a:solidFill>
+              <a:schemeClr val="bg1"/>
+            </a:solidFill>
+          </a:ln>
+        </p:spPr>
+        <p:style>
+          <a:lnRef idx="1">
+            <a:schemeClr val="accent1"/>
+          </a:lnRef>
+          <a:fillRef idx="0">
+            <a:schemeClr val="accent1"/>
+          </a:fillRef>
+          <a:effectRef idx="0">
+            <a:schemeClr val="accent1"/>
+          </a:effectRef>
+          <a:fontRef idx="minor">
+            <a:schemeClr val="tx1"/>
+          </a:fontRef>
+        </p:style>
+      </p:cxnSp>
+      <p:sp>
+        <p:nvSpPr>
+          <p:cNvPr id="9" name="타원 8"/>
+          <p:cNvSpPr/>
+          <p:nvPr/>
+        </p:nvSpPr>
+        <p:spPr>
+          <a:xfrm>
+            <a:off x="971600" y="1779662"/>
+            <a:ext cx="1584176" cy="1584176"/>
+          </a:xfrm>
+          <a:prstGeom prst="ellipse">
+            <a:avLst/>
+          </a:prstGeom>
+          <a:noFill/>
+          <a:ln>
+            <a:solidFill>
+              <a:schemeClr val="bg1"/>
+            </a:solidFill>
+          </a:ln>
+        </p:spPr>
+        <p:style>
+          <a:lnRef idx="2">
+            <a:schemeClr val="accent1">
+              <a:shade val="50000"/>
+            </a:schemeClr>
+          </a:lnRef>
+          <a:fillRef idx="1">
+            <a:schemeClr val="accent1"/>
+          </a:fillRef>
+          <a:effectRef idx="0">
+            <a:schemeClr val="accent1"/>
+          </a:effectRef>
+          <a:fontRef idx="minor">
+            <a:schemeClr val="lt1"/>
+          </a:fontRef>
+        </p:style>
+        <p:txBody>
+          <a:bodyPr rtlCol="0" anchor="ctr"/>
+          <a:lstStyle/>
+          <a:p>
+            <a:pPr algn="ctr"/>
+            <a:r>
+              <a:rPr lang="ko-KR" altLang="en-US" sz="2000" dirty="0" smtClean="0">
+                <a:latin typeface="나눔명조" pitchFamily="18" charset="-127"/>
+                <a:ea typeface="나눔명조" pitchFamily="18" charset="-127"/>
+              </a:rPr>
+              <a:t>상</a:t>
+            </a:r>
+            <a:r>
+              <a:rPr lang="ko-KR" altLang="en-US" sz="2000" dirty="0" smtClean="0">
+                <a:latin typeface="나눔명조" pitchFamily="18" charset="-127"/>
+                <a:ea typeface="나눔명조" pitchFamily="18" charset="-127"/>
+              </a:rPr>
+              <a:t>황</a:t>
+            </a:r>
+            <a:endParaRPr lang="ko-KR" altLang="en-US" sz="2000" dirty="0">
+              <a:latin typeface="나눔명조" pitchFamily="18" charset="-127"/>
+              <a:ea typeface="나눔명조" pitchFamily="18" charset="-127"/>
+            </a:endParaRPr>
+          </a:p>
+        </p:txBody>
+      </p:sp>
+      <p:sp>
+        <p:nvSpPr>
+          <p:cNvPr id="13" name="타원 12"/>
+          <p:cNvSpPr/>
+          <p:nvPr/>
+        </p:nvSpPr>
+        <p:spPr>
+          <a:xfrm>
+            <a:off x="3779912" y="1779662"/>
+            <a:ext cx="1584176" cy="1584176"/>
+          </a:xfrm>
+          <a:prstGeom prst="ellipse">
+            <a:avLst/>
+          </a:prstGeom>
+          <a:noFill/>
+          <a:ln>
+            <a:solidFill>
+              <a:schemeClr val="bg1"/>
+            </a:solidFill>
+          </a:ln>
+        </p:spPr>
+        <p:style>
+          <a:lnRef idx="2">
+            <a:schemeClr val="accent1">
+              <a:shade val="50000"/>
+            </a:schemeClr>
+          </a:lnRef>
+          <a:fillRef idx="1">
+            <a:schemeClr val="accent1"/>
+          </a:fillRef>
+          <a:effectRef idx="0">
+            <a:schemeClr val="accent1"/>
+          </a:effectRef>
+          <a:fontRef idx="minor">
+            <a:schemeClr val="lt1"/>
+          </a:fontRef>
+        </p:style>
+        <p:txBody>
+          <a:bodyPr rtlCol="0" anchor="ctr"/>
+          <a:lstStyle/>
+          <a:p>
+            <a:pPr algn="ctr"/>
+            <a:r>
+              <a:rPr lang="en-US" altLang="ko-KR" sz="2000" dirty="0" err="1" smtClean="0">
+                <a:latin typeface="나눔명조" pitchFamily="18" charset="-127"/>
+                <a:ea typeface="나눔명조" pitchFamily="18" charset="-127"/>
+              </a:rPr>
+              <a:t>git</a:t>
+            </a:r>
+            <a:endParaRPr lang="en-US" altLang="ko-KR" sz="2000" dirty="0" smtClean="0">
+              <a:latin typeface="나눔명조" pitchFamily="18" charset="-127"/>
+              <a:ea typeface="나눔명조" pitchFamily="18" charset="-127"/>
+            </a:endParaRPr>
+          </a:p>
+          <a:p>
+            <a:pPr algn="ctr"/>
+            <a:r>
+              <a:rPr lang="ko-KR" altLang="en-US" dirty="0" smtClean="0">
+                <a:latin typeface="나눔명조" pitchFamily="18" charset="-127"/>
+                <a:ea typeface="나눔명조" pitchFamily="18" charset="-127"/>
+              </a:rPr>
+              <a:t>장</a:t>
+            </a:r>
+            <a:r>
+              <a:rPr lang="ko-KR" altLang="en-US" dirty="0" smtClean="0">
+                <a:latin typeface="나눔명조" pitchFamily="18" charset="-127"/>
+                <a:ea typeface="나눔명조" pitchFamily="18" charset="-127"/>
+              </a:rPr>
+              <a:t>점</a:t>
+            </a:r>
+            <a:endParaRPr lang="ko-KR" altLang="en-US" dirty="0">
+              <a:latin typeface="나눔명조" pitchFamily="18" charset="-127"/>
+              <a:ea typeface="나눔명조" pitchFamily="18" charset="-127"/>
+            </a:endParaRPr>
+          </a:p>
+        </p:txBody>
+      </p:sp>
+      <p:sp>
+        <p:nvSpPr>
+          <p:cNvPr id="17" name="타원 16"/>
+          <p:cNvSpPr/>
+          <p:nvPr/>
+        </p:nvSpPr>
+        <p:spPr>
+          <a:xfrm>
+            <a:off x="6588224" y="1779662"/>
+            <a:ext cx="1584176" cy="1584176"/>
+          </a:xfrm>
+          <a:prstGeom prst="ellipse">
+            <a:avLst/>
+          </a:prstGeom>
+          <a:noFill/>
+          <a:ln>
+            <a:solidFill>
+              <a:schemeClr val="bg1"/>
+            </a:solidFill>
+          </a:ln>
+        </p:spPr>
+        <p:style>
+          <a:lnRef idx="2">
+            <a:schemeClr val="accent1">
+              <a:shade val="50000"/>
+            </a:schemeClr>
+          </a:lnRef>
+          <a:fillRef idx="1">
+            <a:schemeClr val="accent1"/>
+          </a:fillRef>
+          <a:effectRef idx="0">
+            <a:schemeClr val="accent1"/>
+          </a:effectRef>
+          <a:fontRef idx="minor">
+            <a:schemeClr val="lt1"/>
+          </a:fontRef>
+        </p:style>
+        <p:txBody>
+          <a:bodyPr rtlCol="0" anchor="ctr"/>
+          <a:lstStyle/>
+          <a:p>
+            <a:pPr algn="ctr"/>
+            <a:r>
+              <a:rPr lang="en-US" altLang="ko-KR" sz="2000" dirty="0" err="1" smtClean="0">
+                <a:latin typeface="나눔명조" pitchFamily="18" charset="-127"/>
+                <a:ea typeface="나눔명조" pitchFamily="18" charset="-127"/>
+              </a:rPr>
+              <a:t>svn</a:t>
+            </a:r>
+            <a:endParaRPr lang="en-US" altLang="ko-KR" sz="2000" dirty="0" smtClean="0">
+              <a:latin typeface="나눔명조" pitchFamily="18" charset="-127"/>
+              <a:ea typeface="나눔명조" pitchFamily="18" charset="-127"/>
+            </a:endParaRPr>
+          </a:p>
+          <a:p>
+            <a:pPr algn="ctr"/>
+            <a:r>
+              <a:rPr lang="ko-KR" altLang="en-US" dirty="0" smtClean="0">
+                <a:latin typeface="나눔명조" pitchFamily="18" charset="-127"/>
+                <a:ea typeface="나눔명조" pitchFamily="18" charset="-127"/>
+              </a:rPr>
+              <a:t>단점</a:t>
+            </a:r>
+            <a:endParaRPr lang="ko-KR" altLang="en-US" dirty="0">
+              <a:latin typeface="나눔명조" pitchFamily="18" charset="-127"/>
+              <a:ea typeface="나눔명조" pitchFamily="18" charset="-127"/>
+            </a:endParaRPr>
+          </a:p>
+        </p:txBody>
+      </p:sp>
+      <p:sp>
+        <p:nvSpPr>
+          <p:cNvPr id="18" name="TextBox 17"/>
+          <p:cNvSpPr txBox="1"/>
+          <p:nvPr/>
+        </p:nvSpPr>
+        <p:spPr>
+          <a:xfrm>
+            <a:off x="2915816" y="2355726"/>
+            <a:ext cx="432048" cy="584775"/>
+          </a:xfrm>
+          <a:prstGeom prst="rect">
+            <a:avLst/>
+          </a:prstGeom>
+          <a:noFill/>
+        </p:spPr>
+        <p:txBody>
+          <a:bodyPr wrap="square" rtlCol="0">
+            <a:spAutoFit/>
+          </a:bodyPr>
+          <a:lstStyle/>
+          <a:p>
+            <a:r>
+              <a:rPr lang="en-US" altLang="ko-KR" sz="3200" dirty="0" smtClean="0">
+                <a:solidFill>
+                  <a:schemeClr val="bg1"/>
+                </a:solidFill>
+                <a:latin typeface="나눔명조" pitchFamily="18" charset="-127"/>
+                <a:ea typeface="나눔명조" pitchFamily="18" charset="-127"/>
+              </a:rPr>
+              <a:t>=</a:t>
+            </a:r>
+            <a:endParaRPr lang="ko-KR" altLang="en-US" sz="3200" dirty="0">
+              <a:solidFill>
+                <a:schemeClr val="bg1"/>
+              </a:solidFill>
+              <a:latin typeface="나눔명조" pitchFamily="18" charset="-127"/>
+              <a:ea typeface="나눔명조" pitchFamily="18" charset="-127"/>
+            </a:endParaRPr>
+          </a:p>
+        </p:txBody>
+      </p:sp>
+      <p:sp>
+        <p:nvSpPr>
+          <p:cNvPr id="19" name="TextBox 18"/>
+          <p:cNvSpPr txBox="1"/>
+          <p:nvPr/>
+        </p:nvSpPr>
+        <p:spPr>
+          <a:xfrm>
+            <a:off x="5796136" y="2355726"/>
+            <a:ext cx="432048" cy="584775"/>
+          </a:xfrm>
+          <a:prstGeom prst="rect">
+            <a:avLst/>
+          </a:prstGeom>
+          <a:noFill/>
+        </p:spPr>
+        <p:txBody>
+          <a:bodyPr wrap="square" rtlCol="0">
+            <a:spAutoFit/>
+          </a:bodyPr>
+          <a:lstStyle/>
+          <a:p>
+            <a:r>
+              <a:rPr lang="en-US" altLang="ko-KR" sz="3200" dirty="0" smtClean="0">
+                <a:solidFill>
+                  <a:schemeClr val="bg1"/>
+                </a:solidFill>
+                <a:latin typeface="나눔명조" pitchFamily="18" charset="-127"/>
+                <a:ea typeface="나눔명조" pitchFamily="18" charset="-127"/>
+              </a:rPr>
+              <a:t>=</a:t>
+            </a:r>
+            <a:endParaRPr lang="ko-KR" altLang="en-US" sz="3200" dirty="0">
+              <a:solidFill>
+                <a:schemeClr val="bg1"/>
+              </a:solidFill>
+              <a:latin typeface="나눔명조" pitchFamily="18" charset="-127"/>
+              <a:ea typeface="나눔명조" pitchFamily="18" charset="-127"/>
+            </a:endParaRPr>
+          </a:p>
+        </p:txBody>
+      </p:sp>
+    </p:spTree>
+  </p:cSld>
+  <p:clrMapOvr>
+    <a:masterClrMapping/>
+  </p:clrMapOvr>
+  <p:timing>
+    <p:tnLst>
+      <p:par>
+        <p:cTn id="1" dur="indefinite" restart="never" nodeType="tmRoot"/>
+      </p:par>
+    </p:tnLst>
+  </p:timing>
+</p:sld>
+</file>
+
+<file path=ppt/slides/slide6.xml><?xml version="1.0" encoding="utf-8"?>
+<p:sld xmlns:a="http://schemas.openxmlformats.org/drawingml/2006/main" xmlns:r="http://schemas.openxmlformats.org/officeDocument/2006/relationships" xmlns:p="http://schemas.openxmlformats.org/presentationml/2006/main">
+  <p:cSld>
+    <p:spTree>
+      <p:nvGrpSpPr>
+        <p:cNvPr id="1" name=""/>
+        <p:cNvGrpSpPr/>
+        <p:nvPr/>
+      </p:nvGrpSpPr>
+      <p:grpSpPr>
+        <a:xfrm>
+          <a:off x="0" y="0"/>
+          <a:ext cx="0" cy="0"/>
+          <a:chOff x="0" y="0"/>
+          <a:chExt cx="0" cy="0"/>
+        </a:xfrm>
+      </p:grpSpPr>
+      <p:sp>
+        <p:nvSpPr>
+          <p:cNvPr id="16" name="평행 사변형 15"/>
+          <p:cNvSpPr/>
+          <p:nvPr/>
+        </p:nvSpPr>
+        <p:spPr>
+          <a:xfrm rot="16200000">
+            <a:off x="2000251" y="-2000251"/>
+            <a:ext cx="5143500" cy="9144001"/>
+          </a:xfrm>
+          <a:prstGeom prst="parallelogram">
+            <a:avLst>
+              <a:gd name="adj" fmla="val 7753"/>
+            </a:avLst>
+          </a:prstGeom>
+          <a:solidFill>
+            <a:srgbClr val="473F3D"/>
+          </a:solidFill>
+          <a:ln>
+            <a:noFill/>
+          </a:ln>
+        </p:spPr>
+        <p:style>
+          <a:lnRef idx="2">
+            <a:schemeClr val="accent1">
+              <a:shade val="50000"/>
+            </a:schemeClr>
+          </a:lnRef>
+          <a:fillRef idx="1">
+            <a:schemeClr val="accent1"/>
+          </a:fillRef>
+          <a:effectRef idx="0">
+            <a:schemeClr val="accent1"/>
+          </a:effectRef>
+          <a:fontRef idx="minor">
+            <a:schemeClr val="lt1"/>
+          </a:fontRef>
+        </p:style>
+        <p:txBody>
+          <a:bodyPr rtlCol="0" anchor="ctr"/>
+          <a:lstStyle/>
+          <a:p>
+            <a:pPr algn="ctr"/>
+            <a:endParaRPr lang="ko-KR" altLang="en-US" sz="1600" dirty="0"/>
+          </a:p>
+        </p:txBody>
+      </p:sp>
+      <p:sp>
+        <p:nvSpPr>
+          <p:cNvPr id="10" name="TextBox 9"/>
+          <p:cNvSpPr txBox="1"/>
+          <p:nvPr/>
+        </p:nvSpPr>
+        <p:spPr>
+          <a:xfrm>
+            <a:off x="611560" y="483518"/>
+            <a:ext cx="4608512" cy="461665"/>
+          </a:xfrm>
+          <a:prstGeom prst="rect">
+            <a:avLst/>
+          </a:prstGeom>
+          <a:noFill/>
+        </p:spPr>
+        <p:txBody>
+          <a:bodyPr wrap="square" rtlCol="0">
+            <a:spAutoFit/>
+          </a:bodyPr>
+          <a:lstStyle/>
+          <a:p>
+            <a:r>
+              <a:rPr lang="ko-KR" altLang="en-US" sz="2400" dirty="0" smtClean="0">
+                <a:solidFill>
+                  <a:schemeClr val="bg1">
+                    <a:lumMod val="95000"/>
+                  </a:schemeClr>
+                </a:solidFill>
+                <a:latin typeface="나눔명조" pitchFamily="18" charset="-127"/>
+                <a:ea typeface="나눔명조" pitchFamily="18" charset="-127"/>
+              </a:rPr>
+              <a:t>상황</a:t>
+            </a:r>
+            <a:r>
+              <a:rPr lang="en-US" altLang="ko-KR" sz="2400" dirty="0" smtClean="0">
+                <a:solidFill>
+                  <a:schemeClr val="bg1">
+                    <a:lumMod val="95000"/>
+                  </a:schemeClr>
+                </a:solidFill>
+                <a:latin typeface="나눔명조" pitchFamily="18" charset="-127"/>
+                <a:ea typeface="나눔명조" pitchFamily="18" charset="-127"/>
+              </a:rPr>
+              <a:t>1 – </a:t>
+            </a:r>
+            <a:r>
+              <a:rPr lang="ko-KR" altLang="en-US" sz="2400" dirty="0" smtClean="0">
+                <a:solidFill>
+                  <a:schemeClr val="bg1">
+                    <a:lumMod val="95000"/>
+                  </a:schemeClr>
+                </a:solidFill>
+                <a:latin typeface="나눔명조" pitchFamily="18" charset="-127"/>
+                <a:ea typeface="나눔명조" pitchFamily="18" charset="-127"/>
+              </a:rPr>
+              <a:t>요구사항이 자주 변한다</a:t>
+            </a:r>
+            <a:r>
+              <a:rPr lang="en-US" altLang="ko-KR" sz="2400" dirty="0" smtClean="0">
+                <a:solidFill>
+                  <a:schemeClr val="bg1">
+                    <a:lumMod val="95000"/>
+                  </a:schemeClr>
+                </a:solidFill>
+                <a:latin typeface="나눔명조" pitchFamily="18" charset="-127"/>
+                <a:ea typeface="나눔명조" pitchFamily="18" charset="-127"/>
+              </a:rPr>
+              <a:t>.</a:t>
+            </a:r>
+            <a:endParaRPr lang="ko-KR" altLang="en-US" sz="2400" dirty="0">
+              <a:solidFill>
+                <a:schemeClr val="bg1">
+                  <a:lumMod val="95000"/>
+                </a:schemeClr>
+              </a:solidFill>
+              <a:latin typeface="나눔명조" pitchFamily="18" charset="-127"/>
+              <a:ea typeface="나눔명조" pitchFamily="18" charset="-127"/>
+            </a:endParaRPr>
+          </a:p>
+        </p:txBody>
+      </p:sp>
+      <p:cxnSp>
+        <p:nvCxnSpPr>
+          <p:cNvPr id="11" name="직선 연결선 10"/>
+          <p:cNvCxnSpPr/>
+          <p:nvPr/>
+        </p:nvCxnSpPr>
+        <p:spPr>
+          <a:xfrm>
+            <a:off x="539552" y="915566"/>
+            <a:ext cx="8136904" cy="0"/>
+          </a:xfrm>
+          <a:prstGeom prst="line">
+            <a:avLst/>
+          </a:prstGeom>
+          <a:ln w="12700">
+            <a:solidFill>
+              <a:schemeClr val="bg1"/>
+            </a:solidFill>
+          </a:ln>
+        </p:spPr>
+        <p:style>
+          <a:lnRef idx="1">
+            <a:schemeClr val="accent1"/>
+          </a:lnRef>
+          <a:fillRef idx="0">
+            <a:schemeClr val="accent1"/>
+          </a:fillRef>
+          <a:effectRef idx="0">
+            <a:schemeClr val="accent1"/>
+          </a:effectRef>
+          <a:fontRef idx="minor">
+            <a:schemeClr val="tx1"/>
+          </a:fontRef>
+        </p:style>
+      </p:cxnSp>
+      <p:cxnSp>
+        <p:nvCxnSpPr>
+          <p:cNvPr id="12" name="직선 연결선 11"/>
+          <p:cNvCxnSpPr/>
+          <p:nvPr/>
+        </p:nvCxnSpPr>
+        <p:spPr>
+          <a:xfrm>
+            <a:off x="467544" y="4299942"/>
+            <a:ext cx="8136904" cy="0"/>
+          </a:xfrm>
+          <a:prstGeom prst="line">
+            <a:avLst/>
+          </a:prstGeom>
+          <a:ln w="12700">
+            <a:solidFill>
+              <a:schemeClr val="bg1"/>
+            </a:solidFill>
+          </a:ln>
+        </p:spPr>
+        <p:style>
+          <a:lnRef idx="1">
+            <a:schemeClr val="accent1"/>
+          </a:lnRef>
+          <a:fillRef idx="0">
+            <a:schemeClr val="accent1"/>
+          </a:fillRef>
+          <a:effectRef idx="0">
+            <a:schemeClr val="accent1"/>
+          </a:effectRef>
+          <a:fontRef idx="minor">
+            <a:schemeClr val="tx1"/>
+          </a:fontRef>
+        </p:style>
+      </p:cxnSp>
+      <p:cxnSp>
+        <p:nvCxnSpPr>
+          <p:cNvPr id="14" name="직선 연결선 13"/>
+          <p:cNvCxnSpPr/>
+          <p:nvPr/>
+        </p:nvCxnSpPr>
+        <p:spPr>
+          <a:xfrm>
+            <a:off x="467544" y="915566"/>
+            <a:ext cx="8208912" cy="0"/>
+          </a:xfrm>
+          <a:prstGeom prst="line">
+            <a:avLst/>
+          </a:prstGeom>
+          <a:ln w="12700">
+            <a:solidFill>
+              <a:schemeClr val="bg1"/>
+            </a:solidFill>
+          </a:ln>
+        </p:spPr>
+        <p:style>
+          <a:lnRef idx="1">
+            <a:schemeClr val="accent1"/>
+          </a:lnRef>
+          <a:fillRef idx="0">
+            <a:schemeClr val="accent1"/>
+          </a:fillRef>
+          <a:effectRef idx="0">
+            <a:schemeClr val="accent1"/>
+          </a:effectRef>
+          <a:fontRef idx="minor">
+            <a:schemeClr val="tx1"/>
+          </a:fontRef>
+        </p:style>
+      </p:cxnSp>
+      <p:cxnSp>
+        <p:nvCxnSpPr>
+          <p:cNvPr id="15" name="직선 연결선 14"/>
+          <p:cNvCxnSpPr/>
+          <p:nvPr/>
+        </p:nvCxnSpPr>
+        <p:spPr>
+          <a:xfrm>
+            <a:off x="467544" y="4299942"/>
+            <a:ext cx="8208912" cy="0"/>
+          </a:xfrm>
+          <a:prstGeom prst="line">
+            <a:avLst/>
+          </a:prstGeom>
+          <a:ln w="12700">
+            <a:solidFill>
+              <a:schemeClr val="bg1"/>
+            </a:solidFill>
+          </a:ln>
+        </p:spPr>
+        <p:style>
+          <a:lnRef idx="1">
+            <a:schemeClr val="accent1"/>
+          </a:lnRef>
+          <a:fillRef idx="0">
+            <a:schemeClr val="accent1"/>
+          </a:fillRef>
+          <a:effectRef idx="0">
+            <a:schemeClr val="accent1"/>
+          </a:effectRef>
+          <a:fontRef idx="minor">
+            <a:schemeClr val="tx1"/>
+          </a:fontRef>
+        </p:style>
+      </p:cxnSp>
+      <p:pic>
+        <p:nvPicPr>
+          <p:cNvPr id="1026" name="Picture 2" descr="ê´ë ¨ ì´ë¯¸ì§"/>
+          <p:cNvPicPr>
+            <a:picLocks noChangeAspect="1" noChangeArrowheads="1"/>
+          </p:cNvPicPr>
+          <p:nvPr/>
+        </p:nvPicPr>
+        <p:blipFill>
+          <a:blip r:embed="rId2" cstate="print">
+            <a:clrChange>
+              <a:clrFrom>
+                <a:srgbClr val="000000"/>
+              </a:clrFrom>
+              <a:clrTo>
+                <a:srgbClr val="000000">
+                  <a:alpha val="0"/>
+                </a:srgbClr>
+              </a:clrTo>
+            </a:clrChange>
+          </a:blip>
+          <a:stretch>
+            <a:fillRect/>
+          </a:stretch>
+        </p:blipFill>
+        <p:spPr bwMode="auto">
+          <a:xfrm>
+            <a:off x="3059832" y="1347614"/>
+            <a:ext cx="2385121" cy="1512168"/>
+          </a:xfrm>
+          <a:prstGeom prst="rect">
+            <a:avLst/>
+          </a:prstGeom>
+          <a:noFill/>
+          <a:ln>
+            <a:noFill/>
+          </a:ln>
+          <a:effectLst>
+            <a:outerShdw blurRad="50800" dist="50800" dir="5400000" algn="ctr" rotWithShape="0">
+              <a:srgbClr val="000000">
+                <a:alpha val="58000"/>
+              </a:srgbClr>
+            </a:outerShdw>
+            <a:reflection blurRad="6350" stA="50000" endA="275" endPos="40000" dist="101600" dir="5400000" sy="-100000" algn="bl" rotWithShape="0"/>
+          </a:effectLst>
+        </p:spPr>
+      </p:pic>
+      <p:sp>
+        <p:nvSpPr>
+          <p:cNvPr id="20" name="TextBox 19"/>
+          <p:cNvSpPr txBox="1"/>
+          <p:nvPr/>
+        </p:nvSpPr>
+        <p:spPr>
+          <a:xfrm>
+            <a:off x="2123728" y="3507854"/>
+            <a:ext cx="4608512" cy="400110"/>
+          </a:xfrm>
+          <a:prstGeom prst="rect">
+            <a:avLst/>
+          </a:prstGeom>
+          <a:noFill/>
+        </p:spPr>
+        <p:txBody>
+          <a:bodyPr wrap="square" rtlCol="0">
+            <a:spAutoFit/>
+          </a:bodyPr>
+          <a:lstStyle/>
+          <a:p>
+            <a:pPr algn="ctr"/>
+            <a:r>
+              <a:rPr lang="ko-KR" altLang="en-US" sz="2000" dirty="0" smtClean="0">
+                <a:solidFill>
+                  <a:schemeClr val="bg1">
+                    <a:lumMod val="95000"/>
+                  </a:schemeClr>
+                </a:solidFill>
+                <a:latin typeface="나눔명조" pitchFamily="18" charset="-127"/>
+                <a:ea typeface="나눔명조" pitchFamily="18" charset="-127"/>
+              </a:rPr>
+              <a:t>이관 직전 버전을 예측하기 힘들다</a:t>
+            </a:r>
+            <a:r>
+              <a:rPr lang="en-US" altLang="ko-KR" sz="2000" dirty="0" smtClean="0">
+                <a:solidFill>
+                  <a:schemeClr val="bg1">
+                    <a:lumMod val="95000"/>
+                  </a:schemeClr>
+                </a:solidFill>
+                <a:latin typeface="나눔명조" pitchFamily="18" charset="-127"/>
+                <a:ea typeface="나눔명조" pitchFamily="18" charset="-127"/>
+              </a:rPr>
+              <a:t>.</a:t>
+            </a:r>
+            <a:endParaRPr lang="ko-KR" altLang="en-US" sz="2000" dirty="0">
+              <a:solidFill>
+                <a:schemeClr val="bg1">
+                  <a:lumMod val="95000"/>
+                </a:schemeClr>
+              </a:solidFill>
+              <a:latin typeface="나눔명조" pitchFamily="18" charset="-127"/>
+              <a:ea typeface="나눔명조" pitchFamily="18" charset="-127"/>
+            </a:endParaRPr>
+          </a:p>
+        </p:txBody>
+      </p:sp>
+    </p:spTree>
+  </p:cSld>
+  <p:clrMapOvr>
+    <a:masterClrMapping/>
+  </p:clrMapOvr>
+  <p:timing>
+    <p:tnLst>
+      <p:par>
+        <p:cTn id="1" dur="indefinite" restart="never" nodeType="tmRoot"/>
+      </p:par>
+    </p:tnLst>
+  </p:timing>
+</p:sld>
+</file>
+
+<file path=ppt/slides/slide7.xml><?xml version="1.0" encoding="utf-8"?>
+<p:sld xmlns:a="http://schemas.openxmlformats.org/drawingml/2006/main" xmlns:r="http://schemas.openxmlformats.org/officeDocument/2006/relationships" xmlns:p="http://schemas.openxmlformats.org/presentationml/2006/main">
+  <p:cSld>
+    <p:spTree>
+      <p:nvGrpSpPr>
+        <p:cNvPr id="1" name=""/>
+        <p:cNvGrpSpPr/>
+        <p:nvPr/>
+      </p:nvGrpSpPr>
+      <p:grpSpPr>
+        <a:xfrm>
+          <a:off x="0" y="0"/>
+          <a:ext cx="0" cy="0"/>
+          <a:chOff x="0" y="0"/>
+          <a:chExt cx="0" cy="0"/>
+        </a:xfrm>
+      </p:grpSpPr>
+      <p:sp>
+        <p:nvSpPr>
+          <p:cNvPr id="16" name="평행 사변형 15"/>
+          <p:cNvSpPr/>
+          <p:nvPr/>
+        </p:nvSpPr>
+        <p:spPr>
+          <a:xfrm rot="16200000">
+            <a:off x="2000251" y="-2000251"/>
+            <a:ext cx="5143500" cy="9144001"/>
+          </a:xfrm>
+          <a:prstGeom prst="parallelogram">
+            <a:avLst>
+              <a:gd name="adj" fmla="val 7753"/>
+            </a:avLst>
+          </a:prstGeom>
+          <a:solidFill>
+            <a:srgbClr val="473F3D"/>
+          </a:solidFill>
+          <a:ln>
+            <a:noFill/>
+          </a:ln>
+        </p:spPr>
+        <p:style>
+          <a:lnRef idx="2">
+            <a:schemeClr val="accent1">
+              <a:shade val="50000"/>
+            </a:schemeClr>
+          </a:lnRef>
+          <a:fillRef idx="1">
+            <a:schemeClr val="accent1"/>
+          </a:fillRef>
+          <a:effectRef idx="0">
+            <a:schemeClr val="accent1"/>
+          </a:effectRef>
+          <a:fontRef idx="minor">
+            <a:schemeClr val="lt1"/>
+          </a:fontRef>
+        </p:style>
+        <p:txBody>
+          <a:bodyPr rtlCol="0" anchor="ctr"/>
+          <a:lstStyle/>
+          <a:p>
+            <a:pPr algn="ctr"/>
+            <a:endParaRPr lang="ko-KR" altLang="en-US" sz="1600" dirty="0"/>
+          </a:p>
+        </p:txBody>
+      </p:sp>
+      <p:sp>
+        <p:nvSpPr>
+          <p:cNvPr id="10" name="TextBox 9"/>
+          <p:cNvSpPr txBox="1"/>
+          <p:nvPr/>
+        </p:nvSpPr>
+        <p:spPr>
+          <a:xfrm>
+            <a:off x="611560" y="483518"/>
+            <a:ext cx="4608512" cy="461665"/>
+          </a:xfrm>
+          <a:prstGeom prst="rect">
+            <a:avLst/>
+          </a:prstGeom>
+          <a:noFill/>
+        </p:spPr>
+        <p:txBody>
+          <a:bodyPr wrap="square" rtlCol="0">
+            <a:spAutoFit/>
+          </a:bodyPr>
+          <a:lstStyle/>
+          <a:p>
+            <a:r>
+              <a:rPr lang="ko-KR" altLang="en-US" sz="2400" dirty="0" smtClean="0">
+                <a:solidFill>
+                  <a:schemeClr val="bg1">
+                    <a:lumMod val="95000"/>
+                  </a:schemeClr>
+                </a:solidFill>
+                <a:latin typeface="나눔명조" pitchFamily="18" charset="-127"/>
+                <a:ea typeface="나눔명조" pitchFamily="18" charset="-127"/>
+              </a:rPr>
+              <a:t>상황</a:t>
+            </a:r>
+            <a:r>
+              <a:rPr lang="en-US" altLang="ko-KR" sz="2400" dirty="0" smtClean="0">
+                <a:solidFill>
+                  <a:schemeClr val="bg1">
+                    <a:lumMod val="95000"/>
+                  </a:schemeClr>
+                </a:solidFill>
+                <a:latin typeface="나눔명조" pitchFamily="18" charset="-127"/>
+                <a:ea typeface="나눔명조" pitchFamily="18" charset="-127"/>
+              </a:rPr>
+              <a:t>1 – </a:t>
+            </a:r>
+            <a:r>
+              <a:rPr lang="ko-KR" altLang="en-US" sz="2400" dirty="0" smtClean="0">
+                <a:solidFill>
+                  <a:schemeClr val="bg1">
+                    <a:lumMod val="95000"/>
+                  </a:schemeClr>
+                </a:solidFill>
+                <a:latin typeface="나눔명조" pitchFamily="18" charset="-127"/>
+                <a:ea typeface="나눔명조" pitchFamily="18" charset="-127"/>
+              </a:rPr>
+              <a:t>요구사항이 자주 변한다</a:t>
+            </a:r>
+            <a:r>
+              <a:rPr lang="en-US" altLang="ko-KR" sz="2400" dirty="0" smtClean="0">
+                <a:solidFill>
+                  <a:schemeClr val="bg1">
+                    <a:lumMod val="95000"/>
+                  </a:schemeClr>
+                </a:solidFill>
+                <a:latin typeface="나눔명조" pitchFamily="18" charset="-127"/>
+                <a:ea typeface="나눔명조" pitchFamily="18" charset="-127"/>
+              </a:rPr>
+              <a:t>.</a:t>
+            </a:r>
+            <a:endParaRPr lang="ko-KR" altLang="en-US" sz="2400" dirty="0">
+              <a:solidFill>
+                <a:schemeClr val="bg1">
+                  <a:lumMod val="95000"/>
+                </a:schemeClr>
+              </a:solidFill>
+              <a:latin typeface="나눔명조" pitchFamily="18" charset="-127"/>
+              <a:ea typeface="나눔명조" pitchFamily="18" charset="-127"/>
+            </a:endParaRPr>
+          </a:p>
+        </p:txBody>
+      </p:sp>
+      <p:cxnSp>
+        <p:nvCxnSpPr>
+          <p:cNvPr id="11" name="직선 연결선 10"/>
+          <p:cNvCxnSpPr/>
+          <p:nvPr/>
+        </p:nvCxnSpPr>
+        <p:spPr>
+          <a:xfrm>
+            <a:off x="539552" y="915566"/>
+            <a:ext cx="8136904" cy="0"/>
+          </a:xfrm>
+          <a:prstGeom prst="line">
+            <a:avLst/>
+          </a:prstGeom>
+          <a:ln w="12700">
+            <a:solidFill>
+              <a:schemeClr val="bg1"/>
+            </a:solidFill>
+          </a:ln>
+        </p:spPr>
+        <p:style>
+          <a:lnRef idx="1">
+            <a:schemeClr val="accent1"/>
+          </a:lnRef>
+          <a:fillRef idx="0">
+            <a:schemeClr val="accent1"/>
+          </a:fillRef>
+          <a:effectRef idx="0">
+            <a:schemeClr val="accent1"/>
+          </a:effectRef>
+          <a:fontRef idx="minor">
+            <a:schemeClr val="tx1"/>
+          </a:fontRef>
+        </p:style>
+      </p:cxnSp>
+      <p:cxnSp>
+        <p:nvCxnSpPr>
+          <p:cNvPr id="12" name="직선 연결선 11"/>
+          <p:cNvCxnSpPr/>
+          <p:nvPr/>
+        </p:nvCxnSpPr>
+        <p:spPr>
+          <a:xfrm>
+            <a:off x="467544" y="4299942"/>
+            <a:ext cx="8136904" cy="0"/>
+          </a:xfrm>
+          <a:prstGeom prst="line">
+            <a:avLst/>
+          </a:prstGeom>
+          <a:ln w="12700">
+            <a:solidFill>
+              <a:schemeClr val="bg1"/>
+            </a:solidFill>
+          </a:ln>
+        </p:spPr>
+        <p:style>
+          <a:lnRef idx="1">
+            <a:schemeClr val="accent1"/>
+          </a:lnRef>
+          <a:fillRef idx="0">
+            <a:schemeClr val="accent1"/>
+          </a:fillRef>
+          <a:effectRef idx="0">
+            <a:schemeClr val="accent1"/>
+          </a:effectRef>
+          <a:fontRef idx="minor">
+            <a:schemeClr val="tx1"/>
+          </a:fontRef>
+        </p:style>
+      </p:cxnSp>
+      <p:cxnSp>
+        <p:nvCxnSpPr>
+          <p:cNvPr id="14" name="직선 연결선 13"/>
+          <p:cNvCxnSpPr/>
+          <p:nvPr/>
+        </p:nvCxnSpPr>
+        <p:spPr>
+          <a:xfrm>
+            <a:off x="467544" y="915566"/>
+            <a:ext cx="8208912" cy="0"/>
+          </a:xfrm>
+          <a:prstGeom prst="line">
+            <a:avLst/>
+          </a:prstGeom>
+          <a:ln w="12700">
+            <a:solidFill>
+              <a:schemeClr val="bg1"/>
+            </a:solidFill>
+          </a:ln>
+        </p:spPr>
+        <p:style>
+          <a:lnRef idx="1">
+            <a:schemeClr val="accent1"/>
+          </a:lnRef>
+          <a:fillRef idx="0">
+            <a:schemeClr val="accent1"/>
+          </a:fillRef>
+          <a:effectRef idx="0">
+            <a:schemeClr val="accent1"/>
+          </a:effectRef>
+          <a:fontRef idx="minor">
+            <a:schemeClr val="tx1"/>
+          </a:fontRef>
+        </p:style>
+      </p:cxnSp>
+      <p:cxnSp>
+        <p:nvCxnSpPr>
+          <p:cNvPr id="15" name="직선 연결선 14"/>
+          <p:cNvCxnSpPr/>
+          <p:nvPr/>
+        </p:nvCxnSpPr>
+        <p:spPr>
+          <a:xfrm>
+            <a:off x="467544" y="4299942"/>
+            <a:ext cx="8208912" cy="0"/>
+          </a:xfrm>
+          <a:prstGeom prst="line">
+            <a:avLst/>
+          </a:prstGeom>
+          <a:ln w="12700">
+            <a:solidFill>
+              <a:schemeClr val="bg1"/>
+            </a:solidFill>
+          </a:ln>
+        </p:spPr>
+        <p:style>
+          <a:lnRef idx="1">
+            <a:schemeClr val="accent1"/>
+          </a:lnRef>
+          <a:fillRef idx="0">
+            <a:schemeClr val="accent1"/>
+          </a:fillRef>
+          <a:effectRef idx="0">
+            <a:schemeClr val="accent1"/>
+          </a:effectRef>
+          <a:fontRef idx="minor">
+            <a:schemeClr val="tx1"/>
+          </a:fontRef>
+        </p:style>
+      </p:cxnSp>
+      <p:pic>
+        <p:nvPicPr>
+          <p:cNvPr id="1026" name="Picture 2" descr="ê´ë ¨ ì´ë¯¸ì§"/>
+          <p:cNvPicPr>
+            <a:picLocks noChangeAspect="1" noChangeArrowheads="1"/>
+          </p:cNvPicPr>
+          <p:nvPr/>
+        </p:nvPicPr>
+        <p:blipFill>
+          <a:blip r:embed="rId2" cstate="print">
+            <a:clrChange>
+              <a:clrFrom>
+                <a:srgbClr val="000000"/>
+              </a:clrFrom>
+              <a:clrTo>
+                <a:srgbClr val="000000">
+                  <a:alpha val="0"/>
+                </a:srgbClr>
+              </a:clrTo>
+            </a:clrChange>
+          </a:blip>
+          <a:stretch>
+            <a:fillRect/>
+          </a:stretch>
+        </p:blipFill>
+        <p:spPr bwMode="auto">
+          <a:xfrm>
+            <a:off x="3059832" y="1347614"/>
+            <a:ext cx="2385121" cy="1512168"/>
+          </a:xfrm>
+          <a:prstGeom prst="rect">
+            <a:avLst/>
+          </a:prstGeom>
+          <a:noFill/>
+          <a:ln>
+            <a:noFill/>
+          </a:ln>
+          <a:effectLst>
+            <a:outerShdw blurRad="50800" dist="50800" dir="5400000" algn="ctr" rotWithShape="0">
+              <a:srgbClr val="000000">
+                <a:alpha val="58000"/>
+              </a:srgbClr>
+            </a:outerShdw>
+            <a:reflection blurRad="6350" stA="50000" endA="275" endPos="40000" dist="101600" dir="5400000" sy="-100000" algn="bl" rotWithShape="0"/>
+          </a:effectLst>
+        </p:spPr>
+      </p:pic>
+      <p:sp>
+        <p:nvSpPr>
+          <p:cNvPr id="20" name="TextBox 19"/>
+          <p:cNvSpPr txBox="1"/>
+          <p:nvPr/>
+        </p:nvSpPr>
+        <p:spPr>
+          <a:xfrm>
+            <a:off x="2123728" y="3507854"/>
+            <a:ext cx="4608512" cy="400110"/>
+          </a:xfrm>
+          <a:prstGeom prst="rect">
+            <a:avLst/>
+          </a:prstGeom>
+          <a:noFill/>
+        </p:spPr>
+        <p:txBody>
+          <a:bodyPr wrap="square" rtlCol="0">
+            <a:spAutoFit/>
+          </a:bodyPr>
+          <a:lstStyle/>
+          <a:p>
+            <a:pPr algn="ctr"/>
+            <a:r>
+              <a:rPr lang="ko-KR" altLang="en-US" sz="2000" dirty="0" smtClean="0">
+                <a:solidFill>
+                  <a:schemeClr val="bg1">
+                    <a:lumMod val="95000"/>
+                  </a:schemeClr>
+                </a:solidFill>
+                <a:latin typeface="나눔명조" pitchFamily="18" charset="-127"/>
+                <a:ea typeface="나눔명조" pitchFamily="18" charset="-127"/>
+              </a:rPr>
+              <a:t>이관 직전 버전을 예측하기 힘들다</a:t>
+            </a:r>
+            <a:r>
+              <a:rPr lang="en-US" altLang="ko-KR" sz="2000" dirty="0" smtClean="0">
+                <a:solidFill>
+                  <a:schemeClr val="bg1">
+                    <a:lumMod val="95000"/>
+                  </a:schemeClr>
+                </a:solidFill>
+                <a:latin typeface="나눔명조" pitchFamily="18" charset="-127"/>
+                <a:ea typeface="나눔명조" pitchFamily="18" charset="-127"/>
+              </a:rPr>
+              <a:t>.</a:t>
+            </a:r>
+            <a:endParaRPr lang="ko-KR" altLang="en-US" sz="2000" dirty="0">
+              <a:solidFill>
+                <a:schemeClr val="bg1">
+                  <a:lumMod val="95000"/>
+                </a:schemeClr>
+              </a:solidFill>
+              <a:latin typeface="나눔명조" pitchFamily="18" charset="-127"/>
+              <a:ea typeface="나눔명조" pitchFamily="18" charset="-127"/>
+            </a:endParaRPr>
+          </a:p>
+        </p:txBody>
+      </p:sp>
+    </p:spTree>
+  </p:cSld>
+  <p:clrMapOvr>
+    <a:masterClrMapping/>
+  </p:clrMapOvr>
+  <p:timing>
+    <p:tnLst>
+      <p:par>
+        <p:cTn id="1" dur="indefinite" restart="never" nodeType="tmRoot"/>
+      </p:par>
+    </p:tnLst>
+  </p:timing>
+</p:sld>
+</file>
+
+<file path=ppt/slides/slide8.xml><?xml version="1.0" encoding="utf-8"?>
+<p:sld xmlns:a="http://schemas.openxmlformats.org/drawingml/2006/main" xmlns:r="http://schemas.openxmlformats.org/officeDocument/2006/relationships" xmlns:p="http://schemas.openxmlformats.org/presentationml/2006/main">
+  <p:cSld>
+    <p:spTree>
+      <p:nvGrpSpPr>
+        <p:cNvPr id="1" name=""/>
+        <p:cNvGrpSpPr/>
+        <p:nvPr/>
+      </p:nvGrpSpPr>
+      <p:grpSpPr>
+        <a:xfrm>
+          <a:off x="0" y="0"/>
+          <a:ext cx="0" cy="0"/>
+          <a:chOff x="0" y="0"/>
+          <a:chExt cx="0" cy="0"/>
+        </a:xfrm>
+      </p:grpSpPr>
+      <p:sp>
+        <p:nvSpPr>
+          <p:cNvPr id="16" name="평행 사변형 15"/>
+          <p:cNvSpPr/>
+          <p:nvPr/>
+        </p:nvSpPr>
+        <p:spPr>
+          <a:xfrm rot="16200000">
+            <a:off x="2000251" y="-2000251"/>
+            <a:ext cx="5143500" cy="9144001"/>
+          </a:xfrm>
+          <a:prstGeom prst="parallelogram">
+            <a:avLst>
+              <a:gd name="adj" fmla="val 7753"/>
+            </a:avLst>
+          </a:prstGeom>
+          <a:solidFill>
+            <a:srgbClr val="473F3D"/>
+          </a:solidFill>
+          <a:ln>
+            <a:noFill/>
+          </a:ln>
+        </p:spPr>
+        <p:style>
+          <a:lnRef idx="2">
+            <a:schemeClr val="accent1">
+              <a:shade val="50000"/>
+            </a:schemeClr>
+          </a:lnRef>
+          <a:fillRef idx="1">
+            <a:schemeClr val="accent1"/>
+          </a:fillRef>
+          <a:effectRef idx="0">
+            <a:schemeClr val="accent1"/>
+          </a:effectRef>
+          <a:fontRef idx="minor">
+            <a:schemeClr val="lt1"/>
+          </a:fontRef>
+        </p:style>
+        <p:txBody>
+          <a:bodyPr rtlCol="0" anchor="ctr"/>
+          <a:lstStyle/>
+          <a:p>
+            <a:pPr algn="ctr"/>
+            <a:endParaRPr lang="ko-KR" altLang="en-US" sz="1600"/>
+          </a:p>
+        </p:txBody>
+      </p:sp>
+      <p:sp>
+        <p:nvSpPr>
+          <p:cNvPr id="10" name="TextBox 9"/>
+          <p:cNvSpPr txBox="1"/>
+          <p:nvPr/>
+        </p:nvSpPr>
+        <p:spPr>
+          <a:xfrm>
+            <a:off x="611560" y="483518"/>
+            <a:ext cx="4608512" cy="461665"/>
+          </a:xfrm>
+          <a:prstGeom prst="rect">
+            <a:avLst/>
+          </a:prstGeom>
+          <a:noFill/>
+        </p:spPr>
+        <p:txBody>
+          <a:bodyPr wrap="square" rtlCol="0">
+            <a:spAutoFit/>
+          </a:bodyPr>
+          <a:lstStyle/>
+          <a:p>
+            <a:r>
+              <a:rPr lang="ko-KR" altLang="en-US" sz="2400" dirty="0" smtClean="0">
+                <a:solidFill>
+                  <a:schemeClr val="bg1">
+                    <a:lumMod val="95000"/>
+                  </a:schemeClr>
+                </a:solidFill>
+                <a:latin typeface="나눔바른고딕" pitchFamily="50" charset="-127"/>
+                <a:ea typeface="나눔바른고딕" pitchFamily="50" charset="-127"/>
+              </a:rPr>
+              <a:t>명령어 사용빈도 </a:t>
+            </a:r>
+            <a:r>
+              <a:rPr lang="en-US" altLang="ko-KR" sz="2400" dirty="0" smtClean="0">
+                <a:solidFill>
+                  <a:schemeClr val="bg1">
+                    <a:lumMod val="95000"/>
+                  </a:schemeClr>
+                </a:solidFill>
+                <a:latin typeface="나눔바른고딕" pitchFamily="50" charset="-127"/>
+                <a:ea typeface="나눔바른고딕" pitchFamily="50" charset="-127"/>
+              </a:rPr>
+              <a:t>– </a:t>
+            </a:r>
+            <a:r>
+              <a:rPr lang="ko-KR" altLang="en-US" sz="2400" dirty="0" smtClean="0">
+                <a:solidFill>
+                  <a:schemeClr val="bg1">
+                    <a:lumMod val="95000"/>
+                  </a:schemeClr>
+                </a:solidFill>
+                <a:latin typeface="나눔바른고딕" pitchFamily="50" charset="-127"/>
+                <a:ea typeface="나눔바른고딕" pitchFamily="50" charset="-127"/>
+              </a:rPr>
+              <a:t>혼자 쓸 때</a:t>
+            </a:r>
+            <a:endParaRPr lang="ko-KR" altLang="en-US" sz="2400" dirty="0">
+              <a:solidFill>
+                <a:schemeClr val="bg1">
+                  <a:lumMod val="95000"/>
+                </a:schemeClr>
+              </a:solidFill>
+              <a:latin typeface="나눔바른고딕" pitchFamily="50" charset="-127"/>
+              <a:ea typeface="나눔바른고딕" pitchFamily="50" charset="-127"/>
+            </a:endParaRPr>
+          </a:p>
+        </p:txBody>
+      </p:sp>
+      <p:cxnSp>
+        <p:nvCxnSpPr>
+          <p:cNvPr id="11" name="직선 연결선 10"/>
+          <p:cNvCxnSpPr/>
+          <p:nvPr/>
+        </p:nvCxnSpPr>
+        <p:spPr>
+          <a:xfrm>
+            <a:off x="539552" y="915566"/>
+            <a:ext cx="8136904" cy="0"/>
+          </a:xfrm>
+          <a:prstGeom prst="line">
+            <a:avLst/>
+          </a:prstGeom>
+          <a:ln w="12700">
+            <a:solidFill>
+              <a:schemeClr val="bg1"/>
+            </a:solidFill>
+          </a:ln>
+        </p:spPr>
+        <p:style>
+          <a:lnRef idx="1">
+            <a:schemeClr val="accent1"/>
+          </a:lnRef>
+          <a:fillRef idx="0">
+            <a:schemeClr val="accent1"/>
+          </a:fillRef>
+          <a:effectRef idx="0">
+            <a:schemeClr val="accent1"/>
+          </a:effectRef>
+          <a:fontRef idx="minor">
+            <a:schemeClr val="tx1"/>
+          </a:fontRef>
+        </p:style>
+      </p:cxnSp>
+      <p:cxnSp>
+        <p:nvCxnSpPr>
+          <p:cNvPr id="12" name="직선 연결선 11"/>
+          <p:cNvCxnSpPr/>
+          <p:nvPr/>
+        </p:nvCxnSpPr>
+        <p:spPr>
+          <a:xfrm>
+            <a:off x="467544" y="4299942"/>
+            <a:ext cx="8136904" cy="0"/>
+          </a:xfrm>
+          <a:prstGeom prst="line">
+            <a:avLst/>
+          </a:prstGeom>
+          <a:ln w="12700">
+            <a:solidFill>
+              <a:schemeClr val="bg1"/>
+            </a:solidFill>
+          </a:ln>
+        </p:spPr>
+        <p:style>
+          <a:lnRef idx="1">
+            <a:schemeClr val="accent1"/>
+          </a:lnRef>
+          <a:fillRef idx="0">
+            <a:schemeClr val="accent1"/>
+          </a:fillRef>
+          <a:effectRef idx="0">
+            <a:schemeClr val="accent1"/>
+          </a:effectRef>
+          <a:fontRef idx="minor">
+            <a:schemeClr val="tx1"/>
+          </a:fontRef>
+        </p:style>
+      </p:cxnSp>
+      <p:cxnSp>
+        <p:nvCxnSpPr>
+          <p:cNvPr id="14" name="직선 연결선 13"/>
+          <p:cNvCxnSpPr/>
+          <p:nvPr/>
+        </p:nvCxnSpPr>
+        <p:spPr>
+          <a:xfrm>
+            <a:off x="467544" y="915566"/>
+            <a:ext cx="8208912" cy="0"/>
+          </a:xfrm>
+          <a:prstGeom prst="line">
+            <a:avLst/>
+          </a:prstGeom>
+          <a:ln w="12700">
+            <a:solidFill>
+              <a:schemeClr val="bg1"/>
+            </a:solidFill>
+          </a:ln>
+        </p:spPr>
+        <p:style>
+          <a:lnRef idx="1">
+            <a:schemeClr val="accent1"/>
+          </a:lnRef>
+          <a:fillRef idx="0">
+            <a:schemeClr val="accent1"/>
+          </a:fillRef>
+          <a:effectRef idx="0">
+            <a:schemeClr val="accent1"/>
+          </a:effectRef>
+          <a:fontRef idx="minor">
+            <a:schemeClr val="tx1"/>
+          </a:fontRef>
+        </p:style>
+      </p:cxnSp>
+      <p:cxnSp>
+        <p:nvCxnSpPr>
+          <p:cNvPr id="15" name="직선 연결선 14"/>
+          <p:cNvCxnSpPr/>
+          <p:nvPr/>
+        </p:nvCxnSpPr>
+        <p:spPr>
+          <a:xfrm>
+            <a:off x="467544" y="4299942"/>
+            <a:ext cx="8208912" cy="0"/>
+          </a:xfrm>
+          <a:prstGeom prst="line">
+            <a:avLst/>
+          </a:prstGeom>
+          <a:ln w="12700">
+            <a:solidFill>
+              <a:schemeClr val="bg1"/>
+            </a:solidFill>
+          </a:ln>
+        </p:spPr>
+        <p:style>
+          <a:lnRef idx="1">
+            <a:schemeClr val="accent1"/>
+          </a:lnRef>
+          <a:fillRef idx="0">
+            <a:schemeClr val="accent1"/>
+          </a:fillRef>
+          <a:effectRef idx="0">
+            <a:schemeClr val="accent1"/>
+          </a:effectRef>
+          <a:fontRef idx="minor">
+            <a:schemeClr val="tx1"/>
+          </a:fontRef>
+        </p:style>
+      </p:cxnSp>
+      <p:pic>
+        <p:nvPicPr>
+          <p:cNvPr id="1026" name="Picture 2"/>
+          <p:cNvPicPr>
+            <a:picLocks noChangeAspect="1" noChangeArrowheads="1"/>
+          </p:cNvPicPr>
+          <p:nvPr/>
+        </p:nvPicPr>
+        <p:blipFill>
+          <a:blip r:embed="rId2" cstate="print"/>
+          <a:srcRect/>
+          <a:stretch>
+            <a:fillRect/>
+          </a:stretch>
+        </p:blipFill>
+        <p:spPr bwMode="auto">
+          <a:xfrm>
+            <a:off x="1187624" y="1059582"/>
+            <a:ext cx="3312368" cy="3024918"/>
+          </a:xfrm>
+          <a:prstGeom prst="rect">
+            <a:avLst/>
+          </a:prstGeom>
+          <a:noFill/>
+          <a:ln w="9525">
+            <a:noFill/>
+            <a:miter lim="800000"/>
+            <a:headEnd/>
+            <a:tailEnd/>
+          </a:ln>
+        </p:spPr>
+      </p:pic>
+      <p:sp>
+        <p:nvSpPr>
+          <p:cNvPr id="17" name="TextBox 16"/>
+          <p:cNvSpPr txBox="1"/>
+          <p:nvPr/>
+        </p:nvSpPr>
+        <p:spPr>
+          <a:xfrm>
+            <a:off x="5292080" y="1347614"/>
+            <a:ext cx="1872208" cy="2585323"/>
+          </a:xfrm>
+          <a:prstGeom prst="rect">
+            <a:avLst/>
+          </a:prstGeom>
+          <a:noFill/>
+        </p:spPr>
+        <p:txBody>
+          <a:bodyPr wrap="square" rtlCol="0">
+            <a:spAutoFit/>
+          </a:bodyPr>
+          <a:lstStyle/>
+          <a:p>
+            <a:pPr marL="342900" indent="-342900">
+              <a:buAutoNum type="arabicPeriod"/>
+            </a:pPr>
+            <a:r>
+              <a:rPr lang="en-US" altLang="ko-KR" dirty="0" smtClean="0">
+                <a:solidFill>
+                  <a:schemeClr val="bg1">
+                    <a:lumMod val="95000"/>
+                  </a:schemeClr>
+                </a:solidFill>
+                <a:latin typeface="나눔바른고딕" pitchFamily="50" charset="-127"/>
+                <a:ea typeface="나눔바른고딕" pitchFamily="50" charset="-127"/>
+              </a:rPr>
+              <a:t>Init</a:t>
+            </a:r>
+          </a:p>
+          <a:p>
+            <a:pPr marL="342900" indent="-342900">
+              <a:buAutoNum type="arabicPeriod"/>
+            </a:pPr>
+            <a:r>
+              <a:rPr lang="en-US" altLang="ko-KR" dirty="0" smtClean="0">
+                <a:solidFill>
+                  <a:schemeClr val="bg1">
+                    <a:lumMod val="95000"/>
+                  </a:schemeClr>
+                </a:solidFill>
+                <a:latin typeface="나눔바른고딕" pitchFamily="50" charset="-127"/>
+                <a:ea typeface="나눔바른고딕" pitchFamily="50" charset="-127"/>
+              </a:rPr>
+              <a:t>Add</a:t>
+            </a:r>
+          </a:p>
+          <a:p>
+            <a:pPr marL="342900" indent="-342900">
+              <a:buAutoNum type="arabicPeriod"/>
+            </a:pPr>
+            <a:r>
+              <a:rPr lang="en-US" altLang="ko-KR" dirty="0" smtClean="0">
+                <a:solidFill>
+                  <a:schemeClr val="bg1">
+                    <a:lumMod val="95000"/>
+                  </a:schemeClr>
+                </a:solidFill>
+                <a:latin typeface="나눔바른고딕" pitchFamily="50" charset="-127"/>
+                <a:ea typeface="나눔바른고딕" pitchFamily="50" charset="-127"/>
+              </a:rPr>
+              <a:t>Commit</a:t>
+            </a:r>
+          </a:p>
+          <a:p>
+            <a:pPr marL="342900" indent="-342900">
+              <a:buAutoNum type="arabicPeriod"/>
+            </a:pPr>
+            <a:r>
+              <a:rPr lang="en-US" altLang="ko-KR" dirty="0" smtClean="0">
+                <a:solidFill>
+                  <a:schemeClr val="bg1">
+                    <a:lumMod val="95000"/>
+                  </a:schemeClr>
+                </a:solidFill>
+                <a:latin typeface="나눔바른고딕" pitchFamily="50" charset="-127"/>
+                <a:ea typeface="나눔바른고딕" pitchFamily="50" charset="-127"/>
+              </a:rPr>
+              <a:t>Branch</a:t>
+            </a:r>
+          </a:p>
+          <a:p>
+            <a:pPr marL="342900" indent="-342900">
+              <a:buAutoNum type="arabicPeriod"/>
+            </a:pPr>
+            <a:r>
+              <a:rPr lang="en-US" altLang="ko-KR" dirty="0" smtClean="0">
+                <a:solidFill>
+                  <a:schemeClr val="bg1">
+                    <a:lumMod val="95000"/>
+                  </a:schemeClr>
+                </a:solidFill>
+                <a:latin typeface="나눔바른고딕" pitchFamily="50" charset="-127"/>
+                <a:ea typeface="나눔바른고딕" pitchFamily="50" charset="-127"/>
+              </a:rPr>
+              <a:t>Checkout</a:t>
+            </a:r>
+          </a:p>
+          <a:p>
+            <a:pPr marL="342900" indent="-342900">
+              <a:buAutoNum type="arabicPeriod"/>
+            </a:pPr>
+            <a:r>
+              <a:rPr lang="en-US" altLang="ko-KR" dirty="0" smtClean="0">
+                <a:solidFill>
+                  <a:schemeClr val="bg1">
+                    <a:lumMod val="95000"/>
+                  </a:schemeClr>
+                </a:solidFill>
+                <a:latin typeface="나눔바른고딕" pitchFamily="50" charset="-127"/>
+                <a:ea typeface="나눔바른고딕" pitchFamily="50" charset="-127"/>
+              </a:rPr>
+              <a:t>Merge</a:t>
+            </a:r>
+          </a:p>
+          <a:p>
+            <a:pPr marL="342900" indent="-342900">
+              <a:buAutoNum type="arabicPeriod"/>
+            </a:pPr>
+            <a:r>
+              <a:rPr lang="en-US" altLang="ko-KR" dirty="0" smtClean="0">
+                <a:solidFill>
+                  <a:schemeClr val="bg1">
+                    <a:lumMod val="95000"/>
+                  </a:schemeClr>
+                </a:solidFill>
+                <a:latin typeface="나눔바른고딕" pitchFamily="50" charset="-127"/>
+                <a:ea typeface="나눔바른고딕" pitchFamily="50" charset="-127"/>
+              </a:rPr>
+              <a:t>Status</a:t>
+            </a:r>
+          </a:p>
+          <a:p>
+            <a:pPr marL="342900" indent="-342900">
+              <a:buAutoNum type="arabicPeriod"/>
+            </a:pPr>
+            <a:r>
+              <a:rPr lang="en-US" altLang="ko-KR" dirty="0" smtClean="0">
+                <a:solidFill>
+                  <a:schemeClr val="bg1">
+                    <a:lumMod val="95000"/>
+                  </a:schemeClr>
+                </a:solidFill>
+                <a:latin typeface="나눔바른고딕" pitchFamily="50" charset="-127"/>
+                <a:ea typeface="나눔바른고딕" pitchFamily="50" charset="-127"/>
+              </a:rPr>
+              <a:t>Log</a:t>
+            </a:r>
+          </a:p>
+          <a:p>
+            <a:pPr marL="342900" indent="-342900">
+              <a:buAutoNum type="arabicPeriod"/>
+            </a:pPr>
+            <a:endParaRPr lang="en-US" altLang="ko-KR" dirty="0" smtClean="0">
+              <a:solidFill>
+                <a:schemeClr val="bg1">
+                  <a:lumMod val="95000"/>
+                </a:schemeClr>
+              </a:solidFill>
+              <a:latin typeface="나눔바른고딕" pitchFamily="50" charset="-127"/>
+              <a:ea typeface="나눔바른고딕" pitchFamily="50" charset="-127"/>
+            </a:endParaRPr>
+          </a:p>
+        </p:txBody>
+      </p:sp>
     </p:spTree>
   </p:cSld>
   <p:clrMapOvr>

--- a/git발표.pptx
+++ b/git발표.pptx
@@ -12,7 +12,8 @@
     <p:sldId id="262" r:id="rId6"/>
     <p:sldId id="263" r:id="rId7"/>
     <p:sldId id="264" r:id="rId8"/>
-    <p:sldId id="258" r:id="rId9"/>
+    <p:sldId id="265" r:id="rId9"/>
+    <p:sldId id="258" r:id="rId10"/>
   </p:sldIdLst>
   <p:sldSz cx="9144000" cy="5143500" type="screen16x9"/>
   <p:notesSz cx="6858000" cy="9144000"/>
@@ -7344,13 +7345,13 @@
           <a:p>
             <a:pPr algn="ctr"/>
             <a:r>
-              <a:rPr lang="en-US" altLang="ko-KR" sz="2000" dirty="0" err="1" smtClean="0">
+              <a:rPr lang="ko-KR" altLang="en-US" sz="1600" dirty="0" smtClean="0">
                 <a:latin typeface="나눔명조" pitchFamily="18" charset="-127"/>
                 <a:ea typeface="나눔명조" pitchFamily="18" charset="-127"/>
               </a:rPr>
-              <a:t>svn</a:t>
-            </a:r>
-            <a:endParaRPr lang="en-US" altLang="ko-KR" sz="2000" dirty="0" smtClean="0">
+              <a:t>현재</a:t>
+            </a:r>
+            <a:endParaRPr lang="en-US" altLang="ko-KR" sz="1600" dirty="0" smtClean="0">
               <a:latin typeface="나눔명조" pitchFamily="18" charset="-127"/>
               <a:ea typeface="나눔명조" pitchFamily="18" charset="-127"/>
             </a:endParaRPr>
@@ -7358,13 +7359,41 @@
           <a:p>
             <a:pPr algn="ctr"/>
             <a:r>
-              <a:rPr lang="ko-KR" altLang="en-US" dirty="0" smtClean="0">
+              <a:rPr lang="en-US" altLang="ko-KR" sz="1600" dirty="0" err="1" smtClean="0">
+                <a:latin typeface="나눔명조" pitchFamily="18" charset="-127"/>
+                <a:ea typeface="나눔명조" pitchFamily="18" charset="-127"/>
+              </a:rPr>
+              <a:t>Svn</a:t>
+            </a:r>
+            <a:r>
+              <a:rPr lang="en-US" altLang="ko-KR" sz="1600" dirty="0" smtClean="0">
+                <a:latin typeface="나눔명조" pitchFamily="18" charset="-127"/>
+                <a:ea typeface="나눔명조" pitchFamily="18" charset="-127"/>
+              </a:rPr>
+              <a:t> </a:t>
+            </a:r>
+            <a:r>
+              <a:rPr lang="ko-KR" altLang="en-US" sz="1600" dirty="0" smtClean="0">
+                <a:latin typeface="나눔명조" pitchFamily="18" charset="-127"/>
+                <a:ea typeface="나눔명조" pitchFamily="18" charset="-127"/>
+              </a:rPr>
+              <a:t>사용패턴의 </a:t>
+            </a:r>
+            <a:endParaRPr lang="en-US" altLang="ko-KR" sz="1600" dirty="0" smtClean="0">
+              <a:latin typeface="나눔명조" pitchFamily="18" charset="-127"/>
+              <a:ea typeface="나눔명조" pitchFamily="18" charset="-127"/>
+            </a:endParaRPr>
+          </a:p>
+          <a:p>
+            <a:pPr algn="ctr"/>
+            <a:r>
+              <a:rPr lang="ko-KR" altLang="en-US" sz="1600" dirty="0" smtClean="0">
                 <a:latin typeface="나눔명조" pitchFamily="18" charset="-127"/>
                 <a:ea typeface="나눔명조" pitchFamily="18" charset="-127"/>
               </a:rPr>
               <a:t>단점</a:t>
             </a:r>
-            <a:endParaRPr lang="ko-KR" altLang="en-US" dirty="0">
+            <a:endParaRPr lang="ko-KR" altLang="en-US" sz="1600" dirty="0">
               <a:latin typeface="나눔명조" pitchFamily="18" charset="-127"/>
               <a:ea typeface="나눔명조" pitchFamily="18" charset="-127"/>
             </a:endParaRPr>
@@ -7952,7 +7981,7 @@
         <p:spPr>
           <a:xfrm>
             <a:off x="611560" y="483518"/>
-            <a:ext cx="4608512" cy="461665"/>
+            <a:ext cx="7704856" cy="461665"/>
           </a:xfrm>
           <a:prstGeom prst="rect">
             <a:avLst/>
@@ -7987,10 +8016,10 @@
                 <a:latin typeface="나눔명조" pitchFamily="18" charset="-127"/>
                 <a:ea typeface="나눔명조" pitchFamily="18" charset="-127"/>
               </a:rPr>
-              <a:t>1 – </a:t>
-            </a:r>
-            <a:r>
-              <a:rPr lang="ko-KR" altLang="en-US" sz="2400" dirty="0" smtClean="0">
+              <a:t>2</a:t>
+            </a:r>
+            <a:r>
+              <a:rPr lang="en-US" altLang="ko-KR" sz="2400" dirty="0" smtClean="0">
                 <a:solidFill>
                   <a:schemeClr val="bg1">
                     <a:lumMod val="95000"/>
@@ -7999,10 +8028,10 @@
                 <a:latin typeface="나눔명조" pitchFamily="18" charset="-127"/>
                 <a:ea typeface="나눔명조" pitchFamily="18" charset="-127"/>
               </a:rPr>
-              <a:t>요구사항이 자주 변한다</a:t>
-            </a:r>
-            <a:r>
-              <a:rPr lang="en-US" altLang="ko-KR" sz="2400" dirty="0" smtClean="0">
+              <a:t> – 1</a:t>
+            </a:r>
+            <a:r>
+              <a:rPr lang="ko-KR" altLang="en-US" sz="2400" dirty="0" smtClean="0">
                 <a:solidFill>
                   <a:schemeClr val="bg1">
                     <a:lumMod val="95000"/>
@@ -8011,7 +8040,55 @@
                 <a:latin typeface="나눔명조" pitchFamily="18" charset="-127"/>
                 <a:ea typeface="나눔명조" pitchFamily="18" charset="-127"/>
               </a:rPr>
-              <a:t>.</a:t>
+              <a:t>이관</a:t>
+            </a:r>
+            <a:r>
+              <a:rPr lang="en-US" altLang="ko-KR" sz="2400" dirty="0" smtClean="0">
+                <a:solidFill>
+                  <a:schemeClr val="bg1">
+                    <a:lumMod val="95000"/>
+                  </a:schemeClr>
+                </a:solidFill>
+                <a:latin typeface="나눔명조" pitchFamily="18" charset="-127"/>
+                <a:ea typeface="나눔명조" pitchFamily="18" charset="-127"/>
+              </a:rPr>
+              <a:t> </a:t>
+            </a:r>
+            <a:r>
+              <a:rPr lang="ko-KR" altLang="en-US" sz="2400" dirty="0" smtClean="0">
+                <a:solidFill>
+                  <a:schemeClr val="bg1">
+                    <a:lumMod val="95000"/>
+                  </a:schemeClr>
+                </a:solidFill>
+                <a:latin typeface="나눔명조" pitchFamily="18" charset="-127"/>
+                <a:ea typeface="나눔명조" pitchFamily="18" charset="-127"/>
+              </a:rPr>
+              <a:t>당 많은 요구사항</a:t>
+            </a:r>
+            <a:r>
+              <a:rPr lang="en-US" altLang="ko-KR" sz="2400" dirty="0" smtClean="0">
+                <a:solidFill>
+                  <a:schemeClr val="bg1">
+                    <a:lumMod val="95000"/>
+                  </a:schemeClr>
+                </a:solidFill>
+                <a:latin typeface="나눔명조" pitchFamily="18" charset="-127"/>
+                <a:ea typeface="나눔명조" pitchFamily="18" charset="-127"/>
+              </a:rPr>
+              <a:t>&amp;</a:t>
+            </a:r>
+            <a:r>
+              <a:rPr lang="ko-KR" altLang="en-US" sz="2400" dirty="0" smtClean="0">
+                <a:solidFill>
+                  <a:schemeClr val="bg1">
+                    <a:lumMod val="95000"/>
+                  </a:schemeClr>
+                </a:solidFill>
+                <a:latin typeface="나눔명조" pitchFamily="18" charset="-127"/>
+                <a:ea typeface="나눔명조" pitchFamily="18" charset="-127"/>
+              </a:rPr>
+              <a:t>소스변경</a:t>
             </a:r>
             <a:endParaRPr lang="ko-KR" altLang="en-US" sz="2400" dirty="0">
               <a:solidFill>
@@ -8167,33 +8244,22 @@
       </p:cxnSp>
       <p:pic>
         <p:nvPicPr>
-          <p:cNvPr id="1026" name="Picture 2" descr="ê´ë ¨ ì´ë¯¸ì§"/>
+          <p:cNvPr id="21506" name="Picture 2" descr="filesì ëí ì´ë¯¸ì§ ê²ìê²°ê³¼"/>
           <p:cNvPicPr>
             <a:picLocks noChangeAspect="1" noChangeArrowheads="1"/>
           </p:cNvPicPr>
           <p:nvPr/>
         </p:nvPicPr>
         <p:blipFill>
-          <a:blip r:embed="rId2" cstate="print">
-            <a:clrChange>
-              <a:clrFrom>
-                <a:srgbClr val="000000"/>
-              </a:clrFrom>
-              <a:clrTo>
-                <a:srgbClr val="000000">
-                  <a:alpha val="0"/>
-                </a:srgbClr>
-              </a:clrTo>
-            </a:clrChange>
-          </a:blip>
+          <a:blip r:embed="rId2" cstate="print"/>
           <a:stretch>
             <a:fillRect/>
           </a:stretch>
         </p:blipFill>
         <p:spPr bwMode="auto">
           <a:xfrm>
-            <a:off x="3059832" y="1347614"/>
-            <a:ext cx="2385121" cy="1512168"/>
+            <a:off x="1619672" y="1347614"/>
+            <a:ext cx="2419738" cy="2482652"/>
           </a:xfrm>
           <a:prstGeom prst="rect">
             <a:avLst/>
@@ -8203,25 +8269,24 @@
             <a:noFill/>
           </a:ln>
           <a:effectLst>
-            <a:outerShdw blurRad="50800" dist="50800" dir="5400000" algn="ctr" rotWithShape="0">
-              <a:srgbClr val="000000">
-                <a:alpha val="58000"/>
-              </a:srgbClr>
+            <a:outerShdw blurRad="76200" dir="18900000" sy="23000" kx="-1200000" algn="bl" rotWithShape="0">
+              <a:prstClr val="black">
+                <a:alpha val="20000"/>
+              </a:prstClr>
             </a:outerShdw>
-            <a:reflection blurRad="6350" stA="50000" endA="275" endPos="40000" dist="101600" dir="5400000" sy="-100000" algn="bl" rotWithShape="0"/>
           </a:effectLst>
         </p:spPr>
       </p:pic>
       <p:sp>
         <p:nvSpPr>
-          <p:cNvPr id="20" name="TextBox 19"/>
+          <p:cNvPr id="13" name="TextBox 12"/>
           <p:cNvSpPr txBox="1"/>
           <p:nvPr/>
         </p:nvSpPr>
         <p:spPr>
           <a:xfrm>
-            <a:off x="2123728" y="3507854"/>
-            <a:ext cx="4608512" cy="400110"/>
+            <a:off x="3923928" y="2283718"/>
+            <a:ext cx="4608512" cy="707886"/>
           </a:xfrm>
           <a:prstGeom prst="rect">
             <a:avLst/>
@@ -8245,7 +8310,7 @@
                 <a:latin typeface="나눔명조" pitchFamily="18" charset="-127"/>
                 <a:ea typeface="나눔명조" pitchFamily="18" charset="-127"/>
               </a:rPr>
-              <a:t>이관 직전 버전을 예측하기 힘들다</a:t>
+              <a:t>기능</a:t>
             </a:r>
             <a:r>
               <a:rPr lang="en-US" altLang="ko-KR" sz="2000" dirty="0" smtClean="0">
@@ -8257,12 +8322,167 @@
                 <a:latin typeface="나눔명조" pitchFamily="18" charset="-127"/>
                 <a:ea typeface="나눔명조" pitchFamily="18" charset="-127"/>
               </a:rPr>
-              <a:t>.</a:t>
+              <a:t>1</a:t>
+            </a:r>
+            <a:r>
+              <a:rPr lang="ko-KR" altLang="en-US" sz="2000" dirty="0" smtClean="0">
+                <a:solidFill>
+                  <a:schemeClr val="bg1">
+                    <a:lumMod val="95000"/>
+                  </a:schemeClr>
+                </a:solidFill>
+                <a:latin typeface="나눔명조" pitchFamily="18" charset="-127"/>
+                <a:ea typeface="나눔명조" pitchFamily="18" charset="-127"/>
+              </a:rPr>
+              <a:t> </a:t>
+            </a:r>
+            <a:r>
+              <a:rPr lang="ko-KR" altLang="en-US" sz="2000" dirty="0" smtClean="0">
+                <a:solidFill>
+                  <a:schemeClr val="bg1">
+                    <a:lumMod val="95000"/>
+                  </a:schemeClr>
+                </a:solidFill>
+                <a:latin typeface="나눔명조" pitchFamily="18" charset="-127"/>
+                <a:ea typeface="나눔명조" pitchFamily="18" charset="-127"/>
+              </a:rPr>
+              <a:t>관련해서 </a:t>
+            </a:r>
+            <a:r>
+              <a:rPr lang="ko-KR" altLang="en-US" sz="2000" dirty="0" smtClean="0">
+                <a:solidFill>
+                  <a:schemeClr val="bg1">
+                    <a:lumMod val="95000"/>
+                  </a:schemeClr>
+                </a:solidFill>
+                <a:latin typeface="나눔명조" pitchFamily="18" charset="-127"/>
+                <a:ea typeface="나눔명조" pitchFamily="18" charset="-127"/>
+              </a:rPr>
+              <a:t>어떤 </a:t>
+            </a:r>
+            <a:endParaRPr lang="en-US" altLang="ko-KR" sz="2000" dirty="0" smtClean="0">
+              <a:solidFill>
+                <a:schemeClr val="bg1">
+                  <a:lumMod val="95000"/>
+                </a:schemeClr>
+              </a:solidFill>
+              <a:latin typeface="나눔명조" pitchFamily="18" charset="-127"/>
+              <a:ea typeface="나눔명조" pitchFamily="18" charset="-127"/>
+            </a:endParaRPr>
+          </a:p>
+          <a:p>
+            <a:pPr algn="ctr"/>
+            <a:r>
+              <a:rPr lang="ko-KR" altLang="en-US" sz="2000" dirty="0" smtClean="0">
+                <a:solidFill>
+                  <a:schemeClr val="bg1">
+                    <a:lumMod val="95000"/>
+                  </a:schemeClr>
+                </a:solidFill>
+                <a:latin typeface="나눔명조" pitchFamily="18" charset="-127"/>
+                <a:ea typeface="나눔명조" pitchFamily="18" charset="-127"/>
+              </a:rPr>
+              <a:t>파일들이 </a:t>
+            </a:r>
+            <a:r>
+              <a:rPr lang="ko-KR" altLang="en-US" sz="2000" dirty="0" err="1" smtClean="0">
+                <a:solidFill>
+                  <a:schemeClr val="bg1">
+                    <a:lumMod val="95000"/>
+                  </a:schemeClr>
+                </a:solidFill>
+                <a:latin typeface="나눔명조" pitchFamily="18" charset="-127"/>
+                <a:ea typeface="나눔명조" pitchFamily="18" charset="-127"/>
+              </a:rPr>
+              <a:t>수정된거지</a:t>
+            </a:r>
+            <a:r>
+              <a:rPr lang="en-US" altLang="ko-KR" sz="2000" dirty="0" smtClean="0">
+                <a:solidFill>
+                  <a:schemeClr val="bg1">
+                    <a:lumMod val="95000"/>
+                  </a:schemeClr>
+                </a:solidFill>
+                <a:latin typeface="나눔명조" pitchFamily="18" charset="-127"/>
+                <a:ea typeface="나눔명조" pitchFamily="18" charset="-127"/>
+              </a:rPr>
+              <a:t>?</a:t>
             </a:r>
             <a:endParaRPr lang="ko-KR" altLang="en-US" sz="2000" dirty="0">
               <a:solidFill>
                 <a:schemeClr val="bg1">
                   <a:lumMod val="95000"/>
+                </a:schemeClr>
+              </a:solidFill>
+              <a:latin typeface="나눔명조" pitchFamily="18" charset="-127"/>
+              <a:ea typeface="나눔명조" pitchFamily="18" charset="-127"/>
+            </a:endParaRPr>
+          </a:p>
+        </p:txBody>
+      </p:sp>
+      <p:sp>
+        <p:nvSpPr>
+          <p:cNvPr id="17" name="TextBox 16"/>
+          <p:cNvSpPr txBox="1"/>
+          <p:nvPr/>
+        </p:nvSpPr>
+        <p:spPr>
+          <a:xfrm>
+            <a:off x="1331640" y="3867894"/>
+            <a:ext cx="3024336" cy="276999"/>
+          </a:xfrm>
+          <a:prstGeom prst="rect">
+            <a:avLst/>
+          </a:prstGeom>
+          <a:noFill/>
+        </p:spPr>
+        <p:txBody>
+          <a:bodyPr wrap="square" rtlCol="0">
+            <a:spAutoFit/>
+          </a:bodyPr>
+          <a:lstStyle/>
+          <a:p>
+            <a:pPr algn="ctr"/>
+            <a:r>
+              <a:rPr lang="ko-KR" altLang="en-US" sz="1200" dirty="0" smtClean="0">
+                <a:solidFill>
+                  <a:schemeClr val="bg1">
+                    <a:lumMod val="75000"/>
+                  </a:schemeClr>
+                </a:solidFill>
+                <a:latin typeface="나눔명조" pitchFamily="18" charset="-127"/>
+                <a:ea typeface="나눔명조" pitchFamily="18" charset="-127"/>
+              </a:rPr>
+              <a:t>기능</a:t>
+            </a:r>
+            <a:r>
+              <a:rPr lang="en-US" altLang="ko-KR" sz="1200" dirty="0" smtClean="0">
+                <a:solidFill>
+                  <a:schemeClr val="bg1">
+                    <a:lumMod val="75000"/>
+                  </a:schemeClr>
+                </a:solidFill>
+                <a:latin typeface="나눔명조" pitchFamily="18" charset="-127"/>
+                <a:ea typeface="나눔명조" pitchFamily="18" charset="-127"/>
+              </a:rPr>
+              <a:t>1, 2, 3, 4, 5 </a:t>
+            </a:r>
+            <a:r>
+              <a:rPr lang="ko-KR" altLang="en-US" sz="1200" dirty="0" smtClean="0">
+                <a:solidFill>
+                  <a:schemeClr val="bg1">
+                    <a:lumMod val="75000"/>
+                  </a:schemeClr>
+                </a:solidFill>
+                <a:latin typeface="나눔명조" pitchFamily="18" charset="-127"/>
+                <a:ea typeface="나눔명조" pitchFamily="18" charset="-127"/>
+              </a:rPr>
+              <a:t>개발에 수정된 파일목록</a:t>
+            </a:r>
+            <a:endParaRPr lang="ko-KR" altLang="en-US" sz="1200" dirty="0">
+              <a:solidFill>
+                <a:schemeClr val="bg1">
+                  <a:lumMod val="75000"/>
                 </a:schemeClr>
               </a:solidFill>
               <a:latin typeface="나눔명조" pitchFamily="18" charset="-127"/>
@@ -8287,6 +8507,569 @@
 </file>
 
 <file path=ppt/slides/slide8.xml><?xml version="1.0" encoding="utf-8"?>
+<p:sld xmlns:a="http://schemas.openxmlformats.org/drawingml/2006/main" xmlns:r="http://schemas.openxmlformats.org/officeDocument/2006/relationships" xmlns:p="http://schemas.openxmlformats.org/presentationml/2006/main">
+  <p:cSld>
+    <p:spTree>
+      <p:nvGrpSpPr>
+        <p:cNvPr id="1" name=""/>
+        <p:cNvGrpSpPr/>
+        <p:nvPr/>
+      </p:nvGrpSpPr>
+      <p:grpSpPr>
+        <a:xfrm>
+          <a:off x="0" y="0"/>
+          <a:ext cx="0" cy="0"/>
+          <a:chOff x="0" y="0"/>
+          <a:chExt cx="0" cy="0"/>
+        </a:xfrm>
+      </p:grpSpPr>
+      <p:sp>
+        <p:nvSpPr>
+          <p:cNvPr id="16" name="평행 사변형 15"/>
+          <p:cNvSpPr/>
+          <p:nvPr/>
+        </p:nvSpPr>
+        <p:spPr>
+          <a:xfrm rot="16200000">
+            <a:off x="2000251" y="-2000251"/>
+            <a:ext cx="5143500" cy="9144001"/>
+          </a:xfrm>
+          <a:prstGeom prst="parallelogram">
+            <a:avLst>
+              <a:gd name="adj" fmla="val 7753"/>
+            </a:avLst>
+          </a:prstGeom>
+          <a:solidFill>
+            <a:srgbClr val="473F3D"/>
+          </a:solidFill>
+          <a:ln>
+            <a:noFill/>
+          </a:ln>
+        </p:spPr>
+        <p:style>
+          <a:lnRef idx="2">
+            <a:schemeClr val="accent1">
+              <a:shade val="50000"/>
+            </a:schemeClr>
+          </a:lnRef>
+          <a:fillRef idx="1">
+            <a:schemeClr val="accent1"/>
+          </a:fillRef>
+          <a:effectRef idx="0">
+            <a:schemeClr val="accent1"/>
+          </a:effectRef>
+          <a:fontRef idx="minor">
+            <a:schemeClr val="lt1"/>
+          </a:fontRef>
+        </p:style>
+        <p:txBody>
+          <a:bodyPr rtlCol="0" anchor="ctr"/>
+          <a:lstStyle/>
+          <a:p>
+            <a:pPr algn="ctr"/>
+            <a:endParaRPr lang="ko-KR" altLang="en-US" sz="1600" dirty="0"/>
+          </a:p>
+        </p:txBody>
+      </p:sp>
+      <p:sp>
+        <p:nvSpPr>
+          <p:cNvPr id="10" name="TextBox 9"/>
+          <p:cNvSpPr txBox="1"/>
+          <p:nvPr/>
+        </p:nvSpPr>
+        <p:spPr>
+          <a:xfrm>
+            <a:off x="611560" y="483518"/>
+            <a:ext cx="7704856" cy="461665"/>
+          </a:xfrm>
+          <a:prstGeom prst="rect">
+            <a:avLst/>
+          </a:prstGeom>
+          <a:noFill/>
+        </p:spPr>
+        <p:txBody>
+          <a:bodyPr wrap="square" rtlCol="0">
+            <a:spAutoFit/>
+          </a:bodyPr>
+          <a:lstStyle/>
+          <a:p>
+            <a:r>
+              <a:rPr lang="ko-KR" altLang="en-US" sz="2400" dirty="0" smtClean="0">
+                <a:solidFill>
+                  <a:schemeClr val="bg1">
+                    <a:lumMod val="95000"/>
+                  </a:schemeClr>
+                </a:solidFill>
+                <a:latin typeface="나눔명조" pitchFamily="18" charset="-127"/>
+                <a:ea typeface="나눔명조" pitchFamily="18" charset="-127"/>
+              </a:rPr>
+              <a:t>상황</a:t>
+            </a:r>
+            <a:r>
+              <a:rPr lang="en-US" altLang="ko-KR" sz="2400" dirty="0" smtClean="0">
+                <a:solidFill>
+                  <a:schemeClr val="bg1">
+                    <a:lumMod val="95000"/>
+                  </a:schemeClr>
+                </a:solidFill>
+                <a:latin typeface="나눔명조" pitchFamily="18" charset="-127"/>
+                <a:ea typeface="나눔명조" pitchFamily="18" charset="-127"/>
+              </a:rPr>
+              <a:t>3 – </a:t>
+            </a:r>
+            <a:r>
+              <a:rPr lang="ko-KR" altLang="en-US" sz="2400" dirty="0" err="1" smtClean="0">
+                <a:solidFill>
+                  <a:schemeClr val="bg1">
+                    <a:lumMod val="95000"/>
+                  </a:schemeClr>
+                </a:solidFill>
+                <a:latin typeface="나눔명조" pitchFamily="18" charset="-127"/>
+                <a:ea typeface="나눔명조" pitchFamily="18" charset="-127"/>
+              </a:rPr>
+              <a:t>커밋을</a:t>
+            </a:r>
+            <a:r>
+              <a:rPr lang="ko-KR" altLang="en-US" sz="2400" dirty="0" smtClean="0">
+                <a:solidFill>
+                  <a:schemeClr val="bg1">
+                    <a:lumMod val="95000"/>
+                  </a:schemeClr>
+                </a:solidFill>
+                <a:latin typeface="나눔명조" pitchFamily="18" charset="-127"/>
+                <a:ea typeface="나눔명조" pitchFamily="18" charset="-127"/>
+              </a:rPr>
+              <a:t> 자유롭게 할 수 없음</a:t>
+            </a:r>
+            <a:r>
+              <a:rPr lang="en-US" altLang="ko-KR" sz="2400" dirty="0" smtClean="0">
+                <a:solidFill>
+                  <a:schemeClr val="bg1">
+                    <a:lumMod val="95000"/>
+                  </a:schemeClr>
+                </a:solidFill>
+                <a:latin typeface="나눔명조" pitchFamily="18" charset="-127"/>
+                <a:ea typeface="나눔명조" pitchFamily="18" charset="-127"/>
+              </a:rPr>
+              <a:t>.</a:t>
+            </a:r>
+            <a:endParaRPr lang="ko-KR" altLang="en-US" sz="2400" dirty="0">
+              <a:solidFill>
+                <a:schemeClr val="bg1">
+                  <a:lumMod val="95000"/>
+                </a:schemeClr>
+              </a:solidFill>
+              <a:latin typeface="나눔명조" pitchFamily="18" charset="-127"/>
+              <a:ea typeface="나눔명조" pitchFamily="18" charset="-127"/>
+            </a:endParaRPr>
+          </a:p>
+        </p:txBody>
+      </p:sp>
+      <p:cxnSp>
+        <p:nvCxnSpPr>
+          <p:cNvPr id="11" name="직선 연결선 10"/>
+          <p:cNvCxnSpPr/>
+          <p:nvPr/>
+        </p:nvCxnSpPr>
+        <p:spPr>
+          <a:xfrm>
+            <a:off x="539552" y="915566"/>
+            <a:ext cx="8136904" cy="0"/>
+          </a:xfrm>
+          <a:prstGeom prst="line">
+            <a:avLst/>
+          </a:prstGeom>
+          <a:ln w="12700">
+            <a:solidFill>
+              <a:schemeClr val="bg1"/>
+            </a:solidFill>
+          </a:ln>
+        </p:spPr>
+        <p:style>
+          <a:lnRef idx="1">
+            <a:schemeClr val="accent1"/>
+          </a:lnRef>
+          <a:fillRef idx="0">
+            <a:schemeClr val="accent1"/>
+          </a:fillRef>
+          <a:effectRef idx="0">
+            <a:schemeClr val="accent1"/>
+          </a:effectRef>
+          <a:fontRef idx="minor">
+            <a:schemeClr val="tx1"/>
+          </a:fontRef>
+        </p:style>
+      </p:cxnSp>
+      <p:cxnSp>
+        <p:nvCxnSpPr>
+          <p:cNvPr id="12" name="직선 연결선 11"/>
+          <p:cNvCxnSpPr/>
+          <p:nvPr/>
+        </p:nvCxnSpPr>
+        <p:spPr>
+          <a:xfrm>
+            <a:off x="467544" y="4299942"/>
+            <a:ext cx="8136904" cy="0"/>
+          </a:xfrm>
+          <a:prstGeom prst="line">
+            <a:avLst/>
+          </a:prstGeom>
+          <a:ln w="12700">
+            <a:solidFill>
+              <a:schemeClr val="bg1"/>
+            </a:solidFill>
+          </a:ln>
+        </p:spPr>
+        <p:style>
+          <a:lnRef idx="1">
+            <a:schemeClr val="accent1"/>
+          </a:lnRef>
+          <a:fillRef idx="0">
+            <a:schemeClr val="accent1"/>
+          </a:fillRef>
+          <a:effectRef idx="0">
+            <a:schemeClr val="accent1"/>
+          </a:effectRef>
+          <a:fontRef idx="minor">
+            <a:schemeClr val="tx1"/>
+          </a:fontRef>
+        </p:style>
+      </p:cxnSp>
+      <p:cxnSp>
+        <p:nvCxnSpPr>
+          <p:cNvPr id="14" name="직선 연결선 13"/>
+          <p:cNvCxnSpPr/>
+          <p:nvPr/>
+        </p:nvCxnSpPr>
+        <p:spPr>
+          <a:xfrm>
+            <a:off x="467544" y="915566"/>
+            <a:ext cx="8208912" cy="0"/>
+          </a:xfrm>
+          <a:prstGeom prst="line">
+            <a:avLst/>
+          </a:prstGeom>
+          <a:ln w="12700">
+            <a:solidFill>
+              <a:schemeClr val="bg1"/>
+            </a:solidFill>
+          </a:ln>
+        </p:spPr>
+        <p:style>
+          <a:lnRef idx="1">
+            <a:schemeClr val="accent1"/>
+          </a:lnRef>
+          <a:fillRef idx="0">
+            <a:schemeClr val="accent1"/>
+          </a:fillRef>
+          <a:effectRef idx="0">
+            <a:schemeClr val="accent1"/>
+          </a:effectRef>
+          <a:fontRef idx="minor">
+            <a:schemeClr val="tx1"/>
+          </a:fontRef>
+        </p:style>
+      </p:cxnSp>
+      <p:cxnSp>
+        <p:nvCxnSpPr>
+          <p:cNvPr id="15" name="직선 연결선 14"/>
+          <p:cNvCxnSpPr/>
+          <p:nvPr/>
+        </p:nvCxnSpPr>
+        <p:spPr>
+          <a:xfrm>
+            <a:off x="467544" y="4299942"/>
+            <a:ext cx="8208912" cy="0"/>
+          </a:xfrm>
+          <a:prstGeom prst="line">
+            <a:avLst/>
+          </a:prstGeom>
+          <a:ln w="12700">
+            <a:solidFill>
+              <a:schemeClr val="bg1"/>
+            </a:solidFill>
+          </a:ln>
+        </p:spPr>
+        <p:style>
+          <a:lnRef idx="1">
+            <a:schemeClr val="accent1"/>
+          </a:lnRef>
+          <a:fillRef idx="0">
+            <a:schemeClr val="accent1"/>
+          </a:fillRef>
+          <a:effectRef idx="0">
+            <a:schemeClr val="accent1"/>
+          </a:effectRef>
+          <a:fontRef idx="minor">
+            <a:schemeClr val="tx1"/>
+          </a:fontRef>
+        </p:style>
+      </p:cxnSp>
+      <p:pic>
+        <p:nvPicPr>
+          <p:cNvPr id="21506" name="Picture 2" descr="filesì ëí ì´ë¯¸ì§ ê²ìê²°ê³¼"/>
+          <p:cNvPicPr>
+            <a:picLocks noChangeAspect="1" noChangeArrowheads="1"/>
+          </p:cNvPicPr>
+          <p:nvPr/>
+        </p:nvPicPr>
+        <p:blipFill>
+          <a:blip r:embed="rId2" cstate="print"/>
+          <a:stretch>
+            <a:fillRect/>
+          </a:stretch>
+        </p:blipFill>
+        <p:spPr bwMode="auto">
+          <a:xfrm>
+            <a:off x="1619672" y="1347614"/>
+            <a:ext cx="2419738" cy="2482652"/>
+          </a:xfrm>
+          <a:prstGeom prst="rect">
+            <a:avLst/>
+          </a:prstGeom>
+          <a:noFill/>
+          <a:ln>
+            <a:noFill/>
+          </a:ln>
+          <a:effectLst>
+            <a:outerShdw blurRad="76200" dir="18900000" sy="23000" kx="-1200000" algn="bl" rotWithShape="0">
+              <a:prstClr val="black">
+                <a:alpha val="20000"/>
+              </a:prstClr>
+            </a:outerShdw>
+          </a:effectLst>
+        </p:spPr>
+      </p:pic>
+      <p:sp>
+        <p:nvSpPr>
+          <p:cNvPr id="13" name="TextBox 12"/>
+          <p:cNvSpPr txBox="1"/>
+          <p:nvPr/>
+        </p:nvSpPr>
+        <p:spPr>
+          <a:xfrm>
+            <a:off x="3923928" y="2283718"/>
+            <a:ext cx="4608512" cy="707886"/>
+          </a:xfrm>
+          <a:prstGeom prst="rect">
+            <a:avLst/>
+          </a:prstGeom>
+          <a:noFill/>
+        </p:spPr>
+        <p:txBody>
+          <a:bodyPr wrap="square" rtlCol="0">
+            <a:spAutoFit/>
+          </a:bodyPr>
+          <a:lstStyle/>
+          <a:p>
+            <a:pPr algn="ctr"/>
+            <a:r>
+              <a:rPr lang="ko-KR" altLang="en-US" sz="2000" dirty="0" smtClean="0">
+                <a:solidFill>
+                  <a:schemeClr val="bg1">
+                    <a:lumMod val="95000"/>
+                  </a:schemeClr>
+                </a:solidFill>
+                <a:latin typeface="나눔명조" pitchFamily="18" charset="-127"/>
+                <a:ea typeface="나눔명조" pitchFamily="18" charset="-127"/>
+              </a:rPr>
+              <a:t>기능</a:t>
+            </a:r>
+            <a:r>
+              <a:rPr lang="en-US" altLang="ko-KR" sz="2000" dirty="0" smtClean="0">
+                <a:solidFill>
+                  <a:schemeClr val="bg1">
+                    <a:lumMod val="95000"/>
+                  </a:schemeClr>
+                </a:solidFill>
+                <a:latin typeface="나눔명조" pitchFamily="18" charset="-127"/>
+                <a:ea typeface="나눔명조" pitchFamily="18" charset="-127"/>
+              </a:rPr>
+              <a:t>1</a:t>
+            </a:r>
+            <a:r>
+              <a:rPr lang="ko-KR" altLang="en-US" sz="2000" dirty="0" smtClean="0">
+                <a:solidFill>
+                  <a:schemeClr val="bg1">
+                    <a:lumMod val="95000"/>
+                  </a:schemeClr>
+                </a:solidFill>
+                <a:latin typeface="나눔명조" pitchFamily="18" charset="-127"/>
+                <a:ea typeface="나눔명조" pitchFamily="18" charset="-127"/>
+              </a:rPr>
+              <a:t> </a:t>
+            </a:r>
+            <a:r>
+              <a:rPr lang="ko-KR" altLang="en-US" sz="2000" dirty="0" smtClean="0">
+                <a:solidFill>
+                  <a:schemeClr val="bg1">
+                    <a:lumMod val="95000"/>
+                  </a:schemeClr>
+                </a:solidFill>
+                <a:latin typeface="나눔명조" pitchFamily="18" charset="-127"/>
+                <a:ea typeface="나눔명조" pitchFamily="18" charset="-127"/>
+              </a:rPr>
+              <a:t>관련해서 </a:t>
+            </a:r>
+            <a:r>
+              <a:rPr lang="ko-KR" altLang="en-US" sz="2000" dirty="0" smtClean="0">
+                <a:solidFill>
+                  <a:schemeClr val="bg1">
+                    <a:lumMod val="95000"/>
+                  </a:schemeClr>
+                </a:solidFill>
+                <a:latin typeface="나눔명조" pitchFamily="18" charset="-127"/>
+                <a:ea typeface="나눔명조" pitchFamily="18" charset="-127"/>
+              </a:rPr>
+              <a:t>어떤 </a:t>
+            </a:r>
+            <a:endParaRPr lang="en-US" altLang="ko-KR" sz="2000" dirty="0" smtClean="0">
+              <a:solidFill>
+                <a:schemeClr val="bg1">
+                  <a:lumMod val="95000"/>
+                </a:schemeClr>
+              </a:solidFill>
+              <a:latin typeface="나눔명조" pitchFamily="18" charset="-127"/>
+              <a:ea typeface="나눔명조" pitchFamily="18" charset="-127"/>
+            </a:endParaRPr>
+          </a:p>
+          <a:p>
+            <a:pPr algn="ctr"/>
+            <a:r>
+              <a:rPr lang="ko-KR" altLang="en-US" sz="2000" dirty="0" smtClean="0">
+                <a:solidFill>
+                  <a:schemeClr val="bg1">
+                    <a:lumMod val="95000"/>
+                  </a:schemeClr>
+                </a:solidFill>
+                <a:latin typeface="나눔명조" pitchFamily="18" charset="-127"/>
+                <a:ea typeface="나눔명조" pitchFamily="18" charset="-127"/>
+              </a:rPr>
+              <a:t>파일들이 </a:t>
+            </a:r>
+            <a:r>
+              <a:rPr lang="ko-KR" altLang="en-US" sz="2000" dirty="0" err="1" smtClean="0">
+                <a:solidFill>
+                  <a:schemeClr val="bg1">
+                    <a:lumMod val="95000"/>
+                  </a:schemeClr>
+                </a:solidFill>
+                <a:latin typeface="나눔명조" pitchFamily="18" charset="-127"/>
+                <a:ea typeface="나눔명조" pitchFamily="18" charset="-127"/>
+              </a:rPr>
+              <a:t>수정된거지</a:t>
+            </a:r>
+            <a:r>
+              <a:rPr lang="en-US" altLang="ko-KR" sz="2000" dirty="0" smtClean="0">
+                <a:solidFill>
+                  <a:schemeClr val="bg1">
+                    <a:lumMod val="95000"/>
+                  </a:schemeClr>
+                </a:solidFill>
+                <a:latin typeface="나눔명조" pitchFamily="18" charset="-127"/>
+                <a:ea typeface="나눔명조" pitchFamily="18" charset="-127"/>
+              </a:rPr>
+              <a:t>?</a:t>
+            </a:r>
+            <a:endParaRPr lang="ko-KR" altLang="en-US" sz="2000" dirty="0">
+              <a:solidFill>
+                <a:schemeClr val="bg1">
+                  <a:lumMod val="95000"/>
+                </a:schemeClr>
+              </a:solidFill>
+              <a:latin typeface="나눔명조" pitchFamily="18" charset="-127"/>
+              <a:ea typeface="나눔명조" pitchFamily="18" charset="-127"/>
+            </a:endParaRPr>
+          </a:p>
+        </p:txBody>
+      </p:sp>
+      <p:sp>
+        <p:nvSpPr>
+          <p:cNvPr id="17" name="TextBox 16"/>
+          <p:cNvSpPr txBox="1"/>
+          <p:nvPr/>
+        </p:nvSpPr>
+        <p:spPr>
+          <a:xfrm>
+            <a:off x="1331640" y="3867894"/>
+            <a:ext cx="3024336" cy="276999"/>
+          </a:xfrm>
+          <a:prstGeom prst="rect">
+            <a:avLst/>
+          </a:prstGeom>
+          <a:noFill/>
+        </p:spPr>
+        <p:txBody>
+          <a:bodyPr wrap="square" rtlCol="0">
+            <a:spAutoFit/>
+          </a:bodyPr>
+          <a:lstStyle/>
+          <a:p>
+            <a:pPr algn="ctr"/>
+            <a:r>
+              <a:rPr lang="ko-KR" altLang="en-US" sz="1200" dirty="0" smtClean="0">
+                <a:solidFill>
+                  <a:schemeClr val="bg1">
+                    <a:lumMod val="75000"/>
+                  </a:schemeClr>
+                </a:solidFill>
+                <a:latin typeface="나눔명조" pitchFamily="18" charset="-127"/>
+                <a:ea typeface="나눔명조" pitchFamily="18" charset="-127"/>
+              </a:rPr>
+              <a:t>기능</a:t>
+            </a:r>
+            <a:r>
+              <a:rPr lang="en-US" altLang="ko-KR" sz="1200" dirty="0" smtClean="0">
+                <a:solidFill>
+                  <a:schemeClr val="bg1">
+                    <a:lumMod val="75000"/>
+                  </a:schemeClr>
+                </a:solidFill>
+                <a:latin typeface="나눔명조" pitchFamily="18" charset="-127"/>
+                <a:ea typeface="나눔명조" pitchFamily="18" charset="-127"/>
+              </a:rPr>
+              <a:t>1, 2, 3, 4, 5 </a:t>
+            </a:r>
+            <a:r>
+              <a:rPr lang="ko-KR" altLang="en-US" sz="1200" dirty="0" smtClean="0">
+                <a:solidFill>
+                  <a:schemeClr val="bg1">
+                    <a:lumMod val="75000"/>
+                  </a:schemeClr>
+                </a:solidFill>
+                <a:latin typeface="나눔명조" pitchFamily="18" charset="-127"/>
+                <a:ea typeface="나눔명조" pitchFamily="18" charset="-127"/>
+              </a:rPr>
+              <a:t>개발에 수정된 파일목록</a:t>
+            </a:r>
+            <a:endParaRPr lang="ko-KR" altLang="en-US" sz="1200" dirty="0">
+              <a:solidFill>
+                <a:schemeClr val="bg1">
+                  <a:lumMod val="75000"/>
+                </a:schemeClr>
+              </a:solidFill>
+              <a:latin typeface="나눔명조" pitchFamily="18" charset="-127"/>
+              <a:ea typeface="나눔명조" pitchFamily="18" charset="-127"/>
+            </a:endParaRPr>
+          </a:p>
+        </p:txBody>
+      </p:sp>
+    </p:spTree>
+  </p:cSld>
+  <p:clrMapOvr>
+    <a:masterClrMapping/>
+  </p:clrMapOvr>
+  <p:timing>
+    <p:tnLst>
+      <p:par>
+        <p:cTn id="1" dur="indefinite" restart="never" nodeType="tmRoot"/>
+      </p:par>
+    </p:tnLst>
+  </p:timing>
+</p:sld>
+</file>
+
+<file path=ppt/slides/slide9.xml><?xml version="1.0" encoding="utf-8"?>
 <p:sld xmlns:a="http://schemas.openxmlformats.org/drawingml/2006/main" xmlns:r="http://schemas.openxmlformats.org/officeDocument/2006/relationships" xmlns:p="http://schemas.openxmlformats.org/presentationml/2006/main">
   <p:cSld>
     <p:spTree>

--- a/git발표.pptx
+++ b/git발표.pptx
@@ -11,9 +11,10 @@
     <p:sldId id="261" r:id="rId5"/>
     <p:sldId id="262" r:id="rId6"/>
     <p:sldId id="263" r:id="rId7"/>
-    <p:sldId id="264" r:id="rId8"/>
-    <p:sldId id="265" r:id="rId9"/>
-    <p:sldId id="258" r:id="rId10"/>
+    <p:sldId id="266" r:id="rId8"/>
+    <p:sldId id="264" r:id="rId9"/>
+    <p:sldId id="267" r:id="rId10"/>
+    <p:sldId id="258" r:id="rId11"/>
   </p:sldIdLst>
   <p:sldSz cx="9144000" cy="5143500" type="screen16x9"/>
   <p:notesSz cx="6858000" cy="9144000"/>
@@ -3410,6 +3411,501 @@
 </p:sld>
 </file>
 
+<file path=ppt/slides/slide10.xml><?xml version="1.0" encoding="utf-8"?>
+<p:sld xmlns:a="http://schemas.openxmlformats.org/drawingml/2006/main" xmlns:r="http://schemas.openxmlformats.org/officeDocument/2006/relationships" xmlns:p="http://schemas.openxmlformats.org/presentationml/2006/main">
+  <p:cSld>
+    <p:spTree>
+      <p:nvGrpSpPr>
+        <p:cNvPr id="1" name=""/>
+        <p:cNvGrpSpPr/>
+        <p:nvPr/>
+      </p:nvGrpSpPr>
+      <p:grpSpPr>
+        <a:xfrm>
+          <a:off x="0" y="0"/>
+          <a:ext cx="0" cy="0"/>
+          <a:chOff x="0" y="0"/>
+          <a:chExt cx="0" cy="0"/>
+        </a:xfrm>
+      </p:grpSpPr>
+      <p:sp>
+        <p:nvSpPr>
+          <p:cNvPr id="16" name="평행 사변형 15"/>
+          <p:cNvSpPr/>
+          <p:nvPr/>
+        </p:nvSpPr>
+        <p:spPr>
+          <a:xfrm rot="16200000">
+            <a:off x="2000251" y="-2000251"/>
+            <a:ext cx="5143500" cy="9144001"/>
+          </a:xfrm>
+          <a:prstGeom prst="parallelogram">
+            <a:avLst>
+              <a:gd name="adj" fmla="val 7753"/>
+            </a:avLst>
+          </a:prstGeom>
+          <a:solidFill>
+            <a:srgbClr val="473F3D"/>
+          </a:solidFill>
+          <a:ln>
+            <a:noFill/>
+          </a:ln>
+        </p:spPr>
+        <p:style>
+          <a:lnRef idx="2">
+            <a:schemeClr val="accent1">
+              <a:shade val="50000"/>
+            </a:schemeClr>
+          </a:lnRef>
+          <a:fillRef idx="1">
+            <a:schemeClr val="accent1"/>
+          </a:fillRef>
+          <a:effectRef idx="0">
+            <a:schemeClr val="accent1"/>
+          </a:effectRef>
+          <a:fontRef idx="minor">
+            <a:schemeClr val="lt1"/>
+          </a:fontRef>
+        </p:style>
+        <p:txBody>
+          <a:bodyPr rtlCol="0" anchor="ctr"/>
+          <a:lstStyle/>
+          <a:p>
+            <a:pPr algn="ctr"/>
+            <a:endParaRPr lang="ko-KR" altLang="en-US" sz="1600"/>
+          </a:p>
+        </p:txBody>
+      </p:sp>
+      <p:sp>
+        <p:nvSpPr>
+          <p:cNvPr id="10" name="TextBox 9"/>
+          <p:cNvSpPr txBox="1"/>
+          <p:nvPr/>
+        </p:nvSpPr>
+        <p:spPr>
+          <a:xfrm>
+            <a:off x="611560" y="483518"/>
+            <a:ext cx="4608512" cy="461665"/>
+          </a:xfrm>
+          <a:prstGeom prst="rect">
+            <a:avLst/>
+          </a:prstGeom>
+          <a:noFill/>
+        </p:spPr>
+        <p:txBody>
+          <a:bodyPr wrap="square" rtlCol="0">
+            <a:spAutoFit/>
+          </a:bodyPr>
+          <a:lstStyle/>
+          <a:p>
+            <a:r>
+              <a:rPr lang="ko-KR" altLang="en-US" sz="2400" dirty="0" smtClean="0">
+                <a:solidFill>
+                  <a:schemeClr val="bg1">
+                    <a:lumMod val="95000"/>
+                  </a:schemeClr>
+                </a:solidFill>
+                <a:latin typeface="나눔바른고딕" pitchFamily="50" charset="-127"/>
+                <a:ea typeface="나눔바른고딕" pitchFamily="50" charset="-127"/>
+              </a:rPr>
+              <a:t>명령어 사용빈도 </a:t>
+            </a:r>
+            <a:r>
+              <a:rPr lang="en-US" altLang="ko-KR" sz="2400" dirty="0" smtClean="0">
+                <a:solidFill>
+                  <a:schemeClr val="bg1">
+                    <a:lumMod val="95000"/>
+                  </a:schemeClr>
+                </a:solidFill>
+                <a:latin typeface="나눔바른고딕" pitchFamily="50" charset="-127"/>
+                <a:ea typeface="나눔바른고딕" pitchFamily="50" charset="-127"/>
+              </a:rPr>
+              <a:t>– </a:t>
+            </a:r>
+            <a:r>
+              <a:rPr lang="ko-KR" altLang="en-US" sz="2400" dirty="0" smtClean="0">
+                <a:solidFill>
+                  <a:schemeClr val="bg1">
+                    <a:lumMod val="95000"/>
+                  </a:schemeClr>
+                </a:solidFill>
+                <a:latin typeface="나눔바른고딕" pitchFamily="50" charset="-127"/>
+                <a:ea typeface="나눔바른고딕" pitchFamily="50" charset="-127"/>
+              </a:rPr>
+              <a:t>혼자 쓸 때</a:t>
+            </a:r>
+            <a:endParaRPr lang="ko-KR" altLang="en-US" sz="2400" dirty="0">
+              <a:solidFill>
+                <a:schemeClr val="bg1">
+                  <a:lumMod val="95000"/>
+                </a:schemeClr>
+              </a:solidFill>
+              <a:latin typeface="나눔바른고딕" pitchFamily="50" charset="-127"/>
+              <a:ea typeface="나눔바른고딕" pitchFamily="50" charset="-127"/>
+            </a:endParaRPr>
+          </a:p>
+        </p:txBody>
+      </p:sp>
+      <p:cxnSp>
+        <p:nvCxnSpPr>
+          <p:cNvPr id="11" name="직선 연결선 10"/>
+          <p:cNvCxnSpPr/>
+          <p:nvPr/>
+        </p:nvCxnSpPr>
+        <p:spPr>
+          <a:xfrm>
+            <a:off x="539552" y="915566"/>
+            <a:ext cx="8136904" cy="0"/>
+          </a:xfrm>
+          <a:prstGeom prst="line">
+            <a:avLst/>
+          </a:prstGeom>
+          <a:ln w="12700">
+            <a:solidFill>
+              <a:schemeClr val="bg1"/>
+            </a:solidFill>
+          </a:ln>
+        </p:spPr>
+        <p:style>
+          <a:lnRef idx="1">
+            <a:schemeClr val="accent1"/>
+          </a:lnRef>
+          <a:fillRef idx="0">
+            <a:schemeClr val="accent1"/>
+          </a:fillRef>
+          <a:effectRef idx="0">
+            <a:schemeClr val="accent1"/>
+          </a:effectRef>
+          <a:fontRef idx="minor">
+            <a:schemeClr val="tx1"/>
+          </a:fontRef>
+        </p:style>
+      </p:cxnSp>
+      <p:cxnSp>
+        <p:nvCxnSpPr>
+          <p:cNvPr id="12" name="직선 연결선 11"/>
+          <p:cNvCxnSpPr/>
+          <p:nvPr/>
+        </p:nvCxnSpPr>
+        <p:spPr>
+          <a:xfrm>
+            <a:off x="467544" y="4299942"/>
+            <a:ext cx="8136904" cy="0"/>
+          </a:xfrm>
+          <a:prstGeom prst="line">
+            <a:avLst/>
+          </a:prstGeom>
+          <a:ln w="12700">
+            <a:solidFill>
+              <a:schemeClr val="bg1"/>
+            </a:solidFill>
+          </a:ln>
+        </p:spPr>
+        <p:style>
+          <a:lnRef idx="1">
+            <a:schemeClr val="accent1"/>
+          </a:lnRef>
+          <a:fillRef idx="0">
+            <a:schemeClr val="accent1"/>
+          </a:fillRef>
+          <a:effectRef idx="0">
+            <a:schemeClr val="accent1"/>
+          </a:effectRef>
+          <a:fontRef idx="minor">
+            <a:schemeClr val="tx1"/>
+          </a:fontRef>
+        </p:style>
+      </p:cxnSp>
+      <p:cxnSp>
+        <p:nvCxnSpPr>
+          <p:cNvPr id="14" name="직선 연결선 13"/>
+          <p:cNvCxnSpPr/>
+          <p:nvPr/>
+        </p:nvCxnSpPr>
+        <p:spPr>
+          <a:xfrm>
+            <a:off x="467544" y="915566"/>
+            <a:ext cx="8208912" cy="0"/>
+          </a:xfrm>
+          <a:prstGeom prst="line">
+            <a:avLst/>
+          </a:prstGeom>
+          <a:ln w="12700">
+            <a:solidFill>
+              <a:schemeClr val="bg1"/>
+            </a:solidFill>
+          </a:ln>
+        </p:spPr>
+        <p:style>
+          <a:lnRef idx="1">
+            <a:schemeClr val="accent1"/>
+          </a:lnRef>
+          <a:fillRef idx="0">
+            <a:schemeClr val="accent1"/>
+          </a:fillRef>
+          <a:effectRef idx="0">
+            <a:schemeClr val="accent1"/>
+          </a:effectRef>
+          <a:fontRef idx="minor">
+            <a:schemeClr val="tx1"/>
+          </a:fontRef>
+        </p:style>
+      </p:cxnSp>
+      <p:cxnSp>
+        <p:nvCxnSpPr>
+          <p:cNvPr id="15" name="직선 연결선 14"/>
+          <p:cNvCxnSpPr/>
+          <p:nvPr/>
+        </p:nvCxnSpPr>
+        <p:spPr>
+          <a:xfrm>
+            <a:off x="467544" y="4299942"/>
+            <a:ext cx="8208912" cy="0"/>
+          </a:xfrm>
+          <a:prstGeom prst="line">
+            <a:avLst/>
+          </a:prstGeom>
+          <a:ln w="12700">
+            <a:solidFill>
+              <a:schemeClr val="bg1"/>
+            </a:solidFill>
+          </a:ln>
+        </p:spPr>
+        <p:style>
+          <a:lnRef idx="1">
+            <a:schemeClr val="accent1"/>
+          </a:lnRef>
+          <a:fillRef idx="0">
+            <a:schemeClr val="accent1"/>
+          </a:fillRef>
+          <a:effectRef idx="0">
+            <a:schemeClr val="accent1"/>
+          </a:effectRef>
+          <a:fontRef idx="minor">
+            <a:schemeClr val="tx1"/>
+          </a:fontRef>
+        </p:style>
+      </p:cxnSp>
+      <p:pic>
+        <p:nvPicPr>
+          <p:cNvPr id="1026" name="Picture 2"/>
+          <p:cNvPicPr>
+            <a:picLocks noChangeAspect="1" noChangeArrowheads="1"/>
+          </p:cNvPicPr>
+          <p:nvPr/>
+        </p:nvPicPr>
+        <p:blipFill>
+          <a:blip r:embed="rId2" cstate="print"/>
+          <a:srcRect/>
+          <a:stretch>
+            <a:fillRect/>
+          </a:stretch>
+        </p:blipFill>
+        <p:spPr bwMode="auto">
+          <a:xfrm>
+            <a:off x="1187624" y="1059582"/>
+            <a:ext cx="3312368" cy="3024918"/>
+          </a:xfrm>
+          <a:prstGeom prst="rect">
+            <a:avLst/>
+          </a:prstGeom>
+          <a:noFill/>
+          <a:ln w="9525">
+            <a:noFill/>
+            <a:miter lim="800000"/>
+            <a:headEnd/>
+            <a:tailEnd/>
+          </a:ln>
+        </p:spPr>
+      </p:pic>
+      <p:sp>
+        <p:nvSpPr>
+          <p:cNvPr id="17" name="TextBox 16"/>
+          <p:cNvSpPr txBox="1"/>
+          <p:nvPr/>
+        </p:nvSpPr>
+        <p:spPr>
+          <a:xfrm>
+            <a:off x="5292080" y="1347614"/>
+            <a:ext cx="1872208" cy="2585323"/>
+          </a:xfrm>
+          <a:prstGeom prst="rect">
+            <a:avLst/>
+          </a:prstGeom>
+          <a:noFill/>
+        </p:spPr>
+        <p:txBody>
+          <a:bodyPr wrap="square" rtlCol="0">
+            <a:spAutoFit/>
+          </a:bodyPr>
+          <a:lstStyle/>
+          <a:p>
+            <a:pPr marL="342900" indent="-342900">
+              <a:buAutoNum type="arabicPeriod"/>
+            </a:pPr>
+            <a:r>
+              <a:rPr lang="en-US" altLang="ko-KR" dirty="0" smtClean="0">
+                <a:solidFill>
+                  <a:schemeClr val="bg1">
+                    <a:lumMod val="95000"/>
+                  </a:schemeClr>
+                </a:solidFill>
+                <a:latin typeface="나눔바른고딕" pitchFamily="50" charset="-127"/>
+                <a:ea typeface="나눔바른고딕" pitchFamily="50" charset="-127"/>
+              </a:rPr>
+              <a:t>Init</a:t>
+            </a:r>
+          </a:p>
+          <a:p>
+            <a:pPr marL="342900" indent="-342900">
+              <a:buAutoNum type="arabicPeriod"/>
+            </a:pPr>
+            <a:r>
+              <a:rPr lang="en-US" altLang="ko-KR" dirty="0" smtClean="0">
+                <a:solidFill>
+                  <a:schemeClr val="bg1">
+                    <a:lumMod val="95000"/>
+                  </a:schemeClr>
+                </a:solidFill>
+                <a:latin typeface="나눔바른고딕" pitchFamily="50" charset="-127"/>
+                <a:ea typeface="나눔바른고딕" pitchFamily="50" charset="-127"/>
+              </a:rPr>
+              <a:t>Add</a:t>
+            </a:r>
+          </a:p>
+          <a:p>
+            <a:pPr marL="342900" indent="-342900">
+              <a:buAutoNum type="arabicPeriod"/>
+            </a:pPr>
+            <a:r>
+              <a:rPr lang="en-US" altLang="ko-KR" dirty="0" smtClean="0">
+                <a:solidFill>
+                  <a:schemeClr val="bg1">
+                    <a:lumMod val="95000"/>
+                  </a:schemeClr>
+                </a:solidFill>
+                <a:latin typeface="나눔바른고딕" pitchFamily="50" charset="-127"/>
+                <a:ea typeface="나눔바른고딕" pitchFamily="50" charset="-127"/>
+              </a:rPr>
+              <a:t>Commit</a:t>
+            </a:r>
+          </a:p>
+          <a:p>
+            <a:pPr marL="342900" indent="-342900">
+              <a:buAutoNum type="arabicPeriod"/>
+            </a:pPr>
+            <a:r>
+              <a:rPr lang="en-US" altLang="ko-KR" dirty="0" smtClean="0">
+                <a:solidFill>
+                  <a:schemeClr val="bg1">
+                    <a:lumMod val="95000"/>
+                  </a:schemeClr>
+                </a:solidFill>
+                <a:latin typeface="나눔바른고딕" pitchFamily="50" charset="-127"/>
+                <a:ea typeface="나눔바른고딕" pitchFamily="50" charset="-127"/>
+              </a:rPr>
+              <a:t>Branch</a:t>
+            </a:r>
+          </a:p>
+          <a:p>
+            <a:pPr marL="342900" indent="-342900">
+              <a:buAutoNum type="arabicPeriod"/>
+            </a:pPr>
+            <a:r>
+              <a:rPr lang="en-US" altLang="ko-KR" dirty="0" smtClean="0">
+                <a:solidFill>
+                  <a:schemeClr val="bg1">
+                    <a:lumMod val="95000"/>
+                  </a:schemeClr>
+                </a:solidFill>
+                <a:latin typeface="나눔바른고딕" pitchFamily="50" charset="-127"/>
+                <a:ea typeface="나눔바른고딕" pitchFamily="50" charset="-127"/>
+              </a:rPr>
+              <a:t>Checkout</a:t>
+            </a:r>
+          </a:p>
+          <a:p>
+            <a:pPr marL="342900" indent="-342900">
+              <a:buAutoNum type="arabicPeriod"/>
+            </a:pPr>
+            <a:r>
+              <a:rPr lang="en-US" altLang="ko-KR" dirty="0" smtClean="0">
+                <a:solidFill>
+                  <a:schemeClr val="bg1">
+                    <a:lumMod val="95000"/>
+                  </a:schemeClr>
+                </a:solidFill>
+                <a:latin typeface="나눔바른고딕" pitchFamily="50" charset="-127"/>
+                <a:ea typeface="나눔바른고딕" pitchFamily="50" charset="-127"/>
+              </a:rPr>
+              <a:t>Merge</a:t>
+            </a:r>
+          </a:p>
+          <a:p>
+            <a:pPr marL="342900" indent="-342900">
+              <a:buAutoNum type="arabicPeriod"/>
+            </a:pPr>
+            <a:r>
+              <a:rPr lang="en-US" altLang="ko-KR" dirty="0" smtClean="0">
+                <a:solidFill>
+                  <a:schemeClr val="bg1">
+                    <a:lumMod val="95000"/>
+                  </a:schemeClr>
+                </a:solidFill>
+                <a:latin typeface="나눔바른고딕" pitchFamily="50" charset="-127"/>
+                <a:ea typeface="나눔바른고딕" pitchFamily="50" charset="-127"/>
+              </a:rPr>
+              <a:t>Status</a:t>
+            </a:r>
+          </a:p>
+          <a:p>
+            <a:pPr marL="342900" indent="-342900">
+              <a:buAutoNum type="arabicPeriod"/>
+            </a:pPr>
+            <a:r>
+              <a:rPr lang="en-US" altLang="ko-KR" dirty="0" smtClean="0">
+                <a:solidFill>
+                  <a:schemeClr val="bg1">
+                    <a:lumMod val="95000"/>
+                  </a:schemeClr>
+                </a:solidFill>
+                <a:latin typeface="나눔바른고딕" pitchFamily="50" charset="-127"/>
+                <a:ea typeface="나눔바른고딕" pitchFamily="50" charset="-127"/>
+              </a:rPr>
+              <a:t>Log</a:t>
+            </a:r>
+          </a:p>
+          <a:p>
+            <a:pPr marL="342900" indent="-342900">
+              <a:buAutoNum type="arabicPeriod"/>
+            </a:pPr>
+            <a:endParaRPr lang="en-US" altLang="ko-KR" dirty="0" smtClean="0">
+              <a:solidFill>
+                <a:schemeClr val="bg1">
+                  <a:lumMod val="95000"/>
+                </a:schemeClr>
+              </a:solidFill>
+              <a:latin typeface="나눔바른고딕" pitchFamily="50" charset="-127"/>
+              <a:ea typeface="나눔바른고딕" pitchFamily="50" charset="-127"/>
+            </a:endParaRPr>
+          </a:p>
+        </p:txBody>
+      </p:sp>
+    </p:spTree>
+  </p:cSld>
+  <p:clrMapOvr>
+    <a:masterClrMapping/>
+  </p:clrMapOvr>
+  <p:timing>
+    <p:tnLst>
+      <p:par>
+        <p:cTn id="1" dur="indefinite" restart="never" nodeType="tmRoot"/>
+      </p:par>
+    </p:tnLst>
+  </p:timing>
+</p:sld>
+</file>
+
 <file path=ppt/slides/slide2.xml><?xml version="1.0" encoding="utf-8"?>
 <p:sld xmlns:a="http://schemas.openxmlformats.org/drawingml/2006/main" xmlns:r="http://schemas.openxmlformats.org/officeDocument/2006/relationships" xmlns:p="http://schemas.openxmlformats.org/presentationml/2006/main">
   <p:cSld>
@@ -7209,14 +7705,7 @@
                 <a:latin typeface="나눔명조" pitchFamily="18" charset="-127"/>
                 <a:ea typeface="나눔명조" pitchFamily="18" charset="-127"/>
               </a:rPr>
-              <a:t>상</a:t>
-            </a:r>
-            <a:r>
-              <a:rPr lang="ko-KR" altLang="en-US" sz="2000" dirty="0" smtClean="0">
-                <a:latin typeface="나눔명조" pitchFamily="18" charset="-127"/>
-                <a:ea typeface="나눔명조" pitchFamily="18" charset="-127"/>
-              </a:rPr>
-              <a:t>황</a:t>
+              <a:t>상황</a:t>
             </a:r>
             <a:endParaRPr lang="ko-KR" altLang="en-US" sz="2000" dirty="0">
               <a:latin typeface="나눔명조" pitchFamily="18" charset="-127"/>
@@ -7286,14 +7775,7 @@
                 <a:latin typeface="나눔명조" pitchFamily="18" charset="-127"/>
                 <a:ea typeface="나눔명조" pitchFamily="18" charset="-127"/>
               </a:rPr>
-              <a:t>장</a:t>
-            </a:r>
-            <a:r>
-              <a:rPr lang="ko-KR" altLang="en-US" dirty="0" smtClean="0">
-                <a:latin typeface="나눔명조" pitchFamily="18" charset="-127"/>
-                <a:ea typeface="나눔명조" pitchFamily="18" charset="-127"/>
-              </a:rPr>
-              <a:t>점</a:t>
+              <a:t>장점</a:t>
             </a:r>
             <a:endParaRPr lang="ko-KR" altLang="en-US" dirty="0">
               <a:latin typeface="나눔명조" pitchFamily="18" charset="-127"/>
@@ -7813,7 +8295,7 @@
         </p:blipFill>
         <p:spPr bwMode="auto">
           <a:xfrm>
-            <a:off x="3059832" y="1347614"/>
+            <a:off x="3419872" y="1347614"/>
             <a:ext cx="2385121" cy="1512168"/>
           </a:xfrm>
           <a:prstGeom prst="rect">
@@ -7841,7 +8323,7 @@
         </p:nvSpPr>
         <p:spPr>
           <a:xfrm>
-            <a:off x="2123728" y="3507854"/>
+            <a:off x="2483768" y="3507854"/>
             <a:ext cx="4608512" cy="400110"/>
           </a:xfrm>
           <a:prstGeom prst="rect">
@@ -8028,7 +8510,988 @@
                 <a:latin typeface="나눔명조" pitchFamily="18" charset="-127"/>
                 <a:ea typeface="나눔명조" pitchFamily="18" charset="-127"/>
               </a:rPr>
-              <a:t> – 1</a:t>
+              <a:t> </a:t>
+            </a:r>
+            <a:r>
+              <a:rPr lang="en-US" altLang="ko-KR" sz="2400" dirty="0" smtClean="0">
+                <a:solidFill>
+                  <a:schemeClr val="bg1">
+                    <a:lumMod val="95000"/>
+                  </a:schemeClr>
+                </a:solidFill>
+                <a:latin typeface="나눔명조" pitchFamily="18" charset="-127"/>
+                <a:ea typeface="나눔명조" pitchFamily="18" charset="-127"/>
+              </a:rPr>
+              <a:t>– </a:t>
+            </a:r>
+            <a:r>
+              <a:rPr lang="ko-KR" altLang="en-US" sz="2400" dirty="0" err="1" smtClean="0">
+                <a:solidFill>
+                  <a:schemeClr val="bg1">
+                    <a:lumMod val="95000"/>
+                  </a:schemeClr>
+                </a:solidFill>
+                <a:latin typeface="나눔명조" pitchFamily="18" charset="-127"/>
+                <a:ea typeface="나눔명조" pitchFamily="18" charset="-127"/>
+              </a:rPr>
+              <a:t>커밋을</a:t>
+            </a:r>
+            <a:r>
+              <a:rPr lang="ko-KR" altLang="en-US" sz="2400" dirty="0" smtClean="0">
+                <a:solidFill>
+                  <a:schemeClr val="bg1">
+                    <a:lumMod val="95000"/>
+                  </a:schemeClr>
+                </a:solidFill>
+                <a:latin typeface="나눔명조" pitchFamily="18" charset="-127"/>
+                <a:ea typeface="나눔명조" pitchFamily="18" charset="-127"/>
+              </a:rPr>
+              <a:t> 자유롭게 할 수 없음</a:t>
+            </a:r>
+            <a:r>
+              <a:rPr lang="en-US" altLang="ko-KR" sz="2400" dirty="0" smtClean="0">
+                <a:solidFill>
+                  <a:schemeClr val="bg1">
+                    <a:lumMod val="95000"/>
+                  </a:schemeClr>
+                </a:solidFill>
+                <a:latin typeface="나눔명조" pitchFamily="18" charset="-127"/>
+                <a:ea typeface="나눔명조" pitchFamily="18" charset="-127"/>
+              </a:rPr>
+              <a:t>.</a:t>
+            </a:r>
+            <a:endParaRPr lang="ko-KR" altLang="en-US" sz="2400" dirty="0">
+              <a:solidFill>
+                <a:schemeClr val="bg1">
+                  <a:lumMod val="95000"/>
+                </a:schemeClr>
+              </a:solidFill>
+              <a:latin typeface="나눔명조" pitchFamily="18" charset="-127"/>
+              <a:ea typeface="나눔명조" pitchFamily="18" charset="-127"/>
+            </a:endParaRPr>
+          </a:p>
+        </p:txBody>
+      </p:sp>
+      <p:cxnSp>
+        <p:nvCxnSpPr>
+          <p:cNvPr id="11" name="직선 연결선 10"/>
+          <p:cNvCxnSpPr/>
+          <p:nvPr/>
+        </p:nvCxnSpPr>
+        <p:spPr>
+          <a:xfrm>
+            <a:off x="539552" y="915566"/>
+            <a:ext cx="8136904" cy="0"/>
+          </a:xfrm>
+          <a:prstGeom prst="line">
+            <a:avLst/>
+          </a:prstGeom>
+          <a:ln w="12700">
+            <a:solidFill>
+              <a:schemeClr val="bg1"/>
+            </a:solidFill>
+          </a:ln>
+        </p:spPr>
+        <p:style>
+          <a:lnRef idx="1">
+            <a:schemeClr val="accent1"/>
+          </a:lnRef>
+          <a:fillRef idx="0">
+            <a:schemeClr val="accent1"/>
+          </a:fillRef>
+          <a:effectRef idx="0">
+            <a:schemeClr val="accent1"/>
+          </a:effectRef>
+          <a:fontRef idx="minor">
+            <a:schemeClr val="tx1"/>
+          </a:fontRef>
+        </p:style>
+      </p:cxnSp>
+      <p:cxnSp>
+        <p:nvCxnSpPr>
+          <p:cNvPr id="12" name="직선 연결선 11"/>
+          <p:cNvCxnSpPr/>
+          <p:nvPr/>
+        </p:nvCxnSpPr>
+        <p:spPr>
+          <a:xfrm>
+            <a:off x="467544" y="4299942"/>
+            <a:ext cx="8136904" cy="0"/>
+          </a:xfrm>
+          <a:prstGeom prst="line">
+            <a:avLst/>
+          </a:prstGeom>
+          <a:ln w="12700">
+            <a:solidFill>
+              <a:schemeClr val="bg1"/>
+            </a:solidFill>
+          </a:ln>
+        </p:spPr>
+        <p:style>
+          <a:lnRef idx="1">
+            <a:schemeClr val="accent1"/>
+          </a:lnRef>
+          <a:fillRef idx="0">
+            <a:schemeClr val="accent1"/>
+          </a:fillRef>
+          <a:effectRef idx="0">
+            <a:schemeClr val="accent1"/>
+          </a:effectRef>
+          <a:fontRef idx="minor">
+            <a:schemeClr val="tx1"/>
+          </a:fontRef>
+        </p:style>
+      </p:cxnSp>
+      <p:cxnSp>
+        <p:nvCxnSpPr>
+          <p:cNvPr id="14" name="직선 연결선 13"/>
+          <p:cNvCxnSpPr/>
+          <p:nvPr/>
+        </p:nvCxnSpPr>
+        <p:spPr>
+          <a:xfrm>
+            <a:off x="467544" y="915566"/>
+            <a:ext cx="8208912" cy="0"/>
+          </a:xfrm>
+          <a:prstGeom prst="line">
+            <a:avLst/>
+          </a:prstGeom>
+          <a:ln w="12700">
+            <a:solidFill>
+              <a:schemeClr val="bg1"/>
+            </a:solidFill>
+          </a:ln>
+        </p:spPr>
+        <p:style>
+          <a:lnRef idx="1">
+            <a:schemeClr val="accent1"/>
+          </a:lnRef>
+          <a:fillRef idx="0">
+            <a:schemeClr val="accent1"/>
+          </a:fillRef>
+          <a:effectRef idx="0">
+            <a:schemeClr val="accent1"/>
+          </a:effectRef>
+          <a:fontRef idx="minor">
+            <a:schemeClr val="tx1"/>
+          </a:fontRef>
+        </p:style>
+      </p:cxnSp>
+      <p:cxnSp>
+        <p:nvCxnSpPr>
+          <p:cNvPr id="15" name="직선 연결선 14"/>
+          <p:cNvCxnSpPr/>
+          <p:nvPr/>
+        </p:nvCxnSpPr>
+        <p:spPr>
+          <a:xfrm>
+            <a:off x="467544" y="4299942"/>
+            <a:ext cx="8208912" cy="0"/>
+          </a:xfrm>
+          <a:prstGeom prst="line">
+            <a:avLst/>
+          </a:prstGeom>
+          <a:ln w="12700">
+            <a:solidFill>
+              <a:schemeClr val="bg1"/>
+            </a:solidFill>
+          </a:ln>
+        </p:spPr>
+        <p:style>
+          <a:lnRef idx="1">
+            <a:schemeClr val="accent1"/>
+          </a:lnRef>
+          <a:fillRef idx="0">
+            <a:schemeClr val="accent1"/>
+          </a:fillRef>
+          <a:effectRef idx="0">
+            <a:schemeClr val="accent1"/>
+          </a:effectRef>
+          <a:fontRef idx="minor">
+            <a:schemeClr val="tx1"/>
+          </a:fontRef>
+        </p:style>
+      </p:cxnSp>
+      <p:grpSp>
+        <p:nvGrpSpPr>
+          <p:cNvPr id="37" name="그룹 36"/>
+          <p:cNvGrpSpPr/>
+          <p:nvPr/>
+        </p:nvGrpSpPr>
+        <p:grpSpPr>
+          <a:xfrm>
+            <a:off x="2915816" y="1059582"/>
+            <a:ext cx="3312368" cy="3096344"/>
+            <a:chOff x="2843808" y="1059582"/>
+            <a:chExt cx="3312368" cy="3096344"/>
+          </a:xfrm>
+        </p:grpSpPr>
+        <p:sp>
+          <p:nvSpPr>
+            <p:cNvPr id="18" name="직사각형 17"/>
+            <p:cNvSpPr/>
+            <p:nvPr/>
+          </p:nvSpPr>
+          <p:spPr>
+            <a:xfrm>
+              <a:off x="2843808" y="1059582"/>
+              <a:ext cx="3312368" cy="3096344"/>
+            </a:xfrm>
+            <a:prstGeom prst="rect">
+              <a:avLst/>
+            </a:prstGeom>
+            <a:solidFill>
+              <a:schemeClr val="bg1"/>
+            </a:solidFill>
+            <a:ln w="57150">
+              <a:noFill/>
+            </a:ln>
+            <a:effectLst>
+              <a:outerShdw blurRad="50800" dist="38100" dir="18900000" algn="bl" rotWithShape="0">
+                <a:prstClr val="black">
+                  <a:alpha val="40000"/>
+                </a:prstClr>
+              </a:outerShdw>
+            </a:effectLst>
+          </p:spPr>
+          <p:style>
+            <a:lnRef idx="2">
+              <a:schemeClr val="accent1">
+                <a:shade val="50000"/>
+              </a:schemeClr>
+            </a:lnRef>
+            <a:fillRef idx="1">
+              <a:schemeClr val="accent1"/>
+            </a:fillRef>
+            <a:effectRef idx="0">
+              <a:schemeClr val="accent1"/>
+            </a:effectRef>
+            <a:fontRef idx="minor">
+              <a:schemeClr val="lt1"/>
+            </a:fontRef>
+          </p:style>
+          <p:txBody>
+            <a:bodyPr rtlCol="0" anchor="ctr"/>
+            <a:lstStyle>
+              <a:defPPr>
+                <a:defRPr lang="ko-KR"/>
+              </a:defPPr>
+              <a:lvl1pPr marL="0" algn="l" defTabSz="914400" rtl="0" eaLnBrk="1" latinLnBrk="1" hangingPunct="1">
+                <a:defRPr sz="1800" kern="1200">
+                  <a:solidFill>
+                    <a:schemeClr val="lt1"/>
+                  </a:solidFill>
+                  <a:latin typeface="+mn-lt"/>
+                  <a:ea typeface="+mn-ea"/>
+                  <a:cs typeface="+mn-cs"/>
+                </a:defRPr>
+              </a:lvl1pPr>
+              <a:lvl2pPr marL="457200" algn="l" defTabSz="914400" rtl="0" eaLnBrk="1" latinLnBrk="1" hangingPunct="1">
+                <a:defRPr sz="1800" kern="1200">
+                  <a:solidFill>
+                    <a:schemeClr val="lt1"/>
+                  </a:solidFill>
+                  <a:latin typeface="+mn-lt"/>
+                  <a:ea typeface="+mn-ea"/>
+                  <a:cs typeface="+mn-cs"/>
+                </a:defRPr>
+              </a:lvl2pPr>
+              <a:lvl3pPr marL="914400" algn="l" defTabSz="914400" rtl="0" eaLnBrk="1" latinLnBrk="1" hangingPunct="1">
+                <a:defRPr sz="1800" kern="1200">
+                  <a:solidFill>
+                    <a:schemeClr val="lt1"/>
+                  </a:solidFill>
+                  <a:latin typeface="+mn-lt"/>
+                  <a:ea typeface="+mn-ea"/>
+                  <a:cs typeface="+mn-cs"/>
+                </a:defRPr>
+              </a:lvl3pPr>
+              <a:lvl4pPr marL="1371600" algn="l" defTabSz="914400" rtl="0" eaLnBrk="1" latinLnBrk="1" hangingPunct="1">
+                <a:defRPr sz="1800" kern="1200">
+                  <a:solidFill>
+                    <a:schemeClr val="lt1"/>
+                  </a:solidFill>
+                  <a:latin typeface="+mn-lt"/>
+                  <a:ea typeface="+mn-ea"/>
+                  <a:cs typeface="+mn-cs"/>
+                </a:defRPr>
+              </a:lvl4pPr>
+              <a:lvl5pPr marL="1828800" algn="l" defTabSz="914400" rtl="0" eaLnBrk="1" latinLnBrk="1" hangingPunct="1">
+                <a:defRPr sz="1800" kern="1200">
+                  <a:solidFill>
+                    <a:schemeClr val="lt1"/>
+                  </a:solidFill>
+                  <a:latin typeface="+mn-lt"/>
+                  <a:ea typeface="+mn-ea"/>
+                  <a:cs typeface="+mn-cs"/>
+                </a:defRPr>
+              </a:lvl5pPr>
+              <a:lvl6pPr marL="2286000" algn="l" defTabSz="914400" rtl="0" eaLnBrk="1" latinLnBrk="1" hangingPunct="1">
+                <a:defRPr sz="1800" kern="1200">
+                  <a:solidFill>
+                    <a:schemeClr val="lt1"/>
+                  </a:solidFill>
+                  <a:latin typeface="+mn-lt"/>
+                  <a:ea typeface="+mn-ea"/>
+                  <a:cs typeface="+mn-cs"/>
+                </a:defRPr>
+              </a:lvl6pPr>
+              <a:lvl7pPr marL="2743200" algn="l" defTabSz="914400" rtl="0" eaLnBrk="1" latinLnBrk="1" hangingPunct="1">
+                <a:defRPr sz="1800" kern="1200">
+                  <a:solidFill>
+                    <a:schemeClr val="lt1"/>
+                  </a:solidFill>
+                  <a:latin typeface="+mn-lt"/>
+                  <a:ea typeface="+mn-ea"/>
+                  <a:cs typeface="+mn-cs"/>
+                </a:defRPr>
+              </a:lvl7pPr>
+              <a:lvl8pPr marL="3200400" algn="l" defTabSz="914400" rtl="0" eaLnBrk="1" latinLnBrk="1" hangingPunct="1">
+                <a:defRPr sz="1800" kern="1200">
+                  <a:solidFill>
+                    <a:schemeClr val="lt1"/>
+                  </a:solidFill>
+                  <a:latin typeface="+mn-lt"/>
+                  <a:ea typeface="+mn-ea"/>
+                  <a:cs typeface="+mn-cs"/>
+                </a:defRPr>
+              </a:lvl8pPr>
+              <a:lvl9pPr marL="3657600" algn="l" defTabSz="914400" rtl="0" eaLnBrk="1" latinLnBrk="1" hangingPunct="1">
+                <a:defRPr sz="1800" kern="1200">
+                  <a:solidFill>
+                    <a:schemeClr val="lt1"/>
+                  </a:solidFill>
+                  <a:latin typeface="+mn-lt"/>
+                  <a:ea typeface="+mn-ea"/>
+                  <a:cs typeface="+mn-cs"/>
+                </a:defRPr>
+              </a:lvl9pPr>
+            </a:lstStyle>
+            <a:p>
+              <a:pPr algn="ctr"/>
+              <a:endParaRPr lang="ko-KR" altLang="en-US" sz="1600" dirty="0">
+                <a:solidFill>
+                  <a:schemeClr val="tx1"/>
+                </a:solidFill>
+              </a:endParaRPr>
+            </a:p>
+          </p:txBody>
+        </p:sp>
+        <p:sp>
+          <p:nvSpPr>
+            <p:cNvPr id="19" name="순서도: 자기 디스크 18"/>
+            <p:cNvSpPr/>
+            <p:nvPr/>
+          </p:nvSpPr>
+          <p:spPr>
+            <a:xfrm>
+              <a:off x="4186560" y="2067694"/>
+              <a:ext cx="792088" cy="936104"/>
+            </a:xfrm>
+            <a:prstGeom prst="flowChartMagneticDisk">
+              <a:avLst/>
+            </a:prstGeom>
+            <a:noFill/>
+            <a:ln>
+              <a:solidFill>
+                <a:srgbClr val="242424"/>
+              </a:solidFill>
+            </a:ln>
+            <a:effectLst>
+              <a:outerShdw blurRad="50800" dist="38100" dir="2700000" algn="tl" rotWithShape="0">
+                <a:prstClr val="black">
+                  <a:alpha val="40000"/>
+                </a:prstClr>
+              </a:outerShdw>
+            </a:effectLst>
+          </p:spPr>
+          <p:style>
+            <a:lnRef idx="2">
+              <a:schemeClr val="accent1">
+                <a:shade val="50000"/>
+              </a:schemeClr>
+            </a:lnRef>
+            <a:fillRef idx="1">
+              <a:schemeClr val="accent1"/>
+            </a:fillRef>
+            <a:effectRef idx="0">
+              <a:schemeClr val="accent1"/>
+            </a:effectRef>
+            <a:fontRef idx="minor">
+              <a:schemeClr val="lt1"/>
+            </a:fontRef>
+          </p:style>
+          <p:txBody>
+            <a:bodyPr rtlCol="0" anchor="ctr"/>
+            <a:lstStyle>
+              <a:defPPr>
+                <a:defRPr lang="ko-KR"/>
+              </a:defPPr>
+              <a:lvl1pPr marL="0" algn="l" defTabSz="914400" rtl="0" eaLnBrk="1" latinLnBrk="1" hangingPunct="1">
+                <a:defRPr sz="1800" kern="1200">
+                  <a:solidFill>
+                    <a:schemeClr val="lt1"/>
+                  </a:solidFill>
+                  <a:latin typeface="+mn-lt"/>
+                  <a:ea typeface="+mn-ea"/>
+                  <a:cs typeface="+mn-cs"/>
+                </a:defRPr>
+              </a:lvl1pPr>
+              <a:lvl2pPr marL="457200" algn="l" defTabSz="914400" rtl="0" eaLnBrk="1" latinLnBrk="1" hangingPunct="1">
+                <a:defRPr sz="1800" kern="1200">
+                  <a:solidFill>
+                    <a:schemeClr val="lt1"/>
+                  </a:solidFill>
+                  <a:latin typeface="+mn-lt"/>
+                  <a:ea typeface="+mn-ea"/>
+                  <a:cs typeface="+mn-cs"/>
+                </a:defRPr>
+              </a:lvl2pPr>
+              <a:lvl3pPr marL="914400" algn="l" defTabSz="914400" rtl="0" eaLnBrk="1" latinLnBrk="1" hangingPunct="1">
+                <a:defRPr sz="1800" kern="1200">
+                  <a:solidFill>
+                    <a:schemeClr val="lt1"/>
+                  </a:solidFill>
+                  <a:latin typeface="+mn-lt"/>
+                  <a:ea typeface="+mn-ea"/>
+                  <a:cs typeface="+mn-cs"/>
+                </a:defRPr>
+              </a:lvl3pPr>
+              <a:lvl4pPr marL="1371600" algn="l" defTabSz="914400" rtl="0" eaLnBrk="1" latinLnBrk="1" hangingPunct="1">
+                <a:defRPr sz="1800" kern="1200">
+                  <a:solidFill>
+                    <a:schemeClr val="lt1"/>
+                  </a:solidFill>
+                  <a:latin typeface="+mn-lt"/>
+                  <a:ea typeface="+mn-ea"/>
+                  <a:cs typeface="+mn-cs"/>
+                </a:defRPr>
+              </a:lvl4pPr>
+              <a:lvl5pPr marL="1828800" algn="l" defTabSz="914400" rtl="0" eaLnBrk="1" latinLnBrk="1" hangingPunct="1">
+                <a:defRPr sz="1800" kern="1200">
+                  <a:solidFill>
+                    <a:schemeClr val="lt1"/>
+                  </a:solidFill>
+                  <a:latin typeface="+mn-lt"/>
+                  <a:ea typeface="+mn-ea"/>
+                  <a:cs typeface="+mn-cs"/>
+                </a:defRPr>
+              </a:lvl5pPr>
+              <a:lvl6pPr marL="2286000" algn="l" defTabSz="914400" rtl="0" eaLnBrk="1" latinLnBrk="1" hangingPunct="1">
+                <a:defRPr sz="1800" kern="1200">
+                  <a:solidFill>
+                    <a:schemeClr val="lt1"/>
+                  </a:solidFill>
+                  <a:latin typeface="+mn-lt"/>
+                  <a:ea typeface="+mn-ea"/>
+                  <a:cs typeface="+mn-cs"/>
+                </a:defRPr>
+              </a:lvl6pPr>
+              <a:lvl7pPr marL="2743200" algn="l" defTabSz="914400" rtl="0" eaLnBrk="1" latinLnBrk="1" hangingPunct="1">
+                <a:defRPr sz="1800" kern="1200">
+                  <a:solidFill>
+                    <a:schemeClr val="lt1"/>
+                  </a:solidFill>
+                  <a:latin typeface="+mn-lt"/>
+                  <a:ea typeface="+mn-ea"/>
+                  <a:cs typeface="+mn-cs"/>
+                </a:defRPr>
+              </a:lvl7pPr>
+              <a:lvl8pPr marL="3200400" algn="l" defTabSz="914400" rtl="0" eaLnBrk="1" latinLnBrk="1" hangingPunct="1">
+                <a:defRPr sz="1800" kern="1200">
+                  <a:solidFill>
+                    <a:schemeClr val="lt1"/>
+                  </a:solidFill>
+                  <a:latin typeface="+mn-lt"/>
+                  <a:ea typeface="+mn-ea"/>
+                  <a:cs typeface="+mn-cs"/>
+                </a:defRPr>
+              </a:lvl8pPr>
+              <a:lvl9pPr marL="3657600" algn="l" defTabSz="914400" rtl="0" eaLnBrk="1" latinLnBrk="1" hangingPunct="1">
+                <a:defRPr sz="1800" kern="1200">
+                  <a:solidFill>
+                    <a:schemeClr val="lt1"/>
+                  </a:solidFill>
+                  <a:latin typeface="+mn-lt"/>
+                  <a:ea typeface="+mn-ea"/>
+                  <a:cs typeface="+mn-cs"/>
+                </a:defRPr>
+              </a:lvl9pPr>
+            </a:lstStyle>
+            <a:p>
+              <a:pPr algn="ctr"/>
+              <a:r>
+                <a:rPr lang="ko-KR" altLang="en-US" sz="1400" b="1" spc="-150" dirty="0" err="1" smtClean="0">
+                  <a:solidFill>
+                    <a:schemeClr val="tx1"/>
+                  </a:solidFill>
+                  <a:latin typeface="나눔명조" pitchFamily="18" charset="-127"/>
+                  <a:ea typeface="나눔명조" pitchFamily="18" charset="-127"/>
+                </a:rPr>
+                <a:t>개발계</a:t>
+              </a:r>
+              <a:r>
+                <a:rPr lang="ko-KR" altLang="en-US" sz="1400" b="1" spc="-150" dirty="0" smtClean="0">
+                  <a:solidFill>
+                    <a:schemeClr val="tx1"/>
+                  </a:solidFill>
+                  <a:latin typeface="나눔명조" pitchFamily="18" charset="-127"/>
+                  <a:ea typeface="나눔명조" pitchFamily="18" charset="-127"/>
+                </a:rPr>
+                <a:t> </a:t>
+              </a:r>
+              <a:endParaRPr lang="en-US" altLang="ko-KR" sz="1400" b="1" spc="-150" dirty="0" smtClean="0">
+                <a:solidFill>
+                  <a:schemeClr val="tx1"/>
+                </a:solidFill>
+                <a:latin typeface="나눔명조" pitchFamily="18" charset="-127"/>
+                <a:ea typeface="나눔명조" pitchFamily="18" charset="-127"/>
+              </a:endParaRPr>
+            </a:p>
+            <a:p>
+              <a:pPr algn="ctr"/>
+              <a:r>
+                <a:rPr lang="en-US" altLang="ko-KR" sz="1400" b="1" spc="-150" dirty="0" smtClean="0">
+                  <a:solidFill>
+                    <a:schemeClr val="tx1"/>
+                  </a:solidFill>
+                  <a:latin typeface="나눔명조" pitchFamily="18" charset="-127"/>
+                  <a:ea typeface="나눔명조" pitchFamily="18" charset="-127"/>
+                </a:rPr>
+                <a:t>repository</a:t>
+              </a:r>
+              <a:endParaRPr lang="ko-KR" altLang="en-US" sz="1400" b="1" spc="-150" dirty="0">
+                <a:solidFill>
+                  <a:schemeClr val="tx1"/>
+                </a:solidFill>
+                <a:latin typeface="나눔명조" pitchFamily="18" charset="-127"/>
+                <a:ea typeface="나눔명조" pitchFamily="18" charset="-127"/>
+              </a:endParaRPr>
+            </a:p>
+          </p:txBody>
+        </p:sp>
+        <p:pic>
+          <p:nvPicPr>
+            <p:cNvPr id="21" name="Picture 18" descr="programmer icon free pngì ëí ì´ë¯¸ì§ ê²ìê²°ê³¼"/>
+            <p:cNvPicPr>
+              <a:picLocks noChangeAspect="1" noChangeArrowheads="1"/>
+            </p:cNvPicPr>
+            <p:nvPr/>
+          </p:nvPicPr>
+          <p:blipFill>
+            <a:blip r:embed="rId2" cstate="print">
+              <a:grayscl/>
+            </a:blip>
+            <a:srcRect/>
+            <a:stretch>
+              <a:fillRect/>
+            </a:stretch>
+          </p:blipFill>
+          <p:spPr bwMode="auto">
+            <a:xfrm>
+              <a:off x="3131840" y="3147814"/>
+              <a:ext cx="632347" cy="605884"/>
+            </a:xfrm>
+            <a:prstGeom prst="rect">
+              <a:avLst/>
+            </a:prstGeom>
+            <a:noFill/>
+          </p:spPr>
+        </p:pic>
+        <p:cxnSp>
+          <p:nvCxnSpPr>
+            <p:cNvPr id="24" name="직선 화살표 연결선 23"/>
+            <p:cNvCxnSpPr/>
+            <p:nvPr/>
+          </p:nvCxnSpPr>
+          <p:spPr>
+            <a:xfrm flipV="1">
+              <a:off x="3707904" y="2931790"/>
+              <a:ext cx="360040" cy="288031"/>
+            </a:xfrm>
+            <a:prstGeom prst="straightConnector1">
+              <a:avLst/>
+            </a:prstGeom>
+            <a:ln w="38100">
+              <a:solidFill>
+                <a:srgbClr val="242424"/>
+              </a:solidFill>
+              <a:tailEnd type="arrow"/>
+            </a:ln>
+          </p:spPr>
+          <p:style>
+            <a:lnRef idx="1">
+              <a:schemeClr val="accent1"/>
+            </a:lnRef>
+            <a:fillRef idx="0">
+              <a:schemeClr val="accent1"/>
+            </a:fillRef>
+            <a:effectRef idx="0">
+              <a:schemeClr val="accent1"/>
+            </a:effectRef>
+            <a:fontRef idx="minor">
+              <a:schemeClr val="tx1"/>
+            </a:fontRef>
+          </p:style>
+        </p:cxnSp>
+        <p:cxnSp>
+          <p:nvCxnSpPr>
+            <p:cNvPr id="28" name="직선 화살표 연결선 27"/>
+            <p:cNvCxnSpPr/>
+            <p:nvPr/>
+          </p:nvCxnSpPr>
+          <p:spPr>
+            <a:xfrm flipH="1" flipV="1">
+              <a:off x="5004048" y="2931790"/>
+              <a:ext cx="360040" cy="288031"/>
+            </a:xfrm>
+            <a:prstGeom prst="straightConnector1">
+              <a:avLst/>
+            </a:prstGeom>
+            <a:ln w="38100">
+              <a:solidFill>
+                <a:srgbClr val="242424"/>
+              </a:solidFill>
+              <a:tailEnd type="arrow"/>
+            </a:ln>
+          </p:spPr>
+          <p:style>
+            <a:lnRef idx="1">
+              <a:schemeClr val="accent1"/>
+            </a:lnRef>
+            <a:fillRef idx="0">
+              <a:schemeClr val="accent1"/>
+            </a:fillRef>
+            <a:effectRef idx="0">
+              <a:schemeClr val="accent1"/>
+            </a:effectRef>
+            <a:fontRef idx="minor">
+              <a:schemeClr val="tx1"/>
+            </a:fontRef>
+          </p:style>
+        </p:cxnSp>
+        <p:pic>
+          <p:nvPicPr>
+            <p:cNvPr id="29" name="Picture 18" descr="programmer icon free pngì ëí ì´ë¯¸ì§ ê²ìê²°ê³¼"/>
+            <p:cNvPicPr>
+              <a:picLocks noChangeAspect="1" noChangeArrowheads="1"/>
+            </p:cNvPicPr>
+            <p:nvPr/>
+          </p:nvPicPr>
+          <p:blipFill>
+            <a:blip r:embed="rId2" cstate="print">
+              <a:grayscl/>
+            </a:blip>
+            <a:srcRect/>
+            <a:stretch>
+              <a:fillRect/>
+            </a:stretch>
+          </p:blipFill>
+          <p:spPr bwMode="auto">
+            <a:xfrm flipH="1">
+              <a:off x="5292080" y="3147814"/>
+              <a:ext cx="632347" cy="605884"/>
+            </a:xfrm>
+            <a:prstGeom prst="rect">
+              <a:avLst/>
+            </a:prstGeom>
+            <a:noFill/>
+          </p:spPr>
+        </p:pic>
+        <p:pic>
+          <p:nvPicPr>
+            <p:cNvPr id="30" name="Picture 18" descr="programmer icon free pngì ëí ì´ë¯¸ì§ ê²ìê²°ê³¼"/>
+            <p:cNvPicPr>
+              <a:picLocks noChangeAspect="1" noChangeArrowheads="1"/>
+            </p:cNvPicPr>
+            <p:nvPr/>
+          </p:nvPicPr>
+          <p:blipFill>
+            <a:blip r:embed="rId2" cstate="print">
+              <a:grayscl/>
+            </a:blip>
+            <a:srcRect/>
+            <a:stretch>
+              <a:fillRect/>
+            </a:stretch>
+          </p:blipFill>
+          <p:spPr bwMode="auto">
+            <a:xfrm>
+              <a:off x="3203848" y="1275606"/>
+              <a:ext cx="632347" cy="605884"/>
+            </a:xfrm>
+            <a:prstGeom prst="rect">
+              <a:avLst/>
+            </a:prstGeom>
+            <a:noFill/>
+          </p:spPr>
+        </p:pic>
+        <p:cxnSp>
+          <p:nvCxnSpPr>
+            <p:cNvPr id="31" name="직선 화살표 연결선 30"/>
+            <p:cNvCxnSpPr/>
+            <p:nvPr/>
+          </p:nvCxnSpPr>
+          <p:spPr>
+            <a:xfrm>
+              <a:off x="3815916" y="1887674"/>
+              <a:ext cx="324038" cy="252030"/>
+            </a:xfrm>
+            <a:prstGeom prst="straightConnector1">
+              <a:avLst/>
+            </a:prstGeom>
+            <a:ln w="38100">
+              <a:solidFill>
+                <a:srgbClr val="242424"/>
+              </a:solidFill>
+              <a:tailEnd type="arrow"/>
+            </a:ln>
+          </p:spPr>
+          <p:style>
+            <a:lnRef idx="1">
+              <a:schemeClr val="accent1"/>
+            </a:lnRef>
+            <a:fillRef idx="0">
+              <a:schemeClr val="accent1"/>
+            </a:fillRef>
+            <a:effectRef idx="0">
+              <a:schemeClr val="accent1"/>
+            </a:effectRef>
+            <a:fontRef idx="minor">
+              <a:schemeClr val="tx1"/>
+            </a:fontRef>
+          </p:style>
+        </p:cxnSp>
+        <p:cxnSp>
+          <p:nvCxnSpPr>
+            <p:cNvPr id="33" name="직선 화살표 연결선 32"/>
+            <p:cNvCxnSpPr/>
+            <p:nvPr/>
+          </p:nvCxnSpPr>
+          <p:spPr>
+            <a:xfrm flipV="1">
+              <a:off x="5040052" y="1707654"/>
+              <a:ext cx="396044" cy="432050"/>
+            </a:xfrm>
+            <a:prstGeom prst="straightConnector1">
+              <a:avLst/>
+            </a:prstGeom>
+            <a:ln w="38100">
+              <a:solidFill>
+                <a:srgbClr val="242424"/>
+              </a:solidFill>
+              <a:tailEnd type="arrow"/>
+            </a:ln>
+          </p:spPr>
+          <p:style>
+            <a:lnRef idx="1">
+              <a:schemeClr val="accent1"/>
+            </a:lnRef>
+            <a:fillRef idx="0">
+              <a:schemeClr val="accent1"/>
+            </a:fillRef>
+            <a:effectRef idx="0">
+              <a:schemeClr val="accent1"/>
+            </a:effectRef>
+            <a:fontRef idx="minor">
+              <a:schemeClr val="tx1"/>
+            </a:fontRef>
+          </p:style>
+        </p:cxnSp>
+        <p:sp>
+          <p:nvSpPr>
+            <p:cNvPr id="35" name="TextBox 34"/>
+            <p:cNvSpPr txBox="1"/>
+            <p:nvPr/>
+          </p:nvSpPr>
+          <p:spPr>
+            <a:xfrm>
+              <a:off x="5148064" y="1347614"/>
+              <a:ext cx="864096" cy="400110"/>
+            </a:xfrm>
+            <a:prstGeom prst="rect">
+              <a:avLst/>
+            </a:prstGeom>
+            <a:noFill/>
+          </p:spPr>
+          <p:txBody>
+            <a:bodyPr wrap="square" rtlCol="0">
+              <a:spAutoFit/>
+            </a:bodyPr>
+            <a:lstStyle/>
+            <a:p>
+              <a:pPr algn="ctr"/>
+              <a:r>
+                <a:rPr lang="ko-KR" altLang="en-US" sz="2000" b="1" dirty="0" smtClean="0">
+                  <a:latin typeface="나눔명조" pitchFamily="18" charset="-127"/>
+                  <a:ea typeface="나눔명조" pitchFamily="18" charset="-127"/>
+                </a:rPr>
+                <a:t>이</a:t>
+              </a:r>
+              <a:r>
+                <a:rPr lang="ko-KR" altLang="en-US" sz="2000" b="1" dirty="0" smtClean="0">
+                  <a:latin typeface="나눔명조" pitchFamily="18" charset="-127"/>
+                  <a:ea typeface="나눔명조" pitchFamily="18" charset="-127"/>
+                </a:rPr>
+                <a:t>관</a:t>
+              </a:r>
+              <a:endParaRPr lang="ko-KR" altLang="en-US" sz="1600" b="1" dirty="0">
+                <a:latin typeface="나눔명조" pitchFamily="18" charset="-127"/>
+                <a:ea typeface="나눔명조" pitchFamily="18" charset="-127"/>
+              </a:endParaRPr>
+            </a:p>
+          </p:txBody>
+        </p:sp>
+      </p:grpSp>
+    </p:spTree>
+  </p:cSld>
+  <p:clrMapOvr>
+    <a:masterClrMapping/>
+  </p:clrMapOvr>
+  <p:timing>
+    <p:tnLst>
+      <p:par>
+        <p:cTn id="1" dur="indefinite" restart="never" nodeType="tmRoot"/>
+      </p:par>
+    </p:tnLst>
+  </p:timing>
+</p:sld>
+</file>
+
+<file path=ppt/slides/slide8.xml><?xml version="1.0" encoding="utf-8"?>
+<p:sld xmlns:a="http://schemas.openxmlformats.org/drawingml/2006/main" xmlns:r="http://schemas.openxmlformats.org/officeDocument/2006/relationships" xmlns:p="http://schemas.openxmlformats.org/presentationml/2006/main">
+  <p:cSld>
+    <p:spTree>
+      <p:nvGrpSpPr>
+        <p:cNvPr id="1" name=""/>
+        <p:cNvGrpSpPr/>
+        <p:nvPr/>
+      </p:nvGrpSpPr>
+      <p:grpSpPr>
+        <a:xfrm>
+          <a:off x="0" y="0"/>
+          <a:ext cx="0" cy="0"/>
+          <a:chOff x="0" y="0"/>
+          <a:chExt cx="0" cy="0"/>
+        </a:xfrm>
+      </p:grpSpPr>
+      <p:sp>
+        <p:nvSpPr>
+          <p:cNvPr id="16" name="평행 사변형 15"/>
+          <p:cNvSpPr/>
+          <p:nvPr/>
+        </p:nvSpPr>
+        <p:spPr>
+          <a:xfrm rot="16200000">
+            <a:off x="2000251" y="-2000251"/>
+            <a:ext cx="5143500" cy="9144001"/>
+          </a:xfrm>
+          <a:prstGeom prst="parallelogram">
+            <a:avLst>
+              <a:gd name="adj" fmla="val 7753"/>
+            </a:avLst>
+          </a:prstGeom>
+          <a:solidFill>
+            <a:srgbClr val="473F3D"/>
+          </a:solidFill>
+          <a:ln>
+            <a:noFill/>
+          </a:ln>
+        </p:spPr>
+        <p:style>
+          <a:lnRef idx="2">
+            <a:schemeClr val="accent1">
+              <a:shade val="50000"/>
+            </a:schemeClr>
+          </a:lnRef>
+          <a:fillRef idx="1">
+            <a:schemeClr val="accent1"/>
+          </a:fillRef>
+          <a:effectRef idx="0">
+            <a:schemeClr val="accent1"/>
+          </a:effectRef>
+          <a:fontRef idx="minor">
+            <a:schemeClr val="lt1"/>
+          </a:fontRef>
+        </p:style>
+        <p:txBody>
+          <a:bodyPr rtlCol="0" anchor="ctr"/>
+          <a:lstStyle/>
+          <a:p>
+            <a:pPr algn="ctr"/>
+            <a:endParaRPr lang="ko-KR" altLang="en-US" sz="1600" dirty="0"/>
+          </a:p>
+        </p:txBody>
+      </p:sp>
+      <p:sp>
+        <p:nvSpPr>
+          <p:cNvPr id="10" name="TextBox 9"/>
+          <p:cNvSpPr txBox="1"/>
+          <p:nvPr/>
+        </p:nvSpPr>
+        <p:spPr>
+          <a:xfrm>
+            <a:off x="611560" y="483518"/>
+            <a:ext cx="7704856" cy="461665"/>
+          </a:xfrm>
+          <a:prstGeom prst="rect">
+            <a:avLst/>
+          </a:prstGeom>
+          <a:noFill/>
+        </p:spPr>
+        <p:txBody>
+          <a:bodyPr wrap="square" rtlCol="0">
+            <a:spAutoFit/>
+          </a:bodyPr>
+          <a:lstStyle/>
+          <a:p>
+            <a:r>
+              <a:rPr lang="ko-KR" altLang="en-US" sz="2400" dirty="0" smtClean="0">
+                <a:solidFill>
+                  <a:schemeClr val="bg1">
+                    <a:lumMod val="95000"/>
+                  </a:schemeClr>
+                </a:solidFill>
+                <a:latin typeface="나눔명조" pitchFamily="18" charset="-127"/>
+                <a:ea typeface="나눔명조" pitchFamily="18" charset="-127"/>
+              </a:rPr>
+              <a:t>상황</a:t>
+            </a:r>
+            <a:r>
+              <a:rPr lang="en-US" altLang="ko-KR" sz="2400" dirty="0" smtClean="0">
+                <a:solidFill>
+                  <a:schemeClr val="bg1">
+                    <a:lumMod val="95000"/>
+                  </a:schemeClr>
+                </a:solidFill>
+                <a:latin typeface="나눔명조" pitchFamily="18" charset="-127"/>
+                <a:ea typeface="나눔명조" pitchFamily="18" charset="-127"/>
+              </a:rPr>
+              <a:t>3</a:t>
+            </a:r>
+            <a:r>
+              <a:rPr lang="en-US" altLang="ko-KR" sz="2400" dirty="0" smtClean="0">
+                <a:solidFill>
+                  <a:schemeClr val="bg1">
+                    <a:lumMod val="95000"/>
+                  </a:schemeClr>
+                </a:solidFill>
+                <a:latin typeface="나눔명조" pitchFamily="18" charset="-127"/>
+                <a:ea typeface="나눔명조" pitchFamily="18" charset="-127"/>
+              </a:rPr>
+              <a:t> </a:t>
+            </a:r>
+            <a:r>
+              <a:rPr lang="en-US" altLang="ko-KR" sz="2400" dirty="0" smtClean="0">
+                <a:solidFill>
+                  <a:schemeClr val="bg1">
+                    <a:lumMod val="95000"/>
+                  </a:schemeClr>
+                </a:solidFill>
+                <a:latin typeface="나눔명조" pitchFamily="18" charset="-127"/>
+                <a:ea typeface="나눔명조" pitchFamily="18" charset="-127"/>
+              </a:rPr>
+              <a:t>– 1</a:t>
             </a:r>
             <a:r>
               <a:rPr lang="ko-KR" altLang="en-US" sz="2400" dirty="0" smtClean="0">
@@ -8334,594 +9797,7 @@
                 <a:latin typeface="나눔명조" pitchFamily="18" charset="-127"/>
                 <a:ea typeface="나눔명조" pitchFamily="18" charset="-127"/>
               </a:rPr>
-              <a:t> </a:t>
-            </a:r>
-            <a:r>
-              <a:rPr lang="ko-KR" altLang="en-US" sz="2000" dirty="0" smtClean="0">
-                <a:solidFill>
-                  <a:schemeClr val="bg1">
-                    <a:lumMod val="95000"/>
-                  </a:schemeClr>
-                </a:solidFill>
-                <a:latin typeface="나눔명조" pitchFamily="18" charset="-127"/>
-                <a:ea typeface="나눔명조" pitchFamily="18" charset="-127"/>
-              </a:rPr>
-              <a:t>관련해서 </a:t>
-            </a:r>
-            <a:r>
-              <a:rPr lang="ko-KR" altLang="en-US" sz="2000" dirty="0" smtClean="0">
-                <a:solidFill>
-                  <a:schemeClr val="bg1">
-                    <a:lumMod val="95000"/>
-                  </a:schemeClr>
-                </a:solidFill>
-                <a:latin typeface="나눔명조" pitchFamily="18" charset="-127"/>
-                <a:ea typeface="나눔명조" pitchFamily="18" charset="-127"/>
-              </a:rPr>
-              <a:t>어떤 </a:t>
-            </a:r>
-            <a:endParaRPr lang="en-US" altLang="ko-KR" sz="2000" dirty="0" smtClean="0">
-              <a:solidFill>
-                <a:schemeClr val="bg1">
-                  <a:lumMod val="95000"/>
-                </a:schemeClr>
-              </a:solidFill>
-              <a:latin typeface="나눔명조" pitchFamily="18" charset="-127"/>
-              <a:ea typeface="나눔명조" pitchFamily="18" charset="-127"/>
-            </a:endParaRPr>
-          </a:p>
-          <a:p>
-            <a:pPr algn="ctr"/>
-            <a:r>
-              <a:rPr lang="ko-KR" altLang="en-US" sz="2000" dirty="0" smtClean="0">
-                <a:solidFill>
-                  <a:schemeClr val="bg1">
-                    <a:lumMod val="95000"/>
-                  </a:schemeClr>
-                </a:solidFill>
-                <a:latin typeface="나눔명조" pitchFamily="18" charset="-127"/>
-                <a:ea typeface="나눔명조" pitchFamily="18" charset="-127"/>
-              </a:rPr>
-              <a:t>파일들이 </a:t>
-            </a:r>
-            <a:r>
-              <a:rPr lang="ko-KR" altLang="en-US" sz="2000" dirty="0" err="1" smtClean="0">
-                <a:solidFill>
-                  <a:schemeClr val="bg1">
-                    <a:lumMod val="95000"/>
-                  </a:schemeClr>
-                </a:solidFill>
-                <a:latin typeface="나눔명조" pitchFamily="18" charset="-127"/>
-                <a:ea typeface="나눔명조" pitchFamily="18" charset="-127"/>
-              </a:rPr>
-              <a:t>수정된거지</a:t>
-            </a:r>
-            <a:r>
-              <a:rPr lang="en-US" altLang="ko-KR" sz="2000" dirty="0" smtClean="0">
-                <a:solidFill>
-                  <a:schemeClr val="bg1">
-                    <a:lumMod val="95000"/>
-                  </a:schemeClr>
-                </a:solidFill>
-                <a:latin typeface="나눔명조" pitchFamily="18" charset="-127"/>
-                <a:ea typeface="나눔명조" pitchFamily="18" charset="-127"/>
-              </a:rPr>
-              <a:t>?</a:t>
-            </a:r>
-            <a:endParaRPr lang="ko-KR" altLang="en-US" sz="2000" dirty="0">
-              <a:solidFill>
-                <a:schemeClr val="bg1">
-                  <a:lumMod val="95000"/>
-                </a:schemeClr>
-              </a:solidFill>
-              <a:latin typeface="나눔명조" pitchFamily="18" charset="-127"/>
-              <a:ea typeface="나눔명조" pitchFamily="18" charset="-127"/>
-            </a:endParaRPr>
-          </a:p>
-        </p:txBody>
-      </p:sp>
-      <p:sp>
-        <p:nvSpPr>
-          <p:cNvPr id="17" name="TextBox 16"/>
-          <p:cNvSpPr txBox="1"/>
-          <p:nvPr/>
-        </p:nvSpPr>
-        <p:spPr>
-          <a:xfrm>
-            <a:off x="1331640" y="3867894"/>
-            <a:ext cx="3024336" cy="276999"/>
-          </a:xfrm>
-          <a:prstGeom prst="rect">
-            <a:avLst/>
-          </a:prstGeom>
-          <a:noFill/>
-        </p:spPr>
-        <p:txBody>
-          <a:bodyPr wrap="square" rtlCol="0">
-            <a:spAutoFit/>
-          </a:bodyPr>
-          <a:lstStyle/>
-          <a:p>
-            <a:pPr algn="ctr"/>
-            <a:r>
-              <a:rPr lang="ko-KR" altLang="en-US" sz="1200" dirty="0" smtClean="0">
-                <a:solidFill>
-                  <a:schemeClr val="bg1">
-                    <a:lumMod val="75000"/>
-                  </a:schemeClr>
-                </a:solidFill>
-                <a:latin typeface="나눔명조" pitchFamily="18" charset="-127"/>
-                <a:ea typeface="나눔명조" pitchFamily="18" charset="-127"/>
-              </a:rPr>
-              <a:t>기능</a:t>
-            </a:r>
-            <a:r>
-              <a:rPr lang="en-US" altLang="ko-KR" sz="1200" dirty="0" smtClean="0">
-                <a:solidFill>
-                  <a:schemeClr val="bg1">
-                    <a:lumMod val="75000"/>
-                  </a:schemeClr>
-                </a:solidFill>
-                <a:latin typeface="나눔명조" pitchFamily="18" charset="-127"/>
-                <a:ea typeface="나눔명조" pitchFamily="18" charset="-127"/>
-              </a:rPr>
-              <a:t>1, 2, 3, 4, 5 </a:t>
-            </a:r>
-            <a:r>
-              <a:rPr lang="ko-KR" altLang="en-US" sz="1200" dirty="0" smtClean="0">
-                <a:solidFill>
-                  <a:schemeClr val="bg1">
-                    <a:lumMod val="75000"/>
-                  </a:schemeClr>
-                </a:solidFill>
-                <a:latin typeface="나눔명조" pitchFamily="18" charset="-127"/>
-                <a:ea typeface="나눔명조" pitchFamily="18" charset="-127"/>
-              </a:rPr>
-              <a:t>개발에 수정된 파일목록</a:t>
-            </a:r>
-            <a:endParaRPr lang="ko-KR" altLang="en-US" sz="1200" dirty="0">
-              <a:solidFill>
-                <a:schemeClr val="bg1">
-                  <a:lumMod val="75000"/>
-                </a:schemeClr>
-              </a:solidFill>
-              <a:latin typeface="나눔명조" pitchFamily="18" charset="-127"/>
-              <a:ea typeface="나눔명조" pitchFamily="18" charset="-127"/>
-            </a:endParaRPr>
-          </a:p>
-        </p:txBody>
-      </p:sp>
-    </p:spTree>
-  </p:cSld>
-  <p:clrMapOvr>
-    <a:masterClrMapping/>
-  </p:clrMapOvr>
-  <p:timing>
-    <p:tnLst>
-      <p:par>
-        <p:cTn id="1" dur="indefinite" restart="never" nodeType="tmRoot"/>
-      </p:par>
-    </p:tnLst>
-  </p:timing>
-</p:sld>
-</file>
-
-<file path=ppt/slides/slide8.xml><?xml version="1.0" encoding="utf-8"?>
-<p:sld xmlns:a="http://schemas.openxmlformats.org/drawingml/2006/main" xmlns:r="http://schemas.openxmlformats.org/officeDocument/2006/relationships" xmlns:p="http://schemas.openxmlformats.org/presentationml/2006/main">
-  <p:cSld>
-    <p:spTree>
-      <p:nvGrpSpPr>
-        <p:cNvPr id="1" name=""/>
-        <p:cNvGrpSpPr/>
-        <p:nvPr/>
-      </p:nvGrpSpPr>
-      <p:grpSpPr>
-        <a:xfrm>
-          <a:off x="0" y="0"/>
-          <a:ext cx="0" cy="0"/>
-          <a:chOff x="0" y="0"/>
-          <a:chExt cx="0" cy="0"/>
-        </a:xfrm>
-      </p:grpSpPr>
-      <p:sp>
-        <p:nvSpPr>
-          <p:cNvPr id="16" name="평행 사변형 15"/>
-          <p:cNvSpPr/>
-          <p:nvPr/>
-        </p:nvSpPr>
-        <p:spPr>
-          <a:xfrm rot="16200000">
-            <a:off x="2000251" y="-2000251"/>
-            <a:ext cx="5143500" cy="9144001"/>
-          </a:xfrm>
-          <a:prstGeom prst="parallelogram">
-            <a:avLst>
-              <a:gd name="adj" fmla="val 7753"/>
-            </a:avLst>
-          </a:prstGeom>
-          <a:solidFill>
-            <a:srgbClr val="473F3D"/>
-          </a:solidFill>
-          <a:ln>
-            <a:noFill/>
-          </a:ln>
-        </p:spPr>
-        <p:style>
-          <a:lnRef idx="2">
-            <a:schemeClr val="accent1">
-              <a:shade val="50000"/>
-            </a:schemeClr>
-          </a:lnRef>
-          <a:fillRef idx="1">
-            <a:schemeClr val="accent1"/>
-          </a:fillRef>
-          <a:effectRef idx="0">
-            <a:schemeClr val="accent1"/>
-          </a:effectRef>
-          <a:fontRef idx="minor">
-            <a:schemeClr val="lt1"/>
-          </a:fontRef>
-        </p:style>
-        <p:txBody>
-          <a:bodyPr rtlCol="0" anchor="ctr"/>
-          <a:lstStyle/>
-          <a:p>
-            <a:pPr algn="ctr"/>
-            <a:endParaRPr lang="ko-KR" altLang="en-US" sz="1600" dirty="0"/>
-          </a:p>
-        </p:txBody>
-      </p:sp>
-      <p:sp>
-        <p:nvSpPr>
-          <p:cNvPr id="10" name="TextBox 9"/>
-          <p:cNvSpPr txBox="1"/>
-          <p:nvPr/>
-        </p:nvSpPr>
-        <p:spPr>
-          <a:xfrm>
-            <a:off x="611560" y="483518"/>
-            <a:ext cx="7704856" cy="461665"/>
-          </a:xfrm>
-          <a:prstGeom prst="rect">
-            <a:avLst/>
-          </a:prstGeom>
-          <a:noFill/>
-        </p:spPr>
-        <p:txBody>
-          <a:bodyPr wrap="square" rtlCol="0">
-            <a:spAutoFit/>
-          </a:bodyPr>
-          <a:lstStyle/>
-          <a:p>
-            <a:r>
-              <a:rPr lang="ko-KR" altLang="en-US" sz="2400" dirty="0" smtClean="0">
-                <a:solidFill>
-                  <a:schemeClr val="bg1">
-                    <a:lumMod val="95000"/>
-                  </a:schemeClr>
-                </a:solidFill>
-                <a:latin typeface="나눔명조" pitchFamily="18" charset="-127"/>
-                <a:ea typeface="나눔명조" pitchFamily="18" charset="-127"/>
-              </a:rPr>
-              <a:t>상황</a:t>
-            </a:r>
-            <a:r>
-              <a:rPr lang="en-US" altLang="ko-KR" sz="2400" dirty="0" smtClean="0">
-                <a:solidFill>
-                  <a:schemeClr val="bg1">
-                    <a:lumMod val="95000"/>
-                  </a:schemeClr>
-                </a:solidFill>
-                <a:latin typeface="나눔명조" pitchFamily="18" charset="-127"/>
-                <a:ea typeface="나눔명조" pitchFamily="18" charset="-127"/>
-              </a:rPr>
-              <a:t>3 – </a:t>
-            </a:r>
-            <a:r>
-              <a:rPr lang="ko-KR" altLang="en-US" sz="2400" dirty="0" err="1" smtClean="0">
-                <a:solidFill>
-                  <a:schemeClr val="bg1">
-                    <a:lumMod val="95000"/>
-                  </a:schemeClr>
-                </a:solidFill>
-                <a:latin typeface="나눔명조" pitchFamily="18" charset="-127"/>
-                <a:ea typeface="나눔명조" pitchFamily="18" charset="-127"/>
-              </a:rPr>
-              <a:t>커밋을</a:t>
-            </a:r>
-            <a:r>
-              <a:rPr lang="ko-KR" altLang="en-US" sz="2400" dirty="0" smtClean="0">
-                <a:solidFill>
-                  <a:schemeClr val="bg1">
-                    <a:lumMod val="95000"/>
-                  </a:schemeClr>
-                </a:solidFill>
-                <a:latin typeface="나눔명조" pitchFamily="18" charset="-127"/>
-                <a:ea typeface="나눔명조" pitchFamily="18" charset="-127"/>
-              </a:rPr>
-              <a:t> 자유롭게 할 수 없음</a:t>
-            </a:r>
-            <a:r>
-              <a:rPr lang="en-US" altLang="ko-KR" sz="2400" dirty="0" smtClean="0">
-                <a:solidFill>
-                  <a:schemeClr val="bg1">
-                    <a:lumMod val="95000"/>
-                  </a:schemeClr>
-                </a:solidFill>
-                <a:latin typeface="나눔명조" pitchFamily="18" charset="-127"/>
-                <a:ea typeface="나눔명조" pitchFamily="18" charset="-127"/>
-              </a:rPr>
-              <a:t>.</a:t>
-            </a:r>
-            <a:endParaRPr lang="ko-KR" altLang="en-US" sz="2400" dirty="0">
-              <a:solidFill>
-                <a:schemeClr val="bg1">
-                  <a:lumMod val="95000"/>
-                </a:schemeClr>
-              </a:solidFill>
-              <a:latin typeface="나눔명조" pitchFamily="18" charset="-127"/>
-              <a:ea typeface="나눔명조" pitchFamily="18" charset="-127"/>
-            </a:endParaRPr>
-          </a:p>
-        </p:txBody>
-      </p:sp>
-      <p:cxnSp>
-        <p:nvCxnSpPr>
-          <p:cNvPr id="11" name="직선 연결선 10"/>
-          <p:cNvCxnSpPr/>
-          <p:nvPr/>
-        </p:nvCxnSpPr>
-        <p:spPr>
-          <a:xfrm>
-            <a:off x="539552" y="915566"/>
-            <a:ext cx="8136904" cy="0"/>
-          </a:xfrm>
-          <a:prstGeom prst="line">
-            <a:avLst/>
-          </a:prstGeom>
-          <a:ln w="12700">
-            <a:solidFill>
-              <a:schemeClr val="bg1"/>
-            </a:solidFill>
-          </a:ln>
-        </p:spPr>
-        <p:style>
-          <a:lnRef idx="1">
-            <a:schemeClr val="accent1"/>
-          </a:lnRef>
-          <a:fillRef idx="0">
-            <a:schemeClr val="accent1"/>
-          </a:fillRef>
-          <a:effectRef idx="0">
-            <a:schemeClr val="accent1"/>
-          </a:effectRef>
-          <a:fontRef idx="minor">
-            <a:schemeClr val="tx1"/>
-          </a:fontRef>
-        </p:style>
-      </p:cxnSp>
-      <p:cxnSp>
-        <p:nvCxnSpPr>
-          <p:cNvPr id="12" name="직선 연결선 11"/>
-          <p:cNvCxnSpPr/>
-          <p:nvPr/>
-        </p:nvCxnSpPr>
-        <p:spPr>
-          <a:xfrm>
-            <a:off x="467544" y="4299942"/>
-            <a:ext cx="8136904" cy="0"/>
-          </a:xfrm>
-          <a:prstGeom prst="line">
-            <a:avLst/>
-          </a:prstGeom>
-          <a:ln w="12700">
-            <a:solidFill>
-              <a:schemeClr val="bg1"/>
-            </a:solidFill>
-          </a:ln>
-        </p:spPr>
-        <p:style>
-          <a:lnRef idx="1">
-            <a:schemeClr val="accent1"/>
-          </a:lnRef>
-          <a:fillRef idx="0">
-            <a:schemeClr val="accent1"/>
-          </a:fillRef>
-          <a:effectRef idx="0">
-            <a:schemeClr val="accent1"/>
-          </a:effectRef>
-          <a:fontRef idx="minor">
-            <a:schemeClr val="tx1"/>
-          </a:fontRef>
-        </p:style>
-      </p:cxnSp>
-      <p:cxnSp>
-        <p:nvCxnSpPr>
-          <p:cNvPr id="14" name="직선 연결선 13"/>
-          <p:cNvCxnSpPr/>
-          <p:nvPr/>
-        </p:nvCxnSpPr>
-        <p:spPr>
-          <a:xfrm>
-            <a:off x="467544" y="915566"/>
-            <a:ext cx="8208912" cy="0"/>
-          </a:xfrm>
-          <a:prstGeom prst="line">
-            <a:avLst/>
-          </a:prstGeom>
-          <a:ln w="12700">
-            <a:solidFill>
-              <a:schemeClr val="bg1"/>
-            </a:solidFill>
-          </a:ln>
-        </p:spPr>
-        <p:style>
-          <a:lnRef idx="1">
-            <a:schemeClr val="accent1"/>
-          </a:lnRef>
-          <a:fillRef idx="0">
-            <a:schemeClr val="accent1"/>
-          </a:fillRef>
-          <a:effectRef idx="0">
-            <a:schemeClr val="accent1"/>
-          </a:effectRef>
-          <a:fontRef idx="minor">
-            <a:schemeClr val="tx1"/>
-          </a:fontRef>
-        </p:style>
-      </p:cxnSp>
-      <p:cxnSp>
-        <p:nvCxnSpPr>
-          <p:cNvPr id="15" name="직선 연결선 14"/>
-          <p:cNvCxnSpPr/>
-          <p:nvPr/>
-        </p:nvCxnSpPr>
-        <p:spPr>
-          <a:xfrm>
-            <a:off x="467544" y="4299942"/>
-            <a:ext cx="8208912" cy="0"/>
-          </a:xfrm>
-          <a:prstGeom prst="line">
-            <a:avLst/>
-          </a:prstGeom>
-          <a:ln w="12700">
-            <a:solidFill>
-              <a:schemeClr val="bg1"/>
-            </a:solidFill>
-          </a:ln>
-        </p:spPr>
-        <p:style>
-          <a:lnRef idx="1">
-            <a:schemeClr val="accent1"/>
-          </a:lnRef>
-          <a:fillRef idx="0">
-            <a:schemeClr val="accent1"/>
-          </a:fillRef>
-          <a:effectRef idx="0">
-            <a:schemeClr val="accent1"/>
-          </a:effectRef>
-          <a:fontRef idx="minor">
-            <a:schemeClr val="tx1"/>
-          </a:fontRef>
-        </p:style>
-      </p:cxnSp>
-      <p:pic>
-        <p:nvPicPr>
-          <p:cNvPr id="21506" name="Picture 2" descr="filesì ëí ì´ë¯¸ì§ ê²ìê²°ê³¼"/>
-          <p:cNvPicPr>
-            <a:picLocks noChangeAspect="1" noChangeArrowheads="1"/>
-          </p:cNvPicPr>
-          <p:nvPr/>
-        </p:nvPicPr>
-        <p:blipFill>
-          <a:blip r:embed="rId2" cstate="print"/>
-          <a:stretch>
-            <a:fillRect/>
-          </a:stretch>
-        </p:blipFill>
-        <p:spPr bwMode="auto">
-          <a:xfrm>
-            <a:off x="1619672" y="1347614"/>
-            <a:ext cx="2419738" cy="2482652"/>
-          </a:xfrm>
-          <a:prstGeom prst="rect">
-            <a:avLst/>
-          </a:prstGeom>
-          <a:noFill/>
-          <a:ln>
-            <a:noFill/>
-          </a:ln>
-          <a:effectLst>
-            <a:outerShdw blurRad="76200" dir="18900000" sy="23000" kx="-1200000" algn="bl" rotWithShape="0">
-              <a:prstClr val="black">
-                <a:alpha val="20000"/>
-              </a:prstClr>
-            </a:outerShdw>
-          </a:effectLst>
-        </p:spPr>
-      </p:pic>
-      <p:sp>
-        <p:nvSpPr>
-          <p:cNvPr id="13" name="TextBox 12"/>
-          <p:cNvSpPr txBox="1"/>
-          <p:nvPr/>
-        </p:nvSpPr>
-        <p:spPr>
-          <a:xfrm>
-            <a:off x="3923928" y="2283718"/>
-            <a:ext cx="4608512" cy="707886"/>
-          </a:xfrm>
-          <a:prstGeom prst="rect">
-            <a:avLst/>
-          </a:prstGeom>
-          <a:noFill/>
-        </p:spPr>
-        <p:txBody>
-          <a:bodyPr wrap="square" rtlCol="0">
-            <a:spAutoFit/>
-          </a:bodyPr>
-          <a:lstStyle/>
-          <a:p>
-            <a:pPr algn="ctr"/>
-            <a:r>
-              <a:rPr lang="ko-KR" altLang="en-US" sz="2000" dirty="0" smtClean="0">
-                <a:solidFill>
-                  <a:schemeClr val="bg1">
-                    <a:lumMod val="95000"/>
-                  </a:schemeClr>
-                </a:solidFill>
-                <a:latin typeface="나눔명조" pitchFamily="18" charset="-127"/>
-                <a:ea typeface="나눔명조" pitchFamily="18" charset="-127"/>
-              </a:rPr>
-              <a:t>기능</a:t>
-            </a:r>
-            <a:r>
-              <a:rPr lang="en-US" altLang="ko-KR" sz="2000" dirty="0" smtClean="0">
-                <a:solidFill>
-                  <a:schemeClr val="bg1">
-                    <a:lumMod val="95000"/>
-                  </a:schemeClr>
-                </a:solidFill>
-                <a:latin typeface="나눔명조" pitchFamily="18" charset="-127"/>
-                <a:ea typeface="나눔명조" pitchFamily="18" charset="-127"/>
-              </a:rPr>
-              <a:t>1</a:t>
-            </a:r>
-            <a:r>
-              <a:rPr lang="ko-KR" altLang="en-US" sz="2000" dirty="0" smtClean="0">
-                <a:solidFill>
-                  <a:schemeClr val="bg1">
-                    <a:lumMod val="95000"/>
-                  </a:schemeClr>
-                </a:solidFill>
-                <a:latin typeface="나눔명조" pitchFamily="18" charset="-127"/>
-                <a:ea typeface="나눔명조" pitchFamily="18" charset="-127"/>
-              </a:rPr>
-              <a:t> </a:t>
-            </a:r>
-            <a:r>
-              <a:rPr lang="ko-KR" altLang="en-US" sz="2000" dirty="0" smtClean="0">
-                <a:solidFill>
-                  <a:schemeClr val="bg1">
-                    <a:lumMod val="95000"/>
-                  </a:schemeClr>
-                </a:solidFill>
-                <a:latin typeface="나눔명조" pitchFamily="18" charset="-127"/>
-                <a:ea typeface="나눔명조" pitchFamily="18" charset="-127"/>
-              </a:rPr>
-              <a:t>관련해서 </a:t>
-            </a:r>
-            <a:r>
-              <a:rPr lang="ko-KR" altLang="en-US" sz="2000" dirty="0" smtClean="0">
-                <a:solidFill>
-                  <a:schemeClr val="bg1">
-                    <a:lumMod val="95000"/>
-                  </a:schemeClr>
-                </a:solidFill>
-                <a:latin typeface="나눔명조" pitchFamily="18" charset="-127"/>
-                <a:ea typeface="나눔명조" pitchFamily="18" charset="-127"/>
-              </a:rPr>
-              <a:t>어떤 </a:t>
+              <a:t> 관련해서 어떤 </a:t>
             </a:r>
             <a:endParaRPr lang="en-US" altLang="ko-KR" sz="2000" dirty="0" smtClean="0">
               <a:solidFill>
@@ -9130,7 +10006,7 @@
           <a:lstStyle/>
           <a:p>
             <a:pPr algn="ctr"/>
-            <a:endParaRPr lang="ko-KR" altLang="en-US" sz="1600"/>
+            <a:endParaRPr lang="ko-KR" altLang="en-US" sz="1600" dirty="0"/>
           </a:p>
         </p:txBody>
       </p:sp>
@@ -9143,7 +10019,7 @@
         <p:spPr>
           <a:xfrm>
             <a:off x="611560" y="483518"/>
-            <a:ext cx="4608512" cy="461665"/>
+            <a:ext cx="7704856" cy="461665"/>
           </a:xfrm>
           <a:prstGeom prst="rect">
             <a:avLst/>
@@ -9163,10 +10039,10 @@
                     <a:lumMod val="95000"/>
                   </a:schemeClr>
                 </a:solidFill>
-                <a:latin typeface="나눔바른고딕" pitchFamily="50" charset="-127"/>
-                <a:ea typeface="나눔바른고딕" pitchFamily="50" charset="-127"/>
+                <a:latin typeface="나눔명조" pitchFamily="18" charset="-127"/>
+                <a:ea typeface="나눔명조" pitchFamily="18" charset="-127"/>
               </a:rPr>
-              <a:t>명령어 사용빈도 </a:t>
+              <a:t>상황</a:t>
             </a:r>
             <a:r>
               <a:rPr lang="en-US" altLang="ko-KR" sz="2400" dirty="0" smtClean="0">
@@ -9175,22 +10051,58 @@
                     <a:lumMod val="95000"/>
                   </a:schemeClr>
                 </a:solidFill>
-                <a:latin typeface="나눔바른고딕" pitchFamily="50" charset="-127"/>
-                <a:ea typeface="나눔바른고딕" pitchFamily="50" charset="-127"/>
+                <a:latin typeface="나눔명조" pitchFamily="18" charset="-127"/>
+                <a:ea typeface="나눔명조" pitchFamily="18" charset="-127"/>
               </a:rPr>
-              <a:t>– </a:t>
-            </a:r>
-            <a:r>
-              <a:rPr lang="ko-KR" altLang="en-US" sz="2400" dirty="0" smtClean="0">
+              <a:t>4</a:t>
+            </a:r>
+            <a:r>
+              <a:rPr lang="en-US" altLang="ko-KR" sz="2400" dirty="0" smtClean="0">
                 <a:solidFill>
                   <a:schemeClr val="bg1">
                     <a:lumMod val="95000"/>
                   </a:schemeClr>
                 </a:solidFill>
-                <a:latin typeface="나눔바른고딕" pitchFamily="50" charset="-127"/>
-                <a:ea typeface="나눔바른고딕" pitchFamily="50" charset="-127"/>
+                <a:latin typeface="나눔명조" pitchFamily="18" charset="-127"/>
+                <a:ea typeface="나눔명조" pitchFamily="18" charset="-127"/>
               </a:rPr>
-              <a:t>혼자 쓸 때</a:t>
+              <a:t> </a:t>
+            </a:r>
+            <a:r>
+              <a:rPr lang="en-US" altLang="ko-KR" sz="2400" dirty="0" smtClean="0">
+                <a:solidFill>
+                  <a:schemeClr val="bg1">
+                    <a:lumMod val="95000"/>
+                  </a:schemeClr>
+                </a:solidFill>
+                <a:latin typeface="나눔명조" pitchFamily="18" charset="-127"/>
+                <a:ea typeface="나눔명조" pitchFamily="18" charset="-127"/>
+              </a:rPr>
+              <a:t>– </a:t>
+            </a:r>
+            <a:r>
+              <a:rPr lang="ko-KR" altLang="en-US" sz="2400" dirty="0" smtClean="0">
+                <a:solidFill>
+                  <a:schemeClr val="bg1">
+                    <a:lumMod val="95000"/>
+                  </a:schemeClr>
+                </a:solidFill>
+                <a:latin typeface="나눔명조" pitchFamily="18" charset="-127"/>
+                <a:ea typeface="나눔명조" pitchFamily="18" charset="-127"/>
+              </a:rPr>
+              <a:t>하나의 기능도 여러 방법으로 개발가능</a:t>
+            </a:r>
+            <a:r>
+              <a:rPr lang="en-US" altLang="ko-KR" sz="2400" dirty="0" smtClean="0">
+                <a:solidFill>
+                  <a:schemeClr val="bg1">
+                    <a:lumMod val="95000"/>
+                  </a:schemeClr>
+                </a:solidFill>
+                <a:latin typeface="나눔명조" pitchFamily="18" charset="-127"/>
+                <a:ea typeface="나눔명조" pitchFamily="18" charset="-127"/>
+              </a:rPr>
+              <a:t>.</a:t>
             </a:r>
             <a:endParaRPr lang="ko-KR" altLang="en-US" sz="2400" dirty="0">
               <a:solidFill>
@@ -9198,8 +10110,8 @@
                   <a:lumMod val="95000"/>
                 </a:schemeClr>
               </a:solidFill>
-              <a:latin typeface="나눔바른고딕" pitchFamily="50" charset="-127"/>
-              <a:ea typeface="나눔바른고딕" pitchFamily="50" charset="-127"/>
+              <a:latin typeface="나눔명조" pitchFamily="18" charset="-127"/>
+              <a:ea typeface="나눔명조" pitchFamily="18" charset="-127"/>
             </a:endParaRPr>
           </a:p>
         </p:txBody>
@@ -9346,7 +10258,7 @@
       </p:cxnSp>
       <p:pic>
         <p:nvPicPr>
-          <p:cNvPr id="1026" name="Picture 2"/>
+          <p:cNvPr id="21506" name="Picture 2" descr="filesì ëí ì´ë¯¸ì§ ê²ìê²°ê³¼"/>
           <p:cNvPicPr>
             <a:picLocks noChangeAspect="1" noChangeArrowheads="1"/>
           </p:cNvPicPr>
@@ -9354,38 +10266,41 @@
         </p:nvPicPr>
         <p:blipFill>
           <a:blip r:embed="rId2" cstate="print"/>
-          <a:srcRect/>
           <a:stretch>
             <a:fillRect/>
           </a:stretch>
         </p:blipFill>
         <p:spPr bwMode="auto">
           <a:xfrm>
-            <a:off x="1187624" y="1059582"/>
-            <a:ext cx="3312368" cy="3024918"/>
+            <a:off x="1619672" y="1347614"/>
+            <a:ext cx="2419738" cy="2482652"/>
           </a:xfrm>
           <a:prstGeom prst="rect">
             <a:avLst/>
           </a:prstGeom>
           <a:noFill/>
-          <a:ln w="9525">
+          <a:ln>
             <a:noFill/>
-            <a:miter lim="800000"/>
-            <a:headEnd/>
-            <a:tailEnd/>
           </a:ln>
+          <a:effectLst>
+            <a:outerShdw blurRad="76200" dir="18900000" sy="23000" kx="-1200000" algn="bl" rotWithShape="0">
+              <a:prstClr val="black">
+                <a:alpha val="20000"/>
+              </a:prstClr>
+            </a:outerShdw>
+          </a:effectLst>
         </p:spPr>
       </p:pic>
       <p:sp>
         <p:nvSpPr>
-          <p:cNvPr id="17" name="TextBox 16"/>
+          <p:cNvPr id="13" name="TextBox 12"/>
           <p:cNvSpPr txBox="1"/>
           <p:nvPr/>
         </p:nvSpPr>
         <p:spPr>
           <a:xfrm>
-            <a:off x="5292080" y="1347614"/>
-            <a:ext cx="1872208" cy="2585323"/>
+            <a:off x="3923928" y="2283718"/>
+            <a:ext cx="4608512" cy="707886"/>
           </a:xfrm>
           <a:prstGeom prst="rect">
             <a:avLst/>
@@ -9398,153 +10313,170 @@
           </a:bodyPr>
           <a:lstStyle/>
           <a:p>
-            <a:pPr marL="342900" indent="-342900">
-              <a:buAutoNum type="arabicPeriod"/>
-            </a:pPr>
-            <a:r>
-              <a:rPr lang="en-US" altLang="ko-KR" dirty="0" smtClean="0">
+            <a:pPr algn="ctr"/>
+            <a:r>
+              <a:rPr lang="ko-KR" altLang="en-US" sz="2000" dirty="0" smtClean="0">
                 <a:solidFill>
                   <a:schemeClr val="bg1">
                     <a:lumMod val="95000"/>
                   </a:schemeClr>
                 </a:solidFill>
-                <a:latin typeface="나눔바른고딕" pitchFamily="50" charset="-127"/>
-                <a:ea typeface="나눔바른고딕" pitchFamily="50" charset="-127"/>
+                <a:latin typeface="나눔명조" pitchFamily="18" charset="-127"/>
+                <a:ea typeface="나눔명조" pitchFamily="18" charset="-127"/>
               </a:rPr>
-              <a:t>Init</a:t>
-            </a:r>
-          </a:p>
-          <a:p>
-            <a:pPr marL="342900" indent="-342900">
-              <a:buAutoNum type="arabicPeriod"/>
-            </a:pPr>
-            <a:r>
-              <a:rPr lang="en-US" altLang="ko-KR" dirty="0" smtClean="0">
+              <a:t>기능</a:t>
+            </a:r>
+            <a:r>
+              <a:rPr lang="en-US" altLang="ko-KR" sz="2000" dirty="0" smtClean="0">
                 <a:solidFill>
                   <a:schemeClr val="bg1">
                     <a:lumMod val="95000"/>
                   </a:schemeClr>
                 </a:solidFill>
-                <a:latin typeface="나눔바른고딕" pitchFamily="50" charset="-127"/>
-                <a:ea typeface="나눔바른고딕" pitchFamily="50" charset="-127"/>
+                <a:latin typeface="나눔명조" pitchFamily="18" charset="-127"/>
+                <a:ea typeface="나눔명조" pitchFamily="18" charset="-127"/>
               </a:rPr>
-              <a:t>Add</a:t>
-            </a:r>
-          </a:p>
-          <a:p>
-            <a:pPr marL="342900" indent="-342900">
-              <a:buAutoNum type="arabicPeriod"/>
-            </a:pPr>
-            <a:r>
-              <a:rPr lang="en-US" altLang="ko-KR" dirty="0" smtClean="0">
+              <a:t>1</a:t>
+            </a:r>
+            <a:r>
+              <a:rPr lang="ko-KR" altLang="en-US" sz="2000" dirty="0" smtClean="0">
                 <a:solidFill>
                   <a:schemeClr val="bg1">
                     <a:lumMod val="95000"/>
                   </a:schemeClr>
                 </a:solidFill>
-                <a:latin typeface="나눔바른고딕" pitchFamily="50" charset="-127"/>
-                <a:ea typeface="나눔바른고딕" pitchFamily="50" charset="-127"/>
+                <a:latin typeface="나눔명조" pitchFamily="18" charset="-127"/>
+                <a:ea typeface="나눔명조" pitchFamily="18" charset="-127"/>
               </a:rPr>
-              <a:t>Commit</a:t>
-            </a:r>
-          </a:p>
-          <a:p>
-            <a:pPr marL="342900" indent="-342900">
-              <a:buAutoNum type="arabicPeriod"/>
-            </a:pPr>
-            <a:r>
-              <a:rPr lang="en-US" altLang="ko-KR" dirty="0" smtClean="0">
-                <a:solidFill>
-                  <a:schemeClr val="bg1">
-                    <a:lumMod val="95000"/>
-                  </a:schemeClr>
-                </a:solidFill>
-                <a:latin typeface="나눔바른고딕" pitchFamily="50" charset="-127"/>
-                <a:ea typeface="나눔바른고딕" pitchFamily="50" charset="-127"/>
-              </a:rPr>
-              <a:t>Branch</a:t>
-            </a:r>
-          </a:p>
-          <a:p>
-            <a:pPr marL="342900" indent="-342900">
-              <a:buAutoNum type="arabicPeriod"/>
-            </a:pPr>
-            <a:r>
-              <a:rPr lang="en-US" altLang="ko-KR" dirty="0" smtClean="0">
-                <a:solidFill>
-                  <a:schemeClr val="bg1">
-                    <a:lumMod val="95000"/>
-                  </a:schemeClr>
-                </a:solidFill>
-                <a:latin typeface="나눔바른고딕" pitchFamily="50" charset="-127"/>
-                <a:ea typeface="나눔바른고딕" pitchFamily="50" charset="-127"/>
-              </a:rPr>
-              <a:t>Checkout</a:t>
-            </a:r>
-          </a:p>
-          <a:p>
-            <a:pPr marL="342900" indent="-342900">
-              <a:buAutoNum type="arabicPeriod"/>
-            </a:pPr>
-            <a:r>
-              <a:rPr lang="en-US" altLang="ko-KR" dirty="0" smtClean="0">
-                <a:solidFill>
-                  <a:schemeClr val="bg1">
-                    <a:lumMod val="95000"/>
-                  </a:schemeClr>
-                </a:solidFill>
-                <a:latin typeface="나눔바른고딕" pitchFamily="50" charset="-127"/>
-                <a:ea typeface="나눔바른고딕" pitchFamily="50" charset="-127"/>
-              </a:rPr>
-              <a:t>Merge</a:t>
-            </a:r>
-          </a:p>
-          <a:p>
-            <a:pPr marL="342900" indent="-342900">
-              <a:buAutoNum type="arabicPeriod"/>
-            </a:pPr>
-            <a:r>
-              <a:rPr lang="en-US" altLang="ko-KR" dirty="0" smtClean="0">
-                <a:solidFill>
-                  <a:schemeClr val="bg1">
-                    <a:lumMod val="95000"/>
-                  </a:schemeClr>
-                </a:solidFill>
-                <a:latin typeface="나눔바른고딕" pitchFamily="50" charset="-127"/>
-                <a:ea typeface="나눔바른고딕" pitchFamily="50" charset="-127"/>
-              </a:rPr>
-              <a:t>Status</a:t>
-            </a:r>
-          </a:p>
-          <a:p>
-            <a:pPr marL="342900" indent="-342900">
-              <a:buAutoNum type="arabicPeriod"/>
-            </a:pPr>
-            <a:r>
-              <a:rPr lang="en-US" altLang="ko-KR" dirty="0" smtClean="0">
-                <a:solidFill>
-                  <a:schemeClr val="bg1">
-                    <a:lumMod val="95000"/>
-                  </a:schemeClr>
-                </a:solidFill>
-                <a:latin typeface="나눔바른고딕" pitchFamily="50" charset="-127"/>
-                <a:ea typeface="나눔바른고딕" pitchFamily="50" charset="-127"/>
-              </a:rPr>
-              <a:t>Log</a:t>
-            </a:r>
-          </a:p>
-          <a:p>
-            <a:pPr marL="342900" indent="-342900">
-              <a:buAutoNum type="arabicPeriod"/>
-            </a:pPr>
-            <a:endParaRPr lang="en-US" altLang="ko-KR" dirty="0" smtClean="0">
+              <a:t> 관련해서 어떤 </a:t>
+            </a:r>
+            <a:endParaRPr lang="en-US" altLang="ko-KR" sz="2000" dirty="0" smtClean="0">
               <a:solidFill>
                 <a:schemeClr val="bg1">
                   <a:lumMod val="95000"/>
                 </a:schemeClr>
               </a:solidFill>
-              <a:latin typeface="나눔바른고딕" pitchFamily="50" charset="-127"/>
-              <a:ea typeface="나눔바른고딕" pitchFamily="50" charset="-127"/>
+              <a:latin typeface="나눔명조" pitchFamily="18" charset="-127"/>
+              <a:ea typeface="나눔명조" pitchFamily="18" charset="-127"/>
+            </a:endParaRPr>
+          </a:p>
+          <a:p>
+            <a:pPr algn="ctr"/>
+            <a:r>
+              <a:rPr lang="ko-KR" altLang="en-US" sz="2000" dirty="0" smtClean="0">
+                <a:solidFill>
+                  <a:schemeClr val="bg1">
+                    <a:lumMod val="95000"/>
+                  </a:schemeClr>
+                </a:solidFill>
+                <a:latin typeface="나눔명조" pitchFamily="18" charset="-127"/>
+                <a:ea typeface="나눔명조" pitchFamily="18" charset="-127"/>
+              </a:rPr>
+              <a:t>파일들이 </a:t>
+            </a:r>
+            <a:r>
+              <a:rPr lang="ko-KR" altLang="en-US" sz="2000" dirty="0" err="1" smtClean="0">
+                <a:solidFill>
+                  <a:schemeClr val="bg1">
+                    <a:lumMod val="95000"/>
+                  </a:schemeClr>
+                </a:solidFill>
+                <a:latin typeface="나눔명조" pitchFamily="18" charset="-127"/>
+                <a:ea typeface="나눔명조" pitchFamily="18" charset="-127"/>
+              </a:rPr>
+              <a:t>수정된거지</a:t>
+            </a:r>
+            <a:r>
+              <a:rPr lang="en-US" altLang="ko-KR" sz="2000" dirty="0" smtClean="0">
+                <a:solidFill>
+                  <a:schemeClr val="bg1">
+                    <a:lumMod val="95000"/>
+                  </a:schemeClr>
+                </a:solidFill>
+                <a:latin typeface="나눔명조" pitchFamily="18" charset="-127"/>
+                <a:ea typeface="나눔명조" pitchFamily="18" charset="-127"/>
+              </a:rPr>
+              <a:t>?</a:t>
+            </a:r>
+            <a:endParaRPr lang="ko-KR" altLang="en-US" sz="2000" dirty="0">
+              <a:solidFill>
+                <a:schemeClr val="bg1">
+                  <a:lumMod val="95000"/>
+                </a:schemeClr>
+              </a:solidFill>
+              <a:latin typeface="나눔명조" pitchFamily="18" charset="-127"/>
+              <a:ea typeface="나눔명조" pitchFamily="18" charset="-127"/>
+            </a:endParaRPr>
+          </a:p>
+        </p:txBody>
+      </p:sp>
+      <p:sp>
+        <p:nvSpPr>
+          <p:cNvPr id="17" name="TextBox 16"/>
+          <p:cNvSpPr txBox="1"/>
+          <p:nvPr/>
+        </p:nvSpPr>
+        <p:spPr>
+          <a:xfrm>
+            <a:off x="1331640" y="3867894"/>
+            <a:ext cx="3024336" cy="276999"/>
+          </a:xfrm>
+          <a:prstGeom prst="rect">
+            <a:avLst/>
+          </a:prstGeom>
+          <a:noFill/>
+        </p:spPr>
+        <p:txBody>
+          <a:bodyPr wrap="square" rtlCol="0">
+            <a:spAutoFit/>
+          </a:bodyPr>
+          <a:lstStyle/>
+          <a:p>
+            <a:pPr algn="ctr"/>
+            <a:r>
+              <a:rPr lang="ko-KR" altLang="en-US" sz="1200" dirty="0" smtClean="0">
+                <a:solidFill>
+                  <a:schemeClr val="bg1">
+                    <a:lumMod val="75000"/>
+                  </a:schemeClr>
+                </a:solidFill>
+                <a:latin typeface="나눔명조" pitchFamily="18" charset="-127"/>
+                <a:ea typeface="나눔명조" pitchFamily="18" charset="-127"/>
+              </a:rPr>
+              <a:t>기능</a:t>
+            </a:r>
+            <a:r>
+              <a:rPr lang="en-US" altLang="ko-KR" sz="1200" dirty="0" smtClean="0">
+                <a:solidFill>
+                  <a:schemeClr val="bg1">
+                    <a:lumMod val="75000"/>
+                  </a:schemeClr>
+                </a:solidFill>
+                <a:latin typeface="나눔명조" pitchFamily="18" charset="-127"/>
+                <a:ea typeface="나눔명조" pitchFamily="18" charset="-127"/>
+              </a:rPr>
+              <a:t>1, 2, 3, 4, 5 </a:t>
+            </a:r>
+            <a:r>
+              <a:rPr lang="ko-KR" altLang="en-US" sz="1200" dirty="0" smtClean="0">
+                <a:solidFill>
+                  <a:schemeClr val="bg1">
+                    <a:lumMod val="75000"/>
+                  </a:schemeClr>
+                </a:solidFill>
+                <a:latin typeface="나눔명조" pitchFamily="18" charset="-127"/>
+                <a:ea typeface="나눔명조" pitchFamily="18" charset="-127"/>
+              </a:rPr>
+              <a:t>개발에 수정된 파일목록</a:t>
+            </a:r>
+            <a:endParaRPr lang="ko-KR" altLang="en-US" sz="1200" dirty="0">
+              <a:solidFill>
+                <a:schemeClr val="bg1">
+                  <a:lumMod val="75000"/>
+                </a:schemeClr>
+              </a:solidFill>
+              <a:latin typeface="나눔명조" pitchFamily="18" charset="-127"/>
+              <a:ea typeface="나눔명조" pitchFamily="18" charset="-127"/>
             </a:endParaRPr>
           </a:p>
         </p:txBody>

--- a/git발표.pptx
+++ b/git발표.pptx
@@ -8,13 +8,17 @@
     <p:sldId id="256" r:id="rId2"/>
     <p:sldId id="257" r:id="rId3"/>
     <p:sldId id="259" r:id="rId4"/>
-    <p:sldId id="261" r:id="rId5"/>
-    <p:sldId id="262" r:id="rId6"/>
-    <p:sldId id="263" r:id="rId7"/>
-    <p:sldId id="266" r:id="rId8"/>
-    <p:sldId id="264" r:id="rId9"/>
-    <p:sldId id="267" r:id="rId10"/>
-    <p:sldId id="258" r:id="rId11"/>
+    <p:sldId id="268" r:id="rId5"/>
+    <p:sldId id="261" r:id="rId6"/>
+    <p:sldId id="262" r:id="rId7"/>
+    <p:sldId id="263" r:id="rId8"/>
+    <p:sldId id="266" r:id="rId9"/>
+    <p:sldId id="264" r:id="rId10"/>
+    <p:sldId id="267" r:id="rId11"/>
+    <p:sldId id="269" r:id="rId12"/>
+    <p:sldId id="258" r:id="rId13"/>
+    <p:sldId id="270" r:id="rId14"/>
+    <p:sldId id="271" r:id="rId15"/>
   </p:sldIdLst>
   <p:sldSz cx="9144000" cy="5143500" type="screen16x9"/>
   <p:notesSz cx="6858000" cy="9144000"/>
@@ -3223,9 +3227,7 @@
             <a:r>
               <a:rPr lang="ko-KR" altLang="en-US" sz="4000" b="1" dirty="0" smtClean="0">
                 <a:solidFill>
-                  <a:schemeClr val="bg1">
-                    <a:lumMod val="95000"/>
-                  </a:schemeClr>
+                  <a:schemeClr val="bg1"/>
                 </a:solidFill>
                 <a:latin typeface="나눔명조" pitchFamily="18" charset="-127"/>
                 <a:ea typeface="나눔명조" pitchFamily="18" charset="-127"/>
@@ -3235,9 +3237,7 @@
             <a:r>
               <a:rPr lang="ko-KR" altLang="en-US" sz="4000" b="1" spc="-150" dirty="0" smtClean="0">
                 <a:solidFill>
-                  <a:schemeClr val="bg1">
-                    <a:lumMod val="95000"/>
-                  </a:schemeClr>
+                  <a:schemeClr val="bg1"/>
                 </a:solidFill>
                 <a:latin typeface="HY견명조" pitchFamily="18" charset="-127"/>
                 <a:ea typeface="HY견명조" pitchFamily="18" charset="-127"/>
@@ -3247,9 +3247,7 @@
             <a:r>
               <a:rPr lang="en-US" altLang="ko-KR" sz="4400" dirty="0" err="1" smtClean="0">
                 <a:solidFill>
-                  <a:schemeClr val="bg1">
-                    <a:lumMod val="95000"/>
-                  </a:schemeClr>
+                  <a:schemeClr val="bg1"/>
                 </a:solidFill>
                 <a:latin typeface="Georgia" pitchFamily="18" charset="0"/>
                 <a:ea typeface="HY동녘M" pitchFamily="18" charset="-127"/>
@@ -3258,9 +3256,7 @@
             </a:r>
             <a:endParaRPr lang="ko-KR" altLang="en-US" sz="4000" dirty="0">
               <a:solidFill>
-                <a:schemeClr val="bg1">
-                  <a:lumMod val="95000"/>
-                </a:schemeClr>
+                <a:schemeClr val="bg1"/>
               </a:solidFill>
               <a:latin typeface="Georgia" pitchFamily="18" charset="0"/>
               <a:ea typeface="HY동녘M" pitchFamily="18" charset="-127"/>
@@ -3472,6 +3468,590 @@
           <a:lstStyle/>
           <a:p>
             <a:pPr algn="ctr"/>
+            <a:endParaRPr lang="ko-KR" altLang="en-US" sz="1600" dirty="0"/>
+          </a:p>
+        </p:txBody>
+      </p:sp>
+      <p:sp>
+        <p:nvSpPr>
+          <p:cNvPr id="10" name="TextBox 9"/>
+          <p:cNvSpPr txBox="1"/>
+          <p:nvPr/>
+        </p:nvSpPr>
+        <p:spPr>
+          <a:xfrm>
+            <a:off x="611560" y="483518"/>
+            <a:ext cx="7704856" cy="461665"/>
+          </a:xfrm>
+          <a:prstGeom prst="rect">
+            <a:avLst/>
+          </a:prstGeom>
+          <a:noFill/>
+        </p:spPr>
+        <p:txBody>
+          <a:bodyPr wrap="square" rtlCol="0">
+            <a:spAutoFit/>
+          </a:bodyPr>
+          <a:lstStyle/>
+          <a:p>
+            <a:r>
+              <a:rPr lang="ko-KR" altLang="en-US" sz="2400" dirty="0" smtClean="0">
+                <a:solidFill>
+                  <a:schemeClr val="bg1"/>
+                </a:solidFill>
+                <a:latin typeface="나눔명조" pitchFamily="18" charset="-127"/>
+                <a:ea typeface="나눔명조" pitchFamily="18" charset="-127"/>
+              </a:rPr>
+              <a:t>상황</a:t>
+            </a:r>
+            <a:r>
+              <a:rPr lang="en-US" altLang="ko-KR" sz="2400" dirty="0" smtClean="0">
+                <a:solidFill>
+                  <a:schemeClr val="bg1"/>
+                </a:solidFill>
+                <a:latin typeface="나눔명조" pitchFamily="18" charset="-127"/>
+                <a:ea typeface="나눔명조" pitchFamily="18" charset="-127"/>
+              </a:rPr>
+              <a:t>4 – </a:t>
+            </a:r>
+            <a:r>
+              <a:rPr lang="ko-KR" altLang="en-US" sz="2400" dirty="0" smtClean="0">
+                <a:solidFill>
+                  <a:schemeClr val="bg1"/>
+                </a:solidFill>
+                <a:latin typeface="나눔명조" pitchFamily="18" charset="-127"/>
+                <a:ea typeface="나눔명조" pitchFamily="18" charset="-127"/>
+              </a:rPr>
+              <a:t>하나의 기능도 여러 방법으로 개발가능</a:t>
+            </a:r>
+            <a:r>
+              <a:rPr lang="en-US" altLang="ko-KR" sz="2400" dirty="0" smtClean="0">
+                <a:solidFill>
+                  <a:schemeClr val="bg1"/>
+                </a:solidFill>
+                <a:latin typeface="나눔명조" pitchFamily="18" charset="-127"/>
+                <a:ea typeface="나눔명조" pitchFamily="18" charset="-127"/>
+              </a:rPr>
+              <a:t>.</a:t>
+            </a:r>
+            <a:endParaRPr lang="ko-KR" altLang="en-US" sz="2400" dirty="0">
+              <a:solidFill>
+                <a:schemeClr val="bg1"/>
+              </a:solidFill>
+              <a:latin typeface="나눔명조" pitchFamily="18" charset="-127"/>
+              <a:ea typeface="나눔명조" pitchFamily="18" charset="-127"/>
+            </a:endParaRPr>
+          </a:p>
+        </p:txBody>
+      </p:sp>
+      <p:cxnSp>
+        <p:nvCxnSpPr>
+          <p:cNvPr id="11" name="직선 연결선 10"/>
+          <p:cNvCxnSpPr/>
+          <p:nvPr/>
+        </p:nvCxnSpPr>
+        <p:spPr>
+          <a:xfrm>
+            <a:off x="539552" y="915566"/>
+            <a:ext cx="8136904" cy="0"/>
+          </a:xfrm>
+          <a:prstGeom prst="line">
+            <a:avLst/>
+          </a:prstGeom>
+          <a:ln w="12700">
+            <a:solidFill>
+              <a:schemeClr val="bg1"/>
+            </a:solidFill>
+          </a:ln>
+        </p:spPr>
+        <p:style>
+          <a:lnRef idx="1">
+            <a:schemeClr val="accent1"/>
+          </a:lnRef>
+          <a:fillRef idx="0">
+            <a:schemeClr val="accent1"/>
+          </a:fillRef>
+          <a:effectRef idx="0">
+            <a:schemeClr val="accent1"/>
+          </a:effectRef>
+          <a:fontRef idx="minor">
+            <a:schemeClr val="tx1"/>
+          </a:fontRef>
+        </p:style>
+      </p:cxnSp>
+      <p:cxnSp>
+        <p:nvCxnSpPr>
+          <p:cNvPr id="12" name="직선 연결선 11"/>
+          <p:cNvCxnSpPr/>
+          <p:nvPr/>
+        </p:nvCxnSpPr>
+        <p:spPr>
+          <a:xfrm>
+            <a:off x="467544" y="4299942"/>
+            <a:ext cx="8136904" cy="0"/>
+          </a:xfrm>
+          <a:prstGeom prst="line">
+            <a:avLst/>
+          </a:prstGeom>
+          <a:ln w="12700">
+            <a:solidFill>
+              <a:schemeClr val="bg1"/>
+            </a:solidFill>
+          </a:ln>
+        </p:spPr>
+        <p:style>
+          <a:lnRef idx="1">
+            <a:schemeClr val="accent1"/>
+          </a:lnRef>
+          <a:fillRef idx="0">
+            <a:schemeClr val="accent1"/>
+          </a:fillRef>
+          <a:effectRef idx="0">
+            <a:schemeClr val="accent1"/>
+          </a:effectRef>
+          <a:fontRef idx="minor">
+            <a:schemeClr val="tx1"/>
+          </a:fontRef>
+        </p:style>
+      </p:cxnSp>
+      <p:cxnSp>
+        <p:nvCxnSpPr>
+          <p:cNvPr id="14" name="직선 연결선 13"/>
+          <p:cNvCxnSpPr/>
+          <p:nvPr/>
+        </p:nvCxnSpPr>
+        <p:spPr>
+          <a:xfrm>
+            <a:off x="467544" y="915566"/>
+            <a:ext cx="8208912" cy="0"/>
+          </a:xfrm>
+          <a:prstGeom prst="line">
+            <a:avLst/>
+          </a:prstGeom>
+          <a:ln w="12700">
+            <a:solidFill>
+              <a:schemeClr val="bg1"/>
+            </a:solidFill>
+          </a:ln>
+        </p:spPr>
+        <p:style>
+          <a:lnRef idx="1">
+            <a:schemeClr val="accent1"/>
+          </a:lnRef>
+          <a:fillRef idx="0">
+            <a:schemeClr val="accent1"/>
+          </a:fillRef>
+          <a:effectRef idx="0">
+            <a:schemeClr val="accent1"/>
+          </a:effectRef>
+          <a:fontRef idx="minor">
+            <a:schemeClr val="tx1"/>
+          </a:fontRef>
+        </p:style>
+      </p:cxnSp>
+      <p:cxnSp>
+        <p:nvCxnSpPr>
+          <p:cNvPr id="15" name="직선 연결선 14"/>
+          <p:cNvCxnSpPr/>
+          <p:nvPr/>
+        </p:nvCxnSpPr>
+        <p:spPr>
+          <a:xfrm>
+            <a:off x="467544" y="4299942"/>
+            <a:ext cx="8208912" cy="0"/>
+          </a:xfrm>
+          <a:prstGeom prst="line">
+            <a:avLst/>
+          </a:prstGeom>
+          <a:ln w="12700">
+            <a:solidFill>
+              <a:schemeClr val="bg1"/>
+            </a:solidFill>
+          </a:ln>
+        </p:spPr>
+        <p:style>
+          <a:lnRef idx="1">
+            <a:schemeClr val="accent1"/>
+          </a:lnRef>
+          <a:fillRef idx="0">
+            <a:schemeClr val="accent1"/>
+          </a:fillRef>
+          <a:effectRef idx="0">
+            <a:schemeClr val="accent1"/>
+          </a:effectRef>
+          <a:fontRef idx="minor">
+            <a:schemeClr val="tx1"/>
+          </a:fontRef>
+        </p:style>
+      </p:cxnSp>
+      <p:pic>
+        <p:nvPicPr>
+          <p:cNvPr id="18" name="Picture 4" descr="jsp file pngì ëí ì´ë¯¸ì§ ê²ìê²°ê³¼"/>
+          <p:cNvPicPr>
+            <a:picLocks noChangeAspect="1" noChangeArrowheads="1"/>
+          </p:cNvPicPr>
+          <p:nvPr/>
+        </p:nvPicPr>
+        <p:blipFill>
+          <a:blip r:embed="rId2" cstate="print">
+            <a:lum bright="100000" contrast="-70000"/>
+          </a:blip>
+          <a:srcRect/>
+          <a:stretch>
+            <a:fillRect/>
+          </a:stretch>
+        </p:blipFill>
+        <p:spPr bwMode="auto">
+          <a:xfrm>
+            <a:off x="2683810" y="1619664"/>
+            <a:ext cx="1872208" cy="1872208"/>
+          </a:xfrm>
+          <a:prstGeom prst="rect">
+            <a:avLst/>
+          </a:prstGeom>
+          <a:noFill/>
+        </p:spPr>
+      </p:pic>
+      <p:pic>
+        <p:nvPicPr>
+          <p:cNvPr id="19" name="Picture 6" descr="js file pngì ëí ì´ë¯¸ì§ ê²ìê²°ê³¼"/>
+          <p:cNvPicPr>
+            <a:picLocks noChangeAspect="1" noChangeArrowheads="1"/>
+          </p:cNvPicPr>
+          <p:nvPr/>
+        </p:nvPicPr>
+        <p:blipFill>
+          <a:blip r:embed="rId3" cstate="print">
+            <a:lum bright="100000" contrast="-70000"/>
+          </a:blip>
+          <a:srcRect/>
+          <a:stretch>
+            <a:fillRect/>
+          </a:stretch>
+        </p:blipFill>
+        <p:spPr bwMode="auto">
+          <a:xfrm>
+            <a:off x="935596" y="1815666"/>
+            <a:ext cx="1512168" cy="1512168"/>
+          </a:xfrm>
+          <a:prstGeom prst="rect">
+            <a:avLst/>
+          </a:prstGeom>
+          <a:noFill/>
+        </p:spPr>
+      </p:pic>
+      <p:pic>
+        <p:nvPicPr>
+          <p:cNvPr id="20" name="Picture 14" descr="sql file pngì ëí ì´ë¯¸ì§ ê²ìê²°ê³¼"/>
+          <p:cNvPicPr>
+            <a:picLocks noChangeAspect="1" noChangeArrowheads="1"/>
+          </p:cNvPicPr>
+          <p:nvPr/>
+        </p:nvPicPr>
+        <p:blipFill>
+          <a:blip r:embed="rId4" cstate="print">
+            <a:lum bright="100000" contrast="-70000"/>
+          </a:blip>
+          <a:srcRect/>
+          <a:stretch>
+            <a:fillRect/>
+          </a:stretch>
+        </p:blipFill>
+        <p:spPr bwMode="auto">
+          <a:xfrm>
+            <a:off x="6768244" y="1815666"/>
+            <a:ext cx="1440160" cy="1512168"/>
+          </a:xfrm>
+          <a:prstGeom prst="rect">
+            <a:avLst/>
+          </a:prstGeom>
+          <a:noFill/>
+        </p:spPr>
+      </p:pic>
+      <p:pic>
+        <p:nvPicPr>
+          <p:cNvPr id="21" name="Picture 16" descr="java file pngì ëí ì´ë¯¸ì§ ê²ìê²°ê³¼"/>
+          <p:cNvPicPr>
+            <a:picLocks noChangeAspect="1" noChangeArrowheads="1"/>
+          </p:cNvPicPr>
+          <p:nvPr/>
+        </p:nvPicPr>
+        <p:blipFill>
+          <a:blip r:embed="rId5" cstate="print">
+            <a:lum bright="100000" contrast="-70000"/>
+          </a:blip>
+          <a:srcRect/>
+          <a:stretch>
+            <a:fillRect/>
+          </a:stretch>
+        </p:blipFill>
+        <p:spPr bwMode="auto">
+          <a:xfrm>
+            <a:off x="4608004" y="1527634"/>
+            <a:ext cx="1944216" cy="2088232"/>
+          </a:xfrm>
+          <a:prstGeom prst="rect">
+            <a:avLst/>
+          </a:prstGeom>
+          <a:noFill/>
+        </p:spPr>
+      </p:pic>
+    </p:spTree>
+  </p:cSld>
+  <p:clrMapOvr>
+    <a:masterClrMapping/>
+  </p:clrMapOvr>
+  <p:timing>
+    <p:tnLst>
+      <p:par>
+        <p:cTn id="1" dur="indefinite" restart="never" nodeType="tmRoot"/>
+      </p:par>
+    </p:tnLst>
+  </p:timing>
+</p:sld>
+</file>
+
+<file path=ppt/slides/slide11.xml><?xml version="1.0" encoding="utf-8"?>
+<p:sld xmlns:a="http://schemas.openxmlformats.org/drawingml/2006/main" xmlns:r="http://schemas.openxmlformats.org/officeDocument/2006/relationships" xmlns:p="http://schemas.openxmlformats.org/presentationml/2006/main">
+  <p:cSld>
+    <p:spTree>
+      <p:nvGrpSpPr>
+        <p:cNvPr id="1" name=""/>
+        <p:cNvGrpSpPr/>
+        <p:nvPr/>
+      </p:nvGrpSpPr>
+      <p:grpSpPr>
+        <a:xfrm>
+          <a:off x="0" y="0"/>
+          <a:ext cx="0" cy="0"/>
+          <a:chOff x="0" y="0"/>
+          <a:chExt cx="0" cy="0"/>
+        </a:xfrm>
+      </p:grpSpPr>
+      <p:sp>
+        <p:nvSpPr>
+          <p:cNvPr id="13" name="순서도: 수동 입력 12"/>
+          <p:cNvSpPr/>
+          <p:nvPr/>
+        </p:nvSpPr>
+        <p:spPr>
+          <a:xfrm rot="6554357" flipH="1">
+            <a:off x="1840868" y="-2026143"/>
+            <a:ext cx="6454687" cy="9780924"/>
+          </a:xfrm>
+          <a:prstGeom prst="flowChartManualInput">
+            <a:avLst/>
+          </a:prstGeom>
+          <a:solidFill>
+            <a:srgbClr val="473F3D"/>
+          </a:solidFill>
+          <a:ln>
+            <a:noFill/>
+          </a:ln>
+        </p:spPr>
+        <p:style>
+          <a:lnRef idx="2">
+            <a:schemeClr val="accent1">
+              <a:shade val="50000"/>
+            </a:schemeClr>
+          </a:lnRef>
+          <a:fillRef idx="1">
+            <a:schemeClr val="accent1"/>
+          </a:fillRef>
+          <a:effectRef idx="0">
+            <a:schemeClr val="accent1"/>
+          </a:effectRef>
+          <a:fontRef idx="minor">
+            <a:schemeClr val="lt1"/>
+          </a:fontRef>
+        </p:style>
+        <p:txBody>
+          <a:bodyPr rtlCol="0" anchor="ctr"/>
+          <a:lstStyle/>
+          <a:p>
+            <a:pPr algn="ctr"/>
+            <a:endParaRPr lang="ko-KR" altLang="en-US"/>
+          </a:p>
+        </p:txBody>
+      </p:sp>
+      <p:sp>
+        <p:nvSpPr>
+          <p:cNvPr id="8" name="TextBox 7"/>
+          <p:cNvSpPr txBox="1"/>
+          <p:nvPr/>
+        </p:nvSpPr>
+        <p:spPr>
+          <a:xfrm>
+            <a:off x="1187624" y="2067694"/>
+            <a:ext cx="6624736" cy="707886"/>
+          </a:xfrm>
+          <a:prstGeom prst="rect">
+            <a:avLst/>
+          </a:prstGeom>
+          <a:noFill/>
+        </p:spPr>
+        <p:txBody>
+          <a:bodyPr wrap="square" rtlCol="0">
+            <a:spAutoFit/>
+          </a:bodyPr>
+          <a:lstStyle/>
+          <a:p>
+            <a:pPr algn="ctr"/>
+            <a:r>
+              <a:rPr lang="ko-KR" altLang="en-US" sz="4000" b="1" spc="-150" dirty="0" smtClean="0">
+                <a:solidFill>
+                  <a:schemeClr val="bg1"/>
+                </a:solidFill>
+                <a:latin typeface="나눔명조" pitchFamily="18" charset="-127"/>
+                <a:ea typeface="나눔명조" pitchFamily="18" charset="-127"/>
+              </a:rPr>
+              <a:t>명령어</a:t>
+            </a:r>
+            <a:endParaRPr lang="ko-KR" altLang="en-US" sz="4000" b="1" spc="-150" dirty="0">
+              <a:solidFill>
+                <a:schemeClr val="bg1"/>
+              </a:solidFill>
+              <a:latin typeface="나눔명조" pitchFamily="18" charset="-127"/>
+              <a:ea typeface="나눔명조" pitchFamily="18" charset="-127"/>
+            </a:endParaRPr>
+          </a:p>
+        </p:txBody>
+      </p:sp>
+      <p:sp>
+        <p:nvSpPr>
+          <p:cNvPr id="5" name="TextBox 4"/>
+          <p:cNvSpPr txBox="1"/>
+          <p:nvPr/>
+        </p:nvSpPr>
+        <p:spPr>
+          <a:xfrm>
+            <a:off x="1259632" y="2715766"/>
+            <a:ext cx="6624736" cy="338554"/>
+          </a:xfrm>
+          <a:prstGeom prst="rect">
+            <a:avLst/>
+          </a:prstGeom>
+          <a:noFill/>
+        </p:spPr>
+        <p:txBody>
+          <a:bodyPr wrap="square" rtlCol="0">
+            <a:spAutoFit/>
+          </a:bodyPr>
+          <a:lstStyle/>
+          <a:p>
+            <a:pPr algn="ctr"/>
+            <a:r>
+              <a:rPr lang="ko-KR" altLang="en-US" sz="1600" spc="-150" dirty="0" smtClean="0">
+                <a:solidFill>
+                  <a:schemeClr val="bg1">
+                    <a:lumMod val="75000"/>
+                  </a:schemeClr>
+                </a:solidFill>
+                <a:latin typeface="나눔명조" pitchFamily="18" charset="-127"/>
+                <a:ea typeface="나눔명조" pitchFamily="18" charset="-127"/>
+              </a:rPr>
+              <a:t>로</a:t>
+            </a:r>
+            <a:r>
+              <a:rPr lang="ko-KR" altLang="en-US" sz="1600" spc="-150" dirty="0" smtClean="0">
+                <a:solidFill>
+                  <a:schemeClr val="bg1">
+                    <a:lumMod val="75000"/>
+                  </a:schemeClr>
+                </a:solidFill>
+                <a:latin typeface="나눔명조" pitchFamily="18" charset="-127"/>
+                <a:ea typeface="나눔명조" pitchFamily="18" charset="-127"/>
+              </a:rPr>
+              <a:t>컬</a:t>
+            </a:r>
+            <a:endParaRPr lang="ko-KR" altLang="en-US" sz="1600" spc="-150" dirty="0">
+              <a:solidFill>
+                <a:schemeClr val="bg1">
+                  <a:lumMod val="75000"/>
+                </a:schemeClr>
+              </a:solidFill>
+              <a:latin typeface="나눔명조" pitchFamily="18" charset="-127"/>
+              <a:ea typeface="나눔명조" pitchFamily="18" charset="-127"/>
+            </a:endParaRPr>
+          </a:p>
+        </p:txBody>
+      </p:sp>
+    </p:spTree>
+  </p:cSld>
+  <p:clrMapOvr>
+    <a:masterClrMapping/>
+  </p:clrMapOvr>
+  <p:timing>
+    <p:tnLst>
+      <p:par>
+        <p:cTn id="1" dur="indefinite" restart="never" nodeType="tmRoot"/>
+      </p:par>
+    </p:tnLst>
+  </p:timing>
+</p:sld>
+</file>
+
+<file path=ppt/slides/slide12.xml><?xml version="1.0" encoding="utf-8"?>
+<p:sld xmlns:a="http://schemas.openxmlformats.org/drawingml/2006/main" xmlns:r="http://schemas.openxmlformats.org/officeDocument/2006/relationships" xmlns:p="http://schemas.openxmlformats.org/presentationml/2006/main">
+  <p:cSld>
+    <p:spTree>
+      <p:nvGrpSpPr>
+        <p:cNvPr id="1" name=""/>
+        <p:cNvGrpSpPr/>
+        <p:nvPr/>
+      </p:nvGrpSpPr>
+      <p:grpSpPr>
+        <a:xfrm>
+          <a:off x="0" y="0"/>
+          <a:ext cx="0" cy="0"/>
+          <a:chOff x="0" y="0"/>
+          <a:chExt cx="0" cy="0"/>
+        </a:xfrm>
+      </p:grpSpPr>
+      <p:sp>
+        <p:nvSpPr>
+          <p:cNvPr id="16" name="평행 사변형 15"/>
+          <p:cNvSpPr/>
+          <p:nvPr/>
+        </p:nvSpPr>
+        <p:spPr>
+          <a:xfrm rot="16200000">
+            <a:off x="2000251" y="-2000251"/>
+            <a:ext cx="5143500" cy="9144001"/>
+          </a:xfrm>
+          <a:prstGeom prst="parallelogram">
+            <a:avLst>
+              <a:gd name="adj" fmla="val 7753"/>
+            </a:avLst>
+          </a:prstGeom>
+          <a:solidFill>
+            <a:srgbClr val="473F3D"/>
+          </a:solidFill>
+          <a:ln>
+            <a:noFill/>
+          </a:ln>
+        </p:spPr>
+        <p:style>
+          <a:lnRef idx="2">
+            <a:schemeClr val="accent1">
+              <a:shade val="50000"/>
+            </a:schemeClr>
+          </a:lnRef>
+          <a:fillRef idx="1">
+            <a:schemeClr val="accent1"/>
+          </a:fillRef>
+          <a:effectRef idx="0">
+            <a:schemeClr val="accent1"/>
+          </a:effectRef>
+          <a:fontRef idx="minor">
+            <a:schemeClr val="lt1"/>
+          </a:fontRef>
+        </p:style>
+        <p:txBody>
+          <a:bodyPr rtlCol="0" anchor="ctr"/>
+          <a:lstStyle/>
+          <a:p>
+            <a:pPr algn="ctr"/>
             <a:endParaRPr lang="ko-KR" altLang="en-US" sz="1600"/>
           </a:p>
         </p:txBody>
@@ -3501,47 +4081,29 @@
             <a:r>
               <a:rPr lang="ko-KR" altLang="en-US" sz="2400" dirty="0" smtClean="0">
                 <a:solidFill>
-                  <a:schemeClr val="bg1">
-                    <a:lumMod val="95000"/>
-                  </a:schemeClr>
-                </a:solidFill>
-                <a:latin typeface="나눔바른고딕" pitchFamily="50" charset="-127"/>
-                <a:ea typeface="나눔바른고딕" pitchFamily="50" charset="-127"/>
+                  <a:schemeClr val="bg1"/>
+                </a:solidFill>
+                <a:latin typeface="나눔명조" pitchFamily="18" charset="-127"/>
+                <a:ea typeface="나눔명조" pitchFamily="18" charset="-127"/>
               </a:rPr>
-              <a:t>명령어 사용빈도 </a:t>
-            </a:r>
-            <a:r>
-              <a:rPr lang="en-US" altLang="ko-KR" sz="2400" dirty="0" smtClean="0">
-                <a:solidFill>
-                  <a:schemeClr val="bg1">
-                    <a:lumMod val="95000"/>
-                  </a:schemeClr>
-                </a:solidFill>
-                <a:latin typeface="나눔바른고딕" pitchFamily="50" charset="-127"/>
-                <a:ea typeface="나눔바른고딕" pitchFamily="50" charset="-127"/>
+              <a:t>명령어 </a:t>
+            </a:r>
+            <a:r>
+              <a:rPr lang="ko-KR" altLang="en-US" sz="2400" dirty="0" smtClean="0">
+                <a:solidFill>
+                  <a:schemeClr val="bg1"/>
+                </a:solidFill>
+                <a:latin typeface="나눔명조" pitchFamily="18" charset="-127"/>
+                <a:ea typeface="나눔명조" pitchFamily="18" charset="-127"/>
               </a:rPr>
-              <a:t>– </a:t>
-            </a:r>
-            <a:r>
-              <a:rPr lang="ko-KR" altLang="en-US" sz="2400" dirty="0" smtClean="0">
-                <a:solidFill>
-                  <a:schemeClr val="bg1">
-                    <a:lumMod val="95000"/>
-                  </a:schemeClr>
-                </a:solidFill>
-                <a:latin typeface="나눔바른고딕" pitchFamily="50" charset="-127"/>
-                <a:ea typeface="나눔바른고딕" pitchFamily="50" charset="-127"/>
-              </a:rPr>
-              <a:t>혼자 쓸 때</a:t>
+              <a:t>사용빈도</a:t>
             </a:r>
             <a:endParaRPr lang="ko-KR" altLang="en-US" sz="2400" dirty="0">
               <a:solidFill>
-                <a:schemeClr val="bg1">
-                  <a:lumMod val="95000"/>
-                </a:schemeClr>
+                <a:schemeClr val="bg1"/>
               </a:solidFill>
-              <a:latin typeface="나눔바른고딕" pitchFamily="50" charset="-127"/>
-              <a:ea typeface="나눔바른고딕" pitchFamily="50" charset="-127"/>
+              <a:latin typeface="나눔명조" pitchFamily="18" charset="-127"/>
+              <a:ea typeface="나눔명조" pitchFamily="18" charset="-127"/>
             </a:endParaRPr>
           </a:p>
         </p:txBody>
@@ -3703,7 +4265,7 @@
         </p:blipFill>
         <p:spPr bwMode="auto">
           <a:xfrm>
-            <a:off x="1187624" y="1059582"/>
+            <a:off x="2843808" y="1131590"/>
             <a:ext cx="3312368" cy="3024918"/>
           </a:xfrm>
           <a:prstGeom prst="rect">
@@ -3716,18 +4278,105 @@
             <a:headEnd/>
             <a:tailEnd/>
           </a:ln>
+          <a:effectLst>
+            <a:outerShdw blurRad="63500" sx="102000" sy="102000" algn="ctr" rotWithShape="0">
+              <a:prstClr val="black">
+                <a:alpha val="40000"/>
+              </a:prstClr>
+            </a:outerShdw>
+          </a:effectLst>
         </p:spPr>
       </p:pic>
+    </p:spTree>
+  </p:cSld>
+  <p:clrMapOvr>
+    <a:masterClrMapping/>
+  </p:clrMapOvr>
+  <p:timing>
+    <p:tnLst>
+      <p:par>
+        <p:cTn id="1" dur="indefinite" restart="never" nodeType="tmRoot"/>
+      </p:par>
+    </p:tnLst>
+  </p:timing>
+</p:sld>
+</file>
+
+<file path=ppt/slides/slide13.xml><?xml version="1.0" encoding="utf-8"?>
+<p:sld xmlns:a="http://schemas.openxmlformats.org/drawingml/2006/main" xmlns:r="http://schemas.openxmlformats.org/officeDocument/2006/relationships" xmlns:p="http://schemas.openxmlformats.org/presentationml/2006/main">
+  <p:cSld>
+    <p:spTree>
+      <p:nvGrpSpPr>
+        <p:cNvPr id="1" name=""/>
+        <p:cNvGrpSpPr/>
+        <p:nvPr/>
+      </p:nvGrpSpPr>
+      <p:grpSpPr>
+        <a:xfrm>
+          <a:off x="0" y="0"/>
+          <a:ext cx="0" cy="0"/>
+          <a:chOff x="0" y="0"/>
+          <a:chExt cx="0" cy="0"/>
+        </a:xfrm>
+      </p:grpSpPr>
       <p:sp>
         <p:nvSpPr>
-          <p:cNvPr id="17" name="TextBox 16"/>
+          <p:cNvPr id="16" name="평행 사변형 15"/>
+          <p:cNvSpPr/>
+          <p:nvPr/>
+        </p:nvSpPr>
+        <p:spPr>
+          <a:xfrm rot="16200000">
+            <a:off x="2000251" y="-2000251"/>
+            <a:ext cx="5143500" cy="9144001"/>
+          </a:xfrm>
+          <a:prstGeom prst="parallelogram">
+            <a:avLst>
+              <a:gd name="adj" fmla="val 7753"/>
+            </a:avLst>
+          </a:prstGeom>
+          <a:solidFill>
+            <a:srgbClr val="473F3D"/>
+          </a:solidFill>
+          <a:ln>
+            <a:noFill/>
+          </a:ln>
+        </p:spPr>
+        <p:style>
+          <a:lnRef idx="2">
+            <a:schemeClr val="accent1">
+              <a:shade val="50000"/>
+            </a:schemeClr>
+          </a:lnRef>
+          <a:fillRef idx="1">
+            <a:schemeClr val="accent1"/>
+          </a:fillRef>
+          <a:effectRef idx="0">
+            <a:schemeClr val="accent1"/>
+          </a:effectRef>
+          <a:fontRef idx="minor">
+            <a:schemeClr val="lt1"/>
+          </a:fontRef>
+        </p:style>
+        <p:txBody>
+          <a:bodyPr rtlCol="0" anchor="ctr"/>
+          <a:lstStyle/>
+          <a:p>
+            <a:pPr algn="ctr"/>
+            <a:endParaRPr lang="ko-KR" altLang="en-US" sz="1600"/>
+          </a:p>
+        </p:txBody>
+      </p:sp>
+      <p:sp>
+        <p:nvSpPr>
+          <p:cNvPr id="10" name="TextBox 9"/>
           <p:cNvSpPr txBox="1"/>
           <p:nvPr/>
         </p:nvSpPr>
         <p:spPr>
           <a:xfrm>
-            <a:off x="5292080" y="1347614"/>
-            <a:ext cx="1872208" cy="2585323"/>
+            <a:off x="611560" y="483518"/>
+            <a:ext cx="4608512" cy="461665"/>
           </a:xfrm>
           <a:prstGeom prst="rect">
             <a:avLst/>
@@ -3740,157 +4389,890 @@
           </a:bodyPr>
           <a:lstStyle/>
           <a:p>
-            <a:pPr marL="342900" indent="-342900">
+            <a:r>
+              <a:rPr lang="ko-KR" altLang="en-US" sz="2400" dirty="0" smtClean="0">
+                <a:solidFill>
+                  <a:schemeClr val="bg1"/>
+                </a:solidFill>
+                <a:latin typeface="나눔명조" pitchFamily="18" charset="-127"/>
+                <a:ea typeface="나눔명조" pitchFamily="18" charset="-127"/>
+              </a:rPr>
+              <a:t>준비물 </a:t>
+            </a:r>
+            <a:r>
+              <a:rPr lang="en-US" altLang="ko-KR" sz="2400" dirty="0" smtClean="0">
+                <a:solidFill>
+                  <a:schemeClr val="bg1"/>
+                </a:solidFill>
+                <a:latin typeface="나눔명조" pitchFamily="18" charset="-127"/>
+                <a:ea typeface="나눔명조" pitchFamily="18" charset="-127"/>
+              </a:rPr>
+              <a:t>: just-alert </a:t>
+            </a:r>
+            <a:r>
+              <a:rPr lang="ko-KR" altLang="en-US" sz="2400" dirty="0" smtClean="0">
+                <a:solidFill>
+                  <a:schemeClr val="bg1"/>
+                </a:solidFill>
+                <a:latin typeface="나눔명조" pitchFamily="18" charset="-127"/>
+                <a:ea typeface="나눔명조" pitchFamily="18" charset="-127"/>
+              </a:rPr>
+              <a:t>시스템</a:t>
+            </a:r>
+            <a:r>
+              <a:rPr lang="en-US" altLang="ko-KR" sz="2400" dirty="0" smtClean="0">
+                <a:solidFill>
+                  <a:schemeClr val="bg1"/>
+                </a:solidFill>
+                <a:latin typeface="나눔명조" pitchFamily="18" charset="-127"/>
+                <a:ea typeface="나눔명조" pitchFamily="18" charset="-127"/>
+              </a:rPr>
+              <a:t> </a:t>
+            </a:r>
+            <a:endParaRPr lang="ko-KR" altLang="en-US" sz="2400" dirty="0">
+              <a:solidFill>
+                <a:schemeClr val="bg1"/>
+              </a:solidFill>
+              <a:latin typeface="나눔명조" pitchFamily="18" charset="-127"/>
+              <a:ea typeface="나눔명조" pitchFamily="18" charset="-127"/>
+            </a:endParaRPr>
+          </a:p>
+        </p:txBody>
+      </p:sp>
+      <p:cxnSp>
+        <p:nvCxnSpPr>
+          <p:cNvPr id="11" name="직선 연결선 10"/>
+          <p:cNvCxnSpPr/>
+          <p:nvPr/>
+        </p:nvCxnSpPr>
+        <p:spPr>
+          <a:xfrm>
+            <a:off x="539552" y="915566"/>
+            <a:ext cx="8136904" cy="0"/>
+          </a:xfrm>
+          <a:prstGeom prst="line">
+            <a:avLst/>
+          </a:prstGeom>
+          <a:ln w="12700">
+            <a:solidFill>
+              <a:schemeClr val="bg1"/>
+            </a:solidFill>
+          </a:ln>
+        </p:spPr>
+        <p:style>
+          <a:lnRef idx="1">
+            <a:schemeClr val="accent1"/>
+          </a:lnRef>
+          <a:fillRef idx="0">
+            <a:schemeClr val="accent1"/>
+          </a:fillRef>
+          <a:effectRef idx="0">
+            <a:schemeClr val="accent1"/>
+          </a:effectRef>
+          <a:fontRef idx="minor">
+            <a:schemeClr val="tx1"/>
+          </a:fontRef>
+        </p:style>
+      </p:cxnSp>
+      <p:cxnSp>
+        <p:nvCxnSpPr>
+          <p:cNvPr id="12" name="직선 연결선 11"/>
+          <p:cNvCxnSpPr/>
+          <p:nvPr/>
+        </p:nvCxnSpPr>
+        <p:spPr>
+          <a:xfrm>
+            <a:off x="467544" y="4299942"/>
+            <a:ext cx="8136904" cy="0"/>
+          </a:xfrm>
+          <a:prstGeom prst="line">
+            <a:avLst/>
+          </a:prstGeom>
+          <a:ln w="12700">
+            <a:solidFill>
+              <a:schemeClr val="bg1"/>
+            </a:solidFill>
+          </a:ln>
+        </p:spPr>
+        <p:style>
+          <a:lnRef idx="1">
+            <a:schemeClr val="accent1"/>
+          </a:lnRef>
+          <a:fillRef idx="0">
+            <a:schemeClr val="accent1"/>
+          </a:fillRef>
+          <a:effectRef idx="0">
+            <a:schemeClr val="accent1"/>
+          </a:effectRef>
+          <a:fontRef idx="minor">
+            <a:schemeClr val="tx1"/>
+          </a:fontRef>
+        </p:style>
+      </p:cxnSp>
+      <p:cxnSp>
+        <p:nvCxnSpPr>
+          <p:cNvPr id="14" name="직선 연결선 13"/>
+          <p:cNvCxnSpPr/>
+          <p:nvPr/>
+        </p:nvCxnSpPr>
+        <p:spPr>
+          <a:xfrm>
+            <a:off x="467544" y="915566"/>
+            <a:ext cx="8208912" cy="0"/>
+          </a:xfrm>
+          <a:prstGeom prst="line">
+            <a:avLst/>
+          </a:prstGeom>
+          <a:ln w="12700">
+            <a:solidFill>
+              <a:schemeClr val="bg1"/>
+            </a:solidFill>
+          </a:ln>
+        </p:spPr>
+        <p:style>
+          <a:lnRef idx="1">
+            <a:schemeClr val="accent1"/>
+          </a:lnRef>
+          <a:fillRef idx="0">
+            <a:schemeClr val="accent1"/>
+          </a:fillRef>
+          <a:effectRef idx="0">
+            <a:schemeClr val="accent1"/>
+          </a:effectRef>
+          <a:fontRef idx="minor">
+            <a:schemeClr val="tx1"/>
+          </a:fontRef>
+        </p:style>
+      </p:cxnSp>
+      <p:cxnSp>
+        <p:nvCxnSpPr>
+          <p:cNvPr id="15" name="직선 연결선 14"/>
+          <p:cNvCxnSpPr/>
+          <p:nvPr/>
+        </p:nvCxnSpPr>
+        <p:spPr>
+          <a:xfrm>
+            <a:off x="467544" y="4299942"/>
+            <a:ext cx="8208912" cy="0"/>
+          </a:xfrm>
+          <a:prstGeom prst="line">
+            <a:avLst/>
+          </a:prstGeom>
+          <a:ln w="12700">
+            <a:solidFill>
+              <a:schemeClr val="bg1"/>
+            </a:solidFill>
+          </a:ln>
+        </p:spPr>
+        <p:style>
+          <a:lnRef idx="1">
+            <a:schemeClr val="accent1"/>
+          </a:lnRef>
+          <a:fillRef idx="0">
+            <a:schemeClr val="accent1"/>
+          </a:fillRef>
+          <a:effectRef idx="0">
+            <a:schemeClr val="accent1"/>
+          </a:effectRef>
+          <a:fontRef idx="minor">
+            <a:schemeClr val="tx1"/>
+          </a:fontRef>
+        </p:style>
+      </p:cxnSp>
+      <p:pic>
+        <p:nvPicPr>
+          <p:cNvPr id="2" name="Picture 2"/>
+          <p:cNvPicPr>
+            <a:picLocks noChangeAspect="1" noChangeArrowheads="1"/>
+          </p:cNvPicPr>
+          <p:nvPr/>
+        </p:nvPicPr>
+        <p:blipFill>
+          <a:blip r:embed="rId2" cstate="print"/>
+          <a:srcRect l="10704" t="2976" r="11690" b="46426"/>
+          <a:stretch>
+            <a:fillRect/>
+          </a:stretch>
+        </p:blipFill>
+        <p:spPr bwMode="auto">
+          <a:xfrm>
+            <a:off x="1619672" y="2355726"/>
+            <a:ext cx="4176464" cy="1224136"/>
+          </a:xfrm>
+          <a:prstGeom prst="rect">
+            <a:avLst/>
+          </a:prstGeom>
+          <a:noFill/>
+          <a:ln w="9525">
+            <a:noFill/>
+            <a:miter lim="800000"/>
+            <a:headEnd/>
+            <a:tailEnd/>
+          </a:ln>
+          <a:effectLst>
+            <a:outerShdw blurRad="63500" sx="102000" sy="102000" algn="ctr" rotWithShape="0">
+              <a:prstClr val="black">
+                <a:alpha val="40000"/>
+              </a:prstClr>
+            </a:outerShdw>
+          </a:effectLst>
+        </p:spPr>
+      </p:pic>
+      <p:sp>
+        <p:nvSpPr>
+          <p:cNvPr id="9" name="TextBox 8"/>
+          <p:cNvSpPr txBox="1"/>
+          <p:nvPr/>
+        </p:nvSpPr>
+        <p:spPr>
+          <a:xfrm>
+            <a:off x="2555776" y="1275606"/>
+            <a:ext cx="4608512" cy="707886"/>
+          </a:xfrm>
+          <a:prstGeom prst="rect">
+            <a:avLst/>
+          </a:prstGeom>
+          <a:noFill/>
+        </p:spPr>
+        <p:txBody>
+          <a:bodyPr wrap="square" rtlCol="0">
+            <a:spAutoFit/>
+          </a:bodyPr>
+          <a:lstStyle/>
+          <a:p>
+            <a:pPr marL="457200" indent="-457200">
               <a:buAutoNum type="arabicPeriod"/>
             </a:pPr>
             <a:r>
-              <a:rPr lang="en-US" altLang="ko-KR" dirty="0" smtClean="0">
+              <a:rPr lang="en-US" altLang="ko-KR" sz="2000" dirty="0" smtClean="0">
                 <a:solidFill>
                   <a:schemeClr val="bg1">
                     <a:lumMod val="95000"/>
                   </a:schemeClr>
                 </a:solidFill>
-                <a:latin typeface="나눔바른고딕" pitchFamily="50" charset="-127"/>
-                <a:ea typeface="나눔바른고딕" pitchFamily="50" charset="-127"/>
+                <a:latin typeface="나눔명조" pitchFamily="18" charset="-127"/>
+                <a:ea typeface="나눔명조" pitchFamily="18" charset="-127"/>
               </a:rPr>
-              <a:t>Init</a:t>
-            </a:r>
-          </a:p>
-          <a:p>
-            <a:pPr marL="342900" indent="-342900">
-              <a:buAutoNum type="arabicPeriod"/>
-            </a:pPr>
-            <a:r>
-              <a:rPr lang="en-US" altLang="ko-KR" dirty="0" smtClean="0">
+              <a:t>alert</a:t>
+            </a:r>
+            <a:r>
+              <a:rPr lang="ko-KR" altLang="en-US" sz="2000" dirty="0" smtClean="0">
                 <a:solidFill>
                   <a:schemeClr val="bg1">
                     <a:lumMod val="95000"/>
                   </a:schemeClr>
                 </a:solidFill>
-                <a:latin typeface="나눔바른고딕" pitchFamily="50" charset="-127"/>
-                <a:ea typeface="나눔바른고딕" pitchFamily="50" charset="-127"/>
+                <a:latin typeface="나눔명조" pitchFamily="18" charset="-127"/>
+                <a:ea typeface="나눔명조" pitchFamily="18" charset="-127"/>
               </a:rPr>
-              <a:t>Add</a:t>
-            </a:r>
-          </a:p>
-          <a:p>
-            <a:pPr marL="342900" indent="-342900">
-              <a:buAutoNum type="arabicPeriod"/>
-            </a:pPr>
-            <a:r>
-              <a:rPr lang="en-US" altLang="ko-KR" dirty="0" smtClean="0">
-                <a:solidFill>
-                  <a:schemeClr val="bg1">
-                    <a:lumMod val="95000"/>
-                  </a:schemeClr>
-                </a:solidFill>
-                <a:latin typeface="나눔바른고딕" pitchFamily="50" charset="-127"/>
-                <a:ea typeface="나눔바른고딕" pitchFamily="50" charset="-127"/>
-              </a:rPr>
-              <a:t>Commit</a:t>
-            </a:r>
-          </a:p>
-          <a:p>
-            <a:pPr marL="342900" indent="-342900">
-              <a:buAutoNum type="arabicPeriod"/>
-            </a:pPr>
-            <a:r>
-              <a:rPr lang="en-US" altLang="ko-KR" dirty="0" smtClean="0">
-                <a:solidFill>
-                  <a:schemeClr val="bg1">
-                    <a:lumMod val="95000"/>
-                  </a:schemeClr>
-                </a:solidFill>
-                <a:latin typeface="나눔바른고딕" pitchFamily="50" charset="-127"/>
-                <a:ea typeface="나눔바른고딕" pitchFamily="50" charset="-127"/>
-              </a:rPr>
-              <a:t>Branch</a:t>
-            </a:r>
-          </a:p>
-          <a:p>
-            <a:pPr marL="342900" indent="-342900">
-              <a:buAutoNum type="arabicPeriod"/>
-            </a:pPr>
-            <a:r>
-              <a:rPr lang="en-US" altLang="ko-KR" dirty="0" smtClean="0">
-                <a:solidFill>
-                  <a:schemeClr val="bg1">
-                    <a:lumMod val="95000"/>
-                  </a:schemeClr>
-                </a:solidFill>
-                <a:latin typeface="나눔바른고딕" pitchFamily="50" charset="-127"/>
-                <a:ea typeface="나눔바른고딕" pitchFamily="50" charset="-127"/>
-              </a:rPr>
-              <a:t>Checkout</a:t>
-            </a:r>
-          </a:p>
-          <a:p>
-            <a:pPr marL="342900" indent="-342900">
-              <a:buAutoNum type="arabicPeriod"/>
-            </a:pPr>
-            <a:r>
-              <a:rPr lang="en-US" altLang="ko-KR" dirty="0" smtClean="0">
-                <a:solidFill>
-                  <a:schemeClr val="bg1">
-                    <a:lumMod val="95000"/>
-                  </a:schemeClr>
-                </a:solidFill>
-                <a:latin typeface="나눔바른고딕" pitchFamily="50" charset="-127"/>
-                <a:ea typeface="나눔바른고딕" pitchFamily="50" charset="-127"/>
-              </a:rPr>
-              <a:t>Merge</a:t>
-            </a:r>
-          </a:p>
-          <a:p>
-            <a:pPr marL="342900" indent="-342900">
-              <a:buAutoNum type="arabicPeriod"/>
-            </a:pPr>
-            <a:r>
-              <a:rPr lang="en-US" altLang="ko-KR" dirty="0" smtClean="0">
-                <a:solidFill>
-                  <a:schemeClr val="bg1">
-                    <a:lumMod val="95000"/>
-                  </a:schemeClr>
-                </a:solidFill>
-                <a:latin typeface="나눔바른고딕" pitchFamily="50" charset="-127"/>
-                <a:ea typeface="나눔바른고딕" pitchFamily="50" charset="-127"/>
-              </a:rPr>
-              <a:t>Status</a:t>
-            </a:r>
-          </a:p>
-          <a:p>
-            <a:pPr marL="342900" indent="-342900">
-              <a:buAutoNum type="arabicPeriod"/>
-            </a:pPr>
-            <a:r>
-              <a:rPr lang="en-US" altLang="ko-KR" dirty="0" smtClean="0">
-                <a:solidFill>
-                  <a:schemeClr val="bg1">
-                    <a:lumMod val="95000"/>
-                  </a:schemeClr>
-                </a:solidFill>
-                <a:latin typeface="나눔바른고딕" pitchFamily="50" charset="-127"/>
-                <a:ea typeface="나눔바른고딕" pitchFamily="50" charset="-127"/>
-              </a:rPr>
-              <a:t>Log</a:t>
-            </a:r>
-          </a:p>
-          <a:p>
-            <a:pPr marL="342900" indent="-342900">
-              <a:buAutoNum type="arabicPeriod"/>
-            </a:pPr>
-            <a:endParaRPr lang="en-US" altLang="ko-KR" dirty="0" smtClean="0">
+              <a:t> 기능 밖에 없는 시스템</a:t>
+            </a:r>
+            <a:endParaRPr lang="en-US" altLang="ko-KR" sz="2000" dirty="0" smtClean="0">
               <a:solidFill>
                 <a:schemeClr val="bg1">
                   <a:lumMod val="95000"/>
                 </a:schemeClr>
               </a:solidFill>
-              <a:latin typeface="나눔바른고딕" pitchFamily="50" charset="-127"/>
-              <a:ea typeface="나눔바른고딕" pitchFamily="50" charset="-127"/>
+              <a:latin typeface="나눔명조" pitchFamily="18" charset="-127"/>
+              <a:ea typeface="나눔명조" pitchFamily="18" charset="-127"/>
+            </a:endParaRPr>
+          </a:p>
+          <a:p>
+            <a:pPr marL="457200" indent="-457200">
+              <a:buAutoNum type="arabicPeriod"/>
+            </a:pPr>
+            <a:r>
+              <a:rPr lang="en-US" altLang="ko-KR" sz="2000" dirty="0" err="1" smtClean="0">
+                <a:solidFill>
+                  <a:schemeClr val="bg1">
+                    <a:lumMod val="95000"/>
+                  </a:schemeClr>
+                </a:solidFill>
+                <a:latin typeface="나눔명조" pitchFamily="18" charset="-127"/>
+                <a:ea typeface="나눔명조" pitchFamily="18" charset="-127"/>
+              </a:rPr>
+              <a:t>git</a:t>
+            </a:r>
+            <a:r>
+              <a:rPr lang="en-US" altLang="ko-KR" sz="2000" dirty="0" smtClean="0">
+                <a:solidFill>
+                  <a:schemeClr val="bg1">
+                    <a:lumMod val="95000"/>
+                  </a:schemeClr>
+                </a:solidFill>
+                <a:latin typeface="나눔명조" pitchFamily="18" charset="-127"/>
+                <a:ea typeface="나눔명조" pitchFamily="18" charset="-127"/>
+              </a:rPr>
+              <a:t> </a:t>
+            </a:r>
+            <a:r>
+              <a:rPr lang="ko-KR" altLang="en-US" sz="2000" dirty="0" smtClean="0">
+                <a:solidFill>
+                  <a:schemeClr val="bg1">
+                    <a:lumMod val="95000"/>
+                  </a:schemeClr>
+                </a:solidFill>
+                <a:latin typeface="나눔명조" pitchFamily="18" charset="-127"/>
+                <a:ea typeface="나눔명조" pitchFamily="18" charset="-127"/>
+              </a:rPr>
+              <a:t>으로 요구사항에 대응해 나가자</a:t>
+            </a:r>
+            <a:r>
+              <a:rPr lang="en-US" altLang="ko-KR" sz="2000" dirty="0" smtClean="0">
+                <a:solidFill>
+                  <a:schemeClr val="bg1">
+                    <a:lumMod val="95000"/>
+                  </a:schemeClr>
+                </a:solidFill>
+                <a:latin typeface="나눔명조" pitchFamily="18" charset="-127"/>
+                <a:ea typeface="나눔명조" pitchFamily="18" charset="-127"/>
+              </a:rPr>
+              <a:t>.</a:t>
+            </a:r>
+            <a:endParaRPr lang="ko-KR" altLang="en-US" sz="2000" dirty="0">
+              <a:solidFill>
+                <a:schemeClr val="bg1">
+                  <a:lumMod val="95000"/>
+                </a:schemeClr>
+              </a:solidFill>
+              <a:latin typeface="나눔명조" pitchFamily="18" charset="-127"/>
+              <a:ea typeface="나눔명조" pitchFamily="18" charset="-127"/>
             </a:endParaRPr>
           </a:p>
         </p:txBody>
       </p:sp>
+      <p:pic>
+        <p:nvPicPr>
+          <p:cNvPr id="1027" name="Picture 3"/>
+          <p:cNvPicPr>
+            <a:picLocks noChangeAspect="1" noChangeArrowheads="1"/>
+          </p:cNvPicPr>
+          <p:nvPr/>
+        </p:nvPicPr>
+        <p:blipFill>
+          <a:blip r:embed="rId3" cstate="print"/>
+          <a:srcRect l="3266" t="5362" r="2032" b="8852"/>
+          <a:stretch>
+            <a:fillRect/>
+          </a:stretch>
+        </p:blipFill>
+        <p:spPr bwMode="auto">
+          <a:xfrm>
+            <a:off x="4283968" y="3147814"/>
+            <a:ext cx="3600400" cy="993214"/>
+          </a:xfrm>
+          <a:prstGeom prst="rect">
+            <a:avLst/>
+          </a:prstGeom>
+          <a:noFill/>
+          <a:ln w="9525">
+            <a:noFill/>
+            <a:miter lim="800000"/>
+            <a:headEnd/>
+            <a:tailEnd/>
+          </a:ln>
+          <a:effectLst>
+            <a:outerShdw blurRad="50800" dist="38100" dir="13500000" algn="br" rotWithShape="0">
+              <a:prstClr val="black">
+                <a:alpha val="40000"/>
+              </a:prstClr>
+            </a:outerShdw>
+          </a:effectLst>
+        </p:spPr>
+      </p:pic>
+    </p:spTree>
+  </p:cSld>
+  <p:clrMapOvr>
+    <a:masterClrMapping/>
+  </p:clrMapOvr>
+  <p:timing>
+    <p:tnLst>
+      <p:par>
+        <p:cTn id="1" dur="indefinite" restart="never" nodeType="tmRoot"/>
+      </p:par>
+    </p:tnLst>
+  </p:timing>
+</p:sld>
+</file>
+
+<file path=ppt/slides/slide14.xml><?xml version="1.0" encoding="utf-8"?>
+<p:sld xmlns:a="http://schemas.openxmlformats.org/drawingml/2006/main" xmlns:r="http://schemas.openxmlformats.org/officeDocument/2006/relationships" xmlns:p="http://schemas.openxmlformats.org/presentationml/2006/main">
+  <p:cSld>
+    <p:spTree>
+      <p:nvGrpSpPr>
+        <p:cNvPr id="1" name=""/>
+        <p:cNvGrpSpPr/>
+        <p:nvPr/>
+      </p:nvGrpSpPr>
+      <p:grpSpPr>
+        <a:xfrm>
+          <a:off x="0" y="0"/>
+          <a:ext cx="0" cy="0"/>
+          <a:chOff x="0" y="0"/>
+          <a:chExt cx="0" cy="0"/>
+        </a:xfrm>
+      </p:grpSpPr>
+      <p:sp>
+        <p:nvSpPr>
+          <p:cNvPr id="16" name="평행 사변형 15"/>
+          <p:cNvSpPr/>
+          <p:nvPr/>
+        </p:nvSpPr>
+        <p:spPr>
+          <a:xfrm rot="16200000">
+            <a:off x="2000251" y="-2000251"/>
+            <a:ext cx="5143500" cy="9144001"/>
+          </a:xfrm>
+          <a:prstGeom prst="parallelogram">
+            <a:avLst>
+              <a:gd name="adj" fmla="val 7753"/>
+            </a:avLst>
+          </a:prstGeom>
+          <a:solidFill>
+            <a:srgbClr val="473F3D"/>
+          </a:solidFill>
+          <a:ln>
+            <a:noFill/>
+          </a:ln>
+        </p:spPr>
+        <p:style>
+          <a:lnRef idx="2">
+            <a:schemeClr val="accent1">
+              <a:shade val="50000"/>
+            </a:schemeClr>
+          </a:lnRef>
+          <a:fillRef idx="1">
+            <a:schemeClr val="accent1"/>
+          </a:fillRef>
+          <a:effectRef idx="0">
+            <a:schemeClr val="accent1"/>
+          </a:effectRef>
+          <a:fontRef idx="minor">
+            <a:schemeClr val="lt1"/>
+          </a:fontRef>
+        </p:style>
+        <p:txBody>
+          <a:bodyPr rtlCol="0" anchor="ctr"/>
+          <a:lstStyle/>
+          <a:p>
+            <a:pPr algn="ctr"/>
+            <a:endParaRPr lang="ko-KR" altLang="en-US" sz="1600"/>
+          </a:p>
+        </p:txBody>
+      </p:sp>
+      <p:sp>
+        <p:nvSpPr>
+          <p:cNvPr id="10" name="TextBox 9"/>
+          <p:cNvSpPr txBox="1"/>
+          <p:nvPr/>
+        </p:nvSpPr>
+        <p:spPr>
+          <a:xfrm>
+            <a:off x="611560" y="483518"/>
+            <a:ext cx="4608512" cy="461665"/>
+          </a:xfrm>
+          <a:prstGeom prst="rect">
+            <a:avLst/>
+          </a:prstGeom>
+          <a:noFill/>
+        </p:spPr>
+        <p:txBody>
+          <a:bodyPr wrap="square" rtlCol="0">
+            <a:spAutoFit/>
+          </a:bodyPr>
+          <a:lstStyle/>
+          <a:p>
+            <a:r>
+              <a:rPr lang="ko-KR" altLang="en-US" sz="2400" dirty="0" smtClean="0">
+                <a:solidFill>
+                  <a:schemeClr val="bg1"/>
+                </a:solidFill>
+                <a:latin typeface="나눔명조" pitchFamily="18" charset="-127"/>
+                <a:ea typeface="나눔명조" pitchFamily="18" charset="-127"/>
+              </a:rPr>
+              <a:t>준비물 </a:t>
+            </a:r>
+            <a:r>
+              <a:rPr lang="en-US" altLang="ko-KR" sz="2400" dirty="0" smtClean="0">
+                <a:solidFill>
+                  <a:schemeClr val="bg1"/>
+                </a:solidFill>
+                <a:latin typeface="나눔명조" pitchFamily="18" charset="-127"/>
+                <a:ea typeface="나눔명조" pitchFamily="18" charset="-127"/>
+              </a:rPr>
+              <a:t>: just-alert </a:t>
+            </a:r>
+            <a:r>
+              <a:rPr lang="ko-KR" altLang="en-US" sz="2400" dirty="0" smtClean="0">
+                <a:solidFill>
+                  <a:schemeClr val="bg1"/>
+                </a:solidFill>
+                <a:latin typeface="나눔명조" pitchFamily="18" charset="-127"/>
+                <a:ea typeface="나눔명조" pitchFamily="18" charset="-127"/>
+              </a:rPr>
+              <a:t>시스템</a:t>
+            </a:r>
+            <a:r>
+              <a:rPr lang="en-US" altLang="ko-KR" sz="2400" dirty="0" smtClean="0">
+                <a:solidFill>
+                  <a:schemeClr val="bg1"/>
+                </a:solidFill>
+                <a:latin typeface="나눔명조" pitchFamily="18" charset="-127"/>
+                <a:ea typeface="나눔명조" pitchFamily="18" charset="-127"/>
+              </a:rPr>
+              <a:t> </a:t>
+            </a:r>
+            <a:endParaRPr lang="ko-KR" altLang="en-US" sz="2400" dirty="0">
+              <a:solidFill>
+                <a:schemeClr val="bg1"/>
+              </a:solidFill>
+              <a:latin typeface="나눔명조" pitchFamily="18" charset="-127"/>
+              <a:ea typeface="나눔명조" pitchFamily="18" charset="-127"/>
+            </a:endParaRPr>
+          </a:p>
+        </p:txBody>
+      </p:sp>
+      <p:cxnSp>
+        <p:nvCxnSpPr>
+          <p:cNvPr id="11" name="직선 연결선 10"/>
+          <p:cNvCxnSpPr/>
+          <p:nvPr/>
+        </p:nvCxnSpPr>
+        <p:spPr>
+          <a:xfrm>
+            <a:off x="539552" y="915566"/>
+            <a:ext cx="8136904" cy="0"/>
+          </a:xfrm>
+          <a:prstGeom prst="line">
+            <a:avLst/>
+          </a:prstGeom>
+          <a:ln w="12700">
+            <a:solidFill>
+              <a:schemeClr val="bg1"/>
+            </a:solidFill>
+          </a:ln>
+        </p:spPr>
+        <p:style>
+          <a:lnRef idx="1">
+            <a:schemeClr val="accent1"/>
+          </a:lnRef>
+          <a:fillRef idx="0">
+            <a:schemeClr val="accent1"/>
+          </a:fillRef>
+          <a:effectRef idx="0">
+            <a:schemeClr val="accent1"/>
+          </a:effectRef>
+          <a:fontRef idx="minor">
+            <a:schemeClr val="tx1"/>
+          </a:fontRef>
+        </p:style>
+      </p:cxnSp>
+      <p:cxnSp>
+        <p:nvCxnSpPr>
+          <p:cNvPr id="12" name="직선 연결선 11"/>
+          <p:cNvCxnSpPr/>
+          <p:nvPr/>
+        </p:nvCxnSpPr>
+        <p:spPr>
+          <a:xfrm>
+            <a:off x="467544" y="4299942"/>
+            <a:ext cx="8136904" cy="0"/>
+          </a:xfrm>
+          <a:prstGeom prst="line">
+            <a:avLst/>
+          </a:prstGeom>
+          <a:ln w="12700">
+            <a:solidFill>
+              <a:schemeClr val="bg1"/>
+            </a:solidFill>
+          </a:ln>
+        </p:spPr>
+        <p:style>
+          <a:lnRef idx="1">
+            <a:schemeClr val="accent1"/>
+          </a:lnRef>
+          <a:fillRef idx="0">
+            <a:schemeClr val="accent1"/>
+          </a:fillRef>
+          <a:effectRef idx="0">
+            <a:schemeClr val="accent1"/>
+          </a:effectRef>
+          <a:fontRef idx="minor">
+            <a:schemeClr val="tx1"/>
+          </a:fontRef>
+        </p:style>
+      </p:cxnSp>
+      <p:cxnSp>
+        <p:nvCxnSpPr>
+          <p:cNvPr id="14" name="직선 연결선 13"/>
+          <p:cNvCxnSpPr/>
+          <p:nvPr/>
+        </p:nvCxnSpPr>
+        <p:spPr>
+          <a:xfrm>
+            <a:off x="467544" y="915566"/>
+            <a:ext cx="8208912" cy="0"/>
+          </a:xfrm>
+          <a:prstGeom prst="line">
+            <a:avLst/>
+          </a:prstGeom>
+          <a:ln w="12700">
+            <a:solidFill>
+              <a:schemeClr val="bg1"/>
+            </a:solidFill>
+          </a:ln>
+        </p:spPr>
+        <p:style>
+          <a:lnRef idx="1">
+            <a:schemeClr val="accent1"/>
+          </a:lnRef>
+          <a:fillRef idx="0">
+            <a:schemeClr val="accent1"/>
+          </a:fillRef>
+          <a:effectRef idx="0">
+            <a:schemeClr val="accent1"/>
+          </a:effectRef>
+          <a:fontRef idx="minor">
+            <a:schemeClr val="tx1"/>
+          </a:fontRef>
+        </p:style>
+      </p:cxnSp>
+      <p:cxnSp>
+        <p:nvCxnSpPr>
+          <p:cNvPr id="15" name="직선 연결선 14"/>
+          <p:cNvCxnSpPr/>
+          <p:nvPr/>
+        </p:nvCxnSpPr>
+        <p:spPr>
+          <a:xfrm>
+            <a:off x="467544" y="4299942"/>
+            <a:ext cx="8208912" cy="0"/>
+          </a:xfrm>
+          <a:prstGeom prst="line">
+            <a:avLst/>
+          </a:prstGeom>
+          <a:ln w="12700">
+            <a:solidFill>
+              <a:schemeClr val="bg1"/>
+            </a:solidFill>
+          </a:ln>
+        </p:spPr>
+        <p:style>
+          <a:lnRef idx="1">
+            <a:schemeClr val="accent1"/>
+          </a:lnRef>
+          <a:fillRef idx="0">
+            <a:schemeClr val="accent1"/>
+          </a:fillRef>
+          <a:effectRef idx="0">
+            <a:schemeClr val="accent1"/>
+          </a:effectRef>
+          <a:fontRef idx="minor">
+            <a:schemeClr val="tx1"/>
+          </a:fontRef>
+        </p:style>
+      </p:cxnSp>
+      <p:pic>
+        <p:nvPicPr>
+          <p:cNvPr id="2" name="Picture 2"/>
+          <p:cNvPicPr>
+            <a:picLocks noChangeAspect="1" noChangeArrowheads="1"/>
+          </p:cNvPicPr>
+          <p:nvPr/>
+        </p:nvPicPr>
+        <p:blipFill>
+          <a:blip r:embed="rId2" cstate="print"/>
+          <a:srcRect l="10704" t="2976" r="11690" b="46426"/>
+          <a:stretch>
+            <a:fillRect/>
+          </a:stretch>
+        </p:blipFill>
+        <p:spPr bwMode="auto">
+          <a:xfrm>
+            <a:off x="1619672" y="2355726"/>
+            <a:ext cx="4176464" cy="1224136"/>
+          </a:xfrm>
+          <a:prstGeom prst="rect">
+            <a:avLst/>
+          </a:prstGeom>
+          <a:noFill/>
+          <a:ln w="9525">
+            <a:noFill/>
+            <a:miter lim="800000"/>
+            <a:headEnd/>
+            <a:tailEnd/>
+          </a:ln>
+          <a:effectLst>
+            <a:outerShdw blurRad="63500" sx="102000" sy="102000" algn="ctr" rotWithShape="0">
+              <a:prstClr val="black">
+                <a:alpha val="40000"/>
+              </a:prstClr>
+            </a:outerShdw>
+          </a:effectLst>
+        </p:spPr>
+      </p:pic>
+      <p:sp>
+        <p:nvSpPr>
+          <p:cNvPr id="9" name="TextBox 8"/>
+          <p:cNvSpPr txBox="1"/>
+          <p:nvPr/>
+        </p:nvSpPr>
+        <p:spPr>
+          <a:xfrm>
+            <a:off x="2555776" y="1275606"/>
+            <a:ext cx="4608512" cy="707886"/>
+          </a:xfrm>
+          <a:prstGeom prst="rect">
+            <a:avLst/>
+          </a:prstGeom>
+          <a:noFill/>
+        </p:spPr>
+        <p:txBody>
+          <a:bodyPr wrap="square" rtlCol="0">
+            <a:spAutoFit/>
+          </a:bodyPr>
+          <a:lstStyle/>
+          <a:p>
+            <a:pPr marL="457200" indent="-457200">
+              <a:buAutoNum type="arabicPeriod"/>
+            </a:pPr>
+            <a:r>
+              <a:rPr lang="en-US" altLang="ko-KR" sz="2000" dirty="0" smtClean="0">
+                <a:solidFill>
+                  <a:schemeClr val="bg1">
+                    <a:lumMod val="95000"/>
+                  </a:schemeClr>
+                </a:solidFill>
+                <a:latin typeface="나눔명조" pitchFamily="18" charset="-127"/>
+                <a:ea typeface="나눔명조" pitchFamily="18" charset="-127"/>
+              </a:rPr>
+              <a:t>alert</a:t>
+            </a:r>
+            <a:r>
+              <a:rPr lang="ko-KR" altLang="en-US" sz="2000" dirty="0" smtClean="0">
+                <a:solidFill>
+                  <a:schemeClr val="bg1">
+                    <a:lumMod val="95000"/>
+                  </a:schemeClr>
+                </a:solidFill>
+                <a:latin typeface="나눔명조" pitchFamily="18" charset="-127"/>
+                <a:ea typeface="나눔명조" pitchFamily="18" charset="-127"/>
+              </a:rPr>
+              <a:t> 기능 밖에 없는 시스템</a:t>
+            </a:r>
+            <a:endParaRPr lang="en-US" altLang="ko-KR" sz="2000" dirty="0" smtClean="0">
+              <a:solidFill>
+                <a:schemeClr val="bg1">
+                  <a:lumMod val="95000"/>
+                </a:schemeClr>
+              </a:solidFill>
+              <a:latin typeface="나눔명조" pitchFamily="18" charset="-127"/>
+              <a:ea typeface="나눔명조" pitchFamily="18" charset="-127"/>
+            </a:endParaRPr>
+          </a:p>
+          <a:p>
+            <a:pPr marL="457200" indent="-457200">
+              <a:buAutoNum type="arabicPeriod"/>
+            </a:pPr>
+            <a:r>
+              <a:rPr lang="en-US" altLang="ko-KR" sz="2000" dirty="0" err="1" smtClean="0">
+                <a:solidFill>
+                  <a:schemeClr val="bg1">
+                    <a:lumMod val="95000"/>
+                  </a:schemeClr>
+                </a:solidFill>
+                <a:latin typeface="나눔명조" pitchFamily="18" charset="-127"/>
+                <a:ea typeface="나눔명조" pitchFamily="18" charset="-127"/>
+              </a:rPr>
+              <a:t>git</a:t>
+            </a:r>
+            <a:r>
+              <a:rPr lang="en-US" altLang="ko-KR" sz="2000" dirty="0" smtClean="0">
+                <a:solidFill>
+                  <a:schemeClr val="bg1">
+                    <a:lumMod val="95000"/>
+                  </a:schemeClr>
+                </a:solidFill>
+                <a:latin typeface="나눔명조" pitchFamily="18" charset="-127"/>
+                <a:ea typeface="나눔명조" pitchFamily="18" charset="-127"/>
+              </a:rPr>
+              <a:t> </a:t>
+            </a:r>
+            <a:r>
+              <a:rPr lang="ko-KR" altLang="en-US" sz="2000" dirty="0" smtClean="0">
+                <a:solidFill>
+                  <a:schemeClr val="bg1">
+                    <a:lumMod val="95000"/>
+                  </a:schemeClr>
+                </a:solidFill>
+                <a:latin typeface="나눔명조" pitchFamily="18" charset="-127"/>
+                <a:ea typeface="나눔명조" pitchFamily="18" charset="-127"/>
+              </a:rPr>
+              <a:t>으로 요구사항에 대응해 나가자</a:t>
+            </a:r>
+            <a:r>
+              <a:rPr lang="en-US" altLang="ko-KR" sz="2000" dirty="0" smtClean="0">
+                <a:solidFill>
+                  <a:schemeClr val="bg1">
+                    <a:lumMod val="95000"/>
+                  </a:schemeClr>
+                </a:solidFill>
+                <a:latin typeface="나눔명조" pitchFamily="18" charset="-127"/>
+                <a:ea typeface="나눔명조" pitchFamily="18" charset="-127"/>
+              </a:rPr>
+              <a:t>.</a:t>
+            </a:r>
+            <a:endParaRPr lang="ko-KR" altLang="en-US" sz="2000" dirty="0">
+              <a:solidFill>
+                <a:schemeClr val="bg1">
+                  <a:lumMod val="95000"/>
+                </a:schemeClr>
+              </a:solidFill>
+              <a:latin typeface="나눔명조" pitchFamily="18" charset="-127"/>
+              <a:ea typeface="나눔명조" pitchFamily="18" charset="-127"/>
+            </a:endParaRPr>
+          </a:p>
+        </p:txBody>
+      </p:sp>
+      <p:pic>
+        <p:nvPicPr>
+          <p:cNvPr id="1027" name="Picture 3"/>
+          <p:cNvPicPr>
+            <a:picLocks noChangeAspect="1" noChangeArrowheads="1"/>
+          </p:cNvPicPr>
+          <p:nvPr/>
+        </p:nvPicPr>
+        <p:blipFill>
+          <a:blip r:embed="rId3" cstate="print"/>
+          <a:srcRect l="3266" t="5362" r="2032" b="8852"/>
+          <a:stretch>
+            <a:fillRect/>
+          </a:stretch>
+        </p:blipFill>
+        <p:spPr bwMode="auto">
+          <a:xfrm>
+            <a:off x="4283968" y="3147814"/>
+            <a:ext cx="3600400" cy="993214"/>
+          </a:xfrm>
+          <a:prstGeom prst="rect">
+            <a:avLst/>
+          </a:prstGeom>
+          <a:noFill/>
+          <a:ln w="9525">
+            <a:noFill/>
+            <a:miter lim="800000"/>
+            <a:headEnd/>
+            <a:tailEnd/>
+          </a:ln>
+          <a:effectLst>
+            <a:outerShdw blurRad="50800" dist="38100" dir="13500000" algn="br" rotWithShape="0">
+              <a:prstClr val="black">
+                <a:alpha val="40000"/>
+              </a:prstClr>
+            </a:outerShdw>
+          </a:effectLst>
+        </p:spPr>
+      </p:pic>
     </p:spTree>
   </p:cSld>
   <p:clrMapOvr>
@@ -4263,19 +5645,17 @@
       </p:grpSpPr>
       <p:sp>
         <p:nvSpPr>
-          <p:cNvPr id="16" name="평행 사변형 15"/>
+          <p:cNvPr id="13" name="순서도: 수동 입력 12"/>
           <p:cNvSpPr/>
           <p:nvPr/>
         </p:nvSpPr>
         <p:spPr>
-          <a:xfrm rot="16200000">
-            <a:off x="2000251" y="-2000251"/>
-            <a:ext cx="5143500" cy="9144001"/>
-          </a:xfrm>
-          <a:prstGeom prst="parallelogram">
-            <a:avLst>
-              <a:gd name="adj" fmla="val 7753"/>
-            </a:avLst>
+          <a:xfrm rot="6554357" flipH="1">
+            <a:off x="1840868" y="-2026143"/>
+            <a:ext cx="6454687" cy="9780924"/>
+          </a:xfrm>
+          <a:prstGeom prst="flowChartManualInput">
+            <a:avLst/>
           </a:prstGeom>
           <a:solidFill>
             <a:srgbClr val="473F3D"/>
@@ -4305,208 +5685,10 @@
           <a:lstStyle/>
           <a:p>
             <a:pPr algn="ctr"/>
-            <a:endParaRPr lang="ko-KR" altLang="en-US" sz="1600" dirty="0"/>
+            <a:endParaRPr lang="ko-KR" altLang="en-US"/>
           </a:p>
         </p:txBody>
       </p:sp>
-      <p:sp>
-        <p:nvSpPr>
-          <p:cNvPr id="10" name="TextBox 9"/>
-          <p:cNvSpPr txBox="1"/>
-          <p:nvPr/>
-        </p:nvSpPr>
-        <p:spPr>
-          <a:xfrm>
-            <a:off x="611560" y="483518"/>
-            <a:ext cx="4608512" cy="461665"/>
-          </a:xfrm>
-          <a:prstGeom prst="rect">
-            <a:avLst/>
-          </a:prstGeom>
-          <a:noFill/>
-        </p:spPr>
-        <p:txBody>
-          <a:bodyPr wrap="square" rtlCol="0">
-            <a:spAutoFit/>
-          </a:bodyPr>
-          <a:lstStyle/>
-          <a:p>
-            <a:r>
-              <a:rPr lang="en-US" altLang="ko-KR" sz="2400" dirty="0" smtClean="0">
-                <a:solidFill>
-                  <a:schemeClr val="bg1">
-                    <a:lumMod val="95000"/>
-                  </a:schemeClr>
-                </a:solidFill>
-                <a:latin typeface="나눔명조" pitchFamily="18" charset="-127"/>
-                <a:ea typeface="나눔명조" pitchFamily="18" charset="-127"/>
-              </a:rPr>
-              <a:t>SVN </a:t>
-            </a:r>
-            <a:r>
-              <a:rPr lang="ko-KR" altLang="en-US" sz="2400" dirty="0" smtClean="0">
-                <a:solidFill>
-                  <a:schemeClr val="bg1">
-                    <a:lumMod val="95000"/>
-                  </a:schemeClr>
-                </a:solidFill>
-                <a:latin typeface="나눔명조" pitchFamily="18" charset="-127"/>
-                <a:ea typeface="나눔명조" pitchFamily="18" charset="-127"/>
-              </a:rPr>
-              <a:t>첫 사용 느낌</a:t>
-            </a:r>
-            <a:endParaRPr lang="ko-KR" altLang="en-US" sz="2400" dirty="0">
-              <a:solidFill>
-                <a:schemeClr val="bg1">
-                  <a:lumMod val="95000"/>
-                </a:schemeClr>
-              </a:solidFill>
-              <a:latin typeface="나눔명조" pitchFamily="18" charset="-127"/>
-              <a:ea typeface="나눔명조" pitchFamily="18" charset="-127"/>
-            </a:endParaRPr>
-          </a:p>
-        </p:txBody>
-      </p:sp>
-      <p:cxnSp>
-        <p:nvCxnSpPr>
-          <p:cNvPr id="11" name="직선 연결선 10"/>
-          <p:cNvCxnSpPr/>
-          <p:nvPr/>
-        </p:nvCxnSpPr>
-        <p:spPr>
-          <a:xfrm>
-            <a:off x="539552" y="915566"/>
-            <a:ext cx="8136904" cy="0"/>
-          </a:xfrm>
-          <a:prstGeom prst="line">
-            <a:avLst/>
-          </a:prstGeom>
-          <a:ln w="12700">
-            <a:solidFill>
-              <a:schemeClr val="bg1"/>
-            </a:solidFill>
-          </a:ln>
-        </p:spPr>
-        <p:style>
-          <a:lnRef idx="1">
-            <a:schemeClr val="accent1"/>
-          </a:lnRef>
-          <a:fillRef idx="0">
-            <a:schemeClr val="accent1"/>
-          </a:fillRef>
-          <a:effectRef idx="0">
-            <a:schemeClr val="accent1"/>
-          </a:effectRef>
-          <a:fontRef idx="minor">
-            <a:schemeClr val="tx1"/>
-          </a:fontRef>
-        </p:style>
-      </p:cxnSp>
-      <p:cxnSp>
-        <p:nvCxnSpPr>
-          <p:cNvPr id="12" name="직선 연결선 11"/>
-          <p:cNvCxnSpPr/>
-          <p:nvPr/>
-        </p:nvCxnSpPr>
-        <p:spPr>
-          <a:xfrm>
-            <a:off x="467544" y="4299942"/>
-            <a:ext cx="8136904" cy="0"/>
-          </a:xfrm>
-          <a:prstGeom prst="line">
-            <a:avLst/>
-          </a:prstGeom>
-          <a:ln w="12700">
-            <a:solidFill>
-              <a:schemeClr val="bg1"/>
-            </a:solidFill>
-          </a:ln>
-        </p:spPr>
-        <p:style>
-          <a:lnRef idx="1">
-            <a:schemeClr val="accent1"/>
-          </a:lnRef>
-          <a:fillRef idx="0">
-            <a:schemeClr val="accent1"/>
-          </a:fillRef>
-          <a:effectRef idx="0">
-            <a:schemeClr val="accent1"/>
-          </a:effectRef>
-          <a:fontRef idx="minor">
-            <a:schemeClr val="tx1"/>
-          </a:fontRef>
-        </p:style>
-      </p:cxnSp>
-      <p:cxnSp>
-        <p:nvCxnSpPr>
-          <p:cNvPr id="14" name="직선 연결선 13"/>
-          <p:cNvCxnSpPr/>
-          <p:nvPr/>
-        </p:nvCxnSpPr>
-        <p:spPr>
-          <a:xfrm>
-            <a:off x="467544" y="915566"/>
-            <a:ext cx="8208912" cy="0"/>
-          </a:xfrm>
-          <a:prstGeom prst="line">
-            <a:avLst/>
-          </a:prstGeom>
-          <a:ln w="12700">
-            <a:solidFill>
-              <a:schemeClr val="bg1"/>
-            </a:solidFill>
-          </a:ln>
-        </p:spPr>
-        <p:style>
-          <a:lnRef idx="1">
-            <a:schemeClr val="accent1"/>
-          </a:lnRef>
-          <a:fillRef idx="0">
-            <a:schemeClr val="accent1"/>
-          </a:fillRef>
-          <a:effectRef idx="0">
-            <a:schemeClr val="accent1"/>
-          </a:effectRef>
-          <a:fontRef idx="minor">
-            <a:schemeClr val="tx1"/>
-          </a:fontRef>
-        </p:style>
-      </p:cxnSp>
-      <p:cxnSp>
-        <p:nvCxnSpPr>
-          <p:cNvPr id="15" name="직선 연결선 14"/>
-          <p:cNvCxnSpPr/>
-          <p:nvPr/>
-        </p:nvCxnSpPr>
-        <p:spPr>
-          <a:xfrm>
-            <a:off x="467544" y="4299942"/>
-            <a:ext cx="8208912" cy="0"/>
-          </a:xfrm>
-          <a:prstGeom prst="line">
-            <a:avLst/>
-          </a:prstGeom>
-          <a:ln w="12700">
-            <a:solidFill>
-              <a:schemeClr val="bg1"/>
-            </a:solidFill>
-          </a:ln>
-        </p:spPr>
-        <p:style>
-          <a:lnRef idx="1">
-            <a:schemeClr val="accent1"/>
-          </a:lnRef>
-          <a:fillRef idx="0">
-            <a:schemeClr val="accent1"/>
-          </a:fillRef>
-          <a:effectRef idx="0">
-            <a:schemeClr val="accent1"/>
-          </a:effectRef>
-          <a:fontRef idx="minor">
-            <a:schemeClr val="tx1"/>
-          </a:fontRef>
-        </p:style>
-      </p:cxnSp>
       <p:sp>
         <p:nvSpPr>
           <p:cNvPr id="8" name="TextBox 7"/>
@@ -4515,8 +5697,8 @@
         </p:nvSpPr>
         <p:spPr>
           <a:xfrm>
-            <a:off x="3275856" y="2211710"/>
-            <a:ext cx="2016224" cy="707886"/>
+            <a:off x="1259632" y="2067694"/>
+            <a:ext cx="6624736" cy="707886"/>
           </a:xfrm>
           <a:prstGeom prst="rect">
             <a:avLst/>
@@ -4529,39 +5711,91 @@
           </a:bodyPr>
           <a:lstStyle/>
           <a:p>
-            <a:r>
-              <a:rPr lang="en-US" altLang="ko-KR" sz="4000" b="1" spc="-150" dirty="0" smtClean="0">
+            <a:pPr algn="ctr"/>
+            <a:r>
+              <a:rPr lang="ko-KR" altLang="en-US" sz="4000" b="1" spc="-150" dirty="0" smtClean="0">
                 <a:solidFill>
                   <a:schemeClr val="bg1"/>
                 </a:solidFill>
                 <a:latin typeface="나눔명조" pitchFamily="18" charset="-127"/>
                 <a:ea typeface="나눔명조" pitchFamily="18" charset="-127"/>
               </a:rPr>
-              <a:t>“</a:t>
-            </a:r>
-            <a:r>
-              <a:rPr lang="ko-KR" altLang="en-US" sz="4000" b="1" spc="-150" dirty="0" smtClean="0">
-                <a:solidFill>
-                  <a:schemeClr val="bg1"/>
+              <a:t>상황</a:t>
+            </a:r>
+            <a:endParaRPr lang="ko-KR" altLang="en-US" sz="4000" b="1" spc="-150" dirty="0">
+              <a:solidFill>
+                <a:schemeClr val="bg1"/>
+              </a:solidFill>
+              <a:latin typeface="나눔명조" pitchFamily="18" charset="-127"/>
+              <a:ea typeface="나눔명조" pitchFamily="18" charset="-127"/>
+            </a:endParaRPr>
+          </a:p>
+        </p:txBody>
+      </p:sp>
+      <p:sp>
+        <p:nvSpPr>
+          <p:cNvPr id="9" name="TextBox 8"/>
+          <p:cNvSpPr txBox="1"/>
+          <p:nvPr/>
+        </p:nvSpPr>
+        <p:spPr>
+          <a:xfrm>
+            <a:off x="1331640" y="2715766"/>
+            <a:ext cx="6624736" cy="338554"/>
+          </a:xfrm>
+          <a:prstGeom prst="rect">
+            <a:avLst/>
+          </a:prstGeom>
+          <a:noFill/>
+        </p:spPr>
+        <p:txBody>
+          <a:bodyPr wrap="square" rtlCol="0">
+            <a:spAutoFit/>
+          </a:bodyPr>
+          <a:lstStyle/>
+          <a:p>
+            <a:pPr algn="ctr"/>
+            <a:r>
+              <a:rPr lang="en-US" altLang="ko-KR" sz="1600" spc="-150" dirty="0" err="1" smtClean="0">
+                <a:solidFill>
+                  <a:schemeClr val="bg1">
+                    <a:lumMod val="75000"/>
+                  </a:schemeClr>
                 </a:solidFill>
                 <a:latin typeface="나눔명조" pitchFamily="18" charset="-127"/>
                 <a:ea typeface="나눔명조" pitchFamily="18" charset="-127"/>
               </a:rPr>
-              <a:t>편하네</a:t>
-            </a:r>
-            <a:r>
-              <a:rPr lang="en-US" altLang="ko-KR" sz="4000" b="1" spc="-150" dirty="0" smtClean="0">
-                <a:solidFill>
-                  <a:schemeClr val="bg1"/>
+              <a:t>Git</a:t>
+            </a:r>
+            <a:r>
+              <a:rPr lang="ko-KR" altLang="en-US" sz="1600" spc="-150" dirty="0" smtClean="0">
+                <a:solidFill>
+                  <a:schemeClr val="bg1">
+                    <a:lumMod val="75000"/>
+                  </a:schemeClr>
                 </a:solidFill>
                 <a:latin typeface="나눔명조" pitchFamily="18" charset="-127"/>
                 <a:ea typeface="나눔명조" pitchFamily="18" charset="-127"/>
               </a:rPr>
-              <a:t>”</a:t>
-            </a:r>
-            <a:endParaRPr lang="ko-KR" altLang="en-US" sz="4000" b="1" spc="-150" dirty="0">
+              <a:t>이 절실해졌다</a:t>
+            </a:r>
+            <a:r>
+              <a:rPr lang="en-US" altLang="ko-KR" sz="1600" spc="-150" dirty="0" smtClean="0">
+                <a:solidFill>
+                  <a:schemeClr val="bg1">
+                    <a:lumMod val="75000"/>
+                  </a:schemeClr>
+                </a:solidFill>
+                <a:latin typeface="나눔명조" pitchFamily="18" charset="-127"/>
+                <a:ea typeface="나눔명조" pitchFamily="18" charset="-127"/>
+              </a:rPr>
+              <a:t>.</a:t>
+            </a:r>
+            <a:endParaRPr lang="ko-KR" altLang="en-US" sz="1600" spc="-150" dirty="0">
               <a:solidFill>
-                <a:schemeClr val="bg1"/>
+                <a:schemeClr val="bg1">
+                  <a:lumMod val="75000"/>
+                </a:schemeClr>
               </a:solidFill>
               <a:latin typeface="나눔명조" pitchFamily="18" charset="-127"/>
               <a:ea typeface="나눔명조" pitchFamily="18" charset="-127"/>
@@ -4585,6 +5819,340 @@
 </file>
 
 <file path=ppt/slides/slide4.xml><?xml version="1.0" encoding="utf-8"?>
+<p:sld xmlns:a="http://schemas.openxmlformats.org/drawingml/2006/main" xmlns:r="http://schemas.openxmlformats.org/officeDocument/2006/relationships" xmlns:p="http://schemas.openxmlformats.org/presentationml/2006/main">
+  <p:cSld>
+    <p:spTree>
+      <p:nvGrpSpPr>
+        <p:cNvPr id="1" name=""/>
+        <p:cNvGrpSpPr/>
+        <p:nvPr/>
+      </p:nvGrpSpPr>
+      <p:grpSpPr>
+        <a:xfrm>
+          <a:off x="0" y="0"/>
+          <a:ext cx="0" cy="0"/>
+          <a:chOff x="0" y="0"/>
+          <a:chExt cx="0" cy="0"/>
+        </a:xfrm>
+      </p:grpSpPr>
+      <p:sp>
+        <p:nvSpPr>
+          <p:cNvPr id="16" name="평행 사변형 15"/>
+          <p:cNvSpPr/>
+          <p:nvPr/>
+        </p:nvSpPr>
+        <p:spPr>
+          <a:xfrm rot="16200000">
+            <a:off x="2000251" y="-2000251"/>
+            <a:ext cx="5143500" cy="9144001"/>
+          </a:xfrm>
+          <a:prstGeom prst="parallelogram">
+            <a:avLst>
+              <a:gd name="adj" fmla="val 7753"/>
+            </a:avLst>
+          </a:prstGeom>
+          <a:solidFill>
+            <a:srgbClr val="473F3D"/>
+          </a:solidFill>
+          <a:ln>
+            <a:noFill/>
+          </a:ln>
+        </p:spPr>
+        <p:style>
+          <a:lnRef idx="2">
+            <a:schemeClr val="accent1">
+              <a:shade val="50000"/>
+            </a:schemeClr>
+          </a:lnRef>
+          <a:fillRef idx="1">
+            <a:schemeClr val="accent1"/>
+          </a:fillRef>
+          <a:effectRef idx="0">
+            <a:schemeClr val="accent1"/>
+          </a:effectRef>
+          <a:fontRef idx="minor">
+            <a:schemeClr val="lt1"/>
+          </a:fontRef>
+        </p:style>
+        <p:txBody>
+          <a:bodyPr rtlCol="0" anchor="ctr"/>
+          <a:lstStyle/>
+          <a:p>
+            <a:pPr algn="ctr"/>
+            <a:endParaRPr lang="ko-KR" altLang="en-US" sz="1600" dirty="0"/>
+          </a:p>
+        </p:txBody>
+      </p:sp>
+      <p:sp>
+        <p:nvSpPr>
+          <p:cNvPr id="10" name="TextBox 9"/>
+          <p:cNvSpPr txBox="1"/>
+          <p:nvPr/>
+        </p:nvSpPr>
+        <p:spPr>
+          <a:xfrm>
+            <a:off x="611560" y="483518"/>
+            <a:ext cx="4608512" cy="461665"/>
+          </a:xfrm>
+          <a:prstGeom prst="rect">
+            <a:avLst/>
+          </a:prstGeom>
+          <a:noFill/>
+        </p:spPr>
+        <p:txBody>
+          <a:bodyPr wrap="square" rtlCol="0">
+            <a:spAutoFit/>
+          </a:bodyPr>
+          <a:lstStyle/>
+          <a:p>
+            <a:r>
+              <a:rPr lang="en-US" altLang="ko-KR" sz="2400" dirty="0" smtClean="0">
+                <a:solidFill>
+                  <a:schemeClr val="bg1"/>
+                </a:solidFill>
+                <a:latin typeface="나눔명조" pitchFamily="18" charset="-127"/>
+                <a:ea typeface="나눔명조" pitchFamily="18" charset="-127"/>
+              </a:rPr>
+              <a:t>SVN </a:t>
+            </a:r>
+            <a:r>
+              <a:rPr lang="ko-KR" altLang="en-US" sz="2400" dirty="0" smtClean="0">
+                <a:solidFill>
+                  <a:schemeClr val="bg1"/>
+                </a:solidFill>
+                <a:latin typeface="나눔명조" pitchFamily="18" charset="-127"/>
+                <a:ea typeface="나눔명조" pitchFamily="18" charset="-127"/>
+              </a:rPr>
+              <a:t>첫 사용 느낌</a:t>
+            </a:r>
+            <a:endParaRPr lang="ko-KR" altLang="en-US" sz="2400" dirty="0">
+              <a:solidFill>
+                <a:schemeClr val="bg1"/>
+              </a:solidFill>
+              <a:latin typeface="나눔명조" pitchFamily="18" charset="-127"/>
+              <a:ea typeface="나눔명조" pitchFamily="18" charset="-127"/>
+            </a:endParaRPr>
+          </a:p>
+        </p:txBody>
+      </p:sp>
+      <p:cxnSp>
+        <p:nvCxnSpPr>
+          <p:cNvPr id="11" name="직선 연결선 10"/>
+          <p:cNvCxnSpPr/>
+          <p:nvPr/>
+        </p:nvCxnSpPr>
+        <p:spPr>
+          <a:xfrm>
+            <a:off x="539552" y="915566"/>
+            <a:ext cx="8136904" cy="0"/>
+          </a:xfrm>
+          <a:prstGeom prst="line">
+            <a:avLst/>
+          </a:prstGeom>
+          <a:ln w="12700">
+            <a:solidFill>
+              <a:schemeClr val="bg1"/>
+            </a:solidFill>
+          </a:ln>
+        </p:spPr>
+        <p:style>
+          <a:lnRef idx="1">
+            <a:schemeClr val="accent1"/>
+          </a:lnRef>
+          <a:fillRef idx="0">
+            <a:schemeClr val="accent1"/>
+          </a:fillRef>
+          <a:effectRef idx="0">
+            <a:schemeClr val="accent1"/>
+          </a:effectRef>
+          <a:fontRef idx="minor">
+            <a:schemeClr val="tx1"/>
+          </a:fontRef>
+        </p:style>
+      </p:cxnSp>
+      <p:cxnSp>
+        <p:nvCxnSpPr>
+          <p:cNvPr id="12" name="직선 연결선 11"/>
+          <p:cNvCxnSpPr/>
+          <p:nvPr/>
+        </p:nvCxnSpPr>
+        <p:spPr>
+          <a:xfrm>
+            <a:off x="467544" y="4299942"/>
+            <a:ext cx="8136904" cy="0"/>
+          </a:xfrm>
+          <a:prstGeom prst="line">
+            <a:avLst/>
+          </a:prstGeom>
+          <a:ln w="12700">
+            <a:solidFill>
+              <a:schemeClr val="bg1"/>
+            </a:solidFill>
+          </a:ln>
+        </p:spPr>
+        <p:style>
+          <a:lnRef idx="1">
+            <a:schemeClr val="accent1"/>
+          </a:lnRef>
+          <a:fillRef idx="0">
+            <a:schemeClr val="accent1"/>
+          </a:fillRef>
+          <a:effectRef idx="0">
+            <a:schemeClr val="accent1"/>
+          </a:effectRef>
+          <a:fontRef idx="minor">
+            <a:schemeClr val="tx1"/>
+          </a:fontRef>
+        </p:style>
+      </p:cxnSp>
+      <p:cxnSp>
+        <p:nvCxnSpPr>
+          <p:cNvPr id="14" name="직선 연결선 13"/>
+          <p:cNvCxnSpPr/>
+          <p:nvPr/>
+        </p:nvCxnSpPr>
+        <p:spPr>
+          <a:xfrm>
+            <a:off x="467544" y="915566"/>
+            <a:ext cx="8208912" cy="0"/>
+          </a:xfrm>
+          <a:prstGeom prst="line">
+            <a:avLst/>
+          </a:prstGeom>
+          <a:ln w="12700">
+            <a:solidFill>
+              <a:schemeClr val="bg1"/>
+            </a:solidFill>
+          </a:ln>
+        </p:spPr>
+        <p:style>
+          <a:lnRef idx="1">
+            <a:schemeClr val="accent1"/>
+          </a:lnRef>
+          <a:fillRef idx="0">
+            <a:schemeClr val="accent1"/>
+          </a:fillRef>
+          <a:effectRef idx="0">
+            <a:schemeClr val="accent1"/>
+          </a:effectRef>
+          <a:fontRef idx="minor">
+            <a:schemeClr val="tx1"/>
+          </a:fontRef>
+        </p:style>
+      </p:cxnSp>
+      <p:cxnSp>
+        <p:nvCxnSpPr>
+          <p:cNvPr id="15" name="직선 연결선 14"/>
+          <p:cNvCxnSpPr/>
+          <p:nvPr/>
+        </p:nvCxnSpPr>
+        <p:spPr>
+          <a:xfrm>
+            <a:off x="467544" y="4299942"/>
+            <a:ext cx="8208912" cy="0"/>
+          </a:xfrm>
+          <a:prstGeom prst="line">
+            <a:avLst/>
+          </a:prstGeom>
+          <a:ln w="12700">
+            <a:solidFill>
+              <a:schemeClr val="bg1"/>
+            </a:solidFill>
+          </a:ln>
+        </p:spPr>
+        <p:style>
+          <a:lnRef idx="1">
+            <a:schemeClr val="accent1"/>
+          </a:lnRef>
+          <a:fillRef idx="0">
+            <a:schemeClr val="accent1"/>
+          </a:fillRef>
+          <a:effectRef idx="0">
+            <a:schemeClr val="accent1"/>
+          </a:effectRef>
+          <a:fontRef idx="minor">
+            <a:schemeClr val="tx1"/>
+          </a:fontRef>
+        </p:style>
+      </p:cxnSp>
+      <p:sp>
+        <p:nvSpPr>
+          <p:cNvPr id="8" name="TextBox 7"/>
+          <p:cNvSpPr txBox="1"/>
+          <p:nvPr/>
+        </p:nvSpPr>
+        <p:spPr>
+          <a:xfrm>
+            <a:off x="3563888" y="2211710"/>
+            <a:ext cx="2016224" cy="707886"/>
+          </a:xfrm>
+          <a:prstGeom prst="rect">
+            <a:avLst/>
+          </a:prstGeom>
+          <a:noFill/>
+        </p:spPr>
+        <p:txBody>
+          <a:bodyPr wrap="square" rtlCol="0">
+            <a:spAutoFit/>
+          </a:bodyPr>
+          <a:lstStyle/>
+          <a:p>
+            <a:r>
+              <a:rPr lang="en-US" altLang="ko-KR" sz="4000" b="1" spc="-150" dirty="0" smtClean="0">
+                <a:solidFill>
+                  <a:schemeClr val="bg1"/>
+                </a:solidFill>
+                <a:latin typeface="나눔명조" pitchFamily="18" charset="-127"/>
+                <a:ea typeface="나눔명조" pitchFamily="18" charset="-127"/>
+              </a:rPr>
+              <a:t>“</a:t>
+            </a:r>
+            <a:r>
+              <a:rPr lang="ko-KR" altLang="en-US" sz="4000" b="1" spc="-150" dirty="0" smtClean="0">
+                <a:solidFill>
+                  <a:schemeClr val="bg1"/>
+                </a:solidFill>
+                <a:latin typeface="나눔명조" pitchFamily="18" charset="-127"/>
+                <a:ea typeface="나눔명조" pitchFamily="18" charset="-127"/>
+              </a:rPr>
+              <a:t>편하네</a:t>
+            </a:r>
+            <a:r>
+              <a:rPr lang="en-US" altLang="ko-KR" sz="4000" b="1" spc="-150" dirty="0" smtClean="0">
+                <a:solidFill>
+                  <a:schemeClr val="bg1"/>
+                </a:solidFill>
+                <a:latin typeface="나눔명조" pitchFamily="18" charset="-127"/>
+                <a:ea typeface="나눔명조" pitchFamily="18" charset="-127"/>
+              </a:rPr>
+              <a:t>”</a:t>
+            </a:r>
+            <a:endParaRPr lang="ko-KR" altLang="en-US" sz="4000" b="1" spc="-150" dirty="0">
+              <a:solidFill>
+                <a:schemeClr val="bg1"/>
+              </a:solidFill>
+              <a:latin typeface="나눔명조" pitchFamily="18" charset="-127"/>
+              <a:ea typeface="나눔명조" pitchFamily="18" charset="-127"/>
+            </a:endParaRPr>
+          </a:p>
+        </p:txBody>
+      </p:sp>
+    </p:spTree>
+  </p:cSld>
+  <p:clrMapOvr>
+    <a:masterClrMapping/>
+  </p:clrMapOvr>
+  <p:timing>
+    <p:tnLst>
+      <p:par>
+        <p:cTn id="1" dur="indefinite" restart="never" nodeType="tmRoot"/>
+      </p:par>
+    </p:tnLst>
+  </p:timing>
+</p:sld>
+</file>
+
+<file path=ppt/slides/slide5.xml><?xml version="1.0" encoding="utf-8"?>
 <p:sld xmlns:a="http://schemas.openxmlformats.org/drawingml/2006/main" xmlns:r="http://schemas.openxmlformats.org/officeDocument/2006/relationships" xmlns:p="http://schemas.openxmlformats.org/presentationml/2006/main">
   <p:cSld>
     <p:spTree>
@@ -7323,664 +8891,6 @@
 </p:sld>
 </file>
 
-<file path=ppt/slides/slide5.xml><?xml version="1.0" encoding="utf-8"?>
-<p:sld xmlns:a="http://schemas.openxmlformats.org/drawingml/2006/main" xmlns:r="http://schemas.openxmlformats.org/officeDocument/2006/relationships" xmlns:p="http://schemas.openxmlformats.org/presentationml/2006/main">
-  <p:cSld>
-    <p:spTree>
-      <p:nvGrpSpPr>
-        <p:cNvPr id="1" name=""/>
-        <p:cNvGrpSpPr/>
-        <p:nvPr/>
-      </p:nvGrpSpPr>
-      <p:grpSpPr>
-        <a:xfrm>
-          <a:off x="0" y="0"/>
-          <a:ext cx="0" cy="0"/>
-          <a:chOff x="0" y="0"/>
-          <a:chExt cx="0" cy="0"/>
-        </a:xfrm>
-      </p:grpSpPr>
-      <p:sp>
-        <p:nvSpPr>
-          <p:cNvPr id="16" name="평행 사변형 15"/>
-          <p:cNvSpPr/>
-          <p:nvPr/>
-        </p:nvSpPr>
-        <p:spPr>
-          <a:xfrm rot="16200000">
-            <a:off x="2000251" y="-2000251"/>
-            <a:ext cx="5143500" cy="9144001"/>
-          </a:xfrm>
-          <a:prstGeom prst="parallelogram">
-            <a:avLst>
-              <a:gd name="adj" fmla="val 7753"/>
-            </a:avLst>
-          </a:prstGeom>
-          <a:solidFill>
-            <a:srgbClr val="473F3D"/>
-          </a:solidFill>
-          <a:ln>
-            <a:noFill/>
-          </a:ln>
-        </p:spPr>
-        <p:style>
-          <a:lnRef idx="2">
-            <a:schemeClr val="accent1">
-              <a:shade val="50000"/>
-            </a:schemeClr>
-          </a:lnRef>
-          <a:fillRef idx="1">
-            <a:schemeClr val="accent1"/>
-          </a:fillRef>
-          <a:effectRef idx="0">
-            <a:schemeClr val="accent1"/>
-          </a:effectRef>
-          <a:fontRef idx="minor">
-            <a:schemeClr val="lt1"/>
-          </a:fontRef>
-        </p:style>
-        <p:txBody>
-          <a:bodyPr rtlCol="0" anchor="ctr"/>
-          <a:lstStyle/>
-          <a:p>
-            <a:pPr algn="ctr"/>
-            <a:endParaRPr lang="ko-KR" altLang="en-US" sz="1600" dirty="0"/>
-          </a:p>
-        </p:txBody>
-      </p:sp>
-      <p:sp>
-        <p:nvSpPr>
-          <p:cNvPr id="10" name="TextBox 9"/>
-          <p:cNvSpPr txBox="1"/>
-          <p:nvPr/>
-        </p:nvSpPr>
-        <p:spPr>
-          <a:xfrm>
-            <a:off x="611560" y="483518"/>
-            <a:ext cx="4608512" cy="461665"/>
-          </a:xfrm>
-          <a:prstGeom prst="rect">
-            <a:avLst/>
-          </a:prstGeom>
-          <a:noFill/>
-        </p:spPr>
-        <p:txBody>
-          <a:bodyPr wrap="square" rtlCol="0">
-            <a:spAutoFit/>
-          </a:bodyPr>
-          <a:lstStyle/>
-          <a:p>
-            <a:r>
-              <a:rPr lang="en-US" altLang="ko-KR" sz="2400" dirty="0" err="1" smtClean="0">
-                <a:solidFill>
-                  <a:schemeClr val="bg1">
-                    <a:lumMod val="95000"/>
-                  </a:schemeClr>
-                </a:solidFill>
-                <a:latin typeface="나눔명조" pitchFamily="18" charset="-127"/>
-                <a:ea typeface="나눔명조" pitchFamily="18" charset="-127"/>
-              </a:rPr>
-              <a:t>git</a:t>
-            </a:r>
-            <a:r>
-              <a:rPr lang="ko-KR" altLang="en-US" sz="2400" dirty="0" smtClean="0">
-                <a:solidFill>
-                  <a:schemeClr val="bg1">
-                    <a:lumMod val="95000"/>
-                  </a:schemeClr>
-                </a:solidFill>
-                <a:latin typeface="나눔명조" pitchFamily="18" charset="-127"/>
-                <a:ea typeface="나눔명조" pitchFamily="18" charset="-127"/>
-              </a:rPr>
-              <a:t>이 필요해진 </a:t>
-            </a:r>
-            <a:r>
-              <a:rPr lang="en-US" altLang="ko-KR" sz="2400" dirty="0" smtClean="0">
-                <a:solidFill>
-                  <a:schemeClr val="bg1">
-                    <a:lumMod val="95000"/>
-                  </a:schemeClr>
-                </a:solidFill>
-                <a:latin typeface="나눔명조" pitchFamily="18" charset="-127"/>
-                <a:ea typeface="나눔명조" pitchFamily="18" charset="-127"/>
-              </a:rPr>
-              <a:t>‘</a:t>
-            </a:r>
-            <a:r>
-              <a:rPr lang="ko-KR" altLang="en-US" sz="2400" dirty="0" smtClean="0">
-                <a:solidFill>
-                  <a:schemeClr val="bg1">
-                    <a:lumMod val="95000"/>
-                  </a:schemeClr>
-                </a:solidFill>
-                <a:latin typeface="나눔명조" pitchFamily="18" charset="-127"/>
-                <a:ea typeface="나눔명조" pitchFamily="18" charset="-127"/>
-              </a:rPr>
-              <a:t>상황</a:t>
-            </a:r>
-            <a:r>
-              <a:rPr lang="en-US" altLang="ko-KR" sz="2400" dirty="0" smtClean="0">
-                <a:solidFill>
-                  <a:schemeClr val="bg1">
-                    <a:lumMod val="95000"/>
-                  </a:schemeClr>
-                </a:solidFill>
-                <a:latin typeface="나눔명조" pitchFamily="18" charset="-127"/>
-                <a:ea typeface="나눔명조" pitchFamily="18" charset="-127"/>
-              </a:rPr>
-              <a:t>’</a:t>
-            </a:r>
-            <a:r>
-              <a:rPr lang="ko-KR" altLang="en-US" sz="2400" dirty="0" smtClean="0">
-                <a:solidFill>
-                  <a:schemeClr val="bg1">
-                    <a:lumMod val="95000"/>
-                  </a:schemeClr>
-                </a:solidFill>
-                <a:latin typeface="나눔명조" pitchFamily="18" charset="-127"/>
-                <a:ea typeface="나눔명조" pitchFamily="18" charset="-127"/>
-              </a:rPr>
-              <a:t>이 생김</a:t>
-            </a:r>
-            <a:r>
-              <a:rPr lang="en-US" altLang="ko-KR" sz="2400" dirty="0" smtClean="0">
-                <a:solidFill>
-                  <a:schemeClr val="bg1">
-                    <a:lumMod val="95000"/>
-                  </a:schemeClr>
-                </a:solidFill>
-                <a:latin typeface="나눔명조" pitchFamily="18" charset="-127"/>
-                <a:ea typeface="나눔명조" pitchFamily="18" charset="-127"/>
-              </a:rPr>
-              <a:t>.</a:t>
-            </a:r>
-            <a:r>
-              <a:rPr lang="ko-KR" altLang="en-US" sz="2400" dirty="0" smtClean="0">
-                <a:solidFill>
-                  <a:schemeClr val="bg1">
-                    <a:lumMod val="95000"/>
-                  </a:schemeClr>
-                </a:solidFill>
-                <a:latin typeface="나눔명조" pitchFamily="18" charset="-127"/>
-                <a:ea typeface="나눔명조" pitchFamily="18" charset="-127"/>
-              </a:rPr>
-              <a:t> </a:t>
-            </a:r>
-            <a:endParaRPr lang="ko-KR" altLang="en-US" sz="2400" dirty="0">
-              <a:solidFill>
-                <a:schemeClr val="bg1">
-                  <a:lumMod val="95000"/>
-                </a:schemeClr>
-              </a:solidFill>
-              <a:latin typeface="나눔명조" pitchFamily="18" charset="-127"/>
-              <a:ea typeface="나눔명조" pitchFamily="18" charset="-127"/>
-            </a:endParaRPr>
-          </a:p>
-        </p:txBody>
-      </p:sp>
-      <p:cxnSp>
-        <p:nvCxnSpPr>
-          <p:cNvPr id="11" name="직선 연결선 10"/>
-          <p:cNvCxnSpPr/>
-          <p:nvPr/>
-        </p:nvCxnSpPr>
-        <p:spPr>
-          <a:xfrm>
-            <a:off x="539552" y="915566"/>
-            <a:ext cx="8136904" cy="0"/>
-          </a:xfrm>
-          <a:prstGeom prst="line">
-            <a:avLst/>
-          </a:prstGeom>
-          <a:ln w="12700">
-            <a:solidFill>
-              <a:schemeClr val="bg1"/>
-            </a:solidFill>
-          </a:ln>
-        </p:spPr>
-        <p:style>
-          <a:lnRef idx="1">
-            <a:schemeClr val="accent1"/>
-          </a:lnRef>
-          <a:fillRef idx="0">
-            <a:schemeClr val="accent1"/>
-          </a:fillRef>
-          <a:effectRef idx="0">
-            <a:schemeClr val="accent1"/>
-          </a:effectRef>
-          <a:fontRef idx="minor">
-            <a:schemeClr val="tx1"/>
-          </a:fontRef>
-        </p:style>
-      </p:cxnSp>
-      <p:cxnSp>
-        <p:nvCxnSpPr>
-          <p:cNvPr id="12" name="직선 연결선 11"/>
-          <p:cNvCxnSpPr/>
-          <p:nvPr/>
-        </p:nvCxnSpPr>
-        <p:spPr>
-          <a:xfrm>
-            <a:off x="467544" y="4299942"/>
-            <a:ext cx="8136904" cy="0"/>
-          </a:xfrm>
-          <a:prstGeom prst="line">
-            <a:avLst/>
-          </a:prstGeom>
-          <a:ln w="12700">
-            <a:solidFill>
-              <a:schemeClr val="bg1"/>
-            </a:solidFill>
-          </a:ln>
-        </p:spPr>
-        <p:style>
-          <a:lnRef idx="1">
-            <a:schemeClr val="accent1"/>
-          </a:lnRef>
-          <a:fillRef idx="0">
-            <a:schemeClr val="accent1"/>
-          </a:fillRef>
-          <a:effectRef idx="0">
-            <a:schemeClr val="accent1"/>
-          </a:effectRef>
-          <a:fontRef idx="minor">
-            <a:schemeClr val="tx1"/>
-          </a:fontRef>
-        </p:style>
-      </p:cxnSp>
-      <p:cxnSp>
-        <p:nvCxnSpPr>
-          <p:cNvPr id="14" name="직선 연결선 13"/>
-          <p:cNvCxnSpPr/>
-          <p:nvPr/>
-        </p:nvCxnSpPr>
-        <p:spPr>
-          <a:xfrm>
-            <a:off x="467544" y="915566"/>
-            <a:ext cx="8208912" cy="0"/>
-          </a:xfrm>
-          <a:prstGeom prst="line">
-            <a:avLst/>
-          </a:prstGeom>
-          <a:ln w="12700">
-            <a:solidFill>
-              <a:schemeClr val="bg1"/>
-            </a:solidFill>
-          </a:ln>
-        </p:spPr>
-        <p:style>
-          <a:lnRef idx="1">
-            <a:schemeClr val="accent1"/>
-          </a:lnRef>
-          <a:fillRef idx="0">
-            <a:schemeClr val="accent1"/>
-          </a:fillRef>
-          <a:effectRef idx="0">
-            <a:schemeClr val="accent1"/>
-          </a:effectRef>
-          <a:fontRef idx="minor">
-            <a:schemeClr val="tx1"/>
-          </a:fontRef>
-        </p:style>
-      </p:cxnSp>
-      <p:cxnSp>
-        <p:nvCxnSpPr>
-          <p:cNvPr id="15" name="직선 연결선 14"/>
-          <p:cNvCxnSpPr/>
-          <p:nvPr/>
-        </p:nvCxnSpPr>
-        <p:spPr>
-          <a:xfrm>
-            <a:off x="467544" y="4299942"/>
-            <a:ext cx="8208912" cy="0"/>
-          </a:xfrm>
-          <a:prstGeom prst="line">
-            <a:avLst/>
-          </a:prstGeom>
-          <a:ln w="12700">
-            <a:solidFill>
-              <a:schemeClr val="bg1"/>
-            </a:solidFill>
-          </a:ln>
-        </p:spPr>
-        <p:style>
-          <a:lnRef idx="1">
-            <a:schemeClr val="accent1"/>
-          </a:lnRef>
-          <a:fillRef idx="0">
-            <a:schemeClr val="accent1"/>
-          </a:fillRef>
-          <a:effectRef idx="0">
-            <a:schemeClr val="accent1"/>
-          </a:effectRef>
-          <a:fontRef idx="minor">
-            <a:schemeClr val="tx1"/>
-          </a:fontRef>
-        </p:style>
-      </p:cxnSp>
-      <p:sp>
-        <p:nvSpPr>
-          <p:cNvPr id="9" name="타원 8"/>
-          <p:cNvSpPr/>
-          <p:nvPr/>
-        </p:nvSpPr>
-        <p:spPr>
-          <a:xfrm>
-            <a:off x="971600" y="1779662"/>
-            <a:ext cx="1584176" cy="1584176"/>
-          </a:xfrm>
-          <a:prstGeom prst="ellipse">
-            <a:avLst/>
-          </a:prstGeom>
-          <a:noFill/>
-          <a:ln>
-            <a:solidFill>
-              <a:schemeClr val="bg1"/>
-            </a:solidFill>
-          </a:ln>
-        </p:spPr>
-        <p:style>
-          <a:lnRef idx="2">
-            <a:schemeClr val="accent1">
-              <a:shade val="50000"/>
-            </a:schemeClr>
-          </a:lnRef>
-          <a:fillRef idx="1">
-            <a:schemeClr val="accent1"/>
-          </a:fillRef>
-          <a:effectRef idx="0">
-            <a:schemeClr val="accent1"/>
-          </a:effectRef>
-          <a:fontRef idx="minor">
-            <a:schemeClr val="lt1"/>
-          </a:fontRef>
-        </p:style>
-        <p:txBody>
-          <a:bodyPr rtlCol="0" anchor="ctr"/>
-          <a:lstStyle/>
-          <a:p>
-            <a:pPr algn="ctr"/>
-            <a:r>
-              <a:rPr lang="ko-KR" altLang="en-US" sz="2000" dirty="0" smtClean="0">
-                <a:latin typeface="나눔명조" pitchFamily="18" charset="-127"/>
-                <a:ea typeface="나눔명조" pitchFamily="18" charset="-127"/>
-              </a:rPr>
-              <a:t>상황</a:t>
-            </a:r>
-            <a:endParaRPr lang="ko-KR" altLang="en-US" sz="2000" dirty="0">
-              <a:latin typeface="나눔명조" pitchFamily="18" charset="-127"/>
-              <a:ea typeface="나눔명조" pitchFamily="18" charset="-127"/>
-            </a:endParaRPr>
-          </a:p>
-        </p:txBody>
-      </p:sp>
-      <p:sp>
-        <p:nvSpPr>
-          <p:cNvPr id="13" name="타원 12"/>
-          <p:cNvSpPr/>
-          <p:nvPr/>
-        </p:nvSpPr>
-        <p:spPr>
-          <a:xfrm>
-            <a:off x="3779912" y="1779662"/>
-            <a:ext cx="1584176" cy="1584176"/>
-          </a:xfrm>
-          <a:prstGeom prst="ellipse">
-            <a:avLst/>
-          </a:prstGeom>
-          <a:noFill/>
-          <a:ln>
-            <a:solidFill>
-              <a:schemeClr val="bg1"/>
-            </a:solidFill>
-          </a:ln>
-        </p:spPr>
-        <p:style>
-          <a:lnRef idx="2">
-            <a:schemeClr val="accent1">
-              <a:shade val="50000"/>
-            </a:schemeClr>
-          </a:lnRef>
-          <a:fillRef idx="1">
-            <a:schemeClr val="accent1"/>
-          </a:fillRef>
-          <a:effectRef idx="0">
-            <a:schemeClr val="accent1"/>
-          </a:effectRef>
-          <a:fontRef idx="minor">
-            <a:schemeClr val="lt1"/>
-          </a:fontRef>
-        </p:style>
-        <p:txBody>
-          <a:bodyPr rtlCol="0" anchor="ctr"/>
-          <a:lstStyle/>
-          <a:p>
-            <a:pPr algn="ctr"/>
-            <a:r>
-              <a:rPr lang="en-US" altLang="ko-KR" sz="2000" dirty="0" err="1" smtClean="0">
-                <a:latin typeface="나눔명조" pitchFamily="18" charset="-127"/>
-                <a:ea typeface="나눔명조" pitchFamily="18" charset="-127"/>
-              </a:rPr>
-              <a:t>git</a:t>
-            </a:r>
-            <a:endParaRPr lang="en-US" altLang="ko-KR" sz="2000" dirty="0" smtClean="0">
-              <a:latin typeface="나눔명조" pitchFamily="18" charset="-127"/>
-              <a:ea typeface="나눔명조" pitchFamily="18" charset="-127"/>
-            </a:endParaRPr>
-          </a:p>
-          <a:p>
-            <a:pPr algn="ctr"/>
-            <a:r>
-              <a:rPr lang="ko-KR" altLang="en-US" dirty="0" smtClean="0">
-                <a:latin typeface="나눔명조" pitchFamily="18" charset="-127"/>
-                <a:ea typeface="나눔명조" pitchFamily="18" charset="-127"/>
-              </a:rPr>
-              <a:t>장점</a:t>
-            </a:r>
-            <a:endParaRPr lang="ko-KR" altLang="en-US" dirty="0">
-              <a:latin typeface="나눔명조" pitchFamily="18" charset="-127"/>
-              <a:ea typeface="나눔명조" pitchFamily="18" charset="-127"/>
-            </a:endParaRPr>
-          </a:p>
-        </p:txBody>
-      </p:sp>
-      <p:sp>
-        <p:nvSpPr>
-          <p:cNvPr id="17" name="타원 16"/>
-          <p:cNvSpPr/>
-          <p:nvPr/>
-        </p:nvSpPr>
-        <p:spPr>
-          <a:xfrm>
-            <a:off x="6588224" y="1779662"/>
-            <a:ext cx="1584176" cy="1584176"/>
-          </a:xfrm>
-          <a:prstGeom prst="ellipse">
-            <a:avLst/>
-          </a:prstGeom>
-          <a:noFill/>
-          <a:ln>
-            <a:solidFill>
-              <a:schemeClr val="bg1"/>
-            </a:solidFill>
-          </a:ln>
-        </p:spPr>
-        <p:style>
-          <a:lnRef idx="2">
-            <a:schemeClr val="accent1">
-              <a:shade val="50000"/>
-            </a:schemeClr>
-          </a:lnRef>
-          <a:fillRef idx="1">
-            <a:schemeClr val="accent1"/>
-          </a:fillRef>
-          <a:effectRef idx="0">
-            <a:schemeClr val="accent1"/>
-          </a:effectRef>
-          <a:fontRef idx="minor">
-            <a:schemeClr val="lt1"/>
-          </a:fontRef>
-        </p:style>
-        <p:txBody>
-          <a:bodyPr rtlCol="0" anchor="ctr"/>
-          <a:lstStyle/>
-          <a:p>
-            <a:pPr algn="ctr"/>
-            <a:r>
-              <a:rPr lang="ko-KR" altLang="en-US" sz="1600" dirty="0" smtClean="0">
-                <a:latin typeface="나눔명조" pitchFamily="18" charset="-127"/>
-                <a:ea typeface="나눔명조" pitchFamily="18" charset="-127"/>
-              </a:rPr>
-              <a:t>현재</a:t>
-            </a:r>
-            <a:endParaRPr lang="en-US" altLang="ko-KR" sz="1600" dirty="0" smtClean="0">
-              <a:latin typeface="나눔명조" pitchFamily="18" charset="-127"/>
-              <a:ea typeface="나눔명조" pitchFamily="18" charset="-127"/>
-            </a:endParaRPr>
-          </a:p>
-          <a:p>
-            <a:pPr algn="ctr"/>
-            <a:r>
-              <a:rPr lang="en-US" altLang="ko-KR" sz="1600" dirty="0" err="1" smtClean="0">
-                <a:latin typeface="나눔명조" pitchFamily="18" charset="-127"/>
-                <a:ea typeface="나눔명조" pitchFamily="18" charset="-127"/>
-              </a:rPr>
-              <a:t>Svn</a:t>
-            </a:r>
-            <a:r>
-              <a:rPr lang="en-US" altLang="ko-KR" sz="1600" dirty="0" smtClean="0">
-                <a:latin typeface="나눔명조" pitchFamily="18" charset="-127"/>
-                <a:ea typeface="나눔명조" pitchFamily="18" charset="-127"/>
-              </a:rPr>
-              <a:t> </a:t>
-            </a:r>
-            <a:r>
-              <a:rPr lang="ko-KR" altLang="en-US" sz="1600" dirty="0" smtClean="0">
-                <a:latin typeface="나눔명조" pitchFamily="18" charset="-127"/>
-                <a:ea typeface="나눔명조" pitchFamily="18" charset="-127"/>
-              </a:rPr>
-              <a:t>사용패턴의 </a:t>
-            </a:r>
-            <a:endParaRPr lang="en-US" altLang="ko-KR" sz="1600" dirty="0" smtClean="0">
-              <a:latin typeface="나눔명조" pitchFamily="18" charset="-127"/>
-              <a:ea typeface="나눔명조" pitchFamily="18" charset="-127"/>
-            </a:endParaRPr>
-          </a:p>
-          <a:p>
-            <a:pPr algn="ctr"/>
-            <a:r>
-              <a:rPr lang="ko-KR" altLang="en-US" sz="1600" dirty="0" smtClean="0">
-                <a:latin typeface="나눔명조" pitchFamily="18" charset="-127"/>
-                <a:ea typeface="나눔명조" pitchFamily="18" charset="-127"/>
-              </a:rPr>
-              <a:t>단점</a:t>
-            </a:r>
-            <a:endParaRPr lang="ko-KR" altLang="en-US" sz="1600" dirty="0">
-              <a:latin typeface="나눔명조" pitchFamily="18" charset="-127"/>
-              <a:ea typeface="나눔명조" pitchFamily="18" charset="-127"/>
-            </a:endParaRPr>
-          </a:p>
-        </p:txBody>
-      </p:sp>
-      <p:sp>
-        <p:nvSpPr>
-          <p:cNvPr id="18" name="TextBox 17"/>
-          <p:cNvSpPr txBox="1"/>
-          <p:nvPr/>
-        </p:nvSpPr>
-        <p:spPr>
-          <a:xfrm>
-            <a:off x="2915816" y="2355726"/>
-            <a:ext cx="432048" cy="584775"/>
-          </a:xfrm>
-          <a:prstGeom prst="rect">
-            <a:avLst/>
-          </a:prstGeom>
-          <a:noFill/>
-        </p:spPr>
-        <p:txBody>
-          <a:bodyPr wrap="square" rtlCol="0">
-            <a:spAutoFit/>
-          </a:bodyPr>
-          <a:lstStyle/>
-          <a:p>
-            <a:r>
-              <a:rPr lang="en-US" altLang="ko-KR" sz="3200" dirty="0" smtClean="0">
-                <a:solidFill>
-                  <a:schemeClr val="bg1"/>
-                </a:solidFill>
-                <a:latin typeface="나눔명조" pitchFamily="18" charset="-127"/>
-                <a:ea typeface="나눔명조" pitchFamily="18" charset="-127"/>
-              </a:rPr>
-              <a:t>=</a:t>
-            </a:r>
-            <a:endParaRPr lang="ko-KR" altLang="en-US" sz="3200" dirty="0">
-              <a:solidFill>
-                <a:schemeClr val="bg1"/>
-              </a:solidFill>
-              <a:latin typeface="나눔명조" pitchFamily="18" charset="-127"/>
-              <a:ea typeface="나눔명조" pitchFamily="18" charset="-127"/>
-            </a:endParaRPr>
-          </a:p>
-        </p:txBody>
-      </p:sp>
-      <p:sp>
-        <p:nvSpPr>
-          <p:cNvPr id="19" name="TextBox 18"/>
-          <p:cNvSpPr txBox="1"/>
-          <p:nvPr/>
-        </p:nvSpPr>
-        <p:spPr>
-          <a:xfrm>
-            <a:off x="5796136" y="2355726"/>
-            <a:ext cx="432048" cy="584775"/>
-          </a:xfrm>
-          <a:prstGeom prst="rect">
-            <a:avLst/>
-          </a:prstGeom>
-          <a:noFill/>
-        </p:spPr>
-        <p:txBody>
-          <a:bodyPr wrap="square" rtlCol="0">
-            <a:spAutoFit/>
-          </a:bodyPr>
-          <a:lstStyle/>
-          <a:p>
-            <a:r>
-              <a:rPr lang="en-US" altLang="ko-KR" sz="3200" dirty="0" smtClean="0">
-                <a:solidFill>
-                  <a:schemeClr val="bg1"/>
-                </a:solidFill>
-                <a:latin typeface="나눔명조" pitchFamily="18" charset="-127"/>
-                <a:ea typeface="나눔명조" pitchFamily="18" charset="-127"/>
-              </a:rPr>
-              <a:t>=</a:t>
-            </a:r>
-            <a:endParaRPr lang="ko-KR" altLang="en-US" sz="3200" dirty="0">
-              <a:solidFill>
-                <a:schemeClr val="bg1"/>
-              </a:solidFill>
-              <a:latin typeface="나눔명조" pitchFamily="18" charset="-127"/>
-              <a:ea typeface="나눔명조" pitchFamily="18" charset="-127"/>
-            </a:endParaRPr>
-          </a:p>
-        </p:txBody>
-      </p:sp>
-    </p:spTree>
-  </p:cSld>
-  <p:clrMapOvr>
-    <a:masterClrMapping/>
-  </p:clrMapOvr>
-  <p:timing>
-    <p:tnLst>
-      <p:par>
-        <p:cTn id="1" dur="indefinite" restart="never" nodeType="tmRoot"/>
-      </p:par>
-    </p:tnLst>
-  </p:timing>
-</p:sld>
-</file>
-
 <file path=ppt/slides/slide6.xml><?xml version="1.0" encoding="utf-8"?>
 <p:sld xmlns:a="http://schemas.openxmlformats.org/drawingml/2006/main" xmlns:r="http://schemas.openxmlformats.org/officeDocument/2006/relationships" xmlns:p="http://schemas.openxmlformats.org/presentationml/2006/main">
   <p:cSld>
@@ -8069,11 +8979,69 @@
           <a:lstStyle/>
           <a:p>
             <a:r>
+              <a:rPr lang="en-US" altLang="ko-KR" sz="2400" dirty="0" err="1" smtClean="0">
+                <a:solidFill>
+                  <a:schemeClr val="bg1"/>
+                </a:solidFill>
+                <a:latin typeface="나눔명조" pitchFamily="18" charset="-127"/>
+                <a:ea typeface="나눔명조" pitchFamily="18" charset="-127"/>
+              </a:rPr>
+              <a:t>git</a:t>
+            </a:r>
+            <a:r>
               <a:rPr lang="ko-KR" altLang="en-US" sz="2400" dirty="0" smtClean="0">
                 <a:solidFill>
-                  <a:schemeClr val="bg1">
-                    <a:lumMod val="95000"/>
-                  </a:schemeClr>
+                  <a:schemeClr val="bg1"/>
+                </a:solidFill>
+                <a:latin typeface="나눔명조" pitchFamily="18" charset="-127"/>
+                <a:ea typeface="나눔명조" pitchFamily="18" charset="-127"/>
+              </a:rPr>
+              <a:t>이 </a:t>
+            </a:r>
+            <a:r>
+              <a:rPr lang="ko-KR" altLang="en-US" sz="2400" dirty="0" smtClean="0">
+                <a:solidFill>
+                  <a:schemeClr val="bg1"/>
+                </a:solidFill>
+                <a:latin typeface="나눔명조" pitchFamily="18" charset="-127"/>
+                <a:ea typeface="나눔명조" pitchFamily="18" charset="-127"/>
+              </a:rPr>
+              <a:t>절</a:t>
+            </a:r>
+            <a:r>
+              <a:rPr lang="ko-KR" altLang="en-US" sz="2400" dirty="0" smtClean="0">
+                <a:solidFill>
+                  <a:schemeClr val="bg1"/>
+                </a:solidFill>
+                <a:latin typeface="나눔명조" pitchFamily="18" charset="-127"/>
+                <a:ea typeface="나눔명조" pitchFamily="18" charset="-127"/>
+              </a:rPr>
+              <a:t>실</a:t>
+            </a:r>
+            <a:r>
+              <a:rPr lang="ko-KR" altLang="en-US" sz="2400" dirty="0" smtClean="0">
+                <a:solidFill>
+                  <a:schemeClr val="bg1"/>
+                </a:solidFill>
+                <a:latin typeface="나눔명조" pitchFamily="18" charset="-127"/>
+                <a:ea typeface="나눔명조" pitchFamily="18" charset="-127"/>
+              </a:rPr>
+              <a:t>해진 </a:t>
+            </a:r>
+            <a:r>
+              <a:rPr lang="en-US" altLang="ko-KR" sz="2400" dirty="0" smtClean="0">
+                <a:solidFill>
+                  <a:schemeClr val="bg1"/>
+                </a:solidFill>
+                <a:latin typeface="나눔명조" pitchFamily="18" charset="-127"/>
+                <a:ea typeface="나눔명조" pitchFamily="18" charset="-127"/>
+              </a:rPr>
+              <a:t>‘</a:t>
+            </a:r>
+            <a:r>
+              <a:rPr lang="ko-KR" altLang="en-US" sz="2400" dirty="0" smtClean="0">
+                <a:solidFill>
+                  <a:schemeClr val="bg1"/>
                 </a:solidFill>
                 <a:latin typeface="나눔명조" pitchFamily="18" charset="-127"/>
                 <a:ea typeface="나눔명조" pitchFamily="18" charset="-127"/>
@@ -8083,44 +9051,46 @@
             <a:r>
               <a:rPr lang="en-US" altLang="ko-KR" sz="2400" dirty="0" smtClean="0">
                 <a:solidFill>
-                  <a:schemeClr val="bg1">
-                    <a:lumMod val="95000"/>
-                  </a:schemeClr>
+                  <a:schemeClr val="bg1"/>
                 </a:solidFill>
                 <a:latin typeface="나눔명조" pitchFamily="18" charset="-127"/>
                 <a:ea typeface="나눔명조" pitchFamily="18" charset="-127"/>
               </a:rPr>
-              <a:t>1 – </a:t>
+              <a:t>’</a:t>
             </a:r>
             <a:r>
               <a:rPr lang="ko-KR" altLang="en-US" sz="2400" dirty="0" smtClean="0">
                 <a:solidFill>
-                  <a:schemeClr val="bg1">
-                    <a:lumMod val="95000"/>
-                  </a:schemeClr>
+                  <a:schemeClr val="bg1"/>
                 </a:solidFill>
                 <a:latin typeface="나눔명조" pitchFamily="18" charset="-127"/>
                 <a:ea typeface="나눔명조" pitchFamily="18" charset="-127"/>
               </a:rPr>
-              <a:t>요구사항이 자주 변한다</a:t>
+              <a:t>이 생김</a:t>
             </a:r>
             <a:r>
               <a:rPr lang="en-US" altLang="ko-KR" sz="2400" dirty="0" smtClean="0">
                 <a:solidFill>
-                  <a:schemeClr val="bg1">
-                    <a:lumMod val="95000"/>
-                  </a:schemeClr>
+                  <a:schemeClr val="bg1"/>
                 </a:solidFill>
                 <a:latin typeface="나눔명조" pitchFamily="18" charset="-127"/>
                 <a:ea typeface="나눔명조" pitchFamily="18" charset="-127"/>
               </a:rPr>
               <a:t>.</a:t>
             </a:r>
+            <a:r>
+              <a:rPr lang="ko-KR" altLang="en-US" sz="2400" dirty="0" smtClean="0">
+                <a:solidFill>
+                  <a:schemeClr val="bg1"/>
+                </a:solidFill>
+                <a:latin typeface="나눔명조" pitchFamily="18" charset="-127"/>
+                <a:ea typeface="나눔명조" pitchFamily="18" charset="-127"/>
+              </a:rPr>
+              <a:t> </a:t>
+            </a:r>
             <a:endParaRPr lang="ko-KR" altLang="en-US" sz="2400" dirty="0">
               <a:solidFill>
-                <a:schemeClr val="bg1">
-                  <a:lumMod val="95000"/>
-                </a:schemeClr>
+                <a:schemeClr val="bg1"/>
               </a:solidFill>
               <a:latin typeface="나눔명조" pitchFamily="18" charset="-127"/>
               <a:ea typeface="나눔명조" pitchFamily="18" charset="-127"/>
@@ -8268,63 +9238,282 @@
           </a:fontRef>
         </p:style>
       </p:cxnSp>
-      <p:pic>
-        <p:nvPicPr>
-          <p:cNvPr id="1026" name="Picture 2" descr="ê´ë ¨ ì´ë¯¸ì§"/>
-          <p:cNvPicPr>
-            <a:picLocks noChangeAspect="1" noChangeArrowheads="1"/>
-          </p:cNvPicPr>
+      <p:sp>
+        <p:nvSpPr>
+          <p:cNvPr id="9" name="타원 8"/>
+          <p:cNvSpPr/>
           <p:nvPr/>
-        </p:nvPicPr>
-        <p:blipFill>
-          <a:blip r:embed="rId2" cstate="print">
-            <a:clrChange>
-              <a:clrFrom>
-                <a:srgbClr val="000000"/>
-              </a:clrFrom>
-              <a:clrTo>
-                <a:srgbClr val="000000">
-                  <a:alpha val="0"/>
-                </a:srgbClr>
-              </a:clrTo>
-            </a:clrChange>
-          </a:blip>
-          <a:stretch>
-            <a:fillRect/>
-          </a:stretch>
-        </p:blipFill>
-        <p:spPr bwMode="auto">
+        </p:nvSpPr>
+        <p:spPr>
           <a:xfrm>
-            <a:off x="3419872" y="1347614"/>
-            <a:ext cx="2385121" cy="1512168"/>
-          </a:xfrm>
-          <a:prstGeom prst="rect">
+            <a:off x="971600" y="1779662"/>
+            <a:ext cx="1584176" cy="1584176"/>
+          </a:xfrm>
+          <a:prstGeom prst="ellipse">
             <a:avLst/>
           </a:prstGeom>
           <a:noFill/>
           <a:ln>
-            <a:noFill/>
+            <a:solidFill>
+              <a:schemeClr val="bg1"/>
+            </a:solidFill>
           </a:ln>
-          <a:effectLst>
-            <a:outerShdw blurRad="50800" dist="50800" dir="5400000" algn="ctr" rotWithShape="0">
-              <a:srgbClr val="000000">
-                <a:alpha val="58000"/>
-              </a:srgbClr>
-            </a:outerShdw>
-            <a:reflection blurRad="6350" stA="50000" endA="275" endPos="40000" dist="101600" dir="5400000" sy="-100000" algn="bl" rotWithShape="0"/>
-          </a:effectLst>
-        </p:spPr>
-      </p:pic>
+        </p:spPr>
+        <p:style>
+          <a:lnRef idx="2">
+            <a:schemeClr val="accent1">
+              <a:shade val="50000"/>
+            </a:schemeClr>
+          </a:lnRef>
+          <a:fillRef idx="1">
+            <a:schemeClr val="accent1"/>
+          </a:fillRef>
+          <a:effectRef idx="0">
+            <a:schemeClr val="accent1"/>
+          </a:effectRef>
+          <a:fontRef idx="minor">
+            <a:schemeClr val="lt1"/>
+          </a:fontRef>
+        </p:style>
+        <p:txBody>
+          <a:bodyPr rtlCol="0" anchor="ctr"/>
+          <a:lstStyle/>
+          <a:p>
+            <a:pPr algn="ctr"/>
+            <a:r>
+              <a:rPr lang="ko-KR" altLang="en-US" sz="2000" dirty="0" smtClean="0">
+                <a:solidFill>
+                  <a:schemeClr val="bg1"/>
+                </a:solidFill>
+                <a:latin typeface="나눔명조" pitchFamily="18" charset="-127"/>
+                <a:ea typeface="나눔명조" pitchFamily="18" charset="-127"/>
+              </a:rPr>
+              <a:t>상황</a:t>
+            </a:r>
+            <a:endParaRPr lang="ko-KR" altLang="en-US" sz="2000" dirty="0">
+              <a:solidFill>
+                <a:schemeClr val="bg1"/>
+              </a:solidFill>
+              <a:latin typeface="나눔명조" pitchFamily="18" charset="-127"/>
+              <a:ea typeface="나눔명조" pitchFamily="18" charset="-127"/>
+            </a:endParaRPr>
+          </a:p>
+        </p:txBody>
+      </p:sp>
       <p:sp>
         <p:nvSpPr>
-          <p:cNvPr id="20" name="TextBox 19"/>
+          <p:cNvPr id="13" name="타원 12"/>
+          <p:cNvSpPr/>
+          <p:nvPr/>
+        </p:nvSpPr>
+        <p:spPr>
+          <a:xfrm>
+            <a:off x="3779912" y="1779662"/>
+            <a:ext cx="1584176" cy="1584176"/>
+          </a:xfrm>
+          <a:prstGeom prst="ellipse">
+            <a:avLst/>
+          </a:prstGeom>
+          <a:noFill/>
+          <a:ln>
+            <a:solidFill>
+              <a:schemeClr val="bg1"/>
+            </a:solidFill>
+          </a:ln>
+        </p:spPr>
+        <p:style>
+          <a:lnRef idx="2">
+            <a:schemeClr val="accent1">
+              <a:shade val="50000"/>
+            </a:schemeClr>
+          </a:lnRef>
+          <a:fillRef idx="1">
+            <a:schemeClr val="accent1"/>
+          </a:fillRef>
+          <a:effectRef idx="0">
+            <a:schemeClr val="accent1"/>
+          </a:effectRef>
+          <a:fontRef idx="minor">
+            <a:schemeClr val="lt1"/>
+          </a:fontRef>
+        </p:style>
+        <p:txBody>
+          <a:bodyPr rtlCol="0" anchor="ctr"/>
+          <a:lstStyle/>
+          <a:p>
+            <a:pPr algn="ctr"/>
+            <a:r>
+              <a:rPr lang="en-US" altLang="ko-KR" sz="2000" dirty="0" err="1" smtClean="0">
+                <a:solidFill>
+                  <a:schemeClr val="bg1"/>
+                </a:solidFill>
+                <a:latin typeface="나눔명조" pitchFamily="18" charset="-127"/>
+                <a:ea typeface="나눔명조" pitchFamily="18" charset="-127"/>
+              </a:rPr>
+              <a:t>git</a:t>
+            </a:r>
+            <a:endParaRPr lang="en-US" altLang="ko-KR" sz="2000" dirty="0" smtClean="0">
+              <a:solidFill>
+                <a:schemeClr val="bg1"/>
+              </a:solidFill>
+              <a:latin typeface="나눔명조" pitchFamily="18" charset="-127"/>
+              <a:ea typeface="나눔명조" pitchFamily="18" charset="-127"/>
+            </a:endParaRPr>
+          </a:p>
+          <a:p>
+            <a:pPr algn="ctr"/>
+            <a:r>
+              <a:rPr lang="ko-KR" altLang="en-US" dirty="0" smtClean="0">
+                <a:solidFill>
+                  <a:schemeClr val="bg1"/>
+                </a:solidFill>
+                <a:latin typeface="나눔명조" pitchFamily="18" charset="-127"/>
+                <a:ea typeface="나눔명조" pitchFamily="18" charset="-127"/>
+              </a:rPr>
+              <a:t>장점</a:t>
+            </a:r>
+            <a:endParaRPr lang="ko-KR" altLang="en-US" dirty="0">
+              <a:solidFill>
+                <a:schemeClr val="bg1"/>
+              </a:solidFill>
+              <a:latin typeface="나눔명조" pitchFamily="18" charset="-127"/>
+              <a:ea typeface="나눔명조" pitchFamily="18" charset="-127"/>
+            </a:endParaRPr>
+          </a:p>
+        </p:txBody>
+      </p:sp>
+      <p:sp>
+        <p:nvSpPr>
+          <p:cNvPr id="17" name="타원 16"/>
+          <p:cNvSpPr/>
+          <p:nvPr/>
+        </p:nvSpPr>
+        <p:spPr>
+          <a:xfrm>
+            <a:off x="6588224" y="1779662"/>
+            <a:ext cx="1584176" cy="1584176"/>
+          </a:xfrm>
+          <a:prstGeom prst="ellipse">
+            <a:avLst/>
+          </a:prstGeom>
+          <a:noFill/>
+          <a:ln>
+            <a:solidFill>
+              <a:schemeClr val="bg1"/>
+            </a:solidFill>
+          </a:ln>
+        </p:spPr>
+        <p:style>
+          <a:lnRef idx="2">
+            <a:schemeClr val="accent1">
+              <a:shade val="50000"/>
+            </a:schemeClr>
+          </a:lnRef>
+          <a:fillRef idx="1">
+            <a:schemeClr val="accent1"/>
+          </a:fillRef>
+          <a:effectRef idx="0">
+            <a:schemeClr val="accent1"/>
+          </a:effectRef>
+          <a:fontRef idx="minor">
+            <a:schemeClr val="lt1"/>
+          </a:fontRef>
+        </p:style>
+        <p:txBody>
+          <a:bodyPr rtlCol="0" anchor="ctr"/>
+          <a:lstStyle/>
+          <a:p>
+            <a:pPr algn="ctr"/>
+            <a:r>
+              <a:rPr lang="ko-KR" altLang="en-US" sz="1600" dirty="0" smtClean="0">
+                <a:solidFill>
+                  <a:schemeClr val="bg1"/>
+                </a:solidFill>
+                <a:latin typeface="나눔명조" pitchFamily="18" charset="-127"/>
+                <a:ea typeface="나눔명조" pitchFamily="18" charset="-127"/>
+              </a:rPr>
+              <a:t>현재</a:t>
+            </a:r>
+            <a:endParaRPr lang="en-US" altLang="ko-KR" sz="1600" dirty="0" smtClean="0">
+              <a:solidFill>
+                <a:schemeClr val="bg1"/>
+              </a:solidFill>
+              <a:latin typeface="나눔명조" pitchFamily="18" charset="-127"/>
+              <a:ea typeface="나눔명조" pitchFamily="18" charset="-127"/>
+            </a:endParaRPr>
+          </a:p>
+          <a:p>
+            <a:pPr algn="ctr"/>
+            <a:r>
+              <a:rPr lang="en-US" altLang="ko-KR" sz="1600" dirty="0" err="1" smtClean="0">
+                <a:solidFill>
+                  <a:schemeClr val="bg1"/>
+                </a:solidFill>
+                <a:latin typeface="나눔명조" pitchFamily="18" charset="-127"/>
+                <a:ea typeface="나눔명조" pitchFamily="18" charset="-127"/>
+              </a:rPr>
+              <a:t>Svn</a:t>
+            </a:r>
+            <a:r>
+              <a:rPr lang="en-US" altLang="ko-KR" sz="1600" dirty="0" smtClean="0">
+                <a:solidFill>
+                  <a:schemeClr val="bg1"/>
+                </a:solidFill>
+                <a:latin typeface="나눔명조" pitchFamily="18" charset="-127"/>
+                <a:ea typeface="나눔명조" pitchFamily="18" charset="-127"/>
+              </a:rPr>
+              <a:t> </a:t>
+            </a:r>
+            <a:r>
+              <a:rPr lang="ko-KR" altLang="en-US" sz="1600" dirty="0" smtClean="0">
+                <a:solidFill>
+                  <a:schemeClr val="bg1"/>
+                </a:solidFill>
+                <a:latin typeface="나눔명조" pitchFamily="18" charset="-127"/>
+                <a:ea typeface="나눔명조" pitchFamily="18" charset="-127"/>
+              </a:rPr>
+              <a:t>사용패턴의 </a:t>
+            </a:r>
+            <a:endParaRPr lang="en-US" altLang="ko-KR" sz="1600" dirty="0" smtClean="0">
+              <a:solidFill>
+                <a:schemeClr val="bg1"/>
+              </a:solidFill>
+              <a:latin typeface="나눔명조" pitchFamily="18" charset="-127"/>
+              <a:ea typeface="나눔명조" pitchFamily="18" charset="-127"/>
+            </a:endParaRPr>
+          </a:p>
+          <a:p>
+            <a:pPr algn="ctr"/>
+            <a:r>
+              <a:rPr lang="ko-KR" altLang="en-US" sz="1600" dirty="0" smtClean="0">
+                <a:solidFill>
+                  <a:schemeClr val="bg1"/>
+                </a:solidFill>
+                <a:latin typeface="나눔명조" pitchFamily="18" charset="-127"/>
+                <a:ea typeface="나눔명조" pitchFamily="18" charset="-127"/>
+              </a:rPr>
+              <a:t>단점</a:t>
+            </a:r>
+            <a:endParaRPr lang="ko-KR" altLang="en-US" sz="1600" dirty="0">
+              <a:solidFill>
+                <a:schemeClr val="bg1"/>
+              </a:solidFill>
+              <a:latin typeface="나눔명조" pitchFamily="18" charset="-127"/>
+              <a:ea typeface="나눔명조" pitchFamily="18" charset="-127"/>
+            </a:endParaRPr>
+          </a:p>
+        </p:txBody>
+      </p:sp>
+      <p:sp>
+        <p:nvSpPr>
+          <p:cNvPr id="18" name="TextBox 17"/>
           <p:cNvSpPr txBox="1"/>
           <p:nvPr/>
         </p:nvSpPr>
         <p:spPr>
           <a:xfrm>
-            <a:off x="2483768" y="3507854"/>
-            <a:ext cx="4608512" cy="400110"/>
+            <a:off x="2915816" y="2355726"/>
+            <a:ext cx="432048" cy="584775"/>
           </a:xfrm>
           <a:prstGeom prst="rect">
             <a:avLst/>
@@ -8337,36 +9526,61 @@
           </a:bodyPr>
           <a:lstStyle/>
           <a:p>
-            <a:pPr algn="ctr"/>
-            <a:r>
-              <a:rPr lang="ko-KR" altLang="en-US" sz="2000" dirty="0" smtClean="0">
-                <a:solidFill>
-                  <a:schemeClr val="bg1">
-                    <a:lumMod val="95000"/>
-                  </a:schemeClr>
+            <a:r>
+              <a:rPr lang="en-US" altLang="ko-KR" sz="3200" dirty="0" smtClean="0">
+                <a:solidFill>
+                  <a:schemeClr val="bg1"/>
                 </a:solidFill>
                 <a:latin typeface="나눔명조" pitchFamily="18" charset="-127"/>
                 <a:ea typeface="나눔명조" pitchFamily="18" charset="-127"/>
               </a:rPr>
-              <a:t>이관 직전 버전을 예측하기 힘들다</a:t>
-            </a:r>
-            <a:r>
-              <a:rPr lang="en-US" altLang="ko-KR" sz="2000" dirty="0" smtClean="0">
-                <a:solidFill>
-                  <a:schemeClr val="bg1">
-                    <a:lumMod val="95000"/>
-                  </a:schemeClr>
+              <a:t>=</a:t>
+            </a:r>
+            <a:endParaRPr lang="ko-KR" altLang="en-US" sz="3200" dirty="0">
+              <a:solidFill>
+                <a:schemeClr val="bg1"/>
+              </a:solidFill>
+              <a:latin typeface="나눔명조" pitchFamily="18" charset="-127"/>
+              <a:ea typeface="나눔명조" pitchFamily="18" charset="-127"/>
+            </a:endParaRPr>
+          </a:p>
+        </p:txBody>
+      </p:sp>
+      <p:sp>
+        <p:nvSpPr>
+          <p:cNvPr id="19" name="TextBox 18"/>
+          <p:cNvSpPr txBox="1"/>
+          <p:nvPr/>
+        </p:nvSpPr>
+        <p:spPr>
+          <a:xfrm>
+            <a:off x="5796136" y="2355726"/>
+            <a:ext cx="432048" cy="584775"/>
+          </a:xfrm>
+          <a:prstGeom prst="rect">
+            <a:avLst/>
+          </a:prstGeom>
+          <a:noFill/>
+        </p:spPr>
+        <p:txBody>
+          <a:bodyPr wrap="square" rtlCol="0">
+            <a:spAutoFit/>
+          </a:bodyPr>
+          <a:lstStyle/>
+          <a:p>
+            <a:r>
+              <a:rPr lang="en-US" altLang="ko-KR" sz="3200" dirty="0" smtClean="0">
+                <a:solidFill>
+                  <a:schemeClr val="bg1"/>
                 </a:solidFill>
                 <a:latin typeface="나눔명조" pitchFamily="18" charset="-127"/>
                 <a:ea typeface="나눔명조" pitchFamily="18" charset="-127"/>
               </a:rPr>
-              <a:t>.</a:t>
-            </a:r>
-            <a:endParaRPr lang="ko-KR" altLang="en-US" sz="2000" dirty="0">
+              <a:t>=</a:t>
+            </a:r>
+            <a:endParaRPr lang="ko-KR" altLang="en-US" sz="3200" dirty="0">
               <a:solidFill>
-                <a:schemeClr val="bg1">
-                  <a:lumMod val="95000"/>
-                </a:schemeClr>
+                <a:schemeClr val="bg1"/>
               </a:solidFill>
               <a:latin typeface="나눔명조" pitchFamily="18" charset="-127"/>
               <a:ea typeface="나눔명조" pitchFamily="18" charset="-127"/>
@@ -8463,7 +9677,7 @@
         <p:spPr>
           <a:xfrm>
             <a:off x="611560" y="483518"/>
-            <a:ext cx="7704856" cy="461665"/>
+            <a:ext cx="4608512" cy="461665"/>
           </a:xfrm>
           <a:prstGeom prst="rect">
             <a:avLst/>
@@ -8479,9 +9693,7 @@
             <a:r>
               <a:rPr lang="ko-KR" altLang="en-US" sz="2400" dirty="0" smtClean="0">
                 <a:solidFill>
-                  <a:schemeClr val="bg1">
-                    <a:lumMod val="95000"/>
-                  </a:schemeClr>
+                  <a:schemeClr val="bg1"/>
                 </a:solidFill>
                 <a:latin typeface="나눔명조" pitchFamily="18" charset="-127"/>
                 <a:ea typeface="나눔명조" pitchFamily="18" charset="-127"/>
@@ -8491,6 +9703,256 @@
             <a:r>
               <a:rPr lang="en-US" altLang="ko-KR" sz="2400" dirty="0" smtClean="0">
                 <a:solidFill>
+                  <a:schemeClr val="bg1"/>
+                </a:solidFill>
+                <a:latin typeface="나눔명조" pitchFamily="18" charset="-127"/>
+                <a:ea typeface="나눔명조" pitchFamily="18" charset="-127"/>
+              </a:rPr>
+              <a:t>1 – </a:t>
+            </a:r>
+            <a:r>
+              <a:rPr lang="ko-KR" altLang="en-US" sz="2400" dirty="0" smtClean="0">
+                <a:solidFill>
+                  <a:schemeClr val="bg1"/>
+                </a:solidFill>
+                <a:latin typeface="나눔명조" pitchFamily="18" charset="-127"/>
+                <a:ea typeface="나눔명조" pitchFamily="18" charset="-127"/>
+              </a:rPr>
+              <a:t>요구사항이 자주 변한다</a:t>
+            </a:r>
+            <a:r>
+              <a:rPr lang="en-US" altLang="ko-KR" sz="2400" dirty="0" smtClean="0">
+                <a:solidFill>
+                  <a:schemeClr val="bg1"/>
+                </a:solidFill>
+                <a:latin typeface="나눔명조" pitchFamily="18" charset="-127"/>
+                <a:ea typeface="나눔명조" pitchFamily="18" charset="-127"/>
+              </a:rPr>
+              <a:t>.</a:t>
+            </a:r>
+            <a:endParaRPr lang="ko-KR" altLang="en-US" sz="2400" dirty="0">
+              <a:solidFill>
+                <a:schemeClr val="bg1"/>
+              </a:solidFill>
+              <a:latin typeface="나눔명조" pitchFamily="18" charset="-127"/>
+              <a:ea typeface="나눔명조" pitchFamily="18" charset="-127"/>
+            </a:endParaRPr>
+          </a:p>
+        </p:txBody>
+      </p:sp>
+      <p:cxnSp>
+        <p:nvCxnSpPr>
+          <p:cNvPr id="11" name="직선 연결선 10"/>
+          <p:cNvCxnSpPr/>
+          <p:nvPr/>
+        </p:nvCxnSpPr>
+        <p:spPr>
+          <a:xfrm>
+            <a:off x="539552" y="915566"/>
+            <a:ext cx="8136904" cy="0"/>
+          </a:xfrm>
+          <a:prstGeom prst="line">
+            <a:avLst/>
+          </a:prstGeom>
+          <a:ln w="12700">
+            <a:solidFill>
+              <a:schemeClr val="bg1"/>
+            </a:solidFill>
+          </a:ln>
+        </p:spPr>
+        <p:style>
+          <a:lnRef idx="1">
+            <a:schemeClr val="accent1"/>
+          </a:lnRef>
+          <a:fillRef idx="0">
+            <a:schemeClr val="accent1"/>
+          </a:fillRef>
+          <a:effectRef idx="0">
+            <a:schemeClr val="accent1"/>
+          </a:effectRef>
+          <a:fontRef idx="minor">
+            <a:schemeClr val="tx1"/>
+          </a:fontRef>
+        </p:style>
+      </p:cxnSp>
+      <p:cxnSp>
+        <p:nvCxnSpPr>
+          <p:cNvPr id="12" name="직선 연결선 11"/>
+          <p:cNvCxnSpPr/>
+          <p:nvPr/>
+        </p:nvCxnSpPr>
+        <p:spPr>
+          <a:xfrm>
+            <a:off x="467544" y="4299942"/>
+            <a:ext cx="8136904" cy="0"/>
+          </a:xfrm>
+          <a:prstGeom prst="line">
+            <a:avLst/>
+          </a:prstGeom>
+          <a:ln w="12700">
+            <a:solidFill>
+              <a:schemeClr val="bg1"/>
+            </a:solidFill>
+          </a:ln>
+        </p:spPr>
+        <p:style>
+          <a:lnRef idx="1">
+            <a:schemeClr val="accent1"/>
+          </a:lnRef>
+          <a:fillRef idx="0">
+            <a:schemeClr val="accent1"/>
+          </a:fillRef>
+          <a:effectRef idx="0">
+            <a:schemeClr val="accent1"/>
+          </a:effectRef>
+          <a:fontRef idx="minor">
+            <a:schemeClr val="tx1"/>
+          </a:fontRef>
+        </p:style>
+      </p:cxnSp>
+      <p:cxnSp>
+        <p:nvCxnSpPr>
+          <p:cNvPr id="14" name="직선 연결선 13"/>
+          <p:cNvCxnSpPr/>
+          <p:nvPr/>
+        </p:nvCxnSpPr>
+        <p:spPr>
+          <a:xfrm>
+            <a:off x="467544" y="915566"/>
+            <a:ext cx="8208912" cy="0"/>
+          </a:xfrm>
+          <a:prstGeom prst="line">
+            <a:avLst/>
+          </a:prstGeom>
+          <a:ln w="12700">
+            <a:solidFill>
+              <a:schemeClr val="bg1"/>
+            </a:solidFill>
+          </a:ln>
+        </p:spPr>
+        <p:style>
+          <a:lnRef idx="1">
+            <a:schemeClr val="accent1"/>
+          </a:lnRef>
+          <a:fillRef idx="0">
+            <a:schemeClr val="accent1"/>
+          </a:fillRef>
+          <a:effectRef idx="0">
+            <a:schemeClr val="accent1"/>
+          </a:effectRef>
+          <a:fontRef idx="minor">
+            <a:schemeClr val="tx1"/>
+          </a:fontRef>
+        </p:style>
+      </p:cxnSp>
+      <p:cxnSp>
+        <p:nvCxnSpPr>
+          <p:cNvPr id="15" name="직선 연결선 14"/>
+          <p:cNvCxnSpPr/>
+          <p:nvPr/>
+        </p:nvCxnSpPr>
+        <p:spPr>
+          <a:xfrm>
+            <a:off x="467544" y="4299942"/>
+            <a:ext cx="8208912" cy="0"/>
+          </a:xfrm>
+          <a:prstGeom prst="line">
+            <a:avLst/>
+          </a:prstGeom>
+          <a:ln w="12700">
+            <a:solidFill>
+              <a:schemeClr val="bg1"/>
+            </a:solidFill>
+          </a:ln>
+        </p:spPr>
+        <p:style>
+          <a:lnRef idx="1">
+            <a:schemeClr val="accent1"/>
+          </a:lnRef>
+          <a:fillRef idx="0">
+            <a:schemeClr val="accent1"/>
+          </a:fillRef>
+          <a:effectRef idx="0">
+            <a:schemeClr val="accent1"/>
+          </a:effectRef>
+          <a:fontRef idx="minor">
+            <a:schemeClr val="tx1"/>
+          </a:fontRef>
+        </p:style>
+      </p:cxnSp>
+      <p:pic>
+        <p:nvPicPr>
+          <p:cNvPr id="1026" name="Picture 2" descr="ê´ë ¨ ì´ë¯¸ì§"/>
+          <p:cNvPicPr>
+            <a:picLocks noChangeAspect="1" noChangeArrowheads="1"/>
+          </p:cNvPicPr>
+          <p:nvPr/>
+        </p:nvPicPr>
+        <p:blipFill>
+          <a:blip r:embed="rId2" cstate="print">
+            <a:clrChange>
+              <a:clrFrom>
+                <a:srgbClr val="000000"/>
+              </a:clrFrom>
+              <a:clrTo>
+                <a:srgbClr val="000000">
+                  <a:alpha val="0"/>
+                </a:srgbClr>
+              </a:clrTo>
+            </a:clrChange>
+          </a:blip>
+          <a:stretch>
+            <a:fillRect/>
+          </a:stretch>
+        </p:blipFill>
+        <p:spPr bwMode="auto">
+          <a:xfrm>
+            <a:off x="3419872" y="1347614"/>
+            <a:ext cx="2385121" cy="1512168"/>
+          </a:xfrm>
+          <a:prstGeom prst="rect">
+            <a:avLst/>
+          </a:prstGeom>
+          <a:noFill/>
+          <a:ln>
+            <a:noFill/>
+          </a:ln>
+          <a:effectLst>
+            <a:outerShdw blurRad="50800" dist="50800" dir="5400000" algn="ctr" rotWithShape="0">
+              <a:srgbClr val="000000">
+                <a:alpha val="58000"/>
+              </a:srgbClr>
+            </a:outerShdw>
+            <a:reflection blurRad="6350" stA="50000" endA="275" endPos="40000" dist="101600" dir="5400000" sy="-100000" algn="bl" rotWithShape="0"/>
+          </a:effectLst>
+        </p:spPr>
+      </p:pic>
+      <p:sp>
+        <p:nvSpPr>
+          <p:cNvPr id="20" name="TextBox 19"/>
+          <p:cNvSpPr txBox="1"/>
+          <p:nvPr/>
+        </p:nvSpPr>
+        <p:spPr>
+          <a:xfrm>
+            <a:off x="2483768" y="3507854"/>
+            <a:ext cx="4608512" cy="400110"/>
+          </a:xfrm>
+          <a:prstGeom prst="rect">
+            <a:avLst/>
+          </a:prstGeom>
+          <a:noFill/>
+        </p:spPr>
+        <p:txBody>
+          <a:bodyPr wrap="square" rtlCol="0">
+            <a:spAutoFit/>
+          </a:bodyPr>
+          <a:lstStyle/>
+          <a:p>
+            <a:pPr algn="ctr"/>
+            <a:r>
+              <a:rPr lang="ko-KR" altLang="en-US" sz="2000" dirty="0" smtClean="0">
+                <a:solidFill>
                   <a:schemeClr val="bg1">
                     <a:lumMod val="95000"/>
                   </a:schemeClr>
@@ -8498,10 +9960,10 @@
                 <a:latin typeface="나눔명조" pitchFamily="18" charset="-127"/>
                 <a:ea typeface="나눔명조" pitchFamily="18" charset="-127"/>
               </a:rPr>
-              <a:t>2</a:t>
-            </a:r>
-            <a:r>
-              <a:rPr lang="en-US" altLang="ko-KR" sz="2400" dirty="0" smtClean="0">
+              <a:t>이관 직전 버전을 예측하기 힘들다</a:t>
+            </a:r>
+            <a:r>
+              <a:rPr lang="en-US" altLang="ko-KR" sz="2000" dirty="0" smtClean="0">
                 <a:solidFill>
                   <a:schemeClr val="bg1">
                     <a:lumMod val="95000"/>
@@ -8510,26 +9972,146 @@
                 <a:latin typeface="나눔명조" pitchFamily="18" charset="-127"/>
                 <a:ea typeface="나눔명조" pitchFamily="18" charset="-127"/>
               </a:rPr>
-              <a:t> </a:t>
-            </a:r>
-            <a:r>
-              <a:rPr lang="en-US" altLang="ko-KR" sz="2400" dirty="0" smtClean="0">
-                <a:solidFill>
-                  <a:schemeClr val="bg1">
-                    <a:lumMod val="95000"/>
-                  </a:schemeClr>
+              <a:t>.</a:t>
+            </a:r>
+            <a:endParaRPr lang="ko-KR" altLang="en-US" sz="2000" dirty="0">
+              <a:solidFill>
+                <a:schemeClr val="bg1">
+                  <a:lumMod val="95000"/>
+                </a:schemeClr>
+              </a:solidFill>
+              <a:latin typeface="나눔명조" pitchFamily="18" charset="-127"/>
+              <a:ea typeface="나눔명조" pitchFamily="18" charset="-127"/>
+            </a:endParaRPr>
+          </a:p>
+        </p:txBody>
+      </p:sp>
+    </p:spTree>
+  </p:cSld>
+  <p:clrMapOvr>
+    <a:masterClrMapping/>
+  </p:clrMapOvr>
+  <p:timing>
+    <p:tnLst>
+      <p:par>
+        <p:cTn id="1" dur="indefinite" restart="never" nodeType="tmRoot"/>
+      </p:par>
+    </p:tnLst>
+  </p:timing>
+</p:sld>
+</file>
+
+<file path=ppt/slides/slide8.xml><?xml version="1.0" encoding="utf-8"?>
+<p:sld xmlns:a="http://schemas.openxmlformats.org/drawingml/2006/main" xmlns:r="http://schemas.openxmlformats.org/officeDocument/2006/relationships" xmlns:p="http://schemas.openxmlformats.org/presentationml/2006/main">
+  <p:cSld>
+    <p:spTree>
+      <p:nvGrpSpPr>
+        <p:cNvPr id="1" name=""/>
+        <p:cNvGrpSpPr/>
+        <p:nvPr/>
+      </p:nvGrpSpPr>
+      <p:grpSpPr>
+        <a:xfrm>
+          <a:off x="0" y="0"/>
+          <a:ext cx="0" cy="0"/>
+          <a:chOff x="0" y="0"/>
+          <a:chExt cx="0" cy="0"/>
+        </a:xfrm>
+      </p:grpSpPr>
+      <p:sp>
+        <p:nvSpPr>
+          <p:cNvPr id="16" name="평행 사변형 15"/>
+          <p:cNvSpPr/>
+          <p:nvPr/>
+        </p:nvSpPr>
+        <p:spPr>
+          <a:xfrm rot="16200000">
+            <a:off x="2000251" y="-2000251"/>
+            <a:ext cx="5143500" cy="9144001"/>
+          </a:xfrm>
+          <a:prstGeom prst="parallelogram">
+            <a:avLst>
+              <a:gd name="adj" fmla="val 7753"/>
+            </a:avLst>
+          </a:prstGeom>
+          <a:solidFill>
+            <a:srgbClr val="473F3D"/>
+          </a:solidFill>
+          <a:ln>
+            <a:noFill/>
+          </a:ln>
+        </p:spPr>
+        <p:style>
+          <a:lnRef idx="2">
+            <a:schemeClr val="accent1">
+              <a:shade val="50000"/>
+            </a:schemeClr>
+          </a:lnRef>
+          <a:fillRef idx="1">
+            <a:schemeClr val="accent1"/>
+          </a:fillRef>
+          <a:effectRef idx="0">
+            <a:schemeClr val="accent1"/>
+          </a:effectRef>
+          <a:fontRef idx="minor">
+            <a:schemeClr val="lt1"/>
+          </a:fontRef>
+        </p:style>
+        <p:txBody>
+          <a:bodyPr rtlCol="0" anchor="ctr"/>
+          <a:lstStyle/>
+          <a:p>
+            <a:pPr algn="ctr"/>
+            <a:endParaRPr lang="ko-KR" altLang="en-US" sz="1600" dirty="0"/>
+          </a:p>
+        </p:txBody>
+      </p:sp>
+      <p:sp>
+        <p:nvSpPr>
+          <p:cNvPr id="10" name="TextBox 9"/>
+          <p:cNvSpPr txBox="1"/>
+          <p:nvPr/>
+        </p:nvSpPr>
+        <p:spPr>
+          <a:xfrm>
+            <a:off x="611560" y="483518"/>
+            <a:ext cx="7704856" cy="461665"/>
+          </a:xfrm>
+          <a:prstGeom prst="rect">
+            <a:avLst/>
+          </a:prstGeom>
+          <a:noFill/>
+        </p:spPr>
+        <p:txBody>
+          <a:bodyPr wrap="square" rtlCol="0">
+            <a:spAutoFit/>
+          </a:bodyPr>
+          <a:lstStyle/>
+          <a:p>
+            <a:r>
+              <a:rPr lang="ko-KR" altLang="en-US" sz="2400" dirty="0" smtClean="0">
+                <a:solidFill>
+                  <a:schemeClr val="bg1"/>
                 </a:solidFill>
                 <a:latin typeface="나눔명조" pitchFamily="18" charset="-127"/>
                 <a:ea typeface="나눔명조" pitchFamily="18" charset="-127"/>
               </a:rPr>
-              <a:t>– </a:t>
+              <a:t>상황</a:t>
+            </a:r>
+            <a:r>
+              <a:rPr lang="en-US" altLang="ko-KR" sz="2400" dirty="0" smtClean="0">
+                <a:solidFill>
+                  <a:schemeClr val="bg1"/>
+                </a:solidFill>
+                <a:latin typeface="나눔명조" pitchFamily="18" charset="-127"/>
+                <a:ea typeface="나눔명조" pitchFamily="18" charset="-127"/>
+              </a:rPr>
+              <a:t>2 – </a:t>
             </a:r>
             <a:r>
               <a:rPr lang="ko-KR" altLang="en-US" sz="2400" dirty="0" err="1" smtClean="0">
                 <a:solidFill>
-                  <a:schemeClr val="bg1">
-                    <a:lumMod val="95000"/>
-                  </a:schemeClr>
+                  <a:schemeClr val="bg1"/>
                 </a:solidFill>
                 <a:latin typeface="나눔명조" pitchFamily="18" charset="-127"/>
                 <a:ea typeface="나눔명조" pitchFamily="18" charset="-127"/>
@@ -8539,9 +10121,7 @@
             <a:r>
               <a:rPr lang="ko-KR" altLang="en-US" sz="2400" dirty="0" smtClean="0">
                 <a:solidFill>
-                  <a:schemeClr val="bg1">
-                    <a:lumMod val="95000"/>
-                  </a:schemeClr>
+                  <a:schemeClr val="bg1"/>
                 </a:solidFill>
                 <a:latin typeface="나눔명조" pitchFamily="18" charset="-127"/>
                 <a:ea typeface="나눔명조" pitchFamily="18" charset="-127"/>
@@ -8551,9 +10131,7 @@
             <a:r>
               <a:rPr lang="en-US" altLang="ko-KR" sz="2400" dirty="0" smtClean="0">
                 <a:solidFill>
-                  <a:schemeClr val="bg1">
-                    <a:lumMod val="95000"/>
-                  </a:schemeClr>
+                  <a:schemeClr val="bg1"/>
                 </a:solidFill>
                 <a:latin typeface="나눔명조" pitchFamily="18" charset="-127"/>
                 <a:ea typeface="나눔명조" pitchFamily="18" charset="-127"/>
@@ -8562,9 +10140,7 @@
             </a:r>
             <a:endParaRPr lang="ko-KR" altLang="en-US" sz="2400" dirty="0">
               <a:solidFill>
-                <a:schemeClr val="bg1">
-                  <a:lumMod val="95000"/>
-                </a:schemeClr>
+                <a:schemeClr val="bg1"/>
               </a:solidFill>
               <a:latin typeface="나눔명조" pitchFamily="18" charset="-127"/>
               <a:ea typeface="나눔명조" pitchFamily="18" charset="-127"/>
@@ -9326,14 +10902,7 @@
                   <a:latin typeface="나눔명조" pitchFamily="18" charset="-127"/>
                   <a:ea typeface="나눔명조" pitchFamily="18" charset="-127"/>
                 </a:rPr>
-                <a:t>이</a:t>
-              </a:r>
-              <a:r>
-                <a:rPr lang="ko-KR" altLang="en-US" sz="2000" b="1" dirty="0" smtClean="0">
-                  <a:latin typeface="나눔명조" pitchFamily="18" charset="-127"/>
-                  <a:ea typeface="나눔명조" pitchFamily="18" charset="-127"/>
-                </a:rPr>
-                <a:t>관</a:t>
+                <a:t>이관</a:t>
               </a:r>
               <a:endParaRPr lang="ko-KR" altLang="en-US" sz="1600" b="1" dirty="0">
                 <a:latin typeface="나눔명조" pitchFamily="18" charset="-127"/>
@@ -9343,593 +10912,6 @@
           </p:txBody>
         </p:sp>
       </p:grpSp>
-    </p:spTree>
-  </p:cSld>
-  <p:clrMapOvr>
-    <a:masterClrMapping/>
-  </p:clrMapOvr>
-  <p:timing>
-    <p:tnLst>
-      <p:par>
-        <p:cTn id="1" dur="indefinite" restart="never" nodeType="tmRoot"/>
-      </p:par>
-    </p:tnLst>
-  </p:timing>
-</p:sld>
-</file>
-
-<file path=ppt/slides/slide8.xml><?xml version="1.0" encoding="utf-8"?>
-<p:sld xmlns:a="http://schemas.openxmlformats.org/drawingml/2006/main" xmlns:r="http://schemas.openxmlformats.org/officeDocument/2006/relationships" xmlns:p="http://schemas.openxmlformats.org/presentationml/2006/main">
-  <p:cSld>
-    <p:spTree>
-      <p:nvGrpSpPr>
-        <p:cNvPr id="1" name=""/>
-        <p:cNvGrpSpPr/>
-        <p:nvPr/>
-      </p:nvGrpSpPr>
-      <p:grpSpPr>
-        <a:xfrm>
-          <a:off x="0" y="0"/>
-          <a:ext cx="0" cy="0"/>
-          <a:chOff x="0" y="0"/>
-          <a:chExt cx="0" cy="0"/>
-        </a:xfrm>
-      </p:grpSpPr>
-      <p:sp>
-        <p:nvSpPr>
-          <p:cNvPr id="16" name="평행 사변형 15"/>
-          <p:cNvSpPr/>
-          <p:nvPr/>
-        </p:nvSpPr>
-        <p:spPr>
-          <a:xfrm rot="16200000">
-            <a:off x="2000251" y="-2000251"/>
-            <a:ext cx="5143500" cy="9144001"/>
-          </a:xfrm>
-          <a:prstGeom prst="parallelogram">
-            <a:avLst>
-              <a:gd name="adj" fmla="val 7753"/>
-            </a:avLst>
-          </a:prstGeom>
-          <a:solidFill>
-            <a:srgbClr val="473F3D"/>
-          </a:solidFill>
-          <a:ln>
-            <a:noFill/>
-          </a:ln>
-        </p:spPr>
-        <p:style>
-          <a:lnRef idx="2">
-            <a:schemeClr val="accent1">
-              <a:shade val="50000"/>
-            </a:schemeClr>
-          </a:lnRef>
-          <a:fillRef idx="1">
-            <a:schemeClr val="accent1"/>
-          </a:fillRef>
-          <a:effectRef idx="0">
-            <a:schemeClr val="accent1"/>
-          </a:effectRef>
-          <a:fontRef idx="minor">
-            <a:schemeClr val="lt1"/>
-          </a:fontRef>
-        </p:style>
-        <p:txBody>
-          <a:bodyPr rtlCol="0" anchor="ctr"/>
-          <a:lstStyle/>
-          <a:p>
-            <a:pPr algn="ctr"/>
-            <a:endParaRPr lang="ko-KR" altLang="en-US" sz="1600" dirty="0"/>
-          </a:p>
-        </p:txBody>
-      </p:sp>
-      <p:sp>
-        <p:nvSpPr>
-          <p:cNvPr id="10" name="TextBox 9"/>
-          <p:cNvSpPr txBox="1"/>
-          <p:nvPr/>
-        </p:nvSpPr>
-        <p:spPr>
-          <a:xfrm>
-            <a:off x="611560" y="483518"/>
-            <a:ext cx="7704856" cy="461665"/>
-          </a:xfrm>
-          <a:prstGeom prst="rect">
-            <a:avLst/>
-          </a:prstGeom>
-          <a:noFill/>
-        </p:spPr>
-        <p:txBody>
-          <a:bodyPr wrap="square" rtlCol="0">
-            <a:spAutoFit/>
-          </a:bodyPr>
-          <a:lstStyle/>
-          <a:p>
-            <a:r>
-              <a:rPr lang="ko-KR" altLang="en-US" sz="2400" dirty="0" smtClean="0">
-                <a:solidFill>
-                  <a:schemeClr val="bg1">
-                    <a:lumMod val="95000"/>
-                  </a:schemeClr>
-                </a:solidFill>
-                <a:latin typeface="나눔명조" pitchFamily="18" charset="-127"/>
-                <a:ea typeface="나눔명조" pitchFamily="18" charset="-127"/>
-              </a:rPr>
-              <a:t>상황</a:t>
-            </a:r>
-            <a:r>
-              <a:rPr lang="en-US" altLang="ko-KR" sz="2400" dirty="0" smtClean="0">
-                <a:solidFill>
-                  <a:schemeClr val="bg1">
-                    <a:lumMod val="95000"/>
-                  </a:schemeClr>
-                </a:solidFill>
-                <a:latin typeface="나눔명조" pitchFamily="18" charset="-127"/>
-                <a:ea typeface="나눔명조" pitchFamily="18" charset="-127"/>
-              </a:rPr>
-              <a:t>3</a:t>
-            </a:r>
-            <a:r>
-              <a:rPr lang="en-US" altLang="ko-KR" sz="2400" dirty="0" smtClean="0">
-                <a:solidFill>
-                  <a:schemeClr val="bg1">
-                    <a:lumMod val="95000"/>
-                  </a:schemeClr>
-                </a:solidFill>
-                <a:latin typeface="나눔명조" pitchFamily="18" charset="-127"/>
-                <a:ea typeface="나눔명조" pitchFamily="18" charset="-127"/>
-              </a:rPr>
-              <a:t> </a:t>
-            </a:r>
-            <a:r>
-              <a:rPr lang="en-US" altLang="ko-KR" sz="2400" dirty="0" smtClean="0">
-                <a:solidFill>
-                  <a:schemeClr val="bg1">
-                    <a:lumMod val="95000"/>
-                  </a:schemeClr>
-                </a:solidFill>
-                <a:latin typeface="나눔명조" pitchFamily="18" charset="-127"/>
-                <a:ea typeface="나눔명조" pitchFamily="18" charset="-127"/>
-              </a:rPr>
-              <a:t>– 1</a:t>
-            </a:r>
-            <a:r>
-              <a:rPr lang="ko-KR" altLang="en-US" sz="2400" dirty="0" smtClean="0">
-                <a:solidFill>
-                  <a:schemeClr val="bg1">
-                    <a:lumMod val="95000"/>
-                  </a:schemeClr>
-                </a:solidFill>
-                <a:latin typeface="나눔명조" pitchFamily="18" charset="-127"/>
-                <a:ea typeface="나눔명조" pitchFamily="18" charset="-127"/>
-              </a:rPr>
-              <a:t>이관</a:t>
-            </a:r>
-            <a:r>
-              <a:rPr lang="en-US" altLang="ko-KR" sz="2400" dirty="0" smtClean="0">
-                <a:solidFill>
-                  <a:schemeClr val="bg1">
-                    <a:lumMod val="95000"/>
-                  </a:schemeClr>
-                </a:solidFill>
-                <a:latin typeface="나눔명조" pitchFamily="18" charset="-127"/>
-                <a:ea typeface="나눔명조" pitchFamily="18" charset="-127"/>
-              </a:rPr>
-              <a:t> </a:t>
-            </a:r>
-            <a:r>
-              <a:rPr lang="ko-KR" altLang="en-US" sz="2400" dirty="0" smtClean="0">
-                <a:solidFill>
-                  <a:schemeClr val="bg1">
-                    <a:lumMod val="95000"/>
-                  </a:schemeClr>
-                </a:solidFill>
-                <a:latin typeface="나눔명조" pitchFamily="18" charset="-127"/>
-                <a:ea typeface="나눔명조" pitchFamily="18" charset="-127"/>
-              </a:rPr>
-              <a:t>당 많은 요구사항</a:t>
-            </a:r>
-            <a:r>
-              <a:rPr lang="en-US" altLang="ko-KR" sz="2400" dirty="0" smtClean="0">
-                <a:solidFill>
-                  <a:schemeClr val="bg1">
-                    <a:lumMod val="95000"/>
-                  </a:schemeClr>
-                </a:solidFill>
-                <a:latin typeface="나눔명조" pitchFamily="18" charset="-127"/>
-                <a:ea typeface="나눔명조" pitchFamily="18" charset="-127"/>
-              </a:rPr>
-              <a:t>&amp;</a:t>
-            </a:r>
-            <a:r>
-              <a:rPr lang="ko-KR" altLang="en-US" sz="2400" dirty="0" smtClean="0">
-                <a:solidFill>
-                  <a:schemeClr val="bg1">
-                    <a:lumMod val="95000"/>
-                  </a:schemeClr>
-                </a:solidFill>
-                <a:latin typeface="나눔명조" pitchFamily="18" charset="-127"/>
-                <a:ea typeface="나눔명조" pitchFamily="18" charset="-127"/>
-              </a:rPr>
-              <a:t>소스변경</a:t>
-            </a:r>
-            <a:endParaRPr lang="ko-KR" altLang="en-US" sz="2400" dirty="0">
-              <a:solidFill>
-                <a:schemeClr val="bg1">
-                  <a:lumMod val="95000"/>
-                </a:schemeClr>
-              </a:solidFill>
-              <a:latin typeface="나눔명조" pitchFamily="18" charset="-127"/>
-              <a:ea typeface="나눔명조" pitchFamily="18" charset="-127"/>
-            </a:endParaRPr>
-          </a:p>
-        </p:txBody>
-      </p:sp>
-      <p:cxnSp>
-        <p:nvCxnSpPr>
-          <p:cNvPr id="11" name="직선 연결선 10"/>
-          <p:cNvCxnSpPr/>
-          <p:nvPr/>
-        </p:nvCxnSpPr>
-        <p:spPr>
-          <a:xfrm>
-            <a:off x="539552" y="915566"/>
-            <a:ext cx="8136904" cy="0"/>
-          </a:xfrm>
-          <a:prstGeom prst="line">
-            <a:avLst/>
-          </a:prstGeom>
-          <a:ln w="12700">
-            <a:solidFill>
-              <a:schemeClr val="bg1"/>
-            </a:solidFill>
-          </a:ln>
-        </p:spPr>
-        <p:style>
-          <a:lnRef idx="1">
-            <a:schemeClr val="accent1"/>
-          </a:lnRef>
-          <a:fillRef idx="0">
-            <a:schemeClr val="accent1"/>
-          </a:fillRef>
-          <a:effectRef idx="0">
-            <a:schemeClr val="accent1"/>
-          </a:effectRef>
-          <a:fontRef idx="minor">
-            <a:schemeClr val="tx1"/>
-          </a:fontRef>
-        </p:style>
-      </p:cxnSp>
-      <p:cxnSp>
-        <p:nvCxnSpPr>
-          <p:cNvPr id="12" name="직선 연결선 11"/>
-          <p:cNvCxnSpPr/>
-          <p:nvPr/>
-        </p:nvCxnSpPr>
-        <p:spPr>
-          <a:xfrm>
-            <a:off x="467544" y="4299942"/>
-            <a:ext cx="8136904" cy="0"/>
-          </a:xfrm>
-          <a:prstGeom prst="line">
-            <a:avLst/>
-          </a:prstGeom>
-          <a:ln w="12700">
-            <a:solidFill>
-              <a:schemeClr val="bg1"/>
-            </a:solidFill>
-          </a:ln>
-        </p:spPr>
-        <p:style>
-          <a:lnRef idx="1">
-            <a:schemeClr val="accent1"/>
-          </a:lnRef>
-          <a:fillRef idx="0">
-            <a:schemeClr val="accent1"/>
-          </a:fillRef>
-          <a:effectRef idx="0">
-            <a:schemeClr val="accent1"/>
-          </a:effectRef>
-          <a:fontRef idx="minor">
-            <a:schemeClr val="tx1"/>
-          </a:fontRef>
-        </p:style>
-      </p:cxnSp>
-      <p:cxnSp>
-        <p:nvCxnSpPr>
-          <p:cNvPr id="14" name="직선 연결선 13"/>
-          <p:cNvCxnSpPr/>
-          <p:nvPr/>
-        </p:nvCxnSpPr>
-        <p:spPr>
-          <a:xfrm>
-            <a:off x="467544" y="915566"/>
-            <a:ext cx="8208912" cy="0"/>
-          </a:xfrm>
-          <a:prstGeom prst="line">
-            <a:avLst/>
-          </a:prstGeom>
-          <a:ln w="12700">
-            <a:solidFill>
-              <a:schemeClr val="bg1"/>
-            </a:solidFill>
-          </a:ln>
-        </p:spPr>
-        <p:style>
-          <a:lnRef idx="1">
-            <a:schemeClr val="accent1"/>
-          </a:lnRef>
-          <a:fillRef idx="0">
-            <a:schemeClr val="accent1"/>
-          </a:fillRef>
-          <a:effectRef idx="0">
-            <a:schemeClr val="accent1"/>
-          </a:effectRef>
-          <a:fontRef idx="minor">
-            <a:schemeClr val="tx1"/>
-          </a:fontRef>
-        </p:style>
-      </p:cxnSp>
-      <p:cxnSp>
-        <p:nvCxnSpPr>
-          <p:cNvPr id="15" name="직선 연결선 14"/>
-          <p:cNvCxnSpPr/>
-          <p:nvPr/>
-        </p:nvCxnSpPr>
-        <p:spPr>
-          <a:xfrm>
-            <a:off x="467544" y="4299942"/>
-            <a:ext cx="8208912" cy="0"/>
-          </a:xfrm>
-          <a:prstGeom prst="line">
-            <a:avLst/>
-          </a:prstGeom>
-          <a:ln w="12700">
-            <a:solidFill>
-              <a:schemeClr val="bg1"/>
-            </a:solidFill>
-          </a:ln>
-        </p:spPr>
-        <p:style>
-          <a:lnRef idx="1">
-            <a:schemeClr val="accent1"/>
-          </a:lnRef>
-          <a:fillRef idx="0">
-            <a:schemeClr val="accent1"/>
-          </a:fillRef>
-          <a:effectRef idx="0">
-            <a:schemeClr val="accent1"/>
-          </a:effectRef>
-          <a:fontRef idx="minor">
-            <a:schemeClr val="tx1"/>
-          </a:fontRef>
-        </p:style>
-      </p:cxnSp>
-      <p:pic>
-        <p:nvPicPr>
-          <p:cNvPr id="21506" name="Picture 2" descr="filesì ëí ì´ë¯¸ì§ ê²ìê²°ê³¼"/>
-          <p:cNvPicPr>
-            <a:picLocks noChangeAspect="1" noChangeArrowheads="1"/>
-          </p:cNvPicPr>
-          <p:nvPr/>
-        </p:nvPicPr>
-        <p:blipFill>
-          <a:blip r:embed="rId2" cstate="print"/>
-          <a:stretch>
-            <a:fillRect/>
-          </a:stretch>
-        </p:blipFill>
-        <p:spPr bwMode="auto">
-          <a:xfrm>
-            <a:off x="1619672" y="1347614"/>
-            <a:ext cx="2419738" cy="2482652"/>
-          </a:xfrm>
-          <a:prstGeom prst="rect">
-            <a:avLst/>
-          </a:prstGeom>
-          <a:noFill/>
-          <a:ln>
-            <a:noFill/>
-          </a:ln>
-          <a:effectLst>
-            <a:outerShdw blurRad="76200" dir="18900000" sy="23000" kx="-1200000" algn="bl" rotWithShape="0">
-              <a:prstClr val="black">
-                <a:alpha val="20000"/>
-              </a:prstClr>
-            </a:outerShdw>
-          </a:effectLst>
-        </p:spPr>
-      </p:pic>
-      <p:sp>
-        <p:nvSpPr>
-          <p:cNvPr id="13" name="TextBox 12"/>
-          <p:cNvSpPr txBox="1"/>
-          <p:nvPr/>
-        </p:nvSpPr>
-        <p:spPr>
-          <a:xfrm>
-            <a:off x="3923928" y="2283718"/>
-            <a:ext cx="4608512" cy="707886"/>
-          </a:xfrm>
-          <a:prstGeom prst="rect">
-            <a:avLst/>
-          </a:prstGeom>
-          <a:noFill/>
-        </p:spPr>
-        <p:txBody>
-          <a:bodyPr wrap="square" rtlCol="0">
-            <a:spAutoFit/>
-          </a:bodyPr>
-          <a:lstStyle/>
-          <a:p>
-            <a:pPr algn="ctr"/>
-            <a:r>
-              <a:rPr lang="ko-KR" altLang="en-US" sz="2000" dirty="0" smtClean="0">
-                <a:solidFill>
-                  <a:schemeClr val="bg1">
-                    <a:lumMod val="95000"/>
-                  </a:schemeClr>
-                </a:solidFill>
-                <a:latin typeface="나눔명조" pitchFamily="18" charset="-127"/>
-                <a:ea typeface="나눔명조" pitchFamily="18" charset="-127"/>
-              </a:rPr>
-              <a:t>기능</a:t>
-            </a:r>
-            <a:r>
-              <a:rPr lang="en-US" altLang="ko-KR" sz="2000" dirty="0" smtClean="0">
-                <a:solidFill>
-                  <a:schemeClr val="bg1">
-                    <a:lumMod val="95000"/>
-                  </a:schemeClr>
-                </a:solidFill>
-                <a:latin typeface="나눔명조" pitchFamily="18" charset="-127"/>
-                <a:ea typeface="나눔명조" pitchFamily="18" charset="-127"/>
-              </a:rPr>
-              <a:t>1</a:t>
-            </a:r>
-            <a:r>
-              <a:rPr lang="ko-KR" altLang="en-US" sz="2000" dirty="0" smtClean="0">
-                <a:solidFill>
-                  <a:schemeClr val="bg1">
-                    <a:lumMod val="95000"/>
-                  </a:schemeClr>
-                </a:solidFill>
-                <a:latin typeface="나눔명조" pitchFamily="18" charset="-127"/>
-                <a:ea typeface="나눔명조" pitchFamily="18" charset="-127"/>
-              </a:rPr>
-              <a:t> 관련해서 어떤 </a:t>
-            </a:r>
-            <a:endParaRPr lang="en-US" altLang="ko-KR" sz="2000" dirty="0" smtClean="0">
-              <a:solidFill>
-                <a:schemeClr val="bg1">
-                  <a:lumMod val="95000"/>
-                </a:schemeClr>
-              </a:solidFill>
-              <a:latin typeface="나눔명조" pitchFamily="18" charset="-127"/>
-              <a:ea typeface="나눔명조" pitchFamily="18" charset="-127"/>
-            </a:endParaRPr>
-          </a:p>
-          <a:p>
-            <a:pPr algn="ctr"/>
-            <a:r>
-              <a:rPr lang="ko-KR" altLang="en-US" sz="2000" dirty="0" smtClean="0">
-                <a:solidFill>
-                  <a:schemeClr val="bg1">
-                    <a:lumMod val="95000"/>
-                  </a:schemeClr>
-                </a:solidFill>
-                <a:latin typeface="나눔명조" pitchFamily="18" charset="-127"/>
-                <a:ea typeface="나눔명조" pitchFamily="18" charset="-127"/>
-              </a:rPr>
-              <a:t>파일들이 </a:t>
-            </a:r>
-            <a:r>
-              <a:rPr lang="ko-KR" altLang="en-US" sz="2000" dirty="0" err="1" smtClean="0">
-                <a:solidFill>
-                  <a:schemeClr val="bg1">
-                    <a:lumMod val="95000"/>
-                  </a:schemeClr>
-                </a:solidFill>
-                <a:latin typeface="나눔명조" pitchFamily="18" charset="-127"/>
-                <a:ea typeface="나눔명조" pitchFamily="18" charset="-127"/>
-              </a:rPr>
-              <a:t>수정된거지</a:t>
-            </a:r>
-            <a:r>
-              <a:rPr lang="en-US" altLang="ko-KR" sz="2000" dirty="0" smtClean="0">
-                <a:solidFill>
-                  <a:schemeClr val="bg1">
-                    <a:lumMod val="95000"/>
-                  </a:schemeClr>
-                </a:solidFill>
-                <a:latin typeface="나눔명조" pitchFamily="18" charset="-127"/>
-                <a:ea typeface="나눔명조" pitchFamily="18" charset="-127"/>
-              </a:rPr>
-              <a:t>?</a:t>
-            </a:r>
-            <a:endParaRPr lang="ko-KR" altLang="en-US" sz="2000" dirty="0">
-              <a:solidFill>
-                <a:schemeClr val="bg1">
-                  <a:lumMod val="95000"/>
-                </a:schemeClr>
-              </a:solidFill>
-              <a:latin typeface="나눔명조" pitchFamily="18" charset="-127"/>
-              <a:ea typeface="나눔명조" pitchFamily="18" charset="-127"/>
-            </a:endParaRPr>
-          </a:p>
-        </p:txBody>
-      </p:sp>
-      <p:sp>
-        <p:nvSpPr>
-          <p:cNvPr id="17" name="TextBox 16"/>
-          <p:cNvSpPr txBox="1"/>
-          <p:nvPr/>
-        </p:nvSpPr>
-        <p:spPr>
-          <a:xfrm>
-            <a:off x="1331640" y="3867894"/>
-            <a:ext cx="3024336" cy="276999"/>
-          </a:xfrm>
-          <a:prstGeom prst="rect">
-            <a:avLst/>
-          </a:prstGeom>
-          <a:noFill/>
-        </p:spPr>
-        <p:txBody>
-          <a:bodyPr wrap="square" rtlCol="0">
-            <a:spAutoFit/>
-          </a:bodyPr>
-          <a:lstStyle/>
-          <a:p>
-            <a:pPr algn="ctr"/>
-            <a:r>
-              <a:rPr lang="ko-KR" altLang="en-US" sz="1200" dirty="0" smtClean="0">
-                <a:solidFill>
-                  <a:schemeClr val="bg1">
-                    <a:lumMod val="75000"/>
-                  </a:schemeClr>
-                </a:solidFill>
-                <a:latin typeface="나눔명조" pitchFamily="18" charset="-127"/>
-                <a:ea typeface="나눔명조" pitchFamily="18" charset="-127"/>
-              </a:rPr>
-              <a:t>기능</a:t>
-            </a:r>
-            <a:r>
-              <a:rPr lang="en-US" altLang="ko-KR" sz="1200" dirty="0" smtClean="0">
-                <a:solidFill>
-                  <a:schemeClr val="bg1">
-                    <a:lumMod val="75000"/>
-                  </a:schemeClr>
-                </a:solidFill>
-                <a:latin typeface="나눔명조" pitchFamily="18" charset="-127"/>
-                <a:ea typeface="나눔명조" pitchFamily="18" charset="-127"/>
-              </a:rPr>
-              <a:t>1, 2, 3, 4, 5 </a:t>
-            </a:r>
-            <a:r>
-              <a:rPr lang="ko-KR" altLang="en-US" sz="1200" dirty="0" smtClean="0">
-                <a:solidFill>
-                  <a:schemeClr val="bg1">
-                    <a:lumMod val="75000"/>
-                  </a:schemeClr>
-                </a:solidFill>
-                <a:latin typeface="나눔명조" pitchFamily="18" charset="-127"/>
-                <a:ea typeface="나눔명조" pitchFamily="18" charset="-127"/>
-              </a:rPr>
-              <a:t>개발에 수정된 파일목록</a:t>
-            </a:r>
-            <a:endParaRPr lang="ko-KR" altLang="en-US" sz="1200" dirty="0">
-              <a:solidFill>
-                <a:schemeClr val="bg1">
-                  <a:lumMod val="75000"/>
-                </a:schemeClr>
-              </a:solidFill>
-              <a:latin typeface="나눔명조" pitchFamily="18" charset="-127"/>
-              <a:ea typeface="나눔명조" pitchFamily="18" charset="-127"/>
-            </a:endParaRPr>
-          </a:p>
-        </p:txBody>
-      </p:sp>
     </p:spTree>
   </p:cSld>
   <p:clrMapOvr>
@@ -10035,9 +11017,7 @@
             <a:r>
               <a:rPr lang="ko-KR" altLang="en-US" sz="2400" dirty="0" smtClean="0">
                 <a:solidFill>
-                  <a:schemeClr val="bg1">
-                    <a:lumMod val="95000"/>
-                  </a:schemeClr>
+                  <a:schemeClr val="bg1"/>
                 </a:solidFill>
                 <a:latin typeface="나눔명조" pitchFamily="18" charset="-127"/>
                 <a:ea typeface="나눔명조" pitchFamily="18" charset="-127"/>
@@ -10047,21 +11027,27 @@
             <a:r>
               <a:rPr lang="en-US" altLang="ko-KR" sz="2400" dirty="0" smtClean="0">
                 <a:solidFill>
-                  <a:schemeClr val="bg1">
-                    <a:lumMod val="95000"/>
-                  </a:schemeClr>
+                  <a:schemeClr val="bg1"/>
                 </a:solidFill>
                 <a:latin typeface="나눔명조" pitchFamily="18" charset="-127"/>
                 <a:ea typeface="나눔명조" pitchFamily="18" charset="-127"/>
               </a:rPr>
-              <a:t>4</a:t>
+              <a:t>3 – </a:t>
+            </a:r>
+            <a:r>
+              <a:rPr lang="ko-KR" altLang="en-US" sz="2400" dirty="0" smtClean="0">
+                <a:solidFill>
+                  <a:schemeClr val="bg1"/>
+                </a:solidFill>
+                <a:latin typeface="나눔명조" pitchFamily="18" charset="-127"/>
+                <a:ea typeface="나눔명조" pitchFamily="18" charset="-127"/>
+              </a:rPr>
+              <a:t>이관</a:t>
             </a:r>
             <a:r>
               <a:rPr lang="en-US" altLang="ko-KR" sz="2400" dirty="0" smtClean="0">
                 <a:solidFill>
-                  <a:schemeClr val="bg1">
-                    <a:lumMod val="95000"/>
-                  </a:schemeClr>
+                  <a:schemeClr val="bg1"/>
                 </a:solidFill>
                 <a:latin typeface="나눔명조" pitchFamily="18" charset="-127"/>
                 <a:ea typeface="나눔명조" pitchFamily="18" charset="-127"/>
@@ -10069,46 +11055,38 @@
               <a:t> </a:t>
             </a:r>
             <a:r>
-              <a:rPr lang="en-US" altLang="ko-KR" sz="2400" dirty="0" smtClean="0">
-                <a:solidFill>
-                  <a:schemeClr val="bg1">
-                    <a:lumMod val="95000"/>
-                  </a:schemeClr>
+              <a:rPr lang="ko-KR" altLang="en-US" sz="2400" dirty="0" smtClean="0">
+                <a:solidFill>
+                  <a:schemeClr val="bg1"/>
                 </a:solidFill>
                 <a:latin typeface="나눔명조" pitchFamily="18" charset="-127"/>
                 <a:ea typeface="나눔명조" pitchFamily="18" charset="-127"/>
               </a:rPr>
-              <a:t>– </a:t>
-            </a:r>
-            <a:r>
-              <a:rPr lang="ko-KR" altLang="en-US" sz="2400" dirty="0" smtClean="0">
-                <a:solidFill>
-                  <a:schemeClr val="bg1">
-                    <a:lumMod val="95000"/>
-                  </a:schemeClr>
+              <a:t>당 많은 요구사항</a:t>
+            </a:r>
+            <a:r>
+              <a:rPr lang="en-US" altLang="ko-KR" sz="2400" dirty="0" smtClean="0">
+                <a:solidFill>
+                  <a:schemeClr val="bg1"/>
                 </a:solidFill>
                 <a:latin typeface="나눔명조" pitchFamily="18" charset="-127"/>
                 <a:ea typeface="나눔명조" pitchFamily="18" charset="-127"/>
               </a:rPr>
-              <a:t>하나의 기능도 여러 방법으로 개발가능</a:t>
-            </a:r>
-            <a:r>
-              <a:rPr lang="en-US" altLang="ko-KR" sz="2400" dirty="0" smtClean="0">
-                <a:solidFill>
-                  <a:schemeClr val="bg1">
-                    <a:lumMod val="95000"/>
-                  </a:schemeClr>
+              <a:t>&amp;</a:t>
+            </a:r>
+            <a:r>
+              <a:rPr lang="ko-KR" altLang="en-US" sz="2400" dirty="0" smtClean="0">
+                <a:solidFill>
+                  <a:schemeClr val="bg1"/>
                 </a:solidFill>
                 <a:latin typeface="나눔명조" pitchFamily="18" charset="-127"/>
                 <a:ea typeface="나눔명조" pitchFamily="18" charset="-127"/>
               </a:rPr>
-              <a:t>.</a:t>
+              <a:t>소스변경</a:t>
             </a:r>
             <a:endParaRPr lang="ko-KR" altLang="en-US" sz="2400" dirty="0">
               <a:solidFill>
-                <a:schemeClr val="bg1">
-                  <a:lumMod val="95000"/>
-                </a:schemeClr>
+                <a:schemeClr val="bg1"/>
               </a:solidFill>
               <a:latin typeface="나눔명조" pitchFamily="18" charset="-127"/>
               <a:ea typeface="나눔명조" pitchFamily="18" charset="-127"/>

--- a/git발표.pptx
+++ b/git발표.pptx
@@ -19,6 +19,9 @@
     <p:sldId id="258" r:id="rId13"/>
     <p:sldId id="270" r:id="rId14"/>
     <p:sldId id="271" r:id="rId15"/>
+    <p:sldId id="272" r:id="rId16"/>
+    <p:sldId id="273" r:id="rId17"/>
+    <p:sldId id="274" r:id="rId18"/>
   </p:sldIdLst>
   <p:sldSz cx="9144000" cy="5143500" type="screen16x9"/>
   <p:notesSz cx="6858000" cy="9144000"/>
@@ -4417,7 +4420,7 @@
                 <a:latin typeface="나눔명조" pitchFamily="18" charset="-127"/>
                 <a:ea typeface="나눔명조" pitchFamily="18" charset="-127"/>
               </a:rPr>
-              <a:t>시스템</a:t>
+              <a:t>시스템 </a:t>
             </a:r>
             <a:r>
               <a:rPr lang="en-US" altLang="ko-KR" sz="2400" dirty="0" smtClean="0">
@@ -4427,7 +4430,7 @@
                 <a:latin typeface="나눔명조" pitchFamily="18" charset="-127"/>
                 <a:ea typeface="나눔명조" pitchFamily="18" charset="-127"/>
               </a:rPr>
-              <a:t> </a:t>
+              <a:t>(JAS) </a:t>
             </a:r>
             <a:endParaRPr lang="ko-KR" altLang="en-US" sz="2400" dirty="0">
               <a:solidFill>
@@ -4869,7 +4872,7 @@
         <p:spPr>
           <a:xfrm>
             <a:off x="611560" y="483518"/>
-            <a:ext cx="4608512" cy="461665"/>
+            <a:ext cx="5904656" cy="461665"/>
           </a:xfrm>
           <a:prstGeom prst="rect">
             <a:avLst/>
@@ -4883,14 +4886,14 @@
           <a:lstStyle/>
           <a:p>
             <a:r>
-              <a:rPr lang="ko-KR" altLang="en-US" sz="2400" dirty="0" smtClean="0">
+              <a:rPr lang="en-US" altLang="ko-KR" sz="2400" dirty="0" err="1" smtClean="0">
                 <a:solidFill>
                   <a:schemeClr val="bg1"/>
                 </a:solidFill>
                 <a:latin typeface="나눔명조" pitchFamily="18" charset="-127"/>
                 <a:ea typeface="나눔명조" pitchFamily="18" charset="-127"/>
               </a:rPr>
-              <a:t>준비물 </a:t>
+              <a:t>git</a:t>
             </a:r>
             <a:r>
               <a:rPr lang="en-US" altLang="ko-KR" sz="2400" dirty="0" smtClean="0">
@@ -4900,27 +4903,7 @@
                 <a:latin typeface="나눔명조" pitchFamily="18" charset="-127"/>
                 <a:ea typeface="나눔명조" pitchFamily="18" charset="-127"/>
               </a:rPr>
-              <a:t>: just-alert </a:t>
-            </a:r>
-            <a:r>
-              <a:rPr lang="ko-KR" altLang="en-US" sz="2400" dirty="0" smtClean="0">
-                <a:solidFill>
-                  <a:schemeClr val="bg1"/>
-                </a:solidFill>
-                <a:latin typeface="나눔명조" pitchFamily="18" charset="-127"/>
-                <a:ea typeface="나눔명조" pitchFamily="18" charset="-127"/>
-              </a:rPr>
-              <a:t>시스템</a:t>
-            </a:r>
-            <a:r>
-              <a:rPr lang="en-US" altLang="ko-KR" sz="2400" dirty="0" smtClean="0">
-                <a:solidFill>
-                  <a:schemeClr val="bg1"/>
-                </a:solidFill>
-                <a:latin typeface="나눔명조" pitchFamily="18" charset="-127"/>
-                <a:ea typeface="나눔명조" pitchFamily="18" charset="-127"/>
-              </a:rPr>
-              <a:t> </a:t>
+              <a:t> clone</a:t>
             </a:r>
             <a:endParaRPr lang="ko-KR" altLang="en-US" sz="2400" dirty="0">
               <a:solidFill>
@@ -5072,9 +5055,55 @@
           </a:fontRef>
         </p:style>
       </p:cxnSp>
+      <p:sp>
+        <p:nvSpPr>
+          <p:cNvPr id="13" name="TextBox 12"/>
+          <p:cNvSpPr txBox="1"/>
+          <p:nvPr/>
+        </p:nvSpPr>
+        <p:spPr>
+          <a:xfrm>
+            <a:off x="2123728" y="2058402"/>
+            <a:ext cx="5040560" cy="369332"/>
+          </a:xfrm>
+          <a:prstGeom prst="rect">
+            <a:avLst/>
+          </a:prstGeom>
+          <a:noFill/>
+        </p:spPr>
+        <p:txBody>
+          <a:bodyPr wrap="square" rtlCol="0">
+            <a:spAutoFit/>
+          </a:bodyPr>
+          <a:lstStyle/>
+          <a:p>
+            <a:r>
+              <a:rPr lang="en-US" altLang="ko-KR" dirty="0" smtClean="0">
+                <a:solidFill>
+                  <a:schemeClr val="bg1">
+                    <a:lumMod val="75000"/>
+                  </a:schemeClr>
+                </a:solidFill>
+                <a:latin typeface="나눔명조" pitchFamily="18" charset="-127"/>
+                <a:ea typeface="나눔명조" pitchFamily="18" charset="-127"/>
+              </a:rPr>
+              <a:t>https://github.com/MinSikMoon/just-alert.git</a:t>
+            </a:r>
+            <a:endParaRPr lang="ko-KR" altLang="en-US" dirty="0">
+              <a:solidFill>
+                <a:schemeClr val="bg1">
+                  <a:lumMod val="75000"/>
+                </a:schemeClr>
+              </a:solidFill>
+              <a:latin typeface="나눔명조" pitchFamily="18" charset="-127"/>
+              <a:ea typeface="나눔명조" pitchFamily="18" charset="-127"/>
+            </a:endParaRPr>
+          </a:p>
+        </p:txBody>
+      </p:sp>
       <p:pic>
         <p:nvPicPr>
-          <p:cNvPr id="2" name="Picture 2"/>
+          <p:cNvPr id="2050" name="Picture 2"/>
           <p:cNvPicPr>
             <a:picLocks noChangeAspect="1" noChangeArrowheads="1"/>
           </p:cNvPicPr>
@@ -5082,15 +5111,989 @@
         </p:nvPicPr>
         <p:blipFill>
           <a:blip r:embed="rId2" cstate="print"/>
-          <a:srcRect l="10704" t="2976" r="11690" b="46426"/>
+          <a:srcRect l="1862"/>
           <a:stretch>
             <a:fillRect/>
           </a:stretch>
         </p:blipFill>
         <p:spPr bwMode="auto">
           <a:xfrm>
-            <a:off x="1619672" y="2355726"/>
-            <a:ext cx="4176464" cy="1224136"/>
+            <a:off x="1360655" y="2715766"/>
+            <a:ext cx="6451705" cy="874390"/>
+          </a:xfrm>
+          <a:prstGeom prst="rect">
+            <a:avLst/>
+          </a:prstGeom>
+          <a:noFill/>
+          <a:ln w="9525">
+            <a:noFill/>
+            <a:miter lim="800000"/>
+            <a:headEnd/>
+            <a:tailEnd/>
+          </a:ln>
+          <a:effectLst>
+            <a:outerShdw blurRad="50800" dist="38100" dir="2700000" algn="tl" rotWithShape="0">
+              <a:prstClr val="black">
+                <a:alpha val="40000"/>
+              </a:prstClr>
+            </a:outerShdw>
+          </a:effectLst>
+        </p:spPr>
+      </p:pic>
+      <p:sp>
+        <p:nvSpPr>
+          <p:cNvPr id="17" name="TextBox 16"/>
+          <p:cNvSpPr txBox="1"/>
+          <p:nvPr/>
+        </p:nvSpPr>
+        <p:spPr>
+          <a:xfrm>
+            <a:off x="2051720" y="1554346"/>
+            <a:ext cx="5040560" cy="369332"/>
+          </a:xfrm>
+          <a:prstGeom prst="rect">
+            <a:avLst/>
+          </a:prstGeom>
+          <a:noFill/>
+        </p:spPr>
+        <p:txBody>
+          <a:bodyPr wrap="square" rtlCol="0">
+            <a:spAutoFit/>
+          </a:bodyPr>
+          <a:lstStyle/>
+          <a:p>
+            <a:pPr algn="ctr"/>
+            <a:r>
+              <a:rPr lang="en-US" altLang="ko-KR" dirty="0" smtClean="0">
+                <a:solidFill>
+                  <a:schemeClr val="bg1">
+                    <a:lumMod val="75000"/>
+                  </a:schemeClr>
+                </a:solidFill>
+                <a:latin typeface="나눔명조" pitchFamily="18" charset="-127"/>
+                <a:ea typeface="나눔명조" pitchFamily="18" charset="-127"/>
+              </a:rPr>
+              <a:t>“</a:t>
+            </a:r>
+            <a:r>
+              <a:rPr lang="ko-KR" altLang="en-US" dirty="0" err="1" smtClean="0">
+                <a:solidFill>
+                  <a:schemeClr val="bg1">
+                    <a:lumMod val="75000"/>
+                  </a:schemeClr>
+                </a:solidFill>
+                <a:latin typeface="나눔명조" pitchFamily="18" charset="-127"/>
+                <a:ea typeface="나눔명조" pitchFamily="18" charset="-127"/>
+              </a:rPr>
+              <a:t>리모트에서</a:t>
+            </a:r>
+            <a:r>
+              <a:rPr lang="ko-KR" altLang="en-US" dirty="0" smtClean="0">
+                <a:solidFill>
+                  <a:schemeClr val="bg1">
+                    <a:lumMod val="75000"/>
+                  </a:schemeClr>
+                </a:solidFill>
+                <a:latin typeface="나눔명조" pitchFamily="18" charset="-127"/>
+                <a:ea typeface="나눔명조" pitchFamily="18" charset="-127"/>
+              </a:rPr>
+              <a:t> 프로젝트 가져가세요</a:t>
+            </a:r>
+            <a:r>
+              <a:rPr lang="en-US" altLang="ko-KR" dirty="0" smtClean="0">
+                <a:solidFill>
+                  <a:schemeClr val="bg1">
+                    <a:lumMod val="75000"/>
+                  </a:schemeClr>
+                </a:solidFill>
+                <a:latin typeface="나눔명조" pitchFamily="18" charset="-127"/>
+                <a:ea typeface="나눔명조" pitchFamily="18" charset="-127"/>
+              </a:rPr>
+              <a:t>.”</a:t>
+            </a:r>
+            <a:endParaRPr lang="ko-KR" altLang="en-US" dirty="0">
+              <a:solidFill>
+                <a:schemeClr val="bg1">
+                  <a:lumMod val="75000"/>
+                </a:schemeClr>
+              </a:solidFill>
+              <a:latin typeface="나눔명조" pitchFamily="18" charset="-127"/>
+              <a:ea typeface="나눔명조" pitchFamily="18" charset="-127"/>
+            </a:endParaRPr>
+          </a:p>
+        </p:txBody>
+      </p:sp>
+    </p:spTree>
+  </p:cSld>
+  <p:clrMapOvr>
+    <a:masterClrMapping/>
+  </p:clrMapOvr>
+  <p:timing>
+    <p:tnLst>
+      <p:par>
+        <p:cTn id="1" dur="indefinite" restart="never" nodeType="tmRoot"/>
+      </p:par>
+    </p:tnLst>
+  </p:timing>
+</p:sld>
+</file>
+
+<file path=ppt/slides/slide15.xml><?xml version="1.0" encoding="utf-8"?>
+<p:sld xmlns:a="http://schemas.openxmlformats.org/drawingml/2006/main" xmlns:r="http://schemas.openxmlformats.org/officeDocument/2006/relationships" xmlns:p="http://schemas.openxmlformats.org/presentationml/2006/main">
+  <p:cSld>
+    <p:spTree>
+      <p:nvGrpSpPr>
+        <p:cNvPr id="1" name=""/>
+        <p:cNvGrpSpPr/>
+        <p:nvPr/>
+      </p:nvGrpSpPr>
+      <p:grpSpPr>
+        <a:xfrm>
+          <a:off x="0" y="0"/>
+          <a:ext cx="0" cy="0"/>
+          <a:chOff x="0" y="0"/>
+          <a:chExt cx="0" cy="0"/>
+        </a:xfrm>
+      </p:grpSpPr>
+      <p:sp>
+        <p:nvSpPr>
+          <p:cNvPr id="16" name="평행 사변형 15"/>
+          <p:cNvSpPr/>
+          <p:nvPr/>
+        </p:nvSpPr>
+        <p:spPr>
+          <a:xfrm rot="16200000">
+            <a:off x="2000251" y="-2000251"/>
+            <a:ext cx="5143500" cy="9144001"/>
+          </a:xfrm>
+          <a:prstGeom prst="parallelogram">
+            <a:avLst>
+              <a:gd name="adj" fmla="val 7753"/>
+            </a:avLst>
+          </a:prstGeom>
+          <a:solidFill>
+            <a:srgbClr val="473F3D"/>
+          </a:solidFill>
+          <a:ln>
+            <a:noFill/>
+          </a:ln>
+        </p:spPr>
+        <p:style>
+          <a:lnRef idx="2">
+            <a:schemeClr val="accent1">
+              <a:shade val="50000"/>
+            </a:schemeClr>
+          </a:lnRef>
+          <a:fillRef idx="1">
+            <a:schemeClr val="accent1"/>
+          </a:fillRef>
+          <a:effectRef idx="0">
+            <a:schemeClr val="accent1"/>
+          </a:effectRef>
+          <a:fontRef idx="minor">
+            <a:schemeClr val="lt1"/>
+          </a:fontRef>
+        </p:style>
+        <p:txBody>
+          <a:bodyPr rtlCol="0" anchor="ctr"/>
+          <a:lstStyle/>
+          <a:p>
+            <a:pPr algn="ctr"/>
+            <a:endParaRPr lang="ko-KR" altLang="en-US" sz="1600"/>
+          </a:p>
+        </p:txBody>
+      </p:sp>
+      <p:sp>
+        <p:nvSpPr>
+          <p:cNvPr id="10" name="TextBox 9"/>
+          <p:cNvSpPr txBox="1"/>
+          <p:nvPr/>
+        </p:nvSpPr>
+        <p:spPr>
+          <a:xfrm>
+            <a:off x="611560" y="483518"/>
+            <a:ext cx="5904656" cy="461665"/>
+          </a:xfrm>
+          <a:prstGeom prst="rect">
+            <a:avLst/>
+          </a:prstGeom>
+          <a:noFill/>
+        </p:spPr>
+        <p:txBody>
+          <a:bodyPr wrap="square" rtlCol="0">
+            <a:spAutoFit/>
+          </a:bodyPr>
+          <a:lstStyle/>
+          <a:p>
+            <a:r>
+              <a:rPr lang="en-US" altLang="ko-KR" sz="2400" dirty="0" smtClean="0">
+                <a:solidFill>
+                  <a:schemeClr val="bg1"/>
+                </a:solidFill>
+                <a:latin typeface="나눔명조" pitchFamily="18" charset="-127"/>
+                <a:ea typeface="나눔명조" pitchFamily="18" charset="-127"/>
+              </a:rPr>
+              <a:t>.</a:t>
+            </a:r>
+            <a:r>
+              <a:rPr lang="en-US" altLang="ko-KR" sz="2400" dirty="0" err="1" smtClean="0">
+                <a:solidFill>
+                  <a:schemeClr val="bg1"/>
+                </a:solidFill>
+                <a:latin typeface="나눔명조" pitchFamily="18" charset="-127"/>
+                <a:ea typeface="나눔명조" pitchFamily="18" charset="-127"/>
+              </a:rPr>
+              <a:t>git</a:t>
+            </a:r>
+            <a:r>
+              <a:rPr lang="en-US" altLang="ko-KR" sz="2400" dirty="0" smtClean="0">
+                <a:solidFill>
+                  <a:schemeClr val="bg1"/>
+                </a:solidFill>
+                <a:latin typeface="나눔명조" pitchFamily="18" charset="-127"/>
+                <a:ea typeface="나눔명조" pitchFamily="18" charset="-127"/>
+              </a:rPr>
+              <a:t> </a:t>
+            </a:r>
+            <a:r>
+              <a:rPr lang="ko-KR" altLang="en-US" sz="2400" dirty="0" smtClean="0">
+                <a:solidFill>
+                  <a:schemeClr val="bg1"/>
+                </a:solidFill>
+                <a:latin typeface="나눔명조" pitchFamily="18" charset="-127"/>
+                <a:ea typeface="나눔명조" pitchFamily="18" charset="-127"/>
+              </a:rPr>
+              <a:t>지워보기</a:t>
+            </a:r>
+            <a:endParaRPr lang="ko-KR" altLang="en-US" sz="2400" dirty="0">
+              <a:solidFill>
+                <a:schemeClr val="bg1"/>
+              </a:solidFill>
+              <a:latin typeface="나눔명조" pitchFamily="18" charset="-127"/>
+              <a:ea typeface="나눔명조" pitchFamily="18" charset="-127"/>
+            </a:endParaRPr>
+          </a:p>
+        </p:txBody>
+      </p:sp>
+      <p:cxnSp>
+        <p:nvCxnSpPr>
+          <p:cNvPr id="11" name="직선 연결선 10"/>
+          <p:cNvCxnSpPr/>
+          <p:nvPr/>
+        </p:nvCxnSpPr>
+        <p:spPr>
+          <a:xfrm>
+            <a:off x="539552" y="915566"/>
+            <a:ext cx="8136904" cy="0"/>
+          </a:xfrm>
+          <a:prstGeom prst="line">
+            <a:avLst/>
+          </a:prstGeom>
+          <a:ln w="12700">
+            <a:solidFill>
+              <a:schemeClr val="bg1"/>
+            </a:solidFill>
+          </a:ln>
+        </p:spPr>
+        <p:style>
+          <a:lnRef idx="1">
+            <a:schemeClr val="accent1"/>
+          </a:lnRef>
+          <a:fillRef idx="0">
+            <a:schemeClr val="accent1"/>
+          </a:fillRef>
+          <a:effectRef idx="0">
+            <a:schemeClr val="accent1"/>
+          </a:effectRef>
+          <a:fontRef idx="minor">
+            <a:schemeClr val="tx1"/>
+          </a:fontRef>
+        </p:style>
+      </p:cxnSp>
+      <p:cxnSp>
+        <p:nvCxnSpPr>
+          <p:cNvPr id="12" name="직선 연결선 11"/>
+          <p:cNvCxnSpPr/>
+          <p:nvPr/>
+        </p:nvCxnSpPr>
+        <p:spPr>
+          <a:xfrm>
+            <a:off x="467544" y="4299942"/>
+            <a:ext cx="8136904" cy="0"/>
+          </a:xfrm>
+          <a:prstGeom prst="line">
+            <a:avLst/>
+          </a:prstGeom>
+          <a:ln w="12700">
+            <a:solidFill>
+              <a:schemeClr val="bg1"/>
+            </a:solidFill>
+          </a:ln>
+        </p:spPr>
+        <p:style>
+          <a:lnRef idx="1">
+            <a:schemeClr val="accent1"/>
+          </a:lnRef>
+          <a:fillRef idx="0">
+            <a:schemeClr val="accent1"/>
+          </a:fillRef>
+          <a:effectRef idx="0">
+            <a:schemeClr val="accent1"/>
+          </a:effectRef>
+          <a:fontRef idx="minor">
+            <a:schemeClr val="tx1"/>
+          </a:fontRef>
+        </p:style>
+      </p:cxnSp>
+      <p:cxnSp>
+        <p:nvCxnSpPr>
+          <p:cNvPr id="14" name="직선 연결선 13"/>
+          <p:cNvCxnSpPr/>
+          <p:nvPr/>
+        </p:nvCxnSpPr>
+        <p:spPr>
+          <a:xfrm>
+            <a:off x="467544" y="915566"/>
+            <a:ext cx="8208912" cy="0"/>
+          </a:xfrm>
+          <a:prstGeom prst="line">
+            <a:avLst/>
+          </a:prstGeom>
+          <a:ln w="12700">
+            <a:solidFill>
+              <a:schemeClr val="bg1"/>
+            </a:solidFill>
+          </a:ln>
+        </p:spPr>
+        <p:style>
+          <a:lnRef idx="1">
+            <a:schemeClr val="accent1"/>
+          </a:lnRef>
+          <a:fillRef idx="0">
+            <a:schemeClr val="accent1"/>
+          </a:fillRef>
+          <a:effectRef idx="0">
+            <a:schemeClr val="accent1"/>
+          </a:effectRef>
+          <a:fontRef idx="minor">
+            <a:schemeClr val="tx1"/>
+          </a:fontRef>
+        </p:style>
+      </p:cxnSp>
+      <p:cxnSp>
+        <p:nvCxnSpPr>
+          <p:cNvPr id="15" name="직선 연결선 14"/>
+          <p:cNvCxnSpPr/>
+          <p:nvPr/>
+        </p:nvCxnSpPr>
+        <p:spPr>
+          <a:xfrm>
+            <a:off x="467544" y="4299942"/>
+            <a:ext cx="8208912" cy="0"/>
+          </a:xfrm>
+          <a:prstGeom prst="line">
+            <a:avLst/>
+          </a:prstGeom>
+          <a:ln w="12700">
+            <a:solidFill>
+              <a:schemeClr val="bg1"/>
+            </a:solidFill>
+          </a:ln>
+        </p:spPr>
+        <p:style>
+          <a:lnRef idx="1">
+            <a:schemeClr val="accent1"/>
+          </a:lnRef>
+          <a:fillRef idx="0">
+            <a:schemeClr val="accent1"/>
+          </a:fillRef>
+          <a:effectRef idx="0">
+            <a:schemeClr val="accent1"/>
+          </a:effectRef>
+          <a:fontRef idx="minor">
+            <a:schemeClr val="tx1"/>
+          </a:fontRef>
+        </p:style>
+      </p:cxnSp>
+      <p:sp>
+        <p:nvSpPr>
+          <p:cNvPr id="17" name="TextBox 16"/>
+          <p:cNvSpPr txBox="1"/>
+          <p:nvPr/>
+        </p:nvSpPr>
+        <p:spPr>
+          <a:xfrm>
+            <a:off x="2051720" y="1554346"/>
+            <a:ext cx="5040560" cy="369332"/>
+          </a:xfrm>
+          <a:prstGeom prst="rect">
+            <a:avLst/>
+          </a:prstGeom>
+          <a:noFill/>
+        </p:spPr>
+        <p:txBody>
+          <a:bodyPr wrap="square" rtlCol="0">
+            <a:spAutoFit/>
+          </a:bodyPr>
+          <a:lstStyle/>
+          <a:p>
+            <a:pPr algn="ctr"/>
+            <a:r>
+              <a:rPr lang="en-US" altLang="ko-KR" dirty="0" smtClean="0">
+                <a:solidFill>
+                  <a:schemeClr val="bg1">
+                    <a:lumMod val="75000"/>
+                  </a:schemeClr>
+                </a:solidFill>
+                <a:latin typeface="나눔명조" pitchFamily="18" charset="-127"/>
+                <a:ea typeface="나눔명조" pitchFamily="18" charset="-127"/>
+              </a:rPr>
+              <a:t>“</a:t>
+            </a:r>
+            <a:r>
+              <a:rPr lang="ko-KR" altLang="en-US" dirty="0" smtClean="0">
+                <a:solidFill>
+                  <a:schemeClr val="bg1">
+                    <a:lumMod val="75000"/>
+                  </a:schemeClr>
+                </a:solidFill>
+                <a:latin typeface="나눔명조" pitchFamily="18" charset="-127"/>
+                <a:ea typeface="나눔명조" pitchFamily="18" charset="-127"/>
+              </a:rPr>
+              <a:t>이 프로젝트의 </a:t>
+            </a:r>
+            <a:r>
+              <a:rPr lang="en-US" altLang="ko-KR" dirty="0" err="1" smtClean="0">
+                <a:solidFill>
+                  <a:schemeClr val="bg1">
+                    <a:lumMod val="75000"/>
+                  </a:schemeClr>
+                </a:solidFill>
+                <a:latin typeface="나눔명조" pitchFamily="18" charset="-127"/>
+                <a:ea typeface="나눔명조" pitchFamily="18" charset="-127"/>
+              </a:rPr>
+              <a:t>git</a:t>
+            </a:r>
+            <a:r>
+              <a:rPr lang="ko-KR" altLang="en-US" dirty="0" smtClean="0">
+                <a:solidFill>
+                  <a:schemeClr val="bg1">
+                    <a:lumMod val="75000"/>
+                  </a:schemeClr>
+                </a:solidFill>
+                <a:latin typeface="나눔명조" pitchFamily="18" charset="-127"/>
+                <a:ea typeface="나눔명조" pitchFamily="18" charset="-127"/>
+              </a:rPr>
+              <a:t>관련된 기록들 다 지우고 싶다</a:t>
+            </a:r>
+            <a:r>
+              <a:rPr lang="en-US" altLang="ko-KR" dirty="0" smtClean="0">
+                <a:solidFill>
+                  <a:schemeClr val="bg1">
+                    <a:lumMod val="75000"/>
+                  </a:schemeClr>
+                </a:solidFill>
+                <a:latin typeface="나눔명조" pitchFamily="18" charset="-127"/>
+                <a:ea typeface="나눔명조" pitchFamily="18" charset="-127"/>
+              </a:rPr>
+              <a:t>.”</a:t>
+            </a:r>
+            <a:endParaRPr lang="ko-KR" altLang="en-US" dirty="0">
+              <a:solidFill>
+                <a:schemeClr val="bg1">
+                  <a:lumMod val="75000"/>
+                </a:schemeClr>
+              </a:solidFill>
+              <a:latin typeface="나눔명조" pitchFamily="18" charset="-127"/>
+              <a:ea typeface="나눔명조" pitchFamily="18" charset="-127"/>
+            </a:endParaRPr>
+          </a:p>
+        </p:txBody>
+      </p:sp>
+      <p:pic>
+        <p:nvPicPr>
+          <p:cNvPr id="3074" name="Picture 2"/>
+          <p:cNvPicPr>
+            <a:picLocks noChangeAspect="1" noChangeArrowheads="1"/>
+          </p:cNvPicPr>
+          <p:nvPr/>
+        </p:nvPicPr>
+        <p:blipFill>
+          <a:blip r:embed="rId2" cstate="print"/>
+          <a:srcRect/>
+          <a:stretch>
+            <a:fillRect/>
+          </a:stretch>
+        </p:blipFill>
+        <p:spPr bwMode="auto">
+          <a:xfrm>
+            <a:off x="1979712" y="2571750"/>
+            <a:ext cx="1943100" cy="971550"/>
+          </a:xfrm>
+          <a:prstGeom prst="rect">
+            <a:avLst/>
+          </a:prstGeom>
+          <a:noFill/>
+          <a:ln w="9525">
+            <a:noFill/>
+            <a:miter lim="800000"/>
+            <a:headEnd/>
+            <a:tailEnd/>
+          </a:ln>
+          <a:effectLst>
+            <a:outerShdw blurRad="76200" dir="18900000" sy="23000" kx="-1200000" algn="bl" rotWithShape="0">
+              <a:prstClr val="black">
+                <a:alpha val="20000"/>
+              </a:prstClr>
+            </a:outerShdw>
+          </a:effectLst>
+        </p:spPr>
+      </p:pic>
+      <p:pic>
+        <p:nvPicPr>
+          <p:cNvPr id="3075" name="Picture 3"/>
+          <p:cNvPicPr>
+            <a:picLocks noChangeAspect="1" noChangeArrowheads="1"/>
+          </p:cNvPicPr>
+          <p:nvPr/>
+        </p:nvPicPr>
+        <p:blipFill>
+          <a:blip r:embed="rId3" cstate="print"/>
+          <a:srcRect t="27000"/>
+          <a:stretch>
+            <a:fillRect/>
+          </a:stretch>
+        </p:blipFill>
+        <p:spPr bwMode="auto">
+          <a:xfrm>
+            <a:off x="5220072" y="2643758"/>
+            <a:ext cx="2133600" cy="778768"/>
+          </a:xfrm>
+          <a:prstGeom prst="rect">
+            <a:avLst/>
+          </a:prstGeom>
+          <a:noFill/>
+          <a:ln w="9525">
+            <a:noFill/>
+            <a:miter lim="800000"/>
+            <a:headEnd/>
+            <a:tailEnd/>
+          </a:ln>
+          <a:effectLst>
+            <a:outerShdw blurRad="76200" dir="18900000" sy="23000" kx="-1200000" algn="bl" rotWithShape="0">
+              <a:prstClr val="black">
+                <a:alpha val="20000"/>
+              </a:prstClr>
+            </a:outerShdw>
+          </a:effectLst>
+        </p:spPr>
+      </p:pic>
+    </p:spTree>
+  </p:cSld>
+  <p:clrMapOvr>
+    <a:masterClrMapping/>
+  </p:clrMapOvr>
+  <p:timing>
+    <p:tnLst>
+      <p:par>
+        <p:cTn id="1" dur="indefinite" restart="never" nodeType="tmRoot"/>
+      </p:par>
+    </p:tnLst>
+  </p:timing>
+</p:sld>
+</file>
+
+<file path=ppt/slides/slide16.xml><?xml version="1.0" encoding="utf-8"?>
+<p:sld xmlns:a="http://schemas.openxmlformats.org/drawingml/2006/main" xmlns:r="http://schemas.openxmlformats.org/officeDocument/2006/relationships" xmlns:p="http://schemas.openxmlformats.org/presentationml/2006/main">
+  <p:cSld>
+    <p:spTree>
+      <p:nvGrpSpPr>
+        <p:cNvPr id="1" name=""/>
+        <p:cNvGrpSpPr/>
+        <p:nvPr/>
+      </p:nvGrpSpPr>
+      <p:grpSpPr>
+        <a:xfrm>
+          <a:off x="0" y="0"/>
+          <a:ext cx="0" cy="0"/>
+          <a:chOff x="0" y="0"/>
+          <a:chExt cx="0" cy="0"/>
+        </a:xfrm>
+      </p:grpSpPr>
+      <p:sp>
+        <p:nvSpPr>
+          <p:cNvPr id="16" name="평행 사변형 15"/>
+          <p:cNvSpPr/>
+          <p:nvPr/>
+        </p:nvSpPr>
+        <p:spPr>
+          <a:xfrm rot="16200000">
+            <a:off x="2000251" y="-2000251"/>
+            <a:ext cx="5143500" cy="9144001"/>
+          </a:xfrm>
+          <a:prstGeom prst="parallelogram">
+            <a:avLst>
+              <a:gd name="adj" fmla="val 7753"/>
+            </a:avLst>
+          </a:prstGeom>
+          <a:solidFill>
+            <a:srgbClr val="473F3D"/>
+          </a:solidFill>
+          <a:ln>
+            <a:noFill/>
+          </a:ln>
+        </p:spPr>
+        <p:style>
+          <a:lnRef idx="2">
+            <a:schemeClr val="accent1">
+              <a:shade val="50000"/>
+            </a:schemeClr>
+          </a:lnRef>
+          <a:fillRef idx="1">
+            <a:schemeClr val="accent1"/>
+          </a:fillRef>
+          <a:effectRef idx="0">
+            <a:schemeClr val="accent1"/>
+          </a:effectRef>
+          <a:fontRef idx="minor">
+            <a:schemeClr val="lt1"/>
+          </a:fontRef>
+        </p:style>
+        <p:txBody>
+          <a:bodyPr rtlCol="0" anchor="ctr"/>
+          <a:lstStyle/>
+          <a:p>
+            <a:pPr algn="ctr"/>
+            <a:endParaRPr lang="ko-KR" altLang="en-US" sz="1600"/>
+          </a:p>
+        </p:txBody>
+      </p:sp>
+      <p:sp>
+        <p:nvSpPr>
+          <p:cNvPr id="10" name="TextBox 9"/>
+          <p:cNvSpPr txBox="1"/>
+          <p:nvPr/>
+        </p:nvSpPr>
+        <p:spPr>
+          <a:xfrm>
+            <a:off x="611560" y="483518"/>
+            <a:ext cx="5904656" cy="461665"/>
+          </a:xfrm>
+          <a:prstGeom prst="rect">
+            <a:avLst/>
+          </a:prstGeom>
+          <a:noFill/>
+        </p:spPr>
+        <p:txBody>
+          <a:bodyPr wrap="square" rtlCol="0">
+            <a:spAutoFit/>
+          </a:bodyPr>
+          <a:lstStyle/>
+          <a:p>
+            <a:r>
+              <a:rPr lang="en-US" altLang="ko-KR" sz="2400" dirty="0" err="1" smtClean="0">
+                <a:solidFill>
+                  <a:schemeClr val="bg1"/>
+                </a:solidFill>
+                <a:latin typeface="나눔명조" pitchFamily="18" charset="-127"/>
+                <a:ea typeface="나눔명조" pitchFamily="18" charset="-127"/>
+              </a:rPr>
+              <a:t>git</a:t>
+            </a:r>
+            <a:r>
+              <a:rPr lang="en-US" altLang="ko-KR" sz="2400" dirty="0" smtClean="0">
+                <a:solidFill>
+                  <a:schemeClr val="bg1"/>
+                </a:solidFill>
+                <a:latin typeface="나눔명조" pitchFamily="18" charset="-127"/>
+                <a:ea typeface="나눔명조" pitchFamily="18" charset="-127"/>
+              </a:rPr>
+              <a:t> init &amp; </a:t>
+            </a:r>
+            <a:r>
+              <a:rPr lang="en-US" altLang="ko-KR" sz="2400" dirty="0" err="1" smtClean="0">
+                <a:solidFill>
+                  <a:schemeClr val="bg1"/>
+                </a:solidFill>
+                <a:latin typeface="나눔명조" pitchFamily="18" charset="-127"/>
+                <a:ea typeface="나눔명조" pitchFamily="18" charset="-127"/>
+              </a:rPr>
+              <a:t>git</a:t>
+            </a:r>
+            <a:r>
+              <a:rPr lang="en-US" altLang="ko-KR" sz="2400" dirty="0" smtClean="0">
+                <a:solidFill>
+                  <a:schemeClr val="bg1"/>
+                </a:solidFill>
+                <a:latin typeface="나눔명조" pitchFamily="18" charset="-127"/>
+                <a:ea typeface="나눔명조" pitchFamily="18" charset="-127"/>
+              </a:rPr>
+              <a:t> status</a:t>
+            </a:r>
+            <a:endParaRPr lang="ko-KR" altLang="en-US" sz="2400" dirty="0">
+              <a:solidFill>
+                <a:schemeClr val="bg1"/>
+              </a:solidFill>
+              <a:latin typeface="나눔명조" pitchFamily="18" charset="-127"/>
+              <a:ea typeface="나눔명조" pitchFamily="18" charset="-127"/>
+            </a:endParaRPr>
+          </a:p>
+        </p:txBody>
+      </p:sp>
+      <p:cxnSp>
+        <p:nvCxnSpPr>
+          <p:cNvPr id="11" name="직선 연결선 10"/>
+          <p:cNvCxnSpPr/>
+          <p:nvPr/>
+        </p:nvCxnSpPr>
+        <p:spPr>
+          <a:xfrm>
+            <a:off x="539552" y="915566"/>
+            <a:ext cx="8136904" cy="0"/>
+          </a:xfrm>
+          <a:prstGeom prst="line">
+            <a:avLst/>
+          </a:prstGeom>
+          <a:ln w="12700">
+            <a:solidFill>
+              <a:schemeClr val="bg1"/>
+            </a:solidFill>
+          </a:ln>
+        </p:spPr>
+        <p:style>
+          <a:lnRef idx="1">
+            <a:schemeClr val="accent1"/>
+          </a:lnRef>
+          <a:fillRef idx="0">
+            <a:schemeClr val="accent1"/>
+          </a:fillRef>
+          <a:effectRef idx="0">
+            <a:schemeClr val="accent1"/>
+          </a:effectRef>
+          <a:fontRef idx="minor">
+            <a:schemeClr val="tx1"/>
+          </a:fontRef>
+        </p:style>
+      </p:cxnSp>
+      <p:cxnSp>
+        <p:nvCxnSpPr>
+          <p:cNvPr id="12" name="직선 연결선 11"/>
+          <p:cNvCxnSpPr/>
+          <p:nvPr/>
+        </p:nvCxnSpPr>
+        <p:spPr>
+          <a:xfrm>
+            <a:off x="467544" y="4299942"/>
+            <a:ext cx="8136904" cy="0"/>
+          </a:xfrm>
+          <a:prstGeom prst="line">
+            <a:avLst/>
+          </a:prstGeom>
+          <a:ln w="12700">
+            <a:solidFill>
+              <a:schemeClr val="bg1"/>
+            </a:solidFill>
+          </a:ln>
+        </p:spPr>
+        <p:style>
+          <a:lnRef idx="1">
+            <a:schemeClr val="accent1"/>
+          </a:lnRef>
+          <a:fillRef idx="0">
+            <a:schemeClr val="accent1"/>
+          </a:fillRef>
+          <a:effectRef idx="0">
+            <a:schemeClr val="accent1"/>
+          </a:effectRef>
+          <a:fontRef idx="minor">
+            <a:schemeClr val="tx1"/>
+          </a:fontRef>
+        </p:style>
+      </p:cxnSp>
+      <p:cxnSp>
+        <p:nvCxnSpPr>
+          <p:cNvPr id="14" name="직선 연결선 13"/>
+          <p:cNvCxnSpPr/>
+          <p:nvPr/>
+        </p:nvCxnSpPr>
+        <p:spPr>
+          <a:xfrm>
+            <a:off x="467544" y="915566"/>
+            <a:ext cx="8208912" cy="0"/>
+          </a:xfrm>
+          <a:prstGeom prst="line">
+            <a:avLst/>
+          </a:prstGeom>
+          <a:ln w="12700">
+            <a:solidFill>
+              <a:schemeClr val="bg1"/>
+            </a:solidFill>
+          </a:ln>
+        </p:spPr>
+        <p:style>
+          <a:lnRef idx="1">
+            <a:schemeClr val="accent1"/>
+          </a:lnRef>
+          <a:fillRef idx="0">
+            <a:schemeClr val="accent1"/>
+          </a:fillRef>
+          <a:effectRef idx="0">
+            <a:schemeClr val="accent1"/>
+          </a:effectRef>
+          <a:fontRef idx="minor">
+            <a:schemeClr val="tx1"/>
+          </a:fontRef>
+        </p:style>
+      </p:cxnSp>
+      <p:cxnSp>
+        <p:nvCxnSpPr>
+          <p:cNvPr id="15" name="직선 연결선 14"/>
+          <p:cNvCxnSpPr/>
+          <p:nvPr/>
+        </p:nvCxnSpPr>
+        <p:spPr>
+          <a:xfrm>
+            <a:off x="467544" y="4299942"/>
+            <a:ext cx="8208912" cy="0"/>
+          </a:xfrm>
+          <a:prstGeom prst="line">
+            <a:avLst/>
+          </a:prstGeom>
+          <a:ln w="12700">
+            <a:solidFill>
+              <a:schemeClr val="bg1"/>
+            </a:solidFill>
+          </a:ln>
+        </p:spPr>
+        <p:style>
+          <a:lnRef idx="1">
+            <a:schemeClr val="accent1"/>
+          </a:lnRef>
+          <a:fillRef idx="0">
+            <a:schemeClr val="accent1"/>
+          </a:fillRef>
+          <a:effectRef idx="0">
+            <a:schemeClr val="accent1"/>
+          </a:effectRef>
+          <a:fontRef idx="minor">
+            <a:schemeClr val="tx1"/>
+          </a:fontRef>
+        </p:style>
+      </p:cxnSp>
+      <p:sp>
+        <p:nvSpPr>
+          <p:cNvPr id="17" name="TextBox 16"/>
+          <p:cNvSpPr txBox="1"/>
+          <p:nvPr/>
+        </p:nvSpPr>
+        <p:spPr>
+          <a:xfrm>
+            <a:off x="2051720" y="1275606"/>
+            <a:ext cx="5040560" cy="369332"/>
+          </a:xfrm>
+          <a:prstGeom prst="rect">
+            <a:avLst/>
+          </a:prstGeom>
+          <a:noFill/>
+        </p:spPr>
+        <p:txBody>
+          <a:bodyPr wrap="square" rtlCol="0">
+            <a:spAutoFit/>
+          </a:bodyPr>
+          <a:lstStyle/>
+          <a:p>
+            <a:pPr algn="ctr"/>
+            <a:r>
+              <a:rPr lang="en-US" altLang="ko-KR" dirty="0" smtClean="0">
+                <a:solidFill>
+                  <a:schemeClr val="bg1">
+                    <a:lumMod val="75000"/>
+                  </a:schemeClr>
+                </a:solidFill>
+                <a:latin typeface="나눔명조" pitchFamily="18" charset="-127"/>
+                <a:ea typeface="나눔명조" pitchFamily="18" charset="-127"/>
+              </a:rPr>
+              <a:t>“</a:t>
+            </a:r>
+            <a:r>
+              <a:rPr lang="en-US" altLang="ko-KR" dirty="0" err="1" smtClean="0">
+                <a:solidFill>
+                  <a:schemeClr val="bg1">
+                    <a:lumMod val="75000"/>
+                  </a:schemeClr>
+                </a:solidFill>
+                <a:latin typeface="나눔명조" pitchFamily="18" charset="-127"/>
+                <a:ea typeface="나눔명조" pitchFamily="18" charset="-127"/>
+              </a:rPr>
+              <a:t>git</a:t>
+            </a:r>
+            <a:r>
+              <a:rPr lang="en-US" altLang="ko-KR" dirty="0" smtClean="0">
+                <a:solidFill>
+                  <a:schemeClr val="bg1">
+                    <a:lumMod val="75000"/>
+                  </a:schemeClr>
+                </a:solidFill>
+                <a:latin typeface="나눔명조" pitchFamily="18" charset="-127"/>
+                <a:ea typeface="나눔명조" pitchFamily="18" charset="-127"/>
+              </a:rPr>
+              <a:t> </a:t>
+            </a:r>
+            <a:r>
+              <a:rPr lang="ko-KR" altLang="en-US" dirty="0" smtClean="0">
+                <a:solidFill>
+                  <a:schemeClr val="bg1">
+                    <a:lumMod val="75000"/>
+                  </a:schemeClr>
+                </a:solidFill>
+                <a:latin typeface="나눔명조" pitchFamily="18" charset="-127"/>
+                <a:ea typeface="나눔명조" pitchFamily="18" charset="-127"/>
+              </a:rPr>
+              <a:t>버전관리 시작해보기</a:t>
+            </a:r>
+            <a:r>
+              <a:rPr lang="en-US" altLang="ko-KR" dirty="0" smtClean="0">
+                <a:solidFill>
+                  <a:schemeClr val="bg1">
+                    <a:lumMod val="75000"/>
+                  </a:schemeClr>
+                </a:solidFill>
+                <a:latin typeface="나눔명조" pitchFamily="18" charset="-127"/>
+                <a:ea typeface="나눔명조" pitchFamily="18" charset="-127"/>
+              </a:rPr>
+              <a:t>.”</a:t>
+            </a:r>
+            <a:endParaRPr lang="ko-KR" altLang="en-US" dirty="0">
+              <a:solidFill>
+                <a:schemeClr val="bg1">
+                  <a:lumMod val="75000"/>
+                </a:schemeClr>
+              </a:solidFill>
+              <a:latin typeface="나눔명조" pitchFamily="18" charset="-127"/>
+              <a:ea typeface="나눔명조" pitchFamily="18" charset="-127"/>
+            </a:endParaRPr>
+          </a:p>
+        </p:txBody>
+      </p:sp>
+      <p:pic>
+        <p:nvPicPr>
+          <p:cNvPr id="4098" name="Picture 2"/>
+          <p:cNvPicPr>
+            <a:picLocks noChangeAspect="1" noChangeArrowheads="1"/>
+          </p:cNvPicPr>
+          <p:nvPr/>
+        </p:nvPicPr>
+        <p:blipFill>
+          <a:blip r:embed="rId2" cstate="print"/>
+          <a:srcRect t="3024"/>
+          <a:stretch>
+            <a:fillRect/>
+          </a:stretch>
+        </p:blipFill>
+        <p:spPr bwMode="auto">
+          <a:xfrm>
+            <a:off x="1982688" y="1851670"/>
+            <a:ext cx="5181600" cy="2309242"/>
           </a:xfrm>
           <a:prstGeom prst="rect">
             <a:avLst/>
@@ -5111,16 +6114,96 @@
           </a:effectLst>
         </p:spPr>
       </p:pic>
+    </p:spTree>
+  </p:cSld>
+  <p:clrMapOvr>
+    <a:masterClrMapping/>
+  </p:clrMapOvr>
+  <p:timing>
+    <p:tnLst>
+      <p:par>
+        <p:cTn id="1" dur="indefinite" restart="never" nodeType="tmRoot"/>
+      </p:par>
+    </p:tnLst>
+  </p:timing>
+</p:sld>
+</file>
+
+<file path=ppt/slides/slide17.xml><?xml version="1.0" encoding="utf-8"?>
+<p:sld xmlns:a="http://schemas.openxmlformats.org/drawingml/2006/main" xmlns:r="http://schemas.openxmlformats.org/officeDocument/2006/relationships" xmlns:p="http://schemas.openxmlformats.org/presentationml/2006/main">
+  <p:cSld>
+    <p:spTree>
+      <p:nvGrpSpPr>
+        <p:cNvPr id="1" name=""/>
+        <p:cNvGrpSpPr/>
+        <p:nvPr/>
+      </p:nvGrpSpPr>
+      <p:grpSpPr>
+        <a:xfrm>
+          <a:off x="0" y="0"/>
+          <a:ext cx="0" cy="0"/>
+          <a:chOff x="0" y="0"/>
+          <a:chExt cx="0" cy="0"/>
+        </a:xfrm>
+      </p:grpSpPr>
       <p:sp>
         <p:nvSpPr>
-          <p:cNvPr id="9" name="TextBox 8"/>
+          <p:cNvPr id="16" name="평행 사변형 15"/>
+          <p:cNvSpPr/>
+          <p:nvPr/>
+        </p:nvSpPr>
+        <p:spPr>
+          <a:xfrm rot="16200000">
+            <a:off x="2000251" y="-2000251"/>
+            <a:ext cx="5143500" cy="9144001"/>
+          </a:xfrm>
+          <a:prstGeom prst="parallelogram">
+            <a:avLst>
+              <a:gd name="adj" fmla="val 7753"/>
+            </a:avLst>
+          </a:prstGeom>
+          <a:solidFill>
+            <a:srgbClr val="473F3D"/>
+          </a:solidFill>
+          <a:ln>
+            <a:noFill/>
+          </a:ln>
+        </p:spPr>
+        <p:style>
+          <a:lnRef idx="2">
+            <a:schemeClr val="accent1">
+              <a:shade val="50000"/>
+            </a:schemeClr>
+          </a:lnRef>
+          <a:fillRef idx="1">
+            <a:schemeClr val="accent1"/>
+          </a:fillRef>
+          <a:effectRef idx="0">
+            <a:schemeClr val="accent1"/>
+          </a:effectRef>
+          <a:fontRef idx="minor">
+            <a:schemeClr val="lt1"/>
+          </a:fontRef>
+        </p:style>
+        <p:txBody>
+          <a:bodyPr rtlCol="0" anchor="ctr"/>
+          <a:lstStyle/>
+          <a:p>
+            <a:pPr algn="ctr"/>
+            <a:endParaRPr lang="ko-KR" altLang="en-US" sz="1600"/>
+          </a:p>
+        </p:txBody>
+      </p:sp>
+      <p:sp>
+        <p:nvSpPr>
+          <p:cNvPr id="10" name="TextBox 9"/>
           <p:cNvSpPr txBox="1"/>
           <p:nvPr/>
         </p:nvSpPr>
         <p:spPr>
           <a:xfrm>
-            <a:off x="2555776" y="1275606"/>
-            <a:ext cx="4608512" cy="707886"/>
+            <a:off x="611560" y="483518"/>
+            <a:ext cx="5904656" cy="461665"/>
           </a:xfrm>
           <a:prstGeom prst="rect">
             <a:avLst/>
@@ -5133,126 +6216,322 @@
           </a:bodyPr>
           <a:lstStyle/>
           <a:p>
-            <a:pPr marL="457200" indent="-457200">
-              <a:buAutoNum type="arabicPeriod"/>
-            </a:pPr>
-            <a:r>
-              <a:rPr lang="en-US" altLang="ko-KR" sz="2000" dirty="0" smtClean="0">
+            <a:r>
+              <a:rPr lang="en-US" altLang="ko-KR" sz="2400" dirty="0" err="1" smtClean="0">
+                <a:solidFill>
+                  <a:schemeClr val="bg1"/>
+                </a:solidFill>
+                <a:latin typeface="나눔명조" pitchFamily="18" charset="-127"/>
+                <a:ea typeface="나눔명조" pitchFamily="18" charset="-127"/>
+              </a:rPr>
+              <a:t>git</a:t>
+            </a:r>
+            <a:r>
+              <a:rPr lang="en-US" altLang="ko-KR" sz="2400" dirty="0" smtClean="0">
+                <a:solidFill>
+                  <a:schemeClr val="bg1"/>
+                </a:solidFill>
+                <a:latin typeface="나눔명조" pitchFamily="18" charset="-127"/>
+                <a:ea typeface="나눔명조" pitchFamily="18" charset="-127"/>
+              </a:rPr>
+              <a:t> add &amp; </a:t>
+            </a:r>
+            <a:r>
+              <a:rPr lang="en-US" altLang="ko-KR" sz="2400" dirty="0" err="1" smtClean="0">
+                <a:solidFill>
+                  <a:schemeClr val="bg1"/>
+                </a:solidFill>
+                <a:latin typeface="나눔명조" pitchFamily="18" charset="-127"/>
+                <a:ea typeface="나눔명조" pitchFamily="18" charset="-127"/>
+              </a:rPr>
+              <a:t>git</a:t>
+            </a:r>
+            <a:r>
+              <a:rPr lang="en-US" altLang="ko-KR" sz="2400" dirty="0" smtClean="0">
+                <a:solidFill>
+                  <a:schemeClr val="bg1"/>
+                </a:solidFill>
+                <a:latin typeface="나눔명조" pitchFamily="18" charset="-127"/>
+                <a:ea typeface="나눔명조" pitchFamily="18" charset="-127"/>
+              </a:rPr>
+              <a:t> commit</a:t>
+            </a:r>
+            <a:endParaRPr lang="ko-KR" altLang="en-US" sz="2400" dirty="0">
+              <a:solidFill>
+                <a:schemeClr val="bg1"/>
+              </a:solidFill>
+              <a:latin typeface="나눔명조" pitchFamily="18" charset="-127"/>
+              <a:ea typeface="나눔명조" pitchFamily="18" charset="-127"/>
+            </a:endParaRPr>
+          </a:p>
+        </p:txBody>
+      </p:sp>
+      <p:cxnSp>
+        <p:nvCxnSpPr>
+          <p:cNvPr id="11" name="직선 연결선 10"/>
+          <p:cNvCxnSpPr/>
+          <p:nvPr/>
+        </p:nvCxnSpPr>
+        <p:spPr>
+          <a:xfrm>
+            <a:off x="539552" y="915566"/>
+            <a:ext cx="8136904" cy="0"/>
+          </a:xfrm>
+          <a:prstGeom prst="line">
+            <a:avLst/>
+          </a:prstGeom>
+          <a:ln w="12700">
+            <a:solidFill>
+              <a:schemeClr val="bg1"/>
+            </a:solidFill>
+          </a:ln>
+        </p:spPr>
+        <p:style>
+          <a:lnRef idx="1">
+            <a:schemeClr val="accent1"/>
+          </a:lnRef>
+          <a:fillRef idx="0">
+            <a:schemeClr val="accent1"/>
+          </a:fillRef>
+          <a:effectRef idx="0">
+            <a:schemeClr val="accent1"/>
+          </a:effectRef>
+          <a:fontRef idx="minor">
+            <a:schemeClr val="tx1"/>
+          </a:fontRef>
+        </p:style>
+      </p:cxnSp>
+      <p:cxnSp>
+        <p:nvCxnSpPr>
+          <p:cNvPr id="12" name="직선 연결선 11"/>
+          <p:cNvCxnSpPr/>
+          <p:nvPr/>
+        </p:nvCxnSpPr>
+        <p:spPr>
+          <a:xfrm>
+            <a:off x="467544" y="4299942"/>
+            <a:ext cx="8136904" cy="0"/>
+          </a:xfrm>
+          <a:prstGeom prst="line">
+            <a:avLst/>
+          </a:prstGeom>
+          <a:ln w="12700">
+            <a:solidFill>
+              <a:schemeClr val="bg1"/>
+            </a:solidFill>
+          </a:ln>
+        </p:spPr>
+        <p:style>
+          <a:lnRef idx="1">
+            <a:schemeClr val="accent1"/>
+          </a:lnRef>
+          <a:fillRef idx="0">
+            <a:schemeClr val="accent1"/>
+          </a:fillRef>
+          <a:effectRef idx="0">
+            <a:schemeClr val="accent1"/>
+          </a:effectRef>
+          <a:fontRef idx="minor">
+            <a:schemeClr val="tx1"/>
+          </a:fontRef>
+        </p:style>
+      </p:cxnSp>
+      <p:cxnSp>
+        <p:nvCxnSpPr>
+          <p:cNvPr id="14" name="직선 연결선 13"/>
+          <p:cNvCxnSpPr/>
+          <p:nvPr/>
+        </p:nvCxnSpPr>
+        <p:spPr>
+          <a:xfrm>
+            <a:off x="467544" y="915566"/>
+            <a:ext cx="8208912" cy="0"/>
+          </a:xfrm>
+          <a:prstGeom prst="line">
+            <a:avLst/>
+          </a:prstGeom>
+          <a:ln w="12700">
+            <a:solidFill>
+              <a:schemeClr val="bg1"/>
+            </a:solidFill>
+          </a:ln>
+        </p:spPr>
+        <p:style>
+          <a:lnRef idx="1">
+            <a:schemeClr val="accent1"/>
+          </a:lnRef>
+          <a:fillRef idx="0">
+            <a:schemeClr val="accent1"/>
+          </a:fillRef>
+          <a:effectRef idx="0">
+            <a:schemeClr val="accent1"/>
+          </a:effectRef>
+          <a:fontRef idx="minor">
+            <a:schemeClr val="tx1"/>
+          </a:fontRef>
+        </p:style>
+      </p:cxnSp>
+      <p:cxnSp>
+        <p:nvCxnSpPr>
+          <p:cNvPr id="15" name="직선 연결선 14"/>
+          <p:cNvCxnSpPr/>
+          <p:nvPr/>
+        </p:nvCxnSpPr>
+        <p:spPr>
+          <a:xfrm>
+            <a:off x="467544" y="4299942"/>
+            <a:ext cx="8208912" cy="0"/>
+          </a:xfrm>
+          <a:prstGeom prst="line">
+            <a:avLst/>
+          </a:prstGeom>
+          <a:ln w="12700">
+            <a:solidFill>
+              <a:schemeClr val="bg1"/>
+            </a:solidFill>
+          </a:ln>
+        </p:spPr>
+        <p:style>
+          <a:lnRef idx="1">
+            <a:schemeClr val="accent1"/>
+          </a:lnRef>
+          <a:fillRef idx="0">
+            <a:schemeClr val="accent1"/>
+          </a:fillRef>
+          <a:effectRef idx="0">
+            <a:schemeClr val="accent1"/>
+          </a:effectRef>
+          <a:fontRef idx="minor">
+            <a:schemeClr val="tx1"/>
+          </a:fontRef>
+        </p:style>
+      </p:cxnSp>
+      <p:sp>
+        <p:nvSpPr>
+          <p:cNvPr id="17" name="TextBox 16"/>
+          <p:cNvSpPr txBox="1"/>
+          <p:nvPr/>
+        </p:nvSpPr>
+        <p:spPr>
+          <a:xfrm>
+            <a:off x="2051720" y="1275606"/>
+            <a:ext cx="5040560" cy="369332"/>
+          </a:xfrm>
+          <a:prstGeom prst="rect">
+            <a:avLst/>
+          </a:prstGeom>
+          <a:noFill/>
+        </p:spPr>
+        <p:txBody>
+          <a:bodyPr wrap="square" rtlCol="0">
+            <a:spAutoFit/>
+          </a:bodyPr>
+          <a:lstStyle/>
+          <a:p>
+            <a:pPr algn="ctr"/>
+            <a:r>
+              <a:rPr lang="en-US" altLang="ko-KR" dirty="0" smtClean="0">
                 <a:solidFill>
                   <a:schemeClr val="bg1">
-                    <a:lumMod val="95000"/>
+                    <a:lumMod val="75000"/>
                   </a:schemeClr>
                 </a:solidFill>
                 <a:latin typeface="나눔명조" pitchFamily="18" charset="-127"/>
                 <a:ea typeface="나눔명조" pitchFamily="18" charset="-127"/>
               </a:rPr>
-              <a:t>alert</a:t>
-            </a:r>
-            <a:r>
-              <a:rPr lang="ko-KR" altLang="en-US" sz="2000" dirty="0" smtClean="0">
+              <a:t>“don’t-add-this-</a:t>
+            </a:r>
+            <a:r>
+              <a:rPr lang="en-US" altLang="ko-KR" dirty="0" err="1" smtClean="0">
                 <a:solidFill>
                   <a:schemeClr val="bg1">
-                    <a:lumMod val="95000"/>
+                    <a:lumMod val="75000"/>
                   </a:schemeClr>
                 </a:solidFill>
                 <a:latin typeface="나눔명조" pitchFamily="18" charset="-127"/>
                 <a:ea typeface="나눔명조" pitchFamily="18" charset="-127"/>
               </a:rPr>
-              <a:t> 기능 밖에 없는 시스템</a:t>
-            </a:r>
-            <a:endParaRPr lang="en-US" altLang="ko-KR" sz="2000" dirty="0" smtClean="0">
+              <a:t>file.txt</a:t>
+            </a:r>
+            <a:r>
+              <a:rPr lang="en-US" altLang="ko-KR" dirty="0" smtClean="0">
+                <a:solidFill>
+                  <a:schemeClr val="bg1">
+                    <a:lumMod val="75000"/>
+                  </a:schemeClr>
+                </a:solidFill>
+                <a:latin typeface="나눔명조" pitchFamily="18" charset="-127"/>
+                <a:ea typeface="나눔명조" pitchFamily="18" charset="-127"/>
+              </a:rPr>
+              <a:t> </a:t>
+            </a:r>
+            <a:r>
+              <a:rPr lang="ko-KR" altLang="en-US" dirty="0" smtClean="0">
+                <a:solidFill>
+                  <a:schemeClr val="bg1">
+                    <a:lumMod val="75000"/>
+                  </a:schemeClr>
+                </a:solidFill>
+                <a:latin typeface="나눔명조" pitchFamily="18" charset="-127"/>
+                <a:ea typeface="나눔명조" pitchFamily="18" charset="-127"/>
+              </a:rPr>
+              <a:t>빼고 </a:t>
+            </a:r>
+            <a:r>
+              <a:rPr lang="ko-KR" altLang="en-US" dirty="0" err="1" smtClean="0">
+                <a:solidFill>
+                  <a:schemeClr val="bg1">
+                    <a:lumMod val="75000"/>
+                  </a:schemeClr>
+                </a:solidFill>
+                <a:latin typeface="나눔명조" pitchFamily="18" charset="-127"/>
+                <a:ea typeface="나눔명조" pitchFamily="18" charset="-127"/>
+              </a:rPr>
+              <a:t>커밋해주세요</a:t>
+            </a:r>
+            <a:r>
+              <a:rPr lang="en-US" altLang="ko-KR" dirty="0" smtClean="0">
+                <a:solidFill>
+                  <a:schemeClr val="bg1">
+                    <a:lumMod val="75000"/>
+                  </a:schemeClr>
+                </a:solidFill>
+                <a:latin typeface="나눔명조" pitchFamily="18" charset="-127"/>
+                <a:ea typeface="나눔명조" pitchFamily="18" charset="-127"/>
+              </a:rPr>
+              <a:t>.”</a:t>
+            </a:r>
+            <a:endParaRPr lang="ko-KR" altLang="en-US" dirty="0">
               <a:solidFill>
                 <a:schemeClr val="bg1">
-                  <a:lumMod val="95000"/>
+                  <a:lumMod val="75000"/>
                 </a:schemeClr>
               </a:solidFill>
               <a:latin typeface="나눔명조" pitchFamily="18" charset="-127"/>
               <a:ea typeface="나눔명조" pitchFamily="18" charset="-127"/>
             </a:endParaRPr>
           </a:p>
-          <a:p>
-            <a:pPr marL="457200" indent="-457200">
-              <a:buAutoNum type="arabicPeriod"/>
-            </a:pPr>
-            <a:r>
-              <a:rPr lang="en-US" altLang="ko-KR" sz="2000" dirty="0" err="1" smtClean="0">
-                <a:solidFill>
-                  <a:schemeClr val="bg1">
-                    <a:lumMod val="95000"/>
-                  </a:schemeClr>
-                </a:solidFill>
-                <a:latin typeface="나눔명조" pitchFamily="18" charset="-127"/>
-                <a:ea typeface="나눔명조" pitchFamily="18" charset="-127"/>
-              </a:rPr>
-              <a:t>git</a:t>
-            </a:r>
-            <a:r>
-              <a:rPr lang="en-US" altLang="ko-KR" sz="2000" dirty="0" smtClean="0">
-                <a:solidFill>
-                  <a:schemeClr val="bg1">
-                    <a:lumMod val="95000"/>
-                  </a:schemeClr>
-                </a:solidFill>
-                <a:latin typeface="나눔명조" pitchFamily="18" charset="-127"/>
-                <a:ea typeface="나눔명조" pitchFamily="18" charset="-127"/>
-              </a:rPr>
-              <a:t> </a:t>
-            </a:r>
-            <a:r>
-              <a:rPr lang="ko-KR" altLang="en-US" sz="2000" dirty="0" smtClean="0">
-                <a:solidFill>
-                  <a:schemeClr val="bg1">
-                    <a:lumMod val="95000"/>
-                  </a:schemeClr>
-                </a:solidFill>
-                <a:latin typeface="나눔명조" pitchFamily="18" charset="-127"/>
-                <a:ea typeface="나눔명조" pitchFamily="18" charset="-127"/>
-              </a:rPr>
-              <a:t>으로 요구사항에 대응해 나가자</a:t>
-            </a:r>
-            <a:r>
-              <a:rPr lang="en-US" altLang="ko-KR" sz="2000" dirty="0" smtClean="0">
-                <a:solidFill>
-                  <a:schemeClr val="bg1">
-                    <a:lumMod val="95000"/>
-                  </a:schemeClr>
-                </a:solidFill>
-                <a:latin typeface="나눔명조" pitchFamily="18" charset="-127"/>
-                <a:ea typeface="나눔명조" pitchFamily="18" charset="-127"/>
-              </a:rPr>
-              <a:t>.</a:t>
-            </a:r>
-            <a:endParaRPr lang="ko-KR" altLang="en-US" sz="2000" dirty="0">
-              <a:solidFill>
-                <a:schemeClr val="bg1">
-                  <a:lumMod val="95000"/>
-                </a:schemeClr>
-              </a:solidFill>
-              <a:latin typeface="나눔명조" pitchFamily="18" charset="-127"/>
-              <a:ea typeface="나눔명조" pitchFamily="18" charset="-127"/>
-            </a:endParaRPr>
-          </a:p>
         </p:txBody>
       </p:sp>
       <p:pic>
         <p:nvPicPr>
-          <p:cNvPr id="1027" name="Picture 3"/>
+          <p:cNvPr id="5122" name="Picture 2"/>
           <p:cNvPicPr>
             <a:picLocks noChangeAspect="1" noChangeArrowheads="1"/>
           </p:cNvPicPr>
           <p:nvPr/>
         </p:nvPicPr>
         <p:blipFill>
-          <a:blip r:embed="rId3" cstate="print"/>
-          <a:srcRect l="3266" t="5362" r="2032" b="8852"/>
+          <a:blip r:embed="rId2" cstate="print"/>
+          <a:srcRect/>
           <a:stretch>
             <a:fillRect/>
           </a:stretch>
         </p:blipFill>
         <p:spPr bwMode="auto">
           <a:xfrm>
-            <a:off x="4283968" y="3147814"/>
-            <a:ext cx="3600400" cy="993214"/>
+            <a:off x="755576" y="1851670"/>
+            <a:ext cx="3198291" cy="2262370"/>
           </a:xfrm>
           <a:prstGeom prst="rect">
             <a:avLst/>
@@ -5265,7 +6544,46 @@
             <a:tailEnd/>
           </a:ln>
           <a:effectLst>
-            <a:outerShdw blurRad="50800" dist="38100" dir="13500000" algn="br" rotWithShape="0">
+            <a:outerShdw blurRad="63500" sx="102000" sy="102000" algn="ctr" rotWithShape="0">
+              <a:prstClr val="black">
+                <a:alpha val="40000"/>
+              </a:prstClr>
+            </a:outerShdw>
+          </a:effectLst>
+        </p:spPr>
+      </p:pic>
+      <p:pic>
+        <p:nvPicPr>
+          <p:cNvPr id="5124" name="Picture 4"/>
+          <p:cNvPicPr>
+            <a:picLocks noChangeAspect="1" noChangeArrowheads="1"/>
+          </p:cNvPicPr>
+          <p:nvPr/>
+        </p:nvPicPr>
+        <p:blipFill>
+          <a:blip r:embed="rId3" cstate="print"/>
+          <a:srcRect r="9090"/>
+          <a:stretch>
+            <a:fillRect/>
+          </a:stretch>
+        </p:blipFill>
+        <p:spPr bwMode="auto">
+          <a:xfrm>
+            <a:off x="4283968" y="1851670"/>
+            <a:ext cx="4248472" cy="2259509"/>
+          </a:xfrm>
+          <a:prstGeom prst="rect">
+            <a:avLst/>
+          </a:prstGeom>
+          <a:noFill/>
+          <a:ln w="9525">
+            <a:noFill/>
+            <a:miter lim="800000"/>
+            <a:headEnd/>
+            <a:tailEnd/>
+          </a:ln>
+          <a:effectLst>
+            <a:outerShdw blurRad="63500" sx="102000" sy="102000" algn="ctr" rotWithShape="0">
               <a:prstClr val="black">
                 <a:alpha val="40000"/>
               </a:prstClr>

--- a/git발표.pptx
+++ b/git발표.pptx
@@ -22,6 +22,12 @@
     <p:sldId id="272" r:id="rId16"/>
     <p:sldId id="273" r:id="rId17"/>
     <p:sldId id="274" r:id="rId18"/>
+    <p:sldId id="275" r:id="rId19"/>
+    <p:sldId id="276" r:id="rId20"/>
+    <p:sldId id="277" r:id="rId21"/>
+    <p:sldId id="278" r:id="rId22"/>
+    <p:sldId id="279" r:id="rId23"/>
+    <p:sldId id="281" r:id="rId24"/>
   </p:sldIdLst>
   <p:sldSz cx="9144000" cy="5143500" type="screen16x9"/>
   <p:notesSz cx="6858000" cy="9144000"/>
@@ -6606,6 +6612,1007 @@
 </p:sld>
 </file>
 
+<file path=ppt/slides/slide18.xml><?xml version="1.0" encoding="utf-8"?>
+<p:sld xmlns:a="http://schemas.openxmlformats.org/drawingml/2006/main" xmlns:r="http://schemas.openxmlformats.org/officeDocument/2006/relationships" xmlns:p="http://schemas.openxmlformats.org/presentationml/2006/main">
+  <p:cSld>
+    <p:spTree>
+      <p:nvGrpSpPr>
+        <p:cNvPr id="1" name=""/>
+        <p:cNvGrpSpPr/>
+        <p:nvPr/>
+      </p:nvGrpSpPr>
+      <p:grpSpPr>
+        <a:xfrm>
+          <a:off x="0" y="0"/>
+          <a:ext cx="0" cy="0"/>
+          <a:chOff x="0" y="0"/>
+          <a:chExt cx="0" cy="0"/>
+        </a:xfrm>
+      </p:grpSpPr>
+      <p:sp>
+        <p:nvSpPr>
+          <p:cNvPr id="16" name="평행 사변형 15"/>
+          <p:cNvSpPr/>
+          <p:nvPr/>
+        </p:nvSpPr>
+        <p:spPr>
+          <a:xfrm rot="16200000">
+            <a:off x="2000251" y="-2000250"/>
+            <a:ext cx="5143500" cy="9144001"/>
+          </a:xfrm>
+          <a:prstGeom prst="parallelogram">
+            <a:avLst>
+              <a:gd name="adj" fmla="val 7753"/>
+            </a:avLst>
+          </a:prstGeom>
+          <a:solidFill>
+            <a:srgbClr val="473F3D"/>
+          </a:solidFill>
+          <a:ln>
+            <a:noFill/>
+          </a:ln>
+          <a:effectLst>
+            <a:outerShdw blurRad="63500" sx="102000" sy="102000" algn="ctr" rotWithShape="0">
+              <a:prstClr val="black">
+                <a:alpha val="40000"/>
+              </a:prstClr>
+            </a:outerShdw>
+          </a:effectLst>
+        </p:spPr>
+        <p:style>
+          <a:lnRef idx="2">
+            <a:schemeClr val="accent1">
+              <a:shade val="50000"/>
+            </a:schemeClr>
+          </a:lnRef>
+          <a:fillRef idx="1">
+            <a:schemeClr val="accent1"/>
+          </a:fillRef>
+          <a:effectRef idx="0">
+            <a:schemeClr val="accent1"/>
+          </a:effectRef>
+          <a:fontRef idx="minor">
+            <a:schemeClr val="lt1"/>
+          </a:fontRef>
+        </p:style>
+        <p:txBody>
+          <a:bodyPr rtlCol="0" anchor="ctr"/>
+          <a:lstStyle/>
+          <a:p>
+            <a:pPr algn="ctr"/>
+            <a:endParaRPr lang="ko-KR" altLang="en-US" sz="1600"/>
+          </a:p>
+        </p:txBody>
+      </p:sp>
+      <p:sp>
+        <p:nvSpPr>
+          <p:cNvPr id="10" name="TextBox 9"/>
+          <p:cNvSpPr txBox="1"/>
+          <p:nvPr/>
+        </p:nvSpPr>
+        <p:spPr>
+          <a:xfrm>
+            <a:off x="611560" y="483518"/>
+            <a:ext cx="5904656" cy="461665"/>
+          </a:xfrm>
+          <a:prstGeom prst="rect">
+            <a:avLst/>
+          </a:prstGeom>
+          <a:noFill/>
+        </p:spPr>
+        <p:txBody>
+          <a:bodyPr wrap="square" rtlCol="0">
+            <a:spAutoFit/>
+          </a:bodyPr>
+          <a:lstStyle/>
+          <a:p>
+            <a:r>
+              <a:rPr lang="en-US" altLang="ko-KR" sz="2400" dirty="0" smtClean="0">
+                <a:solidFill>
+                  <a:schemeClr val="bg1"/>
+                </a:solidFill>
+                <a:latin typeface="나눔명조" pitchFamily="18" charset="-127"/>
+                <a:ea typeface="나눔명조" pitchFamily="18" charset="-127"/>
+              </a:rPr>
+              <a:t>.</a:t>
+            </a:r>
+            <a:r>
+              <a:rPr lang="en-US" altLang="ko-KR" sz="2400" dirty="0" err="1" smtClean="0">
+                <a:solidFill>
+                  <a:schemeClr val="bg1"/>
+                </a:solidFill>
+                <a:latin typeface="나눔명조" pitchFamily="18" charset="-127"/>
+                <a:ea typeface="나눔명조" pitchFamily="18" charset="-127"/>
+              </a:rPr>
+              <a:t>gitignore</a:t>
+            </a:r>
+            <a:r>
+              <a:rPr lang="en-US" altLang="ko-KR" sz="2400" dirty="0" smtClean="0">
+                <a:solidFill>
+                  <a:schemeClr val="bg1"/>
+                </a:solidFill>
+                <a:latin typeface="나눔명조" pitchFamily="18" charset="-127"/>
+                <a:ea typeface="나눔명조" pitchFamily="18" charset="-127"/>
+              </a:rPr>
+              <a:t> </a:t>
+            </a:r>
+            <a:endParaRPr lang="ko-KR" altLang="en-US" sz="2400" dirty="0">
+              <a:solidFill>
+                <a:schemeClr val="bg1"/>
+              </a:solidFill>
+              <a:latin typeface="나눔명조" pitchFamily="18" charset="-127"/>
+              <a:ea typeface="나눔명조" pitchFamily="18" charset="-127"/>
+            </a:endParaRPr>
+          </a:p>
+        </p:txBody>
+      </p:sp>
+      <p:cxnSp>
+        <p:nvCxnSpPr>
+          <p:cNvPr id="11" name="직선 연결선 10"/>
+          <p:cNvCxnSpPr/>
+          <p:nvPr/>
+        </p:nvCxnSpPr>
+        <p:spPr>
+          <a:xfrm>
+            <a:off x="539552" y="915566"/>
+            <a:ext cx="8136904" cy="0"/>
+          </a:xfrm>
+          <a:prstGeom prst="line">
+            <a:avLst/>
+          </a:prstGeom>
+          <a:ln w="12700">
+            <a:solidFill>
+              <a:schemeClr val="bg1"/>
+            </a:solidFill>
+          </a:ln>
+        </p:spPr>
+        <p:style>
+          <a:lnRef idx="1">
+            <a:schemeClr val="accent1"/>
+          </a:lnRef>
+          <a:fillRef idx="0">
+            <a:schemeClr val="accent1"/>
+          </a:fillRef>
+          <a:effectRef idx="0">
+            <a:schemeClr val="accent1"/>
+          </a:effectRef>
+          <a:fontRef idx="minor">
+            <a:schemeClr val="tx1"/>
+          </a:fontRef>
+        </p:style>
+      </p:cxnSp>
+      <p:cxnSp>
+        <p:nvCxnSpPr>
+          <p:cNvPr id="12" name="직선 연결선 11"/>
+          <p:cNvCxnSpPr/>
+          <p:nvPr/>
+        </p:nvCxnSpPr>
+        <p:spPr>
+          <a:xfrm>
+            <a:off x="467544" y="4299942"/>
+            <a:ext cx="8136904" cy="0"/>
+          </a:xfrm>
+          <a:prstGeom prst="line">
+            <a:avLst/>
+          </a:prstGeom>
+          <a:ln w="12700">
+            <a:solidFill>
+              <a:schemeClr val="bg1"/>
+            </a:solidFill>
+          </a:ln>
+        </p:spPr>
+        <p:style>
+          <a:lnRef idx="1">
+            <a:schemeClr val="accent1"/>
+          </a:lnRef>
+          <a:fillRef idx="0">
+            <a:schemeClr val="accent1"/>
+          </a:fillRef>
+          <a:effectRef idx="0">
+            <a:schemeClr val="accent1"/>
+          </a:effectRef>
+          <a:fontRef idx="minor">
+            <a:schemeClr val="tx1"/>
+          </a:fontRef>
+        </p:style>
+      </p:cxnSp>
+      <p:cxnSp>
+        <p:nvCxnSpPr>
+          <p:cNvPr id="14" name="직선 연결선 13"/>
+          <p:cNvCxnSpPr/>
+          <p:nvPr/>
+        </p:nvCxnSpPr>
+        <p:spPr>
+          <a:xfrm>
+            <a:off x="467544" y="915566"/>
+            <a:ext cx="8208912" cy="0"/>
+          </a:xfrm>
+          <a:prstGeom prst="line">
+            <a:avLst/>
+          </a:prstGeom>
+          <a:ln w="12700">
+            <a:solidFill>
+              <a:schemeClr val="bg1"/>
+            </a:solidFill>
+          </a:ln>
+        </p:spPr>
+        <p:style>
+          <a:lnRef idx="1">
+            <a:schemeClr val="accent1"/>
+          </a:lnRef>
+          <a:fillRef idx="0">
+            <a:schemeClr val="accent1"/>
+          </a:fillRef>
+          <a:effectRef idx="0">
+            <a:schemeClr val="accent1"/>
+          </a:effectRef>
+          <a:fontRef idx="minor">
+            <a:schemeClr val="tx1"/>
+          </a:fontRef>
+        </p:style>
+      </p:cxnSp>
+      <p:cxnSp>
+        <p:nvCxnSpPr>
+          <p:cNvPr id="15" name="직선 연결선 14"/>
+          <p:cNvCxnSpPr/>
+          <p:nvPr/>
+        </p:nvCxnSpPr>
+        <p:spPr>
+          <a:xfrm>
+            <a:off x="467544" y="4299942"/>
+            <a:ext cx="8208912" cy="0"/>
+          </a:xfrm>
+          <a:prstGeom prst="line">
+            <a:avLst/>
+          </a:prstGeom>
+          <a:ln w="12700">
+            <a:solidFill>
+              <a:schemeClr val="bg1"/>
+            </a:solidFill>
+          </a:ln>
+        </p:spPr>
+        <p:style>
+          <a:lnRef idx="1">
+            <a:schemeClr val="accent1"/>
+          </a:lnRef>
+          <a:fillRef idx="0">
+            <a:schemeClr val="accent1"/>
+          </a:fillRef>
+          <a:effectRef idx="0">
+            <a:schemeClr val="accent1"/>
+          </a:effectRef>
+          <a:fontRef idx="minor">
+            <a:schemeClr val="tx1"/>
+          </a:fontRef>
+        </p:style>
+      </p:cxnSp>
+      <p:sp>
+        <p:nvSpPr>
+          <p:cNvPr id="17" name="TextBox 16"/>
+          <p:cNvSpPr txBox="1"/>
+          <p:nvPr/>
+        </p:nvSpPr>
+        <p:spPr>
+          <a:xfrm>
+            <a:off x="2051720" y="1698362"/>
+            <a:ext cx="5040560" cy="369332"/>
+          </a:xfrm>
+          <a:prstGeom prst="rect">
+            <a:avLst/>
+          </a:prstGeom>
+          <a:noFill/>
+        </p:spPr>
+        <p:txBody>
+          <a:bodyPr wrap="square" rtlCol="0">
+            <a:spAutoFit/>
+          </a:bodyPr>
+          <a:lstStyle/>
+          <a:p>
+            <a:pPr algn="ctr"/>
+            <a:r>
+              <a:rPr lang="en-US" altLang="ko-KR" dirty="0" smtClean="0">
+                <a:solidFill>
+                  <a:schemeClr val="bg1">
+                    <a:lumMod val="75000"/>
+                  </a:schemeClr>
+                </a:solidFill>
+                <a:latin typeface="나눔명조" pitchFamily="18" charset="-127"/>
+                <a:ea typeface="나눔명조" pitchFamily="18" charset="-127"/>
+              </a:rPr>
+              <a:t>“don’t-add-this-</a:t>
+            </a:r>
+            <a:r>
+              <a:rPr lang="en-US" altLang="ko-KR" dirty="0" err="1" smtClean="0">
+                <a:solidFill>
+                  <a:schemeClr val="bg1">
+                    <a:lumMod val="75000"/>
+                  </a:schemeClr>
+                </a:solidFill>
+                <a:latin typeface="나눔명조" pitchFamily="18" charset="-127"/>
+                <a:ea typeface="나눔명조" pitchFamily="18" charset="-127"/>
+              </a:rPr>
+              <a:t>file.txt</a:t>
+            </a:r>
+            <a:r>
+              <a:rPr lang="en-US" altLang="ko-KR" dirty="0" smtClean="0">
+                <a:solidFill>
+                  <a:schemeClr val="bg1">
+                    <a:lumMod val="75000"/>
+                  </a:schemeClr>
+                </a:solidFill>
+                <a:latin typeface="나눔명조" pitchFamily="18" charset="-127"/>
+                <a:ea typeface="나눔명조" pitchFamily="18" charset="-127"/>
+              </a:rPr>
+              <a:t> </a:t>
+            </a:r>
+            <a:r>
+              <a:rPr lang="ko-KR" altLang="en-US" dirty="0" smtClean="0">
+                <a:solidFill>
+                  <a:schemeClr val="bg1">
+                    <a:lumMod val="75000"/>
+                  </a:schemeClr>
+                </a:solidFill>
+                <a:latin typeface="나눔명조" pitchFamily="18" charset="-127"/>
+                <a:ea typeface="나눔명조" pitchFamily="18" charset="-127"/>
+              </a:rPr>
+              <a:t>은 신경안쓰게 해주세요</a:t>
+            </a:r>
+            <a:r>
+              <a:rPr lang="en-US" altLang="ko-KR" dirty="0" smtClean="0">
+                <a:solidFill>
+                  <a:schemeClr val="bg1">
+                    <a:lumMod val="75000"/>
+                  </a:schemeClr>
+                </a:solidFill>
+                <a:latin typeface="나눔명조" pitchFamily="18" charset="-127"/>
+                <a:ea typeface="나눔명조" pitchFamily="18" charset="-127"/>
+              </a:rPr>
+              <a:t>”</a:t>
+            </a:r>
+            <a:endParaRPr lang="ko-KR" altLang="en-US" dirty="0">
+              <a:solidFill>
+                <a:schemeClr val="bg1">
+                  <a:lumMod val="75000"/>
+                </a:schemeClr>
+              </a:solidFill>
+              <a:latin typeface="나눔명조" pitchFamily="18" charset="-127"/>
+              <a:ea typeface="나눔명조" pitchFamily="18" charset="-127"/>
+            </a:endParaRPr>
+          </a:p>
+        </p:txBody>
+      </p:sp>
+      <p:pic>
+        <p:nvPicPr>
+          <p:cNvPr id="6147" name="Picture 3"/>
+          <p:cNvPicPr>
+            <a:picLocks noChangeAspect="1" noChangeArrowheads="1"/>
+          </p:cNvPicPr>
+          <p:nvPr/>
+        </p:nvPicPr>
+        <p:blipFill>
+          <a:blip r:embed="rId2" cstate="print"/>
+          <a:srcRect/>
+          <a:stretch>
+            <a:fillRect/>
+          </a:stretch>
+        </p:blipFill>
+        <p:spPr bwMode="auto">
+          <a:xfrm>
+            <a:off x="1187624" y="2571750"/>
+            <a:ext cx="2724150" cy="847725"/>
+          </a:xfrm>
+          <a:prstGeom prst="rect">
+            <a:avLst/>
+          </a:prstGeom>
+          <a:noFill/>
+          <a:ln w="9525">
+            <a:noFill/>
+            <a:miter lim="800000"/>
+            <a:headEnd/>
+            <a:tailEnd/>
+          </a:ln>
+          <a:effectLst>
+            <a:outerShdw blurRad="63500" sx="102000" sy="102000" algn="ctr" rotWithShape="0">
+              <a:prstClr val="black">
+                <a:alpha val="40000"/>
+              </a:prstClr>
+            </a:outerShdw>
+          </a:effectLst>
+        </p:spPr>
+      </p:pic>
+      <p:pic>
+        <p:nvPicPr>
+          <p:cNvPr id="6148" name="Picture 4"/>
+          <p:cNvPicPr>
+            <a:picLocks noChangeAspect="1" noChangeArrowheads="1"/>
+          </p:cNvPicPr>
+          <p:nvPr/>
+        </p:nvPicPr>
+        <p:blipFill>
+          <a:blip r:embed="rId3" cstate="print"/>
+          <a:srcRect/>
+          <a:stretch>
+            <a:fillRect/>
+          </a:stretch>
+        </p:blipFill>
+        <p:spPr bwMode="auto">
+          <a:xfrm>
+            <a:off x="4572000" y="2499742"/>
+            <a:ext cx="3495675" cy="990600"/>
+          </a:xfrm>
+          <a:prstGeom prst="rect">
+            <a:avLst/>
+          </a:prstGeom>
+          <a:noFill/>
+          <a:ln w="9525">
+            <a:noFill/>
+            <a:miter lim="800000"/>
+            <a:headEnd/>
+            <a:tailEnd/>
+          </a:ln>
+          <a:effectLst>
+            <a:outerShdw blurRad="63500" sx="102000" sy="102000" algn="ctr" rotWithShape="0">
+              <a:prstClr val="black">
+                <a:alpha val="40000"/>
+              </a:prstClr>
+            </a:outerShdw>
+          </a:effectLst>
+        </p:spPr>
+      </p:pic>
+    </p:spTree>
+  </p:cSld>
+  <p:clrMapOvr>
+    <a:masterClrMapping/>
+  </p:clrMapOvr>
+  <p:timing>
+    <p:tnLst>
+      <p:par>
+        <p:cTn id="1" dur="indefinite" restart="never" nodeType="tmRoot"/>
+      </p:par>
+    </p:tnLst>
+  </p:timing>
+</p:sld>
+</file>
+
+<file path=ppt/slides/slide19.xml><?xml version="1.0" encoding="utf-8"?>
+<p:sld xmlns:a="http://schemas.openxmlformats.org/drawingml/2006/main" xmlns:r="http://schemas.openxmlformats.org/officeDocument/2006/relationships" xmlns:p="http://schemas.openxmlformats.org/presentationml/2006/main">
+  <p:cSld>
+    <p:spTree>
+      <p:nvGrpSpPr>
+        <p:cNvPr id="1" name=""/>
+        <p:cNvGrpSpPr/>
+        <p:nvPr/>
+      </p:nvGrpSpPr>
+      <p:grpSpPr>
+        <a:xfrm>
+          <a:off x="0" y="0"/>
+          <a:ext cx="0" cy="0"/>
+          <a:chOff x="0" y="0"/>
+          <a:chExt cx="0" cy="0"/>
+        </a:xfrm>
+      </p:grpSpPr>
+      <p:sp>
+        <p:nvSpPr>
+          <p:cNvPr id="16" name="평행 사변형 15"/>
+          <p:cNvSpPr/>
+          <p:nvPr/>
+        </p:nvSpPr>
+        <p:spPr>
+          <a:xfrm rot="16200000">
+            <a:off x="2000251" y="-2000250"/>
+            <a:ext cx="5143500" cy="9144001"/>
+          </a:xfrm>
+          <a:prstGeom prst="parallelogram">
+            <a:avLst>
+              <a:gd name="adj" fmla="val 7753"/>
+            </a:avLst>
+          </a:prstGeom>
+          <a:solidFill>
+            <a:srgbClr val="473F3D"/>
+          </a:solidFill>
+          <a:ln>
+            <a:noFill/>
+          </a:ln>
+          <a:effectLst>
+            <a:outerShdw blurRad="63500" sx="102000" sy="102000" algn="ctr" rotWithShape="0">
+              <a:prstClr val="black">
+                <a:alpha val="40000"/>
+              </a:prstClr>
+            </a:outerShdw>
+          </a:effectLst>
+        </p:spPr>
+        <p:style>
+          <a:lnRef idx="2">
+            <a:schemeClr val="accent1">
+              <a:shade val="50000"/>
+            </a:schemeClr>
+          </a:lnRef>
+          <a:fillRef idx="1">
+            <a:schemeClr val="accent1"/>
+          </a:fillRef>
+          <a:effectRef idx="0">
+            <a:schemeClr val="accent1"/>
+          </a:effectRef>
+          <a:fontRef idx="minor">
+            <a:schemeClr val="lt1"/>
+          </a:fontRef>
+        </p:style>
+        <p:txBody>
+          <a:bodyPr rtlCol="0" anchor="ctr"/>
+          <a:lstStyle/>
+          <a:p>
+            <a:pPr algn="ctr"/>
+            <a:endParaRPr lang="ko-KR" altLang="en-US" sz="1600"/>
+          </a:p>
+        </p:txBody>
+      </p:sp>
+      <p:sp>
+        <p:nvSpPr>
+          <p:cNvPr id="10" name="TextBox 9"/>
+          <p:cNvSpPr txBox="1"/>
+          <p:nvPr/>
+        </p:nvSpPr>
+        <p:spPr>
+          <a:xfrm>
+            <a:off x="611560" y="483518"/>
+            <a:ext cx="5904656" cy="461665"/>
+          </a:xfrm>
+          <a:prstGeom prst="rect">
+            <a:avLst/>
+          </a:prstGeom>
+          <a:noFill/>
+        </p:spPr>
+        <p:txBody>
+          <a:bodyPr wrap="square" rtlCol="0">
+            <a:spAutoFit/>
+          </a:bodyPr>
+          <a:lstStyle/>
+          <a:p>
+            <a:r>
+              <a:rPr lang="ko-KR" altLang="en-US" sz="2400" dirty="0" smtClean="0">
+                <a:solidFill>
+                  <a:schemeClr val="bg1"/>
+                </a:solidFill>
+                <a:latin typeface="나눔명조" pitchFamily="18" charset="-127"/>
+                <a:ea typeface="나눔명조" pitchFamily="18" charset="-127"/>
+              </a:rPr>
+              <a:t>요구사</a:t>
+            </a:r>
+            <a:r>
+              <a:rPr lang="ko-KR" altLang="en-US" sz="2400" dirty="0" smtClean="0">
+                <a:solidFill>
+                  <a:schemeClr val="bg1"/>
+                </a:solidFill>
+                <a:latin typeface="나눔명조" pitchFamily="18" charset="-127"/>
+                <a:ea typeface="나눔명조" pitchFamily="18" charset="-127"/>
+              </a:rPr>
+              <a:t>항</a:t>
+            </a:r>
+            <a:endParaRPr lang="ko-KR" altLang="en-US" sz="2400" dirty="0">
+              <a:solidFill>
+                <a:schemeClr val="bg1"/>
+              </a:solidFill>
+              <a:latin typeface="나눔명조" pitchFamily="18" charset="-127"/>
+              <a:ea typeface="나눔명조" pitchFamily="18" charset="-127"/>
+            </a:endParaRPr>
+          </a:p>
+        </p:txBody>
+      </p:sp>
+      <p:cxnSp>
+        <p:nvCxnSpPr>
+          <p:cNvPr id="11" name="직선 연결선 10"/>
+          <p:cNvCxnSpPr/>
+          <p:nvPr/>
+        </p:nvCxnSpPr>
+        <p:spPr>
+          <a:xfrm>
+            <a:off x="539552" y="915566"/>
+            <a:ext cx="8136904" cy="0"/>
+          </a:xfrm>
+          <a:prstGeom prst="line">
+            <a:avLst/>
+          </a:prstGeom>
+          <a:ln w="12700">
+            <a:solidFill>
+              <a:schemeClr val="bg1"/>
+            </a:solidFill>
+          </a:ln>
+        </p:spPr>
+        <p:style>
+          <a:lnRef idx="1">
+            <a:schemeClr val="accent1"/>
+          </a:lnRef>
+          <a:fillRef idx="0">
+            <a:schemeClr val="accent1"/>
+          </a:fillRef>
+          <a:effectRef idx="0">
+            <a:schemeClr val="accent1"/>
+          </a:effectRef>
+          <a:fontRef idx="minor">
+            <a:schemeClr val="tx1"/>
+          </a:fontRef>
+        </p:style>
+      </p:cxnSp>
+      <p:cxnSp>
+        <p:nvCxnSpPr>
+          <p:cNvPr id="12" name="직선 연결선 11"/>
+          <p:cNvCxnSpPr/>
+          <p:nvPr/>
+        </p:nvCxnSpPr>
+        <p:spPr>
+          <a:xfrm>
+            <a:off x="467544" y="4299942"/>
+            <a:ext cx="8136904" cy="0"/>
+          </a:xfrm>
+          <a:prstGeom prst="line">
+            <a:avLst/>
+          </a:prstGeom>
+          <a:ln w="12700">
+            <a:solidFill>
+              <a:schemeClr val="bg1"/>
+            </a:solidFill>
+          </a:ln>
+        </p:spPr>
+        <p:style>
+          <a:lnRef idx="1">
+            <a:schemeClr val="accent1"/>
+          </a:lnRef>
+          <a:fillRef idx="0">
+            <a:schemeClr val="accent1"/>
+          </a:fillRef>
+          <a:effectRef idx="0">
+            <a:schemeClr val="accent1"/>
+          </a:effectRef>
+          <a:fontRef idx="minor">
+            <a:schemeClr val="tx1"/>
+          </a:fontRef>
+        </p:style>
+      </p:cxnSp>
+      <p:cxnSp>
+        <p:nvCxnSpPr>
+          <p:cNvPr id="14" name="직선 연결선 13"/>
+          <p:cNvCxnSpPr/>
+          <p:nvPr/>
+        </p:nvCxnSpPr>
+        <p:spPr>
+          <a:xfrm>
+            <a:off x="467544" y="915566"/>
+            <a:ext cx="8208912" cy="0"/>
+          </a:xfrm>
+          <a:prstGeom prst="line">
+            <a:avLst/>
+          </a:prstGeom>
+          <a:ln w="12700">
+            <a:solidFill>
+              <a:schemeClr val="bg1"/>
+            </a:solidFill>
+          </a:ln>
+        </p:spPr>
+        <p:style>
+          <a:lnRef idx="1">
+            <a:schemeClr val="accent1"/>
+          </a:lnRef>
+          <a:fillRef idx="0">
+            <a:schemeClr val="accent1"/>
+          </a:fillRef>
+          <a:effectRef idx="0">
+            <a:schemeClr val="accent1"/>
+          </a:effectRef>
+          <a:fontRef idx="minor">
+            <a:schemeClr val="tx1"/>
+          </a:fontRef>
+        </p:style>
+      </p:cxnSp>
+      <p:cxnSp>
+        <p:nvCxnSpPr>
+          <p:cNvPr id="15" name="직선 연결선 14"/>
+          <p:cNvCxnSpPr/>
+          <p:nvPr/>
+        </p:nvCxnSpPr>
+        <p:spPr>
+          <a:xfrm>
+            <a:off x="467544" y="4299942"/>
+            <a:ext cx="8208912" cy="0"/>
+          </a:xfrm>
+          <a:prstGeom prst="line">
+            <a:avLst/>
+          </a:prstGeom>
+          <a:ln w="12700">
+            <a:solidFill>
+              <a:schemeClr val="bg1"/>
+            </a:solidFill>
+          </a:ln>
+        </p:spPr>
+        <p:style>
+          <a:lnRef idx="1">
+            <a:schemeClr val="accent1"/>
+          </a:lnRef>
+          <a:fillRef idx="0">
+            <a:schemeClr val="accent1"/>
+          </a:fillRef>
+          <a:effectRef idx="0">
+            <a:schemeClr val="accent1"/>
+          </a:effectRef>
+          <a:fontRef idx="minor">
+            <a:schemeClr val="tx1"/>
+          </a:fontRef>
+        </p:style>
+      </p:cxnSp>
+      <p:sp>
+        <p:nvSpPr>
+          <p:cNvPr id="13" name="TextBox 12"/>
+          <p:cNvSpPr txBox="1"/>
+          <p:nvPr/>
+        </p:nvSpPr>
+        <p:spPr>
+          <a:xfrm>
+            <a:off x="2843808" y="1851670"/>
+            <a:ext cx="3384376" cy="1754326"/>
+          </a:xfrm>
+          <a:prstGeom prst="rect">
+            <a:avLst/>
+          </a:prstGeom>
+          <a:solidFill>
+            <a:schemeClr val="bg1"/>
+          </a:solidFill>
+          <a:effectLst>
+            <a:outerShdw blurRad="50800" dist="38100" dir="2700000" algn="tl" rotWithShape="0">
+              <a:prstClr val="black">
+                <a:alpha val="40000"/>
+              </a:prstClr>
+            </a:outerShdw>
+          </a:effectLst>
+        </p:spPr>
+        <p:txBody>
+          <a:bodyPr wrap="square" rtlCol="0">
+            <a:spAutoFit/>
+          </a:bodyPr>
+          <a:lstStyle/>
+          <a:p>
+            <a:pPr algn="ctr"/>
+            <a:r>
+              <a:rPr lang="ko-KR" altLang="en-US" dirty="0" smtClean="0">
+                <a:latin typeface="나눔바른고딕" pitchFamily="50" charset="-127"/>
+                <a:ea typeface="나눔바른고딕" pitchFamily="50" charset="-127"/>
+              </a:rPr>
+              <a:t>요구사항 정의서 </a:t>
+            </a:r>
+            <a:r>
+              <a:rPr lang="en-US" altLang="ko-KR" dirty="0" smtClean="0">
+                <a:latin typeface="나눔바른고딕" pitchFamily="50" charset="-127"/>
+                <a:ea typeface="나눔바른고딕" pitchFamily="50" charset="-127"/>
+              </a:rPr>
+              <a:t>1</a:t>
+            </a:r>
+          </a:p>
+          <a:p>
+            <a:pPr>
+              <a:buFontTx/>
+              <a:buChar char="-"/>
+            </a:pPr>
+            <a:r>
+              <a:rPr lang="ko-KR" altLang="en-US" dirty="0" smtClean="0">
+                <a:latin typeface="나눔바른고딕" pitchFamily="50" charset="-127"/>
+                <a:ea typeface="나눔바른고딕" pitchFamily="50" charset="-127"/>
+              </a:rPr>
+              <a:t>기능 </a:t>
+            </a:r>
+            <a:r>
+              <a:rPr lang="en-US" altLang="ko-KR" dirty="0" smtClean="0">
+                <a:latin typeface="나눔바른고딕" pitchFamily="50" charset="-127"/>
+                <a:ea typeface="나눔바른고딕" pitchFamily="50" charset="-127"/>
+              </a:rPr>
+              <a:t>1 : “1</a:t>
+            </a:r>
+            <a:r>
+              <a:rPr lang="ko-KR" altLang="en-US" dirty="0" smtClean="0">
+                <a:latin typeface="나눔바른고딕" pitchFamily="50" charset="-127"/>
+                <a:ea typeface="나눔바른고딕" pitchFamily="50" charset="-127"/>
+              </a:rPr>
+              <a:t>번 </a:t>
+            </a:r>
+            <a:r>
+              <a:rPr lang="ko-KR" altLang="en-US" dirty="0" err="1" smtClean="0">
+                <a:latin typeface="나눔바른고딕" pitchFamily="50" charset="-127"/>
+                <a:ea typeface="나눔바른고딕" pitchFamily="50" charset="-127"/>
+              </a:rPr>
+              <a:t>알람</a:t>
+            </a:r>
+            <a:r>
+              <a:rPr lang="en-US" altLang="ko-KR" dirty="0" smtClean="0">
+                <a:latin typeface="나눔바른고딕" pitchFamily="50" charset="-127"/>
+                <a:ea typeface="나눔바른고딕" pitchFamily="50" charset="-127"/>
+              </a:rPr>
+              <a:t>” alert </a:t>
+            </a:r>
+            <a:r>
+              <a:rPr lang="ko-KR" altLang="en-US" dirty="0" smtClean="0">
+                <a:latin typeface="나눔바른고딕" pitchFamily="50" charset="-127"/>
+                <a:ea typeface="나눔바른고딕" pitchFamily="50" charset="-127"/>
+              </a:rPr>
+              <a:t>생성</a:t>
+            </a:r>
+            <a:endParaRPr lang="en-US" altLang="ko-KR" dirty="0" smtClean="0">
+              <a:latin typeface="나눔바른고딕" pitchFamily="50" charset="-127"/>
+              <a:ea typeface="나눔바른고딕" pitchFamily="50" charset="-127"/>
+            </a:endParaRPr>
+          </a:p>
+          <a:p>
+            <a:pPr>
+              <a:buFontTx/>
+              <a:buChar char="-"/>
+            </a:pPr>
+            <a:r>
+              <a:rPr lang="ko-KR" altLang="en-US" dirty="0" smtClean="0">
+                <a:latin typeface="나눔바른고딕" pitchFamily="50" charset="-127"/>
+                <a:ea typeface="나눔바른고딕" pitchFamily="50" charset="-127"/>
+              </a:rPr>
+              <a:t>기능 </a:t>
+            </a:r>
+            <a:r>
+              <a:rPr lang="en-US" altLang="ko-KR" dirty="0" smtClean="0">
+                <a:latin typeface="나눔바른고딕" pitchFamily="50" charset="-127"/>
+                <a:ea typeface="나눔바른고딕" pitchFamily="50" charset="-127"/>
+              </a:rPr>
+              <a:t>2 : “2</a:t>
+            </a:r>
+            <a:r>
+              <a:rPr lang="ko-KR" altLang="en-US" dirty="0" smtClean="0">
+                <a:latin typeface="나눔바른고딕" pitchFamily="50" charset="-127"/>
+                <a:ea typeface="나눔바른고딕" pitchFamily="50" charset="-127"/>
+              </a:rPr>
+              <a:t>번 </a:t>
+            </a:r>
+            <a:r>
+              <a:rPr lang="ko-KR" altLang="en-US" dirty="0" err="1" smtClean="0">
+                <a:latin typeface="나눔바른고딕" pitchFamily="50" charset="-127"/>
+                <a:ea typeface="나눔바른고딕" pitchFamily="50" charset="-127"/>
+              </a:rPr>
+              <a:t>알람</a:t>
+            </a:r>
+            <a:r>
+              <a:rPr lang="en-US" altLang="ko-KR" dirty="0" smtClean="0">
+                <a:latin typeface="나눔바른고딕" pitchFamily="50" charset="-127"/>
+                <a:ea typeface="나눔바른고딕" pitchFamily="50" charset="-127"/>
+              </a:rPr>
+              <a:t>” alert </a:t>
+            </a:r>
+            <a:r>
+              <a:rPr lang="ko-KR" altLang="en-US" dirty="0" smtClean="0">
+                <a:latin typeface="나눔바른고딕" pitchFamily="50" charset="-127"/>
+                <a:ea typeface="나눔바른고딕" pitchFamily="50" charset="-127"/>
+              </a:rPr>
+              <a:t>생성</a:t>
+            </a:r>
+            <a:endParaRPr lang="en-US" altLang="ko-KR" dirty="0" smtClean="0">
+              <a:latin typeface="나눔바른고딕" pitchFamily="50" charset="-127"/>
+              <a:ea typeface="나눔바른고딕" pitchFamily="50" charset="-127"/>
+            </a:endParaRPr>
+          </a:p>
+          <a:p>
+            <a:pPr>
+              <a:buFontTx/>
+              <a:buChar char="-"/>
+            </a:pPr>
+            <a:r>
+              <a:rPr lang="ko-KR" altLang="en-US" dirty="0" smtClean="0">
+                <a:latin typeface="나눔바른고딕" pitchFamily="50" charset="-127"/>
+                <a:ea typeface="나눔바른고딕" pitchFamily="50" charset="-127"/>
+              </a:rPr>
+              <a:t>기능 </a:t>
+            </a:r>
+            <a:r>
+              <a:rPr lang="en-US" altLang="ko-KR" dirty="0" smtClean="0">
+                <a:latin typeface="나눔바른고딕" pitchFamily="50" charset="-127"/>
+                <a:ea typeface="나눔바른고딕" pitchFamily="50" charset="-127"/>
+              </a:rPr>
+              <a:t>3 : “3</a:t>
+            </a:r>
+            <a:r>
+              <a:rPr lang="ko-KR" altLang="en-US" dirty="0" smtClean="0">
+                <a:latin typeface="나눔바른고딕" pitchFamily="50" charset="-127"/>
+                <a:ea typeface="나눔바른고딕" pitchFamily="50" charset="-127"/>
+              </a:rPr>
+              <a:t>번 </a:t>
+            </a:r>
+            <a:r>
+              <a:rPr lang="ko-KR" altLang="en-US" dirty="0" err="1" smtClean="0">
+                <a:latin typeface="나눔바른고딕" pitchFamily="50" charset="-127"/>
+                <a:ea typeface="나눔바른고딕" pitchFamily="50" charset="-127"/>
+              </a:rPr>
+              <a:t>알람</a:t>
+            </a:r>
+            <a:r>
+              <a:rPr lang="en-US" altLang="ko-KR" dirty="0" smtClean="0">
+                <a:latin typeface="나눔바른고딕" pitchFamily="50" charset="-127"/>
+                <a:ea typeface="나눔바른고딕" pitchFamily="50" charset="-127"/>
+              </a:rPr>
+              <a:t>” alert </a:t>
+            </a:r>
+            <a:r>
+              <a:rPr lang="ko-KR" altLang="en-US" dirty="0" smtClean="0">
+                <a:latin typeface="나눔바른고딕" pitchFamily="50" charset="-127"/>
+                <a:ea typeface="나눔바른고딕" pitchFamily="50" charset="-127"/>
+              </a:rPr>
+              <a:t>생성</a:t>
+            </a:r>
+            <a:endParaRPr lang="en-US" altLang="ko-KR" dirty="0" smtClean="0">
+              <a:latin typeface="나눔바른고딕" pitchFamily="50" charset="-127"/>
+              <a:ea typeface="나눔바른고딕" pitchFamily="50" charset="-127"/>
+            </a:endParaRPr>
+          </a:p>
+          <a:p>
+            <a:pPr>
+              <a:buFontTx/>
+              <a:buChar char="-"/>
+            </a:pPr>
+            <a:endParaRPr lang="en-US" altLang="ko-KR" dirty="0" smtClean="0">
+              <a:latin typeface="나눔바른고딕" pitchFamily="50" charset="-127"/>
+              <a:ea typeface="나눔바른고딕" pitchFamily="50" charset="-127"/>
+            </a:endParaRPr>
+          </a:p>
+          <a:p>
+            <a:pPr>
+              <a:buFontTx/>
+              <a:buChar char="-"/>
+            </a:pPr>
+            <a:r>
+              <a:rPr lang="ko-KR" altLang="en-US" dirty="0" smtClean="0">
+                <a:latin typeface="나눔바른고딕" pitchFamily="50" charset="-127"/>
+                <a:ea typeface="나눔바른고딕" pitchFamily="50" charset="-127"/>
+              </a:rPr>
+              <a:t>위 </a:t>
+            </a:r>
+            <a:r>
+              <a:rPr lang="en-US" altLang="ko-KR" dirty="0" smtClean="0">
+                <a:latin typeface="나눔바른고딕" pitchFamily="50" charset="-127"/>
+                <a:ea typeface="나눔바른고딕" pitchFamily="50" charset="-127"/>
+              </a:rPr>
+              <a:t>3</a:t>
+            </a:r>
+            <a:r>
+              <a:rPr lang="ko-KR" altLang="en-US" dirty="0" smtClean="0">
+                <a:latin typeface="나눔바른고딕" pitchFamily="50" charset="-127"/>
+                <a:ea typeface="나눔바른고딕" pitchFamily="50" charset="-127"/>
+              </a:rPr>
+              <a:t>개 </a:t>
+            </a:r>
+            <a:r>
+              <a:rPr lang="en-US" altLang="ko-KR" dirty="0" smtClean="0">
+                <a:latin typeface="나눔바른고딕" pitchFamily="50" charset="-127"/>
+                <a:ea typeface="나눔바른고딕" pitchFamily="50" charset="-127"/>
+              </a:rPr>
+              <a:t>alert</a:t>
+            </a:r>
+            <a:r>
+              <a:rPr lang="ko-KR" altLang="en-US" dirty="0" smtClean="0">
+                <a:latin typeface="나눔바른고딕" pitchFamily="50" charset="-127"/>
+                <a:ea typeface="나눔바른고딕" pitchFamily="50" charset="-127"/>
+              </a:rPr>
+              <a:t>는 순서대로 나오게</a:t>
+            </a:r>
+            <a:endParaRPr lang="en-US" altLang="ko-KR" dirty="0" smtClean="0">
+              <a:latin typeface="나눔바른고딕" pitchFamily="50" charset="-127"/>
+              <a:ea typeface="나눔바른고딕" pitchFamily="50" charset="-127"/>
+            </a:endParaRPr>
+          </a:p>
+        </p:txBody>
+      </p:sp>
+    </p:spTree>
+  </p:cSld>
+  <p:clrMapOvr>
+    <a:masterClrMapping/>
+  </p:clrMapOvr>
+  <p:timing>
+    <p:tnLst>
+      <p:par>
+        <p:cTn id="1" dur="indefinite" restart="never" nodeType="tmRoot"/>
+      </p:par>
+    </p:tnLst>
+  </p:timing>
+</p:sld>
+</file>
+
 <file path=ppt/slides/slide2.xml><?xml version="1.0" encoding="utf-8"?>
 <p:sld xmlns:a="http://schemas.openxmlformats.org/drawingml/2006/main" xmlns:r="http://schemas.openxmlformats.org/officeDocument/2006/relationships" xmlns:p="http://schemas.openxmlformats.org/presentationml/2006/main">
   <p:cSld>
@@ -6929,6 +7936,1775 @@
           </a:p>
         </p:txBody>
       </p:sp>
+    </p:spTree>
+  </p:cSld>
+  <p:clrMapOvr>
+    <a:masterClrMapping/>
+  </p:clrMapOvr>
+  <p:timing>
+    <p:tnLst>
+      <p:par>
+        <p:cTn id="1" dur="indefinite" restart="never" nodeType="tmRoot"/>
+      </p:par>
+    </p:tnLst>
+  </p:timing>
+</p:sld>
+</file>
+
+<file path=ppt/slides/slide20.xml><?xml version="1.0" encoding="utf-8"?>
+<p:sld xmlns:a="http://schemas.openxmlformats.org/drawingml/2006/main" xmlns:r="http://schemas.openxmlformats.org/officeDocument/2006/relationships" xmlns:p="http://schemas.openxmlformats.org/presentationml/2006/main">
+  <p:cSld>
+    <p:spTree>
+      <p:nvGrpSpPr>
+        <p:cNvPr id="1" name=""/>
+        <p:cNvGrpSpPr/>
+        <p:nvPr/>
+      </p:nvGrpSpPr>
+      <p:grpSpPr>
+        <a:xfrm>
+          <a:off x="0" y="0"/>
+          <a:ext cx="0" cy="0"/>
+          <a:chOff x="0" y="0"/>
+          <a:chExt cx="0" cy="0"/>
+        </a:xfrm>
+      </p:grpSpPr>
+      <p:sp>
+        <p:nvSpPr>
+          <p:cNvPr id="16" name="평행 사변형 15"/>
+          <p:cNvSpPr/>
+          <p:nvPr/>
+        </p:nvSpPr>
+        <p:spPr>
+          <a:xfrm rot="16200000">
+            <a:off x="2000251" y="-2000250"/>
+            <a:ext cx="5143500" cy="9144001"/>
+          </a:xfrm>
+          <a:prstGeom prst="parallelogram">
+            <a:avLst>
+              <a:gd name="adj" fmla="val 7753"/>
+            </a:avLst>
+          </a:prstGeom>
+          <a:solidFill>
+            <a:srgbClr val="473F3D"/>
+          </a:solidFill>
+          <a:ln>
+            <a:noFill/>
+          </a:ln>
+          <a:effectLst>
+            <a:outerShdw blurRad="63500" sx="102000" sy="102000" algn="ctr" rotWithShape="0">
+              <a:prstClr val="black">
+                <a:alpha val="40000"/>
+              </a:prstClr>
+            </a:outerShdw>
+          </a:effectLst>
+        </p:spPr>
+        <p:style>
+          <a:lnRef idx="2">
+            <a:schemeClr val="accent1">
+              <a:shade val="50000"/>
+            </a:schemeClr>
+          </a:lnRef>
+          <a:fillRef idx="1">
+            <a:schemeClr val="accent1"/>
+          </a:fillRef>
+          <a:effectRef idx="0">
+            <a:schemeClr val="accent1"/>
+          </a:effectRef>
+          <a:fontRef idx="minor">
+            <a:schemeClr val="lt1"/>
+          </a:fontRef>
+        </p:style>
+        <p:txBody>
+          <a:bodyPr rtlCol="0" anchor="ctr"/>
+          <a:lstStyle/>
+          <a:p>
+            <a:pPr algn="ctr"/>
+            <a:endParaRPr lang="ko-KR" altLang="en-US" sz="1600"/>
+          </a:p>
+        </p:txBody>
+      </p:sp>
+      <p:sp>
+        <p:nvSpPr>
+          <p:cNvPr id="10" name="TextBox 9"/>
+          <p:cNvSpPr txBox="1"/>
+          <p:nvPr/>
+        </p:nvSpPr>
+        <p:spPr>
+          <a:xfrm>
+            <a:off x="611560" y="483518"/>
+            <a:ext cx="5904656" cy="461665"/>
+          </a:xfrm>
+          <a:prstGeom prst="rect">
+            <a:avLst/>
+          </a:prstGeom>
+          <a:noFill/>
+        </p:spPr>
+        <p:txBody>
+          <a:bodyPr wrap="square" rtlCol="0">
+            <a:spAutoFit/>
+          </a:bodyPr>
+          <a:lstStyle/>
+          <a:p>
+            <a:r>
+              <a:rPr lang="en-US" altLang="ko-KR" sz="2400" dirty="0" err="1" smtClean="0">
+                <a:solidFill>
+                  <a:schemeClr val="bg1"/>
+                </a:solidFill>
+                <a:latin typeface="나눔명조" pitchFamily="18" charset="-127"/>
+                <a:ea typeface="나눔명조" pitchFamily="18" charset="-127"/>
+              </a:rPr>
+              <a:t>git</a:t>
+            </a:r>
+            <a:r>
+              <a:rPr lang="en-US" altLang="ko-KR" sz="2400" dirty="0" smtClean="0">
+                <a:solidFill>
+                  <a:schemeClr val="bg1"/>
+                </a:solidFill>
+                <a:latin typeface="나눔명조" pitchFamily="18" charset="-127"/>
+                <a:ea typeface="나눔명조" pitchFamily="18" charset="-127"/>
+              </a:rPr>
+              <a:t> branch</a:t>
+            </a:r>
+            <a:endParaRPr lang="ko-KR" altLang="en-US" sz="2400" dirty="0">
+              <a:solidFill>
+                <a:schemeClr val="bg1"/>
+              </a:solidFill>
+              <a:latin typeface="나눔명조" pitchFamily="18" charset="-127"/>
+              <a:ea typeface="나눔명조" pitchFamily="18" charset="-127"/>
+            </a:endParaRPr>
+          </a:p>
+        </p:txBody>
+      </p:sp>
+      <p:cxnSp>
+        <p:nvCxnSpPr>
+          <p:cNvPr id="11" name="직선 연결선 10"/>
+          <p:cNvCxnSpPr/>
+          <p:nvPr/>
+        </p:nvCxnSpPr>
+        <p:spPr>
+          <a:xfrm>
+            <a:off x="539552" y="915566"/>
+            <a:ext cx="8136904" cy="0"/>
+          </a:xfrm>
+          <a:prstGeom prst="line">
+            <a:avLst/>
+          </a:prstGeom>
+          <a:ln w="12700">
+            <a:solidFill>
+              <a:schemeClr val="bg1"/>
+            </a:solidFill>
+          </a:ln>
+        </p:spPr>
+        <p:style>
+          <a:lnRef idx="1">
+            <a:schemeClr val="accent1"/>
+          </a:lnRef>
+          <a:fillRef idx="0">
+            <a:schemeClr val="accent1"/>
+          </a:fillRef>
+          <a:effectRef idx="0">
+            <a:schemeClr val="accent1"/>
+          </a:effectRef>
+          <a:fontRef idx="minor">
+            <a:schemeClr val="tx1"/>
+          </a:fontRef>
+        </p:style>
+      </p:cxnSp>
+      <p:cxnSp>
+        <p:nvCxnSpPr>
+          <p:cNvPr id="12" name="직선 연결선 11"/>
+          <p:cNvCxnSpPr/>
+          <p:nvPr/>
+        </p:nvCxnSpPr>
+        <p:spPr>
+          <a:xfrm>
+            <a:off x="467544" y="4299942"/>
+            <a:ext cx="8136904" cy="0"/>
+          </a:xfrm>
+          <a:prstGeom prst="line">
+            <a:avLst/>
+          </a:prstGeom>
+          <a:ln w="12700">
+            <a:solidFill>
+              <a:schemeClr val="bg1"/>
+            </a:solidFill>
+          </a:ln>
+        </p:spPr>
+        <p:style>
+          <a:lnRef idx="1">
+            <a:schemeClr val="accent1"/>
+          </a:lnRef>
+          <a:fillRef idx="0">
+            <a:schemeClr val="accent1"/>
+          </a:fillRef>
+          <a:effectRef idx="0">
+            <a:schemeClr val="accent1"/>
+          </a:effectRef>
+          <a:fontRef idx="minor">
+            <a:schemeClr val="tx1"/>
+          </a:fontRef>
+        </p:style>
+      </p:cxnSp>
+      <p:cxnSp>
+        <p:nvCxnSpPr>
+          <p:cNvPr id="14" name="직선 연결선 13"/>
+          <p:cNvCxnSpPr/>
+          <p:nvPr/>
+        </p:nvCxnSpPr>
+        <p:spPr>
+          <a:xfrm>
+            <a:off x="467544" y="915566"/>
+            <a:ext cx="8208912" cy="0"/>
+          </a:xfrm>
+          <a:prstGeom prst="line">
+            <a:avLst/>
+          </a:prstGeom>
+          <a:ln w="12700">
+            <a:solidFill>
+              <a:schemeClr val="bg1"/>
+            </a:solidFill>
+          </a:ln>
+        </p:spPr>
+        <p:style>
+          <a:lnRef idx="1">
+            <a:schemeClr val="accent1"/>
+          </a:lnRef>
+          <a:fillRef idx="0">
+            <a:schemeClr val="accent1"/>
+          </a:fillRef>
+          <a:effectRef idx="0">
+            <a:schemeClr val="accent1"/>
+          </a:effectRef>
+          <a:fontRef idx="minor">
+            <a:schemeClr val="tx1"/>
+          </a:fontRef>
+        </p:style>
+      </p:cxnSp>
+      <p:cxnSp>
+        <p:nvCxnSpPr>
+          <p:cNvPr id="15" name="직선 연결선 14"/>
+          <p:cNvCxnSpPr/>
+          <p:nvPr/>
+        </p:nvCxnSpPr>
+        <p:spPr>
+          <a:xfrm>
+            <a:off x="467544" y="4299942"/>
+            <a:ext cx="8208912" cy="0"/>
+          </a:xfrm>
+          <a:prstGeom prst="line">
+            <a:avLst/>
+          </a:prstGeom>
+          <a:ln w="12700">
+            <a:solidFill>
+              <a:schemeClr val="bg1"/>
+            </a:solidFill>
+          </a:ln>
+        </p:spPr>
+        <p:style>
+          <a:lnRef idx="1">
+            <a:schemeClr val="accent1"/>
+          </a:lnRef>
+          <a:fillRef idx="0">
+            <a:schemeClr val="accent1"/>
+          </a:fillRef>
+          <a:effectRef idx="0">
+            <a:schemeClr val="accent1"/>
+          </a:effectRef>
+          <a:fontRef idx="minor">
+            <a:schemeClr val="tx1"/>
+          </a:fontRef>
+        </p:style>
+      </p:cxnSp>
+      <p:sp>
+        <p:nvSpPr>
+          <p:cNvPr id="17" name="TextBox 16"/>
+          <p:cNvSpPr txBox="1"/>
+          <p:nvPr/>
+        </p:nvSpPr>
+        <p:spPr>
+          <a:xfrm>
+            <a:off x="2051720" y="1275606"/>
+            <a:ext cx="5040560" cy="369332"/>
+          </a:xfrm>
+          <a:prstGeom prst="rect">
+            <a:avLst/>
+          </a:prstGeom>
+          <a:noFill/>
+        </p:spPr>
+        <p:txBody>
+          <a:bodyPr wrap="square" rtlCol="0">
+            <a:spAutoFit/>
+          </a:bodyPr>
+          <a:lstStyle/>
+          <a:p>
+            <a:pPr algn="ctr"/>
+            <a:r>
+              <a:rPr lang="en-US" altLang="ko-KR" dirty="0" smtClean="0">
+                <a:solidFill>
+                  <a:schemeClr val="bg1">
+                    <a:lumMod val="75000"/>
+                  </a:schemeClr>
+                </a:solidFill>
+                <a:latin typeface="나눔명조" pitchFamily="18" charset="-127"/>
+                <a:ea typeface="나눔명조" pitchFamily="18" charset="-127"/>
+              </a:rPr>
+              <a:t>“</a:t>
+            </a:r>
+            <a:r>
+              <a:rPr lang="ko-KR" altLang="en-US" dirty="0" smtClean="0">
+                <a:solidFill>
+                  <a:schemeClr val="bg1">
+                    <a:lumMod val="75000"/>
+                  </a:schemeClr>
+                </a:solidFill>
+                <a:latin typeface="나눔명조" pitchFamily="18" charset="-127"/>
+                <a:ea typeface="나눔명조" pitchFamily="18" charset="-127"/>
+              </a:rPr>
+              <a:t>요구사항 별로 </a:t>
+            </a:r>
+            <a:r>
+              <a:rPr lang="en-US" altLang="ko-KR" dirty="0" smtClean="0">
+                <a:solidFill>
+                  <a:schemeClr val="bg1">
+                    <a:lumMod val="75000"/>
+                  </a:schemeClr>
+                </a:solidFill>
+                <a:latin typeface="나눔명조" pitchFamily="18" charset="-127"/>
+                <a:ea typeface="나눔명조" pitchFamily="18" charset="-127"/>
+              </a:rPr>
+              <a:t>branch </a:t>
+            </a:r>
+            <a:r>
+              <a:rPr lang="ko-KR" altLang="en-US" dirty="0" smtClean="0">
+                <a:solidFill>
+                  <a:schemeClr val="bg1">
+                    <a:lumMod val="75000"/>
+                  </a:schemeClr>
+                </a:solidFill>
+                <a:latin typeface="나눔명조" pitchFamily="18" charset="-127"/>
+                <a:ea typeface="나눔명조" pitchFamily="18" charset="-127"/>
+              </a:rPr>
+              <a:t>만들어보자</a:t>
+            </a:r>
+            <a:r>
+              <a:rPr lang="en-US" altLang="ko-KR" dirty="0" smtClean="0">
+                <a:solidFill>
+                  <a:schemeClr val="bg1">
+                    <a:lumMod val="75000"/>
+                  </a:schemeClr>
+                </a:solidFill>
+                <a:latin typeface="나눔명조" pitchFamily="18" charset="-127"/>
+                <a:ea typeface="나눔명조" pitchFamily="18" charset="-127"/>
+              </a:rPr>
+              <a:t>”</a:t>
+            </a:r>
+            <a:endParaRPr lang="ko-KR" altLang="en-US" dirty="0">
+              <a:solidFill>
+                <a:schemeClr val="bg1">
+                  <a:lumMod val="75000"/>
+                </a:schemeClr>
+              </a:solidFill>
+              <a:latin typeface="나눔명조" pitchFamily="18" charset="-127"/>
+              <a:ea typeface="나눔명조" pitchFamily="18" charset="-127"/>
+            </a:endParaRPr>
+          </a:p>
+        </p:txBody>
+      </p:sp>
+      <p:pic>
+        <p:nvPicPr>
+          <p:cNvPr id="7170" name="Picture 2"/>
+          <p:cNvPicPr>
+            <a:picLocks noChangeAspect="1" noChangeArrowheads="1"/>
+          </p:cNvPicPr>
+          <p:nvPr/>
+        </p:nvPicPr>
+        <p:blipFill>
+          <a:blip r:embed="rId2" cstate="print"/>
+          <a:srcRect/>
+          <a:stretch>
+            <a:fillRect/>
+          </a:stretch>
+        </p:blipFill>
+        <p:spPr bwMode="auto">
+          <a:xfrm>
+            <a:off x="3059832" y="1851670"/>
+            <a:ext cx="3168352" cy="2267962"/>
+          </a:xfrm>
+          <a:prstGeom prst="rect">
+            <a:avLst/>
+          </a:prstGeom>
+          <a:noFill/>
+          <a:ln w="9525">
+            <a:noFill/>
+            <a:miter lim="800000"/>
+            <a:headEnd/>
+            <a:tailEnd/>
+          </a:ln>
+          <a:effectLst>
+            <a:outerShdw blurRad="63500" sx="102000" sy="102000" algn="ctr" rotWithShape="0">
+              <a:prstClr val="black">
+                <a:alpha val="40000"/>
+              </a:prstClr>
+            </a:outerShdw>
+          </a:effectLst>
+        </p:spPr>
+      </p:pic>
+    </p:spTree>
+  </p:cSld>
+  <p:clrMapOvr>
+    <a:masterClrMapping/>
+  </p:clrMapOvr>
+  <p:timing>
+    <p:tnLst>
+      <p:par>
+        <p:cTn id="1" dur="indefinite" restart="never" nodeType="tmRoot"/>
+      </p:par>
+    </p:tnLst>
+  </p:timing>
+</p:sld>
+</file>
+
+<file path=ppt/slides/slide21.xml><?xml version="1.0" encoding="utf-8"?>
+<p:sld xmlns:a="http://schemas.openxmlformats.org/drawingml/2006/main" xmlns:r="http://schemas.openxmlformats.org/officeDocument/2006/relationships" xmlns:p="http://schemas.openxmlformats.org/presentationml/2006/main">
+  <p:cSld>
+    <p:spTree>
+      <p:nvGrpSpPr>
+        <p:cNvPr id="1" name=""/>
+        <p:cNvGrpSpPr/>
+        <p:nvPr/>
+      </p:nvGrpSpPr>
+      <p:grpSpPr>
+        <a:xfrm>
+          <a:off x="0" y="0"/>
+          <a:ext cx="0" cy="0"/>
+          <a:chOff x="0" y="0"/>
+          <a:chExt cx="0" cy="0"/>
+        </a:xfrm>
+      </p:grpSpPr>
+      <p:sp>
+        <p:nvSpPr>
+          <p:cNvPr id="16" name="평행 사변형 15"/>
+          <p:cNvSpPr/>
+          <p:nvPr/>
+        </p:nvSpPr>
+        <p:spPr>
+          <a:xfrm rot="16200000">
+            <a:off x="2000251" y="-2000250"/>
+            <a:ext cx="5143500" cy="9144001"/>
+          </a:xfrm>
+          <a:prstGeom prst="parallelogram">
+            <a:avLst>
+              <a:gd name="adj" fmla="val 7753"/>
+            </a:avLst>
+          </a:prstGeom>
+          <a:solidFill>
+            <a:srgbClr val="473F3D"/>
+          </a:solidFill>
+          <a:ln>
+            <a:noFill/>
+          </a:ln>
+          <a:effectLst>
+            <a:outerShdw blurRad="63500" sx="102000" sy="102000" algn="ctr" rotWithShape="0">
+              <a:prstClr val="black">
+                <a:alpha val="40000"/>
+              </a:prstClr>
+            </a:outerShdw>
+          </a:effectLst>
+        </p:spPr>
+        <p:style>
+          <a:lnRef idx="2">
+            <a:schemeClr val="accent1">
+              <a:shade val="50000"/>
+            </a:schemeClr>
+          </a:lnRef>
+          <a:fillRef idx="1">
+            <a:schemeClr val="accent1"/>
+          </a:fillRef>
+          <a:effectRef idx="0">
+            <a:schemeClr val="accent1"/>
+          </a:effectRef>
+          <a:fontRef idx="minor">
+            <a:schemeClr val="lt1"/>
+          </a:fontRef>
+        </p:style>
+        <p:txBody>
+          <a:bodyPr rtlCol="0" anchor="ctr"/>
+          <a:lstStyle/>
+          <a:p>
+            <a:pPr algn="ctr"/>
+            <a:endParaRPr lang="ko-KR" altLang="en-US" sz="1600"/>
+          </a:p>
+        </p:txBody>
+      </p:sp>
+      <p:sp>
+        <p:nvSpPr>
+          <p:cNvPr id="10" name="TextBox 9"/>
+          <p:cNvSpPr txBox="1"/>
+          <p:nvPr/>
+        </p:nvSpPr>
+        <p:spPr>
+          <a:xfrm>
+            <a:off x="611560" y="483518"/>
+            <a:ext cx="5904656" cy="461665"/>
+          </a:xfrm>
+          <a:prstGeom prst="rect">
+            <a:avLst/>
+          </a:prstGeom>
+          <a:noFill/>
+        </p:spPr>
+        <p:txBody>
+          <a:bodyPr wrap="square" rtlCol="0">
+            <a:spAutoFit/>
+          </a:bodyPr>
+          <a:lstStyle/>
+          <a:p>
+            <a:r>
+              <a:rPr lang="en-US" altLang="ko-KR" sz="2400" dirty="0" err="1" smtClean="0">
+                <a:solidFill>
+                  <a:schemeClr val="bg1"/>
+                </a:solidFill>
+                <a:latin typeface="나눔명조" pitchFamily="18" charset="-127"/>
+                <a:ea typeface="나눔명조" pitchFamily="18" charset="-127"/>
+              </a:rPr>
+              <a:t>git</a:t>
+            </a:r>
+            <a:r>
+              <a:rPr lang="en-US" altLang="ko-KR" sz="2400" dirty="0" smtClean="0">
+                <a:solidFill>
+                  <a:schemeClr val="bg1"/>
+                </a:solidFill>
+                <a:latin typeface="나눔명조" pitchFamily="18" charset="-127"/>
+                <a:ea typeface="나눔명조" pitchFamily="18" charset="-127"/>
+              </a:rPr>
+              <a:t> checkout</a:t>
+            </a:r>
+            <a:endParaRPr lang="ko-KR" altLang="en-US" sz="2400" dirty="0">
+              <a:solidFill>
+                <a:schemeClr val="bg1"/>
+              </a:solidFill>
+              <a:latin typeface="나눔명조" pitchFamily="18" charset="-127"/>
+              <a:ea typeface="나눔명조" pitchFamily="18" charset="-127"/>
+            </a:endParaRPr>
+          </a:p>
+        </p:txBody>
+      </p:sp>
+      <p:cxnSp>
+        <p:nvCxnSpPr>
+          <p:cNvPr id="11" name="직선 연결선 10"/>
+          <p:cNvCxnSpPr/>
+          <p:nvPr/>
+        </p:nvCxnSpPr>
+        <p:spPr>
+          <a:xfrm>
+            <a:off x="539552" y="915566"/>
+            <a:ext cx="8136904" cy="0"/>
+          </a:xfrm>
+          <a:prstGeom prst="line">
+            <a:avLst/>
+          </a:prstGeom>
+          <a:ln w="12700">
+            <a:solidFill>
+              <a:schemeClr val="bg1"/>
+            </a:solidFill>
+          </a:ln>
+        </p:spPr>
+        <p:style>
+          <a:lnRef idx="1">
+            <a:schemeClr val="accent1"/>
+          </a:lnRef>
+          <a:fillRef idx="0">
+            <a:schemeClr val="accent1"/>
+          </a:fillRef>
+          <a:effectRef idx="0">
+            <a:schemeClr val="accent1"/>
+          </a:effectRef>
+          <a:fontRef idx="minor">
+            <a:schemeClr val="tx1"/>
+          </a:fontRef>
+        </p:style>
+      </p:cxnSp>
+      <p:cxnSp>
+        <p:nvCxnSpPr>
+          <p:cNvPr id="12" name="직선 연결선 11"/>
+          <p:cNvCxnSpPr/>
+          <p:nvPr/>
+        </p:nvCxnSpPr>
+        <p:spPr>
+          <a:xfrm>
+            <a:off x="467544" y="4299942"/>
+            <a:ext cx="8136904" cy="0"/>
+          </a:xfrm>
+          <a:prstGeom prst="line">
+            <a:avLst/>
+          </a:prstGeom>
+          <a:ln w="12700">
+            <a:solidFill>
+              <a:schemeClr val="bg1"/>
+            </a:solidFill>
+          </a:ln>
+        </p:spPr>
+        <p:style>
+          <a:lnRef idx="1">
+            <a:schemeClr val="accent1"/>
+          </a:lnRef>
+          <a:fillRef idx="0">
+            <a:schemeClr val="accent1"/>
+          </a:fillRef>
+          <a:effectRef idx="0">
+            <a:schemeClr val="accent1"/>
+          </a:effectRef>
+          <a:fontRef idx="minor">
+            <a:schemeClr val="tx1"/>
+          </a:fontRef>
+        </p:style>
+      </p:cxnSp>
+      <p:cxnSp>
+        <p:nvCxnSpPr>
+          <p:cNvPr id="14" name="직선 연결선 13"/>
+          <p:cNvCxnSpPr/>
+          <p:nvPr/>
+        </p:nvCxnSpPr>
+        <p:spPr>
+          <a:xfrm>
+            <a:off x="467544" y="915566"/>
+            <a:ext cx="8208912" cy="0"/>
+          </a:xfrm>
+          <a:prstGeom prst="line">
+            <a:avLst/>
+          </a:prstGeom>
+          <a:ln w="12700">
+            <a:solidFill>
+              <a:schemeClr val="bg1"/>
+            </a:solidFill>
+          </a:ln>
+        </p:spPr>
+        <p:style>
+          <a:lnRef idx="1">
+            <a:schemeClr val="accent1"/>
+          </a:lnRef>
+          <a:fillRef idx="0">
+            <a:schemeClr val="accent1"/>
+          </a:fillRef>
+          <a:effectRef idx="0">
+            <a:schemeClr val="accent1"/>
+          </a:effectRef>
+          <a:fontRef idx="minor">
+            <a:schemeClr val="tx1"/>
+          </a:fontRef>
+        </p:style>
+      </p:cxnSp>
+      <p:cxnSp>
+        <p:nvCxnSpPr>
+          <p:cNvPr id="15" name="직선 연결선 14"/>
+          <p:cNvCxnSpPr/>
+          <p:nvPr/>
+        </p:nvCxnSpPr>
+        <p:spPr>
+          <a:xfrm>
+            <a:off x="467544" y="4299942"/>
+            <a:ext cx="8208912" cy="0"/>
+          </a:xfrm>
+          <a:prstGeom prst="line">
+            <a:avLst/>
+          </a:prstGeom>
+          <a:ln w="12700">
+            <a:solidFill>
+              <a:schemeClr val="bg1"/>
+            </a:solidFill>
+          </a:ln>
+        </p:spPr>
+        <p:style>
+          <a:lnRef idx="1">
+            <a:schemeClr val="accent1"/>
+          </a:lnRef>
+          <a:fillRef idx="0">
+            <a:schemeClr val="accent1"/>
+          </a:fillRef>
+          <a:effectRef idx="0">
+            <a:schemeClr val="accent1"/>
+          </a:effectRef>
+          <a:fontRef idx="minor">
+            <a:schemeClr val="tx1"/>
+          </a:fontRef>
+        </p:style>
+      </p:cxnSp>
+      <p:sp>
+        <p:nvSpPr>
+          <p:cNvPr id="17" name="TextBox 16"/>
+          <p:cNvSpPr txBox="1"/>
+          <p:nvPr/>
+        </p:nvSpPr>
+        <p:spPr>
+          <a:xfrm>
+            <a:off x="1907704" y="1275606"/>
+            <a:ext cx="5328592" cy="369332"/>
+          </a:xfrm>
+          <a:prstGeom prst="rect">
+            <a:avLst/>
+          </a:prstGeom>
+          <a:noFill/>
+        </p:spPr>
+        <p:txBody>
+          <a:bodyPr wrap="square" rtlCol="0">
+            <a:spAutoFit/>
+          </a:bodyPr>
+          <a:lstStyle/>
+          <a:p>
+            <a:pPr algn="ctr"/>
+            <a:r>
+              <a:rPr lang="en-US" altLang="ko-KR" dirty="0" smtClean="0">
+                <a:solidFill>
+                  <a:schemeClr val="bg1">
+                    <a:lumMod val="75000"/>
+                  </a:schemeClr>
+                </a:solidFill>
+                <a:latin typeface="나눔명조" pitchFamily="18" charset="-127"/>
+                <a:ea typeface="나눔명조" pitchFamily="18" charset="-127"/>
+              </a:rPr>
+              <a:t>“</a:t>
+            </a:r>
+            <a:r>
+              <a:rPr lang="ko-KR" altLang="en-US" dirty="0" err="1" smtClean="0">
+                <a:solidFill>
+                  <a:schemeClr val="bg1">
+                    <a:lumMod val="75000"/>
+                  </a:schemeClr>
+                </a:solidFill>
+                <a:latin typeface="나눔명조" pitchFamily="18" charset="-127"/>
+                <a:ea typeface="나눔명조" pitchFamily="18" charset="-127"/>
+              </a:rPr>
+              <a:t>첫번째</a:t>
+            </a:r>
+            <a:r>
+              <a:rPr lang="ko-KR" altLang="en-US" dirty="0" smtClean="0">
+                <a:solidFill>
+                  <a:schemeClr val="bg1">
+                    <a:lumMod val="75000"/>
+                  </a:schemeClr>
+                </a:solidFill>
+                <a:latin typeface="나눔명조" pitchFamily="18" charset="-127"/>
+                <a:ea typeface="나눔명조" pitchFamily="18" charset="-127"/>
+              </a:rPr>
+              <a:t> 요구사항 개발하러 </a:t>
+            </a:r>
+            <a:r>
+              <a:rPr lang="en-US" altLang="ko-KR" dirty="0" smtClean="0">
+                <a:solidFill>
+                  <a:schemeClr val="bg1">
+                    <a:lumMod val="75000"/>
+                  </a:schemeClr>
+                </a:solidFill>
+                <a:latin typeface="나눔명조" pitchFamily="18" charset="-127"/>
+                <a:ea typeface="나눔명조" pitchFamily="18" charset="-127"/>
+              </a:rPr>
+              <a:t>req1/dev1 </a:t>
+            </a:r>
+            <a:r>
+              <a:rPr lang="ko-KR" altLang="en-US" dirty="0" err="1" smtClean="0">
+                <a:solidFill>
+                  <a:schemeClr val="bg1">
+                    <a:lumMod val="75000"/>
+                  </a:schemeClr>
+                </a:solidFill>
+                <a:latin typeface="나눔명조" pitchFamily="18" charset="-127"/>
+                <a:ea typeface="나눔명조" pitchFamily="18" charset="-127"/>
+              </a:rPr>
+              <a:t>브랜치로</a:t>
+            </a:r>
+            <a:r>
+              <a:rPr lang="ko-KR" altLang="en-US" dirty="0" smtClean="0">
+                <a:solidFill>
+                  <a:schemeClr val="bg1">
+                    <a:lumMod val="75000"/>
+                  </a:schemeClr>
+                </a:solidFill>
+                <a:latin typeface="나눔명조" pitchFamily="18" charset="-127"/>
+                <a:ea typeface="나눔명조" pitchFamily="18" charset="-127"/>
+              </a:rPr>
+              <a:t> 이동</a:t>
+            </a:r>
+            <a:r>
+              <a:rPr lang="en-US" altLang="ko-KR" dirty="0" smtClean="0">
+                <a:solidFill>
+                  <a:schemeClr val="bg1">
+                    <a:lumMod val="75000"/>
+                  </a:schemeClr>
+                </a:solidFill>
+                <a:latin typeface="나눔명조" pitchFamily="18" charset="-127"/>
+                <a:ea typeface="나눔명조" pitchFamily="18" charset="-127"/>
+              </a:rPr>
+              <a:t>”</a:t>
+            </a:r>
+            <a:endParaRPr lang="ko-KR" altLang="en-US" dirty="0">
+              <a:solidFill>
+                <a:schemeClr val="bg1">
+                  <a:lumMod val="75000"/>
+                </a:schemeClr>
+              </a:solidFill>
+              <a:latin typeface="나눔명조" pitchFamily="18" charset="-127"/>
+              <a:ea typeface="나눔명조" pitchFamily="18" charset="-127"/>
+            </a:endParaRPr>
+          </a:p>
+        </p:txBody>
+      </p:sp>
+      <p:pic>
+        <p:nvPicPr>
+          <p:cNvPr id="8194" name="Picture 2"/>
+          <p:cNvPicPr>
+            <a:picLocks noChangeAspect="1" noChangeArrowheads="1"/>
+          </p:cNvPicPr>
+          <p:nvPr/>
+        </p:nvPicPr>
+        <p:blipFill>
+          <a:blip r:embed="rId2" cstate="print"/>
+          <a:srcRect/>
+          <a:stretch>
+            <a:fillRect/>
+          </a:stretch>
+        </p:blipFill>
+        <p:spPr bwMode="auto">
+          <a:xfrm>
+            <a:off x="2627784" y="1909564"/>
+            <a:ext cx="3810000" cy="1238250"/>
+          </a:xfrm>
+          <a:prstGeom prst="rect">
+            <a:avLst/>
+          </a:prstGeom>
+          <a:noFill/>
+          <a:ln w="9525">
+            <a:noFill/>
+            <a:miter lim="800000"/>
+            <a:headEnd/>
+            <a:tailEnd/>
+          </a:ln>
+        </p:spPr>
+      </p:pic>
+      <p:pic>
+        <p:nvPicPr>
+          <p:cNvPr id="8195" name="Picture 3"/>
+          <p:cNvPicPr>
+            <a:picLocks noChangeAspect="1" noChangeArrowheads="1"/>
+          </p:cNvPicPr>
+          <p:nvPr/>
+        </p:nvPicPr>
+        <p:blipFill>
+          <a:blip r:embed="rId3" cstate="print"/>
+          <a:srcRect/>
+          <a:stretch>
+            <a:fillRect/>
+          </a:stretch>
+        </p:blipFill>
+        <p:spPr bwMode="auto">
+          <a:xfrm>
+            <a:off x="1979712" y="3363838"/>
+            <a:ext cx="5124450" cy="714375"/>
+          </a:xfrm>
+          <a:prstGeom prst="rect">
+            <a:avLst/>
+          </a:prstGeom>
+          <a:noFill/>
+          <a:ln w="9525">
+            <a:noFill/>
+            <a:miter lim="800000"/>
+            <a:headEnd/>
+            <a:tailEnd/>
+          </a:ln>
+        </p:spPr>
+      </p:pic>
+    </p:spTree>
+  </p:cSld>
+  <p:clrMapOvr>
+    <a:masterClrMapping/>
+  </p:clrMapOvr>
+  <p:timing>
+    <p:tnLst>
+      <p:par>
+        <p:cTn id="1" dur="indefinite" restart="never" nodeType="tmRoot"/>
+      </p:par>
+    </p:tnLst>
+  </p:timing>
+</p:sld>
+</file>
+
+<file path=ppt/slides/slide22.xml><?xml version="1.0" encoding="utf-8"?>
+<p:sld xmlns:a="http://schemas.openxmlformats.org/drawingml/2006/main" xmlns:r="http://schemas.openxmlformats.org/officeDocument/2006/relationships" xmlns:p="http://schemas.openxmlformats.org/presentationml/2006/main">
+  <p:cSld>
+    <p:spTree>
+      <p:nvGrpSpPr>
+        <p:cNvPr id="1" name=""/>
+        <p:cNvGrpSpPr/>
+        <p:nvPr/>
+      </p:nvGrpSpPr>
+      <p:grpSpPr>
+        <a:xfrm>
+          <a:off x="0" y="0"/>
+          <a:ext cx="0" cy="0"/>
+          <a:chOff x="0" y="0"/>
+          <a:chExt cx="0" cy="0"/>
+        </a:xfrm>
+      </p:grpSpPr>
+      <p:sp>
+        <p:nvSpPr>
+          <p:cNvPr id="16" name="평행 사변형 15"/>
+          <p:cNvSpPr/>
+          <p:nvPr/>
+        </p:nvSpPr>
+        <p:spPr>
+          <a:xfrm rot="16200000">
+            <a:off x="2000251" y="-2000250"/>
+            <a:ext cx="5143500" cy="9144001"/>
+          </a:xfrm>
+          <a:prstGeom prst="parallelogram">
+            <a:avLst>
+              <a:gd name="adj" fmla="val 7753"/>
+            </a:avLst>
+          </a:prstGeom>
+          <a:solidFill>
+            <a:srgbClr val="473F3D"/>
+          </a:solidFill>
+          <a:ln>
+            <a:noFill/>
+          </a:ln>
+          <a:effectLst>
+            <a:outerShdw blurRad="63500" sx="102000" sy="102000" algn="ctr" rotWithShape="0">
+              <a:prstClr val="black">
+                <a:alpha val="40000"/>
+              </a:prstClr>
+            </a:outerShdw>
+          </a:effectLst>
+        </p:spPr>
+        <p:style>
+          <a:lnRef idx="2">
+            <a:schemeClr val="accent1">
+              <a:shade val="50000"/>
+            </a:schemeClr>
+          </a:lnRef>
+          <a:fillRef idx="1">
+            <a:schemeClr val="accent1"/>
+          </a:fillRef>
+          <a:effectRef idx="0">
+            <a:schemeClr val="accent1"/>
+          </a:effectRef>
+          <a:fontRef idx="minor">
+            <a:schemeClr val="lt1"/>
+          </a:fontRef>
+        </p:style>
+        <p:txBody>
+          <a:bodyPr rtlCol="0" anchor="ctr"/>
+          <a:lstStyle/>
+          <a:p>
+            <a:pPr algn="ctr"/>
+            <a:endParaRPr lang="ko-KR" altLang="en-US" sz="1600"/>
+          </a:p>
+        </p:txBody>
+      </p:sp>
+      <p:sp>
+        <p:nvSpPr>
+          <p:cNvPr id="10" name="TextBox 9"/>
+          <p:cNvSpPr txBox="1"/>
+          <p:nvPr/>
+        </p:nvSpPr>
+        <p:spPr>
+          <a:xfrm>
+            <a:off x="611560" y="483518"/>
+            <a:ext cx="5904656" cy="461665"/>
+          </a:xfrm>
+          <a:prstGeom prst="rect">
+            <a:avLst/>
+          </a:prstGeom>
+          <a:noFill/>
+        </p:spPr>
+        <p:txBody>
+          <a:bodyPr wrap="square" rtlCol="0">
+            <a:spAutoFit/>
+          </a:bodyPr>
+          <a:lstStyle/>
+          <a:p>
+            <a:r>
+              <a:rPr lang="ko-KR" altLang="en-US" sz="2400" dirty="0" err="1" smtClean="0">
+                <a:solidFill>
+                  <a:schemeClr val="bg1"/>
+                </a:solidFill>
+                <a:latin typeface="나눔명조" pitchFamily="18" charset="-127"/>
+                <a:ea typeface="나눔명조" pitchFamily="18" charset="-127"/>
+              </a:rPr>
+              <a:t>첫번째</a:t>
+            </a:r>
+            <a:r>
+              <a:rPr lang="ko-KR" altLang="en-US" sz="2400" dirty="0" smtClean="0">
+                <a:solidFill>
+                  <a:schemeClr val="bg1"/>
+                </a:solidFill>
+                <a:latin typeface="나눔명조" pitchFamily="18" charset="-127"/>
+                <a:ea typeface="나눔명조" pitchFamily="18" charset="-127"/>
+              </a:rPr>
+              <a:t> 기능 개발하고 </a:t>
+            </a:r>
+            <a:r>
+              <a:rPr lang="en-US" altLang="ko-KR" sz="2400" dirty="0" smtClean="0">
+                <a:solidFill>
+                  <a:schemeClr val="bg1"/>
+                </a:solidFill>
+                <a:latin typeface="나눔명조" pitchFamily="18" charset="-127"/>
+                <a:ea typeface="나눔명조" pitchFamily="18" charset="-127"/>
+              </a:rPr>
+              <a:t>commit</a:t>
+            </a:r>
+            <a:r>
+              <a:rPr lang="ko-KR" altLang="en-US" sz="2400" dirty="0" smtClean="0">
+                <a:solidFill>
+                  <a:schemeClr val="bg1"/>
+                </a:solidFill>
+                <a:latin typeface="나눔명조" pitchFamily="18" charset="-127"/>
+                <a:ea typeface="나눔명조" pitchFamily="18" charset="-127"/>
+              </a:rPr>
+              <a:t> </a:t>
+            </a:r>
+            <a:endParaRPr lang="ko-KR" altLang="en-US" sz="2400" dirty="0">
+              <a:solidFill>
+                <a:schemeClr val="bg1"/>
+              </a:solidFill>
+              <a:latin typeface="나눔명조" pitchFamily="18" charset="-127"/>
+              <a:ea typeface="나눔명조" pitchFamily="18" charset="-127"/>
+            </a:endParaRPr>
+          </a:p>
+        </p:txBody>
+      </p:sp>
+      <p:cxnSp>
+        <p:nvCxnSpPr>
+          <p:cNvPr id="11" name="직선 연결선 10"/>
+          <p:cNvCxnSpPr/>
+          <p:nvPr/>
+        </p:nvCxnSpPr>
+        <p:spPr>
+          <a:xfrm>
+            <a:off x="539552" y="915566"/>
+            <a:ext cx="8136904" cy="0"/>
+          </a:xfrm>
+          <a:prstGeom prst="line">
+            <a:avLst/>
+          </a:prstGeom>
+          <a:ln w="12700">
+            <a:solidFill>
+              <a:schemeClr val="bg1"/>
+            </a:solidFill>
+          </a:ln>
+        </p:spPr>
+        <p:style>
+          <a:lnRef idx="1">
+            <a:schemeClr val="accent1"/>
+          </a:lnRef>
+          <a:fillRef idx="0">
+            <a:schemeClr val="accent1"/>
+          </a:fillRef>
+          <a:effectRef idx="0">
+            <a:schemeClr val="accent1"/>
+          </a:effectRef>
+          <a:fontRef idx="minor">
+            <a:schemeClr val="tx1"/>
+          </a:fontRef>
+        </p:style>
+      </p:cxnSp>
+      <p:cxnSp>
+        <p:nvCxnSpPr>
+          <p:cNvPr id="12" name="직선 연결선 11"/>
+          <p:cNvCxnSpPr/>
+          <p:nvPr/>
+        </p:nvCxnSpPr>
+        <p:spPr>
+          <a:xfrm>
+            <a:off x="467544" y="4299942"/>
+            <a:ext cx="8136904" cy="0"/>
+          </a:xfrm>
+          <a:prstGeom prst="line">
+            <a:avLst/>
+          </a:prstGeom>
+          <a:ln w="12700">
+            <a:solidFill>
+              <a:schemeClr val="bg1"/>
+            </a:solidFill>
+          </a:ln>
+        </p:spPr>
+        <p:style>
+          <a:lnRef idx="1">
+            <a:schemeClr val="accent1"/>
+          </a:lnRef>
+          <a:fillRef idx="0">
+            <a:schemeClr val="accent1"/>
+          </a:fillRef>
+          <a:effectRef idx="0">
+            <a:schemeClr val="accent1"/>
+          </a:effectRef>
+          <a:fontRef idx="minor">
+            <a:schemeClr val="tx1"/>
+          </a:fontRef>
+        </p:style>
+      </p:cxnSp>
+      <p:cxnSp>
+        <p:nvCxnSpPr>
+          <p:cNvPr id="14" name="직선 연결선 13"/>
+          <p:cNvCxnSpPr/>
+          <p:nvPr/>
+        </p:nvCxnSpPr>
+        <p:spPr>
+          <a:xfrm>
+            <a:off x="467544" y="915566"/>
+            <a:ext cx="8208912" cy="0"/>
+          </a:xfrm>
+          <a:prstGeom prst="line">
+            <a:avLst/>
+          </a:prstGeom>
+          <a:ln w="12700">
+            <a:solidFill>
+              <a:schemeClr val="bg1"/>
+            </a:solidFill>
+          </a:ln>
+        </p:spPr>
+        <p:style>
+          <a:lnRef idx="1">
+            <a:schemeClr val="accent1"/>
+          </a:lnRef>
+          <a:fillRef idx="0">
+            <a:schemeClr val="accent1"/>
+          </a:fillRef>
+          <a:effectRef idx="0">
+            <a:schemeClr val="accent1"/>
+          </a:effectRef>
+          <a:fontRef idx="minor">
+            <a:schemeClr val="tx1"/>
+          </a:fontRef>
+        </p:style>
+      </p:cxnSp>
+      <p:cxnSp>
+        <p:nvCxnSpPr>
+          <p:cNvPr id="15" name="직선 연결선 14"/>
+          <p:cNvCxnSpPr/>
+          <p:nvPr/>
+        </p:nvCxnSpPr>
+        <p:spPr>
+          <a:xfrm>
+            <a:off x="467544" y="4299942"/>
+            <a:ext cx="8208912" cy="0"/>
+          </a:xfrm>
+          <a:prstGeom prst="line">
+            <a:avLst/>
+          </a:prstGeom>
+          <a:ln w="12700">
+            <a:solidFill>
+              <a:schemeClr val="bg1"/>
+            </a:solidFill>
+          </a:ln>
+        </p:spPr>
+        <p:style>
+          <a:lnRef idx="1">
+            <a:schemeClr val="accent1"/>
+          </a:lnRef>
+          <a:fillRef idx="0">
+            <a:schemeClr val="accent1"/>
+          </a:fillRef>
+          <a:effectRef idx="0">
+            <a:schemeClr val="accent1"/>
+          </a:effectRef>
+          <a:fontRef idx="minor">
+            <a:schemeClr val="tx1"/>
+          </a:fontRef>
+        </p:style>
+      </p:cxnSp>
+      <p:pic>
+        <p:nvPicPr>
+          <p:cNvPr id="9218" name="Picture 2"/>
+          <p:cNvPicPr>
+            <a:picLocks noChangeAspect="1" noChangeArrowheads="1"/>
+          </p:cNvPicPr>
+          <p:nvPr/>
+        </p:nvPicPr>
+        <p:blipFill>
+          <a:blip r:embed="rId2" cstate="print"/>
+          <a:srcRect/>
+          <a:stretch>
+            <a:fillRect/>
+          </a:stretch>
+        </p:blipFill>
+        <p:spPr bwMode="auto">
+          <a:xfrm>
+            <a:off x="1043608" y="3075806"/>
+            <a:ext cx="2779106" cy="796677"/>
+          </a:xfrm>
+          <a:prstGeom prst="rect">
+            <a:avLst/>
+          </a:prstGeom>
+          <a:noFill/>
+          <a:ln w="9525">
+            <a:noFill/>
+            <a:miter lim="800000"/>
+            <a:headEnd/>
+            <a:tailEnd/>
+          </a:ln>
+        </p:spPr>
+      </p:pic>
+      <p:pic>
+        <p:nvPicPr>
+          <p:cNvPr id="9219" name="Picture 3"/>
+          <p:cNvPicPr>
+            <a:picLocks noChangeAspect="1" noChangeArrowheads="1"/>
+          </p:cNvPicPr>
+          <p:nvPr/>
+        </p:nvPicPr>
+        <p:blipFill>
+          <a:blip r:embed="rId3" cstate="print"/>
+          <a:srcRect/>
+          <a:stretch>
+            <a:fillRect/>
+          </a:stretch>
+        </p:blipFill>
+        <p:spPr bwMode="auto">
+          <a:xfrm>
+            <a:off x="1259632" y="1347614"/>
+            <a:ext cx="2485609" cy="1440160"/>
+          </a:xfrm>
+          <a:prstGeom prst="rect">
+            <a:avLst/>
+          </a:prstGeom>
+          <a:noFill/>
+          <a:ln w="9525">
+            <a:noFill/>
+            <a:miter lim="800000"/>
+            <a:headEnd/>
+            <a:tailEnd/>
+          </a:ln>
+        </p:spPr>
+      </p:pic>
+      <p:pic>
+        <p:nvPicPr>
+          <p:cNvPr id="9220" name="Picture 4"/>
+          <p:cNvPicPr>
+            <a:picLocks noChangeAspect="1" noChangeArrowheads="1"/>
+          </p:cNvPicPr>
+          <p:nvPr/>
+        </p:nvPicPr>
+        <p:blipFill>
+          <a:blip r:embed="rId4" cstate="print"/>
+          <a:srcRect/>
+          <a:stretch>
+            <a:fillRect/>
+          </a:stretch>
+        </p:blipFill>
+        <p:spPr bwMode="auto">
+          <a:xfrm>
+            <a:off x="4355976" y="2139702"/>
+            <a:ext cx="4095750" cy="1057275"/>
+          </a:xfrm>
+          <a:prstGeom prst="rect">
+            <a:avLst/>
+          </a:prstGeom>
+          <a:noFill/>
+          <a:ln w="9525">
+            <a:noFill/>
+            <a:miter lim="800000"/>
+            <a:headEnd/>
+            <a:tailEnd/>
+          </a:ln>
+        </p:spPr>
+      </p:pic>
+    </p:spTree>
+  </p:cSld>
+  <p:clrMapOvr>
+    <a:masterClrMapping/>
+  </p:clrMapOvr>
+  <p:timing>
+    <p:tnLst>
+      <p:par>
+        <p:cTn id="1" dur="indefinite" restart="never" nodeType="tmRoot"/>
+      </p:par>
+    </p:tnLst>
+  </p:timing>
+</p:sld>
+</file>
+
+<file path=ppt/slides/slide23.xml><?xml version="1.0" encoding="utf-8"?>
+<p:sld xmlns:a="http://schemas.openxmlformats.org/drawingml/2006/main" xmlns:r="http://schemas.openxmlformats.org/officeDocument/2006/relationships" xmlns:p="http://schemas.openxmlformats.org/presentationml/2006/main">
+  <p:cSld>
+    <p:spTree>
+      <p:nvGrpSpPr>
+        <p:cNvPr id="1" name=""/>
+        <p:cNvGrpSpPr/>
+        <p:nvPr/>
+      </p:nvGrpSpPr>
+      <p:grpSpPr>
+        <a:xfrm>
+          <a:off x="0" y="0"/>
+          <a:ext cx="0" cy="0"/>
+          <a:chOff x="0" y="0"/>
+          <a:chExt cx="0" cy="0"/>
+        </a:xfrm>
+      </p:grpSpPr>
+      <p:sp>
+        <p:nvSpPr>
+          <p:cNvPr id="16" name="평행 사변형 15"/>
+          <p:cNvSpPr/>
+          <p:nvPr/>
+        </p:nvSpPr>
+        <p:spPr>
+          <a:xfrm rot="16200000">
+            <a:off x="2000249" y="-2000251"/>
+            <a:ext cx="5143500" cy="9144001"/>
+          </a:xfrm>
+          <a:prstGeom prst="parallelogram">
+            <a:avLst>
+              <a:gd name="adj" fmla="val 7753"/>
+            </a:avLst>
+          </a:prstGeom>
+          <a:solidFill>
+            <a:srgbClr val="473F3D"/>
+          </a:solidFill>
+          <a:ln>
+            <a:noFill/>
+          </a:ln>
+          <a:effectLst>
+            <a:outerShdw blurRad="63500" sx="102000" sy="102000" algn="ctr" rotWithShape="0">
+              <a:prstClr val="black">
+                <a:alpha val="40000"/>
+              </a:prstClr>
+            </a:outerShdw>
+          </a:effectLst>
+        </p:spPr>
+        <p:style>
+          <a:lnRef idx="2">
+            <a:schemeClr val="accent1">
+              <a:shade val="50000"/>
+            </a:schemeClr>
+          </a:lnRef>
+          <a:fillRef idx="1">
+            <a:schemeClr val="accent1"/>
+          </a:fillRef>
+          <a:effectRef idx="0">
+            <a:schemeClr val="accent1"/>
+          </a:effectRef>
+          <a:fontRef idx="minor">
+            <a:schemeClr val="lt1"/>
+          </a:fontRef>
+        </p:style>
+        <p:txBody>
+          <a:bodyPr rtlCol="0" anchor="ctr"/>
+          <a:lstStyle/>
+          <a:p>
+            <a:pPr algn="ctr"/>
+            <a:endParaRPr lang="ko-KR" altLang="en-US" sz="1600"/>
+          </a:p>
+        </p:txBody>
+      </p:sp>
+      <p:sp>
+        <p:nvSpPr>
+          <p:cNvPr id="10" name="TextBox 9"/>
+          <p:cNvSpPr txBox="1"/>
+          <p:nvPr/>
+        </p:nvSpPr>
+        <p:spPr>
+          <a:xfrm>
+            <a:off x="611560" y="483518"/>
+            <a:ext cx="6480720" cy="461665"/>
+          </a:xfrm>
+          <a:prstGeom prst="rect">
+            <a:avLst/>
+          </a:prstGeom>
+          <a:noFill/>
+        </p:spPr>
+        <p:txBody>
+          <a:bodyPr wrap="square" rtlCol="0">
+            <a:spAutoFit/>
+          </a:bodyPr>
+          <a:lstStyle/>
+          <a:p>
+            <a:r>
+              <a:rPr lang="ko-KR" altLang="en-US" sz="2400" dirty="0" smtClean="0">
+                <a:solidFill>
+                  <a:schemeClr val="bg1"/>
+                </a:solidFill>
+                <a:latin typeface="나눔명조" pitchFamily="18" charset="-127"/>
+                <a:ea typeface="나눔명조" pitchFamily="18" charset="-127"/>
+              </a:rPr>
+              <a:t>각 기능별 </a:t>
+            </a:r>
+            <a:r>
+              <a:rPr lang="ko-KR" altLang="en-US" sz="2400" dirty="0" err="1" smtClean="0">
+                <a:solidFill>
+                  <a:schemeClr val="bg1"/>
+                </a:solidFill>
+                <a:latin typeface="나눔명조" pitchFamily="18" charset="-127"/>
+                <a:ea typeface="나눔명조" pitchFamily="18" charset="-127"/>
+              </a:rPr>
+              <a:t>브랜치로</a:t>
+            </a:r>
+            <a:r>
+              <a:rPr lang="ko-KR" altLang="en-US" sz="2400" dirty="0" smtClean="0">
+                <a:solidFill>
+                  <a:schemeClr val="bg1"/>
+                </a:solidFill>
+                <a:latin typeface="나눔명조" pitchFamily="18" charset="-127"/>
+                <a:ea typeface="나눔명조" pitchFamily="18" charset="-127"/>
+              </a:rPr>
+              <a:t> </a:t>
+            </a:r>
+            <a:r>
+              <a:rPr lang="en-US" altLang="ko-KR" sz="2400" dirty="0" smtClean="0">
+                <a:solidFill>
+                  <a:schemeClr val="bg1"/>
+                </a:solidFill>
+                <a:latin typeface="나눔명조" pitchFamily="18" charset="-127"/>
+                <a:ea typeface="나눔명조" pitchFamily="18" charset="-127"/>
+              </a:rPr>
+              <a:t>checkout </a:t>
+            </a:r>
+            <a:r>
+              <a:rPr lang="ko-KR" altLang="en-US" sz="2400" dirty="0" smtClean="0">
+                <a:solidFill>
+                  <a:schemeClr val="bg1"/>
+                </a:solidFill>
+                <a:latin typeface="나눔명조" pitchFamily="18" charset="-127"/>
+                <a:ea typeface="나눔명조" pitchFamily="18" charset="-127"/>
+              </a:rPr>
+              <a:t>후</a:t>
+            </a:r>
+            <a:r>
+              <a:rPr lang="en-US" altLang="ko-KR" sz="2400" dirty="0" smtClean="0">
+                <a:solidFill>
+                  <a:schemeClr val="bg1"/>
+                </a:solidFill>
+                <a:latin typeface="나눔명조" pitchFamily="18" charset="-127"/>
+                <a:ea typeface="나눔명조" pitchFamily="18" charset="-127"/>
+              </a:rPr>
+              <a:t> </a:t>
+            </a:r>
+            <a:r>
+              <a:rPr lang="ko-KR" altLang="en-US" sz="2400" dirty="0" smtClean="0">
+                <a:solidFill>
+                  <a:schemeClr val="bg1"/>
+                </a:solidFill>
+                <a:latin typeface="나눔명조" pitchFamily="18" charset="-127"/>
+                <a:ea typeface="나눔명조" pitchFamily="18" charset="-127"/>
+              </a:rPr>
+              <a:t>개발 </a:t>
+            </a:r>
+            <a:r>
+              <a:rPr lang="en-US" altLang="ko-KR" sz="2400" dirty="0" smtClean="0">
+                <a:solidFill>
+                  <a:schemeClr val="bg1"/>
+                </a:solidFill>
+                <a:latin typeface="나눔명조" pitchFamily="18" charset="-127"/>
+                <a:ea typeface="나눔명조" pitchFamily="18" charset="-127"/>
+              </a:rPr>
+              <a:t>&amp; commit</a:t>
+            </a:r>
+            <a:endParaRPr lang="ko-KR" altLang="en-US" sz="2400" dirty="0">
+              <a:solidFill>
+                <a:schemeClr val="bg1"/>
+              </a:solidFill>
+              <a:latin typeface="나눔명조" pitchFamily="18" charset="-127"/>
+              <a:ea typeface="나눔명조" pitchFamily="18" charset="-127"/>
+            </a:endParaRPr>
+          </a:p>
+        </p:txBody>
+      </p:sp>
+      <p:cxnSp>
+        <p:nvCxnSpPr>
+          <p:cNvPr id="11" name="직선 연결선 10"/>
+          <p:cNvCxnSpPr/>
+          <p:nvPr/>
+        </p:nvCxnSpPr>
+        <p:spPr>
+          <a:xfrm>
+            <a:off x="539552" y="915566"/>
+            <a:ext cx="8136904" cy="0"/>
+          </a:xfrm>
+          <a:prstGeom prst="line">
+            <a:avLst/>
+          </a:prstGeom>
+          <a:ln w="12700">
+            <a:solidFill>
+              <a:schemeClr val="bg1"/>
+            </a:solidFill>
+          </a:ln>
+        </p:spPr>
+        <p:style>
+          <a:lnRef idx="1">
+            <a:schemeClr val="accent1"/>
+          </a:lnRef>
+          <a:fillRef idx="0">
+            <a:schemeClr val="accent1"/>
+          </a:fillRef>
+          <a:effectRef idx="0">
+            <a:schemeClr val="accent1"/>
+          </a:effectRef>
+          <a:fontRef idx="minor">
+            <a:schemeClr val="tx1"/>
+          </a:fontRef>
+        </p:style>
+      </p:cxnSp>
+      <p:cxnSp>
+        <p:nvCxnSpPr>
+          <p:cNvPr id="12" name="직선 연결선 11"/>
+          <p:cNvCxnSpPr/>
+          <p:nvPr/>
+        </p:nvCxnSpPr>
+        <p:spPr>
+          <a:xfrm>
+            <a:off x="467544" y="4299942"/>
+            <a:ext cx="8136904" cy="0"/>
+          </a:xfrm>
+          <a:prstGeom prst="line">
+            <a:avLst/>
+          </a:prstGeom>
+          <a:ln w="12700">
+            <a:solidFill>
+              <a:schemeClr val="bg1"/>
+            </a:solidFill>
+          </a:ln>
+        </p:spPr>
+        <p:style>
+          <a:lnRef idx="1">
+            <a:schemeClr val="accent1"/>
+          </a:lnRef>
+          <a:fillRef idx="0">
+            <a:schemeClr val="accent1"/>
+          </a:fillRef>
+          <a:effectRef idx="0">
+            <a:schemeClr val="accent1"/>
+          </a:effectRef>
+          <a:fontRef idx="minor">
+            <a:schemeClr val="tx1"/>
+          </a:fontRef>
+        </p:style>
+      </p:cxnSp>
+      <p:cxnSp>
+        <p:nvCxnSpPr>
+          <p:cNvPr id="14" name="직선 연결선 13"/>
+          <p:cNvCxnSpPr/>
+          <p:nvPr/>
+        </p:nvCxnSpPr>
+        <p:spPr>
+          <a:xfrm>
+            <a:off x="467544" y="915566"/>
+            <a:ext cx="8208912" cy="0"/>
+          </a:xfrm>
+          <a:prstGeom prst="line">
+            <a:avLst/>
+          </a:prstGeom>
+          <a:ln w="12700">
+            <a:solidFill>
+              <a:schemeClr val="bg1"/>
+            </a:solidFill>
+          </a:ln>
+        </p:spPr>
+        <p:style>
+          <a:lnRef idx="1">
+            <a:schemeClr val="accent1"/>
+          </a:lnRef>
+          <a:fillRef idx="0">
+            <a:schemeClr val="accent1"/>
+          </a:fillRef>
+          <a:effectRef idx="0">
+            <a:schemeClr val="accent1"/>
+          </a:effectRef>
+          <a:fontRef idx="minor">
+            <a:schemeClr val="tx1"/>
+          </a:fontRef>
+        </p:style>
+      </p:cxnSp>
+      <p:cxnSp>
+        <p:nvCxnSpPr>
+          <p:cNvPr id="15" name="직선 연결선 14"/>
+          <p:cNvCxnSpPr/>
+          <p:nvPr/>
+        </p:nvCxnSpPr>
+        <p:spPr>
+          <a:xfrm>
+            <a:off x="467544" y="4299942"/>
+            <a:ext cx="8208912" cy="0"/>
+          </a:xfrm>
+          <a:prstGeom prst="line">
+            <a:avLst/>
+          </a:prstGeom>
+          <a:ln w="12700">
+            <a:solidFill>
+              <a:schemeClr val="bg1"/>
+            </a:solidFill>
+          </a:ln>
+        </p:spPr>
+        <p:style>
+          <a:lnRef idx="1">
+            <a:schemeClr val="accent1"/>
+          </a:lnRef>
+          <a:fillRef idx="0">
+            <a:schemeClr val="accent1"/>
+          </a:fillRef>
+          <a:effectRef idx="0">
+            <a:schemeClr val="accent1"/>
+          </a:effectRef>
+          <a:fontRef idx="minor">
+            <a:schemeClr val="tx1"/>
+          </a:fontRef>
+        </p:style>
+      </p:cxnSp>
+      <p:pic>
+        <p:nvPicPr>
+          <p:cNvPr id="10242" name="Picture 2"/>
+          <p:cNvPicPr>
+            <a:picLocks noChangeAspect="1" noChangeArrowheads="1"/>
+          </p:cNvPicPr>
+          <p:nvPr/>
+        </p:nvPicPr>
+        <p:blipFill>
+          <a:blip r:embed="rId2" cstate="print"/>
+          <a:srcRect/>
+          <a:stretch>
+            <a:fillRect/>
+          </a:stretch>
+        </p:blipFill>
+        <p:spPr bwMode="auto">
+          <a:xfrm>
+            <a:off x="2051720" y="1059582"/>
+            <a:ext cx="1152128" cy="740654"/>
+          </a:xfrm>
+          <a:prstGeom prst="rect">
+            <a:avLst/>
+          </a:prstGeom>
+          <a:noFill/>
+          <a:ln w="9525">
+            <a:noFill/>
+            <a:miter lim="800000"/>
+            <a:headEnd/>
+            <a:tailEnd/>
+          </a:ln>
+        </p:spPr>
+      </p:pic>
+      <p:pic>
+        <p:nvPicPr>
+          <p:cNvPr id="10243" name="Picture 3"/>
+          <p:cNvPicPr>
+            <a:picLocks noChangeAspect="1" noChangeArrowheads="1"/>
+          </p:cNvPicPr>
+          <p:nvPr/>
+        </p:nvPicPr>
+        <p:blipFill>
+          <a:blip r:embed="rId3" cstate="print"/>
+          <a:srcRect/>
+          <a:stretch>
+            <a:fillRect/>
+          </a:stretch>
+        </p:blipFill>
+        <p:spPr bwMode="auto">
+          <a:xfrm>
+            <a:off x="3491880" y="1059582"/>
+            <a:ext cx="2376264" cy="735636"/>
+          </a:xfrm>
+          <a:prstGeom prst="rect">
+            <a:avLst/>
+          </a:prstGeom>
+          <a:noFill/>
+          <a:ln w="9525">
+            <a:noFill/>
+            <a:miter lim="800000"/>
+            <a:headEnd/>
+            <a:tailEnd/>
+          </a:ln>
+        </p:spPr>
+      </p:pic>
+      <p:pic>
+        <p:nvPicPr>
+          <p:cNvPr id="10244" name="Picture 4"/>
+          <p:cNvPicPr>
+            <a:picLocks noChangeAspect="1" noChangeArrowheads="1"/>
+          </p:cNvPicPr>
+          <p:nvPr/>
+        </p:nvPicPr>
+        <p:blipFill>
+          <a:blip r:embed="rId4" cstate="print"/>
+          <a:srcRect/>
+          <a:stretch>
+            <a:fillRect/>
+          </a:stretch>
+        </p:blipFill>
+        <p:spPr bwMode="auto">
+          <a:xfrm>
+            <a:off x="3707904" y="2139702"/>
+            <a:ext cx="2376264" cy="709175"/>
+          </a:xfrm>
+          <a:prstGeom prst="rect">
+            <a:avLst/>
+          </a:prstGeom>
+          <a:noFill/>
+          <a:ln w="9525">
+            <a:noFill/>
+            <a:miter lim="800000"/>
+            <a:headEnd/>
+            <a:tailEnd/>
+          </a:ln>
+        </p:spPr>
+      </p:pic>
+      <p:pic>
+        <p:nvPicPr>
+          <p:cNvPr id="10245" name="Picture 5"/>
+          <p:cNvPicPr>
+            <a:picLocks noChangeAspect="1" noChangeArrowheads="1"/>
+          </p:cNvPicPr>
+          <p:nvPr/>
+        </p:nvPicPr>
+        <p:blipFill>
+          <a:blip r:embed="rId5" cstate="print"/>
+          <a:srcRect/>
+          <a:stretch>
+            <a:fillRect/>
+          </a:stretch>
+        </p:blipFill>
+        <p:spPr bwMode="auto">
+          <a:xfrm>
+            <a:off x="1907704" y="1923678"/>
+            <a:ext cx="1584176" cy="925212"/>
+          </a:xfrm>
+          <a:prstGeom prst="rect">
+            <a:avLst/>
+          </a:prstGeom>
+          <a:noFill/>
+          <a:ln w="9525">
+            <a:noFill/>
+            <a:miter lim="800000"/>
+            <a:headEnd/>
+            <a:tailEnd/>
+          </a:ln>
+        </p:spPr>
+      </p:pic>
+      <p:pic>
+        <p:nvPicPr>
+          <p:cNvPr id="10246" name="Picture 6"/>
+          <p:cNvPicPr>
+            <a:picLocks noChangeAspect="1" noChangeArrowheads="1"/>
+          </p:cNvPicPr>
+          <p:nvPr/>
+        </p:nvPicPr>
+        <p:blipFill>
+          <a:blip r:embed="rId6" cstate="print"/>
+          <a:srcRect/>
+          <a:stretch>
+            <a:fillRect/>
+          </a:stretch>
+        </p:blipFill>
+        <p:spPr bwMode="auto">
+          <a:xfrm>
+            <a:off x="2555776" y="3147814"/>
+            <a:ext cx="2592288" cy="906154"/>
+          </a:xfrm>
+          <a:prstGeom prst="rect">
+            <a:avLst/>
+          </a:prstGeom>
+          <a:noFill/>
+          <a:ln w="9525">
+            <a:noFill/>
+            <a:miter lim="800000"/>
+            <a:headEnd/>
+            <a:tailEnd/>
+          </a:ln>
+        </p:spPr>
+      </p:pic>
     </p:spTree>
   </p:cSld>
   <p:clrMapOvr>

--- a/git발표.pptx
+++ b/git발표.pptx
@@ -28,6 +28,8 @@
     <p:sldId id="278" r:id="rId22"/>
     <p:sldId id="279" r:id="rId23"/>
     <p:sldId id="281" r:id="rId24"/>
+    <p:sldId id="282" r:id="rId25"/>
+    <p:sldId id="283" r:id="rId26"/>
   </p:sldIdLst>
   <p:sldSz cx="9144000" cy="5143500" type="screen16x9"/>
   <p:notesSz cx="6858000" cy="9144000"/>
@@ -9705,6 +9707,768 @@
           </a:ln>
         </p:spPr>
       </p:pic>
+    </p:spTree>
+  </p:cSld>
+  <p:clrMapOvr>
+    <a:masterClrMapping/>
+  </p:clrMapOvr>
+  <p:timing>
+    <p:tnLst>
+      <p:par>
+        <p:cTn id="1" dur="indefinite" restart="never" nodeType="tmRoot"/>
+      </p:par>
+    </p:tnLst>
+  </p:timing>
+</p:sld>
+</file>
+
+<file path=ppt/slides/slide24.xml><?xml version="1.0" encoding="utf-8"?>
+<p:sld xmlns:a="http://schemas.openxmlformats.org/drawingml/2006/main" xmlns:r="http://schemas.openxmlformats.org/officeDocument/2006/relationships" xmlns:p="http://schemas.openxmlformats.org/presentationml/2006/main">
+  <p:cSld>
+    <p:spTree>
+      <p:nvGrpSpPr>
+        <p:cNvPr id="1" name=""/>
+        <p:cNvGrpSpPr/>
+        <p:nvPr/>
+      </p:nvGrpSpPr>
+      <p:grpSpPr>
+        <a:xfrm>
+          <a:off x="0" y="0"/>
+          <a:ext cx="0" cy="0"/>
+          <a:chOff x="0" y="0"/>
+          <a:chExt cx="0" cy="0"/>
+        </a:xfrm>
+      </p:grpSpPr>
+      <p:sp>
+        <p:nvSpPr>
+          <p:cNvPr id="16" name="평행 사변형 15"/>
+          <p:cNvSpPr/>
+          <p:nvPr/>
+        </p:nvSpPr>
+        <p:spPr>
+          <a:xfrm rot="16200000">
+            <a:off x="2000249" y="-2000251"/>
+            <a:ext cx="5143500" cy="9144001"/>
+          </a:xfrm>
+          <a:prstGeom prst="parallelogram">
+            <a:avLst>
+              <a:gd name="adj" fmla="val 7753"/>
+            </a:avLst>
+          </a:prstGeom>
+          <a:solidFill>
+            <a:srgbClr val="473F3D"/>
+          </a:solidFill>
+          <a:ln>
+            <a:noFill/>
+          </a:ln>
+          <a:effectLst>
+            <a:outerShdw blurRad="63500" sx="102000" sy="102000" algn="ctr" rotWithShape="0">
+              <a:prstClr val="black">
+                <a:alpha val="40000"/>
+              </a:prstClr>
+            </a:outerShdw>
+          </a:effectLst>
+        </p:spPr>
+        <p:style>
+          <a:lnRef idx="2">
+            <a:schemeClr val="accent1">
+              <a:shade val="50000"/>
+            </a:schemeClr>
+          </a:lnRef>
+          <a:fillRef idx="1">
+            <a:schemeClr val="accent1"/>
+          </a:fillRef>
+          <a:effectRef idx="0">
+            <a:schemeClr val="accent1"/>
+          </a:effectRef>
+          <a:fontRef idx="minor">
+            <a:schemeClr val="lt1"/>
+          </a:fontRef>
+        </p:style>
+        <p:txBody>
+          <a:bodyPr rtlCol="0" anchor="ctr"/>
+          <a:lstStyle/>
+          <a:p>
+            <a:pPr algn="ctr"/>
+            <a:endParaRPr lang="ko-KR" altLang="en-US" sz="1600"/>
+          </a:p>
+        </p:txBody>
+      </p:sp>
+      <p:sp>
+        <p:nvSpPr>
+          <p:cNvPr id="10" name="TextBox 9"/>
+          <p:cNvSpPr txBox="1"/>
+          <p:nvPr/>
+        </p:nvSpPr>
+        <p:spPr>
+          <a:xfrm>
+            <a:off x="611560" y="483518"/>
+            <a:ext cx="6840760" cy="461665"/>
+          </a:xfrm>
+          <a:prstGeom prst="rect">
+            <a:avLst/>
+          </a:prstGeom>
+          <a:noFill/>
+        </p:spPr>
+        <p:txBody>
+          <a:bodyPr wrap="square" rtlCol="0">
+            <a:spAutoFit/>
+          </a:bodyPr>
+          <a:lstStyle/>
+          <a:p>
+            <a:r>
+              <a:rPr lang="en-US" altLang="ko-KR" sz="2400" dirty="0" err="1" smtClean="0">
+                <a:solidFill>
+                  <a:schemeClr val="bg1"/>
+                </a:solidFill>
+                <a:latin typeface="나눔명조" pitchFamily="18" charset="-127"/>
+                <a:ea typeface="나눔명조" pitchFamily="18" charset="-127"/>
+              </a:rPr>
+              <a:t>git</a:t>
+            </a:r>
+            <a:r>
+              <a:rPr lang="en-US" altLang="ko-KR" sz="2400" dirty="0" smtClean="0">
+                <a:solidFill>
+                  <a:schemeClr val="bg1"/>
+                </a:solidFill>
+                <a:latin typeface="나눔명조" pitchFamily="18" charset="-127"/>
+                <a:ea typeface="나눔명조" pitchFamily="18" charset="-127"/>
+              </a:rPr>
+              <a:t> merge (fast-forward, </a:t>
+            </a:r>
+            <a:r>
+              <a:rPr lang="ko-KR" altLang="en-US" sz="2400" dirty="0" smtClean="0">
+                <a:solidFill>
+                  <a:schemeClr val="bg1"/>
+                </a:solidFill>
+                <a:latin typeface="나눔명조" pitchFamily="18" charset="-127"/>
+                <a:ea typeface="나눔명조" pitchFamily="18" charset="-127"/>
+              </a:rPr>
+              <a:t>충돌해결</a:t>
+            </a:r>
+            <a:r>
+              <a:rPr lang="en-US" altLang="ko-KR" sz="2400" dirty="0" smtClean="0">
+                <a:solidFill>
+                  <a:schemeClr val="bg1"/>
+                </a:solidFill>
+                <a:latin typeface="나눔명조" pitchFamily="18" charset="-127"/>
+                <a:ea typeface="나눔명조" pitchFamily="18" charset="-127"/>
+              </a:rPr>
+              <a:t>, </a:t>
+            </a:r>
+            <a:r>
+              <a:rPr lang="en-US" altLang="ko-KR" sz="2400" dirty="0" smtClean="0">
+                <a:solidFill>
+                  <a:schemeClr val="bg1"/>
+                </a:solidFill>
+                <a:latin typeface="나눔명조" pitchFamily="18" charset="-127"/>
+                <a:ea typeface="나눔명조" pitchFamily="18" charset="-127"/>
+              </a:rPr>
+              <a:t>3way-merge)</a:t>
+            </a:r>
+            <a:endParaRPr lang="ko-KR" altLang="en-US" sz="2400" dirty="0">
+              <a:solidFill>
+                <a:schemeClr val="bg1"/>
+              </a:solidFill>
+              <a:latin typeface="나눔명조" pitchFamily="18" charset="-127"/>
+              <a:ea typeface="나눔명조" pitchFamily="18" charset="-127"/>
+            </a:endParaRPr>
+          </a:p>
+        </p:txBody>
+      </p:sp>
+      <p:cxnSp>
+        <p:nvCxnSpPr>
+          <p:cNvPr id="11" name="직선 연결선 10"/>
+          <p:cNvCxnSpPr/>
+          <p:nvPr/>
+        </p:nvCxnSpPr>
+        <p:spPr>
+          <a:xfrm>
+            <a:off x="539552" y="915566"/>
+            <a:ext cx="8136904" cy="0"/>
+          </a:xfrm>
+          <a:prstGeom prst="line">
+            <a:avLst/>
+          </a:prstGeom>
+          <a:ln w="12700">
+            <a:solidFill>
+              <a:schemeClr val="bg1"/>
+            </a:solidFill>
+          </a:ln>
+        </p:spPr>
+        <p:style>
+          <a:lnRef idx="1">
+            <a:schemeClr val="accent1"/>
+          </a:lnRef>
+          <a:fillRef idx="0">
+            <a:schemeClr val="accent1"/>
+          </a:fillRef>
+          <a:effectRef idx="0">
+            <a:schemeClr val="accent1"/>
+          </a:effectRef>
+          <a:fontRef idx="minor">
+            <a:schemeClr val="tx1"/>
+          </a:fontRef>
+        </p:style>
+      </p:cxnSp>
+      <p:cxnSp>
+        <p:nvCxnSpPr>
+          <p:cNvPr id="12" name="직선 연결선 11"/>
+          <p:cNvCxnSpPr/>
+          <p:nvPr/>
+        </p:nvCxnSpPr>
+        <p:spPr>
+          <a:xfrm>
+            <a:off x="467544" y="4299942"/>
+            <a:ext cx="8136904" cy="0"/>
+          </a:xfrm>
+          <a:prstGeom prst="line">
+            <a:avLst/>
+          </a:prstGeom>
+          <a:ln w="12700">
+            <a:solidFill>
+              <a:schemeClr val="bg1"/>
+            </a:solidFill>
+          </a:ln>
+        </p:spPr>
+        <p:style>
+          <a:lnRef idx="1">
+            <a:schemeClr val="accent1"/>
+          </a:lnRef>
+          <a:fillRef idx="0">
+            <a:schemeClr val="accent1"/>
+          </a:fillRef>
+          <a:effectRef idx="0">
+            <a:schemeClr val="accent1"/>
+          </a:effectRef>
+          <a:fontRef idx="minor">
+            <a:schemeClr val="tx1"/>
+          </a:fontRef>
+        </p:style>
+      </p:cxnSp>
+      <p:cxnSp>
+        <p:nvCxnSpPr>
+          <p:cNvPr id="14" name="직선 연결선 13"/>
+          <p:cNvCxnSpPr/>
+          <p:nvPr/>
+        </p:nvCxnSpPr>
+        <p:spPr>
+          <a:xfrm>
+            <a:off x="467544" y="915566"/>
+            <a:ext cx="8208912" cy="0"/>
+          </a:xfrm>
+          <a:prstGeom prst="line">
+            <a:avLst/>
+          </a:prstGeom>
+          <a:ln w="12700">
+            <a:solidFill>
+              <a:schemeClr val="bg1"/>
+            </a:solidFill>
+          </a:ln>
+        </p:spPr>
+        <p:style>
+          <a:lnRef idx="1">
+            <a:schemeClr val="accent1"/>
+          </a:lnRef>
+          <a:fillRef idx="0">
+            <a:schemeClr val="accent1"/>
+          </a:fillRef>
+          <a:effectRef idx="0">
+            <a:schemeClr val="accent1"/>
+          </a:effectRef>
+          <a:fontRef idx="minor">
+            <a:schemeClr val="tx1"/>
+          </a:fontRef>
+        </p:style>
+      </p:cxnSp>
+      <p:cxnSp>
+        <p:nvCxnSpPr>
+          <p:cNvPr id="15" name="직선 연결선 14"/>
+          <p:cNvCxnSpPr/>
+          <p:nvPr/>
+        </p:nvCxnSpPr>
+        <p:spPr>
+          <a:xfrm>
+            <a:off x="467544" y="4299942"/>
+            <a:ext cx="8208912" cy="0"/>
+          </a:xfrm>
+          <a:prstGeom prst="line">
+            <a:avLst/>
+          </a:prstGeom>
+          <a:ln w="12700">
+            <a:solidFill>
+              <a:schemeClr val="bg1"/>
+            </a:solidFill>
+          </a:ln>
+        </p:spPr>
+        <p:style>
+          <a:lnRef idx="1">
+            <a:schemeClr val="accent1"/>
+          </a:lnRef>
+          <a:fillRef idx="0">
+            <a:schemeClr val="accent1"/>
+          </a:fillRef>
+          <a:effectRef idx="0">
+            <a:schemeClr val="accent1"/>
+          </a:effectRef>
+          <a:fontRef idx="minor">
+            <a:schemeClr val="tx1"/>
+          </a:fontRef>
+        </p:style>
+      </p:cxnSp>
+      <p:sp>
+        <p:nvSpPr>
+          <p:cNvPr id="13" name="TextBox 12"/>
+          <p:cNvSpPr txBox="1"/>
+          <p:nvPr/>
+        </p:nvSpPr>
+        <p:spPr>
+          <a:xfrm>
+            <a:off x="2051720" y="1266314"/>
+            <a:ext cx="5040560" cy="369332"/>
+          </a:xfrm>
+          <a:prstGeom prst="rect">
+            <a:avLst/>
+          </a:prstGeom>
+          <a:noFill/>
+        </p:spPr>
+        <p:txBody>
+          <a:bodyPr wrap="square" rtlCol="0">
+            <a:spAutoFit/>
+          </a:bodyPr>
+          <a:lstStyle/>
+          <a:p>
+            <a:pPr algn="ctr"/>
+            <a:r>
+              <a:rPr lang="en-US" altLang="ko-KR" dirty="0" smtClean="0">
+                <a:solidFill>
+                  <a:schemeClr val="bg1">
+                    <a:lumMod val="75000"/>
+                  </a:schemeClr>
+                </a:solidFill>
+                <a:latin typeface="나눔명조" pitchFamily="18" charset="-127"/>
+                <a:ea typeface="나눔명조" pitchFamily="18" charset="-127"/>
+              </a:rPr>
+              <a:t>“</a:t>
+            </a:r>
+            <a:r>
+              <a:rPr lang="ko-KR" altLang="en-US" dirty="0" smtClean="0">
+                <a:solidFill>
+                  <a:schemeClr val="bg1">
+                    <a:lumMod val="75000"/>
+                  </a:schemeClr>
+                </a:solidFill>
+                <a:latin typeface="나눔명조" pitchFamily="18" charset="-127"/>
+                <a:ea typeface="나눔명조" pitchFamily="18" charset="-127"/>
+              </a:rPr>
+              <a:t>이제 이관 준비해야지</a:t>
+            </a:r>
+            <a:r>
+              <a:rPr lang="en-US" altLang="ko-KR" dirty="0" smtClean="0">
+                <a:solidFill>
+                  <a:schemeClr val="bg1">
+                    <a:lumMod val="75000"/>
+                  </a:schemeClr>
+                </a:solidFill>
+                <a:latin typeface="나눔명조" pitchFamily="18" charset="-127"/>
+                <a:ea typeface="나눔명조" pitchFamily="18" charset="-127"/>
+              </a:rPr>
+              <a:t>”</a:t>
+            </a:r>
+            <a:endParaRPr lang="ko-KR" altLang="en-US" dirty="0">
+              <a:solidFill>
+                <a:schemeClr val="bg1">
+                  <a:lumMod val="75000"/>
+                </a:schemeClr>
+              </a:solidFill>
+              <a:latin typeface="나눔명조" pitchFamily="18" charset="-127"/>
+              <a:ea typeface="나눔명조" pitchFamily="18" charset="-127"/>
+            </a:endParaRPr>
+          </a:p>
+        </p:txBody>
+      </p:sp>
+      <p:pic>
+        <p:nvPicPr>
+          <p:cNvPr id="11266" name="Picture 2"/>
+          <p:cNvPicPr>
+            <a:picLocks noChangeAspect="1" noChangeArrowheads="1"/>
+          </p:cNvPicPr>
+          <p:nvPr/>
+        </p:nvPicPr>
+        <p:blipFill>
+          <a:blip r:embed="rId2" cstate="print"/>
+          <a:srcRect/>
+          <a:stretch>
+            <a:fillRect/>
+          </a:stretch>
+        </p:blipFill>
+        <p:spPr bwMode="auto">
+          <a:xfrm>
+            <a:off x="2915816" y="2067694"/>
+            <a:ext cx="3295650" cy="1800225"/>
+          </a:xfrm>
+          <a:prstGeom prst="rect">
+            <a:avLst/>
+          </a:prstGeom>
+          <a:noFill/>
+          <a:ln w="9525">
+            <a:noFill/>
+            <a:miter lim="800000"/>
+            <a:headEnd/>
+            <a:tailEnd/>
+          </a:ln>
+        </p:spPr>
+      </p:pic>
+    </p:spTree>
+  </p:cSld>
+  <p:clrMapOvr>
+    <a:masterClrMapping/>
+  </p:clrMapOvr>
+  <p:timing>
+    <p:tnLst>
+      <p:par>
+        <p:cTn id="1" dur="indefinite" restart="never" nodeType="tmRoot"/>
+      </p:par>
+    </p:tnLst>
+  </p:timing>
+</p:sld>
+</file>
+
+<file path=ppt/slides/slide25.xml><?xml version="1.0" encoding="utf-8"?>
+<p:sld xmlns:a="http://schemas.openxmlformats.org/drawingml/2006/main" xmlns:r="http://schemas.openxmlformats.org/officeDocument/2006/relationships" xmlns:p="http://schemas.openxmlformats.org/presentationml/2006/main">
+  <p:cSld>
+    <p:spTree>
+      <p:nvGrpSpPr>
+        <p:cNvPr id="1" name=""/>
+        <p:cNvGrpSpPr/>
+        <p:nvPr/>
+      </p:nvGrpSpPr>
+      <p:grpSpPr>
+        <a:xfrm>
+          <a:off x="0" y="0"/>
+          <a:ext cx="0" cy="0"/>
+          <a:chOff x="0" y="0"/>
+          <a:chExt cx="0" cy="0"/>
+        </a:xfrm>
+      </p:grpSpPr>
+      <p:sp>
+        <p:nvSpPr>
+          <p:cNvPr id="16" name="평행 사변형 15"/>
+          <p:cNvSpPr/>
+          <p:nvPr/>
+        </p:nvSpPr>
+        <p:spPr>
+          <a:xfrm rot="16200000">
+            <a:off x="2000249" y="-2000251"/>
+            <a:ext cx="5143500" cy="9144001"/>
+          </a:xfrm>
+          <a:prstGeom prst="parallelogram">
+            <a:avLst>
+              <a:gd name="adj" fmla="val 7753"/>
+            </a:avLst>
+          </a:prstGeom>
+          <a:solidFill>
+            <a:srgbClr val="473F3D"/>
+          </a:solidFill>
+          <a:ln>
+            <a:noFill/>
+          </a:ln>
+          <a:effectLst>
+            <a:outerShdw blurRad="63500" sx="102000" sy="102000" algn="ctr" rotWithShape="0">
+              <a:prstClr val="black">
+                <a:alpha val="40000"/>
+              </a:prstClr>
+            </a:outerShdw>
+          </a:effectLst>
+        </p:spPr>
+        <p:style>
+          <a:lnRef idx="2">
+            <a:schemeClr val="accent1">
+              <a:shade val="50000"/>
+            </a:schemeClr>
+          </a:lnRef>
+          <a:fillRef idx="1">
+            <a:schemeClr val="accent1"/>
+          </a:fillRef>
+          <a:effectRef idx="0">
+            <a:schemeClr val="accent1"/>
+          </a:effectRef>
+          <a:fontRef idx="minor">
+            <a:schemeClr val="lt1"/>
+          </a:fontRef>
+        </p:style>
+        <p:txBody>
+          <a:bodyPr rtlCol="0" anchor="ctr"/>
+          <a:lstStyle/>
+          <a:p>
+            <a:pPr algn="ctr"/>
+            <a:endParaRPr lang="ko-KR" altLang="en-US" sz="1600"/>
+          </a:p>
+        </p:txBody>
+      </p:sp>
+      <p:sp>
+        <p:nvSpPr>
+          <p:cNvPr id="10" name="TextBox 9"/>
+          <p:cNvSpPr txBox="1"/>
+          <p:nvPr/>
+        </p:nvSpPr>
+        <p:spPr>
+          <a:xfrm>
+            <a:off x="611560" y="483518"/>
+            <a:ext cx="6840760" cy="461665"/>
+          </a:xfrm>
+          <a:prstGeom prst="rect">
+            <a:avLst/>
+          </a:prstGeom>
+          <a:noFill/>
+        </p:spPr>
+        <p:txBody>
+          <a:bodyPr wrap="square" rtlCol="0">
+            <a:spAutoFit/>
+          </a:bodyPr>
+          <a:lstStyle/>
+          <a:p>
+            <a:r>
+              <a:rPr lang="en-US" altLang="ko-KR" sz="2400" dirty="0" err="1" smtClean="0">
+                <a:solidFill>
+                  <a:schemeClr val="bg1"/>
+                </a:solidFill>
+                <a:latin typeface="나눔명조" pitchFamily="18" charset="-127"/>
+                <a:ea typeface="나눔명조" pitchFamily="18" charset="-127"/>
+              </a:rPr>
+              <a:t>git</a:t>
+            </a:r>
+            <a:r>
+              <a:rPr lang="en-US" altLang="ko-KR" sz="2400" dirty="0" smtClean="0">
+                <a:solidFill>
+                  <a:schemeClr val="bg1"/>
+                </a:solidFill>
+                <a:latin typeface="나눔명조" pitchFamily="18" charset="-127"/>
+                <a:ea typeface="나눔명조" pitchFamily="18" charset="-127"/>
+              </a:rPr>
+              <a:t> rebase</a:t>
+            </a:r>
+            <a:endParaRPr lang="ko-KR" altLang="en-US" sz="2400" dirty="0">
+              <a:solidFill>
+                <a:schemeClr val="bg1"/>
+              </a:solidFill>
+              <a:latin typeface="나눔명조" pitchFamily="18" charset="-127"/>
+              <a:ea typeface="나눔명조" pitchFamily="18" charset="-127"/>
+            </a:endParaRPr>
+          </a:p>
+        </p:txBody>
+      </p:sp>
+      <p:cxnSp>
+        <p:nvCxnSpPr>
+          <p:cNvPr id="11" name="직선 연결선 10"/>
+          <p:cNvCxnSpPr/>
+          <p:nvPr/>
+        </p:nvCxnSpPr>
+        <p:spPr>
+          <a:xfrm>
+            <a:off x="539552" y="915566"/>
+            <a:ext cx="8136904" cy="0"/>
+          </a:xfrm>
+          <a:prstGeom prst="line">
+            <a:avLst/>
+          </a:prstGeom>
+          <a:ln w="12700">
+            <a:solidFill>
+              <a:schemeClr val="bg1"/>
+            </a:solidFill>
+          </a:ln>
+        </p:spPr>
+        <p:style>
+          <a:lnRef idx="1">
+            <a:schemeClr val="accent1"/>
+          </a:lnRef>
+          <a:fillRef idx="0">
+            <a:schemeClr val="accent1"/>
+          </a:fillRef>
+          <a:effectRef idx="0">
+            <a:schemeClr val="accent1"/>
+          </a:effectRef>
+          <a:fontRef idx="minor">
+            <a:schemeClr val="tx1"/>
+          </a:fontRef>
+        </p:style>
+      </p:cxnSp>
+      <p:cxnSp>
+        <p:nvCxnSpPr>
+          <p:cNvPr id="12" name="직선 연결선 11"/>
+          <p:cNvCxnSpPr/>
+          <p:nvPr/>
+        </p:nvCxnSpPr>
+        <p:spPr>
+          <a:xfrm>
+            <a:off x="467544" y="4299942"/>
+            <a:ext cx="8136904" cy="0"/>
+          </a:xfrm>
+          <a:prstGeom prst="line">
+            <a:avLst/>
+          </a:prstGeom>
+          <a:ln w="12700">
+            <a:solidFill>
+              <a:schemeClr val="bg1"/>
+            </a:solidFill>
+          </a:ln>
+        </p:spPr>
+        <p:style>
+          <a:lnRef idx="1">
+            <a:schemeClr val="accent1"/>
+          </a:lnRef>
+          <a:fillRef idx="0">
+            <a:schemeClr val="accent1"/>
+          </a:fillRef>
+          <a:effectRef idx="0">
+            <a:schemeClr val="accent1"/>
+          </a:effectRef>
+          <a:fontRef idx="minor">
+            <a:schemeClr val="tx1"/>
+          </a:fontRef>
+        </p:style>
+      </p:cxnSp>
+      <p:cxnSp>
+        <p:nvCxnSpPr>
+          <p:cNvPr id="14" name="직선 연결선 13"/>
+          <p:cNvCxnSpPr/>
+          <p:nvPr/>
+        </p:nvCxnSpPr>
+        <p:spPr>
+          <a:xfrm>
+            <a:off x="467544" y="915566"/>
+            <a:ext cx="8208912" cy="0"/>
+          </a:xfrm>
+          <a:prstGeom prst="line">
+            <a:avLst/>
+          </a:prstGeom>
+          <a:ln w="12700">
+            <a:solidFill>
+              <a:schemeClr val="bg1"/>
+            </a:solidFill>
+          </a:ln>
+        </p:spPr>
+        <p:style>
+          <a:lnRef idx="1">
+            <a:schemeClr val="accent1"/>
+          </a:lnRef>
+          <a:fillRef idx="0">
+            <a:schemeClr val="accent1"/>
+          </a:fillRef>
+          <a:effectRef idx="0">
+            <a:schemeClr val="accent1"/>
+          </a:effectRef>
+          <a:fontRef idx="minor">
+            <a:schemeClr val="tx1"/>
+          </a:fontRef>
+        </p:style>
+      </p:cxnSp>
+      <p:cxnSp>
+        <p:nvCxnSpPr>
+          <p:cNvPr id="15" name="직선 연결선 14"/>
+          <p:cNvCxnSpPr/>
+          <p:nvPr/>
+        </p:nvCxnSpPr>
+        <p:spPr>
+          <a:xfrm>
+            <a:off x="467544" y="4299942"/>
+            <a:ext cx="8208912" cy="0"/>
+          </a:xfrm>
+          <a:prstGeom prst="line">
+            <a:avLst/>
+          </a:prstGeom>
+          <a:ln w="12700">
+            <a:solidFill>
+              <a:schemeClr val="bg1"/>
+            </a:solidFill>
+          </a:ln>
+        </p:spPr>
+        <p:style>
+          <a:lnRef idx="1">
+            <a:schemeClr val="accent1"/>
+          </a:lnRef>
+          <a:fillRef idx="0">
+            <a:schemeClr val="accent1"/>
+          </a:fillRef>
+          <a:effectRef idx="0">
+            <a:schemeClr val="accent1"/>
+          </a:effectRef>
+          <a:fontRef idx="minor">
+            <a:schemeClr val="tx1"/>
+          </a:fontRef>
+        </p:style>
+      </p:cxnSp>
+      <p:sp>
+        <p:nvSpPr>
+          <p:cNvPr id="13" name="TextBox 12"/>
+          <p:cNvSpPr txBox="1"/>
+          <p:nvPr/>
+        </p:nvSpPr>
+        <p:spPr>
+          <a:xfrm>
+            <a:off x="2051720" y="1266314"/>
+            <a:ext cx="5040560" cy="369332"/>
+          </a:xfrm>
+          <a:prstGeom prst="rect">
+            <a:avLst/>
+          </a:prstGeom>
+          <a:noFill/>
+        </p:spPr>
+        <p:txBody>
+          <a:bodyPr wrap="square" rtlCol="0">
+            <a:spAutoFit/>
+          </a:bodyPr>
+          <a:lstStyle/>
+          <a:p>
+            <a:pPr algn="ctr"/>
+            <a:r>
+              <a:rPr lang="en-US" altLang="ko-KR" dirty="0" smtClean="0">
+                <a:solidFill>
+                  <a:schemeClr val="bg1">
+                    <a:lumMod val="75000"/>
+                  </a:schemeClr>
+                </a:solidFill>
+                <a:latin typeface="나눔명조" pitchFamily="18" charset="-127"/>
+                <a:ea typeface="나눔명조" pitchFamily="18" charset="-127"/>
+              </a:rPr>
+              <a:t>“</a:t>
+            </a:r>
+            <a:r>
+              <a:rPr lang="ko-KR" altLang="en-US" dirty="0" smtClean="0">
+                <a:solidFill>
+                  <a:schemeClr val="bg1">
+                    <a:lumMod val="75000"/>
+                  </a:schemeClr>
+                </a:solidFill>
+                <a:latin typeface="나눔명조" pitchFamily="18" charset="-127"/>
+                <a:ea typeface="나눔명조" pitchFamily="18" charset="-127"/>
+              </a:rPr>
+              <a:t>이제 이관 준비해야지</a:t>
+            </a:r>
+            <a:r>
+              <a:rPr lang="en-US" altLang="ko-KR" dirty="0" smtClean="0">
+                <a:solidFill>
+                  <a:schemeClr val="bg1">
+                    <a:lumMod val="75000"/>
+                  </a:schemeClr>
+                </a:solidFill>
+                <a:latin typeface="나눔명조" pitchFamily="18" charset="-127"/>
+                <a:ea typeface="나눔명조" pitchFamily="18" charset="-127"/>
+              </a:rPr>
+              <a:t>”</a:t>
+            </a:r>
+            <a:endParaRPr lang="ko-KR" altLang="en-US" dirty="0">
+              <a:solidFill>
+                <a:schemeClr val="bg1">
+                  <a:lumMod val="75000"/>
+                </a:schemeClr>
+              </a:solidFill>
+              <a:latin typeface="나눔명조" pitchFamily="18" charset="-127"/>
+              <a:ea typeface="나눔명조" pitchFamily="18" charset="-127"/>
+            </a:endParaRPr>
+          </a:p>
+        </p:txBody>
+      </p:sp>
     </p:spTree>
   </p:cSld>
   <p:clrMapOvr>

--- a/git발표.pptx
+++ b/git발표.pptx
@@ -222,7 +222,8 @@
           <a:p>
             <a:fld id="{F8680661-E440-46F6-BF1B-CC10E3B9AE13}" type="datetimeFigureOut">
               <a:rPr lang="ko-KR" altLang="en-US" smtClean="0"/>
-              <a:t>2018-11-20</a:t>
+              <a:pPr/>
+              <a:t>2018-11-22</a:t>
             </a:fld>
             <a:endParaRPr lang="ko-KR" altLang="en-US"/>
           </a:p>
@@ -383,6 +384,7 @@
           <a:p>
             <a:fld id="{D6B31040-D420-44EB-A046-ACF658295F76}" type="slidenum">
               <a:rPr lang="ko-KR" altLang="en-US" smtClean="0"/>
+              <a:pPr/>
               <a:t>‹#›</a:t>
             </a:fld>
             <a:endParaRPr lang="ko-KR" altLang="en-US"/>
@@ -554,6 +556,7 @@
           <a:p>
             <a:fld id="{D6B31040-D420-44EB-A046-ACF658295F76}" type="slidenum">
               <a:rPr lang="ko-KR" altLang="en-US" smtClean="0"/>
+              <a:pPr/>
               <a:t>1</a:t>
             </a:fld>
             <a:endParaRPr lang="ko-KR" altLang="en-US"/>
@@ -750,7 +753,7 @@
             <a:fld id="{742871FB-FCC3-4659-BA1C-A89BEC3C9DF3}" type="datetimeFigureOut">
               <a:rPr lang="ko-KR" altLang="en-US" smtClean="0"/>
               <a:pPr/>
-              <a:t>2018-11-20</a:t>
+              <a:t>2018-11-22</a:t>
             </a:fld>
             <a:endParaRPr lang="ko-KR" altLang="en-US"/>
           </a:p>
@@ -917,7 +920,7 @@
             <a:fld id="{742871FB-FCC3-4659-BA1C-A89BEC3C9DF3}" type="datetimeFigureOut">
               <a:rPr lang="ko-KR" altLang="en-US" smtClean="0"/>
               <a:pPr/>
-              <a:t>2018-11-20</a:t>
+              <a:t>2018-11-22</a:t>
             </a:fld>
             <a:endParaRPr lang="ko-KR" altLang="en-US"/>
           </a:p>
@@ -1094,7 +1097,7 @@
             <a:fld id="{742871FB-FCC3-4659-BA1C-A89BEC3C9DF3}" type="datetimeFigureOut">
               <a:rPr lang="ko-KR" altLang="en-US" smtClean="0"/>
               <a:pPr/>
-              <a:t>2018-11-20</a:t>
+              <a:t>2018-11-22</a:t>
             </a:fld>
             <a:endParaRPr lang="ko-KR" altLang="en-US"/>
           </a:p>
@@ -1261,7 +1264,7 @@
             <a:fld id="{742871FB-FCC3-4659-BA1C-A89BEC3C9DF3}" type="datetimeFigureOut">
               <a:rPr lang="ko-KR" altLang="en-US" smtClean="0"/>
               <a:pPr/>
-              <a:t>2018-11-20</a:t>
+              <a:t>2018-11-22</a:t>
             </a:fld>
             <a:endParaRPr lang="ko-KR" altLang="en-US"/>
           </a:p>
@@ -1504,7 +1507,7 @@
             <a:fld id="{742871FB-FCC3-4659-BA1C-A89BEC3C9DF3}" type="datetimeFigureOut">
               <a:rPr lang="ko-KR" altLang="en-US" smtClean="0"/>
               <a:pPr/>
-              <a:t>2018-11-20</a:t>
+              <a:t>2018-11-22</a:t>
             </a:fld>
             <a:endParaRPr lang="ko-KR" altLang="en-US"/>
           </a:p>
@@ -1789,7 +1792,7 @@
             <a:fld id="{742871FB-FCC3-4659-BA1C-A89BEC3C9DF3}" type="datetimeFigureOut">
               <a:rPr lang="ko-KR" altLang="en-US" smtClean="0"/>
               <a:pPr/>
-              <a:t>2018-11-20</a:t>
+              <a:t>2018-11-22</a:t>
             </a:fld>
             <a:endParaRPr lang="ko-KR" altLang="en-US"/>
           </a:p>
@@ -2208,7 +2211,7 @@
             <a:fld id="{742871FB-FCC3-4659-BA1C-A89BEC3C9DF3}" type="datetimeFigureOut">
               <a:rPr lang="ko-KR" altLang="en-US" smtClean="0"/>
               <a:pPr/>
-              <a:t>2018-11-20</a:t>
+              <a:t>2018-11-22</a:t>
             </a:fld>
             <a:endParaRPr lang="ko-KR" altLang="en-US"/>
           </a:p>
@@ -2323,7 +2326,7 @@
             <a:fld id="{742871FB-FCC3-4659-BA1C-A89BEC3C9DF3}" type="datetimeFigureOut">
               <a:rPr lang="ko-KR" altLang="en-US" smtClean="0"/>
               <a:pPr/>
-              <a:t>2018-11-20</a:t>
+              <a:t>2018-11-22</a:t>
             </a:fld>
             <a:endParaRPr lang="ko-KR" altLang="en-US"/>
           </a:p>
@@ -2415,7 +2418,7 @@
             <a:fld id="{742871FB-FCC3-4659-BA1C-A89BEC3C9DF3}" type="datetimeFigureOut">
               <a:rPr lang="ko-KR" altLang="en-US" smtClean="0"/>
               <a:pPr/>
-              <a:t>2018-11-20</a:t>
+              <a:t>2018-11-22</a:t>
             </a:fld>
             <a:endParaRPr lang="ko-KR" altLang="en-US"/>
           </a:p>
@@ -2689,7 +2692,7 @@
             <a:fld id="{742871FB-FCC3-4659-BA1C-A89BEC3C9DF3}" type="datetimeFigureOut">
               <a:rPr lang="ko-KR" altLang="en-US" smtClean="0"/>
               <a:pPr/>
-              <a:t>2018-11-20</a:t>
+              <a:t>2018-11-22</a:t>
             </a:fld>
             <a:endParaRPr lang="ko-KR" altLang="en-US"/>
           </a:p>
@@ -2939,7 +2942,7 @@
             <a:fld id="{742871FB-FCC3-4659-BA1C-A89BEC3C9DF3}" type="datetimeFigureOut">
               <a:rPr lang="ko-KR" altLang="en-US" smtClean="0"/>
               <a:pPr/>
-              <a:t>2018-11-20</a:t>
+              <a:t>2018-11-22</a:t>
             </a:fld>
             <a:endParaRPr lang="ko-KR" altLang="en-US"/>
           </a:p>
@@ -3154,7 +3157,7 @@
             <a:fld id="{742871FB-FCC3-4659-BA1C-A89BEC3C9DF3}" type="datetimeFigureOut">
               <a:rPr lang="ko-KR" altLang="en-US" smtClean="0"/>
               <a:pPr/>
-              <a:t>2018-11-20</a:t>
+              <a:t>2018-11-22</a:t>
             </a:fld>
             <a:endParaRPr lang="ko-KR" altLang="en-US"/>
           </a:p>
@@ -3960,27 +3963,7 @@
                 <a:latin typeface="나눔명조" pitchFamily="18" charset="-127"/>
                 <a:ea typeface="나눔명조" pitchFamily="18" charset="-127"/>
               </a:rPr>
-              <a:t>5</a:t>
-            </a:r>
-            <a:r>
-              <a:rPr lang="en-US" altLang="ko-KR" sz="2400" dirty="0" smtClean="0">
-                <a:solidFill>
-                  <a:schemeClr val="bg1"/>
-                </a:solidFill>
-                <a:latin typeface="나눔명조" pitchFamily="18" charset="-127"/>
-                <a:ea typeface="나눔명조" pitchFamily="18" charset="-127"/>
-              </a:rPr>
-              <a:t> </a:t>
-            </a:r>
-            <a:r>
-              <a:rPr lang="en-US" altLang="ko-KR" sz="2400" dirty="0" smtClean="0">
-                <a:solidFill>
-                  <a:schemeClr val="bg1"/>
-                </a:solidFill>
-                <a:latin typeface="나눔명조" pitchFamily="18" charset="-127"/>
-                <a:ea typeface="나눔명조" pitchFamily="18" charset="-127"/>
-              </a:rPr>
-              <a:t>– </a:t>
+              <a:t>5 – </a:t>
             </a:r>
             <a:r>
               <a:rPr lang="ko-KR" altLang="en-US" sz="2400" dirty="0" smtClean="0">
@@ -7349,17 +7332,7 @@
                 <a:latin typeface="나눔명조" pitchFamily="18" charset="-127"/>
                 <a:ea typeface="나눔명조" pitchFamily="18" charset="-127"/>
               </a:rPr>
-              <a:t> </a:t>
-            </a:r>
-            <a:r>
-              <a:rPr lang="en-US" altLang="ko-KR" sz="2400" dirty="0" smtClean="0">
-                <a:solidFill>
-                  <a:schemeClr val="bg1"/>
-                </a:solidFill>
-                <a:latin typeface="나눔명조" pitchFamily="18" charset="-127"/>
-                <a:ea typeface="나눔명조" pitchFamily="18" charset="-127"/>
-              </a:rPr>
-              <a:t>add &amp; commit</a:t>
+              <a:t> add &amp; commit</a:t>
             </a:r>
             <a:endParaRPr lang="ko-KR" altLang="en-US" sz="2400" dirty="0">
               <a:solidFill>
@@ -8040,19 +8013,7 @@
                 <a:latin typeface="나눔명조" pitchFamily="18" charset="-127"/>
                 <a:ea typeface="나눔명조" pitchFamily="18" charset="-127"/>
               </a:rPr>
-              <a:t>저 파일은</a:t>
-            </a:r>
-            <a:r>
-              <a:rPr lang="ko-KR" altLang="en-US" dirty="0" smtClean="0">
-                <a:solidFill>
-                  <a:schemeClr val="bg1">
-                    <a:lumMod val="75000"/>
-                  </a:schemeClr>
-                </a:solidFill>
-                <a:latin typeface="나눔명조" pitchFamily="18" charset="-127"/>
-                <a:ea typeface="나눔명조" pitchFamily="18" charset="-127"/>
-              </a:rPr>
-              <a:t> </a:t>
+              <a:t>저 파일은 </a:t>
             </a:r>
             <a:r>
               <a:rPr lang="en-US" altLang="ko-KR" dirty="0" smtClean="0">
@@ -8830,19 +8791,7 @@
                 <a:latin typeface="나눔명조" pitchFamily="18" charset="-127"/>
                 <a:ea typeface="나눔명조" pitchFamily="18" charset="-127"/>
               </a:rPr>
-              <a:t>“</a:t>
-            </a:r>
-            <a:r>
-              <a:rPr lang="en-US" altLang="ko-KR" dirty="0" smtClean="0">
-                <a:solidFill>
-                  <a:schemeClr val="bg1">
-                    <a:lumMod val="75000"/>
-                  </a:schemeClr>
-                </a:solidFill>
-                <a:latin typeface="나눔명조" pitchFamily="18" charset="-127"/>
-                <a:ea typeface="나눔명조" pitchFamily="18" charset="-127"/>
-              </a:rPr>
-              <a:t>don’t-add-this-</a:t>
+              <a:t>“don’t-add-this-</a:t>
             </a:r>
             <a:r>
               <a:rPr lang="en-US" altLang="ko-KR" dirty="0" err="1" smtClean="0">
@@ -9168,27 +9117,7 @@
                 <a:latin typeface="나눔명조" pitchFamily="18" charset="-127"/>
                 <a:ea typeface="나눔명조" pitchFamily="18" charset="-127"/>
               </a:rPr>
-              <a:t> </a:t>
-            </a:r>
-            <a:r>
-              <a:rPr lang="en-US" altLang="ko-KR" sz="2400" dirty="0" smtClean="0">
-                <a:solidFill>
-                  <a:schemeClr val="bg1"/>
-                </a:solidFill>
-                <a:latin typeface="나눔명조" pitchFamily="18" charset="-127"/>
-                <a:ea typeface="나눔명조" pitchFamily="18" charset="-127"/>
-              </a:rPr>
-              <a:t>branch &amp; </a:t>
-            </a:r>
-            <a:r>
-              <a:rPr lang="en-US" altLang="ko-KR" sz="2400" dirty="0" smtClean="0">
-                <a:solidFill>
-                  <a:schemeClr val="bg1"/>
-                </a:solidFill>
-                <a:latin typeface="나눔명조" pitchFamily="18" charset="-127"/>
-                <a:ea typeface="나눔명조" pitchFamily="18" charset="-127"/>
-              </a:rPr>
-              <a:t>tag</a:t>
+              <a:t> branch &amp; tag</a:t>
             </a:r>
             <a:endParaRPr lang="ko-KR" altLang="en-US" sz="2400" dirty="0">
               <a:solidFill>
@@ -9441,6 +9370,13 @@
             <a:headEnd/>
             <a:tailEnd/>
           </a:ln>
+          <a:effectLst>
+            <a:outerShdw blurRad="50800" dist="38100" dir="16200000" rotWithShape="0">
+              <a:prstClr val="black">
+                <a:alpha val="40000"/>
+              </a:prstClr>
+            </a:outerShdw>
+          </a:effectLst>
         </p:spPr>
       </p:pic>
       <p:pic>
@@ -9473,6 +9409,13 @@
             <a:headEnd/>
             <a:tailEnd/>
           </a:ln>
+          <a:effectLst>
+            <a:outerShdw blurRad="50800" dist="38100" dir="16200000" rotWithShape="0">
+              <a:prstClr val="black">
+                <a:alpha val="40000"/>
+              </a:prstClr>
+            </a:outerShdw>
+          </a:effectLst>
         </p:spPr>
       </p:pic>
     </p:spTree>
@@ -9762,7 +9705,7 @@
             <a:schemeClr val="bg1"/>
           </a:solidFill>
           <a:effectLst>
-            <a:outerShdw blurRad="50800" dist="38100" dir="2700000" algn="tl" rotWithShape="0">
+            <a:outerShdw blurRad="50800" dist="38100" dir="18900000" algn="bl" rotWithShape="0">
               <a:prstClr val="black">
                 <a:alpha val="40000"/>
               </a:prstClr>
@@ -10408,6 +10351,13 @@
             <a:headEnd/>
             <a:tailEnd/>
           </a:ln>
+          <a:effectLst>
+            <a:outerShdw blurRad="50800" dist="38100" dir="18900000" algn="bl" rotWithShape="0">
+              <a:prstClr val="black">
+                <a:alpha val="40000"/>
+              </a:prstClr>
+            </a:outerShdw>
+          </a:effectLst>
         </p:spPr>
       </p:pic>
       <p:pic>
@@ -10440,6 +10390,13 @@
             <a:headEnd/>
             <a:tailEnd/>
           </a:ln>
+          <a:effectLst>
+            <a:outerShdw blurRad="50800" dist="38100" dir="18900000" algn="bl" rotWithShape="0">
+              <a:prstClr val="black">
+                <a:alpha val="40000"/>
+              </a:prstClr>
+            </a:outerShdw>
+          </a:effectLst>
         </p:spPr>
       </p:pic>
     </p:spTree>
@@ -10790,19 +10747,7 @@
                 <a:latin typeface="나눔명조" pitchFamily="18" charset="-127"/>
                 <a:ea typeface="나눔명조" pitchFamily="18" charset="-127"/>
               </a:rPr>
-              <a:t>psr</a:t>
-            </a:r>
-            <a:r>
-              <a:rPr lang="en-US" altLang="ko-KR" dirty="0" smtClean="0">
-                <a:solidFill>
-                  <a:schemeClr val="bg1">
-                    <a:lumMod val="75000"/>
-                  </a:schemeClr>
-                </a:solidFill>
-                <a:latin typeface="나눔명조" pitchFamily="18" charset="-127"/>
-                <a:ea typeface="나눔명조" pitchFamily="18" charset="-127"/>
-              </a:rPr>
-              <a:t>1/dev1 </a:t>
+              <a:t>psr1/dev1 </a:t>
             </a:r>
             <a:r>
               <a:rPr lang="ko-KR" altLang="en-US" dirty="0" err="1" smtClean="0">
@@ -10882,6 +10827,13 @@
             <a:headEnd/>
             <a:tailEnd/>
           </a:ln>
+          <a:effectLst>
+            <a:outerShdw blurRad="50800" dist="38100" dir="18900000" algn="bl" rotWithShape="0">
+              <a:prstClr val="black">
+                <a:alpha val="40000"/>
+              </a:prstClr>
+            </a:outerShdw>
+          </a:effectLst>
         </p:spPr>
       </p:pic>
     </p:spTree>
@@ -11233,6 +11185,13 @@
             <a:headEnd/>
             <a:tailEnd/>
           </a:ln>
+          <a:effectLst>
+            <a:outerShdw blurRad="50800" dist="38100" dir="18900000" algn="bl" rotWithShape="0">
+              <a:prstClr val="black">
+                <a:alpha val="40000"/>
+              </a:prstClr>
+            </a:outerShdw>
+          </a:effectLst>
         </p:spPr>
       </p:pic>
       <p:pic>
@@ -11265,6 +11224,13 @@
             <a:headEnd/>
             <a:tailEnd/>
           </a:ln>
+          <a:effectLst>
+            <a:outerShdw blurRad="50800" dist="38100" dir="18900000" algn="bl" rotWithShape="0">
+              <a:prstClr val="black">
+                <a:alpha val="40000"/>
+              </a:prstClr>
+            </a:outerShdw>
+          </a:effectLst>
         </p:spPr>
       </p:pic>
       <p:pic>
@@ -11297,6 +11263,13 @@
             <a:headEnd/>
             <a:tailEnd/>
           </a:ln>
+          <a:effectLst>
+            <a:outerShdw blurRad="50800" dist="38100" dir="18900000" algn="bl" rotWithShape="0">
+              <a:prstClr val="black">
+                <a:alpha val="40000"/>
+              </a:prstClr>
+            </a:outerShdw>
+          </a:effectLst>
         </p:spPr>
       </p:pic>
       <p:pic>
@@ -11329,6 +11302,13 @@
             <a:headEnd/>
             <a:tailEnd/>
           </a:ln>
+          <a:effectLst>
+            <a:outerShdw blurRad="50800" dist="38100" dir="18900000" algn="bl" rotWithShape="0">
+              <a:prstClr val="black">
+                <a:alpha val="40000"/>
+              </a:prstClr>
+            </a:outerShdw>
+          </a:effectLst>
         </p:spPr>
       </p:pic>
     </p:spTree>
@@ -11451,17 +11431,7 @@
                 <a:latin typeface="나눔명조" pitchFamily="18" charset="-127"/>
                 <a:ea typeface="나눔명조" pitchFamily="18" charset="-127"/>
               </a:rPr>
-              <a:t> </a:t>
-            </a:r>
-            <a:r>
-              <a:rPr lang="en-US" altLang="ko-KR" sz="2400" dirty="0" smtClean="0">
-                <a:solidFill>
-                  <a:schemeClr val="bg1"/>
-                </a:solidFill>
-                <a:latin typeface="나눔명조" pitchFamily="18" charset="-127"/>
-                <a:ea typeface="나눔명조" pitchFamily="18" charset="-127"/>
-              </a:rPr>
-              <a:t>checkout : </a:t>
+              <a:t> checkout : </a:t>
             </a:r>
             <a:r>
               <a:rPr lang="ko-KR" altLang="en-US" sz="2400" dirty="0" smtClean="0">
@@ -11724,6 +11694,13 @@
             <a:headEnd/>
             <a:tailEnd/>
           </a:ln>
+          <a:effectLst>
+            <a:outerShdw blurRad="50800" dist="38100" dir="18900000" algn="bl" rotWithShape="0">
+              <a:prstClr val="black">
+                <a:alpha val="40000"/>
+              </a:prstClr>
+            </a:outerShdw>
+          </a:effectLst>
         </p:spPr>
       </p:pic>
     </p:spTree>
@@ -11846,17 +11823,7 @@
                 <a:latin typeface="나눔명조" pitchFamily="18" charset="-127"/>
                 <a:ea typeface="나눔명조" pitchFamily="18" charset="-127"/>
               </a:rPr>
-              <a:t> </a:t>
-            </a:r>
-            <a:r>
-              <a:rPr lang="en-US" altLang="ko-KR" sz="2400" dirty="0" smtClean="0">
-                <a:solidFill>
-                  <a:schemeClr val="bg1"/>
-                </a:solidFill>
-                <a:latin typeface="나눔명조" pitchFamily="18" charset="-127"/>
-                <a:ea typeface="나눔명조" pitchFamily="18" charset="-127"/>
-              </a:rPr>
-              <a:t>merge: 1</a:t>
+              <a:t> merge: 1</a:t>
             </a:r>
             <a:r>
               <a:rPr lang="ko-KR" altLang="en-US" sz="2400" dirty="0" smtClean="0">
@@ -12212,17 +12179,7 @@
                 <a:latin typeface="나눔명조" pitchFamily="18" charset="-127"/>
                 <a:ea typeface="나눔명조" pitchFamily="18" charset="-127"/>
               </a:rPr>
-              <a:t> </a:t>
-            </a:r>
-            <a:r>
-              <a:rPr lang="en-US" altLang="ko-KR" sz="2400" dirty="0" smtClean="0">
-                <a:solidFill>
-                  <a:schemeClr val="bg1"/>
-                </a:solidFill>
-                <a:latin typeface="나눔명조" pitchFamily="18" charset="-127"/>
-                <a:ea typeface="나눔명조" pitchFamily="18" charset="-127"/>
-              </a:rPr>
-              <a:t>merge: 2</a:t>
+              <a:t> merge: 2</a:t>
             </a:r>
             <a:r>
               <a:rPr lang="ko-KR" altLang="en-US" sz="2400" dirty="0" smtClean="0">
@@ -12690,17 +12647,7 @@
                 <a:latin typeface="나눔명조" pitchFamily="18" charset="-127"/>
                 <a:ea typeface="나눔명조" pitchFamily="18" charset="-127"/>
               </a:rPr>
-              <a:t> </a:t>
-            </a:r>
-            <a:r>
-              <a:rPr lang="en-US" altLang="ko-KR" sz="2400" dirty="0" smtClean="0">
-                <a:solidFill>
-                  <a:schemeClr val="bg1"/>
-                </a:solidFill>
-                <a:latin typeface="나눔명조" pitchFamily="18" charset="-127"/>
-                <a:ea typeface="나눔명조" pitchFamily="18" charset="-127"/>
-              </a:rPr>
-              <a:t>rebase &amp; rebase --continue : 3</a:t>
+              <a:t> rebase &amp; rebase --continue : 3</a:t>
             </a:r>
             <a:r>
               <a:rPr lang="ko-KR" altLang="en-US" sz="2400" dirty="0" smtClean="0">
@@ -14046,7 +13993,7 @@
         </p:nvSpPr>
         <p:spPr>
           <a:xfrm>
-            <a:off x="1979712" y="1347614"/>
+            <a:off x="1979712" y="1131590"/>
             <a:ext cx="5040560" cy="369332"/>
           </a:xfrm>
           <a:prstGeom prst="rect">
@@ -14086,7 +14033,7 @@
               <a:t>골라서 붙이면 되네</a:t>
             </a:r>
             <a:r>
-              <a:rPr lang="en-US" altLang="ko-KR" smtClean="0">
+              <a:rPr lang="en-US" altLang="ko-KR" dirty="0" smtClean="0">
                 <a:solidFill>
                   <a:schemeClr val="bg1">
                     <a:lumMod val="75000"/>
@@ -14109,6 +14056,162 @@
           </a:p>
         </p:txBody>
       </p:sp>
+      <p:pic>
+        <p:nvPicPr>
+          <p:cNvPr id="1026" name="Picture 2"/>
+          <p:cNvPicPr>
+            <a:picLocks noChangeAspect="1" noChangeArrowheads="1"/>
+          </p:cNvPicPr>
+          <p:nvPr/>
+        </p:nvPicPr>
+        <p:blipFill>
+          <a:blip r:embed="rId2" cstate="print"/>
+          <a:srcRect/>
+          <a:stretch>
+            <a:fillRect/>
+          </a:stretch>
+        </p:blipFill>
+        <p:spPr bwMode="auto">
+          <a:xfrm>
+            <a:off x="1187624" y="1635646"/>
+            <a:ext cx="2439408" cy="2172025"/>
+          </a:xfrm>
+          <a:prstGeom prst="rect">
+            <a:avLst/>
+          </a:prstGeom>
+          <a:noFill/>
+          <a:ln w="9525">
+            <a:noFill/>
+            <a:miter lim="800000"/>
+            <a:headEnd/>
+            <a:tailEnd/>
+          </a:ln>
+          <a:effectLst>
+            <a:outerShdw blurRad="50800" dist="38100" dir="16200000" rotWithShape="0">
+              <a:prstClr val="black">
+                <a:alpha val="40000"/>
+              </a:prstClr>
+            </a:outerShdw>
+          </a:effectLst>
+        </p:spPr>
+      </p:pic>
+      <p:pic>
+        <p:nvPicPr>
+          <p:cNvPr id="1027" name="Picture 3"/>
+          <p:cNvPicPr>
+            <a:picLocks noChangeAspect="1" noChangeArrowheads="1"/>
+          </p:cNvPicPr>
+          <p:nvPr/>
+        </p:nvPicPr>
+        <p:blipFill>
+          <a:blip r:embed="rId3" cstate="print"/>
+          <a:srcRect/>
+          <a:stretch>
+            <a:fillRect/>
+          </a:stretch>
+        </p:blipFill>
+        <p:spPr bwMode="auto">
+          <a:xfrm>
+            <a:off x="5220072" y="1707655"/>
+            <a:ext cx="2912542" cy="1080120"/>
+          </a:xfrm>
+          <a:prstGeom prst="rect">
+            <a:avLst/>
+          </a:prstGeom>
+          <a:noFill/>
+          <a:ln w="9525">
+            <a:noFill/>
+            <a:miter lim="800000"/>
+            <a:headEnd/>
+            <a:tailEnd/>
+          </a:ln>
+          <a:effectLst>
+            <a:outerShdw blurRad="50800" dist="38100" dir="16200000" rotWithShape="0">
+              <a:prstClr val="black">
+                <a:alpha val="40000"/>
+              </a:prstClr>
+            </a:outerShdw>
+          </a:effectLst>
+        </p:spPr>
+      </p:pic>
+      <p:pic>
+        <p:nvPicPr>
+          <p:cNvPr id="1028" name="Picture 4"/>
+          <p:cNvPicPr>
+            <a:picLocks noChangeAspect="1" noChangeArrowheads="1"/>
+          </p:cNvPicPr>
+          <p:nvPr/>
+        </p:nvPicPr>
+        <p:blipFill>
+          <a:blip r:embed="rId4" cstate="print"/>
+          <a:srcRect/>
+          <a:stretch>
+            <a:fillRect/>
+          </a:stretch>
+        </p:blipFill>
+        <p:spPr bwMode="auto">
+          <a:xfrm>
+            <a:off x="2555776" y="2139702"/>
+            <a:ext cx="2214999" cy="1922590"/>
+          </a:xfrm>
+          <a:prstGeom prst="rect">
+            <a:avLst/>
+          </a:prstGeom>
+          <a:noFill/>
+          <a:ln w="9525">
+            <a:noFill/>
+            <a:miter lim="800000"/>
+            <a:headEnd/>
+            <a:tailEnd/>
+          </a:ln>
+          <a:effectLst>
+            <a:outerShdw blurRad="50800" dist="38100" dir="16200000" rotWithShape="0">
+              <a:prstClr val="black">
+                <a:alpha val="40000"/>
+              </a:prstClr>
+            </a:outerShdw>
+          </a:effectLst>
+        </p:spPr>
+      </p:pic>
+      <p:pic>
+        <p:nvPicPr>
+          <p:cNvPr id="1029" name="Picture 5"/>
+          <p:cNvPicPr>
+            <a:picLocks noChangeAspect="1" noChangeArrowheads="1"/>
+          </p:cNvPicPr>
+          <p:nvPr/>
+        </p:nvPicPr>
+        <p:blipFill>
+          <a:blip r:embed="rId5" cstate="print"/>
+          <a:srcRect/>
+          <a:stretch>
+            <a:fillRect/>
+          </a:stretch>
+        </p:blipFill>
+        <p:spPr bwMode="auto">
+          <a:xfrm>
+            <a:off x="5220072" y="2859782"/>
+            <a:ext cx="2851199" cy="1193525"/>
+          </a:xfrm>
+          <a:prstGeom prst="rect">
+            <a:avLst/>
+          </a:prstGeom>
+          <a:noFill/>
+          <a:ln w="9525">
+            <a:noFill/>
+            <a:miter lim="800000"/>
+            <a:headEnd/>
+            <a:tailEnd/>
+          </a:ln>
+          <a:effectLst>
+            <a:outerShdw blurRad="50800" dist="38100" dir="16200000" rotWithShape="0">
+              <a:prstClr val="black">
+                <a:alpha val="40000"/>
+              </a:prstClr>
+            </a:outerShdw>
+          </a:effectLst>
+        </p:spPr>
+      </p:pic>
     </p:spTree>
   </p:cSld>
   <p:clrMapOvr>
@@ -17002,10 +17105,10 @@
                 <a:latin typeface="나눔명조" pitchFamily="18" charset="-127"/>
                 <a:ea typeface="나눔명조" pitchFamily="18" charset="-127"/>
               </a:rPr>
-              <a:t>Git</a:t>
-            </a:r>
-            <a:r>
-              <a:rPr lang="ko-KR" altLang="en-US" sz="1600" spc="-150" dirty="0" smtClean="0">
+              <a:t>g</a:t>
+            </a:r>
+            <a:r>
+              <a:rPr lang="en-US" altLang="ko-KR" sz="1600" spc="-150" dirty="0" err="1" smtClean="0">
                 <a:solidFill>
                   <a:schemeClr val="bg1">
                     <a:lumMod val="75000"/>
@@ -17014,7 +17117,31 @@
                 <a:latin typeface="나눔명조" pitchFamily="18" charset="-127"/>
                 <a:ea typeface="나눔명조" pitchFamily="18" charset="-127"/>
               </a:rPr>
-              <a:t>이 절실해졌다</a:t>
+              <a:t>it</a:t>
+            </a:r>
+            <a:r>
+              <a:rPr lang="ko-KR" altLang="en-US" sz="1600" spc="-150" dirty="0" smtClean="0">
+                <a:solidFill>
+                  <a:schemeClr val="bg1">
+                    <a:lumMod val="75000"/>
+                  </a:schemeClr>
+                </a:solidFill>
+                <a:latin typeface="나눔명조" pitchFamily="18" charset="-127"/>
+                <a:ea typeface="나눔명조" pitchFamily="18" charset="-127"/>
+              </a:rPr>
+              <a:t>이 </a:t>
+            </a:r>
+            <a:r>
+              <a:rPr lang="ko-KR" altLang="en-US" sz="1600" spc="-150" dirty="0" smtClean="0">
+                <a:solidFill>
+                  <a:schemeClr val="bg1">
+                    <a:lumMod val="75000"/>
+                  </a:schemeClr>
+                </a:solidFill>
+                <a:latin typeface="나눔명조" pitchFamily="18" charset="-127"/>
+                <a:ea typeface="나눔명조" pitchFamily="18" charset="-127"/>
+              </a:rPr>
+              <a:t>필요해</a:t>
             </a:r>
             <a:r>
               <a:rPr lang="en-US" altLang="ko-KR" sz="1600" spc="-150" dirty="0" smtClean="0">
@@ -17558,27 +17685,7 @@
                 <a:latin typeface="나눔명조" pitchFamily="18" charset="-127"/>
                 <a:ea typeface="나눔명조" pitchFamily="18" charset="-127"/>
               </a:rPr>
-              <a:t>2</a:t>
-            </a:r>
-            <a:r>
-              <a:rPr lang="en-US" altLang="ko-KR" sz="2400" dirty="0" smtClean="0">
-                <a:solidFill>
-                  <a:schemeClr val="bg1"/>
-                </a:solidFill>
-                <a:latin typeface="나눔명조" pitchFamily="18" charset="-127"/>
-                <a:ea typeface="나눔명조" pitchFamily="18" charset="-127"/>
-              </a:rPr>
-              <a:t> </a:t>
-            </a:r>
-            <a:r>
-              <a:rPr lang="en-US" altLang="ko-KR" sz="2400" dirty="0" smtClean="0">
-                <a:solidFill>
-                  <a:schemeClr val="bg1"/>
-                </a:solidFill>
-                <a:latin typeface="나눔명조" pitchFamily="18" charset="-127"/>
-                <a:ea typeface="나눔명조" pitchFamily="18" charset="-127"/>
-              </a:rPr>
-              <a:t>– </a:t>
+              <a:t>2 – </a:t>
             </a:r>
             <a:r>
               <a:rPr lang="ko-KR" altLang="en-US" sz="2400" dirty="0" smtClean="0">
@@ -17872,31 +17979,7 @@
                 <a:latin typeface="나눔명조" pitchFamily="18" charset="-127"/>
                 <a:ea typeface="나눔명조" pitchFamily="18" charset="-127"/>
               </a:rPr>
-              <a:t>번</a:t>
-            </a:r>
-            <a:r>
-              <a:rPr lang="ko-KR" altLang="en-US" sz="2000" dirty="0" smtClean="0">
-                <a:solidFill>
-                  <a:schemeClr val="bg1">
-                    <a:lumMod val="95000"/>
-                  </a:schemeClr>
-                </a:solidFill>
-                <a:latin typeface="나눔명조" pitchFamily="18" charset="-127"/>
-                <a:ea typeface="나눔명조" pitchFamily="18" charset="-127"/>
-              </a:rPr>
-              <a:t> </a:t>
-            </a:r>
-            <a:r>
-              <a:rPr lang="ko-KR" altLang="en-US" sz="2000" dirty="0" smtClean="0">
-                <a:solidFill>
-                  <a:schemeClr val="bg1">
-                    <a:lumMod val="95000"/>
-                  </a:schemeClr>
-                </a:solidFill>
-                <a:latin typeface="나눔명조" pitchFamily="18" charset="-127"/>
-                <a:ea typeface="나눔명조" pitchFamily="18" charset="-127"/>
-              </a:rPr>
-              <a:t>관련해서 어떤 </a:t>
+              <a:t>번 관련해서 어떤 </a:t>
             </a:r>
             <a:endParaRPr lang="en-US" altLang="ko-KR" sz="2000" dirty="0" smtClean="0">
               <a:solidFill>
@@ -18003,55 +18086,7 @@
                 <a:latin typeface="나눔명조" pitchFamily="18" charset="-127"/>
                 <a:ea typeface="나눔명조" pitchFamily="18" charset="-127"/>
               </a:rPr>
-              <a:t>1, 2, </a:t>
-            </a:r>
-            <a:r>
-              <a:rPr lang="en-US" altLang="ko-KR" sz="1200" dirty="0" smtClean="0">
-                <a:solidFill>
-                  <a:schemeClr val="bg1">
-                    <a:lumMod val="75000"/>
-                  </a:schemeClr>
-                </a:solidFill>
-                <a:latin typeface="나눔명조" pitchFamily="18" charset="-127"/>
-                <a:ea typeface="나눔명조" pitchFamily="18" charset="-127"/>
-              </a:rPr>
-              <a:t>3</a:t>
-            </a:r>
-            <a:r>
-              <a:rPr lang="en-US" altLang="ko-KR" sz="1200" dirty="0" smtClean="0">
-                <a:solidFill>
-                  <a:schemeClr val="bg1">
-                    <a:lumMod val="75000"/>
-                  </a:schemeClr>
-                </a:solidFill>
-                <a:latin typeface="나눔명조" pitchFamily="18" charset="-127"/>
-                <a:ea typeface="나눔명조" pitchFamily="18" charset="-127"/>
-              </a:rPr>
-              <a:t> </a:t>
-            </a:r>
-            <a:r>
-              <a:rPr lang="en-US" altLang="ko-KR" sz="1200" dirty="0" smtClean="0">
-                <a:solidFill>
-                  <a:schemeClr val="bg1">
-                    <a:lumMod val="75000"/>
-                  </a:schemeClr>
-                </a:solidFill>
-                <a:latin typeface="나눔명조" pitchFamily="18" charset="-127"/>
-                <a:ea typeface="나눔명조" pitchFamily="18" charset="-127"/>
-              </a:rPr>
-              <a:t>… 20</a:t>
-            </a:r>
-            <a:r>
-              <a:rPr lang="en-US" altLang="ko-KR" sz="1200" dirty="0" smtClean="0">
-                <a:solidFill>
-                  <a:schemeClr val="bg1">
-                    <a:lumMod val="75000"/>
-                  </a:schemeClr>
-                </a:solidFill>
-                <a:latin typeface="나눔명조" pitchFamily="18" charset="-127"/>
-                <a:ea typeface="나눔명조" pitchFamily="18" charset="-127"/>
-              </a:rPr>
-              <a:t> </a:t>
+              <a:t>1, 2, 3 … 20 </a:t>
             </a:r>
             <a:r>
               <a:rPr lang="ko-KR" altLang="en-US" sz="1200" dirty="0" smtClean="0">
@@ -18197,27 +18232,7 @@
                 <a:latin typeface="나눔명조" pitchFamily="18" charset="-127"/>
                 <a:ea typeface="나눔명조" pitchFamily="18" charset="-127"/>
               </a:rPr>
-              <a:t>3</a:t>
-            </a:r>
-            <a:r>
-              <a:rPr lang="en-US" altLang="ko-KR" sz="2400" dirty="0" smtClean="0">
-                <a:solidFill>
-                  <a:schemeClr val="bg1"/>
-                </a:solidFill>
-                <a:latin typeface="나눔명조" pitchFamily="18" charset="-127"/>
-                <a:ea typeface="나눔명조" pitchFamily="18" charset="-127"/>
-              </a:rPr>
-              <a:t> </a:t>
-            </a:r>
-            <a:r>
-              <a:rPr lang="en-US" altLang="ko-KR" sz="2400" dirty="0" smtClean="0">
-                <a:solidFill>
-                  <a:schemeClr val="bg1"/>
-                </a:solidFill>
-                <a:latin typeface="나눔명조" pitchFamily="18" charset="-127"/>
-                <a:ea typeface="나눔명조" pitchFamily="18" charset="-127"/>
-              </a:rPr>
-              <a:t>– </a:t>
+              <a:t>3 – </a:t>
             </a:r>
             <a:r>
               <a:rPr lang="ko-KR" altLang="en-US" sz="2400" dirty="0" smtClean="0">
@@ -19125,27 +19140,7 @@
                 <a:latin typeface="나눔명조" pitchFamily="18" charset="-127"/>
                 <a:ea typeface="나눔명조" pitchFamily="18" charset="-127"/>
               </a:rPr>
-              <a:t>4</a:t>
-            </a:r>
-            <a:r>
-              <a:rPr lang="en-US" altLang="ko-KR" sz="2400" dirty="0" smtClean="0">
-                <a:solidFill>
-                  <a:schemeClr val="bg1"/>
-                </a:solidFill>
-                <a:latin typeface="나눔명조" pitchFamily="18" charset="-127"/>
-                <a:ea typeface="나눔명조" pitchFamily="18" charset="-127"/>
-              </a:rPr>
-              <a:t> </a:t>
-            </a:r>
-            <a:r>
-              <a:rPr lang="en-US" altLang="ko-KR" sz="2400" dirty="0" smtClean="0">
-                <a:solidFill>
-                  <a:schemeClr val="bg1"/>
-                </a:solidFill>
-                <a:latin typeface="나눔명조" pitchFamily="18" charset="-127"/>
-                <a:ea typeface="나눔명조" pitchFamily="18" charset="-127"/>
-              </a:rPr>
-              <a:t>– </a:t>
+              <a:t>4 – </a:t>
             </a:r>
             <a:r>
               <a:rPr lang="ko-KR" altLang="en-US" sz="2400" dirty="0" err="1" smtClean="0">
